--- a/Docker_workshop.pptx
+++ b/Docker_workshop.pptx
@@ -5,7 +5,7 @@
     <p:sldMasterId id="2147483648" r:id="rId1"/>
   </p:sldMasterIdLst>
   <p:notesMasterIdLst>
-    <p:notesMasterId r:id="rId29"/>
+    <p:notesMasterId r:id="rId28"/>
   </p:notesMasterIdLst>
   <p:sldIdLst>
     <p:sldId id="256" r:id="rId2"/>
@@ -22,19 +22,18 @@
     <p:sldId id="289" r:id="rId13"/>
     <p:sldId id="297" r:id="rId14"/>
     <p:sldId id="294" r:id="rId15"/>
-    <p:sldId id="284" r:id="rId16"/>
-    <p:sldId id="278" r:id="rId17"/>
-    <p:sldId id="295" r:id="rId18"/>
-    <p:sldId id="277" r:id="rId19"/>
-    <p:sldId id="291" r:id="rId20"/>
-    <p:sldId id="288" r:id="rId21"/>
-    <p:sldId id="296" r:id="rId22"/>
-    <p:sldId id="262" r:id="rId23"/>
-    <p:sldId id="292" r:id="rId24"/>
-    <p:sldId id="285" r:id="rId25"/>
-    <p:sldId id="286" r:id="rId26"/>
-    <p:sldId id="287" r:id="rId27"/>
-    <p:sldId id="261" r:id="rId28"/>
+    <p:sldId id="277" r:id="rId16"/>
+    <p:sldId id="291" r:id="rId17"/>
+    <p:sldId id="278" r:id="rId18"/>
+    <p:sldId id="288" r:id="rId19"/>
+    <p:sldId id="295" r:id="rId20"/>
+    <p:sldId id="296" r:id="rId21"/>
+    <p:sldId id="262" r:id="rId22"/>
+    <p:sldId id="292" r:id="rId23"/>
+    <p:sldId id="285" r:id="rId24"/>
+    <p:sldId id="286" r:id="rId25"/>
+    <p:sldId id="287" r:id="rId26"/>
+    <p:sldId id="261" r:id="rId27"/>
   </p:sldIdLst>
   <p:sldSz cx="12192000" cy="6858000"/>
   <p:notesSz cx="6858000" cy="9144000"/>
@@ -229,7 +228,7 @@
           <a:p>
             <a:fld id="{44B53E8D-93A4-45C2-B5B5-10C0D9FD8CAC}" type="datetimeFigureOut">
               <a:rPr lang="en-SG" smtClean="0"/>
-              <a:t>30/4/2024</a:t>
+              <a:t>2/5/2024</a:t>
             </a:fld>
             <a:endParaRPr lang="en-SG"/>
           </a:p>
@@ -636,7 +635,7 @@
           <a:p>
             <a:fld id="{437BE40A-911A-432A-8BBE-93FF79ED3A90}" type="datetime1">
               <a:rPr lang="en-US" smtClean="0"/>
-              <a:t>4/30/2024</a:t>
+              <a:t>5/2/2024</a:t>
             </a:fld>
             <a:endParaRPr lang="en-US" dirty="0"/>
           </a:p>
@@ -842,7 +841,7 @@
           <a:p>
             <a:fld id="{4F6639DB-A846-4767-ABAC-406E2E3917FA}" type="datetime1">
               <a:rPr lang="en-US" smtClean="0"/>
-              <a:t>4/30/2024</a:t>
+              <a:t>5/2/2024</a:t>
             </a:fld>
             <a:endParaRPr lang="en-US" dirty="0"/>
           </a:p>
@@ -1052,7 +1051,7 @@
           <a:p>
             <a:fld id="{771713FC-25A7-438F-9365-94BF54C091DD}" type="datetime1">
               <a:rPr lang="en-US" smtClean="0"/>
-              <a:t>4/30/2024</a:t>
+              <a:t>5/2/2024</a:t>
             </a:fld>
             <a:endParaRPr lang="en-US" dirty="0"/>
           </a:p>
@@ -1248,7 +1247,7 @@
           <a:p>
             <a:fld id="{CAE9FE10-04B1-4BA8-8869-75254AE28D04}" type="datetime1">
               <a:rPr lang="en-US" smtClean="0"/>
-              <a:t>4/30/2024</a:t>
+              <a:t>5/2/2024</a:t>
             </a:fld>
             <a:endParaRPr lang="en-US" dirty="0"/>
           </a:p>
@@ -1522,7 +1521,7 @@
           <a:p>
             <a:fld id="{70E77FC6-78CE-42FD-AD87-F85BB537C9A1}" type="datetime1">
               <a:rPr lang="en-US" smtClean="0"/>
-              <a:t>4/30/2024</a:t>
+              <a:t>5/2/2024</a:t>
             </a:fld>
             <a:endParaRPr lang="en-US" dirty="0"/>
           </a:p>
@@ -1785,7 +1784,7 @@
           <a:p>
             <a:fld id="{D55A4954-6E06-42E5-97D0-27BEAE43E0D3}" type="datetime1">
               <a:rPr lang="en-US" smtClean="0"/>
-              <a:t>4/30/2024</a:t>
+              <a:t>5/2/2024</a:t>
             </a:fld>
             <a:endParaRPr lang="en-US" dirty="0"/>
           </a:p>
@@ -2196,7 +2195,7 @@
           <a:p>
             <a:fld id="{7C32A4FA-2A0B-427C-8D5D-DDC37B93EACB}" type="datetime1">
               <a:rPr lang="en-US" smtClean="0"/>
-              <a:t>4/30/2024</a:t>
+              <a:t>5/2/2024</a:t>
             </a:fld>
             <a:endParaRPr lang="en-US" dirty="0"/>
           </a:p>
@@ -2340,7 +2339,7 @@
           <a:p>
             <a:fld id="{7B7B9263-D673-46C7-9969-438FB4605986}" type="datetime1">
               <a:rPr lang="en-US" smtClean="0"/>
-              <a:t>4/30/2024</a:t>
+              <a:t>5/2/2024</a:t>
             </a:fld>
             <a:endParaRPr lang="en-US" dirty="0"/>
           </a:p>
@@ -2461,7 +2460,7 @@
           <a:p>
             <a:fld id="{C9AB95F0-5727-4DF6-AF9F-64E494D61697}" type="datetime1">
               <a:rPr lang="en-US" smtClean="0"/>
-              <a:t>4/30/2024</a:t>
+              <a:t>5/2/2024</a:t>
             </a:fld>
             <a:endParaRPr lang="en-US" dirty="0"/>
           </a:p>
@@ -2707,7 +2706,7 @@
           <a:p>
             <a:fld id="{976BD081-FB83-4197-AF39-765AED2BCE98}" type="datetime1">
               <a:rPr lang="en-US" smtClean="0"/>
-              <a:t>4/30/2024</a:t>
+              <a:t>5/2/2024</a:t>
             </a:fld>
             <a:endParaRPr lang="en-US" dirty="0"/>
           </a:p>
@@ -3147,7 +3146,7 @@
           <a:p>
             <a:fld id="{47DBA1BF-3ADC-42CE-9107-AA2A03DA17AC}" type="datetime1">
               <a:rPr lang="en-US" smtClean="0"/>
-              <a:t>4/30/2024</a:t>
+              <a:t>5/2/2024</a:t>
             </a:fld>
             <a:endParaRPr lang="en-US" dirty="0"/>
           </a:p>
@@ -3469,7 +3468,7 @@
           <a:p>
             <a:fld id="{862269B6-9D79-4A41-AACA-71FE230DD192}" type="datetime1">
               <a:rPr lang="en-US" smtClean="0"/>
-              <a:t>4/30/2024</a:t>
+              <a:t>5/2/2024</a:t>
             </a:fld>
             <a:endParaRPr lang="en-US" dirty="0"/>
           </a:p>
@@ -4142,12 +4141,12 @@
         <p:spPr/>
         <p:txBody>
           <a:bodyPr>
-            <a:normAutofit fontScale="92500" lnSpcReduction="20000"/>
+            <a:normAutofit fontScale="92500" lnSpcReduction="10000"/>
           </a:bodyPr>
           <a:lstStyle/>
           <a:p>
             <a:r>
-              <a:rPr lang="en-US" sz="1600" b="0" i="0" dirty="0">
+              <a:rPr lang="en-US" sz="1400" b="0" i="0" dirty="0">
                 <a:solidFill>
                   <a:srgbClr val="0D0D0D"/>
                 </a:solidFill>
@@ -4160,92 +4159,130 @@
           <a:p>
             <a:pPr lvl="1"/>
             <a:r>
+              <a:rPr lang="en-US" sz="1200" b="0" i="0" dirty="0">
+                <a:solidFill>
+                  <a:srgbClr val="374151"/>
+                </a:solidFill>
+                <a:effectLst/>
+                <a:latin typeface="Söhne"/>
+              </a:rPr>
+              <a:t>docker run &lt;</a:t>
+            </a:r>
+            <a:r>
+              <a:rPr lang="en-US" sz="1200" b="0" i="0" dirty="0" err="1">
+                <a:solidFill>
+                  <a:srgbClr val="374151"/>
+                </a:solidFill>
+                <a:effectLst/>
+                <a:latin typeface="Söhne"/>
+              </a:rPr>
+              <a:t>image_name</a:t>
+            </a:r>
+            <a:r>
+              <a:rPr lang="en-US" sz="1200" b="0" i="0" dirty="0">
+                <a:solidFill>
+                  <a:srgbClr val="374151"/>
+                </a:solidFill>
+                <a:effectLst/>
+                <a:latin typeface="Söhne"/>
+              </a:rPr>
+              <a:t>&gt; </a:t>
+            </a:r>
+          </a:p>
+          <a:p>
+            <a:pPr lvl="1"/>
+            <a:r>
+              <a:rPr lang="en-US" sz="1200" b="0" i="0" dirty="0">
+                <a:solidFill>
+                  <a:srgbClr val="374151"/>
+                </a:solidFill>
+                <a:effectLst/>
+                <a:latin typeface="Söhne"/>
+              </a:rPr>
+              <a:t>Ex. docker run </a:t>
+            </a:r>
+            <a:r>
+              <a:rPr lang="en-US" sz="1200" b="0" i="0" dirty="0" err="1">
+                <a:solidFill>
+                  <a:srgbClr val="374151"/>
+                </a:solidFill>
+                <a:effectLst/>
+                <a:latin typeface="Söhne"/>
+              </a:rPr>
+              <a:t>my_app</a:t>
+            </a:r>
+            <a:r>
+              <a:rPr lang="en-US" sz="1200" b="0" i="0" dirty="0">
+                <a:solidFill>
+                  <a:srgbClr val="374151"/>
+                </a:solidFill>
+                <a:effectLst/>
+                <a:latin typeface="Söhne"/>
+              </a:rPr>
+              <a:t> </a:t>
+            </a:r>
+          </a:p>
+          <a:p>
+            <a:r>
               <a:rPr lang="en-US" sz="1400" b="0" i="0" dirty="0">
                 <a:solidFill>
-                  <a:srgbClr val="374151"/>
+                  <a:srgbClr val="0D0D0D"/>
                 </a:solidFill>
                 <a:effectLst/>
                 <a:latin typeface="Söhne"/>
               </a:rPr>
-              <a:t>docker run &lt;</a:t>
-            </a:r>
-            <a:r>
-              <a:rPr lang="en-US" sz="1400" b="0" i="0" dirty="0" err="1">
-                <a:solidFill>
-                  <a:srgbClr val="374151"/>
+              <a:t>Imagine a shipping container: </a:t>
+            </a:r>
+          </a:p>
+          <a:p>
+            <a:pPr lvl="1"/>
+            <a:r>
+              <a:rPr lang="en-US" sz="1200" b="0" i="0" dirty="0">
+                <a:solidFill>
+                  <a:srgbClr val="0D0D0D"/>
                 </a:solidFill>
                 <a:effectLst/>
                 <a:latin typeface="Söhne"/>
               </a:rPr>
-              <a:t>image_name</a:t>
-            </a:r>
+              <a:t>it contains all the goods needed for transport, </a:t>
+            </a:r>
+          </a:p>
+          <a:p>
+            <a:pPr lvl="1"/>
+            <a:r>
+              <a:rPr lang="en-US" sz="1200" b="0" i="0" dirty="0">
+                <a:solidFill>
+                  <a:srgbClr val="0D0D0D"/>
+                </a:solidFill>
+                <a:effectLst/>
+                <a:latin typeface="Söhne"/>
+              </a:rPr>
+              <a:t>isolated from the external environment </a:t>
+            </a:r>
+          </a:p>
+          <a:p>
+            <a:pPr lvl="1"/>
+            <a:r>
+              <a:rPr lang="en-US" sz="1200" b="0" i="0" dirty="0">
+                <a:solidFill>
+                  <a:srgbClr val="0D0D0D"/>
+                </a:solidFill>
+                <a:effectLst/>
+                <a:latin typeface="Söhne"/>
+              </a:rPr>
+              <a:t>can be easily transported from one location to another without affecting its contents.</a:t>
+            </a:r>
+          </a:p>
+          <a:p>
             <a:r>
               <a:rPr lang="en-US" sz="1400" b="0" i="0" dirty="0">
                 <a:solidFill>
-                  <a:srgbClr val="374151"/>
+                  <a:srgbClr val="0D0D0D"/>
                 </a:solidFill>
                 <a:effectLst/>
                 <a:latin typeface="Söhne"/>
               </a:rPr>
-              <a:t>&gt; </a:t>
-            </a:r>
-          </a:p>
-          <a:p>
-            <a:pPr lvl="1"/>
-            <a:r>
-              <a:rPr lang="en-US" sz="1400" b="0" i="0" dirty="0">
-                <a:solidFill>
-                  <a:srgbClr val="374151"/>
-                </a:solidFill>
-                <a:effectLst/>
-                <a:latin typeface="Söhne"/>
-              </a:rPr>
-              <a:t>Ex. docker run </a:t>
-            </a:r>
-            <a:r>
-              <a:rPr lang="en-US" sz="1400" b="0" i="0" dirty="0" err="1">
-                <a:solidFill>
-                  <a:srgbClr val="374151"/>
-                </a:solidFill>
-                <a:effectLst/>
-                <a:latin typeface="Söhne"/>
-              </a:rPr>
-              <a:t>my_app</a:t>
-            </a:r>
-            <a:r>
-              <a:rPr lang="en-US" sz="1400" b="0" i="0" dirty="0">
-                <a:solidFill>
-                  <a:srgbClr val="374151"/>
-                </a:solidFill>
-                <a:effectLst/>
-                <a:latin typeface="Söhne"/>
-              </a:rPr>
-              <a:t> </a:t>
-            </a:r>
-          </a:p>
-          <a:p>
-            <a:r>
-              <a:rPr lang="en-US" sz="1600" b="0" i="0" dirty="0">
-                <a:solidFill>
-                  <a:srgbClr val="0D0D0D"/>
-                </a:solidFill>
-                <a:effectLst/>
-                <a:latin typeface="Söhne"/>
-              </a:rPr>
-              <a:t>Containers are a method to package software applications along with their dependencies and configurations into isolated environments, enabling them to run consistently across different computing environments. </a:t>
-            </a:r>
-          </a:p>
-          <a:p>
-            <a:pPr lvl="1"/>
-            <a:r>
-              <a:rPr lang="en-US" sz="1400" b="0" i="0" dirty="0">
-                <a:solidFill>
-                  <a:srgbClr val="0D0D0D"/>
-                </a:solidFill>
-                <a:effectLst/>
-                <a:latin typeface="Söhne"/>
-              </a:rPr>
-              <a:t>Imagine a shipping container: it contains all the goods needed for transport, isolated from the external environment, and can be easily transported from one location to another without affecting its contents.</a:t>
+              <a:t>Similarly, Docker Containers are a method to package software applications along with their dependencies and configurations into isolated environments, enabling them to run consistently across different computing environments. </a:t>
             </a:r>
           </a:p>
         </p:txBody>
@@ -4298,7 +4335,7 @@
         <p:spPr/>
         <p:txBody>
           <a:bodyPr>
-            <a:normAutofit fontScale="92500" lnSpcReduction="20000"/>
+            <a:normAutofit fontScale="92500" lnSpcReduction="10000"/>
           </a:bodyPr>
           <a:lstStyle/>
           <a:p>
@@ -4569,13 +4606,18 @@
             <a:spLocks noGrp="1"/>
           </p:cNvSpPr>
           <p:nvPr>
-            <p:ph idx="1"/>
-          </p:nvPr>
-        </p:nvSpPr>
-        <p:spPr/>
+            <p:ph sz="half" idx="1"/>
+          </p:nvPr>
+        </p:nvSpPr>
+        <p:spPr>
+          <a:xfrm>
+            <a:off x="1447331" y="2010878"/>
+            <a:ext cx="5594492" cy="3448595"/>
+          </a:xfrm>
+        </p:spPr>
         <p:txBody>
           <a:bodyPr>
-            <a:normAutofit/>
+            <a:normAutofit fontScale="77500" lnSpcReduction="20000"/>
           </a:bodyPr>
           <a:lstStyle/>
           <a:p>
@@ -4666,6 +4708,24 @@
               <a:t>Removal: Containers can be removed using the ‘docker rm’ command.</a:t>
             </a:r>
           </a:p>
+          <a:p>
+            <a:r>
+              <a:rPr lang="en-US" dirty="0">
+                <a:solidFill>
+                  <a:srgbClr val="0D0D0D"/>
+                </a:solidFill>
+                <a:latin typeface="Söhne"/>
+              </a:rPr>
+              <a:t>Alternatively, all these can be done from docker desktop as well via UI</a:t>
+            </a:r>
+            <a:endParaRPr lang="en-US" b="0" i="0" dirty="0">
+              <a:solidFill>
+                <a:srgbClr val="0D0D0D"/>
+              </a:solidFill>
+              <a:effectLst/>
+              <a:latin typeface="Söhne"/>
+            </a:endParaRPr>
+          </a:p>
         </p:txBody>
       </p:sp>
       <p:sp>
@@ -4697,6 +4757,35 @@
           </a:p>
         </p:txBody>
       </p:sp>
+      <p:pic>
+        <p:nvPicPr>
+          <p:cNvPr id="13" name="Content Placeholder 12">
+            <a:extLst>
+              <a:ext uri="{FF2B5EF4-FFF2-40B4-BE49-F238E27FC236}">
+                <a16:creationId xmlns:a16="http://schemas.microsoft.com/office/drawing/2014/main" id="{EFCFA1EB-EEAD-E57B-AFEB-C512C97C95A7}"/>
+              </a:ext>
+            </a:extLst>
+          </p:cNvPr>
+          <p:cNvPicPr>
+            <a:picLocks noGrp="1" noChangeAspect="1"/>
+          </p:cNvPicPr>
+          <p:nvPr>
+            <p:ph sz="half" idx="2"/>
+          </p:nvPr>
+        </p:nvPicPr>
+        <p:blipFill>
+          <a:blip r:embed="rId2"/>
+          <a:stretch>
+            <a:fillRect/>
+          </a:stretch>
+        </p:blipFill>
+        <p:spPr>
+          <a:xfrm>
+            <a:off x="7334250" y="2693306"/>
+            <a:ext cx="4364414" cy="2449835"/>
+          </a:xfrm>
+        </p:spPr>
+      </p:pic>
     </p:spTree>
     <p:extLst>
       <p:ext uri="{BB962C8B-B14F-4D97-AF65-F5344CB8AC3E}">
@@ -5258,7 +5347,7 @@
                 <a:effectLst/>
                 <a:latin typeface="Söhne"/>
               </a:rPr>
-              <a:t>Initiate MySQL DB via DOCKERFILE</a:t>
+              <a:t>Docker COMPOSE</a:t>
             </a:r>
             <a:endParaRPr lang="en-SG" dirty="0">
               <a:latin typeface="Arial" panose="020B0604020202020204" pitchFamily="34" charset="0"/>
@@ -5269,10 +5358,10 @@
       </p:sp>
       <p:sp>
         <p:nvSpPr>
-          <p:cNvPr id="3" name="Content Placeholder 2">
+          <p:cNvPr id="4" name="Content Placeholder 3">
             <a:extLst>
               <a:ext uri="{FF2B5EF4-FFF2-40B4-BE49-F238E27FC236}">
-                <a16:creationId xmlns:a16="http://schemas.microsoft.com/office/drawing/2014/main" id="{92CDBBD6-340F-E403-74C2-8C5D82E49D4F}"/>
+                <a16:creationId xmlns:a16="http://schemas.microsoft.com/office/drawing/2014/main" id="{4637E327-F295-30A3-898A-E970B4F61646}"/>
               </a:ext>
             </a:extLst>
           </p:cNvPr>
@@ -5285,246 +5374,154 @@
         </p:nvSpPr>
         <p:spPr>
           <a:xfrm>
-            <a:off x="480060" y="2010878"/>
-            <a:ext cx="6091562" cy="3448595"/>
+            <a:off x="1004836" y="2010878"/>
+            <a:ext cx="5325626" cy="3448595"/>
           </a:xfrm>
         </p:spPr>
         <p:txBody>
           <a:bodyPr>
-            <a:normAutofit/>
+            <a:normAutofit fontScale="85000" lnSpcReduction="10000"/>
           </a:bodyPr>
           <a:lstStyle/>
           <a:p>
             <a:r>
-              <a:rPr lang="en-US" b="0" i="0" dirty="0">
-                <a:solidFill>
-                  <a:srgbClr val="374151"/>
-                </a:solidFill>
-                <a:effectLst/>
-                <a:latin typeface="Söhne"/>
-              </a:rPr>
-              <a:t>Dockerfile: create a Dockerfile specify the base MySQL image needed. </a:t>
-            </a:r>
-          </a:p>
-          <a:p>
-            <a:r>
               <a:rPr lang="en-US" dirty="0">
                 <a:solidFill>
-                  <a:srgbClr val="374151"/>
-                </a:solidFill>
-                <a:latin typeface="Söhne"/>
-              </a:rPr>
-              <a:t>Include any SQL script to be included during initialization</a:t>
-            </a:r>
-          </a:p>
-          <a:p>
-            <a:r>
-              <a:rPr lang="en-US" b="0" i="0" dirty="0">
-                <a:solidFill>
-                  <a:srgbClr val="374151"/>
-                </a:solidFill>
-                <a:effectLst/>
-                <a:latin typeface="Söhne"/>
-              </a:rPr>
-              <a:t>Build the docker image using the below command</a:t>
+                  <a:srgbClr val="0D0D0D"/>
+                </a:solidFill>
+                <a:latin typeface="Söhne"/>
+              </a:rPr>
+              <a:t>Docker Compose is a tool to deploy </a:t>
+            </a:r>
+            <a:r>
+              <a:rPr lang="en-US" b="1" dirty="0">
+                <a:solidFill>
+                  <a:srgbClr val="0D0D0D"/>
+                </a:solidFill>
+                <a:latin typeface="Söhne"/>
+              </a:rPr>
+              <a:t>multiple containers </a:t>
+            </a:r>
+            <a:r>
+              <a:rPr lang="en-US" dirty="0">
+                <a:solidFill>
+                  <a:srgbClr val="0D0D0D"/>
+                </a:solidFill>
+                <a:latin typeface="Söhne"/>
+              </a:rPr>
+              <a:t>at the same time with a single command.</a:t>
+            </a:r>
+          </a:p>
+          <a:p>
+            <a:r>
+              <a:rPr lang="en-US" dirty="0">
+                <a:solidFill>
+                  <a:srgbClr val="0D0D0D"/>
+                </a:solidFill>
+                <a:latin typeface="Söhne"/>
+              </a:rPr>
+              <a:t>It uses a YAML file (docker-</a:t>
+            </a:r>
+            <a:r>
+              <a:rPr lang="en-US" dirty="0" err="1">
+                <a:solidFill>
+                  <a:srgbClr val="0D0D0D"/>
+                </a:solidFill>
+                <a:latin typeface="Söhne"/>
+              </a:rPr>
+              <a:t>compose.yml</a:t>
+            </a:r>
+            <a:r>
+              <a:rPr lang="en-US" dirty="0">
+                <a:solidFill>
+                  <a:srgbClr val="0D0D0D"/>
+                </a:solidFill>
+                <a:latin typeface="Söhne"/>
+              </a:rPr>
+              <a:t>) to configure the application's services, networks, and volumes.</a:t>
+            </a:r>
+          </a:p>
+          <a:p>
+            <a:r>
+              <a:rPr lang="en-US" dirty="0">
+                <a:solidFill>
+                  <a:srgbClr val="0D0D0D"/>
+                </a:solidFill>
+                <a:latin typeface="Söhne"/>
+              </a:rPr>
+              <a:t>Advantages</a:t>
             </a:r>
           </a:p>
           <a:p>
             <a:pPr lvl="1"/>
             <a:r>
-              <a:rPr lang="en-US" b="0" i="0" dirty="0">
-                <a:solidFill>
-                  <a:srgbClr val="374151"/>
-                </a:solidFill>
-                <a:effectLst/>
-                <a:latin typeface="Söhne"/>
-              </a:rPr>
-              <a:t>docker build -t &lt;</a:t>
-            </a:r>
-            <a:r>
-              <a:rPr lang="en-US" b="0" i="0" dirty="0" err="1">
-                <a:solidFill>
-                  <a:srgbClr val="374151"/>
-                </a:solidFill>
-                <a:effectLst/>
-                <a:latin typeface="Söhne"/>
-              </a:rPr>
-              <a:t>image_name</a:t>
-            </a:r>
-            <a:r>
-              <a:rPr lang="en-US" b="0" i="0" dirty="0">
-                <a:solidFill>
-                  <a:srgbClr val="374151"/>
-                </a:solidFill>
-                <a:effectLst/>
-                <a:latin typeface="Söhne"/>
-              </a:rPr>
-              <a:t>&gt; &lt;</a:t>
-            </a:r>
-            <a:r>
-              <a:rPr lang="en-US" b="0" i="0" dirty="0" err="1">
-                <a:solidFill>
-                  <a:srgbClr val="374151"/>
-                </a:solidFill>
-                <a:effectLst/>
-                <a:latin typeface="Söhne"/>
-              </a:rPr>
-              <a:t>path_to_Dockerfile</a:t>
-            </a:r>
-            <a:r>
-              <a:rPr lang="en-US" b="0" i="0" dirty="0">
-                <a:solidFill>
-                  <a:srgbClr val="374151"/>
-                </a:solidFill>
-                <a:effectLst/>
-                <a:latin typeface="Söhne"/>
-              </a:rPr>
-              <a:t>&gt;</a:t>
+              <a:rPr lang="en-US" dirty="0">
+                <a:solidFill>
+                  <a:srgbClr val="0D0D0D"/>
+                </a:solidFill>
+                <a:latin typeface="Söhne"/>
+              </a:rPr>
+              <a:t>Defines the entire application environment in a single file, </a:t>
+            </a:r>
+            <a:r>
+              <a:rPr lang="en-US" b="1" i="1" dirty="0">
+                <a:solidFill>
+                  <a:srgbClr val="0D0D0D"/>
+                </a:solidFill>
+                <a:latin typeface="Söhne"/>
+              </a:rPr>
+              <a:t>making it easy to share and reproduce</a:t>
+            </a:r>
+            <a:r>
+              <a:rPr lang="en-US" dirty="0">
+                <a:solidFill>
+                  <a:srgbClr val="0D0D0D"/>
+                </a:solidFill>
+                <a:latin typeface="Söhne"/>
+              </a:rPr>
+              <a:t>.</a:t>
             </a:r>
           </a:p>
           <a:p>
             <a:pPr lvl="1"/>
             <a:r>
-              <a:rPr lang="en-US" b="0" i="0" dirty="0">
-                <a:solidFill>
-                  <a:srgbClr val="374151"/>
-                </a:solidFill>
-                <a:effectLst/>
-                <a:latin typeface="Söhne"/>
-              </a:rPr>
-              <a:t>Ex. docker build -t </a:t>
-            </a:r>
-            <a:r>
-              <a:rPr lang="en-US" b="0" i="0" dirty="0" err="1">
-                <a:solidFill>
-                  <a:srgbClr val="374151"/>
-                </a:solidFill>
-                <a:effectLst/>
-                <a:latin typeface="Söhne"/>
-              </a:rPr>
-              <a:t>my_sql_app</a:t>
-            </a:r>
-            <a:r>
-              <a:rPr lang="en-US" b="0" i="0" dirty="0">
-                <a:solidFill>
-                  <a:srgbClr val="374151"/>
-                </a:solidFill>
-                <a:effectLst/>
-                <a:latin typeface="Söhne"/>
-              </a:rPr>
-              <a:t> . </a:t>
-            </a:r>
-          </a:p>
-          <a:p>
-            <a:pPr marL="457200" lvl="1" indent="0">
+              <a:rPr lang="en-US" dirty="0">
+                <a:solidFill>
+                  <a:srgbClr val="0D0D0D"/>
+                </a:solidFill>
+                <a:latin typeface="Söhne"/>
+              </a:rPr>
+              <a:t>Automates the process of starting, stopping, and scaling multiple containers with a single command.</a:t>
+            </a:r>
+          </a:p>
+          <a:p>
+            <a:pPr marL="0" indent="0">
               <a:buNone/>
             </a:pPr>
-            <a:endParaRPr lang="en-US" b="0" i="0" dirty="0">
+            <a:endParaRPr lang="en-SG" dirty="0">
               <a:solidFill>
-                <a:srgbClr val="374151"/>
+                <a:srgbClr val="0D0D0D"/>
               </a:solidFill>
-              <a:effectLst/>
               <a:latin typeface="Söhne"/>
             </a:endParaRPr>
           </a:p>
-          <a:p>
-            <a:pPr lvl="1"/>
-            <a:endParaRPr lang="en-US" b="0" i="0" dirty="0">
-              <a:solidFill>
-                <a:srgbClr val="374151"/>
-              </a:solidFill>
-              <a:effectLst/>
-              <a:latin typeface="Söhne"/>
-            </a:endParaRPr>
-          </a:p>
-          <a:p>
-            <a:pPr marL="0" indent="0" algn="l">
-              <a:buNone/>
-            </a:pPr>
-            <a:endParaRPr lang="en-US" b="0" i="0" dirty="0">
-              <a:solidFill>
-                <a:srgbClr val="374151"/>
-              </a:solidFill>
-              <a:effectLst/>
-              <a:latin typeface="Söhne"/>
-            </a:endParaRPr>
-          </a:p>
-        </p:txBody>
-      </p:sp>
-      <p:sp>
-        <p:nvSpPr>
-          <p:cNvPr id="5" name="Slide Number Placeholder 4">
+        </p:txBody>
+      </p:sp>
+      <p:pic>
+        <p:nvPicPr>
+          <p:cNvPr id="8" name="Content Placeholder 7">
             <a:extLst>
               <a:ext uri="{FF2B5EF4-FFF2-40B4-BE49-F238E27FC236}">
-                <a16:creationId xmlns:a16="http://schemas.microsoft.com/office/drawing/2014/main" id="{38F98672-66A5-3449-896E-4A10CC1775BE}"/>
-              </a:ext>
-            </a:extLst>
-          </p:cNvPr>
-          <p:cNvSpPr>
-            <a:spLocks noGrp="1"/>
-          </p:cNvSpPr>
-          <p:nvPr>
-            <p:ph type="sldNum" sz="quarter" idx="12"/>
-          </p:nvPr>
-        </p:nvSpPr>
-        <p:spPr/>
-        <p:txBody>
-          <a:bodyPr/>
-          <a:lstStyle/>
-          <a:p>
-            <a:fld id="{6D22F896-40B5-4ADD-8801-0D06FADFA095}" type="slidenum">
-              <a:rPr lang="en-US" smtClean="0"/>
-              <a:t>15</a:t>
-            </a:fld>
-            <a:endParaRPr lang="en-US" dirty="0"/>
-          </a:p>
-        </p:txBody>
-      </p:sp>
-      <p:sp>
-        <p:nvSpPr>
-          <p:cNvPr id="14" name="Content Placeholder 13">
-            <a:extLst>
-              <a:ext uri="{FF2B5EF4-FFF2-40B4-BE49-F238E27FC236}">
-                <a16:creationId xmlns:a16="http://schemas.microsoft.com/office/drawing/2014/main" id="{7A5059C3-4230-3A73-F66C-B0F1A5D6884D}"/>
-              </a:ext>
-            </a:extLst>
-          </p:cNvPr>
-          <p:cNvSpPr>
-            <a:spLocks noGrp="1"/>
-          </p:cNvSpPr>
-          <p:nvPr>
-            <p:ph sz="half" idx="2"/>
-          </p:nvPr>
-        </p:nvSpPr>
-        <p:spPr>
-          <a:xfrm>
-            <a:off x="7948245" y="2017343"/>
-            <a:ext cx="3110677" cy="3441520"/>
-          </a:xfrm>
-        </p:spPr>
-        <p:txBody>
-          <a:bodyPr>
-            <a:normAutofit/>
-          </a:bodyPr>
-          <a:lstStyle/>
-          <a:p>
-            <a:endParaRPr lang="en-SG" dirty="0"/>
-          </a:p>
-        </p:txBody>
-      </p:sp>
-      <p:pic>
-        <p:nvPicPr>
-          <p:cNvPr id="8" name="Picture 7">
-            <a:extLst>
-              <a:ext uri="{FF2B5EF4-FFF2-40B4-BE49-F238E27FC236}">
-                <a16:creationId xmlns:a16="http://schemas.microsoft.com/office/drawing/2014/main" id="{DCE69F72-7EE4-B66E-8A08-58330095BA69}"/>
+                <a16:creationId xmlns:a16="http://schemas.microsoft.com/office/drawing/2014/main" id="{22F22407-C4AC-E2C8-75F9-1AADB33E66D8}"/>
               </a:ext>
             </a:extLst>
           </p:cNvPr>
           <p:cNvPicPr>
-            <a:picLocks noChangeAspect="1"/>
+            <a:picLocks noGrp="1" noChangeAspect="1"/>
           </p:cNvPicPr>
-          <p:nvPr/>
+          <p:nvPr>
+            <p:ph sz="half" idx="2"/>
+          </p:nvPr>
         </p:nvPicPr>
         <p:blipFill>
           <a:blip r:embed="rId2"/>
@@ -5534,18 +5531,44 @@
         </p:blipFill>
         <p:spPr>
           <a:xfrm>
-            <a:off x="7327120" y="2128837"/>
-            <a:ext cx="4352925" cy="2600325"/>
+            <a:off x="6403452" y="2010878"/>
+            <a:ext cx="5233068" cy="3870158"/>
           </a:xfrm>
-          <a:prstGeom prst="rect">
-            <a:avLst/>
-          </a:prstGeom>
         </p:spPr>
       </p:pic>
+      <p:sp>
+        <p:nvSpPr>
+          <p:cNvPr id="5" name="Slide Number Placeholder 4">
+            <a:extLst>
+              <a:ext uri="{FF2B5EF4-FFF2-40B4-BE49-F238E27FC236}">
+                <a16:creationId xmlns:a16="http://schemas.microsoft.com/office/drawing/2014/main" id="{38F98672-66A5-3449-896E-4A10CC1775BE}"/>
+              </a:ext>
+            </a:extLst>
+          </p:cNvPr>
+          <p:cNvSpPr>
+            <a:spLocks noGrp="1"/>
+          </p:cNvSpPr>
+          <p:nvPr>
+            <p:ph type="sldNum" sz="quarter" idx="12"/>
+          </p:nvPr>
+        </p:nvSpPr>
+        <p:spPr/>
+        <p:txBody>
+          <a:bodyPr/>
+          <a:lstStyle/>
+          <a:p>
+            <a:fld id="{6D22F896-40B5-4ADD-8801-0D06FADFA095}" type="slidenum">
+              <a:rPr lang="en-US" smtClean="0"/>
+              <a:t>15</a:t>
+            </a:fld>
+            <a:endParaRPr lang="en-US" dirty="0"/>
+          </a:p>
+        </p:txBody>
+      </p:sp>
     </p:spTree>
     <p:extLst>
       <p:ext uri="{BB962C8B-B14F-4D97-AF65-F5344CB8AC3E}">
-        <p14:creationId xmlns:p14="http://schemas.microsoft.com/office/powerpoint/2010/main" val="1986558480"/>
+        <p14:creationId xmlns:p14="http://schemas.microsoft.com/office/powerpoint/2010/main" val="2075855270"/>
       </p:ext>
     </p:extLst>
   </p:cSld>
@@ -5601,6 +5624,235 @@
                 <a:effectLst/>
                 <a:latin typeface="Söhne"/>
               </a:rPr>
+              <a:t>Why Docker COMPOSE</a:t>
+            </a:r>
+            <a:endParaRPr lang="en-SG" dirty="0">
+              <a:latin typeface="Arial" panose="020B0604020202020204" pitchFamily="34" charset="0"/>
+              <a:cs typeface="Arial" panose="020B0604020202020204" pitchFamily="34" charset="0"/>
+            </a:endParaRPr>
+          </a:p>
+        </p:txBody>
+      </p:sp>
+      <p:sp>
+        <p:nvSpPr>
+          <p:cNvPr id="4" name="Content Placeholder 3">
+            <a:extLst>
+              <a:ext uri="{FF2B5EF4-FFF2-40B4-BE49-F238E27FC236}">
+                <a16:creationId xmlns:a16="http://schemas.microsoft.com/office/drawing/2014/main" id="{4637E327-F295-30A3-898A-E970B4F61646}"/>
+              </a:ext>
+            </a:extLst>
+          </p:cNvPr>
+          <p:cNvSpPr>
+            <a:spLocks noGrp="1"/>
+          </p:cNvSpPr>
+          <p:nvPr>
+            <p:ph sz="half" idx="1"/>
+          </p:nvPr>
+        </p:nvSpPr>
+        <p:spPr/>
+        <p:txBody>
+          <a:bodyPr>
+            <a:normAutofit fontScale="85000" lnSpcReduction="20000"/>
+          </a:bodyPr>
+          <a:lstStyle/>
+          <a:p>
+            <a:r>
+              <a:rPr lang="en-US" dirty="0">
+                <a:solidFill>
+                  <a:srgbClr val="0D0D0D"/>
+                </a:solidFill>
+                <a:latin typeface="Söhne"/>
+              </a:rPr>
+              <a:t>Coordinates the creation and management of multiple containers, ensuring they communicate with each other as defined in the configuration.</a:t>
+            </a:r>
+          </a:p>
+          <a:p>
+            <a:r>
+              <a:rPr lang="en-US" dirty="0">
+                <a:solidFill>
+                  <a:srgbClr val="0D0D0D"/>
+                </a:solidFill>
+                <a:latin typeface="Söhne"/>
+              </a:rPr>
+              <a:t>Automatically resolves dependencies between services, ensuring they start in the correct order.  </a:t>
+            </a:r>
+          </a:p>
+          <a:p>
+            <a:r>
+              <a:rPr lang="en-US" dirty="0">
+                <a:solidFill>
+                  <a:srgbClr val="0D0D0D"/>
+                </a:solidFill>
+                <a:latin typeface="Söhne"/>
+              </a:rPr>
+              <a:t>Ex. Check depends-on keyword</a:t>
+            </a:r>
+          </a:p>
+          <a:p>
+            <a:r>
+              <a:rPr lang="en-US" dirty="0">
+                <a:solidFill>
+                  <a:srgbClr val="0D0D0D"/>
+                </a:solidFill>
+                <a:latin typeface="Söhne"/>
+              </a:rPr>
+              <a:t>Commands of docker compose</a:t>
+            </a:r>
+          </a:p>
+          <a:p>
+            <a:pPr lvl="1"/>
+            <a:r>
+              <a:rPr lang="en-US" dirty="0">
+                <a:solidFill>
+                  <a:srgbClr val="0D0D0D"/>
+                </a:solidFill>
+                <a:latin typeface="Söhne"/>
+              </a:rPr>
+              <a:t>To start  : docker-compose up –d</a:t>
+            </a:r>
+          </a:p>
+          <a:p>
+            <a:pPr lvl="1"/>
+            <a:r>
+              <a:rPr lang="en-US" dirty="0">
+                <a:solidFill>
+                  <a:srgbClr val="0D0D0D"/>
+                </a:solidFill>
+                <a:latin typeface="Söhne"/>
+              </a:rPr>
+              <a:t>To stops  : docker-compose down</a:t>
+            </a:r>
+          </a:p>
+          <a:p>
+            <a:pPr marL="0" indent="0">
+              <a:buNone/>
+            </a:pPr>
+            <a:endParaRPr lang="en-SG" dirty="0">
+              <a:solidFill>
+                <a:srgbClr val="0D0D0D"/>
+              </a:solidFill>
+              <a:latin typeface="Söhne"/>
+            </a:endParaRPr>
+          </a:p>
+        </p:txBody>
+      </p:sp>
+      <p:pic>
+        <p:nvPicPr>
+          <p:cNvPr id="8" name="Content Placeholder 7">
+            <a:extLst>
+              <a:ext uri="{FF2B5EF4-FFF2-40B4-BE49-F238E27FC236}">
+                <a16:creationId xmlns:a16="http://schemas.microsoft.com/office/drawing/2014/main" id="{22F22407-C4AC-E2C8-75F9-1AADB33E66D8}"/>
+              </a:ext>
+            </a:extLst>
+          </p:cNvPr>
+          <p:cNvPicPr>
+            <a:picLocks noGrp="1" noChangeAspect="1"/>
+          </p:cNvPicPr>
+          <p:nvPr>
+            <p:ph sz="half" idx="2"/>
+          </p:nvPr>
+        </p:nvPicPr>
+        <p:blipFill>
+          <a:blip r:embed="rId2"/>
+          <a:stretch>
+            <a:fillRect/>
+          </a:stretch>
+        </p:blipFill>
+        <p:spPr>
+          <a:xfrm>
+            <a:off x="6413500" y="2010878"/>
+            <a:ext cx="5233068" cy="3870158"/>
+          </a:xfrm>
+        </p:spPr>
+      </p:pic>
+      <p:sp>
+        <p:nvSpPr>
+          <p:cNvPr id="5" name="Slide Number Placeholder 4">
+            <a:extLst>
+              <a:ext uri="{FF2B5EF4-FFF2-40B4-BE49-F238E27FC236}">
+                <a16:creationId xmlns:a16="http://schemas.microsoft.com/office/drawing/2014/main" id="{38F98672-66A5-3449-896E-4A10CC1775BE}"/>
+              </a:ext>
+            </a:extLst>
+          </p:cNvPr>
+          <p:cNvSpPr>
+            <a:spLocks noGrp="1"/>
+          </p:cNvSpPr>
+          <p:nvPr>
+            <p:ph type="sldNum" sz="quarter" idx="12"/>
+          </p:nvPr>
+        </p:nvSpPr>
+        <p:spPr/>
+        <p:txBody>
+          <a:bodyPr/>
+          <a:lstStyle/>
+          <a:p>
+            <a:fld id="{6D22F896-40B5-4ADD-8801-0D06FADFA095}" type="slidenum">
+              <a:rPr lang="en-US" smtClean="0"/>
+              <a:t>16</a:t>
+            </a:fld>
+            <a:endParaRPr lang="en-US" dirty="0"/>
+          </a:p>
+        </p:txBody>
+      </p:sp>
+    </p:spTree>
+    <p:extLst>
+      <p:ext uri="{BB962C8B-B14F-4D97-AF65-F5344CB8AC3E}">
+        <p14:creationId xmlns:p14="http://schemas.microsoft.com/office/powerpoint/2010/main" val="2382357418"/>
+      </p:ext>
+    </p:extLst>
+  </p:cSld>
+  <p:clrMapOvr>
+    <a:masterClrMapping/>
+  </p:clrMapOvr>
+</p:sld>
+</file>
+
+<file path=ppt/slides/slide17.xml><?xml version="1.0" encoding="utf-8"?>
+<p:sld xmlns:a="http://schemas.openxmlformats.org/drawingml/2006/main" xmlns:r="http://schemas.openxmlformats.org/officeDocument/2006/relationships" xmlns:p="http://schemas.openxmlformats.org/presentationml/2006/main">
+  <p:cSld>
+    <p:spTree>
+      <p:nvGrpSpPr>
+        <p:cNvPr id="1" name=""/>
+        <p:cNvGrpSpPr/>
+        <p:nvPr/>
+      </p:nvGrpSpPr>
+      <p:grpSpPr>
+        <a:xfrm>
+          <a:off x="0" y="0"/>
+          <a:ext cx="0" cy="0"/>
+          <a:chOff x="0" y="0"/>
+          <a:chExt cx="0" cy="0"/>
+        </a:xfrm>
+      </p:grpSpPr>
+      <p:sp>
+        <p:nvSpPr>
+          <p:cNvPr id="2" name="Title 1">
+            <a:extLst>
+              <a:ext uri="{FF2B5EF4-FFF2-40B4-BE49-F238E27FC236}">
+                <a16:creationId xmlns:a16="http://schemas.microsoft.com/office/drawing/2014/main" id="{E615E32B-E872-C489-66C2-88BFAA5C1700}"/>
+              </a:ext>
+            </a:extLst>
+          </p:cNvPr>
+          <p:cNvSpPr>
+            <a:spLocks noGrp="1"/>
+          </p:cNvSpPr>
+          <p:nvPr>
+            <p:ph type="title"/>
+          </p:nvPr>
+        </p:nvSpPr>
+        <p:spPr/>
+        <p:txBody>
+          <a:bodyPr/>
+          <a:lstStyle/>
+          <a:p>
+            <a:r>
+              <a:rPr lang="en-US" b="1" i="0" dirty="0">
+                <a:solidFill>
+                  <a:srgbClr val="0D0D0D"/>
+                </a:solidFill>
+                <a:effectLst/>
+                <a:latin typeface="Söhne"/>
+              </a:rPr>
               <a:t>Docker Volume</a:t>
             </a:r>
             <a:endParaRPr lang="en-SG" dirty="0">
@@ -5734,7 +5986,7 @@
           <a:p>
             <a:fld id="{6D22F896-40B5-4ADD-8801-0D06FADFA095}" type="slidenum">
               <a:rPr lang="en-US" smtClean="0"/>
-              <a:t>16</a:t>
+              <a:t>17</a:t>
             </a:fld>
             <a:endParaRPr lang="en-US" dirty="0"/>
           </a:p>
@@ -5802,119 +6054,6 @@
 </p:sld>
 </file>
 
-<file path=ppt/slides/slide17.xml><?xml version="1.0" encoding="utf-8"?>
-<p:sld xmlns:a="http://schemas.openxmlformats.org/drawingml/2006/main" xmlns:r="http://schemas.openxmlformats.org/officeDocument/2006/relationships" xmlns:p="http://schemas.openxmlformats.org/presentationml/2006/main">
-  <p:cSld>
-    <p:spTree>
-      <p:nvGrpSpPr>
-        <p:cNvPr id="1" name=""/>
-        <p:cNvGrpSpPr/>
-        <p:nvPr/>
-      </p:nvGrpSpPr>
-      <p:grpSpPr>
-        <a:xfrm>
-          <a:off x="0" y="0"/>
-          <a:ext cx="0" cy="0"/>
-          <a:chOff x="0" y="0"/>
-          <a:chExt cx="0" cy="0"/>
-        </a:xfrm>
-      </p:grpSpPr>
-      <p:sp>
-        <p:nvSpPr>
-          <p:cNvPr id="6" name="Title 5">
-            <a:extLst>
-              <a:ext uri="{FF2B5EF4-FFF2-40B4-BE49-F238E27FC236}">
-                <a16:creationId xmlns:a16="http://schemas.microsoft.com/office/drawing/2014/main" id="{0BE373C9-ECD7-38E7-9BCB-53AA001FA11F}"/>
-              </a:ext>
-            </a:extLst>
-          </p:cNvPr>
-          <p:cNvSpPr>
-            <a:spLocks noGrp="1"/>
-          </p:cNvSpPr>
-          <p:nvPr>
-            <p:ph type="ctrTitle"/>
-          </p:nvPr>
-        </p:nvSpPr>
-        <p:spPr/>
-        <p:txBody>
-          <a:bodyPr/>
-          <a:lstStyle/>
-          <a:p>
-            <a:r>
-              <a:rPr lang="en-US" dirty="0"/>
-              <a:t>MYSQL SETUP demo</a:t>
-            </a:r>
-            <a:endParaRPr lang="en-SG" dirty="0"/>
-          </a:p>
-        </p:txBody>
-      </p:sp>
-      <p:sp>
-        <p:nvSpPr>
-          <p:cNvPr id="7" name="Subtitle 6">
-            <a:extLst>
-              <a:ext uri="{FF2B5EF4-FFF2-40B4-BE49-F238E27FC236}">
-                <a16:creationId xmlns:a16="http://schemas.microsoft.com/office/drawing/2014/main" id="{771ADAF2-7179-B246-2630-D3CCC99784E4}"/>
-              </a:ext>
-            </a:extLst>
-          </p:cNvPr>
-          <p:cNvSpPr>
-            <a:spLocks noGrp="1"/>
-          </p:cNvSpPr>
-          <p:nvPr>
-            <p:ph type="subTitle" idx="1"/>
-          </p:nvPr>
-        </p:nvSpPr>
-        <p:spPr/>
-        <p:txBody>
-          <a:bodyPr/>
-          <a:lstStyle/>
-          <a:p>
-            <a:endParaRPr lang="en-SG"/>
-          </a:p>
-        </p:txBody>
-      </p:sp>
-      <p:sp>
-        <p:nvSpPr>
-          <p:cNvPr id="5" name="Slide Number Placeholder 4">
-            <a:extLst>
-              <a:ext uri="{FF2B5EF4-FFF2-40B4-BE49-F238E27FC236}">
-                <a16:creationId xmlns:a16="http://schemas.microsoft.com/office/drawing/2014/main" id="{8547F4C8-DA98-7E4C-CED2-89300A1B2177}"/>
-              </a:ext>
-            </a:extLst>
-          </p:cNvPr>
-          <p:cNvSpPr>
-            <a:spLocks noGrp="1"/>
-          </p:cNvSpPr>
-          <p:nvPr>
-            <p:ph type="sldNum" sz="quarter" idx="12"/>
-          </p:nvPr>
-        </p:nvSpPr>
-        <p:spPr/>
-        <p:txBody>
-          <a:bodyPr/>
-          <a:lstStyle/>
-          <a:p>
-            <a:fld id="{6D22F896-40B5-4ADD-8801-0D06FADFA095}" type="slidenum">
-              <a:rPr lang="en-US" smtClean="0"/>
-              <a:t>17</a:t>
-            </a:fld>
-            <a:endParaRPr lang="en-US" dirty="0"/>
-          </a:p>
-        </p:txBody>
-      </p:sp>
-    </p:spTree>
-    <p:extLst>
-      <p:ext uri="{BB962C8B-B14F-4D97-AF65-F5344CB8AC3E}">
-        <p14:creationId xmlns:p14="http://schemas.microsoft.com/office/powerpoint/2010/main" val="1509451626"/>
-      </p:ext>
-    </p:extLst>
-  </p:cSld>
-  <p:clrMapOvr>
-    <a:masterClrMapping/>
-  </p:clrMapOvr>
-</p:sld>
-</file>
-
 <file path=ppt/slides/slide18.xml><?xml version="1.0" encoding="utf-8"?>
 <p:sld xmlns:a="http://schemas.openxmlformats.org/drawingml/2006/main" xmlns:r="http://schemas.openxmlformats.org/officeDocument/2006/relationships" xmlns:p="http://schemas.openxmlformats.org/presentationml/2006/main">
   <p:cSld>
@@ -5937,7 +6076,7 @@
           <p:cNvPr id="2" name="Title 1">
             <a:extLst>
               <a:ext uri="{FF2B5EF4-FFF2-40B4-BE49-F238E27FC236}">
-                <a16:creationId xmlns:a16="http://schemas.microsoft.com/office/drawing/2014/main" id="{E615E32B-E872-C489-66C2-88BFAA5C1700}"/>
+                <a16:creationId xmlns:a16="http://schemas.microsoft.com/office/drawing/2014/main" id="{D307C4C7-D8EC-D770-9199-9264B747CFCE}"/>
               </a:ext>
             </a:extLst>
           </p:cNvPr>
@@ -5954,28 +6093,19 @@
           <a:lstStyle/>
           <a:p>
             <a:r>
-              <a:rPr lang="en-US" b="1" i="0" dirty="0">
-                <a:solidFill>
-                  <a:srgbClr val="0D0D0D"/>
-                </a:solidFill>
-                <a:effectLst/>
-                <a:latin typeface="Söhne"/>
-              </a:rPr>
-              <a:t>Docker COMPOSE</a:t>
-            </a:r>
-            <a:endParaRPr lang="en-SG" dirty="0">
-              <a:latin typeface="Arial" panose="020B0604020202020204" pitchFamily="34" charset="0"/>
-              <a:cs typeface="Arial" panose="020B0604020202020204" pitchFamily="34" charset="0"/>
-            </a:endParaRPr>
-          </a:p>
-        </p:txBody>
-      </p:sp>
-      <p:sp>
-        <p:nvSpPr>
-          <p:cNvPr id="4" name="Content Placeholder 3">
+              <a:rPr lang="en-US" dirty="0"/>
+              <a:t>Docker Commands SEEN So FAR</a:t>
+            </a:r>
+            <a:endParaRPr lang="en-SG" dirty="0"/>
+          </a:p>
+        </p:txBody>
+      </p:sp>
+      <p:sp>
+        <p:nvSpPr>
+          <p:cNvPr id="3" name="Content Placeholder 2">
             <a:extLst>
               <a:ext uri="{FF2B5EF4-FFF2-40B4-BE49-F238E27FC236}">
-                <a16:creationId xmlns:a16="http://schemas.microsoft.com/office/drawing/2014/main" id="{4637E327-F295-30A3-898A-E970B4F61646}"/>
+                <a16:creationId xmlns:a16="http://schemas.microsoft.com/office/drawing/2014/main" id="{20B8C143-CAB8-30A9-B768-6FA829F1999B}"/>
               </a:ext>
             </a:extLst>
           </p:cNvPr>
@@ -5983,179 +6113,339 @@
             <a:spLocks noGrp="1"/>
           </p:cNvSpPr>
           <p:nvPr>
-            <p:ph sz="half" idx="1"/>
+            <p:ph idx="1"/>
           </p:nvPr>
         </p:nvSpPr>
         <p:spPr>
           <a:xfrm>
-            <a:off x="1004836" y="2010878"/>
-            <a:ext cx="5325626" cy="3448595"/>
+            <a:off x="1451579" y="2015732"/>
+            <a:ext cx="9712140" cy="4037749"/>
           </a:xfrm>
         </p:spPr>
         <p:txBody>
           <a:bodyPr>
-            <a:normAutofit fontScale="85000" lnSpcReduction="10000"/>
+            <a:normAutofit fontScale="85000" lnSpcReduction="20000"/>
           </a:bodyPr>
           <a:lstStyle/>
           <a:p>
             <a:r>
-              <a:rPr lang="en-US" dirty="0">
-                <a:solidFill>
-                  <a:srgbClr val="0D0D0D"/>
-                </a:solidFill>
-                <a:latin typeface="Söhne"/>
-              </a:rPr>
-              <a:t>Docker Compose is a tool which can be used to deploy </a:t>
-            </a:r>
-            <a:r>
-              <a:rPr lang="en-US" b="1" dirty="0">
-                <a:solidFill>
-                  <a:srgbClr val="0D0D0D"/>
-                </a:solidFill>
-                <a:latin typeface="Söhne"/>
-              </a:rPr>
-              <a:t>multiple containers </a:t>
-            </a:r>
-            <a:r>
-              <a:rPr lang="en-US" dirty="0">
-                <a:solidFill>
-                  <a:srgbClr val="0D0D0D"/>
-                </a:solidFill>
-                <a:latin typeface="Söhne"/>
-              </a:rPr>
-              <a:t>at the same time with a single command.</a:t>
-            </a:r>
-          </a:p>
-          <a:p>
-            <a:r>
-              <a:rPr lang="en-US" dirty="0">
-                <a:solidFill>
-                  <a:srgbClr val="0D0D0D"/>
-                </a:solidFill>
-                <a:latin typeface="Söhne"/>
-              </a:rPr>
-              <a:t>It uses a YAML file (docker-</a:t>
-            </a:r>
-            <a:r>
-              <a:rPr lang="en-US" dirty="0" err="1">
-                <a:solidFill>
-                  <a:srgbClr val="0D0D0D"/>
-                </a:solidFill>
-                <a:latin typeface="Söhne"/>
-              </a:rPr>
-              <a:t>compose.yml</a:t>
-            </a:r>
-            <a:r>
-              <a:rPr lang="en-US" dirty="0">
-                <a:solidFill>
-                  <a:srgbClr val="0D0D0D"/>
-                </a:solidFill>
-                <a:latin typeface="Söhne"/>
-              </a:rPr>
-              <a:t>) to configure the application's services, networks, and volumes.</a:t>
-            </a:r>
-          </a:p>
-          <a:p>
-            <a:r>
-              <a:rPr lang="en-US" dirty="0">
-                <a:solidFill>
-                  <a:srgbClr val="0D0D0D"/>
-                </a:solidFill>
-                <a:latin typeface="Söhne"/>
-              </a:rPr>
-              <a:t>Advantages</a:t>
-            </a:r>
-          </a:p>
-          <a:p>
-            <a:pPr lvl="1"/>
-            <a:r>
-              <a:rPr lang="en-US" dirty="0">
-                <a:solidFill>
-                  <a:srgbClr val="0D0D0D"/>
-                </a:solidFill>
-                <a:latin typeface="Söhne"/>
-              </a:rPr>
-              <a:t>Defines the entire application environment in a single file, </a:t>
-            </a:r>
-            <a:r>
-              <a:rPr lang="en-US" b="1" i="1" dirty="0">
-                <a:solidFill>
-                  <a:srgbClr val="0D0D0D"/>
-                </a:solidFill>
-                <a:latin typeface="Söhne"/>
-              </a:rPr>
-              <a:t>making it easy to share and reproduce</a:t>
-            </a:r>
-            <a:r>
-              <a:rPr lang="en-US" dirty="0">
-                <a:solidFill>
-                  <a:srgbClr val="0D0D0D"/>
-                </a:solidFill>
-                <a:latin typeface="Söhne"/>
-              </a:rPr>
-              <a:t>.</a:t>
-            </a:r>
-          </a:p>
-          <a:p>
-            <a:pPr lvl="1"/>
-            <a:r>
-              <a:rPr lang="en-US" dirty="0">
-                <a:solidFill>
-                  <a:srgbClr val="0D0D0D"/>
-                </a:solidFill>
-                <a:latin typeface="Söhne"/>
-              </a:rPr>
-              <a:t>Automates the process of starting, stopping, and scaling multiple containers with a single command.</a:t>
-            </a:r>
-          </a:p>
-          <a:p>
-            <a:pPr marL="0" indent="0">
-              <a:buNone/>
-            </a:pPr>
-            <a:endParaRPr lang="en-SG" dirty="0">
+              <a:rPr lang="en-US" b="0" i="0" dirty="0">
+                <a:solidFill>
+                  <a:srgbClr val="374151"/>
+                </a:solidFill>
+                <a:effectLst/>
+                <a:latin typeface="Söhne"/>
+              </a:rPr>
+              <a:t>To build docker image  from </a:t>
+            </a:r>
+            <a:r>
+              <a:rPr lang="en-US" b="0" i="0" dirty="0" err="1">
+                <a:solidFill>
+                  <a:srgbClr val="374151"/>
+                </a:solidFill>
+                <a:effectLst/>
+                <a:latin typeface="Söhne"/>
+              </a:rPr>
+              <a:t>dockerfile</a:t>
+            </a:r>
+            <a:endParaRPr lang="en-US" dirty="0">
               <a:solidFill>
-                <a:srgbClr val="0D0D0D"/>
+                <a:srgbClr val="374151"/>
               </a:solidFill>
               <a:latin typeface="Söhne"/>
             </a:endParaRPr>
           </a:p>
-        </p:txBody>
-      </p:sp>
-      <p:pic>
-        <p:nvPicPr>
-          <p:cNvPr id="8" name="Content Placeholder 7">
+          <a:p>
+            <a:pPr lvl="1"/>
+            <a:r>
+              <a:rPr lang="en-US" b="0" i="0" dirty="0">
+                <a:solidFill>
+                  <a:srgbClr val="374151"/>
+                </a:solidFill>
+                <a:effectLst/>
+                <a:latin typeface="Söhne"/>
+              </a:rPr>
+              <a:t>docker build -t &lt;</a:t>
+            </a:r>
+            <a:r>
+              <a:rPr lang="en-US" b="0" i="0" dirty="0" err="1">
+                <a:solidFill>
+                  <a:srgbClr val="374151"/>
+                </a:solidFill>
+                <a:effectLst/>
+                <a:latin typeface="Söhne"/>
+              </a:rPr>
+              <a:t>image_name</a:t>
+            </a:r>
+            <a:r>
+              <a:rPr lang="en-US" b="0" i="0" dirty="0">
+                <a:solidFill>
+                  <a:srgbClr val="374151"/>
+                </a:solidFill>
+                <a:effectLst/>
+                <a:latin typeface="Söhne"/>
+              </a:rPr>
+              <a:t>&gt; &lt;</a:t>
+            </a:r>
+            <a:r>
+              <a:rPr lang="en-US" b="0" i="0" dirty="0" err="1">
+                <a:solidFill>
+                  <a:srgbClr val="374151"/>
+                </a:solidFill>
+                <a:effectLst/>
+                <a:latin typeface="Söhne"/>
+              </a:rPr>
+              <a:t>path_to_Dockerfile</a:t>
+            </a:r>
+            <a:r>
+              <a:rPr lang="en-US" b="0" i="0" dirty="0">
+                <a:solidFill>
+                  <a:srgbClr val="374151"/>
+                </a:solidFill>
+                <a:effectLst/>
+                <a:latin typeface="Söhne"/>
+              </a:rPr>
+              <a:t>&gt;</a:t>
+            </a:r>
+            <a:endParaRPr lang="en-SG" b="0" i="0" dirty="0">
+              <a:solidFill>
+                <a:srgbClr val="374151"/>
+              </a:solidFill>
+              <a:effectLst/>
+              <a:latin typeface="Söhne"/>
+            </a:endParaRPr>
+          </a:p>
+          <a:p>
+            <a:r>
+              <a:rPr lang="en-SG" dirty="0">
+                <a:solidFill>
+                  <a:srgbClr val="374151"/>
+                </a:solidFill>
+                <a:latin typeface="Söhne"/>
+              </a:rPr>
+              <a:t>To create container from an image  </a:t>
+            </a:r>
+          </a:p>
+          <a:p>
+            <a:pPr lvl="1"/>
+            <a:r>
+              <a:rPr lang="en-SG" dirty="0">
+                <a:solidFill>
+                  <a:srgbClr val="374151"/>
+                </a:solidFill>
+                <a:latin typeface="Söhne"/>
+              </a:rPr>
+              <a:t>d</a:t>
+            </a:r>
+            <a:r>
+              <a:rPr lang="en-SG" b="0" i="0" dirty="0">
+                <a:solidFill>
+                  <a:srgbClr val="374151"/>
+                </a:solidFill>
+                <a:effectLst/>
+                <a:latin typeface="Söhne"/>
+              </a:rPr>
+              <a:t>ocker run &lt;</a:t>
+            </a:r>
+            <a:r>
+              <a:rPr lang="en-SG" b="0" i="0" dirty="0" err="1">
+                <a:solidFill>
+                  <a:srgbClr val="374151"/>
+                </a:solidFill>
+                <a:effectLst/>
+                <a:latin typeface="Söhne"/>
+              </a:rPr>
+              <a:t>image_name</a:t>
+            </a:r>
+            <a:r>
+              <a:rPr lang="en-SG" b="0" i="0" dirty="0">
+                <a:solidFill>
+                  <a:srgbClr val="374151"/>
+                </a:solidFill>
+                <a:effectLst/>
+                <a:latin typeface="Söhne"/>
+              </a:rPr>
+              <a:t>&gt;</a:t>
+            </a:r>
+          </a:p>
+          <a:p>
+            <a:r>
+              <a:rPr lang="en-SG" dirty="0">
+                <a:solidFill>
+                  <a:srgbClr val="374151"/>
+                </a:solidFill>
+                <a:latin typeface="Söhne"/>
+              </a:rPr>
+              <a:t>To check container status or container id: </a:t>
+            </a:r>
+          </a:p>
+          <a:p>
+            <a:pPr lvl="1"/>
+            <a:r>
+              <a:rPr lang="en-SG" dirty="0">
+                <a:solidFill>
+                  <a:srgbClr val="374151"/>
+                </a:solidFill>
+                <a:latin typeface="Söhne"/>
+              </a:rPr>
+              <a:t>docker </a:t>
+            </a:r>
+            <a:r>
+              <a:rPr lang="en-SG" dirty="0" err="1">
+                <a:solidFill>
+                  <a:srgbClr val="374151"/>
+                </a:solidFill>
+                <a:latin typeface="Söhne"/>
+              </a:rPr>
+              <a:t>ps</a:t>
+            </a:r>
+            <a:endParaRPr lang="en-US" dirty="0">
+              <a:solidFill>
+                <a:srgbClr val="374151"/>
+              </a:solidFill>
+              <a:latin typeface="Söhne"/>
+            </a:endParaRPr>
+          </a:p>
+          <a:p>
+            <a:r>
+              <a:rPr lang="en-US" b="0" i="0" dirty="0">
+                <a:solidFill>
+                  <a:srgbClr val="374151"/>
+                </a:solidFill>
+                <a:effectLst/>
+                <a:latin typeface="Söhne"/>
+              </a:rPr>
+              <a:t>To start container : docker start &lt;</a:t>
+            </a:r>
+            <a:r>
+              <a:rPr lang="en-US" b="0" i="0" dirty="0" err="1">
+                <a:solidFill>
+                  <a:srgbClr val="374151"/>
+                </a:solidFill>
+                <a:effectLst/>
+                <a:latin typeface="Söhne"/>
+              </a:rPr>
+              <a:t>container_id</a:t>
+            </a:r>
+            <a:r>
+              <a:rPr lang="en-US" b="0" i="0" dirty="0">
+                <a:solidFill>
+                  <a:srgbClr val="374151"/>
+                </a:solidFill>
+                <a:effectLst/>
+                <a:latin typeface="Söhne"/>
+              </a:rPr>
+              <a:t>&gt;</a:t>
+            </a:r>
+          </a:p>
+          <a:p>
+            <a:r>
+              <a:rPr lang="en-US" b="0" i="0" dirty="0">
+                <a:solidFill>
+                  <a:srgbClr val="374151"/>
+                </a:solidFill>
+                <a:effectLst/>
+                <a:latin typeface="Söhne"/>
+              </a:rPr>
+              <a:t>To stop container: docker stop &lt;</a:t>
+            </a:r>
+            <a:r>
+              <a:rPr lang="en-US" b="0" i="0" dirty="0" err="1">
+                <a:solidFill>
+                  <a:srgbClr val="374151"/>
+                </a:solidFill>
+                <a:effectLst/>
+                <a:latin typeface="Söhne"/>
+              </a:rPr>
+              <a:t>container_id</a:t>
+            </a:r>
+            <a:r>
+              <a:rPr lang="en-US" b="0" i="0" dirty="0">
+                <a:solidFill>
+                  <a:srgbClr val="374151"/>
+                </a:solidFill>
+                <a:effectLst/>
+                <a:latin typeface="Söhne"/>
+              </a:rPr>
+              <a:t>&gt;</a:t>
+            </a:r>
+          </a:p>
+          <a:p>
+            <a:r>
+              <a:rPr lang="en-US" dirty="0">
+                <a:solidFill>
+                  <a:srgbClr val="374151"/>
+                </a:solidFill>
+                <a:latin typeface="Söhne"/>
+              </a:rPr>
+              <a:t>To delete a container : docker rm &lt;</a:t>
+            </a:r>
+            <a:r>
+              <a:rPr lang="en-US" dirty="0" err="1">
+                <a:solidFill>
+                  <a:srgbClr val="374151"/>
+                </a:solidFill>
+                <a:latin typeface="Söhne"/>
+              </a:rPr>
+              <a:t>container_id</a:t>
+            </a:r>
+            <a:r>
+              <a:rPr lang="en-US" dirty="0">
+                <a:solidFill>
+                  <a:srgbClr val="374151"/>
+                </a:solidFill>
+                <a:latin typeface="Söhne"/>
+              </a:rPr>
+              <a:t>&gt;</a:t>
+            </a:r>
+          </a:p>
+          <a:p>
+            <a:r>
+              <a:rPr lang="en-US" b="0" i="0" dirty="0">
+                <a:solidFill>
+                  <a:srgbClr val="374151"/>
+                </a:solidFill>
+                <a:effectLst/>
+                <a:highlight>
+                  <a:srgbClr val="FFFF00"/>
+                </a:highlight>
+                <a:latin typeface="Söhne"/>
+              </a:rPr>
+              <a:t>To start docker compose : docker compose up –d</a:t>
+            </a:r>
+          </a:p>
+          <a:p>
+            <a:r>
+              <a:rPr lang="en-US" dirty="0">
+                <a:solidFill>
+                  <a:srgbClr val="374151"/>
+                </a:solidFill>
+                <a:highlight>
+                  <a:srgbClr val="FFFF00"/>
+                </a:highlight>
+                <a:latin typeface="Söhne"/>
+              </a:rPr>
+              <a:t>To stop docker compose : docker compose down</a:t>
+            </a:r>
+            <a:endParaRPr lang="en-SG" b="0" i="0" dirty="0">
+              <a:solidFill>
+                <a:srgbClr val="374151"/>
+              </a:solidFill>
+              <a:effectLst/>
+              <a:highlight>
+                <a:srgbClr val="FFFF00"/>
+              </a:highlight>
+              <a:latin typeface="Söhne"/>
+            </a:endParaRPr>
+          </a:p>
+        </p:txBody>
+      </p:sp>
+      <p:sp>
+        <p:nvSpPr>
+          <p:cNvPr id="4" name="Slide Number Placeholder 3">
             <a:extLst>
               <a:ext uri="{FF2B5EF4-FFF2-40B4-BE49-F238E27FC236}">
-                <a16:creationId xmlns:a16="http://schemas.microsoft.com/office/drawing/2014/main" id="{22F22407-C4AC-E2C8-75F9-1AADB33E66D8}"/>
-              </a:ext>
-            </a:extLst>
-          </p:cNvPr>
-          <p:cNvPicPr>
-            <a:picLocks noGrp="1" noChangeAspect="1"/>
-          </p:cNvPicPr>
-          <p:nvPr>
-            <p:ph sz="half" idx="2"/>
-          </p:nvPr>
-        </p:nvPicPr>
-        <p:blipFill>
-          <a:blip r:embed="rId2"/>
-          <a:stretch>
-            <a:fillRect/>
-          </a:stretch>
-        </p:blipFill>
-        <p:spPr>
-          <a:xfrm>
-            <a:off x="6403452" y="2010878"/>
-            <a:ext cx="5233068" cy="3870158"/>
-          </a:xfrm>
-        </p:spPr>
-      </p:pic>
-      <p:sp>
-        <p:nvSpPr>
-          <p:cNvPr id="5" name="Slide Number Placeholder 4">
-            <a:extLst>
-              <a:ext uri="{FF2B5EF4-FFF2-40B4-BE49-F238E27FC236}">
-                <a16:creationId xmlns:a16="http://schemas.microsoft.com/office/drawing/2014/main" id="{38F98672-66A5-3449-896E-4A10CC1775BE}"/>
+                <a16:creationId xmlns:a16="http://schemas.microsoft.com/office/drawing/2014/main" id="{812C1388-8657-1250-D0A6-7E40D2EA0D66}"/>
               </a:ext>
             </a:extLst>
           </p:cNvPr>
@@ -6182,7 +6472,7 @@
     </p:spTree>
     <p:extLst>
       <p:ext uri="{BB962C8B-B14F-4D97-AF65-F5344CB8AC3E}">
-        <p14:creationId xmlns:p14="http://schemas.microsoft.com/office/powerpoint/2010/main" val="2075855270"/>
+        <p14:creationId xmlns:p14="http://schemas.microsoft.com/office/powerpoint/2010/main" val="4162166211"/>
       </p:ext>
     </p:extLst>
   </p:cSld>
@@ -6211,10 +6501,10 @@
       </p:grpSpPr>
       <p:sp>
         <p:nvSpPr>
-          <p:cNvPr id="2" name="Title 1">
+          <p:cNvPr id="6" name="Title 5">
             <a:extLst>
               <a:ext uri="{FF2B5EF4-FFF2-40B4-BE49-F238E27FC236}">
-                <a16:creationId xmlns:a16="http://schemas.microsoft.com/office/drawing/2014/main" id="{E615E32B-E872-C489-66C2-88BFAA5C1700}"/>
+                <a16:creationId xmlns:a16="http://schemas.microsoft.com/office/drawing/2014/main" id="{0BE373C9-ECD7-38E7-9BCB-53AA001FA11F}"/>
               </a:ext>
             </a:extLst>
           </p:cNvPr>
@@ -6222,7 +6512,7 @@
             <a:spLocks noGrp="1"/>
           </p:cNvSpPr>
           <p:nvPr>
-            <p:ph type="title"/>
+            <p:ph type="ctrTitle"/>
           </p:nvPr>
         </p:nvSpPr>
         <p:spPr/>
@@ -6231,28 +6521,19 @@
           <a:lstStyle/>
           <a:p>
             <a:r>
-              <a:rPr lang="en-US" b="1" i="0" dirty="0">
-                <a:solidFill>
-                  <a:srgbClr val="0D0D0D"/>
-                </a:solidFill>
-                <a:effectLst/>
-                <a:latin typeface="Söhne"/>
-              </a:rPr>
-              <a:t>Why Docker COMPOSE</a:t>
-            </a:r>
-            <a:endParaRPr lang="en-SG" dirty="0">
-              <a:latin typeface="Arial" panose="020B0604020202020204" pitchFamily="34" charset="0"/>
-              <a:cs typeface="Arial" panose="020B0604020202020204" pitchFamily="34" charset="0"/>
-            </a:endParaRPr>
-          </a:p>
-        </p:txBody>
-      </p:sp>
-      <p:sp>
-        <p:nvSpPr>
-          <p:cNvPr id="4" name="Content Placeholder 3">
+              <a:rPr lang="en-US" dirty="0"/>
+              <a:t>MYSQL SETUP demo</a:t>
+            </a:r>
+            <a:endParaRPr lang="en-SG" dirty="0"/>
+          </a:p>
+        </p:txBody>
+      </p:sp>
+      <p:sp>
+        <p:nvSpPr>
+          <p:cNvPr id="7" name="Subtitle 6">
             <a:extLst>
               <a:ext uri="{FF2B5EF4-FFF2-40B4-BE49-F238E27FC236}">
-                <a16:creationId xmlns:a16="http://schemas.microsoft.com/office/drawing/2014/main" id="{4637E327-F295-30A3-898A-E970B4F61646}"/>
+                <a16:creationId xmlns:a16="http://schemas.microsoft.com/office/drawing/2014/main" id="{771ADAF2-7179-B246-2630-D3CCC99784E4}"/>
               </a:ext>
             </a:extLst>
           </p:cNvPr>
@@ -6260,131 +6541,24 @@
             <a:spLocks noGrp="1"/>
           </p:cNvSpPr>
           <p:nvPr>
-            <p:ph sz="half" idx="1"/>
+            <p:ph type="subTitle" idx="1"/>
           </p:nvPr>
         </p:nvSpPr>
         <p:spPr/>
         <p:txBody>
-          <a:bodyPr>
-            <a:normAutofit fontScale="85000" lnSpcReduction="20000"/>
-          </a:bodyPr>
-          <a:lstStyle/>
-          <a:p>
-            <a:r>
-              <a:rPr lang="en-US" dirty="0">
-                <a:solidFill>
-                  <a:srgbClr val="0D0D0D"/>
-                </a:solidFill>
-                <a:latin typeface="Söhne"/>
-              </a:rPr>
-              <a:t>Coordinates the creation and management of multiple containers, ensuring they communicate with each other as defined in the configuration.</a:t>
-            </a:r>
-          </a:p>
-          <a:p>
-            <a:r>
-              <a:rPr lang="en-US" dirty="0">
-                <a:solidFill>
-                  <a:srgbClr val="0D0D0D"/>
-                </a:solidFill>
-                <a:latin typeface="Söhne"/>
-              </a:rPr>
-              <a:t>Automatically resolves dependencies between services, ensuring they start in the correct order.  </a:t>
-            </a:r>
-          </a:p>
-          <a:p>
-            <a:r>
-              <a:rPr lang="en-US" dirty="0">
-                <a:solidFill>
-                  <a:srgbClr val="0D0D0D"/>
-                </a:solidFill>
-                <a:latin typeface="Söhne"/>
-              </a:rPr>
-              <a:t>Ex. Check depends-on keyword</a:t>
-            </a:r>
-          </a:p>
-          <a:p>
-            <a:r>
-              <a:rPr lang="en-US" dirty="0">
-                <a:solidFill>
-                  <a:srgbClr val="0D0D0D"/>
-                </a:solidFill>
-                <a:latin typeface="Söhne"/>
-              </a:rPr>
-              <a:t>Commands of docker compose</a:t>
-            </a:r>
-          </a:p>
-          <a:p>
-            <a:pPr lvl="1"/>
-            <a:r>
-              <a:rPr lang="en-US" dirty="0">
-                <a:solidFill>
-                  <a:srgbClr val="0D0D0D"/>
-                </a:solidFill>
-                <a:latin typeface="Söhne"/>
-              </a:rPr>
-              <a:t>To start  : docker-compose up –d</a:t>
-            </a:r>
-          </a:p>
-          <a:p>
-            <a:pPr lvl="1"/>
-            <a:r>
-              <a:rPr lang="en-US" dirty="0">
-                <a:solidFill>
-                  <a:srgbClr val="0D0D0D"/>
-                </a:solidFill>
-                <a:latin typeface="Söhne"/>
-              </a:rPr>
-              <a:t>To stops  : docker-compose down</a:t>
-            </a:r>
-          </a:p>
-          <a:p>
-            <a:pPr marL="0" indent="0">
-              <a:buNone/>
-            </a:pPr>
-            <a:endParaRPr lang="en-SG" dirty="0">
-              <a:solidFill>
-                <a:srgbClr val="0D0D0D"/>
-              </a:solidFill>
-              <a:latin typeface="Söhne"/>
-            </a:endParaRPr>
-          </a:p>
-        </p:txBody>
-      </p:sp>
-      <p:pic>
-        <p:nvPicPr>
-          <p:cNvPr id="8" name="Content Placeholder 7">
-            <a:extLst>
-              <a:ext uri="{FF2B5EF4-FFF2-40B4-BE49-F238E27FC236}">
-                <a16:creationId xmlns:a16="http://schemas.microsoft.com/office/drawing/2014/main" id="{22F22407-C4AC-E2C8-75F9-1AADB33E66D8}"/>
-              </a:ext>
-            </a:extLst>
-          </p:cNvPr>
-          <p:cNvPicPr>
-            <a:picLocks noGrp="1" noChangeAspect="1"/>
-          </p:cNvPicPr>
-          <p:nvPr>
-            <p:ph sz="half" idx="2"/>
-          </p:nvPr>
-        </p:nvPicPr>
-        <p:blipFill>
-          <a:blip r:embed="rId2"/>
-          <a:stretch>
-            <a:fillRect/>
-          </a:stretch>
-        </p:blipFill>
-        <p:spPr>
-          <a:xfrm>
-            <a:off x="6413500" y="2010878"/>
-            <a:ext cx="5233068" cy="3870158"/>
-          </a:xfrm>
-        </p:spPr>
-      </p:pic>
+          <a:bodyPr/>
+          <a:lstStyle/>
+          <a:p>
+            <a:endParaRPr lang="en-SG"/>
+          </a:p>
+        </p:txBody>
+      </p:sp>
       <p:sp>
         <p:nvSpPr>
           <p:cNvPr id="5" name="Slide Number Placeholder 4">
             <a:extLst>
               <a:ext uri="{FF2B5EF4-FFF2-40B4-BE49-F238E27FC236}">
-                <a16:creationId xmlns:a16="http://schemas.microsoft.com/office/drawing/2014/main" id="{38F98672-66A5-3449-896E-4A10CC1775BE}"/>
+                <a16:creationId xmlns:a16="http://schemas.microsoft.com/office/drawing/2014/main" id="{8547F4C8-DA98-7E4C-CED2-89300A1B2177}"/>
               </a:ext>
             </a:extLst>
           </p:cNvPr>
@@ -6411,7 +6585,7 @@
     </p:spTree>
     <p:extLst>
       <p:ext uri="{BB962C8B-B14F-4D97-AF65-F5344CB8AC3E}">
-        <p14:creationId xmlns:p14="http://schemas.microsoft.com/office/powerpoint/2010/main" val="2382357418"/>
+        <p14:creationId xmlns:p14="http://schemas.microsoft.com/office/powerpoint/2010/main" val="1509451626"/>
       </p:ext>
     </p:extLst>
   </p:cSld>
@@ -6654,10 +6828,10 @@
       </p:grpSpPr>
       <p:sp>
         <p:nvSpPr>
-          <p:cNvPr id="2" name="Title 1">
+          <p:cNvPr id="6" name="Title 5">
             <a:extLst>
               <a:ext uri="{FF2B5EF4-FFF2-40B4-BE49-F238E27FC236}">
-                <a16:creationId xmlns:a16="http://schemas.microsoft.com/office/drawing/2014/main" id="{D307C4C7-D8EC-D770-9199-9264B747CFCE}"/>
+                <a16:creationId xmlns:a16="http://schemas.microsoft.com/office/drawing/2014/main" id="{0BE373C9-ECD7-38E7-9BCB-53AA001FA11F}"/>
               </a:ext>
             </a:extLst>
           </p:cNvPr>
@@ -6665,7 +6839,7 @@
             <a:spLocks noGrp="1"/>
           </p:cNvSpPr>
           <p:nvPr>
-            <p:ph type="title"/>
+            <p:ph type="ctrTitle"/>
           </p:nvPr>
         </p:nvSpPr>
         <p:spPr/>
@@ -6675,7 +6849,7 @@
           <a:p>
             <a:r>
               <a:rPr lang="en-US" dirty="0"/>
-              <a:t>Docker Commands SEEN So FAR</a:t>
+              <a:t>REST API demo</a:t>
             </a:r>
             <a:endParaRPr lang="en-SG" dirty="0"/>
           </a:p>
@@ -6683,10 +6857,10 @@
       </p:sp>
       <p:sp>
         <p:nvSpPr>
-          <p:cNvPr id="3" name="Content Placeholder 2">
+          <p:cNvPr id="7" name="Subtitle 6">
             <a:extLst>
               <a:ext uri="{FF2B5EF4-FFF2-40B4-BE49-F238E27FC236}">
-                <a16:creationId xmlns:a16="http://schemas.microsoft.com/office/drawing/2014/main" id="{20B8C143-CAB8-30A9-B768-6FA829F1999B}"/>
+                <a16:creationId xmlns:a16="http://schemas.microsoft.com/office/drawing/2014/main" id="{771ADAF2-7179-B246-2630-D3CCC99784E4}"/>
               </a:ext>
             </a:extLst>
           </p:cNvPr>
@@ -6694,339 +6868,24 @@
             <a:spLocks noGrp="1"/>
           </p:cNvSpPr>
           <p:nvPr>
-            <p:ph idx="1"/>
-          </p:nvPr>
-        </p:nvSpPr>
-        <p:spPr>
-          <a:xfrm>
-            <a:off x="1451579" y="2015732"/>
-            <a:ext cx="9712140" cy="4037749"/>
-          </a:xfrm>
-        </p:spPr>
-        <p:txBody>
-          <a:bodyPr>
-            <a:normAutofit fontScale="85000" lnSpcReduction="20000"/>
-          </a:bodyPr>
-          <a:lstStyle/>
-          <a:p>
-            <a:r>
-              <a:rPr lang="en-US" b="0" i="0" dirty="0">
-                <a:solidFill>
-                  <a:srgbClr val="374151"/>
-                </a:solidFill>
-                <a:effectLst/>
-                <a:latin typeface="Söhne"/>
-              </a:rPr>
-              <a:t>To build docker image  from </a:t>
-            </a:r>
-            <a:r>
-              <a:rPr lang="en-US" b="0" i="0" dirty="0" err="1">
-                <a:solidFill>
-                  <a:srgbClr val="374151"/>
-                </a:solidFill>
-                <a:effectLst/>
-                <a:latin typeface="Söhne"/>
-              </a:rPr>
-              <a:t>dockerfile</a:t>
-            </a:r>
-            <a:endParaRPr lang="en-US" dirty="0">
-              <a:solidFill>
-                <a:srgbClr val="374151"/>
-              </a:solidFill>
-              <a:latin typeface="Söhne"/>
-            </a:endParaRPr>
-          </a:p>
-          <a:p>
-            <a:pPr lvl="1"/>
-            <a:r>
-              <a:rPr lang="en-US" b="0" i="0" dirty="0">
-                <a:solidFill>
-                  <a:srgbClr val="374151"/>
-                </a:solidFill>
-                <a:effectLst/>
-                <a:latin typeface="Söhne"/>
-              </a:rPr>
-              <a:t>docker build -t &lt;</a:t>
-            </a:r>
-            <a:r>
-              <a:rPr lang="en-US" b="0" i="0" dirty="0" err="1">
-                <a:solidFill>
-                  <a:srgbClr val="374151"/>
-                </a:solidFill>
-                <a:effectLst/>
-                <a:latin typeface="Söhne"/>
-              </a:rPr>
-              <a:t>image_name</a:t>
-            </a:r>
-            <a:r>
-              <a:rPr lang="en-US" b="0" i="0" dirty="0">
-                <a:solidFill>
-                  <a:srgbClr val="374151"/>
-                </a:solidFill>
-                <a:effectLst/>
-                <a:latin typeface="Söhne"/>
-              </a:rPr>
-              <a:t>&gt; &lt;</a:t>
-            </a:r>
-            <a:r>
-              <a:rPr lang="en-US" b="0" i="0" dirty="0" err="1">
-                <a:solidFill>
-                  <a:srgbClr val="374151"/>
-                </a:solidFill>
-                <a:effectLst/>
-                <a:latin typeface="Söhne"/>
-              </a:rPr>
-              <a:t>path_to_Dockerfile</a:t>
-            </a:r>
-            <a:r>
-              <a:rPr lang="en-US" b="0" i="0" dirty="0">
-                <a:solidFill>
-                  <a:srgbClr val="374151"/>
-                </a:solidFill>
-                <a:effectLst/>
-                <a:latin typeface="Söhne"/>
-              </a:rPr>
-              <a:t>&gt;</a:t>
-            </a:r>
-            <a:endParaRPr lang="en-SG" b="0" i="0" dirty="0">
-              <a:solidFill>
-                <a:srgbClr val="374151"/>
-              </a:solidFill>
-              <a:effectLst/>
-              <a:latin typeface="Söhne"/>
-            </a:endParaRPr>
-          </a:p>
-          <a:p>
-            <a:r>
-              <a:rPr lang="en-SG" dirty="0">
-                <a:solidFill>
-                  <a:srgbClr val="374151"/>
-                </a:solidFill>
-                <a:latin typeface="Söhne"/>
-              </a:rPr>
-              <a:t>To create container from an image  </a:t>
-            </a:r>
-          </a:p>
-          <a:p>
-            <a:pPr lvl="1"/>
-            <a:r>
-              <a:rPr lang="en-SG" dirty="0">
-                <a:solidFill>
-                  <a:srgbClr val="374151"/>
-                </a:solidFill>
-                <a:latin typeface="Söhne"/>
-              </a:rPr>
-              <a:t>d</a:t>
-            </a:r>
-            <a:r>
-              <a:rPr lang="en-SG" b="0" i="0" dirty="0">
-                <a:solidFill>
-                  <a:srgbClr val="374151"/>
-                </a:solidFill>
-                <a:effectLst/>
-                <a:latin typeface="Söhne"/>
-              </a:rPr>
-              <a:t>ocker run &lt;</a:t>
-            </a:r>
-            <a:r>
-              <a:rPr lang="en-SG" b="0" i="0" dirty="0" err="1">
-                <a:solidFill>
-                  <a:srgbClr val="374151"/>
-                </a:solidFill>
-                <a:effectLst/>
-                <a:latin typeface="Söhne"/>
-              </a:rPr>
-              <a:t>image_name</a:t>
-            </a:r>
-            <a:r>
-              <a:rPr lang="en-SG" b="0" i="0" dirty="0">
-                <a:solidFill>
-                  <a:srgbClr val="374151"/>
-                </a:solidFill>
-                <a:effectLst/>
-                <a:latin typeface="Söhne"/>
-              </a:rPr>
-              <a:t>&gt;</a:t>
-            </a:r>
-          </a:p>
-          <a:p>
-            <a:r>
-              <a:rPr lang="en-SG" dirty="0">
-                <a:solidFill>
-                  <a:srgbClr val="374151"/>
-                </a:solidFill>
-                <a:latin typeface="Söhne"/>
-              </a:rPr>
-              <a:t>To check container status or container id: </a:t>
-            </a:r>
-          </a:p>
-          <a:p>
-            <a:pPr lvl="1"/>
-            <a:r>
-              <a:rPr lang="en-SG" dirty="0">
-                <a:solidFill>
-                  <a:srgbClr val="374151"/>
-                </a:solidFill>
-                <a:latin typeface="Söhne"/>
-              </a:rPr>
-              <a:t>docker </a:t>
-            </a:r>
-            <a:r>
-              <a:rPr lang="en-SG" dirty="0" err="1">
-                <a:solidFill>
-                  <a:srgbClr val="374151"/>
-                </a:solidFill>
-                <a:latin typeface="Söhne"/>
-              </a:rPr>
-              <a:t>ps</a:t>
-            </a:r>
-            <a:endParaRPr lang="en-US" dirty="0">
-              <a:solidFill>
-                <a:srgbClr val="374151"/>
-              </a:solidFill>
-              <a:latin typeface="Söhne"/>
-            </a:endParaRPr>
-          </a:p>
-          <a:p>
-            <a:r>
-              <a:rPr lang="en-US" b="0" i="0" dirty="0">
-                <a:solidFill>
-                  <a:srgbClr val="374151"/>
-                </a:solidFill>
-                <a:effectLst/>
-                <a:latin typeface="Söhne"/>
-              </a:rPr>
-              <a:t>To start container : docker start &lt;</a:t>
-            </a:r>
-            <a:r>
-              <a:rPr lang="en-US" b="0" i="0" dirty="0" err="1">
-                <a:solidFill>
-                  <a:srgbClr val="374151"/>
-                </a:solidFill>
-                <a:effectLst/>
-                <a:latin typeface="Söhne"/>
-              </a:rPr>
-              <a:t>container_id</a:t>
-            </a:r>
-            <a:r>
-              <a:rPr lang="en-US" b="0" i="0" dirty="0">
-                <a:solidFill>
-                  <a:srgbClr val="374151"/>
-                </a:solidFill>
-                <a:effectLst/>
-                <a:latin typeface="Söhne"/>
-              </a:rPr>
-              <a:t>&gt;</a:t>
-            </a:r>
-          </a:p>
-          <a:p>
-            <a:r>
-              <a:rPr lang="en-US" b="0" i="0" dirty="0">
-                <a:solidFill>
-                  <a:srgbClr val="374151"/>
-                </a:solidFill>
-                <a:effectLst/>
-                <a:latin typeface="Söhne"/>
-              </a:rPr>
-              <a:t>To stop container: docker stop &lt;</a:t>
-            </a:r>
-            <a:r>
-              <a:rPr lang="en-US" b="0" i="0" dirty="0" err="1">
-                <a:solidFill>
-                  <a:srgbClr val="374151"/>
-                </a:solidFill>
-                <a:effectLst/>
-                <a:latin typeface="Söhne"/>
-              </a:rPr>
-              <a:t>container_id</a:t>
-            </a:r>
-            <a:r>
-              <a:rPr lang="en-US" b="0" i="0" dirty="0">
-                <a:solidFill>
-                  <a:srgbClr val="374151"/>
-                </a:solidFill>
-                <a:effectLst/>
-                <a:latin typeface="Söhne"/>
-              </a:rPr>
-              <a:t>&gt;</a:t>
-            </a:r>
-          </a:p>
-          <a:p>
-            <a:r>
-              <a:rPr lang="en-US" dirty="0">
-                <a:solidFill>
-                  <a:srgbClr val="374151"/>
-                </a:solidFill>
-                <a:latin typeface="Söhne"/>
-              </a:rPr>
-              <a:t>To delete a container : docker rm &lt;</a:t>
-            </a:r>
-            <a:r>
-              <a:rPr lang="en-US" dirty="0" err="1">
-                <a:solidFill>
-                  <a:srgbClr val="374151"/>
-                </a:solidFill>
-                <a:latin typeface="Söhne"/>
-              </a:rPr>
-              <a:t>container_id</a:t>
-            </a:r>
-            <a:r>
-              <a:rPr lang="en-US" dirty="0">
-                <a:solidFill>
-                  <a:srgbClr val="374151"/>
-                </a:solidFill>
-                <a:latin typeface="Söhne"/>
-              </a:rPr>
-              <a:t>&gt;</a:t>
-            </a:r>
-          </a:p>
-          <a:p>
-            <a:r>
-              <a:rPr lang="en-US" b="0" i="0" dirty="0">
-                <a:solidFill>
-                  <a:srgbClr val="374151"/>
-                </a:solidFill>
-                <a:effectLst/>
-                <a:highlight>
-                  <a:srgbClr val="FFFF00"/>
-                </a:highlight>
-                <a:latin typeface="Söhne"/>
-              </a:rPr>
-              <a:t>To start docker compose : docker compose up –d</a:t>
-            </a:r>
-          </a:p>
-          <a:p>
-            <a:r>
-              <a:rPr lang="en-US" dirty="0">
-                <a:solidFill>
-                  <a:srgbClr val="374151"/>
-                </a:solidFill>
-                <a:highlight>
-                  <a:srgbClr val="FFFF00"/>
-                </a:highlight>
-                <a:latin typeface="Söhne"/>
-              </a:rPr>
-              <a:t>To stop docker compose : docker compose down</a:t>
-            </a:r>
-            <a:endParaRPr lang="en-SG" b="0" i="0" dirty="0">
-              <a:solidFill>
-                <a:srgbClr val="374151"/>
-              </a:solidFill>
-              <a:effectLst/>
-              <a:highlight>
-                <a:srgbClr val="FFFF00"/>
-              </a:highlight>
-              <a:latin typeface="Söhne"/>
-            </a:endParaRPr>
-          </a:p>
-        </p:txBody>
-      </p:sp>
-      <p:sp>
-        <p:nvSpPr>
-          <p:cNvPr id="4" name="Slide Number Placeholder 3">
+            <p:ph type="subTitle" idx="1"/>
+          </p:nvPr>
+        </p:nvSpPr>
+        <p:spPr/>
+        <p:txBody>
+          <a:bodyPr/>
+          <a:lstStyle/>
+          <a:p>
+            <a:endParaRPr lang="en-SG"/>
+          </a:p>
+        </p:txBody>
+      </p:sp>
+      <p:sp>
+        <p:nvSpPr>
+          <p:cNvPr id="5" name="Slide Number Placeholder 4">
             <a:extLst>
               <a:ext uri="{FF2B5EF4-FFF2-40B4-BE49-F238E27FC236}">
-                <a16:creationId xmlns:a16="http://schemas.microsoft.com/office/drawing/2014/main" id="{812C1388-8657-1250-D0A6-7E40D2EA0D66}"/>
+                <a16:creationId xmlns:a16="http://schemas.microsoft.com/office/drawing/2014/main" id="{8547F4C8-DA98-7E4C-CED2-89300A1B2177}"/>
               </a:ext>
             </a:extLst>
           </p:cNvPr>
@@ -7053,7 +6912,7 @@
     </p:spTree>
     <p:extLst>
       <p:ext uri="{BB962C8B-B14F-4D97-AF65-F5344CB8AC3E}">
-        <p14:creationId xmlns:p14="http://schemas.microsoft.com/office/powerpoint/2010/main" val="4162166211"/>
+        <p14:creationId xmlns:p14="http://schemas.microsoft.com/office/powerpoint/2010/main" val="3919938145"/>
       </p:ext>
     </p:extLst>
   </p:cSld>
@@ -7082,119 +6941,6 @@
       </p:grpSpPr>
       <p:sp>
         <p:nvSpPr>
-          <p:cNvPr id="6" name="Title 5">
-            <a:extLst>
-              <a:ext uri="{FF2B5EF4-FFF2-40B4-BE49-F238E27FC236}">
-                <a16:creationId xmlns:a16="http://schemas.microsoft.com/office/drawing/2014/main" id="{0BE373C9-ECD7-38E7-9BCB-53AA001FA11F}"/>
-              </a:ext>
-            </a:extLst>
-          </p:cNvPr>
-          <p:cNvSpPr>
-            <a:spLocks noGrp="1"/>
-          </p:cNvSpPr>
-          <p:nvPr>
-            <p:ph type="ctrTitle"/>
-          </p:nvPr>
-        </p:nvSpPr>
-        <p:spPr/>
-        <p:txBody>
-          <a:bodyPr/>
-          <a:lstStyle/>
-          <a:p>
-            <a:r>
-              <a:rPr lang="en-US" dirty="0"/>
-              <a:t>REST API demo</a:t>
-            </a:r>
-            <a:endParaRPr lang="en-SG" dirty="0"/>
-          </a:p>
-        </p:txBody>
-      </p:sp>
-      <p:sp>
-        <p:nvSpPr>
-          <p:cNvPr id="7" name="Subtitle 6">
-            <a:extLst>
-              <a:ext uri="{FF2B5EF4-FFF2-40B4-BE49-F238E27FC236}">
-                <a16:creationId xmlns:a16="http://schemas.microsoft.com/office/drawing/2014/main" id="{771ADAF2-7179-B246-2630-D3CCC99784E4}"/>
-              </a:ext>
-            </a:extLst>
-          </p:cNvPr>
-          <p:cNvSpPr>
-            <a:spLocks noGrp="1"/>
-          </p:cNvSpPr>
-          <p:nvPr>
-            <p:ph type="subTitle" idx="1"/>
-          </p:nvPr>
-        </p:nvSpPr>
-        <p:spPr/>
-        <p:txBody>
-          <a:bodyPr/>
-          <a:lstStyle/>
-          <a:p>
-            <a:endParaRPr lang="en-SG"/>
-          </a:p>
-        </p:txBody>
-      </p:sp>
-      <p:sp>
-        <p:nvSpPr>
-          <p:cNvPr id="5" name="Slide Number Placeholder 4">
-            <a:extLst>
-              <a:ext uri="{FF2B5EF4-FFF2-40B4-BE49-F238E27FC236}">
-                <a16:creationId xmlns:a16="http://schemas.microsoft.com/office/drawing/2014/main" id="{8547F4C8-DA98-7E4C-CED2-89300A1B2177}"/>
-              </a:ext>
-            </a:extLst>
-          </p:cNvPr>
-          <p:cNvSpPr>
-            <a:spLocks noGrp="1"/>
-          </p:cNvSpPr>
-          <p:nvPr>
-            <p:ph type="sldNum" sz="quarter" idx="12"/>
-          </p:nvPr>
-        </p:nvSpPr>
-        <p:spPr/>
-        <p:txBody>
-          <a:bodyPr/>
-          <a:lstStyle/>
-          <a:p>
-            <a:fld id="{6D22F896-40B5-4ADD-8801-0D06FADFA095}" type="slidenum">
-              <a:rPr lang="en-US" smtClean="0"/>
-              <a:t>21</a:t>
-            </a:fld>
-            <a:endParaRPr lang="en-US" dirty="0"/>
-          </a:p>
-        </p:txBody>
-      </p:sp>
-    </p:spTree>
-    <p:extLst>
-      <p:ext uri="{BB962C8B-B14F-4D97-AF65-F5344CB8AC3E}">
-        <p14:creationId xmlns:p14="http://schemas.microsoft.com/office/powerpoint/2010/main" val="3919938145"/>
-      </p:ext>
-    </p:extLst>
-  </p:cSld>
-  <p:clrMapOvr>
-    <a:masterClrMapping/>
-  </p:clrMapOvr>
-</p:sld>
-</file>
-
-<file path=ppt/slides/slide22.xml><?xml version="1.0" encoding="utf-8"?>
-<p:sld xmlns:a="http://schemas.openxmlformats.org/drawingml/2006/main" xmlns:r="http://schemas.openxmlformats.org/officeDocument/2006/relationships" xmlns:p="http://schemas.openxmlformats.org/presentationml/2006/main">
-  <p:cSld>
-    <p:spTree>
-      <p:nvGrpSpPr>
-        <p:cNvPr id="1" name=""/>
-        <p:cNvGrpSpPr/>
-        <p:nvPr/>
-      </p:nvGrpSpPr>
-      <p:grpSpPr>
-        <a:xfrm>
-          <a:off x="0" y="0"/>
-          <a:ext cx="0" cy="0"/>
-          <a:chOff x="0" y="0"/>
-          <a:chExt cx="0" cy="0"/>
-        </a:xfrm>
-      </p:grpSpPr>
-      <p:sp>
-        <p:nvSpPr>
           <p:cNvPr id="5" name="Title 4">
             <a:extLst>
               <a:ext uri="{FF2B5EF4-FFF2-40B4-BE49-F238E27FC236}">
@@ -7416,7 +7162,7 @@
           <a:p>
             <a:fld id="{6D22F896-40B5-4ADD-8801-0D06FADFA095}" type="slidenum">
               <a:rPr lang="en-US" smtClean="0"/>
-              <a:t>22</a:t>
+              <a:t>21</a:t>
             </a:fld>
             <a:endParaRPr lang="en-US" dirty="0"/>
           </a:p>
@@ -7497,6 +7243,187 @@
 </p:sld>
 </file>
 
+<file path=ppt/slides/slide22.xml><?xml version="1.0" encoding="utf-8"?>
+<p:sld xmlns:a="http://schemas.openxmlformats.org/drawingml/2006/main" xmlns:r="http://schemas.openxmlformats.org/officeDocument/2006/relationships" xmlns:p="http://schemas.openxmlformats.org/presentationml/2006/main">
+  <p:cSld>
+    <p:spTree>
+      <p:nvGrpSpPr>
+        <p:cNvPr id="1" name=""/>
+        <p:cNvGrpSpPr/>
+        <p:nvPr/>
+      </p:nvGrpSpPr>
+      <p:grpSpPr>
+        <a:xfrm>
+          <a:off x="0" y="0"/>
+          <a:ext cx="0" cy="0"/>
+          <a:chOff x="0" y="0"/>
+          <a:chExt cx="0" cy="0"/>
+        </a:xfrm>
+      </p:grpSpPr>
+      <p:sp>
+        <p:nvSpPr>
+          <p:cNvPr id="5" name="Title 4">
+            <a:extLst>
+              <a:ext uri="{FF2B5EF4-FFF2-40B4-BE49-F238E27FC236}">
+                <a16:creationId xmlns:a16="http://schemas.microsoft.com/office/drawing/2014/main" id="{54D940A4-007E-54D2-C48D-7AF856C5F3CC}"/>
+              </a:ext>
+            </a:extLst>
+          </p:cNvPr>
+          <p:cNvSpPr>
+            <a:spLocks noGrp="1"/>
+          </p:cNvSpPr>
+          <p:nvPr>
+            <p:ph type="title"/>
+          </p:nvPr>
+        </p:nvSpPr>
+        <p:spPr/>
+        <p:txBody>
+          <a:bodyPr/>
+          <a:lstStyle/>
+          <a:p>
+            <a:r>
+              <a:rPr lang="en-US" dirty="0"/>
+              <a:t>Best Practices</a:t>
+            </a:r>
+            <a:endParaRPr lang="en-SG" dirty="0"/>
+          </a:p>
+        </p:txBody>
+      </p:sp>
+      <p:sp>
+        <p:nvSpPr>
+          <p:cNvPr id="3" name="Content Placeholder 2">
+            <a:extLst>
+              <a:ext uri="{FF2B5EF4-FFF2-40B4-BE49-F238E27FC236}">
+                <a16:creationId xmlns:a16="http://schemas.microsoft.com/office/drawing/2014/main" id="{B0A1AABF-3D92-721B-BCAD-E53DA6FB1DB1}"/>
+              </a:ext>
+            </a:extLst>
+          </p:cNvPr>
+          <p:cNvSpPr>
+            <a:spLocks noGrp="1"/>
+          </p:cNvSpPr>
+          <p:nvPr>
+            <p:ph sz="half" idx="1"/>
+          </p:nvPr>
+        </p:nvSpPr>
+        <p:spPr>
+          <a:xfrm>
+            <a:off x="1447330" y="2010878"/>
+            <a:ext cx="5490469" cy="3448595"/>
+          </a:xfrm>
+        </p:spPr>
+        <p:txBody>
+          <a:bodyPr>
+            <a:normAutofit/>
+          </a:bodyPr>
+          <a:lstStyle/>
+          <a:p>
+            <a:pPr>
+              <a:buFont typeface="+mj-lt"/>
+              <a:buAutoNum type="arabicPeriod"/>
+            </a:pPr>
+            <a:endParaRPr lang="en-US" sz="1600" dirty="0">
+              <a:solidFill>
+                <a:srgbClr val="0D0D0D"/>
+              </a:solidFill>
+              <a:latin typeface="Söhne"/>
+            </a:endParaRPr>
+          </a:p>
+          <a:p>
+            <a:pPr>
+              <a:buFont typeface="+mj-lt"/>
+              <a:buAutoNum type="arabicPeriod"/>
+            </a:pPr>
+            <a:endParaRPr lang="en-US" sz="1700" b="0" i="0" dirty="0">
+              <a:effectLst/>
+              <a:latin typeface="Söhne"/>
+            </a:endParaRPr>
+          </a:p>
+          <a:p>
+            <a:pPr lvl="1"/>
+            <a:endParaRPr lang="en-US" sz="1700" b="0" i="0" dirty="0">
+              <a:effectLst/>
+              <a:latin typeface="Söhne"/>
+            </a:endParaRPr>
+          </a:p>
+          <a:p>
+            <a:endParaRPr lang="en-SG" dirty="0"/>
+          </a:p>
+        </p:txBody>
+      </p:sp>
+      <p:sp>
+        <p:nvSpPr>
+          <p:cNvPr id="4" name="Slide Number Placeholder 3">
+            <a:extLst>
+              <a:ext uri="{FF2B5EF4-FFF2-40B4-BE49-F238E27FC236}">
+                <a16:creationId xmlns:a16="http://schemas.microsoft.com/office/drawing/2014/main" id="{83A6863F-0C7B-EB63-018B-8645E7A3DD6A}"/>
+              </a:ext>
+            </a:extLst>
+          </p:cNvPr>
+          <p:cNvSpPr>
+            <a:spLocks noGrp="1"/>
+          </p:cNvSpPr>
+          <p:nvPr>
+            <p:ph type="sldNum" sz="quarter" idx="12"/>
+          </p:nvPr>
+        </p:nvSpPr>
+        <p:spPr/>
+        <p:txBody>
+          <a:bodyPr/>
+          <a:lstStyle/>
+          <a:p>
+            <a:fld id="{6D22F896-40B5-4ADD-8801-0D06FADFA095}" type="slidenum">
+              <a:rPr lang="en-US" smtClean="0"/>
+              <a:t>22</a:t>
+            </a:fld>
+            <a:endParaRPr lang="en-US" dirty="0"/>
+          </a:p>
+        </p:txBody>
+      </p:sp>
+      <p:sp>
+        <p:nvSpPr>
+          <p:cNvPr id="12" name="Content Placeholder 11">
+            <a:extLst>
+              <a:ext uri="{FF2B5EF4-FFF2-40B4-BE49-F238E27FC236}">
+                <a16:creationId xmlns:a16="http://schemas.microsoft.com/office/drawing/2014/main" id="{F95F317D-56ED-5C53-2F5B-F086ACDF91A8}"/>
+              </a:ext>
+            </a:extLst>
+          </p:cNvPr>
+          <p:cNvSpPr>
+            <a:spLocks noGrp="1"/>
+          </p:cNvSpPr>
+          <p:nvPr>
+            <p:ph sz="half" idx="2"/>
+          </p:nvPr>
+        </p:nvSpPr>
+        <p:spPr>
+          <a:xfrm>
+            <a:off x="7335297" y="2017343"/>
+            <a:ext cx="3723626" cy="3441520"/>
+          </a:xfrm>
+        </p:spPr>
+        <p:txBody>
+          <a:bodyPr>
+            <a:normAutofit/>
+          </a:bodyPr>
+          <a:lstStyle/>
+          <a:p>
+            <a:endParaRPr lang="en-SG" dirty="0"/>
+          </a:p>
+        </p:txBody>
+      </p:sp>
+    </p:spTree>
+    <p:extLst>
+      <p:ext uri="{BB962C8B-B14F-4D97-AF65-F5344CB8AC3E}">
+        <p14:creationId xmlns:p14="http://schemas.microsoft.com/office/powerpoint/2010/main" val="4065584649"/>
+      </p:ext>
+    </p:extLst>
+  </p:cSld>
+  <p:clrMapOvr>
+    <a:masterClrMapping/>
+  </p:clrMapOvr>
+</p:sld>
+</file>
+
 <file path=ppt/slides/slide23.xml><?xml version="1.0" encoding="utf-8"?>
 <p:sld xmlns:a="http://schemas.openxmlformats.org/drawingml/2006/main" xmlns:r="http://schemas.openxmlformats.org/officeDocument/2006/relationships" xmlns:p="http://schemas.openxmlformats.org/presentationml/2006/main">
   <p:cSld>
@@ -7516,10 +7443,10 @@
       </p:grpSpPr>
       <p:sp>
         <p:nvSpPr>
-          <p:cNvPr id="5" name="Title 4">
+          <p:cNvPr id="2" name="Title 1">
             <a:extLst>
               <a:ext uri="{FF2B5EF4-FFF2-40B4-BE49-F238E27FC236}">
-                <a16:creationId xmlns:a16="http://schemas.microsoft.com/office/drawing/2014/main" id="{54D940A4-007E-54D2-C48D-7AF856C5F3CC}"/>
+                <a16:creationId xmlns:a16="http://schemas.microsoft.com/office/drawing/2014/main" id="{E8E74809-A8B7-8AFB-3E3A-5A43889517B4}"/>
               </a:ext>
             </a:extLst>
           </p:cNvPr>
@@ -7537,7 +7464,7 @@
           <a:p>
             <a:r>
               <a:rPr lang="en-US" dirty="0"/>
-              <a:t>Best Practices</a:t>
+              <a:t>Important Docker Commands</a:t>
             </a:r>
             <a:endParaRPr lang="en-SG" dirty="0"/>
           </a:p>
@@ -7548,7 +7475,7 @@
           <p:cNvPr id="3" name="Content Placeholder 2">
             <a:extLst>
               <a:ext uri="{FF2B5EF4-FFF2-40B4-BE49-F238E27FC236}">
-                <a16:creationId xmlns:a16="http://schemas.microsoft.com/office/drawing/2014/main" id="{B0A1AABF-3D92-721B-BCAD-E53DA6FB1DB1}"/>
+                <a16:creationId xmlns:a16="http://schemas.microsoft.com/office/drawing/2014/main" id="{6D06AD77-257D-6C8C-3682-4F04DC614A4F}"/>
               </a:ext>
             </a:extLst>
           </p:cNvPr>
@@ -7556,52 +7483,117 @@
             <a:spLocks noGrp="1"/>
           </p:cNvSpPr>
           <p:nvPr>
-            <p:ph sz="half" idx="1"/>
-          </p:nvPr>
-        </p:nvSpPr>
-        <p:spPr>
-          <a:xfrm>
-            <a:off x="1447330" y="2010878"/>
-            <a:ext cx="5490469" cy="3448595"/>
-          </a:xfrm>
-        </p:spPr>
+            <p:ph idx="1"/>
+          </p:nvPr>
+        </p:nvSpPr>
+        <p:spPr/>
         <p:txBody>
           <a:bodyPr>
             <a:normAutofit/>
           </a:bodyPr>
           <a:lstStyle/>
           <a:p>
-            <a:pPr>
-              <a:buFont typeface="+mj-lt"/>
-              <a:buAutoNum type="arabicPeriod"/>
-            </a:pPr>
-            <a:endParaRPr lang="en-US" sz="1600" dirty="0">
+            <a:r>
+              <a:rPr lang="en-SG" sz="1800" dirty="0">
+                <a:solidFill>
+                  <a:srgbClr val="0D0D0D"/>
+                </a:solidFill>
+                <a:latin typeface="Söhne"/>
+              </a:rPr>
+              <a:t>docker pull: Command for pulling an image or repository from a registry like Docker Hub.</a:t>
+            </a:r>
+          </a:p>
+          <a:p>
+            <a:pPr lvl="1"/>
+            <a:r>
+              <a:rPr lang="en-SG" dirty="0">
+                <a:solidFill>
+                  <a:srgbClr val="0D0D0D"/>
+                </a:solidFill>
+                <a:latin typeface="Söhne"/>
+              </a:rPr>
+              <a:t>Ex : docker pull python:3.9-slim</a:t>
+            </a:r>
+          </a:p>
+          <a:p>
+            <a:r>
+              <a:rPr lang="en-SG" sz="1800" dirty="0">
+                <a:solidFill>
+                  <a:srgbClr val="0D0D0D"/>
+                </a:solidFill>
+                <a:latin typeface="Söhne"/>
+              </a:rPr>
+              <a:t>docker images: Command for listing available images on the local system.</a:t>
+            </a:r>
+          </a:p>
+          <a:p>
+            <a:pPr lvl="1"/>
+            <a:r>
+              <a:rPr lang="en-SG" dirty="0">
+                <a:solidFill>
+                  <a:srgbClr val="0D0D0D"/>
+                </a:solidFill>
+                <a:latin typeface="Söhne"/>
+              </a:rPr>
+              <a:t>Ex: docker images</a:t>
+            </a:r>
+          </a:p>
+          <a:p>
+            <a:r>
+              <a:rPr lang="en-SG" sz="1800" dirty="0">
+                <a:solidFill>
+                  <a:srgbClr val="0D0D0D"/>
+                </a:solidFill>
+                <a:latin typeface="Söhne"/>
+              </a:rPr>
+              <a:t>docker </a:t>
+            </a:r>
+            <a:r>
+              <a:rPr lang="en-SG" sz="1800" dirty="0" err="1">
+                <a:solidFill>
+                  <a:srgbClr val="0D0D0D"/>
+                </a:solidFill>
+                <a:latin typeface="Söhne"/>
+              </a:rPr>
+              <a:t>ps</a:t>
+            </a:r>
+            <a:r>
+              <a:rPr lang="en-SG" sz="1800" dirty="0">
+                <a:solidFill>
+                  <a:srgbClr val="0D0D0D"/>
+                </a:solidFill>
+                <a:latin typeface="Söhne"/>
+              </a:rPr>
+              <a:t>: Command for listing running containers.</a:t>
+            </a:r>
+          </a:p>
+          <a:p>
+            <a:pPr lvl="1"/>
+            <a:r>
+              <a:rPr lang="en-SG" dirty="0">
+                <a:solidFill>
+                  <a:srgbClr val="0D0D0D"/>
+                </a:solidFill>
+                <a:latin typeface="Söhne"/>
+              </a:rPr>
+              <a:t>Ex: docker </a:t>
+            </a:r>
+            <a:r>
+              <a:rPr lang="en-SG" dirty="0" err="1">
+                <a:solidFill>
+                  <a:srgbClr val="0D0D0D"/>
+                </a:solidFill>
+                <a:latin typeface="Söhne"/>
+              </a:rPr>
+              <a:t>ps</a:t>
+            </a:r>
+            <a:endParaRPr lang="en-SG" dirty="0">
               <a:solidFill>
                 <a:srgbClr val="0D0D0D"/>
               </a:solidFill>
               <a:latin typeface="Söhne"/>
             </a:endParaRPr>
           </a:p>
-          <a:p>
-            <a:pPr>
-              <a:buFont typeface="+mj-lt"/>
-              <a:buAutoNum type="arabicPeriod"/>
-            </a:pPr>
-            <a:endParaRPr lang="en-US" sz="1700" b="0" i="0" dirty="0">
-              <a:effectLst/>
-              <a:latin typeface="Söhne"/>
-            </a:endParaRPr>
-          </a:p>
-          <a:p>
-            <a:pPr lvl="1"/>
-            <a:endParaRPr lang="en-US" sz="1700" b="0" i="0" dirty="0">
-              <a:effectLst/>
-              <a:latin typeface="Söhne"/>
-            </a:endParaRPr>
-          </a:p>
-          <a:p>
-            <a:endParaRPr lang="en-SG" dirty="0"/>
-          </a:p>
         </p:txBody>
       </p:sp>
       <p:sp>
@@ -7609,7 +7601,7 @@
           <p:cNvPr id="4" name="Slide Number Placeholder 3">
             <a:extLst>
               <a:ext uri="{FF2B5EF4-FFF2-40B4-BE49-F238E27FC236}">
-                <a16:creationId xmlns:a16="http://schemas.microsoft.com/office/drawing/2014/main" id="{83A6863F-0C7B-EB63-018B-8645E7A3DD6A}"/>
+                <a16:creationId xmlns:a16="http://schemas.microsoft.com/office/drawing/2014/main" id="{C94C6622-48F8-8CFB-64C0-9EDC8E4FE292}"/>
               </a:ext>
             </a:extLst>
           </p:cNvPr>
@@ -7633,42 +7625,10 @@
           </a:p>
         </p:txBody>
       </p:sp>
-      <p:sp>
-        <p:nvSpPr>
-          <p:cNvPr id="12" name="Content Placeholder 11">
-            <a:extLst>
-              <a:ext uri="{FF2B5EF4-FFF2-40B4-BE49-F238E27FC236}">
-                <a16:creationId xmlns:a16="http://schemas.microsoft.com/office/drawing/2014/main" id="{F95F317D-56ED-5C53-2F5B-F086ACDF91A8}"/>
-              </a:ext>
-            </a:extLst>
-          </p:cNvPr>
-          <p:cNvSpPr>
-            <a:spLocks noGrp="1"/>
-          </p:cNvSpPr>
-          <p:nvPr>
-            <p:ph sz="half" idx="2"/>
-          </p:nvPr>
-        </p:nvSpPr>
-        <p:spPr>
-          <a:xfrm>
-            <a:off x="7335297" y="2017343"/>
-            <a:ext cx="3723626" cy="3441520"/>
-          </a:xfrm>
-        </p:spPr>
-        <p:txBody>
-          <a:bodyPr>
-            <a:normAutofit/>
-          </a:bodyPr>
-          <a:lstStyle/>
-          <a:p>
-            <a:endParaRPr lang="en-SG" dirty="0"/>
-          </a:p>
-        </p:txBody>
-      </p:sp>
     </p:spTree>
     <p:extLst>
       <p:ext uri="{BB962C8B-B14F-4D97-AF65-F5344CB8AC3E}">
-        <p14:creationId xmlns:p14="http://schemas.microsoft.com/office/powerpoint/2010/main" val="4065584649"/>
+        <p14:creationId xmlns:p14="http://schemas.microsoft.com/office/powerpoint/2010/main" val="2978262395"/>
       </p:ext>
     </p:extLst>
   </p:cSld>
@@ -7754,7 +7714,25 @@
                 </a:solidFill>
                 <a:latin typeface="Söhne"/>
               </a:rPr>
-              <a:t>docker pull: Command for pulling an image or repository from a registry like Docker Hub.</a:t>
+              <a:t>docker build: Command for building a Docker image from a </a:t>
+            </a:r>
+            <a:r>
+              <a:rPr lang="en-SG" sz="1800" dirty="0" err="1">
+                <a:solidFill>
+                  <a:srgbClr val="0D0D0D"/>
+                </a:solidFill>
+                <a:latin typeface="Söhne"/>
+              </a:rPr>
+              <a:t>Dockerfile</a:t>
+            </a:r>
+            <a:r>
+              <a:rPr lang="en-SG" sz="1800" dirty="0">
+                <a:solidFill>
+                  <a:srgbClr val="0D0D0D"/>
+                </a:solidFill>
+                <a:latin typeface="Söhne"/>
+              </a:rPr>
+              <a:t>.</a:t>
             </a:r>
           </a:p>
           <a:p>
@@ -7766,7 +7744,7 @@
                 </a:solidFill>
                 <a:latin typeface="Söhne"/>
               </a:rPr>
-              <a:t>Ex : docker pull python:3.9-slim</a:t>
+              <a:t>Ex: docker build -t my-python-app .</a:t>
             </a:r>
           </a:p>
           <a:p>
@@ -7777,7 +7755,7 @@
                 </a:solidFill>
                 <a:latin typeface="Söhne"/>
               </a:rPr>
-              <a:t>docker images: Command for listing available images on the local system.</a:t>
+              <a:t>docker run: Command for creating and running a container from an image.</a:t>
             </a:r>
           </a:p>
           <a:p>
@@ -7789,7 +7767,7 @@
                 </a:solidFill>
                 <a:latin typeface="Söhne"/>
               </a:rPr>
-              <a:t>Ex: docker images</a:t>
+              <a:t>Ex: docker run my-python-app</a:t>
             </a:r>
           </a:p>
           <a:p>
@@ -7800,7 +7778,7 @@
                 </a:solidFill>
                 <a:latin typeface="Söhne"/>
               </a:rPr>
-              <a:t>docker </a:t>
+              <a:t>docker-compose: Command for managing multi-container Docker applications using a Docker Compose </a:t>
             </a:r>
             <a:r>
               <a:rPr lang="en-SG" sz="1800" dirty="0" err="1">
@@ -7809,7 +7787,7 @@
                 </a:solidFill>
                 <a:latin typeface="Söhne"/>
               </a:rPr>
-              <a:t>ps</a:t>
+              <a:t>yml</a:t>
             </a:r>
             <a:r>
               <a:rPr lang="en-SG" sz="1800" dirty="0">
@@ -7818,7 +7796,7 @@
                 </a:solidFill>
                 <a:latin typeface="Söhne"/>
               </a:rPr>
-              <a:t>: Command for listing running containers.</a:t>
+              <a:t> file.</a:t>
             </a:r>
           </a:p>
           <a:p>
@@ -7830,23 +7808,8 @@
                 </a:solidFill>
                 <a:latin typeface="Söhne"/>
               </a:rPr>
-              <a:t>Ex: docker </a:t>
-            </a:r>
-            <a:r>
-              <a:rPr lang="en-SG" dirty="0" err="1">
-                <a:solidFill>
-                  <a:srgbClr val="0D0D0D"/>
-                </a:solidFill>
-                <a:latin typeface="Söhne"/>
-              </a:rPr>
-              <a:t>ps</a:t>
-            </a:r>
-            <a:endParaRPr lang="en-SG" dirty="0">
-              <a:solidFill>
-                <a:srgbClr val="0D0D0D"/>
-              </a:solidFill>
-              <a:latin typeface="Söhne"/>
-            </a:endParaRPr>
+              <a:t>Example: docker-compose up -d</a:t>
+            </a:r>
           </a:p>
         </p:txBody>
       </p:sp>
@@ -7882,7 +7845,7 @@
     </p:spTree>
     <p:extLst>
       <p:ext uri="{BB962C8B-B14F-4D97-AF65-F5344CB8AC3E}">
-        <p14:creationId xmlns:p14="http://schemas.microsoft.com/office/powerpoint/2010/main" val="2978262395"/>
+        <p14:creationId xmlns:p14="http://schemas.microsoft.com/office/powerpoint/2010/main" val="3881800110"/>
       </p:ext>
     </p:extLst>
   </p:cSld>
@@ -7932,7 +7895,11 @@
           <a:p>
             <a:r>
               <a:rPr lang="en-US" dirty="0"/>
-              <a:t>Important Docker Commands</a:t>
+              <a:t>Overview of Docker </a:t>
+            </a:r>
+            <a:r>
+              <a:rPr lang="en-US" dirty="0" err="1"/>
+              <a:t>NEtworks</a:t>
             </a:r>
             <a:endParaRPr lang="en-SG" dirty="0"/>
           </a:p>
@@ -7962,107 +7929,28 @@
           <a:lstStyle/>
           <a:p>
             <a:r>
-              <a:rPr lang="en-SG" sz="1800" dirty="0">
-                <a:solidFill>
-                  <a:srgbClr val="0D0D0D"/>
-                </a:solidFill>
-                <a:latin typeface="Söhne"/>
-              </a:rPr>
-              <a:t>docker build: Command for building a Docker image from a </a:t>
-            </a:r>
-            <a:r>
-              <a:rPr lang="en-SG" sz="1800" dirty="0" err="1">
-                <a:solidFill>
-                  <a:srgbClr val="0D0D0D"/>
-                </a:solidFill>
-                <a:latin typeface="Söhne"/>
-              </a:rPr>
-              <a:t>Dockerfile</a:t>
-            </a:r>
-            <a:r>
-              <a:rPr lang="en-SG" sz="1800" dirty="0">
-                <a:solidFill>
-                  <a:srgbClr val="0D0D0D"/>
-                </a:solidFill>
-                <a:latin typeface="Söhne"/>
-              </a:rPr>
-              <a:t>.</a:t>
-            </a:r>
-          </a:p>
-          <a:p>
-            <a:pPr lvl="1"/>
-            <a:r>
-              <a:rPr lang="en-SG" dirty="0">
-                <a:solidFill>
-                  <a:srgbClr val="0D0D0D"/>
-                </a:solidFill>
-                <a:latin typeface="Söhne"/>
-              </a:rPr>
-              <a:t>Ex: docker build -t my-python-app .</a:t>
-            </a:r>
-          </a:p>
-          <a:p>
-            <a:r>
-              <a:rPr lang="en-SG" sz="1800" dirty="0">
-                <a:solidFill>
-                  <a:srgbClr val="0D0D0D"/>
-                </a:solidFill>
-                <a:latin typeface="Söhne"/>
-              </a:rPr>
-              <a:t>docker run: Command for creating and running a container from an image.</a:t>
-            </a:r>
-          </a:p>
-          <a:p>
-            <a:pPr lvl="1"/>
-            <a:r>
-              <a:rPr lang="en-SG" dirty="0">
-                <a:solidFill>
-                  <a:srgbClr val="0D0D0D"/>
-                </a:solidFill>
-                <a:latin typeface="Söhne"/>
-              </a:rPr>
-              <a:t>Ex: docker run my-python-app</a:t>
-            </a:r>
-          </a:p>
-          <a:p>
-            <a:r>
-              <a:rPr lang="en-SG" sz="1800" dirty="0">
-                <a:solidFill>
-                  <a:srgbClr val="0D0D0D"/>
-                </a:solidFill>
-                <a:latin typeface="Söhne"/>
-              </a:rPr>
-              <a:t>docker-compose: Command for managing multi-container Docker applications using a Docker Compose </a:t>
-            </a:r>
-            <a:r>
-              <a:rPr lang="en-SG" sz="1800" dirty="0" err="1">
-                <a:solidFill>
-                  <a:srgbClr val="0D0D0D"/>
-                </a:solidFill>
-                <a:latin typeface="Söhne"/>
-              </a:rPr>
-              <a:t>yml</a:t>
-            </a:r>
-            <a:r>
-              <a:rPr lang="en-SG" sz="1800" dirty="0">
-                <a:solidFill>
-                  <a:srgbClr val="0D0D0D"/>
-                </a:solidFill>
-                <a:latin typeface="Söhne"/>
-              </a:rPr>
-              <a:t> file.</a:t>
-            </a:r>
-          </a:p>
-          <a:p>
-            <a:pPr lvl="1"/>
-            <a:r>
-              <a:rPr lang="en-SG" dirty="0">
-                <a:solidFill>
-                  <a:srgbClr val="0D0D0D"/>
-                </a:solidFill>
-                <a:latin typeface="Söhne"/>
-              </a:rPr>
-              <a:t>Example: docker-compose up -d</a:t>
+              <a:rPr lang="en-US" dirty="0"/>
+              <a:t>Docker networking allows containers to communicate with each other, similar to how computers on a network communicate. </a:t>
+            </a:r>
+          </a:p>
+          <a:p>
+            <a:r>
+              <a:rPr lang="en-US" dirty="0"/>
+              <a:t>Docker networking is like connecting different pieces of a puzzle to make them work together. </a:t>
+            </a:r>
+            <a:endParaRPr lang="en-SG" dirty="0"/>
+          </a:p>
+          <a:p>
+            <a:r>
+              <a:rPr lang="en-SG" dirty="0"/>
+              <a:t>Command for managing Docker networks.</a:t>
+            </a:r>
+          </a:p>
+          <a:p>
+            <a:pPr lvl="2"/>
+            <a:r>
+              <a:rPr lang="en-SG" dirty="0"/>
+              <a:t>Ex: docker network create my-network</a:t>
             </a:r>
           </a:p>
         </p:txBody>
@@ -8099,7 +7987,7 @@
     </p:spTree>
     <p:extLst>
       <p:ext uri="{BB962C8B-B14F-4D97-AF65-F5344CB8AC3E}">
-        <p14:creationId xmlns:p14="http://schemas.microsoft.com/office/powerpoint/2010/main" val="3881800110"/>
+        <p14:creationId xmlns:p14="http://schemas.microsoft.com/office/powerpoint/2010/main" val="3175061686"/>
       </p:ext>
     </p:extLst>
   </p:cSld>
@@ -8128,148 +8016,6 @@
       </p:grpSpPr>
       <p:sp>
         <p:nvSpPr>
-          <p:cNvPr id="2" name="Title 1">
-            <a:extLst>
-              <a:ext uri="{FF2B5EF4-FFF2-40B4-BE49-F238E27FC236}">
-                <a16:creationId xmlns:a16="http://schemas.microsoft.com/office/drawing/2014/main" id="{E8E74809-A8B7-8AFB-3E3A-5A43889517B4}"/>
-              </a:ext>
-            </a:extLst>
-          </p:cNvPr>
-          <p:cNvSpPr>
-            <a:spLocks noGrp="1"/>
-          </p:cNvSpPr>
-          <p:nvPr>
-            <p:ph type="title"/>
-          </p:nvPr>
-        </p:nvSpPr>
-        <p:spPr/>
-        <p:txBody>
-          <a:bodyPr/>
-          <a:lstStyle/>
-          <a:p>
-            <a:r>
-              <a:rPr lang="en-US" dirty="0"/>
-              <a:t>Overview of Docker </a:t>
-            </a:r>
-            <a:r>
-              <a:rPr lang="en-US" dirty="0" err="1"/>
-              <a:t>NEtworks</a:t>
-            </a:r>
-            <a:endParaRPr lang="en-SG" dirty="0"/>
-          </a:p>
-        </p:txBody>
-      </p:sp>
-      <p:sp>
-        <p:nvSpPr>
-          <p:cNvPr id="3" name="Content Placeholder 2">
-            <a:extLst>
-              <a:ext uri="{FF2B5EF4-FFF2-40B4-BE49-F238E27FC236}">
-                <a16:creationId xmlns:a16="http://schemas.microsoft.com/office/drawing/2014/main" id="{6D06AD77-257D-6C8C-3682-4F04DC614A4F}"/>
-              </a:ext>
-            </a:extLst>
-          </p:cNvPr>
-          <p:cNvSpPr>
-            <a:spLocks noGrp="1"/>
-          </p:cNvSpPr>
-          <p:nvPr>
-            <p:ph idx="1"/>
-          </p:nvPr>
-        </p:nvSpPr>
-        <p:spPr/>
-        <p:txBody>
-          <a:bodyPr>
-            <a:normAutofit/>
-          </a:bodyPr>
-          <a:lstStyle/>
-          <a:p>
-            <a:r>
-              <a:rPr lang="en-US" dirty="0"/>
-              <a:t>Docker networking allows containers to communicate with each other, similar to how computers on a network communicate. </a:t>
-            </a:r>
-          </a:p>
-          <a:p>
-            <a:r>
-              <a:rPr lang="en-US" dirty="0"/>
-              <a:t>Docker networking is like connecting different pieces of a puzzle to make them work together. </a:t>
-            </a:r>
-            <a:endParaRPr lang="en-SG" dirty="0"/>
-          </a:p>
-          <a:p>
-            <a:r>
-              <a:rPr lang="en-SG" dirty="0"/>
-              <a:t>Command for managing Docker networks.</a:t>
-            </a:r>
-          </a:p>
-          <a:p>
-            <a:pPr lvl="2"/>
-            <a:r>
-              <a:rPr lang="en-SG" dirty="0"/>
-              <a:t>Ex: docker network create my-network</a:t>
-            </a:r>
-          </a:p>
-        </p:txBody>
-      </p:sp>
-      <p:sp>
-        <p:nvSpPr>
-          <p:cNvPr id="4" name="Slide Number Placeholder 3">
-            <a:extLst>
-              <a:ext uri="{FF2B5EF4-FFF2-40B4-BE49-F238E27FC236}">
-                <a16:creationId xmlns:a16="http://schemas.microsoft.com/office/drawing/2014/main" id="{C94C6622-48F8-8CFB-64C0-9EDC8E4FE292}"/>
-              </a:ext>
-            </a:extLst>
-          </p:cNvPr>
-          <p:cNvSpPr>
-            <a:spLocks noGrp="1"/>
-          </p:cNvSpPr>
-          <p:nvPr>
-            <p:ph type="sldNum" sz="quarter" idx="12"/>
-          </p:nvPr>
-        </p:nvSpPr>
-        <p:spPr/>
-        <p:txBody>
-          <a:bodyPr/>
-          <a:lstStyle/>
-          <a:p>
-            <a:fld id="{6D22F896-40B5-4ADD-8801-0D06FADFA095}" type="slidenum">
-              <a:rPr lang="en-US" smtClean="0"/>
-              <a:t>26</a:t>
-            </a:fld>
-            <a:endParaRPr lang="en-US" dirty="0"/>
-          </a:p>
-        </p:txBody>
-      </p:sp>
-    </p:spTree>
-    <p:extLst>
-      <p:ext uri="{BB962C8B-B14F-4D97-AF65-F5344CB8AC3E}">
-        <p14:creationId xmlns:p14="http://schemas.microsoft.com/office/powerpoint/2010/main" val="3175061686"/>
-      </p:ext>
-    </p:extLst>
-  </p:cSld>
-  <p:clrMapOvr>
-    <a:masterClrMapping/>
-  </p:clrMapOvr>
-</p:sld>
-</file>
-
-<file path=ppt/slides/slide27.xml><?xml version="1.0" encoding="utf-8"?>
-<p:sld xmlns:a="http://schemas.openxmlformats.org/drawingml/2006/main" xmlns:r="http://schemas.openxmlformats.org/officeDocument/2006/relationships" xmlns:p="http://schemas.openxmlformats.org/presentationml/2006/main">
-  <p:cSld>
-    <p:spTree>
-      <p:nvGrpSpPr>
-        <p:cNvPr id="1" name=""/>
-        <p:cNvGrpSpPr/>
-        <p:nvPr/>
-      </p:nvGrpSpPr>
-      <p:grpSpPr>
-        <a:xfrm>
-          <a:off x="0" y="0"/>
-          <a:ext cx="0" cy="0"/>
-          <a:chOff x="0" y="0"/>
-          <a:chExt cx="0" cy="0"/>
-        </a:xfrm>
-      </p:grpSpPr>
-      <p:sp>
-        <p:nvSpPr>
           <p:cNvPr id="5" name="Slide Number Placeholder 4">
             <a:extLst>
               <a:ext uri="{FF2B5EF4-FFF2-40B4-BE49-F238E27FC236}">
@@ -8291,7 +8037,7 @@
           <a:p>
             <a:fld id="{6D22F896-40B5-4ADD-8801-0D06FADFA095}" type="slidenum">
               <a:rPr lang="en-US" smtClean="0"/>
-              <a:t>27</a:t>
+              <a:t>26</a:t>
             </a:fld>
             <a:endParaRPr lang="en-US" dirty="0"/>
           </a:p>
@@ -9907,11 +9653,21 @@
         </p:spPr>
         <p:txBody>
           <a:bodyPr>
-            <a:normAutofit fontScale="92500" lnSpcReduction="20000"/>
+            <a:normAutofit/>
           </a:bodyPr>
           <a:lstStyle/>
           <a:p>
             <a:r>
+              <a:rPr lang="en-US" b="0" i="0" dirty="0" err="1">
+                <a:solidFill>
+                  <a:srgbClr val="374151"/>
+                </a:solidFill>
+                <a:effectLst/>
+                <a:latin typeface="Söhne"/>
+              </a:rPr>
+              <a:t>Dockerfile</a:t>
+            </a:r>
+            <a:r>
               <a:rPr lang="en-US" b="0" i="0" dirty="0">
                 <a:solidFill>
                   <a:srgbClr val="374151"/>
@@ -9919,18 +9675,29 @@
                 <a:effectLst/>
                 <a:latin typeface="Söhne"/>
               </a:rPr>
-              <a:t>Dockerfile: </a:t>
-            </a:r>
-            <a:r>
-              <a:rPr lang="en-US" b="0" i="0" dirty="0" err="1">
+              <a:t> </a:t>
+            </a:r>
+            <a:r>
+              <a:rPr lang="en-US" dirty="0">
+                <a:solidFill>
+                  <a:srgbClr val="374151"/>
+                </a:solidFill>
+                <a:latin typeface="Söhne"/>
+              </a:rPr>
+              <a:t>is a</a:t>
+            </a:r>
+            <a:r>
+              <a:rPr lang="en-US" b="0" i="0" dirty="0">
                 <a:solidFill>
                   <a:srgbClr val="374151"/>
                 </a:solidFill>
                 <a:effectLst/>
                 <a:latin typeface="Söhne"/>
               </a:rPr>
-              <a:t>Dockerfile</a:t>
-            </a:r>
+              <a:t> text files which contains commands for building a Docker image.</a:t>
+            </a:r>
+          </a:p>
+          <a:p>
             <a:r>
               <a:rPr lang="en-US" b="0" i="0" dirty="0">
                 <a:solidFill>
@@ -9939,7 +9706,58 @@
                 <a:effectLst/>
                 <a:latin typeface="Söhne"/>
               </a:rPr>
-              <a:t> </a:t>
+              <a:t>A docker image consists of all the project’s code.</a:t>
+            </a:r>
+          </a:p>
+          <a:p>
+            <a:r>
+              <a:rPr lang="en-US" b="0" i="0" dirty="0">
+                <a:solidFill>
+                  <a:srgbClr val="374151"/>
+                </a:solidFill>
+                <a:effectLst/>
+                <a:latin typeface="Söhne"/>
+              </a:rPr>
+              <a:t>To run a python application in docker:  </a:t>
+            </a:r>
+          </a:p>
+          <a:p>
+            <a:pPr lvl="1"/>
+            <a:r>
+              <a:rPr lang="en-US" b="0" i="0" dirty="0">
+                <a:solidFill>
+                  <a:srgbClr val="374151"/>
+                </a:solidFill>
+                <a:effectLst/>
+                <a:latin typeface="Söhne"/>
+              </a:rPr>
+              <a:t>Create a Dockerfile specify the base Python image  </a:t>
+            </a:r>
+          </a:p>
+          <a:p>
+            <a:pPr lvl="1"/>
+            <a:r>
+              <a:rPr lang="en-US" b="0" i="0" dirty="0">
+                <a:solidFill>
+                  <a:srgbClr val="374151"/>
+                </a:solidFill>
+                <a:effectLst/>
+                <a:latin typeface="Söhne"/>
+              </a:rPr>
+              <a:t>Specify dependencies (libraries) to install</a:t>
+            </a:r>
+          </a:p>
+          <a:p>
+            <a:pPr lvl="1"/>
+            <a:r>
+              <a:rPr lang="en-US" b="0" i="0" dirty="0">
+                <a:solidFill>
+                  <a:srgbClr val="374151"/>
+                </a:solidFill>
+                <a:effectLst/>
+                <a:latin typeface="Söhne"/>
+              </a:rPr>
+              <a:t>Specify configurations</a:t>
             </a:r>
             <a:r>
               <a:rPr lang="en-US" dirty="0">
@@ -9948,114 +9766,7 @@
                 </a:solidFill>
                 <a:latin typeface="Söhne"/>
               </a:rPr>
-              <a:t>is a</a:t>
-            </a:r>
-            <a:r>
-              <a:rPr lang="en-US" b="0" i="0" dirty="0">
-                <a:solidFill>
-                  <a:srgbClr val="374151"/>
-                </a:solidFill>
-                <a:effectLst/>
-                <a:latin typeface="Söhne"/>
-              </a:rPr>
-              <a:t> text files which contains commands for building a Docker image.</a:t>
-            </a:r>
-          </a:p>
-          <a:p>
-            <a:r>
-              <a:rPr lang="en-US" b="0" i="0" dirty="0">
-                <a:solidFill>
-                  <a:srgbClr val="374151"/>
-                </a:solidFill>
-                <a:effectLst/>
-                <a:latin typeface="Söhne"/>
-              </a:rPr>
-              <a:t>A docker image consists of all the project’s code</a:t>
-            </a:r>
-          </a:p>
-          <a:p>
-            <a:r>
-              <a:rPr lang="en-US" b="0" i="0" dirty="0">
-                <a:solidFill>
-                  <a:srgbClr val="374151"/>
-                </a:solidFill>
-                <a:effectLst/>
-                <a:latin typeface="Söhne"/>
-              </a:rPr>
-              <a:t>To run a python application in docker:  </a:t>
-            </a:r>
-          </a:p>
-          <a:p>
-            <a:pPr lvl="1"/>
-            <a:r>
-              <a:rPr lang="en-US" b="0" i="0" dirty="0">
-                <a:solidFill>
-                  <a:srgbClr val="374151"/>
-                </a:solidFill>
-                <a:effectLst/>
-                <a:latin typeface="Söhne"/>
-              </a:rPr>
-              <a:t>Create a Dockerfile specify the base Python image  any additional dependencies /configurations</a:t>
-            </a:r>
-            <a:r>
-              <a:rPr lang="en-US" dirty="0">
-                <a:solidFill>
-                  <a:srgbClr val="374151"/>
-                </a:solidFill>
-                <a:latin typeface="Söhne"/>
-              </a:rPr>
-              <a:t> required for our application.</a:t>
-            </a:r>
-          </a:p>
-          <a:p>
-            <a:r>
-              <a:rPr lang="en-US" b="0" i="0" dirty="0">
-                <a:solidFill>
-                  <a:srgbClr val="374151"/>
-                </a:solidFill>
-                <a:effectLst/>
-                <a:latin typeface="Söhne"/>
-              </a:rPr>
-              <a:t>When you run </a:t>
-            </a:r>
-            <a:r>
-              <a:rPr lang="en-US" b="0" i="0" dirty="0" err="1">
-                <a:solidFill>
-                  <a:srgbClr val="374151"/>
-                </a:solidFill>
-                <a:effectLst/>
-                <a:latin typeface="Söhne"/>
-              </a:rPr>
-              <a:t>Dockerfile</a:t>
-            </a:r>
-            <a:r>
-              <a:rPr lang="en-US" b="0" i="0" dirty="0">
-                <a:solidFill>
-                  <a:srgbClr val="374151"/>
-                </a:solidFill>
-                <a:effectLst/>
-                <a:latin typeface="Söhne"/>
-              </a:rPr>
-              <a:t> from </a:t>
-            </a:r>
-            <a:r>
-              <a:rPr lang="en-US" dirty="0" err="1">
-                <a:solidFill>
-                  <a:srgbClr val="374151"/>
-                </a:solidFill>
-                <a:latin typeface="Söhne"/>
-              </a:rPr>
-              <a:t>cmd</a:t>
-            </a:r>
-            <a:r>
-              <a:rPr lang="en-US" b="0" i="0" dirty="0">
-                <a:solidFill>
-                  <a:srgbClr val="374151"/>
-                </a:solidFill>
-                <a:effectLst/>
-                <a:latin typeface="Söhne"/>
-              </a:rPr>
-              <a:t> prompt using ‘docker build’ command, Docker automatically fetches the specified Python image from Docker Hub for our application to run</a:t>
+              <a:t> required for our application to run.</a:t>
             </a:r>
           </a:p>
           <a:p>
@@ -10122,7 +9833,7 @@
         </p:spPr>
         <p:txBody>
           <a:bodyPr>
-            <a:normAutofit fontScale="92500" lnSpcReduction="20000"/>
+            <a:normAutofit/>
           </a:bodyPr>
           <a:lstStyle/>
           <a:p>
@@ -10257,7 +9968,88 @@
           <a:lstStyle/>
           <a:p>
             <a:r>
-              <a:rPr lang="en-US" sz="2000" b="0" i="0" dirty="0">
+              <a:rPr lang="en-US" dirty="0">
+                <a:solidFill>
+                  <a:srgbClr val="374151"/>
+                </a:solidFill>
+                <a:latin typeface="Söhne"/>
+              </a:rPr>
+              <a:t>When you R</a:t>
+            </a:r>
+            <a:r>
+              <a:rPr lang="en-US" b="0" i="0" dirty="0">
+                <a:solidFill>
+                  <a:srgbClr val="374151"/>
+                </a:solidFill>
+                <a:effectLst/>
+                <a:latin typeface="Söhne"/>
+              </a:rPr>
+              <a:t>un </a:t>
+            </a:r>
+            <a:r>
+              <a:rPr lang="en-US" b="0" i="0" dirty="0" err="1">
+                <a:solidFill>
+                  <a:srgbClr val="374151"/>
+                </a:solidFill>
+                <a:effectLst/>
+                <a:latin typeface="Söhne"/>
+              </a:rPr>
+              <a:t>Dockerfile</a:t>
+            </a:r>
+            <a:r>
+              <a:rPr lang="en-US" b="0" i="0" dirty="0">
+                <a:solidFill>
+                  <a:srgbClr val="374151"/>
+                </a:solidFill>
+                <a:effectLst/>
+                <a:latin typeface="Söhne"/>
+              </a:rPr>
+              <a:t> from </a:t>
+            </a:r>
+            <a:r>
+              <a:rPr lang="en-US" dirty="0" err="1">
+                <a:solidFill>
+                  <a:srgbClr val="374151"/>
+                </a:solidFill>
+                <a:latin typeface="Söhne"/>
+              </a:rPr>
+              <a:t>cmd</a:t>
+            </a:r>
+            <a:r>
+              <a:rPr lang="en-US" b="0" i="0" dirty="0">
+                <a:solidFill>
+                  <a:srgbClr val="374151"/>
+                </a:solidFill>
+                <a:effectLst/>
+                <a:latin typeface="Söhne"/>
+              </a:rPr>
+              <a:t> prompt using ‘docker build’ command, </a:t>
+            </a:r>
+          </a:p>
+          <a:p>
+            <a:pPr lvl="1"/>
+            <a:r>
+              <a:rPr lang="en-US" b="0" i="0" dirty="0">
+                <a:solidFill>
+                  <a:srgbClr val="374151"/>
+                </a:solidFill>
+                <a:effectLst/>
+                <a:latin typeface="Söhne"/>
+              </a:rPr>
+              <a:t>Docker automatically fetches the specified Python image from Docker Hub for our application</a:t>
+            </a:r>
+            <a:endParaRPr lang="en-US" sz="2000" b="0" i="0" dirty="0">
+              <a:solidFill>
+                <a:srgbClr val="374151"/>
+              </a:solidFill>
+              <a:effectLst/>
+              <a:latin typeface="Söhne"/>
+            </a:endParaRPr>
+          </a:p>
+          <a:p>
+            <a:pPr lvl="1"/>
+            <a:r>
+              <a:rPr lang="en-US" b="0" i="0" dirty="0">
                 <a:solidFill>
                   <a:srgbClr val="374151"/>
                 </a:solidFill>

--- a/Docker_workshop.pptx
+++ b/Docker_workshop.pptx
@@ -28,11 +28,11 @@
     <p:sldId id="288" r:id="rId19"/>
     <p:sldId id="295" r:id="rId20"/>
     <p:sldId id="296" r:id="rId21"/>
-    <p:sldId id="262" r:id="rId22"/>
-    <p:sldId id="292" r:id="rId23"/>
-    <p:sldId id="285" r:id="rId24"/>
-    <p:sldId id="286" r:id="rId25"/>
-    <p:sldId id="287" r:id="rId26"/>
+    <p:sldId id="292" r:id="rId22"/>
+    <p:sldId id="287" r:id="rId23"/>
+    <p:sldId id="262" r:id="rId24"/>
+    <p:sldId id="285" r:id="rId25"/>
+    <p:sldId id="286" r:id="rId26"/>
     <p:sldId id="261" r:id="rId27"/>
   </p:sldIdLst>
   <p:sldSz cx="12192000" cy="6858000"/>
@@ -228,7 +228,7 @@
           <a:p>
             <a:fld id="{44B53E8D-93A4-45C2-B5B5-10C0D9FD8CAC}" type="datetimeFigureOut">
               <a:rPr lang="en-SG" smtClean="0"/>
-              <a:t>2/5/2024</a:t>
+              <a:t>3/5/2024</a:t>
             </a:fld>
             <a:endParaRPr lang="en-SG"/>
           </a:p>
@@ -635,7 +635,7 @@
           <a:p>
             <a:fld id="{437BE40A-911A-432A-8BBE-93FF79ED3A90}" type="datetime1">
               <a:rPr lang="en-US" smtClean="0"/>
-              <a:t>5/2/2024</a:t>
+              <a:t>5/3/2024</a:t>
             </a:fld>
             <a:endParaRPr lang="en-US" dirty="0"/>
           </a:p>
@@ -841,7 +841,7 @@
           <a:p>
             <a:fld id="{4F6639DB-A846-4767-ABAC-406E2E3917FA}" type="datetime1">
               <a:rPr lang="en-US" smtClean="0"/>
-              <a:t>5/2/2024</a:t>
+              <a:t>5/3/2024</a:t>
             </a:fld>
             <a:endParaRPr lang="en-US" dirty="0"/>
           </a:p>
@@ -1051,7 +1051,7 @@
           <a:p>
             <a:fld id="{771713FC-25A7-438F-9365-94BF54C091DD}" type="datetime1">
               <a:rPr lang="en-US" smtClean="0"/>
-              <a:t>5/2/2024</a:t>
+              <a:t>5/3/2024</a:t>
             </a:fld>
             <a:endParaRPr lang="en-US" dirty="0"/>
           </a:p>
@@ -1247,7 +1247,7 @@
           <a:p>
             <a:fld id="{CAE9FE10-04B1-4BA8-8869-75254AE28D04}" type="datetime1">
               <a:rPr lang="en-US" smtClean="0"/>
-              <a:t>5/2/2024</a:t>
+              <a:t>5/3/2024</a:t>
             </a:fld>
             <a:endParaRPr lang="en-US" dirty="0"/>
           </a:p>
@@ -1521,7 +1521,7 @@
           <a:p>
             <a:fld id="{70E77FC6-78CE-42FD-AD87-F85BB537C9A1}" type="datetime1">
               <a:rPr lang="en-US" smtClean="0"/>
-              <a:t>5/2/2024</a:t>
+              <a:t>5/3/2024</a:t>
             </a:fld>
             <a:endParaRPr lang="en-US" dirty="0"/>
           </a:p>
@@ -1784,7 +1784,7 @@
           <a:p>
             <a:fld id="{D55A4954-6E06-42E5-97D0-27BEAE43E0D3}" type="datetime1">
               <a:rPr lang="en-US" smtClean="0"/>
-              <a:t>5/2/2024</a:t>
+              <a:t>5/3/2024</a:t>
             </a:fld>
             <a:endParaRPr lang="en-US" dirty="0"/>
           </a:p>
@@ -2195,7 +2195,7 @@
           <a:p>
             <a:fld id="{7C32A4FA-2A0B-427C-8D5D-DDC37B93EACB}" type="datetime1">
               <a:rPr lang="en-US" smtClean="0"/>
-              <a:t>5/2/2024</a:t>
+              <a:t>5/3/2024</a:t>
             </a:fld>
             <a:endParaRPr lang="en-US" dirty="0"/>
           </a:p>
@@ -2339,7 +2339,7 @@
           <a:p>
             <a:fld id="{7B7B9263-D673-46C7-9969-438FB4605986}" type="datetime1">
               <a:rPr lang="en-US" smtClean="0"/>
-              <a:t>5/2/2024</a:t>
+              <a:t>5/3/2024</a:t>
             </a:fld>
             <a:endParaRPr lang="en-US" dirty="0"/>
           </a:p>
@@ -2460,7 +2460,7 @@
           <a:p>
             <a:fld id="{C9AB95F0-5727-4DF6-AF9F-64E494D61697}" type="datetime1">
               <a:rPr lang="en-US" smtClean="0"/>
-              <a:t>5/2/2024</a:t>
+              <a:t>5/3/2024</a:t>
             </a:fld>
             <a:endParaRPr lang="en-US" dirty="0"/>
           </a:p>
@@ -2706,7 +2706,7 @@
           <a:p>
             <a:fld id="{976BD081-FB83-4197-AF39-765AED2BCE98}" type="datetime1">
               <a:rPr lang="en-US" smtClean="0"/>
-              <a:t>5/2/2024</a:t>
+              <a:t>5/3/2024</a:t>
             </a:fld>
             <a:endParaRPr lang="en-US" dirty="0"/>
           </a:p>
@@ -3146,7 +3146,7 @@
           <a:p>
             <a:fld id="{47DBA1BF-3ADC-42CE-9107-AA2A03DA17AC}" type="datetime1">
               <a:rPr lang="en-US" smtClean="0"/>
-              <a:t>5/2/2024</a:t>
+              <a:t>5/3/2024</a:t>
             </a:fld>
             <a:endParaRPr lang="en-US" dirty="0"/>
           </a:p>
@@ -3468,7 +3468,7 @@
           <a:p>
             <a:fld id="{862269B6-9D79-4A41-AACA-71FE230DD192}" type="datetime1">
               <a:rPr lang="en-US" smtClean="0"/>
-              <a:t>5/2/2024</a:t>
+              <a:t>5/3/2024</a:t>
             </a:fld>
             <a:endParaRPr lang="en-US" dirty="0"/>
           </a:p>
@@ -4025,35 +4025,6 @@
           </a:p>
         </p:txBody>
       </p:sp>
-      <p:sp>
-        <p:nvSpPr>
-          <p:cNvPr id="5" name="Slide Number Placeholder 4">
-            <a:extLst>
-              <a:ext uri="{FF2B5EF4-FFF2-40B4-BE49-F238E27FC236}">
-                <a16:creationId xmlns:a16="http://schemas.microsoft.com/office/drawing/2014/main" id="{A80DBEAD-E56E-B4C2-E131-184F17AD18C6}"/>
-              </a:ext>
-            </a:extLst>
-          </p:cNvPr>
-          <p:cNvSpPr>
-            <a:spLocks noGrp="1"/>
-          </p:cNvSpPr>
-          <p:nvPr>
-            <p:ph type="sldNum" sz="quarter" idx="12"/>
-          </p:nvPr>
-        </p:nvSpPr>
-        <p:spPr/>
-        <p:txBody>
-          <a:bodyPr/>
-          <a:lstStyle/>
-          <a:p>
-            <a:fld id="{6D22F896-40B5-4ADD-8801-0D06FADFA095}" type="slidenum">
-              <a:rPr lang="en-US" smtClean="0"/>
-              <a:t>1</a:t>
-            </a:fld>
-            <a:endParaRPr lang="en-US" dirty="0"/>
-          </a:p>
-        </p:txBody>
-      </p:sp>
     </p:spTree>
     <p:extLst>
       <p:ext uri="{BB962C8B-B14F-4D97-AF65-F5344CB8AC3E}">
@@ -4138,10 +4109,15 @@
             <p:ph sz="half" idx="1"/>
           </p:nvPr>
         </p:nvSpPr>
-        <p:spPr/>
+        <p:spPr>
+          <a:xfrm>
+            <a:off x="930303" y="2010878"/>
+            <a:ext cx="5162180" cy="3960552"/>
+          </a:xfrm>
+        </p:spPr>
         <p:txBody>
           <a:bodyPr>
-            <a:normAutofit fontScale="92500" lnSpcReduction="10000"/>
+            <a:normAutofit lnSpcReduction="10000"/>
           </a:bodyPr>
           <a:lstStyle/>
           <a:p>
@@ -4282,7 +4258,73 @@
                 <a:effectLst/>
                 <a:latin typeface="Söhne"/>
               </a:rPr>
-              <a:t>Similarly, Docker Containers are a method to package software applications along with their dependencies and configurations into isolated environments, enabling them to run consistently across different computing environments. </a:t>
+              <a:t>Similarly, Docker Containers are</a:t>
+            </a:r>
+          </a:p>
+          <a:p>
+            <a:pPr lvl="1"/>
+            <a:r>
+              <a:rPr lang="en-US" sz="1200" b="0" i="0" dirty="0">
+                <a:solidFill>
+                  <a:srgbClr val="0D0D0D"/>
+                </a:solidFill>
+                <a:effectLst/>
+                <a:latin typeface="Söhne"/>
+              </a:rPr>
+              <a:t> a method to </a:t>
+            </a:r>
+            <a:r>
+              <a:rPr lang="en-US" sz="1200" b="1" i="0" dirty="0">
+                <a:solidFill>
+                  <a:srgbClr val="0D0D0D"/>
+                </a:solidFill>
+                <a:effectLst/>
+                <a:latin typeface="Söhne"/>
+              </a:rPr>
+              <a:t>package</a:t>
+            </a:r>
+            <a:r>
+              <a:rPr lang="en-US" sz="1200" b="0" i="0" dirty="0">
+                <a:solidFill>
+                  <a:srgbClr val="0D0D0D"/>
+                </a:solidFill>
+                <a:effectLst/>
+                <a:latin typeface="Söhne"/>
+              </a:rPr>
+              <a:t> software applications along with their </a:t>
+            </a:r>
+            <a:r>
+              <a:rPr lang="en-US" sz="1200" b="1" i="0" dirty="0">
+                <a:solidFill>
+                  <a:srgbClr val="0D0D0D"/>
+                </a:solidFill>
+                <a:effectLst/>
+                <a:latin typeface="Söhne"/>
+              </a:rPr>
+              <a:t>dependencies and configurations into isolated environments</a:t>
+            </a:r>
+            <a:r>
+              <a:rPr lang="en-US" sz="1200" b="0" i="0" dirty="0">
+                <a:solidFill>
+                  <a:srgbClr val="0D0D0D"/>
+                </a:solidFill>
+                <a:effectLst/>
+                <a:latin typeface="Söhne"/>
+              </a:rPr>
+              <a:t>,</a:t>
+            </a:r>
+          </a:p>
+          <a:p>
+            <a:pPr lvl="1"/>
+            <a:r>
+              <a:rPr lang="en-US" sz="1200" b="0" i="0" dirty="0">
+                <a:solidFill>
+                  <a:srgbClr val="0D0D0D"/>
+                </a:solidFill>
+                <a:effectLst/>
+                <a:latin typeface="Söhne"/>
+              </a:rPr>
+              <a:t>enabling them to run consistently across different computing environments. </a:t>
             </a:r>
           </a:p>
         </p:txBody>
@@ -4335,7 +4377,7 @@
         <p:spPr/>
         <p:txBody>
           <a:bodyPr>
-            <a:normAutofit fontScale="92500" lnSpcReduction="10000"/>
+            <a:normAutofit lnSpcReduction="10000"/>
           </a:bodyPr>
           <a:lstStyle/>
           <a:p>
@@ -4617,7 +4659,7 @@
         </p:spPr>
         <p:txBody>
           <a:bodyPr>
-            <a:normAutofit fontScale="77500" lnSpcReduction="20000"/>
+            <a:normAutofit fontScale="85000" lnSpcReduction="10000"/>
           </a:bodyPr>
           <a:lstStyle/>
           <a:p>
@@ -4661,10 +4703,18 @@
                 <a:effectLst/>
                 <a:latin typeface="Söhne"/>
               </a:rPr>
-              <a:t> command.</a:t>
-            </a:r>
-          </a:p>
-          <a:p>
+              <a:t> command from </a:t>
+            </a:r>
+            <a:r>
+              <a:rPr lang="en-US" b="0" i="0" dirty="0" err="1">
+                <a:solidFill>
+                  <a:srgbClr val="0D0D0D"/>
+                </a:solidFill>
+                <a:effectLst/>
+                <a:latin typeface="Söhne"/>
+              </a:rPr>
+              <a:t>cmd</a:t>
+            </a:r>
             <a:r>
               <a:rPr lang="en-US" b="0" i="0" dirty="0">
                 <a:solidFill>
@@ -4673,7 +4723,38 @@
                 <a:effectLst/>
                 <a:latin typeface="Söhne"/>
               </a:rPr>
-              <a:t>Starting and Stopping: Containers can be started, stopped, paused, and resumed using the respective Docker commands (docker start, docker stop, docker pause, docker </a:t>
+              <a:t> line.</a:t>
+            </a:r>
+          </a:p>
+          <a:p>
+            <a:r>
+              <a:rPr lang="en-US" b="0" i="0" dirty="0">
+                <a:solidFill>
+                  <a:srgbClr val="0D0D0D"/>
+                </a:solidFill>
+                <a:effectLst/>
+                <a:latin typeface="Söhne"/>
+              </a:rPr>
+              <a:t>Starting and Stopping: Containers can be started, stopped, paused, and resumed using </a:t>
+            </a:r>
+            <a:r>
+              <a:rPr lang="en-US" dirty="0">
+                <a:solidFill>
+                  <a:srgbClr val="0D0D0D"/>
+                </a:solidFill>
+                <a:latin typeface="Söhne"/>
+              </a:rPr>
+              <a:t> </a:t>
+            </a:r>
+            <a:r>
+              <a:rPr lang="en-US" b="0" i="0" dirty="0">
+                <a:solidFill>
+                  <a:srgbClr val="0D0D0D"/>
+                </a:solidFill>
+                <a:effectLst/>
+                <a:latin typeface="Söhne"/>
+              </a:rPr>
+              <a:t>Docker commands (docker start, docker stop, docker pause, docker </a:t>
             </a:r>
             <a:r>
               <a:rPr lang="en-US" b="0" i="0" dirty="0" err="1">
@@ -4710,15 +4791,15 @@
           </a:p>
           <a:p>
             <a:r>
-              <a:rPr lang="en-US" dirty="0">
+              <a:rPr lang="en-US" b="1" i="1" dirty="0">
                 <a:solidFill>
                   <a:srgbClr val="0D0D0D"/>
                 </a:solidFill>
                 <a:latin typeface="Söhne"/>
               </a:rPr>
-              <a:t>Alternatively, all these can be done from docker desktop as well via UI</a:t>
-            </a:r>
-            <a:endParaRPr lang="en-US" b="0" i="0" dirty="0">
+              <a:t>Alternatively, all these can be done from docker desktop via UI</a:t>
+            </a:r>
+            <a:endParaRPr lang="en-US" b="1" i="1" dirty="0">
               <a:solidFill>
                 <a:srgbClr val="0D0D0D"/>
               </a:solidFill>
@@ -5507,21 +5588,73 @@
           </a:p>
         </p:txBody>
       </p:sp>
+      <p:sp>
+        <p:nvSpPr>
+          <p:cNvPr id="5" name="Slide Number Placeholder 4">
+            <a:extLst>
+              <a:ext uri="{FF2B5EF4-FFF2-40B4-BE49-F238E27FC236}">
+                <a16:creationId xmlns:a16="http://schemas.microsoft.com/office/drawing/2014/main" id="{38F98672-66A5-3449-896E-4A10CC1775BE}"/>
+              </a:ext>
+            </a:extLst>
+          </p:cNvPr>
+          <p:cNvSpPr>
+            <a:spLocks noGrp="1"/>
+          </p:cNvSpPr>
+          <p:nvPr>
+            <p:ph type="sldNum" sz="quarter" idx="12"/>
+          </p:nvPr>
+        </p:nvSpPr>
+        <p:spPr/>
+        <p:txBody>
+          <a:bodyPr/>
+          <a:lstStyle/>
+          <a:p>
+            <a:fld id="{6D22F896-40B5-4ADD-8801-0D06FADFA095}" type="slidenum">
+              <a:rPr lang="en-US" smtClean="0"/>
+              <a:t>15</a:t>
+            </a:fld>
+            <a:endParaRPr lang="en-US" dirty="0"/>
+          </a:p>
+        </p:txBody>
+      </p:sp>
+      <p:sp>
+        <p:nvSpPr>
+          <p:cNvPr id="11" name="Content Placeholder 10">
+            <a:extLst>
+              <a:ext uri="{FF2B5EF4-FFF2-40B4-BE49-F238E27FC236}">
+                <a16:creationId xmlns:a16="http://schemas.microsoft.com/office/drawing/2014/main" id="{9A69EF36-94A1-BF60-ECAE-3041C83B0950}"/>
+              </a:ext>
+            </a:extLst>
+          </p:cNvPr>
+          <p:cNvSpPr>
+            <a:spLocks noGrp="1"/>
+          </p:cNvSpPr>
+          <p:nvPr>
+            <p:ph sz="half" idx="2"/>
+          </p:nvPr>
+        </p:nvSpPr>
+        <p:spPr/>
+        <p:txBody>
+          <a:bodyPr/>
+          <a:lstStyle/>
+          <a:p>
+            <a:endParaRPr lang="en-SG"/>
+          </a:p>
+        </p:txBody>
+      </p:sp>
       <p:pic>
         <p:nvPicPr>
-          <p:cNvPr id="8" name="Content Placeholder 7">
+          <p:cNvPr id="17" name="Picture 16">
             <a:extLst>
               <a:ext uri="{FF2B5EF4-FFF2-40B4-BE49-F238E27FC236}">
-                <a16:creationId xmlns:a16="http://schemas.microsoft.com/office/drawing/2014/main" id="{22F22407-C4AC-E2C8-75F9-1AADB33E66D8}"/>
+                <a16:creationId xmlns:a16="http://schemas.microsoft.com/office/drawing/2014/main" id="{74450268-ED74-E869-5B43-A811FEC7842C}"/>
               </a:ext>
             </a:extLst>
           </p:cNvPr>
           <p:cNvPicPr>
-            <a:picLocks noGrp="1" noChangeAspect="1"/>
+            <a:picLocks noChangeAspect="1"/>
           </p:cNvPicPr>
-          <p:nvPr>
-            <p:ph sz="half" idx="2"/>
-          </p:nvPr>
+          <p:nvPr/>
         </p:nvPicPr>
         <p:blipFill>
           <a:blip r:embed="rId2"/>
@@ -5531,40 +5664,14 @@
         </p:blipFill>
         <p:spPr>
           <a:xfrm>
-            <a:off x="6403452" y="2010878"/>
-            <a:ext cx="5233068" cy="3870158"/>
+            <a:off x="6252034" y="2178657"/>
+            <a:ext cx="5705421" cy="3280206"/>
           </a:xfrm>
+          <a:prstGeom prst="rect">
+            <a:avLst/>
+          </a:prstGeom>
         </p:spPr>
       </p:pic>
-      <p:sp>
-        <p:nvSpPr>
-          <p:cNvPr id="5" name="Slide Number Placeholder 4">
-            <a:extLst>
-              <a:ext uri="{FF2B5EF4-FFF2-40B4-BE49-F238E27FC236}">
-                <a16:creationId xmlns:a16="http://schemas.microsoft.com/office/drawing/2014/main" id="{38F98672-66A5-3449-896E-4A10CC1775BE}"/>
-              </a:ext>
-            </a:extLst>
-          </p:cNvPr>
-          <p:cNvSpPr>
-            <a:spLocks noGrp="1"/>
-          </p:cNvSpPr>
-          <p:nvPr>
-            <p:ph type="sldNum" sz="quarter" idx="12"/>
-          </p:nvPr>
-        </p:nvSpPr>
-        <p:spPr/>
-        <p:txBody>
-          <a:bodyPr/>
-          <a:lstStyle/>
-          <a:p>
-            <a:fld id="{6D22F896-40B5-4ADD-8801-0D06FADFA095}" type="slidenum">
-              <a:rPr lang="en-US" smtClean="0"/>
-              <a:t>15</a:t>
-            </a:fld>
-            <a:endParaRPr lang="en-US" dirty="0"/>
-          </a:p>
-        </p:txBody>
-      </p:sp>
     </p:spTree>
     <p:extLst>
       <p:ext uri="{BB962C8B-B14F-4D97-AF65-F5344CB8AC3E}">
@@ -5649,10 +5756,15 @@
             <p:ph sz="half" idx="1"/>
           </p:nvPr>
         </p:nvSpPr>
-        <p:spPr/>
+        <p:spPr>
+          <a:xfrm>
+            <a:off x="1216550" y="2010878"/>
+            <a:ext cx="4875933" cy="3448595"/>
+          </a:xfrm>
+        </p:spPr>
         <p:txBody>
           <a:bodyPr>
-            <a:normAutofit fontScale="85000" lnSpcReduction="20000"/>
+            <a:normAutofit fontScale="85000" lnSpcReduction="10000"/>
           </a:bodyPr>
           <a:lstStyle/>
           <a:p>
@@ -5736,21 +5848,75 @@
           </a:p>
         </p:txBody>
       </p:sp>
+      <p:sp>
+        <p:nvSpPr>
+          <p:cNvPr id="5" name="Slide Number Placeholder 4">
+            <a:extLst>
+              <a:ext uri="{FF2B5EF4-FFF2-40B4-BE49-F238E27FC236}">
+                <a16:creationId xmlns:a16="http://schemas.microsoft.com/office/drawing/2014/main" id="{38F98672-66A5-3449-896E-4A10CC1775BE}"/>
+              </a:ext>
+            </a:extLst>
+          </p:cNvPr>
+          <p:cNvSpPr>
+            <a:spLocks noGrp="1"/>
+          </p:cNvSpPr>
+          <p:nvPr>
+            <p:ph type="sldNum" sz="quarter" idx="12"/>
+          </p:nvPr>
+        </p:nvSpPr>
+        <p:spPr/>
+        <p:txBody>
+          <a:bodyPr/>
+          <a:lstStyle/>
+          <a:p>
+            <a:fld id="{6D22F896-40B5-4ADD-8801-0D06FADFA095}" type="slidenum">
+              <a:rPr lang="en-US" smtClean="0"/>
+              <a:t>16</a:t>
+            </a:fld>
+            <a:endParaRPr lang="en-US" dirty="0"/>
+          </a:p>
+        </p:txBody>
+      </p:sp>
+      <p:sp>
+        <p:nvSpPr>
+          <p:cNvPr id="10" name="Content Placeholder 9">
+            <a:extLst>
+              <a:ext uri="{FF2B5EF4-FFF2-40B4-BE49-F238E27FC236}">
+                <a16:creationId xmlns:a16="http://schemas.microsoft.com/office/drawing/2014/main" id="{B0208F46-1D2E-766D-AA0E-524AAB1088C2}"/>
+              </a:ext>
+            </a:extLst>
+          </p:cNvPr>
+          <p:cNvSpPr>
+            <a:spLocks noGrp="1"/>
+          </p:cNvSpPr>
+          <p:nvPr>
+            <p:ph sz="half" idx="2"/>
+          </p:nvPr>
+        </p:nvSpPr>
+        <p:spPr/>
+        <p:txBody>
+          <a:bodyPr>
+            <a:normAutofit fontScale="85000" lnSpcReduction="10000"/>
+          </a:bodyPr>
+          <a:lstStyle/>
+          <a:p>
+            <a:endParaRPr lang="en-SG"/>
+          </a:p>
+        </p:txBody>
+      </p:sp>
       <p:pic>
         <p:nvPicPr>
-          <p:cNvPr id="8" name="Content Placeholder 7">
+          <p:cNvPr id="14" name="Picture 13">
             <a:extLst>
               <a:ext uri="{FF2B5EF4-FFF2-40B4-BE49-F238E27FC236}">
-                <a16:creationId xmlns:a16="http://schemas.microsoft.com/office/drawing/2014/main" id="{22F22407-C4AC-E2C8-75F9-1AADB33E66D8}"/>
+                <a16:creationId xmlns:a16="http://schemas.microsoft.com/office/drawing/2014/main" id="{2F3B0AAB-4553-69A7-3684-0321A820015C}"/>
               </a:ext>
             </a:extLst>
           </p:cNvPr>
           <p:cNvPicPr>
-            <a:picLocks noGrp="1" noChangeAspect="1"/>
+            <a:picLocks noChangeAspect="1"/>
           </p:cNvPicPr>
-          <p:nvPr>
-            <p:ph sz="half" idx="2"/>
-          </p:nvPr>
+          <p:nvPr/>
         </p:nvPicPr>
         <p:blipFill>
           <a:blip r:embed="rId2"/>
@@ -5760,40 +5926,14 @@
         </p:blipFill>
         <p:spPr>
           <a:xfrm>
-            <a:off x="6413500" y="2010878"/>
-            <a:ext cx="5233068" cy="3870158"/>
+            <a:off x="6166626" y="1923918"/>
+            <a:ext cx="5139442" cy="4293035"/>
           </a:xfrm>
+          <a:prstGeom prst="rect">
+            <a:avLst/>
+          </a:prstGeom>
         </p:spPr>
       </p:pic>
-      <p:sp>
-        <p:nvSpPr>
-          <p:cNvPr id="5" name="Slide Number Placeholder 4">
-            <a:extLst>
-              <a:ext uri="{FF2B5EF4-FFF2-40B4-BE49-F238E27FC236}">
-                <a16:creationId xmlns:a16="http://schemas.microsoft.com/office/drawing/2014/main" id="{38F98672-66A5-3449-896E-4A10CC1775BE}"/>
-              </a:ext>
-            </a:extLst>
-          </p:cNvPr>
-          <p:cNvSpPr>
-            <a:spLocks noGrp="1"/>
-          </p:cNvSpPr>
-          <p:nvPr>
-            <p:ph type="sldNum" sz="quarter" idx="12"/>
-          </p:nvPr>
-        </p:nvSpPr>
-        <p:spPr/>
-        <p:txBody>
-          <a:bodyPr/>
-          <a:lstStyle/>
-          <a:p>
-            <a:fld id="{6D22F896-40B5-4ADD-8801-0D06FADFA095}" type="slidenum">
-              <a:rPr lang="en-US" smtClean="0"/>
-              <a:t>16</a:t>
-            </a:fld>
-            <a:endParaRPr lang="en-US" dirty="0"/>
-          </a:p>
-        </p:txBody>
-      </p:sp>
     </p:spTree>
     <p:extLst>
       <p:ext uri="{BB962C8B-B14F-4D97-AF65-F5344CB8AC3E}">
@@ -5878,7 +6018,12 @@
             <p:ph sz="half" idx="1"/>
           </p:nvPr>
         </p:nvSpPr>
-        <p:spPr/>
+        <p:spPr>
+          <a:xfrm>
+            <a:off x="1065475" y="2010878"/>
+            <a:ext cx="5027008" cy="3448595"/>
+          </a:xfrm>
+        </p:spPr>
         <p:txBody>
           <a:bodyPr>
             <a:noAutofit/>
@@ -6848,8 +6993,12 @@
           <a:lstStyle/>
           <a:p>
             <a:r>
+              <a:rPr lang="en-US" dirty="0" err="1"/>
+              <a:t>MYSQL_Flask</a:t>
+            </a:r>
+            <a:r>
               <a:rPr lang="en-US" dirty="0"/>
-              <a:t>REST API demo</a:t>
+              <a:t> API demo</a:t>
             </a:r>
             <a:endParaRPr lang="en-SG" dirty="0"/>
           </a:p>
@@ -6962,11 +7111,7 @@
           <a:p>
             <a:r>
               <a:rPr lang="en-US" dirty="0"/>
-              <a:t>Pushing CUSTOM IMAGE to </a:t>
-            </a:r>
-            <a:r>
-              <a:rPr lang="en-US" dirty="0" err="1"/>
-              <a:t>DockerHUb</a:t>
+              <a:t>Best Practices</a:t>
             </a:r>
             <a:endParaRPr lang="en-SG" dirty="0"/>
           </a:p>
@@ -6985,18 +7130,427 @@
             <a:spLocks noGrp="1"/>
           </p:cNvSpPr>
           <p:nvPr>
-            <p:ph sz="half" idx="1"/>
+            <p:ph idx="1"/>
           </p:nvPr>
         </p:nvSpPr>
         <p:spPr>
           <a:xfrm>
-            <a:off x="1447330" y="2010878"/>
-            <a:ext cx="5490469" cy="3448595"/>
+            <a:off x="1192697" y="2015732"/>
+            <a:ext cx="10090204" cy="3907990"/>
           </a:xfrm>
         </p:spPr>
         <p:txBody>
           <a:bodyPr>
             <a:normAutofit fontScale="92500" lnSpcReduction="20000"/>
+          </a:bodyPr>
+          <a:lstStyle/>
+          <a:p>
+            <a:r>
+              <a:rPr lang="en-US" sz="1400" b="0" i="0" dirty="0">
+                <a:effectLst/>
+                <a:latin typeface="Söhne"/>
+              </a:rPr>
+              <a:t>Single Responsibility Principle: Each container should have a single responsibility. </a:t>
+            </a:r>
+          </a:p>
+          <a:p>
+            <a:pPr lvl="1"/>
+            <a:r>
+              <a:rPr lang="en-US" sz="1400" b="0" i="0" dirty="0">
+                <a:effectLst/>
+                <a:latin typeface="Söhne"/>
+              </a:rPr>
+              <a:t>This means one process per container. </a:t>
+            </a:r>
+          </a:p>
+          <a:p>
+            <a:pPr lvl="1"/>
+            <a:r>
+              <a:rPr lang="en-US" sz="1400" b="0" i="0" dirty="0">
+                <a:effectLst/>
+                <a:latin typeface="Söhne"/>
+              </a:rPr>
+              <a:t>For example, separate your front end, backend webservice, and database into different containers.</a:t>
+            </a:r>
+          </a:p>
+          <a:p>
+            <a:r>
+              <a:rPr lang="en-US" sz="1400" b="0" i="0" dirty="0">
+                <a:effectLst/>
+                <a:latin typeface="Söhne"/>
+              </a:rPr>
+              <a:t>Use Official Images:  </a:t>
+            </a:r>
+          </a:p>
+          <a:p>
+            <a:pPr lvl="1"/>
+            <a:r>
+              <a:rPr lang="en-US" sz="1400" dirty="0">
+                <a:latin typeface="Söhne"/>
+              </a:rPr>
+              <a:t>U</a:t>
+            </a:r>
+            <a:r>
+              <a:rPr lang="en-US" sz="1400" b="0" i="0" dirty="0">
+                <a:effectLst/>
+                <a:latin typeface="Söhne"/>
+              </a:rPr>
+              <a:t>se official Docker images from trusted sources like Docker Hub, whenever possible. </a:t>
+            </a:r>
+          </a:p>
+          <a:p>
+            <a:r>
+              <a:rPr lang="en-US" sz="1400" b="0" i="0" dirty="0">
+                <a:effectLst/>
+                <a:latin typeface="Söhne"/>
+              </a:rPr>
+              <a:t>Keep Containers Stateless:  </a:t>
+            </a:r>
+          </a:p>
+          <a:p>
+            <a:pPr lvl="1"/>
+            <a:r>
+              <a:rPr lang="en-US" sz="1400" b="0" i="0" dirty="0">
+                <a:effectLst/>
+                <a:latin typeface="Söhne"/>
+              </a:rPr>
+              <a:t>Store data and configuration outside the container, preferably in (volumes or external databases)</a:t>
+            </a:r>
+          </a:p>
+          <a:p>
+            <a:r>
+              <a:rPr lang="en-US" sz="1400" b="0" i="0" dirty="0">
+                <a:effectLst/>
+                <a:latin typeface="Söhne"/>
+              </a:rPr>
+              <a:t>Optimize Image Size: </a:t>
+            </a:r>
+          </a:p>
+          <a:p>
+            <a:pPr lvl="1"/>
+            <a:r>
+              <a:rPr lang="en-US" sz="1400" b="0" i="0" dirty="0">
+                <a:effectLst/>
+                <a:latin typeface="Söhne"/>
+              </a:rPr>
+              <a:t>Minimize the size of your Docker images to reduce deployment time and resource usage. (Tip: remove unnecessary dependencies)</a:t>
+            </a:r>
+          </a:p>
+          <a:p>
+            <a:r>
+              <a:rPr lang="en-US" sz="1400" b="0" i="0" dirty="0">
+                <a:effectLst/>
+                <a:latin typeface="Söhne"/>
+              </a:rPr>
+              <a:t>Security: </a:t>
+            </a:r>
+          </a:p>
+          <a:p>
+            <a:pPr lvl="1"/>
+            <a:r>
+              <a:rPr lang="en-US" sz="1400" b="0" i="0" dirty="0">
+                <a:effectLst/>
+                <a:latin typeface="Söhne"/>
+              </a:rPr>
+              <a:t>Follow security best practices such as using trusted base images, regularly updating images and dependencies</a:t>
+            </a:r>
+          </a:p>
+          <a:p>
+            <a:r>
+              <a:rPr lang="en-US" sz="1400" b="0" i="0" dirty="0">
+                <a:effectLst/>
+                <a:latin typeface="Söhne"/>
+              </a:rPr>
+              <a:t>Documentation: </a:t>
+            </a:r>
+          </a:p>
+          <a:p>
+            <a:pPr lvl="1"/>
+            <a:r>
+              <a:rPr lang="en-US" sz="1400" b="0" i="0" dirty="0">
+                <a:effectLst/>
+                <a:latin typeface="Söhne"/>
+              </a:rPr>
+              <a:t>Maintain clear and up-to-date documentation for your Docker images and containers. </a:t>
+            </a:r>
+          </a:p>
+          <a:p>
+            <a:endParaRPr lang="en-US" sz="1700" b="0" i="0" dirty="0">
+              <a:effectLst/>
+              <a:latin typeface="Söhne"/>
+            </a:endParaRPr>
+          </a:p>
+          <a:p>
+            <a:pPr lvl="1"/>
+            <a:endParaRPr lang="en-US" sz="1700" b="0" i="0" dirty="0">
+              <a:effectLst/>
+              <a:latin typeface="Söhne"/>
+            </a:endParaRPr>
+          </a:p>
+          <a:p>
+            <a:endParaRPr lang="en-SG" dirty="0"/>
+          </a:p>
+        </p:txBody>
+      </p:sp>
+      <p:sp>
+        <p:nvSpPr>
+          <p:cNvPr id="4" name="Slide Number Placeholder 3">
+            <a:extLst>
+              <a:ext uri="{FF2B5EF4-FFF2-40B4-BE49-F238E27FC236}">
+                <a16:creationId xmlns:a16="http://schemas.microsoft.com/office/drawing/2014/main" id="{83A6863F-0C7B-EB63-018B-8645E7A3DD6A}"/>
+              </a:ext>
+            </a:extLst>
+          </p:cNvPr>
+          <p:cNvSpPr>
+            <a:spLocks noGrp="1"/>
+          </p:cNvSpPr>
+          <p:nvPr>
+            <p:ph type="sldNum" sz="quarter" idx="12"/>
+          </p:nvPr>
+        </p:nvSpPr>
+        <p:spPr/>
+        <p:txBody>
+          <a:bodyPr/>
+          <a:lstStyle/>
+          <a:p>
+            <a:fld id="{6D22F896-40B5-4ADD-8801-0D06FADFA095}" type="slidenum">
+              <a:rPr lang="en-US" smtClean="0"/>
+              <a:t>21</a:t>
+            </a:fld>
+            <a:endParaRPr lang="en-US" dirty="0"/>
+          </a:p>
+        </p:txBody>
+      </p:sp>
+    </p:spTree>
+    <p:extLst>
+      <p:ext uri="{BB962C8B-B14F-4D97-AF65-F5344CB8AC3E}">
+        <p14:creationId xmlns:p14="http://schemas.microsoft.com/office/powerpoint/2010/main" val="4065584649"/>
+      </p:ext>
+    </p:extLst>
+  </p:cSld>
+  <p:clrMapOvr>
+    <a:masterClrMapping/>
+  </p:clrMapOvr>
+</p:sld>
+</file>
+
+<file path=ppt/slides/slide22.xml><?xml version="1.0" encoding="utf-8"?>
+<p:sld xmlns:a="http://schemas.openxmlformats.org/drawingml/2006/main" xmlns:r="http://schemas.openxmlformats.org/officeDocument/2006/relationships" xmlns:p="http://schemas.openxmlformats.org/presentationml/2006/main">
+  <p:cSld>
+    <p:spTree>
+      <p:nvGrpSpPr>
+        <p:cNvPr id="1" name=""/>
+        <p:cNvGrpSpPr/>
+        <p:nvPr/>
+      </p:nvGrpSpPr>
+      <p:grpSpPr>
+        <a:xfrm>
+          <a:off x="0" y="0"/>
+          <a:ext cx="0" cy="0"/>
+          <a:chOff x="0" y="0"/>
+          <a:chExt cx="0" cy="0"/>
+        </a:xfrm>
+      </p:grpSpPr>
+      <p:sp>
+        <p:nvSpPr>
+          <p:cNvPr id="2" name="Title 1">
+            <a:extLst>
+              <a:ext uri="{FF2B5EF4-FFF2-40B4-BE49-F238E27FC236}">
+                <a16:creationId xmlns:a16="http://schemas.microsoft.com/office/drawing/2014/main" id="{E8E74809-A8B7-8AFB-3E3A-5A43889517B4}"/>
+              </a:ext>
+            </a:extLst>
+          </p:cNvPr>
+          <p:cNvSpPr>
+            <a:spLocks noGrp="1"/>
+          </p:cNvSpPr>
+          <p:nvPr>
+            <p:ph type="title"/>
+          </p:nvPr>
+        </p:nvSpPr>
+        <p:spPr/>
+        <p:txBody>
+          <a:bodyPr/>
+          <a:lstStyle/>
+          <a:p>
+            <a:r>
+              <a:rPr lang="en-US" dirty="0"/>
+              <a:t>Overview of Docker </a:t>
+            </a:r>
+            <a:r>
+              <a:rPr lang="en-US" dirty="0" err="1"/>
+              <a:t>NEtworks</a:t>
+            </a:r>
+            <a:endParaRPr lang="en-SG" dirty="0"/>
+          </a:p>
+        </p:txBody>
+      </p:sp>
+      <p:sp>
+        <p:nvSpPr>
+          <p:cNvPr id="3" name="Content Placeholder 2">
+            <a:extLst>
+              <a:ext uri="{FF2B5EF4-FFF2-40B4-BE49-F238E27FC236}">
+                <a16:creationId xmlns:a16="http://schemas.microsoft.com/office/drawing/2014/main" id="{6D06AD77-257D-6C8C-3682-4F04DC614A4F}"/>
+              </a:ext>
+            </a:extLst>
+          </p:cNvPr>
+          <p:cNvSpPr>
+            <a:spLocks noGrp="1"/>
+          </p:cNvSpPr>
+          <p:nvPr>
+            <p:ph idx="1"/>
+          </p:nvPr>
+        </p:nvSpPr>
+        <p:spPr/>
+        <p:txBody>
+          <a:bodyPr>
+            <a:normAutofit/>
+          </a:bodyPr>
+          <a:lstStyle/>
+          <a:p>
+            <a:r>
+              <a:rPr lang="en-US" dirty="0"/>
+              <a:t>Docker networking allows containers to communicate with each other, similar to how computers on a network communicate. </a:t>
+            </a:r>
+          </a:p>
+          <a:p>
+            <a:r>
+              <a:rPr lang="en-US" dirty="0"/>
+              <a:t>Docker networking is like connecting different pieces of a puzzle to make them work together. </a:t>
+            </a:r>
+            <a:endParaRPr lang="en-SG" dirty="0"/>
+          </a:p>
+          <a:p>
+            <a:r>
+              <a:rPr lang="en-SG" dirty="0"/>
+              <a:t>Command for managing Docker networks.</a:t>
+            </a:r>
+          </a:p>
+          <a:p>
+            <a:pPr lvl="2"/>
+            <a:r>
+              <a:rPr lang="en-SG" dirty="0"/>
+              <a:t>Ex: docker network create my-network</a:t>
+            </a:r>
+          </a:p>
+        </p:txBody>
+      </p:sp>
+      <p:sp>
+        <p:nvSpPr>
+          <p:cNvPr id="4" name="Slide Number Placeholder 3">
+            <a:extLst>
+              <a:ext uri="{FF2B5EF4-FFF2-40B4-BE49-F238E27FC236}">
+                <a16:creationId xmlns:a16="http://schemas.microsoft.com/office/drawing/2014/main" id="{C94C6622-48F8-8CFB-64C0-9EDC8E4FE292}"/>
+              </a:ext>
+            </a:extLst>
+          </p:cNvPr>
+          <p:cNvSpPr>
+            <a:spLocks noGrp="1"/>
+          </p:cNvSpPr>
+          <p:nvPr>
+            <p:ph type="sldNum" sz="quarter" idx="12"/>
+          </p:nvPr>
+        </p:nvSpPr>
+        <p:spPr/>
+        <p:txBody>
+          <a:bodyPr/>
+          <a:lstStyle/>
+          <a:p>
+            <a:fld id="{6D22F896-40B5-4ADD-8801-0D06FADFA095}" type="slidenum">
+              <a:rPr lang="en-US" smtClean="0"/>
+              <a:t>22</a:t>
+            </a:fld>
+            <a:endParaRPr lang="en-US" dirty="0"/>
+          </a:p>
+        </p:txBody>
+      </p:sp>
+    </p:spTree>
+    <p:extLst>
+      <p:ext uri="{BB962C8B-B14F-4D97-AF65-F5344CB8AC3E}">
+        <p14:creationId xmlns:p14="http://schemas.microsoft.com/office/powerpoint/2010/main" val="3175061686"/>
+      </p:ext>
+    </p:extLst>
+  </p:cSld>
+  <p:clrMapOvr>
+    <a:masterClrMapping/>
+  </p:clrMapOvr>
+</p:sld>
+</file>
+
+<file path=ppt/slides/slide23.xml><?xml version="1.0" encoding="utf-8"?>
+<p:sld xmlns:a="http://schemas.openxmlformats.org/drawingml/2006/main" xmlns:r="http://schemas.openxmlformats.org/officeDocument/2006/relationships" xmlns:p="http://schemas.openxmlformats.org/presentationml/2006/main">
+  <p:cSld>
+    <p:spTree>
+      <p:nvGrpSpPr>
+        <p:cNvPr id="1" name=""/>
+        <p:cNvGrpSpPr/>
+        <p:nvPr/>
+      </p:nvGrpSpPr>
+      <p:grpSpPr>
+        <a:xfrm>
+          <a:off x="0" y="0"/>
+          <a:ext cx="0" cy="0"/>
+          <a:chOff x="0" y="0"/>
+          <a:chExt cx="0" cy="0"/>
+        </a:xfrm>
+      </p:grpSpPr>
+      <p:sp>
+        <p:nvSpPr>
+          <p:cNvPr id="5" name="Title 4">
+            <a:extLst>
+              <a:ext uri="{FF2B5EF4-FFF2-40B4-BE49-F238E27FC236}">
+                <a16:creationId xmlns:a16="http://schemas.microsoft.com/office/drawing/2014/main" id="{54D940A4-007E-54D2-C48D-7AF856C5F3CC}"/>
+              </a:ext>
+            </a:extLst>
+          </p:cNvPr>
+          <p:cNvSpPr>
+            <a:spLocks noGrp="1"/>
+          </p:cNvSpPr>
+          <p:nvPr>
+            <p:ph type="title"/>
+          </p:nvPr>
+        </p:nvSpPr>
+        <p:spPr/>
+        <p:txBody>
+          <a:bodyPr/>
+          <a:lstStyle/>
+          <a:p>
+            <a:r>
+              <a:rPr lang="en-US" dirty="0"/>
+              <a:t>Pushing CUSTOM IMAGE to </a:t>
+            </a:r>
+            <a:r>
+              <a:rPr lang="en-US" dirty="0" err="1"/>
+              <a:t>DockerHUb</a:t>
+            </a:r>
+            <a:endParaRPr lang="en-SG" dirty="0"/>
+          </a:p>
+        </p:txBody>
+      </p:sp>
+      <p:sp>
+        <p:nvSpPr>
+          <p:cNvPr id="3" name="Content Placeholder 2">
+            <a:extLst>
+              <a:ext uri="{FF2B5EF4-FFF2-40B4-BE49-F238E27FC236}">
+                <a16:creationId xmlns:a16="http://schemas.microsoft.com/office/drawing/2014/main" id="{B0A1AABF-3D92-721B-BCAD-E53DA6FB1DB1}"/>
+              </a:ext>
+            </a:extLst>
+          </p:cNvPr>
+          <p:cNvSpPr>
+            <a:spLocks noGrp="1"/>
+          </p:cNvSpPr>
+          <p:nvPr>
+            <p:ph sz="half" idx="1"/>
+          </p:nvPr>
+        </p:nvSpPr>
+        <p:spPr>
+          <a:xfrm>
+            <a:off x="1057524" y="2010878"/>
+            <a:ext cx="5880276" cy="3448595"/>
+          </a:xfrm>
+        </p:spPr>
+        <p:txBody>
+          <a:bodyPr>
+            <a:normAutofit fontScale="92500" lnSpcReduction="10000"/>
           </a:bodyPr>
           <a:lstStyle/>
           <a:p>
@@ -7162,7 +7716,7 @@
           <a:p>
             <a:fld id="{6D22F896-40B5-4ADD-8801-0D06FADFA095}" type="slidenum">
               <a:rPr lang="en-US" smtClean="0"/>
-              <a:t>21</a:t>
+              <a:t>23</a:t>
             </a:fld>
             <a:endParaRPr lang="en-US" dirty="0"/>
           </a:p>
@@ -7192,7 +7746,7 @@
         </p:spPr>
         <p:txBody>
           <a:bodyPr>
-            <a:normAutofit fontScale="92500" lnSpcReduction="20000"/>
+            <a:normAutofit fontScale="92500" lnSpcReduction="10000"/>
           </a:bodyPr>
           <a:lstStyle/>
           <a:p>
@@ -7243,401 +7797,6 @@
 </p:sld>
 </file>
 
-<file path=ppt/slides/slide22.xml><?xml version="1.0" encoding="utf-8"?>
-<p:sld xmlns:a="http://schemas.openxmlformats.org/drawingml/2006/main" xmlns:r="http://schemas.openxmlformats.org/officeDocument/2006/relationships" xmlns:p="http://schemas.openxmlformats.org/presentationml/2006/main">
-  <p:cSld>
-    <p:spTree>
-      <p:nvGrpSpPr>
-        <p:cNvPr id="1" name=""/>
-        <p:cNvGrpSpPr/>
-        <p:nvPr/>
-      </p:nvGrpSpPr>
-      <p:grpSpPr>
-        <a:xfrm>
-          <a:off x="0" y="0"/>
-          <a:ext cx="0" cy="0"/>
-          <a:chOff x="0" y="0"/>
-          <a:chExt cx="0" cy="0"/>
-        </a:xfrm>
-      </p:grpSpPr>
-      <p:sp>
-        <p:nvSpPr>
-          <p:cNvPr id="5" name="Title 4">
-            <a:extLst>
-              <a:ext uri="{FF2B5EF4-FFF2-40B4-BE49-F238E27FC236}">
-                <a16:creationId xmlns:a16="http://schemas.microsoft.com/office/drawing/2014/main" id="{54D940A4-007E-54D2-C48D-7AF856C5F3CC}"/>
-              </a:ext>
-            </a:extLst>
-          </p:cNvPr>
-          <p:cNvSpPr>
-            <a:spLocks noGrp="1"/>
-          </p:cNvSpPr>
-          <p:nvPr>
-            <p:ph type="title"/>
-          </p:nvPr>
-        </p:nvSpPr>
-        <p:spPr/>
-        <p:txBody>
-          <a:bodyPr/>
-          <a:lstStyle/>
-          <a:p>
-            <a:r>
-              <a:rPr lang="en-US" dirty="0"/>
-              <a:t>Best Practices</a:t>
-            </a:r>
-            <a:endParaRPr lang="en-SG" dirty="0"/>
-          </a:p>
-        </p:txBody>
-      </p:sp>
-      <p:sp>
-        <p:nvSpPr>
-          <p:cNvPr id="3" name="Content Placeholder 2">
-            <a:extLst>
-              <a:ext uri="{FF2B5EF4-FFF2-40B4-BE49-F238E27FC236}">
-                <a16:creationId xmlns:a16="http://schemas.microsoft.com/office/drawing/2014/main" id="{B0A1AABF-3D92-721B-BCAD-E53DA6FB1DB1}"/>
-              </a:ext>
-            </a:extLst>
-          </p:cNvPr>
-          <p:cNvSpPr>
-            <a:spLocks noGrp="1"/>
-          </p:cNvSpPr>
-          <p:nvPr>
-            <p:ph sz="half" idx="1"/>
-          </p:nvPr>
-        </p:nvSpPr>
-        <p:spPr>
-          <a:xfrm>
-            <a:off x="1447330" y="2010878"/>
-            <a:ext cx="5490469" cy="3448595"/>
-          </a:xfrm>
-        </p:spPr>
-        <p:txBody>
-          <a:bodyPr>
-            <a:normAutofit/>
-          </a:bodyPr>
-          <a:lstStyle/>
-          <a:p>
-            <a:pPr>
-              <a:buFont typeface="+mj-lt"/>
-              <a:buAutoNum type="arabicPeriod"/>
-            </a:pPr>
-            <a:endParaRPr lang="en-US" sz="1600" dirty="0">
-              <a:solidFill>
-                <a:srgbClr val="0D0D0D"/>
-              </a:solidFill>
-              <a:latin typeface="Söhne"/>
-            </a:endParaRPr>
-          </a:p>
-          <a:p>
-            <a:pPr>
-              <a:buFont typeface="+mj-lt"/>
-              <a:buAutoNum type="arabicPeriod"/>
-            </a:pPr>
-            <a:endParaRPr lang="en-US" sz="1700" b="0" i="0" dirty="0">
-              <a:effectLst/>
-              <a:latin typeface="Söhne"/>
-            </a:endParaRPr>
-          </a:p>
-          <a:p>
-            <a:pPr lvl="1"/>
-            <a:endParaRPr lang="en-US" sz="1700" b="0" i="0" dirty="0">
-              <a:effectLst/>
-              <a:latin typeface="Söhne"/>
-            </a:endParaRPr>
-          </a:p>
-          <a:p>
-            <a:endParaRPr lang="en-SG" dirty="0"/>
-          </a:p>
-        </p:txBody>
-      </p:sp>
-      <p:sp>
-        <p:nvSpPr>
-          <p:cNvPr id="4" name="Slide Number Placeholder 3">
-            <a:extLst>
-              <a:ext uri="{FF2B5EF4-FFF2-40B4-BE49-F238E27FC236}">
-                <a16:creationId xmlns:a16="http://schemas.microsoft.com/office/drawing/2014/main" id="{83A6863F-0C7B-EB63-018B-8645E7A3DD6A}"/>
-              </a:ext>
-            </a:extLst>
-          </p:cNvPr>
-          <p:cNvSpPr>
-            <a:spLocks noGrp="1"/>
-          </p:cNvSpPr>
-          <p:nvPr>
-            <p:ph type="sldNum" sz="quarter" idx="12"/>
-          </p:nvPr>
-        </p:nvSpPr>
-        <p:spPr/>
-        <p:txBody>
-          <a:bodyPr/>
-          <a:lstStyle/>
-          <a:p>
-            <a:fld id="{6D22F896-40B5-4ADD-8801-0D06FADFA095}" type="slidenum">
-              <a:rPr lang="en-US" smtClean="0"/>
-              <a:t>22</a:t>
-            </a:fld>
-            <a:endParaRPr lang="en-US" dirty="0"/>
-          </a:p>
-        </p:txBody>
-      </p:sp>
-      <p:sp>
-        <p:nvSpPr>
-          <p:cNvPr id="12" name="Content Placeholder 11">
-            <a:extLst>
-              <a:ext uri="{FF2B5EF4-FFF2-40B4-BE49-F238E27FC236}">
-                <a16:creationId xmlns:a16="http://schemas.microsoft.com/office/drawing/2014/main" id="{F95F317D-56ED-5C53-2F5B-F086ACDF91A8}"/>
-              </a:ext>
-            </a:extLst>
-          </p:cNvPr>
-          <p:cNvSpPr>
-            <a:spLocks noGrp="1"/>
-          </p:cNvSpPr>
-          <p:nvPr>
-            <p:ph sz="half" idx="2"/>
-          </p:nvPr>
-        </p:nvSpPr>
-        <p:spPr>
-          <a:xfrm>
-            <a:off x="7335297" y="2017343"/>
-            <a:ext cx="3723626" cy="3441520"/>
-          </a:xfrm>
-        </p:spPr>
-        <p:txBody>
-          <a:bodyPr>
-            <a:normAutofit/>
-          </a:bodyPr>
-          <a:lstStyle/>
-          <a:p>
-            <a:endParaRPr lang="en-SG" dirty="0"/>
-          </a:p>
-        </p:txBody>
-      </p:sp>
-    </p:spTree>
-    <p:extLst>
-      <p:ext uri="{BB962C8B-B14F-4D97-AF65-F5344CB8AC3E}">
-        <p14:creationId xmlns:p14="http://schemas.microsoft.com/office/powerpoint/2010/main" val="4065584649"/>
-      </p:ext>
-    </p:extLst>
-  </p:cSld>
-  <p:clrMapOvr>
-    <a:masterClrMapping/>
-  </p:clrMapOvr>
-</p:sld>
-</file>
-
-<file path=ppt/slides/slide23.xml><?xml version="1.0" encoding="utf-8"?>
-<p:sld xmlns:a="http://schemas.openxmlformats.org/drawingml/2006/main" xmlns:r="http://schemas.openxmlformats.org/officeDocument/2006/relationships" xmlns:p="http://schemas.openxmlformats.org/presentationml/2006/main">
-  <p:cSld>
-    <p:spTree>
-      <p:nvGrpSpPr>
-        <p:cNvPr id="1" name=""/>
-        <p:cNvGrpSpPr/>
-        <p:nvPr/>
-      </p:nvGrpSpPr>
-      <p:grpSpPr>
-        <a:xfrm>
-          <a:off x="0" y="0"/>
-          <a:ext cx="0" cy="0"/>
-          <a:chOff x="0" y="0"/>
-          <a:chExt cx="0" cy="0"/>
-        </a:xfrm>
-      </p:grpSpPr>
-      <p:sp>
-        <p:nvSpPr>
-          <p:cNvPr id="2" name="Title 1">
-            <a:extLst>
-              <a:ext uri="{FF2B5EF4-FFF2-40B4-BE49-F238E27FC236}">
-                <a16:creationId xmlns:a16="http://schemas.microsoft.com/office/drawing/2014/main" id="{E8E74809-A8B7-8AFB-3E3A-5A43889517B4}"/>
-              </a:ext>
-            </a:extLst>
-          </p:cNvPr>
-          <p:cNvSpPr>
-            <a:spLocks noGrp="1"/>
-          </p:cNvSpPr>
-          <p:nvPr>
-            <p:ph type="title"/>
-          </p:nvPr>
-        </p:nvSpPr>
-        <p:spPr/>
-        <p:txBody>
-          <a:bodyPr/>
-          <a:lstStyle/>
-          <a:p>
-            <a:r>
-              <a:rPr lang="en-US" dirty="0"/>
-              <a:t>Important Docker Commands</a:t>
-            </a:r>
-            <a:endParaRPr lang="en-SG" dirty="0"/>
-          </a:p>
-        </p:txBody>
-      </p:sp>
-      <p:sp>
-        <p:nvSpPr>
-          <p:cNvPr id="3" name="Content Placeholder 2">
-            <a:extLst>
-              <a:ext uri="{FF2B5EF4-FFF2-40B4-BE49-F238E27FC236}">
-                <a16:creationId xmlns:a16="http://schemas.microsoft.com/office/drawing/2014/main" id="{6D06AD77-257D-6C8C-3682-4F04DC614A4F}"/>
-              </a:ext>
-            </a:extLst>
-          </p:cNvPr>
-          <p:cNvSpPr>
-            <a:spLocks noGrp="1"/>
-          </p:cNvSpPr>
-          <p:nvPr>
-            <p:ph idx="1"/>
-          </p:nvPr>
-        </p:nvSpPr>
-        <p:spPr/>
-        <p:txBody>
-          <a:bodyPr>
-            <a:normAutofit/>
-          </a:bodyPr>
-          <a:lstStyle/>
-          <a:p>
-            <a:r>
-              <a:rPr lang="en-SG" sz="1800" dirty="0">
-                <a:solidFill>
-                  <a:srgbClr val="0D0D0D"/>
-                </a:solidFill>
-                <a:latin typeface="Söhne"/>
-              </a:rPr>
-              <a:t>docker pull: Command for pulling an image or repository from a registry like Docker Hub.</a:t>
-            </a:r>
-          </a:p>
-          <a:p>
-            <a:pPr lvl="1"/>
-            <a:r>
-              <a:rPr lang="en-SG" dirty="0">
-                <a:solidFill>
-                  <a:srgbClr val="0D0D0D"/>
-                </a:solidFill>
-                <a:latin typeface="Söhne"/>
-              </a:rPr>
-              <a:t>Ex : docker pull python:3.9-slim</a:t>
-            </a:r>
-          </a:p>
-          <a:p>
-            <a:r>
-              <a:rPr lang="en-SG" sz="1800" dirty="0">
-                <a:solidFill>
-                  <a:srgbClr val="0D0D0D"/>
-                </a:solidFill>
-                <a:latin typeface="Söhne"/>
-              </a:rPr>
-              <a:t>docker images: Command for listing available images on the local system.</a:t>
-            </a:r>
-          </a:p>
-          <a:p>
-            <a:pPr lvl="1"/>
-            <a:r>
-              <a:rPr lang="en-SG" dirty="0">
-                <a:solidFill>
-                  <a:srgbClr val="0D0D0D"/>
-                </a:solidFill>
-                <a:latin typeface="Söhne"/>
-              </a:rPr>
-              <a:t>Ex: docker images</a:t>
-            </a:r>
-          </a:p>
-          <a:p>
-            <a:r>
-              <a:rPr lang="en-SG" sz="1800" dirty="0">
-                <a:solidFill>
-                  <a:srgbClr val="0D0D0D"/>
-                </a:solidFill>
-                <a:latin typeface="Söhne"/>
-              </a:rPr>
-              <a:t>docker </a:t>
-            </a:r>
-            <a:r>
-              <a:rPr lang="en-SG" sz="1800" dirty="0" err="1">
-                <a:solidFill>
-                  <a:srgbClr val="0D0D0D"/>
-                </a:solidFill>
-                <a:latin typeface="Söhne"/>
-              </a:rPr>
-              <a:t>ps</a:t>
-            </a:r>
-            <a:r>
-              <a:rPr lang="en-SG" sz="1800" dirty="0">
-                <a:solidFill>
-                  <a:srgbClr val="0D0D0D"/>
-                </a:solidFill>
-                <a:latin typeface="Söhne"/>
-              </a:rPr>
-              <a:t>: Command for listing running containers.</a:t>
-            </a:r>
-          </a:p>
-          <a:p>
-            <a:pPr lvl="1"/>
-            <a:r>
-              <a:rPr lang="en-SG" dirty="0">
-                <a:solidFill>
-                  <a:srgbClr val="0D0D0D"/>
-                </a:solidFill>
-                <a:latin typeface="Söhne"/>
-              </a:rPr>
-              <a:t>Ex: docker </a:t>
-            </a:r>
-            <a:r>
-              <a:rPr lang="en-SG" dirty="0" err="1">
-                <a:solidFill>
-                  <a:srgbClr val="0D0D0D"/>
-                </a:solidFill>
-                <a:latin typeface="Söhne"/>
-              </a:rPr>
-              <a:t>ps</a:t>
-            </a:r>
-            <a:endParaRPr lang="en-SG" dirty="0">
-              <a:solidFill>
-                <a:srgbClr val="0D0D0D"/>
-              </a:solidFill>
-              <a:latin typeface="Söhne"/>
-            </a:endParaRPr>
-          </a:p>
-        </p:txBody>
-      </p:sp>
-      <p:sp>
-        <p:nvSpPr>
-          <p:cNvPr id="4" name="Slide Number Placeholder 3">
-            <a:extLst>
-              <a:ext uri="{FF2B5EF4-FFF2-40B4-BE49-F238E27FC236}">
-                <a16:creationId xmlns:a16="http://schemas.microsoft.com/office/drawing/2014/main" id="{C94C6622-48F8-8CFB-64C0-9EDC8E4FE292}"/>
-              </a:ext>
-            </a:extLst>
-          </p:cNvPr>
-          <p:cNvSpPr>
-            <a:spLocks noGrp="1"/>
-          </p:cNvSpPr>
-          <p:nvPr>
-            <p:ph type="sldNum" sz="quarter" idx="12"/>
-          </p:nvPr>
-        </p:nvSpPr>
-        <p:spPr/>
-        <p:txBody>
-          <a:bodyPr/>
-          <a:lstStyle/>
-          <a:p>
-            <a:fld id="{6D22F896-40B5-4ADD-8801-0D06FADFA095}" type="slidenum">
-              <a:rPr lang="en-US" smtClean="0"/>
-              <a:t>23</a:t>
-            </a:fld>
-            <a:endParaRPr lang="en-US" dirty="0"/>
-          </a:p>
-        </p:txBody>
-      </p:sp>
-    </p:spTree>
-    <p:extLst>
-      <p:ext uri="{BB962C8B-B14F-4D97-AF65-F5344CB8AC3E}">
-        <p14:creationId xmlns:p14="http://schemas.microsoft.com/office/powerpoint/2010/main" val="2978262395"/>
-      </p:ext>
-    </p:extLst>
-  </p:cSld>
-  <p:clrMapOvr>
-    <a:masterClrMapping/>
-  </p:clrMapOvr>
-</p:sld>
-</file>
-
 <file path=ppt/slides/slide24.xml><?xml version="1.0" encoding="utf-8"?>
 <p:sld xmlns:a="http://schemas.openxmlformats.org/drawingml/2006/main" xmlns:r="http://schemas.openxmlformats.org/officeDocument/2006/relationships" xmlns:p="http://schemas.openxmlformats.org/presentationml/2006/main">
   <p:cSld>
@@ -7714,7 +7873,53 @@
                 </a:solidFill>
                 <a:latin typeface="Söhne"/>
               </a:rPr>
-              <a:t>docker build: Command for building a Docker image from a </a:t>
+              <a:t>docker pull: Command for pulling an image or repository from a registry like Docker Hub.</a:t>
+            </a:r>
+          </a:p>
+          <a:p>
+            <a:pPr lvl="1"/>
+            <a:r>
+              <a:rPr lang="en-SG" dirty="0">
+                <a:solidFill>
+                  <a:srgbClr val="0D0D0D"/>
+                </a:solidFill>
+                <a:latin typeface="Söhne"/>
+              </a:rPr>
+              <a:t>Ex : docker pull python:3.9-slim</a:t>
+            </a:r>
+          </a:p>
+          <a:p>
+            <a:r>
+              <a:rPr lang="en-SG" sz="1800" dirty="0">
+                <a:solidFill>
+                  <a:srgbClr val="0D0D0D"/>
+                </a:solidFill>
+                <a:latin typeface="Söhne"/>
+              </a:rPr>
+              <a:t>docker images: Command for listing available images on the local system.</a:t>
+            </a:r>
+          </a:p>
+          <a:p>
+            <a:pPr lvl="1"/>
+            <a:r>
+              <a:rPr lang="en-SG" dirty="0">
+                <a:solidFill>
+                  <a:srgbClr val="0D0D0D"/>
+                </a:solidFill>
+                <a:latin typeface="Söhne"/>
+              </a:rPr>
+              <a:t>Ex: docker images</a:t>
+            </a:r>
+          </a:p>
+          <a:p>
+            <a:r>
+              <a:rPr lang="en-SG" sz="1800" dirty="0">
+                <a:solidFill>
+                  <a:srgbClr val="0D0D0D"/>
+                </a:solidFill>
+                <a:latin typeface="Söhne"/>
+              </a:rPr>
+              <a:t>docker </a:t>
             </a:r>
             <a:r>
               <a:rPr lang="en-SG" sz="1800" dirty="0" err="1">
@@ -7723,7 +7928,7 @@
                 </a:solidFill>
                 <a:latin typeface="Söhne"/>
               </a:rPr>
-              <a:t>Dockerfile</a:t>
+              <a:t>ps</a:t>
             </a:r>
             <a:r>
               <a:rPr lang="en-SG" sz="1800" dirty="0">
@@ -7732,7 +7937,7 @@
                 </a:solidFill>
                 <a:latin typeface="Söhne"/>
               </a:rPr>
-              <a:t>.</a:t>
+              <a:t>: Command for listing running containers.</a:t>
             </a:r>
           </a:p>
           <a:p>
@@ -7744,72 +7949,23 @@
                 </a:solidFill>
                 <a:latin typeface="Söhne"/>
               </a:rPr>
-              <a:t>Ex: docker build -t my-python-app .</a:t>
-            </a:r>
-          </a:p>
-          <a:p>
-            <a:r>
-              <a:rPr lang="en-SG" sz="1800" dirty="0">
+              <a:t>Ex: docker </a:t>
+            </a:r>
+            <a:r>
+              <a:rPr lang="en-SG" dirty="0" err="1">
                 <a:solidFill>
                   <a:srgbClr val="0D0D0D"/>
                 </a:solidFill>
                 <a:latin typeface="Söhne"/>
               </a:rPr>
-              <a:t>docker run: Command for creating and running a container from an image.</a:t>
-            </a:r>
-          </a:p>
-          <a:p>
-            <a:pPr lvl="1"/>
-            <a:r>
-              <a:rPr lang="en-SG" dirty="0">
-                <a:solidFill>
-                  <a:srgbClr val="0D0D0D"/>
-                </a:solidFill>
-                <a:latin typeface="Söhne"/>
-              </a:rPr>
-              <a:t>Ex: docker run my-python-app</a:t>
-            </a:r>
-          </a:p>
-          <a:p>
-            <a:r>
-              <a:rPr lang="en-SG" sz="1800" dirty="0">
-                <a:solidFill>
-                  <a:srgbClr val="0D0D0D"/>
-                </a:solidFill>
-                <a:latin typeface="Söhne"/>
-              </a:rPr>
-              <a:t>docker-compose: Command for managing multi-container Docker applications using a Docker Compose </a:t>
-            </a:r>
-            <a:r>
-              <a:rPr lang="en-SG" sz="1800" dirty="0" err="1">
-                <a:solidFill>
-                  <a:srgbClr val="0D0D0D"/>
-                </a:solidFill>
-                <a:latin typeface="Söhne"/>
-              </a:rPr>
-              <a:t>yml</a:t>
-            </a:r>
-            <a:r>
-              <a:rPr lang="en-SG" sz="1800" dirty="0">
-                <a:solidFill>
-                  <a:srgbClr val="0D0D0D"/>
-                </a:solidFill>
-                <a:latin typeface="Söhne"/>
-              </a:rPr>
-              <a:t> file.</a:t>
-            </a:r>
-          </a:p>
-          <a:p>
-            <a:pPr lvl="1"/>
-            <a:r>
-              <a:rPr lang="en-SG" dirty="0">
-                <a:solidFill>
-                  <a:srgbClr val="0D0D0D"/>
-                </a:solidFill>
-                <a:latin typeface="Söhne"/>
-              </a:rPr>
-              <a:t>Example: docker-compose up -d</a:t>
-            </a:r>
+              <a:t>ps</a:t>
+            </a:r>
+            <a:endParaRPr lang="en-SG" dirty="0">
+              <a:solidFill>
+                <a:srgbClr val="0D0D0D"/>
+              </a:solidFill>
+              <a:latin typeface="Söhne"/>
+            </a:endParaRPr>
           </a:p>
         </p:txBody>
       </p:sp>
@@ -7845,7 +8001,7 @@
     </p:spTree>
     <p:extLst>
       <p:ext uri="{BB962C8B-B14F-4D97-AF65-F5344CB8AC3E}">
-        <p14:creationId xmlns:p14="http://schemas.microsoft.com/office/powerpoint/2010/main" val="3881800110"/>
+        <p14:creationId xmlns:p14="http://schemas.microsoft.com/office/powerpoint/2010/main" val="2978262395"/>
       </p:ext>
     </p:extLst>
   </p:cSld>
@@ -7895,11 +8051,7 @@
           <a:p>
             <a:r>
               <a:rPr lang="en-US" dirty="0"/>
-              <a:t>Overview of Docker </a:t>
-            </a:r>
-            <a:r>
-              <a:rPr lang="en-US" dirty="0" err="1"/>
-              <a:t>NEtworks</a:t>
+              <a:t>Important Docker Commands</a:t>
             </a:r>
             <a:endParaRPr lang="en-SG" dirty="0"/>
           </a:p>
@@ -7929,28 +8081,107 @@
           <a:lstStyle/>
           <a:p>
             <a:r>
-              <a:rPr lang="en-US" dirty="0"/>
-              <a:t>Docker networking allows containers to communicate with each other, similar to how computers on a network communicate. </a:t>
-            </a:r>
-          </a:p>
-          <a:p>
-            <a:r>
-              <a:rPr lang="en-US" dirty="0"/>
-              <a:t>Docker networking is like connecting different pieces of a puzzle to make them work together. </a:t>
-            </a:r>
-            <a:endParaRPr lang="en-SG" dirty="0"/>
-          </a:p>
-          <a:p>
-            <a:r>
-              <a:rPr lang="en-SG" dirty="0"/>
-              <a:t>Command for managing Docker networks.</a:t>
-            </a:r>
-          </a:p>
-          <a:p>
-            <a:pPr lvl="2"/>
-            <a:r>
-              <a:rPr lang="en-SG" dirty="0"/>
-              <a:t>Ex: docker network create my-network</a:t>
+              <a:rPr lang="en-SG" sz="1800" dirty="0">
+                <a:solidFill>
+                  <a:srgbClr val="0D0D0D"/>
+                </a:solidFill>
+                <a:latin typeface="Söhne"/>
+              </a:rPr>
+              <a:t>docker build: Command for building a Docker image from a </a:t>
+            </a:r>
+            <a:r>
+              <a:rPr lang="en-SG" sz="1800" dirty="0" err="1">
+                <a:solidFill>
+                  <a:srgbClr val="0D0D0D"/>
+                </a:solidFill>
+                <a:latin typeface="Söhne"/>
+              </a:rPr>
+              <a:t>Dockerfile</a:t>
+            </a:r>
+            <a:r>
+              <a:rPr lang="en-SG" sz="1800" dirty="0">
+                <a:solidFill>
+                  <a:srgbClr val="0D0D0D"/>
+                </a:solidFill>
+                <a:latin typeface="Söhne"/>
+              </a:rPr>
+              <a:t>.</a:t>
+            </a:r>
+          </a:p>
+          <a:p>
+            <a:pPr lvl="1"/>
+            <a:r>
+              <a:rPr lang="en-SG" dirty="0">
+                <a:solidFill>
+                  <a:srgbClr val="0D0D0D"/>
+                </a:solidFill>
+                <a:latin typeface="Söhne"/>
+              </a:rPr>
+              <a:t>Ex: docker build -t my-python-app .</a:t>
+            </a:r>
+          </a:p>
+          <a:p>
+            <a:r>
+              <a:rPr lang="en-SG" sz="1800" dirty="0">
+                <a:solidFill>
+                  <a:srgbClr val="0D0D0D"/>
+                </a:solidFill>
+                <a:latin typeface="Söhne"/>
+              </a:rPr>
+              <a:t>docker run: Command for creating and running a container from an image.</a:t>
+            </a:r>
+          </a:p>
+          <a:p>
+            <a:pPr lvl="1"/>
+            <a:r>
+              <a:rPr lang="en-SG" dirty="0">
+                <a:solidFill>
+                  <a:srgbClr val="0D0D0D"/>
+                </a:solidFill>
+                <a:latin typeface="Söhne"/>
+              </a:rPr>
+              <a:t>Ex: docker run my-python-app</a:t>
+            </a:r>
+          </a:p>
+          <a:p>
+            <a:r>
+              <a:rPr lang="en-SG" sz="1800" dirty="0">
+                <a:solidFill>
+                  <a:srgbClr val="0D0D0D"/>
+                </a:solidFill>
+                <a:latin typeface="Söhne"/>
+              </a:rPr>
+              <a:t>docker-compose: Command for managing multi-container Docker applications using a Docker Compose </a:t>
+            </a:r>
+            <a:r>
+              <a:rPr lang="en-SG" sz="1800" dirty="0" err="1">
+                <a:solidFill>
+                  <a:srgbClr val="0D0D0D"/>
+                </a:solidFill>
+                <a:latin typeface="Söhne"/>
+              </a:rPr>
+              <a:t>yml</a:t>
+            </a:r>
+            <a:r>
+              <a:rPr lang="en-SG" sz="1800" dirty="0">
+                <a:solidFill>
+                  <a:srgbClr val="0D0D0D"/>
+                </a:solidFill>
+                <a:latin typeface="Söhne"/>
+              </a:rPr>
+              <a:t> file.</a:t>
+            </a:r>
+          </a:p>
+          <a:p>
+            <a:pPr lvl="1"/>
+            <a:r>
+              <a:rPr lang="en-SG" dirty="0">
+                <a:solidFill>
+                  <a:srgbClr val="0D0D0D"/>
+                </a:solidFill>
+                <a:latin typeface="Söhne"/>
+              </a:rPr>
+              <a:t>Example: docker-compose up -d</a:t>
             </a:r>
           </a:p>
         </p:txBody>
@@ -7987,7 +8218,7 @@
     </p:spTree>
     <p:extLst>
       <p:ext uri="{BB962C8B-B14F-4D97-AF65-F5344CB8AC3E}">
-        <p14:creationId xmlns:p14="http://schemas.microsoft.com/office/powerpoint/2010/main" val="3175061686"/>
+        <p14:creationId xmlns:p14="http://schemas.microsoft.com/office/powerpoint/2010/main" val="3881800110"/>
       </p:ext>
     </p:extLst>
   </p:cSld>
@@ -8521,7 +8752,12 @@
             <p:ph idx="1"/>
           </p:nvPr>
         </p:nvSpPr>
-        <p:spPr/>
+        <p:spPr>
+          <a:xfrm>
+            <a:off x="1073427" y="2015732"/>
+            <a:ext cx="9981428" cy="3450613"/>
+          </a:xfrm>
+        </p:spPr>
         <p:txBody>
           <a:bodyPr>
             <a:normAutofit fontScale="92500" lnSpcReduction="20000"/>
@@ -8622,17 +8858,11 @@
                 </a:solidFill>
                 <a:latin typeface="Söhne"/>
               </a:rPr>
-              <a:t>To run a </a:t>
-            </a:r>
-            <a:r>
-              <a:rPr lang="en-US" dirty="0" err="1">
-                <a:solidFill>
-                  <a:srgbClr val="374151"/>
-                </a:solidFill>
-                <a:latin typeface="Söhne"/>
-              </a:rPr>
-              <a:t>pythonfile</a:t>
-            </a:r>
+              <a:t>To run a Python file the command is</a:t>
+            </a:r>
+          </a:p>
+          <a:p>
+            <a:pPr lvl="2"/>
             <a:r>
               <a:rPr lang="en-US" dirty="0">
                 <a:solidFill>
@@ -8640,66 +8870,39 @@
                 </a:solidFill>
                 <a:latin typeface="Söhne"/>
               </a:rPr>
-              <a:t> we have to use the </a:t>
-            </a:r>
-            <a:r>
-              <a:rPr lang="en-US" dirty="0" err="1">
-                <a:solidFill>
-                  <a:srgbClr val="374151"/>
-                </a:solidFill>
-                <a:latin typeface="Söhne"/>
-              </a:rPr>
-              <a:t>commnd</a:t>
-            </a:r>
-            <a:endParaRPr lang="en-US" dirty="0">
-              <a:solidFill>
-                <a:srgbClr val="374151"/>
-              </a:solidFill>
-              <a:latin typeface="Söhne"/>
-            </a:endParaRPr>
+              <a:t>p</a:t>
+            </a:r>
+            <a:r>
+              <a:rPr lang="en-US" b="0" i="0" dirty="0">
+                <a:solidFill>
+                  <a:srgbClr val="374151"/>
+                </a:solidFill>
+                <a:effectLst/>
+                <a:latin typeface="Söhne"/>
+              </a:rPr>
+              <a:t>ython &lt;filename.py&gt;</a:t>
+            </a:r>
           </a:p>
           <a:p>
             <a:pPr lvl="2"/>
             <a:r>
+              <a:rPr lang="en-US" b="0" i="0" dirty="0">
+                <a:solidFill>
+                  <a:srgbClr val="374151"/>
+                </a:solidFill>
+                <a:effectLst/>
+                <a:latin typeface="Söhne"/>
+              </a:rPr>
+              <a:t>Ex. p</a:t>
+            </a:r>
+            <a:r>
               <a:rPr lang="en-US" dirty="0">
                 <a:solidFill>
                   <a:srgbClr val="374151"/>
                 </a:solidFill>
                 <a:latin typeface="Söhne"/>
               </a:rPr>
-              <a:t>p</a:t>
-            </a:r>
-            <a:r>
-              <a:rPr lang="en-US" b="0" i="0" dirty="0">
-                <a:solidFill>
-                  <a:srgbClr val="374151"/>
-                </a:solidFill>
-                <a:effectLst/>
-                <a:latin typeface="Söhne"/>
-              </a:rPr>
-              <a:t>ython &lt;filename.py&gt;</a:t>
-            </a:r>
-          </a:p>
-          <a:p>
-            <a:pPr lvl="2"/>
-            <a:r>
-              <a:rPr lang="en-US" b="0" i="0" dirty="0">
-                <a:solidFill>
-                  <a:srgbClr val="374151"/>
-                </a:solidFill>
-                <a:effectLst/>
-                <a:latin typeface="Söhne"/>
-              </a:rPr>
-              <a:t>Ex. p</a:t>
-            </a:r>
-            <a:r>
-              <a:rPr lang="en-US" dirty="0">
-                <a:solidFill>
-                  <a:srgbClr val="374151"/>
-                </a:solidFill>
-                <a:latin typeface="Söhne"/>
-              </a:rPr>
-              <a:t>ython app.py</a:t>
+              <a:t>ython hello.py</a:t>
             </a:r>
             <a:endParaRPr lang="en-US" b="0" i="0" dirty="0">
               <a:solidFill>
@@ -9647,13 +9850,13 @@
         </p:nvSpPr>
         <p:spPr>
           <a:xfrm>
-            <a:off x="1447330" y="2010877"/>
-            <a:ext cx="6229611" cy="3736779"/>
+            <a:off x="1447331" y="2010877"/>
+            <a:ext cx="5028884" cy="3736779"/>
           </a:xfrm>
         </p:spPr>
         <p:txBody>
           <a:bodyPr>
-            <a:normAutofit/>
+            <a:normAutofit fontScale="92500" lnSpcReduction="20000"/>
           </a:bodyPr>
           <a:lstStyle/>
           <a:p>
@@ -9744,7 +9947,7 @@
                 <a:effectLst/>
                 <a:latin typeface="Söhne"/>
               </a:rPr>
-              <a:t>Specify dependencies (libraries) to install</a:t>
+              <a:t>Specify dependency libraries to install (requirements.txt)</a:t>
             </a:r>
           </a:p>
           <a:p>
@@ -9809,51 +10012,21 @@
           </a:p>
         </p:txBody>
       </p:sp>
-      <p:sp>
-        <p:nvSpPr>
-          <p:cNvPr id="14" name="Content Placeholder 13">
+      <p:pic>
+        <p:nvPicPr>
+          <p:cNvPr id="6" name="Content Placeholder 5">
             <a:extLst>
               <a:ext uri="{FF2B5EF4-FFF2-40B4-BE49-F238E27FC236}">
-                <a16:creationId xmlns:a16="http://schemas.microsoft.com/office/drawing/2014/main" id="{7A5059C3-4230-3A73-F66C-B0F1A5D6884D}"/>
-              </a:ext>
-            </a:extLst>
-          </p:cNvPr>
-          <p:cNvSpPr>
-            <a:spLocks noGrp="1"/>
-          </p:cNvSpPr>
-          <p:nvPr>
-            <p:ph sz="half" idx="2"/>
-          </p:nvPr>
-        </p:nvSpPr>
-        <p:spPr>
-          <a:xfrm>
-            <a:off x="7948245" y="2017343"/>
-            <a:ext cx="3110677" cy="3441520"/>
-          </a:xfrm>
-        </p:spPr>
-        <p:txBody>
-          <a:bodyPr>
-            <a:normAutofit/>
-          </a:bodyPr>
-          <a:lstStyle/>
-          <a:p>
-            <a:endParaRPr lang="en-SG" dirty="0"/>
-          </a:p>
-        </p:txBody>
-      </p:sp>
-      <p:pic>
-        <p:nvPicPr>
-          <p:cNvPr id="18" name="Picture 17">
-            <a:extLst>
-              <a:ext uri="{FF2B5EF4-FFF2-40B4-BE49-F238E27FC236}">
-                <a16:creationId xmlns:a16="http://schemas.microsoft.com/office/drawing/2014/main" id="{8FDAB3A2-BD26-4B66-F2A1-8CF96F7E7C8C}"/>
+                <a16:creationId xmlns:a16="http://schemas.microsoft.com/office/drawing/2014/main" id="{F7EFBEB6-178E-8326-34D7-083F0A1C0450}"/>
               </a:ext>
             </a:extLst>
           </p:cNvPr>
           <p:cNvPicPr>
-            <a:picLocks noChangeAspect="1"/>
+            <a:picLocks noGrp="1" noChangeAspect="1"/>
           </p:cNvPicPr>
-          <p:nvPr/>
+          <p:nvPr>
+            <p:ph sz="half" idx="2"/>
+          </p:nvPr>
         </p:nvPicPr>
         <p:blipFill>
           <a:blip r:embed="rId2"/>
@@ -9863,12 +10036,9 @@
         </p:blipFill>
         <p:spPr>
           <a:xfrm>
-            <a:off x="7676941" y="2345714"/>
-            <a:ext cx="4391025" cy="2447925"/>
+            <a:off x="6476215" y="2245559"/>
+            <a:ext cx="5250730" cy="2995744"/>
           </a:xfrm>
-          <a:prstGeom prst="rect">
-            <a:avLst/>
-          </a:prstGeom>
         </p:spPr>
       </p:pic>
     </p:spTree>

--- a/Docker_workshop.pptx
+++ b/Docker_workshop.pptx
@@ -9823,7 +9823,7 @@
                 <a:effectLst/>
                 <a:latin typeface="Söhne"/>
               </a:rPr>
-              <a:t>RUNNING Python APP WITH DOCKERFILE</a:t>
+              <a:t>BUILDING DOCKER IMAGE For OUR Python APP</a:t>
             </a:r>
             <a:endParaRPr lang="en-SG" dirty="0">
               <a:latin typeface="Arial" panose="020B0604020202020204" pitchFamily="34" charset="0"/>
@@ -9856,7 +9856,7 @@
         </p:spPr>
         <p:txBody>
           <a:bodyPr>
-            <a:normAutofit fontScale="92500" lnSpcReduction="20000"/>
+            <a:normAutofit fontScale="92500" lnSpcReduction="10000"/>
           </a:bodyPr>
           <a:lstStyle/>
           <a:p>
@@ -9871,6 +9871,15 @@
               <a:t>Dockerfile</a:t>
             </a:r>
             <a:r>
+              <a:rPr lang="en-US" dirty="0">
+                <a:solidFill>
+                  <a:srgbClr val="374151"/>
+                </a:solidFill>
+                <a:latin typeface="Söhne"/>
+              </a:rPr>
+              <a:t>:  A</a:t>
+            </a:r>
+            <a:r>
               <a:rPr lang="en-US" b="0" i="0" dirty="0">
                 <a:solidFill>
                   <a:srgbClr val="374151"/>
@@ -9878,7 +9887,7 @@
                 <a:effectLst/>
                 <a:latin typeface="Söhne"/>
               </a:rPr>
-              <a:t> </a:t>
+              <a:t> text files </a:t>
             </a:r>
             <a:r>
               <a:rPr lang="en-US" dirty="0">
@@ -9887,7 +9896,7 @@
                 </a:solidFill>
                 <a:latin typeface="Söhne"/>
               </a:rPr>
-              <a:t>is a</a:t>
+              <a:t>containing</a:t>
             </a:r>
             <a:r>
               <a:rPr lang="en-US" b="0" i="0" dirty="0">
@@ -9897,10 +9906,19 @@
                 <a:effectLst/>
                 <a:latin typeface="Söhne"/>
               </a:rPr>
-              <a:t> text files which contains commands for building a Docker image.</a:t>
-            </a:r>
-          </a:p>
-          <a:p>
+              <a:t> commands for building a Docker image.</a:t>
+            </a:r>
+          </a:p>
+          <a:p>
+            <a:r>
+              <a:rPr lang="en-US" dirty="0">
+                <a:solidFill>
+                  <a:srgbClr val="374151"/>
+                </a:solidFill>
+                <a:latin typeface="Söhne"/>
+              </a:rPr>
+              <a:t>D</a:t>
+            </a:r>
             <a:r>
               <a:rPr lang="en-US" b="0" i="0" dirty="0">
                 <a:solidFill>
@@ -9909,7 +9927,7 @@
                 <a:effectLst/>
                 <a:latin typeface="Söhne"/>
               </a:rPr>
-              <a:t>A docker image consists of all the project’s code.</a:t>
+              <a:t>ocker image: contains all the project’s code.</a:t>
             </a:r>
           </a:p>
           <a:p>
@@ -9921,7 +9939,26 @@
                 <a:effectLst/>
                 <a:latin typeface="Söhne"/>
               </a:rPr>
-              <a:t>To run a python application in docker:  </a:t>
+              <a:t>Steps </a:t>
+            </a:r>
+            <a:r>
+              <a:rPr lang="en-US" dirty="0">
+                <a:solidFill>
+                  <a:srgbClr val="374151"/>
+                </a:solidFill>
+                <a:latin typeface="Söhne"/>
+              </a:rPr>
+              <a:t>t</a:t>
+            </a:r>
+            <a:r>
+              <a:rPr lang="en-US" b="0" i="0" dirty="0">
+                <a:solidFill>
+                  <a:srgbClr val="374151"/>
+                </a:solidFill>
+                <a:effectLst/>
+                <a:latin typeface="Söhne"/>
+              </a:rPr>
+              <a:t>o run a python application in docker:  </a:t>
             </a:r>
           </a:p>
           <a:p>
@@ -9934,7 +9971,46 @@
                 <a:effectLst/>
                 <a:latin typeface="Söhne"/>
               </a:rPr>
-              <a:t>Create a Dockerfile specify the base Python image  </a:t>
+              <a:t>Create a </a:t>
+            </a:r>
+            <a:r>
+              <a:rPr lang="en-US" b="0" i="0" dirty="0" err="1">
+                <a:solidFill>
+                  <a:srgbClr val="374151"/>
+                </a:solidFill>
+                <a:effectLst/>
+                <a:latin typeface="Söhne"/>
+              </a:rPr>
+              <a:t>Dockerfile</a:t>
+            </a:r>
+            <a:r>
+              <a:rPr lang="en-US" b="0" i="0" dirty="0">
+                <a:solidFill>
+                  <a:srgbClr val="374151"/>
+                </a:solidFill>
+                <a:effectLst/>
+                <a:latin typeface="Söhne"/>
+              </a:rPr>
+              <a:t> specify</a:t>
+            </a:r>
+            <a:r>
+              <a:rPr lang="en-US" dirty="0">
+                <a:solidFill>
+                  <a:srgbClr val="374151"/>
+                </a:solidFill>
+                <a:latin typeface="Söhne"/>
+              </a:rPr>
+              <a:t>ing</a:t>
+            </a:r>
+            <a:r>
+              <a:rPr lang="en-US" b="0" i="0" dirty="0">
+                <a:solidFill>
+                  <a:srgbClr val="374151"/>
+                </a:solidFill>
+                <a:effectLst/>
+                <a:latin typeface="Söhne"/>
+              </a:rPr>
+              <a:t> the base Python image  </a:t>
             </a:r>
           </a:p>
           <a:p>
@@ -9947,7 +10023,7 @@
                 <a:effectLst/>
                 <a:latin typeface="Söhne"/>
               </a:rPr>
-              <a:t>Specify dependency libraries to install (requirements.txt)</a:t>
+              <a:t>Specify dependency libraries to install (usually done via a requirements.txt file)</a:t>
             </a:r>
           </a:p>
           <a:p>
@@ -10093,14 +10169,14 @@
           <a:lstStyle/>
           <a:p>
             <a:r>
-              <a:rPr lang="en-US" b="1" i="0" dirty="0">
+              <a:rPr lang="en-US" b="1" i="0">
                 <a:solidFill>
                   <a:srgbClr val="0D0D0D"/>
                 </a:solidFill>
                 <a:effectLst/>
                 <a:latin typeface="Söhne"/>
               </a:rPr>
-              <a:t>RUNNING Python APP WITH DOCKERFILE</a:t>
+              <a:t>BUILDING DOCKER IMAGE For OUR Python APP</a:t>
             </a:r>
             <a:endParaRPr lang="en-SG" dirty="0">
               <a:latin typeface="Arial" panose="020B0604020202020204" pitchFamily="34" charset="0"/>

--- a/Docker_workshop.pptx
+++ b/Docker_workshop.pptx
@@ -5,35 +5,36 @@
     <p:sldMasterId id="2147483648" r:id="rId1"/>
   </p:sldMasterIdLst>
   <p:notesMasterIdLst>
-    <p:notesMasterId r:id="rId28"/>
+    <p:notesMasterId r:id="rId29"/>
   </p:notesMasterIdLst>
   <p:sldIdLst>
     <p:sldId id="256" r:id="rId2"/>
     <p:sldId id="257" r:id="rId3"/>
     <p:sldId id="280" r:id="rId4"/>
-    <p:sldId id="259" r:id="rId5"/>
-    <p:sldId id="258" r:id="rId6"/>
-    <p:sldId id="282" r:id="rId7"/>
-    <p:sldId id="281" r:id="rId8"/>
-    <p:sldId id="283" r:id="rId9"/>
-    <p:sldId id="290" r:id="rId10"/>
-    <p:sldId id="275" r:id="rId11"/>
-    <p:sldId id="293" r:id="rId12"/>
-    <p:sldId id="289" r:id="rId13"/>
-    <p:sldId id="297" r:id="rId14"/>
-    <p:sldId id="294" r:id="rId15"/>
-    <p:sldId id="277" r:id="rId16"/>
-    <p:sldId id="291" r:id="rId17"/>
-    <p:sldId id="278" r:id="rId18"/>
-    <p:sldId id="288" r:id="rId19"/>
-    <p:sldId id="295" r:id="rId20"/>
-    <p:sldId id="296" r:id="rId21"/>
-    <p:sldId id="292" r:id="rId22"/>
-    <p:sldId id="287" r:id="rId23"/>
-    <p:sldId id="262" r:id="rId24"/>
-    <p:sldId id="285" r:id="rId25"/>
-    <p:sldId id="286" r:id="rId26"/>
-    <p:sldId id="261" r:id="rId27"/>
+    <p:sldId id="258" r:id="rId5"/>
+    <p:sldId id="282" r:id="rId6"/>
+    <p:sldId id="259" r:id="rId7"/>
+    <p:sldId id="298" r:id="rId8"/>
+    <p:sldId id="281" r:id="rId9"/>
+    <p:sldId id="283" r:id="rId10"/>
+    <p:sldId id="290" r:id="rId11"/>
+    <p:sldId id="275" r:id="rId12"/>
+    <p:sldId id="293" r:id="rId13"/>
+    <p:sldId id="289" r:id="rId14"/>
+    <p:sldId id="297" r:id="rId15"/>
+    <p:sldId id="294" r:id="rId16"/>
+    <p:sldId id="277" r:id="rId17"/>
+    <p:sldId id="291" r:id="rId18"/>
+    <p:sldId id="278" r:id="rId19"/>
+    <p:sldId id="288" r:id="rId20"/>
+    <p:sldId id="295" r:id="rId21"/>
+    <p:sldId id="296" r:id="rId22"/>
+    <p:sldId id="292" r:id="rId23"/>
+    <p:sldId id="287" r:id="rId24"/>
+    <p:sldId id="262" r:id="rId25"/>
+    <p:sldId id="285" r:id="rId26"/>
+    <p:sldId id="286" r:id="rId27"/>
+    <p:sldId id="261" r:id="rId28"/>
   </p:sldIdLst>
   <p:sldSz cx="12192000" cy="6858000"/>
   <p:notesSz cx="6858000" cy="9144000"/>
@@ -228,7 +229,7 @@
           <a:p>
             <a:fld id="{44B53E8D-93A4-45C2-B5B5-10C0D9FD8CAC}" type="datetimeFigureOut">
               <a:rPr lang="en-SG" smtClean="0"/>
-              <a:t>3/5/2024</a:t>
+              <a:t>4/5/2024</a:t>
             </a:fld>
             <a:endParaRPr lang="en-SG"/>
           </a:p>
@@ -635,7 +636,7 @@
           <a:p>
             <a:fld id="{437BE40A-911A-432A-8BBE-93FF79ED3A90}" type="datetime1">
               <a:rPr lang="en-US" smtClean="0"/>
-              <a:t>5/3/2024</a:t>
+              <a:t>5/4/2024</a:t>
             </a:fld>
             <a:endParaRPr lang="en-US" dirty="0"/>
           </a:p>
@@ -841,7 +842,7 @@
           <a:p>
             <a:fld id="{4F6639DB-A846-4767-ABAC-406E2E3917FA}" type="datetime1">
               <a:rPr lang="en-US" smtClean="0"/>
-              <a:t>5/3/2024</a:t>
+              <a:t>5/4/2024</a:t>
             </a:fld>
             <a:endParaRPr lang="en-US" dirty="0"/>
           </a:p>
@@ -1051,7 +1052,7 @@
           <a:p>
             <a:fld id="{771713FC-25A7-438F-9365-94BF54C091DD}" type="datetime1">
               <a:rPr lang="en-US" smtClean="0"/>
-              <a:t>5/3/2024</a:t>
+              <a:t>5/4/2024</a:t>
             </a:fld>
             <a:endParaRPr lang="en-US" dirty="0"/>
           </a:p>
@@ -1247,7 +1248,7 @@
           <a:p>
             <a:fld id="{CAE9FE10-04B1-4BA8-8869-75254AE28D04}" type="datetime1">
               <a:rPr lang="en-US" smtClean="0"/>
-              <a:t>5/3/2024</a:t>
+              <a:t>5/4/2024</a:t>
             </a:fld>
             <a:endParaRPr lang="en-US" dirty="0"/>
           </a:p>
@@ -1521,7 +1522,7 @@
           <a:p>
             <a:fld id="{70E77FC6-78CE-42FD-AD87-F85BB537C9A1}" type="datetime1">
               <a:rPr lang="en-US" smtClean="0"/>
-              <a:t>5/3/2024</a:t>
+              <a:t>5/4/2024</a:t>
             </a:fld>
             <a:endParaRPr lang="en-US" dirty="0"/>
           </a:p>
@@ -1784,7 +1785,7 @@
           <a:p>
             <a:fld id="{D55A4954-6E06-42E5-97D0-27BEAE43E0D3}" type="datetime1">
               <a:rPr lang="en-US" smtClean="0"/>
-              <a:t>5/3/2024</a:t>
+              <a:t>5/4/2024</a:t>
             </a:fld>
             <a:endParaRPr lang="en-US" dirty="0"/>
           </a:p>
@@ -2195,7 +2196,7 @@
           <a:p>
             <a:fld id="{7C32A4FA-2A0B-427C-8D5D-DDC37B93EACB}" type="datetime1">
               <a:rPr lang="en-US" smtClean="0"/>
-              <a:t>5/3/2024</a:t>
+              <a:t>5/4/2024</a:t>
             </a:fld>
             <a:endParaRPr lang="en-US" dirty="0"/>
           </a:p>
@@ -2339,7 +2340,7 @@
           <a:p>
             <a:fld id="{7B7B9263-D673-46C7-9969-438FB4605986}" type="datetime1">
               <a:rPr lang="en-US" smtClean="0"/>
-              <a:t>5/3/2024</a:t>
+              <a:t>5/4/2024</a:t>
             </a:fld>
             <a:endParaRPr lang="en-US" dirty="0"/>
           </a:p>
@@ -2460,7 +2461,7 @@
           <a:p>
             <a:fld id="{C9AB95F0-5727-4DF6-AF9F-64E494D61697}" type="datetime1">
               <a:rPr lang="en-US" smtClean="0"/>
-              <a:t>5/3/2024</a:t>
+              <a:t>5/4/2024</a:t>
             </a:fld>
             <a:endParaRPr lang="en-US" dirty="0"/>
           </a:p>
@@ -2706,7 +2707,7 @@
           <a:p>
             <a:fld id="{976BD081-FB83-4197-AF39-765AED2BCE98}" type="datetime1">
               <a:rPr lang="en-US" smtClean="0"/>
-              <a:t>5/3/2024</a:t>
+              <a:t>5/4/2024</a:t>
             </a:fld>
             <a:endParaRPr lang="en-US" dirty="0"/>
           </a:p>
@@ -3146,7 +3147,7 @@
           <a:p>
             <a:fld id="{47DBA1BF-3ADC-42CE-9107-AA2A03DA17AC}" type="datetime1">
               <a:rPr lang="en-US" smtClean="0"/>
-              <a:t>5/3/2024</a:t>
+              <a:t>5/4/2024</a:t>
             </a:fld>
             <a:endParaRPr lang="en-US" dirty="0"/>
           </a:p>
@@ -3468,7 +3469,7 @@
           <a:p>
             <a:fld id="{862269B6-9D79-4A41-AACA-71FE230DD192}" type="datetime1">
               <a:rPr lang="en-US" smtClean="0"/>
-              <a:t>5/3/2024</a:t>
+              <a:t>5/4/2024</a:t>
             </a:fld>
             <a:endParaRPr lang="en-US" dirty="0"/>
           </a:p>
@@ -4077,14 +4078,14 @@
           <a:lstStyle/>
           <a:p>
             <a:r>
-              <a:rPr lang="en-US" b="1" i="0" dirty="0">
+              <a:rPr lang="en-US" b="1" i="0">
                 <a:solidFill>
                   <a:srgbClr val="0D0D0D"/>
                 </a:solidFill>
                 <a:effectLst/>
                 <a:latin typeface="Söhne"/>
               </a:rPr>
-              <a:t>Docker Container</a:t>
+              <a:t>BUILDING DOCKER IMAGE For OUR Python APP</a:t>
             </a:r>
             <a:endParaRPr lang="en-SG" dirty="0">
               <a:latin typeface="Arial" panose="020B0604020202020204" pitchFamily="34" charset="0"/>
@@ -4111,41 +4112,114 @@
         </p:nvSpPr>
         <p:spPr>
           <a:xfrm>
-            <a:off x="930303" y="2010878"/>
-            <a:ext cx="5162180" cy="3960552"/>
+            <a:off x="1449216" y="2010877"/>
+            <a:ext cx="6227725" cy="3844491"/>
           </a:xfrm>
         </p:spPr>
         <p:txBody>
           <a:bodyPr>
-            <a:normAutofit lnSpcReduction="10000"/>
+            <a:normAutofit/>
           </a:bodyPr>
           <a:lstStyle/>
           <a:p>
             <a:r>
-              <a:rPr lang="en-US" sz="1400" b="0" i="0" dirty="0">
-                <a:solidFill>
-                  <a:srgbClr val="0D0D0D"/>
-                </a:solidFill>
-                <a:effectLst/>
-                <a:latin typeface="Söhne"/>
-              </a:rPr>
-              <a:t>Creation: Docker containers are created from Docker images using the docker run command.</a:t>
+              <a:rPr lang="en-US" sz="1600" dirty="0">
+                <a:solidFill>
+                  <a:srgbClr val="374151"/>
+                </a:solidFill>
+                <a:latin typeface="Söhne"/>
+              </a:rPr>
+              <a:t>When you R</a:t>
+            </a:r>
+            <a:r>
+              <a:rPr lang="en-US" sz="1600" b="0" i="0" dirty="0">
+                <a:solidFill>
+                  <a:srgbClr val="374151"/>
+                </a:solidFill>
+                <a:effectLst/>
+                <a:latin typeface="Söhne"/>
+              </a:rPr>
+              <a:t>un </a:t>
+            </a:r>
+            <a:r>
+              <a:rPr lang="en-US" sz="1600" b="0" i="0" dirty="0" err="1">
+                <a:solidFill>
+                  <a:srgbClr val="374151"/>
+                </a:solidFill>
+                <a:effectLst/>
+                <a:latin typeface="Söhne"/>
+              </a:rPr>
+              <a:t>Dockerfile</a:t>
+            </a:r>
+            <a:r>
+              <a:rPr lang="en-US" sz="1600" b="0" i="0" dirty="0">
+                <a:solidFill>
+                  <a:srgbClr val="374151"/>
+                </a:solidFill>
+                <a:effectLst/>
+                <a:latin typeface="Söhne"/>
+              </a:rPr>
+              <a:t> from </a:t>
+            </a:r>
+            <a:r>
+              <a:rPr lang="en-US" sz="1600" dirty="0" err="1">
+                <a:solidFill>
+                  <a:srgbClr val="374151"/>
+                </a:solidFill>
+                <a:latin typeface="Söhne"/>
+              </a:rPr>
+              <a:t>cmd</a:t>
+            </a:r>
+            <a:r>
+              <a:rPr lang="en-US" sz="1600" b="0" i="0" dirty="0">
+                <a:solidFill>
+                  <a:srgbClr val="374151"/>
+                </a:solidFill>
+                <a:effectLst/>
+                <a:latin typeface="Söhne"/>
+              </a:rPr>
+              <a:t> prompt using ‘docker build’ command </a:t>
             </a:r>
           </a:p>
           <a:p>
             <a:pPr lvl="1"/>
             <a:r>
-              <a:rPr lang="en-US" sz="1200" b="0" i="0" dirty="0">
-                <a:solidFill>
-                  <a:srgbClr val="374151"/>
-                </a:solidFill>
-                <a:effectLst/>
-                <a:latin typeface="Söhne"/>
-              </a:rPr>
-              <a:t>docker run &lt;</a:t>
-            </a:r>
-            <a:r>
-              <a:rPr lang="en-US" sz="1200" b="0" i="0" dirty="0" err="1">
+              <a:rPr lang="en-US" sz="1600" b="0" i="0" dirty="0">
+                <a:solidFill>
+                  <a:srgbClr val="374151"/>
+                </a:solidFill>
+                <a:effectLst/>
+                <a:latin typeface="Söhne"/>
+              </a:rPr>
+              <a:t>Docker automatically fetches the specified Python image from Docker Hub for our application.</a:t>
+            </a:r>
+          </a:p>
+          <a:p>
+            <a:pPr lvl="1"/>
+            <a:r>
+              <a:rPr lang="en-US" sz="1600" b="0" i="0" dirty="0">
+                <a:solidFill>
+                  <a:srgbClr val="374151"/>
+                </a:solidFill>
+                <a:effectLst/>
+                <a:latin typeface="Söhne"/>
+              </a:rPr>
+              <a:t>Docker ensures that dependencies listed in the Dockerfile are installed within the container during the build process to avoid dependency conflict and creates docker image.</a:t>
+            </a:r>
+          </a:p>
+          <a:p>
+            <a:r>
+              <a:rPr lang="en-US" sz="1600" b="0" i="0" dirty="0">
+                <a:solidFill>
+                  <a:srgbClr val="374151"/>
+                </a:solidFill>
+                <a:effectLst/>
+                <a:latin typeface="Söhne"/>
+              </a:rPr>
+              <a:t>Syntax: docker build -t &lt;</a:t>
+            </a:r>
+            <a:r>
+              <a:rPr lang="en-US" sz="1600" b="0" i="0" dirty="0" err="1">
                 <a:solidFill>
                   <a:srgbClr val="374151"/>
                 </a:solidFill>
@@ -4155,30 +4229,50 @@
               <a:t>image_name</a:t>
             </a:r>
             <a:r>
-              <a:rPr lang="en-US" sz="1200" b="0" i="0" dirty="0">
-                <a:solidFill>
-                  <a:srgbClr val="374151"/>
-                </a:solidFill>
-                <a:effectLst/>
-                <a:latin typeface="Söhne"/>
-              </a:rPr>
-              <a:t>&gt; </a:t>
+              <a:rPr lang="en-US" sz="1600" b="0" i="0" dirty="0">
+                <a:solidFill>
+                  <a:srgbClr val="374151"/>
+                </a:solidFill>
+                <a:effectLst/>
+                <a:latin typeface="Söhne"/>
+              </a:rPr>
+              <a:t>&gt; &lt;</a:t>
+            </a:r>
+            <a:r>
+              <a:rPr lang="en-US" sz="1600" b="0" i="0" dirty="0" err="1">
+                <a:solidFill>
+                  <a:srgbClr val="374151"/>
+                </a:solidFill>
+                <a:effectLst/>
+                <a:latin typeface="Söhne"/>
+              </a:rPr>
+              <a:t>path_to_Dockerfile</a:t>
+            </a:r>
+            <a:r>
+              <a:rPr lang="en-US" sz="1600" b="0" i="0" dirty="0">
+                <a:solidFill>
+                  <a:srgbClr val="374151"/>
+                </a:solidFill>
+                <a:effectLst/>
+                <a:latin typeface="Söhne"/>
+              </a:rPr>
+              <a:t>&gt;</a:t>
             </a:r>
           </a:p>
           <a:p>
             <a:pPr lvl="1"/>
             <a:r>
-              <a:rPr lang="en-US" sz="1200" b="0" i="0" dirty="0">
-                <a:solidFill>
-                  <a:srgbClr val="374151"/>
-                </a:solidFill>
-                <a:effectLst/>
-                <a:latin typeface="Söhne"/>
-              </a:rPr>
-              <a:t>Ex. docker run </a:t>
-            </a:r>
-            <a:r>
-              <a:rPr lang="en-US" sz="1200" b="0" i="0" dirty="0" err="1">
+              <a:rPr lang="en-US" sz="1600" b="0" i="0" dirty="0">
+                <a:solidFill>
+                  <a:srgbClr val="374151"/>
+                </a:solidFill>
+                <a:effectLst/>
+                <a:latin typeface="Söhne"/>
+              </a:rPr>
+              <a:t>Ex. docker build -t </a:t>
+            </a:r>
+            <a:r>
+              <a:rPr lang="en-US" sz="1600" b="0" i="0" dirty="0" err="1">
                 <a:solidFill>
                   <a:srgbClr val="374151"/>
                 </a:solidFill>
@@ -4188,143 +4282,14 @@
               <a:t>my_app</a:t>
             </a:r>
             <a:r>
-              <a:rPr lang="en-US" sz="1200" b="0" i="0" dirty="0">
-                <a:solidFill>
-                  <a:srgbClr val="374151"/>
-                </a:solidFill>
-                <a:effectLst/>
-                <a:latin typeface="Söhne"/>
-              </a:rPr>
-              <a:t> </a:t>
-            </a:r>
-          </a:p>
-          <a:p>
-            <a:r>
-              <a:rPr lang="en-US" sz="1400" b="0" i="0" dirty="0">
-                <a:solidFill>
-                  <a:srgbClr val="0D0D0D"/>
-                </a:solidFill>
-                <a:effectLst/>
-                <a:latin typeface="Söhne"/>
-              </a:rPr>
-              <a:t>Imagine a shipping container: </a:t>
-            </a:r>
-          </a:p>
-          <a:p>
-            <a:pPr lvl="1"/>
-            <a:r>
-              <a:rPr lang="en-US" sz="1200" b="0" i="0" dirty="0">
-                <a:solidFill>
-                  <a:srgbClr val="0D0D0D"/>
-                </a:solidFill>
-                <a:effectLst/>
-                <a:latin typeface="Söhne"/>
-              </a:rPr>
-              <a:t>it contains all the goods needed for transport, </a:t>
-            </a:r>
-          </a:p>
-          <a:p>
-            <a:pPr lvl="1"/>
-            <a:r>
-              <a:rPr lang="en-US" sz="1200" b="0" i="0" dirty="0">
-                <a:solidFill>
-                  <a:srgbClr val="0D0D0D"/>
-                </a:solidFill>
-                <a:effectLst/>
-                <a:latin typeface="Söhne"/>
-              </a:rPr>
-              <a:t>isolated from the external environment </a:t>
-            </a:r>
-          </a:p>
-          <a:p>
-            <a:pPr lvl="1"/>
-            <a:r>
-              <a:rPr lang="en-US" sz="1200" b="0" i="0" dirty="0">
-                <a:solidFill>
-                  <a:srgbClr val="0D0D0D"/>
-                </a:solidFill>
-                <a:effectLst/>
-                <a:latin typeface="Söhne"/>
-              </a:rPr>
-              <a:t>can be easily transported from one location to another without affecting its contents.</a:t>
-            </a:r>
-          </a:p>
-          <a:p>
-            <a:r>
-              <a:rPr lang="en-US" sz="1400" b="0" i="0" dirty="0">
-                <a:solidFill>
-                  <a:srgbClr val="0D0D0D"/>
-                </a:solidFill>
-                <a:effectLst/>
-                <a:latin typeface="Söhne"/>
-              </a:rPr>
-              <a:t>Similarly, Docker Containers are</a:t>
-            </a:r>
-          </a:p>
-          <a:p>
-            <a:pPr lvl="1"/>
-            <a:r>
-              <a:rPr lang="en-US" sz="1200" b="0" i="0" dirty="0">
-                <a:solidFill>
-                  <a:srgbClr val="0D0D0D"/>
-                </a:solidFill>
-                <a:effectLst/>
-                <a:latin typeface="Söhne"/>
-              </a:rPr>
-              <a:t> a method to </a:t>
-            </a:r>
-            <a:r>
-              <a:rPr lang="en-US" sz="1200" b="1" i="0" dirty="0">
-                <a:solidFill>
-                  <a:srgbClr val="0D0D0D"/>
-                </a:solidFill>
-                <a:effectLst/>
-                <a:latin typeface="Söhne"/>
-              </a:rPr>
-              <a:t>package</a:t>
-            </a:r>
-            <a:r>
-              <a:rPr lang="en-US" sz="1200" b="0" i="0" dirty="0">
-                <a:solidFill>
-                  <a:srgbClr val="0D0D0D"/>
-                </a:solidFill>
-                <a:effectLst/>
-                <a:latin typeface="Söhne"/>
-              </a:rPr>
-              <a:t> software applications along with their </a:t>
-            </a:r>
-            <a:r>
-              <a:rPr lang="en-US" sz="1200" b="1" i="0" dirty="0">
-                <a:solidFill>
-                  <a:srgbClr val="0D0D0D"/>
-                </a:solidFill>
-                <a:effectLst/>
-                <a:latin typeface="Söhne"/>
-              </a:rPr>
-              <a:t>dependencies and configurations into isolated environments</a:t>
-            </a:r>
-            <a:r>
-              <a:rPr lang="en-US" sz="1200" b="0" i="0" dirty="0">
-                <a:solidFill>
-                  <a:srgbClr val="0D0D0D"/>
-                </a:solidFill>
-                <a:effectLst/>
-                <a:latin typeface="Söhne"/>
-              </a:rPr>
-              <a:t>,</a:t>
-            </a:r>
-          </a:p>
-          <a:p>
-            <a:pPr lvl="1"/>
-            <a:r>
-              <a:rPr lang="en-US" sz="1200" b="0" i="0" dirty="0">
-                <a:solidFill>
-                  <a:srgbClr val="0D0D0D"/>
-                </a:solidFill>
-                <a:effectLst/>
-                <a:latin typeface="Söhne"/>
-              </a:rPr>
-              <a:t>enabling them to run consistently across different computing environments. </a:t>
+              <a:rPr lang="en-US" sz="1600" b="0" i="0" dirty="0">
+                <a:solidFill>
+                  <a:srgbClr val="374151"/>
+                </a:solidFill>
+                <a:effectLst/>
+                <a:latin typeface="Söhne"/>
+              </a:rPr>
+              <a:t> . </a:t>
             </a:r>
           </a:p>
         </p:txBody>
@@ -4358,46 +4323,21 @@
           </a:p>
         </p:txBody>
       </p:sp>
-      <p:sp>
-        <p:nvSpPr>
-          <p:cNvPr id="10" name="Content Placeholder 9">
+      <p:pic>
+        <p:nvPicPr>
+          <p:cNvPr id="6" name="Content Placeholder 5">
             <a:extLst>
               <a:ext uri="{FF2B5EF4-FFF2-40B4-BE49-F238E27FC236}">
-                <a16:creationId xmlns:a16="http://schemas.microsoft.com/office/drawing/2014/main" id="{7D0FEAF8-123B-6C39-5D98-801E48F1695D}"/>
-              </a:ext>
-            </a:extLst>
-          </p:cNvPr>
-          <p:cNvSpPr>
-            <a:spLocks noGrp="1"/>
-          </p:cNvSpPr>
-          <p:nvPr>
-            <p:ph sz="half" idx="2"/>
-          </p:nvPr>
-        </p:nvSpPr>
-        <p:spPr/>
-        <p:txBody>
-          <a:bodyPr>
-            <a:normAutofit lnSpcReduction="10000"/>
-          </a:bodyPr>
-          <a:lstStyle/>
-          <a:p>
-            <a:endParaRPr lang="en-SG"/>
-          </a:p>
-        </p:txBody>
-      </p:sp>
-      <p:pic>
-        <p:nvPicPr>
-          <p:cNvPr id="12" name="Picture 11">
-            <a:extLst>
-              <a:ext uri="{FF2B5EF4-FFF2-40B4-BE49-F238E27FC236}">
-                <a16:creationId xmlns:a16="http://schemas.microsoft.com/office/drawing/2014/main" id="{E86FE974-93CF-935C-CD93-3C3C094E3F45}"/>
+                <a16:creationId xmlns:a16="http://schemas.microsoft.com/office/drawing/2014/main" id="{3AAFDBCA-3888-2E54-A464-04E0F8727230}"/>
               </a:ext>
             </a:extLst>
           </p:cNvPr>
           <p:cNvPicPr>
-            <a:picLocks noChangeAspect="1"/>
+            <a:picLocks noGrp="1" noChangeAspect="1"/>
           </p:cNvPicPr>
-          <p:nvPr/>
+          <p:nvPr>
+            <p:ph sz="half" idx="2"/>
+          </p:nvPr>
         </p:nvPicPr>
         <p:blipFill>
           <a:blip r:embed="rId2"/>
@@ -4407,18 +4347,15 @@
         </p:blipFill>
         <p:spPr>
           <a:xfrm>
-            <a:off x="6092483" y="2157517"/>
-            <a:ext cx="5492567" cy="2725982"/>
+            <a:off x="7749833" y="2568140"/>
+            <a:ext cx="3855829" cy="2425667"/>
           </a:xfrm>
-          <a:prstGeom prst="rect">
-            <a:avLst/>
-          </a:prstGeom>
         </p:spPr>
       </p:pic>
     </p:spTree>
     <p:extLst>
       <p:ext uri="{BB962C8B-B14F-4D97-AF65-F5344CB8AC3E}">
-        <p14:creationId xmlns:p14="http://schemas.microsoft.com/office/powerpoint/2010/main" val="1418178575"/>
+        <p14:creationId xmlns:p14="http://schemas.microsoft.com/office/powerpoint/2010/main" val="1592367546"/>
       </p:ext>
     </p:extLst>
   </p:cSld>
@@ -4485,6 +4422,409 @@
       </p:sp>
       <p:sp>
         <p:nvSpPr>
+          <p:cNvPr id="3" name="Content Placeholder 2">
+            <a:extLst>
+              <a:ext uri="{FF2B5EF4-FFF2-40B4-BE49-F238E27FC236}">
+                <a16:creationId xmlns:a16="http://schemas.microsoft.com/office/drawing/2014/main" id="{92CDBBD6-340F-E403-74C2-8C5D82E49D4F}"/>
+              </a:ext>
+            </a:extLst>
+          </p:cNvPr>
+          <p:cNvSpPr>
+            <a:spLocks noGrp="1"/>
+          </p:cNvSpPr>
+          <p:nvPr>
+            <p:ph sz="half" idx="1"/>
+          </p:nvPr>
+        </p:nvSpPr>
+        <p:spPr>
+          <a:xfrm>
+            <a:off x="930302" y="2010878"/>
+            <a:ext cx="5422789" cy="3960552"/>
+          </a:xfrm>
+        </p:spPr>
+        <p:txBody>
+          <a:bodyPr>
+            <a:normAutofit fontScale="92500"/>
+          </a:bodyPr>
+          <a:lstStyle/>
+          <a:p>
+            <a:r>
+              <a:rPr lang="en-US" sz="1400" b="0" i="0" dirty="0">
+                <a:solidFill>
+                  <a:srgbClr val="0D0D0D"/>
+                </a:solidFill>
+                <a:effectLst/>
+                <a:latin typeface="Söhne"/>
+              </a:rPr>
+              <a:t>Creation: Docker containers are created from Docker images using the ‘docker run’ command.</a:t>
+            </a:r>
+          </a:p>
+          <a:p>
+            <a:pPr lvl="1"/>
+            <a:r>
+              <a:rPr lang="en-US" sz="1200" b="0" i="0" dirty="0">
+                <a:solidFill>
+                  <a:srgbClr val="374151"/>
+                </a:solidFill>
+                <a:effectLst/>
+                <a:latin typeface="Söhne"/>
+              </a:rPr>
+              <a:t>Syntax: docker run &lt;</a:t>
+            </a:r>
+            <a:r>
+              <a:rPr lang="en-US" sz="1200" b="0" i="0" dirty="0" err="1">
+                <a:solidFill>
+                  <a:srgbClr val="374151"/>
+                </a:solidFill>
+                <a:effectLst/>
+                <a:latin typeface="Söhne"/>
+              </a:rPr>
+              <a:t>image_name</a:t>
+            </a:r>
+            <a:r>
+              <a:rPr lang="en-US" sz="1200" b="0" i="0" dirty="0">
+                <a:solidFill>
+                  <a:srgbClr val="374151"/>
+                </a:solidFill>
+                <a:effectLst/>
+                <a:latin typeface="Söhne"/>
+              </a:rPr>
+              <a:t>&gt; </a:t>
+            </a:r>
+          </a:p>
+          <a:p>
+            <a:pPr lvl="1"/>
+            <a:r>
+              <a:rPr lang="en-US" sz="1200" b="0" i="0" dirty="0">
+                <a:solidFill>
+                  <a:srgbClr val="374151"/>
+                </a:solidFill>
+                <a:effectLst/>
+                <a:latin typeface="Söhne"/>
+              </a:rPr>
+              <a:t>Ex. docker run </a:t>
+            </a:r>
+            <a:r>
+              <a:rPr lang="en-US" sz="1200" b="0" i="0" dirty="0" err="1">
+                <a:solidFill>
+                  <a:srgbClr val="374151"/>
+                </a:solidFill>
+                <a:effectLst/>
+                <a:latin typeface="Söhne"/>
+              </a:rPr>
+              <a:t>my_app</a:t>
+            </a:r>
+            <a:r>
+              <a:rPr lang="en-US" sz="1200" b="0" i="0" dirty="0">
+                <a:solidFill>
+                  <a:srgbClr val="374151"/>
+                </a:solidFill>
+                <a:effectLst/>
+                <a:latin typeface="Söhne"/>
+              </a:rPr>
+              <a:t> </a:t>
+            </a:r>
+          </a:p>
+          <a:p>
+            <a:r>
+              <a:rPr lang="en-US" sz="1400" b="0" i="0" dirty="0">
+                <a:solidFill>
+                  <a:srgbClr val="0D0D0D"/>
+                </a:solidFill>
+                <a:effectLst/>
+                <a:latin typeface="Söhne"/>
+              </a:rPr>
+              <a:t>Imagine a shipping container: </a:t>
+            </a:r>
+          </a:p>
+          <a:p>
+            <a:pPr lvl="1"/>
+            <a:r>
+              <a:rPr lang="en-US" sz="1200" b="0" i="0" dirty="0">
+                <a:solidFill>
+                  <a:srgbClr val="0D0D0D"/>
+                </a:solidFill>
+                <a:effectLst/>
+                <a:latin typeface="Söhne"/>
+              </a:rPr>
+              <a:t>it contains all the goods needed for transport, </a:t>
+            </a:r>
+          </a:p>
+          <a:p>
+            <a:pPr lvl="1"/>
+            <a:r>
+              <a:rPr lang="en-US" sz="1200" b="0" i="0" dirty="0">
+                <a:solidFill>
+                  <a:srgbClr val="0D0D0D"/>
+                </a:solidFill>
+                <a:effectLst/>
+                <a:latin typeface="Söhne"/>
+              </a:rPr>
+              <a:t>isolated from the external environment </a:t>
+            </a:r>
+          </a:p>
+          <a:p>
+            <a:pPr lvl="1"/>
+            <a:r>
+              <a:rPr lang="en-US" sz="1200" b="0" i="0" dirty="0">
+                <a:solidFill>
+                  <a:srgbClr val="0D0D0D"/>
+                </a:solidFill>
+                <a:effectLst/>
+                <a:latin typeface="Söhne"/>
+              </a:rPr>
+              <a:t>easily transported from one location to another without affecting its contents.</a:t>
+            </a:r>
+          </a:p>
+          <a:p>
+            <a:r>
+              <a:rPr lang="en-US" sz="1400" b="0" i="0" dirty="0">
+                <a:solidFill>
+                  <a:srgbClr val="0D0D0D"/>
+                </a:solidFill>
+                <a:effectLst/>
+                <a:latin typeface="Söhne"/>
+              </a:rPr>
+              <a:t>Similarly, Docker Containers are</a:t>
+            </a:r>
+          </a:p>
+          <a:p>
+            <a:pPr lvl="1"/>
+            <a:r>
+              <a:rPr lang="en-US" sz="1200" b="0" i="0" dirty="0">
+                <a:solidFill>
+                  <a:srgbClr val="0D0D0D"/>
+                </a:solidFill>
+                <a:effectLst/>
+                <a:latin typeface="Söhne"/>
+              </a:rPr>
+              <a:t> a method to </a:t>
+            </a:r>
+            <a:r>
+              <a:rPr lang="en-US" sz="1200" b="1" i="0" dirty="0">
+                <a:solidFill>
+                  <a:srgbClr val="0D0D0D"/>
+                </a:solidFill>
+                <a:effectLst/>
+                <a:latin typeface="Söhne"/>
+              </a:rPr>
+              <a:t>package</a:t>
+            </a:r>
+            <a:r>
+              <a:rPr lang="en-US" sz="1200" b="0" i="0" dirty="0">
+                <a:solidFill>
+                  <a:srgbClr val="0D0D0D"/>
+                </a:solidFill>
+                <a:effectLst/>
+                <a:latin typeface="Söhne"/>
+              </a:rPr>
+              <a:t> software applications along with their </a:t>
+            </a:r>
+            <a:r>
+              <a:rPr lang="en-US" sz="1200" b="1" i="0" dirty="0">
+                <a:solidFill>
+                  <a:srgbClr val="0D0D0D"/>
+                </a:solidFill>
+                <a:effectLst/>
+                <a:latin typeface="Söhne"/>
+              </a:rPr>
+              <a:t>dependencies and configurations into isolated environments</a:t>
+            </a:r>
+            <a:r>
+              <a:rPr lang="en-US" sz="1200" b="0" i="0" dirty="0">
+                <a:solidFill>
+                  <a:srgbClr val="0D0D0D"/>
+                </a:solidFill>
+                <a:effectLst/>
+                <a:latin typeface="Söhne"/>
+              </a:rPr>
+              <a:t>,</a:t>
+            </a:r>
+          </a:p>
+          <a:p>
+            <a:pPr lvl="1"/>
+            <a:r>
+              <a:rPr lang="en-US" sz="1200" b="0" i="0" dirty="0">
+                <a:solidFill>
+                  <a:srgbClr val="0D0D0D"/>
+                </a:solidFill>
+                <a:effectLst/>
+                <a:latin typeface="Söhne"/>
+              </a:rPr>
+              <a:t>enabling them to run consistently across different computing environments.</a:t>
+            </a:r>
+          </a:p>
+          <a:p>
+            <a:pPr lvl="1"/>
+            <a:r>
+              <a:rPr lang="en-US" sz="1200" b="0" i="0" dirty="0">
+                <a:solidFill>
+                  <a:srgbClr val="0D0D0D"/>
+                </a:solidFill>
+                <a:effectLst/>
+                <a:latin typeface="Söhne"/>
+              </a:rPr>
+              <a:t> Ex. Think of them as virtual rooms for your apps. It's like giving each app its own little space to do its thing, without bothering the others.</a:t>
+            </a:r>
+          </a:p>
+        </p:txBody>
+      </p:sp>
+      <p:sp>
+        <p:nvSpPr>
+          <p:cNvPr id="5" name="Slide Number Placeholder 4">
+            <a:extLst>
+              <a:ext uri="{FF2B5EF4-FFF2-40B4-BE49-F238E27FC236}">
+                <a16:creationId xmlns:a16="http://schemas.microsoft.com/office/drawing/2014/main" id="{38F98672-66A5-3449-896E-4A10CC1775BE}"/>
+              </a:ext>
+            </a:extLst>
+          </p:cNvPr>
+          <p:cNvSpPr>
+            <a:spLocks noGrp="1"/>
+          </p:cNvSpPr>
+          <p:nvPr>
+            <p:ph type="sldNum" sz="quarter" idx="12"/>
+          </p:nvPr>
+        </p:nvSpPr>
+        <p:spPr/>
+        <p:txBody>
+          <a:bodyPr/>
+          <a:lstStyle/>
+          <a:p>
+            <a:fld id="{6D22F896-40B5-4ADD-8801-0D06FADFA095}" type="slidenum">
+              <a:rPr lang="en-US" smtClean="0"/>
+              <a:t>11</a:t>
+            </a:fld>
+            <a:endParaRPr lang="en-US" dirty="0"/>
+          </a:p>
+        </p:txBody>
+      </p:sp>
+      <p:sp>
+        <p:nvSpPr>
+          <p:cNvPr id="10" name="Content Placeholder 9">
+            <a:extLst>
+              <a:ext uri="{FF2B5EF4-FFF2-40B4-BE49-F238E27FC236}">
+                <a16:creationId xmlns:a16="http://schemas.microsoft.com/office/drawing/2014/main" id="{7D0FEAF8-123B-6C39-5D98-801E48F1695D}"/>
+              </a:ext>
+            </a:extLst>
+          </p:cNvPr>
+          <p:cNvSpPr>
+            <a:spLocks noGrp="1"/>
+          </p:cNvSpPr>
+          <p:nvPr>
+            <p:ph sz="half" idx="2"/>
+          </p:nvPr>
+        </p:nvSpPr>
+        <p:spPr/>
+        <p:txBody>
+          <a:bodyPr>
+            <a:normAutofit fontScale="92500"/>
+          </a:bodyPr>
+          <a:lstStyle/>
+          <a:p>
+            <a:endParaRPr lang="en-SG" dirty="0"/>
+          </a:p>
+        </p:txBody>
+      </p:sp>
+      <p:pic>
+        <p:nvPicPr>
+          <p:cNvPr id="12" name="Picture 11">
+            <a:extLst>
+              <a:ext uri="{FF2B5EF4-FFF2-40B4-BE49-F238E27FC236}">
+                <a16:creationId xmlns:a16="http://schemas.microsoft.com/office/drawing/2014/main" id="{E86FE974-93CF-935C-CD93-3C3C094E3F45}"/>
+              </a:ext>
+            </a:extLst>
+          </p:cNvPr>
+          <p:cNvPicPr>
+            <a:picLocks noChangeAspect="1"/>
+          </p:cNvPicPr>
+          <p:nvPr/>
+        </p:nvPicPr>
+        <p:blipFill>
+          <a:blip r:embed="rId2"/>
+          <a:stretch>
+            <a:fillRect/>
+          </a:stretch>
+        </p:blipFill>
+        <p:spPr>
+          <a:xfrm>
+            <a:off x="6480312" y="2157517"/>
+            <a:ext cx="5104737" cy="2725982"/>
+          </a:xfrm>
+          <a:prstGeom prst="rect">
+            <a:avLst/>
+          </a:prstGeom>
+        </p:spPr>
+      </p:pic>
+    </p:spTree>
+    <p:extLst>
+      <p:ext uri="{BB962C8B-B14F-4D97-AF65-F5344CB8AC3E}">
+        <p14:creationId xmlns:p14="http://schemas.microsoft.com/office/powerpoint/2010/main" val="1418178575"/>
+      </p:ext>
+    </p:extLst>
+  </p:cSld>
+  <p:clrMapOvr>
+    <a:masterClrMapping/>
+  </p:clrMapOvr>
+</p:sld>
+</file>
+
+<file path=ppt/slides/slide12.xml><?xml version="1.0" encoding="utf-8"?>
+<p:sld xmlns:a="http://schemas.openxmlformats.org/drawingml/2006/main" xmlns:r="http://schemas.openxmlformats.org/officeDocument/2006/relationships" xmlns:p="http://schemas.openxmlformats.org/presentationml/2006/main">
+  <p:cSld>
+    <p:spTree>
+      <p:nvGrpSpPr>
+        <p:cNvPr id="1" name=""/>
+        <p:cNvGrpSpPr/>
+        <p:nvPr/>
+      </p:nvGrpSpPr>
+      <p:grpSpPr>
+        <a:xfrm>
+          <a:off x="0" y="0"/>
+          <a:ext cx="0" cy="0"/>
+          <a:chOff x="0" y="0"/>
+          <a:chExt cx="0" cy="0"/>
+        </a:xfrm>
+      </p:grpSpPr>
+      <p:sp>
+        <p:nvSpPr>
+          <p:cNvPr id="2" name="Title 1">
+            <a:extLst>
+              <a:ext uri="{FF2B5EF4-FFF2-40B4-BE49-F238E27FC236}">
+                <a16:creationId xmlns:a16="http://schemas.microsoft.com/office/drawing/2014/main" id="{E615E32B-E872-C489-66C2-88BFAA5C1700}"/>
+              </a:ext>
+            </a:extLst>
+          </p:cNvPr>
+          <p:cNvSpPr>
+            <a:spLocks noGrp="1"/>
+          </p:cNvSpPr>
+          <p:nvPr>
+            <p:ph type="title"/>
+          </p:nvPr>
+        </p:nvSpPr>
+        <p:spPr/>
+        <p:txBody>
+          <a:bodyPr/>
+          <a:lstStyle/>
+          <a:p>
+            <a:r>
+              <a:rPr lang="en-US" b="1" i="0" dirty="0">
+                <a:solidFill>
+                  <a:srgbClr val="0D0D0D"/>
+                </a:solidFill>
+                <a:effectLst/>
+                <a:latin typeface="Söhne"/>
+              </a:rPr>
+              <a:t>Docker Container</a:t>
+            </a:r>
+            <a:endParaRPr lang="en-SG" dirty="0">
+              <a:latin typeface="Arial" panose="020B0604020202020204" pitchFamily="34" charset="0"/>
+              <a:cs typeface="Arial" panose="020B0604020202020204" pitchFamily="34" charset="0"/>
+            </a:endParaRPr>
+          </a:p>
+        </p:txBody>
+      </p:sp>
+      <p:sp>
+        <p:nvSpPr>
           <p:cNvPr id="13" name="Content Placeholder 12">
             <a:extLst>
               <a:ext uri="{FF2B5EF4-FFF2-40B4-BE49-F238E27FC236}">
@@ -4531,7 +4871,7 @@
           <a:p>
             <a:fld id="{6D22F896-40B5-4ADD-8801-0D06FADFA095}" type="slidenum">
               <a:rPr lang="en-US" smtClean="0"/>
-              <a:t>11</a:t>
+              <a:t>12</a:t>
             </a:fld>
             <a:endParaRPr lang="en-US" dirty="0"/>
           </a:p>
@@ -4580,7 +4920,7 @@
 </p:sld>
 </file>
 
-<file path=ppt/slides/slide12.xml><?xml version="1.0" encoding="utf-8"?>
+<file path=ppt/slides/slide13.xml><?xml version="1.0" encoding="utf-8"?>
 <p:sld xmlns:a="http://schemas.openxmlformats.org/drawingml/2006/main" xmlns:r="http://schemas.openxmlformats.org/officeDocument/2006/relationships" xmlns:p="http://schemas.openxmlformats.org/presentationml/2006/main">
   <p:cSld>
     <p:spTree>
@@ -4653,50 +4993,51 @@
         </p:nvSpPr>
         <p:spPr>
           <a:xfrm>
-            <a:off x="1447331" y="2010878"/>
-            <a:ext cx="5594492" cy="3448595"/>
+            <a:off x="1447331" y="2010877"/>
+            <a:ext cx="5594492" cy="4042233"/>
           </a:xfrm>
         </p:spPr>
         <p:txBody>
           <a:bodyPr>
-            <a:normAutofit fontScale="85000" lnSpcReduction="10000"/>
+            <a:normAutofit fontScale="92500" lnSpcReduction="10000"/>
           </a:bodyPr>
           <a:lstStyle/>
           <a:p>
-            <a:pPr marL="0" indent="0">
-              <a:buNone/>
-            </a:pPr>
-            <a:endParaRPr lang="en-US" b="0" i="0" dirty="0">
-              <a:solidFill>
-                <a:srgbClr val="0D0D0D"/>
-              </a:solidFill>
-              <a:effectLst/>
-              <a:latin typeface="Söhne"/>
-            </a:endParaRPr>
-          </a:p>
-          <a:p>
-            <a:r>
-              <a:rPr lang="en-US" b="0" i="0" dirty="0">
+            <a:r>
+              <a:rPr lang="en-US" sz="1700" b="0" i="0" dirty="0">
                 <a:solidFill>
                   <a:srgbClr val="0D0D0D"/>
                 </a:solidFill>
                 <a:effectLst/>
                 <a:latin typeface="Söhne"/>
               </a:rPr>
-              <a:t>Monitoring : Containers can be monitored using the ‘docker </a:t>
-            </a:r>
-            <a:r>
-              <a:rPr lang="en-US" b="0" i="0" dirty="0" err="1">
+              <a:t>Monitoring : </a:t>
+            </a:r>
+          </a:p>
+          <a:p>
+            <a:pPr lvl="1"/>
+            <a:r>
+              <a:rPr lang="en-US" sz="1700" b="0" i="0" dirty="0">
                 <a:solidFill>
                   <a:srgbClr val="0D0D0D"/>
                 </a:solidFill>
                 <a:effectLst/>
                 <a:latin typeface="Söhne"/>
               </a:rPr>
+              <a:t>Containers can be monitored using the ‘docker </a:t>
+            </a:r>
+            <a:r>
+              <a:rPr lang="en-US" sz="1700" b="0" i="0" dirty="0" err="1">
+                <a:solidFill>
+                  <a:srgbClr val="0D0D0D"/>
+                </a:solidFill>
+                <a:effectLst/>
+                <a:latin typeface="Söhne"/>
+              </a:rPr>
               <a:t>ps’</a:t>
             </a:r>
             <a:r>
-              <a:rPr lang="en-US" b="0" i="0" dirty="0">
+              <a:rPr lang="en-US" sz="1700" b="0" i="0" dirty="0">
                 <a:solidFill>
                   <a:srgbClr val="0D0D0D"/>
                 </a:solidFill>
@@ -4706,7 +5047,7 @@
               <a:t> command from </a:t>
             </a:r>
             <a:r>
-              <a:rPr lang="en-US" b="0" i="0" dirty="0" err="1">
+              <a:rPr lang="en-US" sz="1700" b="0" i="0" dirty="0" err="1">
                 <a:solidFill>
                   <a:srgbClr val="0D0D0D"/>
                 </a:solidFill>
@@ -4716,7 +5057,7 @@
               <a:t>cmd</a:t>
             </a:r>
             <a:r>
-              <a:rPr lang="en-US" b="0" i="0" dirty="0">
+              <a:rPr lang="en-US" sz="1700" b="0" i="0" dirty="0">
                 <a:solidFill>
                   <a:srgbClr val="0D0D0D"/>
                 </a:solidFill>
@@ -4728,26 +5069,39 @@
           </a:p>
           <a:p>
             <a:r>
-              <a:rPr lang="en-US" b="0" i="0" dirty="0">
+              <a:rPr lang="en-US" sz="1700" b="0" i="0" dirty="0">
                 <a:solidFill>
                   <a:srgbClr val="0D0D0D"/>
                 </a:solidFill>
                 <a:effectLst/>
                 <a:latin typeface="Söhne"/>
               </a:rPr>
-              <a:t>Starting and Stopping: Containers can be started, stopped, paused, and resumed using </a:t>
-            </a:r>
-            <a:r>
-              <a:rPr lang="en-US" dirty="0">
+              <a:t>Starting and Stopping: </a:t>
+            </a:r>
+          </a:p>
+          <a:p>
+            <a:pPr lvl="1"/>
+            <a:r>
+              <a:rPr lang="en-US" sz="1700" b="0" i="0" dirty="0">
                 <a:solidFill>
                   <a:srgbClr val="0D0D0D"/>
                 </a:solidFill>
+                <a:effectLst/>
+                <a:latin typeface="Söhne"/>
+              </a:rPr>
+              <a:t>Containers can be started, stopped, paused, and resumed using </a:t>
+            </a:r>
+            <a:r>
+              <a:rPr lang="en-US" sz="1700" dirty="0">
+                <a:solidFill>
+                  <a:srgbClr val="0D0D0D"/>
+                </a:solidFill>
                 <a:latin typeface="Söhne"/>
               </a:rPr>
               <a:t> </a:t>
             </a:r>
             <a:r>
-              <a:rPr lang="en-US" b="0" i="0" dirty="0">
+              <a:rPr lang="en-US" sz="1700" b="0" i="0" dirty="0">
                 <a:solidFill>
                   <a:srgbClr val="0D0D0D"/>
                 </a:solidFill>
@@ -4757,7 +5111,7 @@
               <a:t>Docker commands (docker start, docker stop, docker pause, docker </a:t>
             </a:r>
             <a:r>
-              <a:rPr lang="en-US" b="0" i="0" dirty="0" err="1">
+              <a:rPr lang="en-US" sz="1700" b="0" i="0" dirty="0" err="1">
                 <a:solidFill>
                   <a:srgbClr val="0D0D0D"/>
                 </a:solidFill>
@@ -4767,7 +5121,7 @@
               <a:t>unpause</a:t>
             </a:r>
             <a:r>
-              <a:rPr lang="en-US" b="0" i="0" dirty="0">
+              <a:rPr lang="en-US" sz="1700" b="0" i="0" dirty="0">
                 <a:solidFill>
                   <a:srgbClr val="0D0D0D"/>
                 </a:solidFill>
@@ -4779,27 +5133,40 @@
           </a:p>
           <a:p>
             <a:r>
-              <a:rPr lang="en-US" b="0" i="0" dirty="0">
+              <a:rPr lang="en-US" sz="1700" b="0" i="0" dirty="0">
                 <a:solidFill>
                   <a:srgbClr val="0D0D0D"/>
                 </a:solidFill>
                 <a:effectLst/>
                 <a:latin typeface="Söhne"/>
               </a:rPr>
-              <a:t>Removal: Containers can be removed using the ‘docker rm’ command.</a:t>
-            </a:r>
-          </a:p>
-          <a:p>
-            <a:r>
-              <a:rPr lang="en-US" b="1" i="1" dirty="0">
+              <a:t>Removal: </a:t>
+            </a:r>
+          </a:p>
+          <a:p>
+            <a:pPr lvl="1"/>
+            <a:r>
+              <a:rPr lang="en-US" sz="1700" b="0" i="0" dirty="0">
                 <a:solidFill>
                   <a:srgbClr val="0D0D0D"/>
                 </a:solidFill>
+                <a:effectLst/>
+                <a:latin typeface="Söhne"/>
+              </a:rPr>
+              <a:t>Containers can be removed using the ‘docker rm’ command.</a:t>
+            </a:r>
+          </a:p>
+          <a:p>
+            <a:r>
+              <a:rPr lang="en-US" sz="1800" b="1" i="1" dirty="0">
+                <a:solidFill>
+                  <a:srgbClr val="0D0D0D"/>
+                </a:solidFill>
                 <a:latin typeface="Söhne"/>
               </a:rPr>
               <a:t>Alternatively, all these can be done from docker desktop via UI</a:t>
             </a:r>
-            <a:endParaRPr lang="en-US" b="1" i="1" dirty="0">
+            <a:endParaRPr lang="en-US" sz="1800" b="1" i="1" dirty="0">
               <a:solidFill>
                 <a:srgbClr val="0D0D0D"/>
               </a:solidFill>
@@ -4832,7 +5199,7 @@
           <a:p>
             <a:fld id="{6D22F896-40B5-4ADD-8801-0D06FADFA095}" type="slidenum">
               <a:rPr lang="en-US" smtClean="0"/>
-              <a:t>12</a:t>
+              <a:t>13</a:t>
             </a:fld>
             <a:endParaRPr lang="en-US" dirty="0"/>
           </a:p>
@@ -4880,395 +5247,6 @@
 </p:sld>
 </file>
 
-<file path=ppt/slides/slide13.xml><?xml version="1.0" encoding="utf-8"?>
-<p:sld xmlns:a="http://schemas.openxmlformats.org/drawingml/2006/main" xmlns:r="http://schemas.openxmlformats.org/officeDocument/2006/relationships" xmlns:p="http://schemas.openxmlformats.org/presentationml/2006/main">
-  <p:cSld>
-    <p:spTree>
-      <p:nvGrpSpPr>
-        <p:cNvPr id="1" name=""/>
-        <p:cNvGrpSpPr/>
-        <p:nvPr/>
-      </p:nvGrpSpPr>
-      <p:grpSpPr>
-        <a:xfrm>
-          <a:off x="0" y="0"/>
-          <a:ext cx="0" cy="0"/>
-          <a:chOff x="0" y="0"/>
-          <a:chExt cx="0" cy="0"/>
-        </a:xfrm>
-      </p:grpSpPr>
-      <p:sp>
-        <p:nvSpPr>
-          <p:cNvPr id="2" name="Title 1">
-            <a:extLst>
-              <a:ext uri="{FF2B5EF4-FFF2-40B4-BE49-F238E27FC236}">
-                <a16:creationId xmlns:a16="http://schemas.microsoft.com/office/drawing/2014/main" id="{D307C4C7-D8EC-D770-9199-9264B747CFCE}"/>
-              </a:ext>
-            </a:extLst>
-          </p:cNvPr>
-          <p:cNvSpPr>
-            <a:spLocks noGrp="1"/>
-          </p:cNvSpPr>
-          <p:nvPr>
-            <p:ph type="title"/>
-          </p:nvPr>
-        </p:nvSpPr>
-        <p:spPr/>
-        <p:txBody>
-          <a:bodyPr/>
-          <a:lstStyle/>
-          <a:p>
-            <a:r>
-              <a:rPr lang="en-US" dirty="0"/>
-              <a:t>Docker Commands SEEN So FAR</a:t>
-            </a:r>
-            <a:endParaRPr lang="en-SG" dirty="0"/>
-          </a:p>
-        </p:txBody>
-      </p:sp>
-      <p:sp>
-        <p:nvSpPr>
-          <p:cNvPr id="3" name="Content Placeholder 2">
-            <a:extLst>
-              <a:ext uri="{FF2B5EF4-FFF2-40B4-BE49-F238E27FC236}">
-                <a16:creationId xmlns:a16="http://schemas.microsoft.com/office/drawing/2014/main" id="{20B8C143-CAB8-30A9-B768-6FA829F1999B}"/>
-              </a:ext>
-            </a:extLst>
-          </p:cNvPr>
-          <p:cNvSpPr>
-            <a:spLocks noGrp="1"/>
-          </p:cNvSpPr>
-          <p:nvPr>
-            <p:ph idx="1"/>
-          </p:nvPr>
-        </p:nvSpPr>
-        <p:spPr>
-          <a:xfrm>
-            <a:off x="1451579" y="2015732"/>
-            <a:ext cx="9712140" cy="4037749"/>
-          </a:xfrm>
-        </p:spPr>
-        <p:txBody>
-          <a:bodyPr>
-            <a:normAutofit lnSpcReduction="10000"/>
-          </a:bodyPr>
-          <a:lstStyle/>
-          <a:p>
-            <a:r>
-              <a:rPr lang="en-US" b="0" i="0" dirty="0">
-                <a:solidFill>
-                  <a:srgbClr val="374151"/>
-                </a:solidFill>
-                <a:effectLst/>
-                <a:latin typeface="Söhne"/>
-              </a:rPr>
-              <a:t>To build docker image  from </a:t>
-            </a:r>
-            <a:r>
-              <a:rPr lang="en-US" b="0" i="0" dirty="0" err="1">
-                <a:solidFill>
-                  <a:srgbClr val="374151"/>
-                </a:solidFill>
-                <a:effectLst/>
-                <a:latin typeface="Söhne"/>
-              </a:rPr>
-              <a:t>dockerfile</a:t>
-            </a:r>
-            <a:endParaRPr lang="en-US" dirty="0">
-              <a:solidFill>
-                <a:srgbClr val="374151"/>
-              </a:solidFill>
-              <a:latin typeface="Söhne"/>
-            </a:endParaRPr>
-          </a:p>
-          <a:p>
-            <a:pPr lvl="1"/>
-            <a:r>
-              <a:rPr lang="en-US" b="0" i="0" dirty="0">
-                <a:solidFill>
-                  <a:srgbClr val="374151"/>
-                </a:solidFill>
-                <a:effectLst/>
-                <a:latin typeface="Söhne"/>
-              </a:rPr>
-              <a:t>docker build -t &lt;</a:t>
-            </a:r>
-            <a:r>
-              <a:rPr lang="en-US" b="0" i="0" dirty="0" err="1">
-                <a:solidFill>
-                  <a:srgbClr val="374151"/>
-                </a:solidFill>
-                <a:effectLst/>
-                <a:latin typeface="Söhne"/>
-              </a:rPr>
-              <a:t>image_name</a:t>
-            </a:r>
-            <a:r>
-              <a:rPr lang="en-US" b="0" i="0" dirty="0">
-                <a:solidFill>
-                  <a:srgbClr val="374151"/>
-                </a:solidFill>
-                <a:effectLst/>
-                <a:latin typeface="Söhne"/>
-              </a:rPr>
-              <a:t>&gt; &lt;</a:t>
-            </a:r>
-            <a:r>
-              <a:rPr lang="en-US" b="0" i="0" dirty="0" err="1">
-                <a:solidFill>
-                  <a:srgbClr val="374151"/>
-                </a:solidFill>
-                <a:effectLst/>
-                <a:latin typeface="Söhne"/>
-              </a:rPr>
-              <a:t>path_to_Dockerfile</a:t>
-            </a:r>
-            <a:r>
-              <a:rPr lang="en-US" b="0" i="0" dirty="0">
-                <a:solidFill>
-                  <a:srgbClr val="374151"/>
-                </a:solidFill>
-                <a:effectLst/>
-                <a:latin typeface="Söhne"/>
-              </a:rPr>
-              <a:t>&gt;</a:t>
-            </a:r>
-            <a:endParaRPr lang="en-SG" b="0" i="0" dirty="0">
-              <a:solidFill>
-                <a:srgbClr val="374151"/>
-              </a:solidFill>
-              <a:effectLst/>
-              <a:latin typeface="Söhne"/>
-            </a:endParaRPr>
-          </a:p>
-          <a:p>
-            <a:r>
-              <a:rPr lang="en-SG" dirty="0">
-                <a:solidFill>
-                  <a:srgbClr val="374151"/>
-                </a:solidFill>
-                <a:latin typeface="Söhne"/>
-              </a:rPr>
-              <a:t>To create container from an image  </a:t>
-            </a:r>
-          </a:p>
-          <a:p>
-            <a:pPr lvl="1"/>
-            <a:r>
-              <a:rPr lang="en-SG" dirty="0">
-                <a:solidFill>
-                  <a:srgbClr val="374151"/>
-                </a:solidFill>
-                <a:latin typeface="Söhne"/>
-              </a:rPr>
-              <a:t>d</a:t>
-            </a:r>
-            <a:r>
-              <a:rPr lang="en-SG" b="0" i="0" dirty="0">
-                <a:solidFill>
-                  <a:srgbClr val="374151"/>
-                </a:solidFill>
-                <a:effectLst/>
-                <a:latin typeface="Söhne"/>
-              </a:rPr>
-              <a:t>ocker run &lt;</a:t>
-            </a:r>
-            <a:r>
-              <a:rPr lang="en-SG" b="0" i="0" dirty="0" err="1">
-                <a:solidFill>
-                  <a:srgbClr val="374151"/>
-                </a:solidFill>
-                <a:effectLst/>
-                <a:latin typeface="Söhne"/>
-              </a:rPr>
-              <a:t>image_name</a:t>
-            </a:r>
-            <a:r>
-              <a:rPr lang="en-SG" b="0" i="0" dirty="0">
-                <a:solidFill>
-                  <a:srgbClr val="374151"/>
-                </a:solidFill>
-                <a:effectLst/>
-                <a:latin typeface="Söhne"/>
-              </a:rPr>
-              <a:t>&gt;</a:t>
-            </a:r>
-          </a:p>
-          <a:p>
-            <a:r>
-              <a:rPr lang="en-SG" dirty="0">
-                <a:solidFill>
-                  <a:srgbClr val="374151"/>
-                </a:solidFill>
-                <a:latin typeface="Söhne"/>
-              </a:rPr>
-              <a:t>To check container status or container id: </a:t>
-            </a:r>
-          </a:p>
-          <a:p>
-            <a:pPr lvl="1"/>
-            <a:r>
-              <a:rPr lang="en-SG" dirty="0">
-                <a:solidFill>
-                  <a:srgbClr val="374151"/>
-                </a:solidFill>
-                <a:latin typeface="Söhne"/>
-              </a:rPr>
-              <a:t>docker </a:t>
-            </a:r>
-            <a:r>
-              <a:rPr lang="en-SG" dirty="0" err="1">
-                <a:solidFill>
-                  <a:srgbClr val="374151"/>
-                </a:solidFill>
-                <a:latin typeface="Söhne"/>
-              </a:rPr>
-              <a:t>ps</a:t>
-            </a:r>
-            <a:endParaRPr lang="en-US" dirty="0">
-              <a:solidFill>
-                <a:srgbClr val="374151"/>
-              </a:solidFill>
-              <a:latin typeface="Söhne"/>
-            </a:endParaRPr>
-          </a:p>
-          <a:p>
-            <a:r>
-              <a:rPr lang="en-US" b="0" i="0" dirty="0">
-                <a:solidFill>
-                  <a:srgbClr val="374151"/>
-                </a:solidFill>
-                <a:effectLst/>
-                <a:latin typeface="Söhne"/>
-              </a:rPr>
-              <a:t>To start container : docker start &lt;</a:t>
-            </a:r>
-            <a:r>
-              <a:rPr lang="en-US" b="0" i="0" dirty="0" err="1">
-                <a:solidFill>
-                  <a:srgbClr val="374151"/>
-                </a:solidFill>
-                <a:effectLst/>
-                <a:latin typeface="Söhne"/>
-              </a:rPr>
-              <a:t>container_id</a:t>
-            </a:r>
-            <a:r>
-              <a:rPr lang="en-US" b="0" i="0" dirty="0">
-                <a:solidFill>
-                  <a:srgbClr val="374151"/>
-                </a:solidFill>
-                <a:effectLst/>
-                <a:latin typeface="Söhne"/>
-              </a:rPr>
-              <a:t>&gt;</a:t>
-            </a:r>
-          </a:p>
-          <a:p>
-            <a:r>
-              <a:rPr lang="en-US" b="0" i="0" dirty="0">
-                <a:solidFill>
-                  <a:srgbClr val="374151"/>
-                </a:solidFill>
-                <a:effectLst/>
-                <a:latin typeface="Söhne"/>
-              </a:rPr>
-              <a:t>To stop container: docker stop &lt;</a:t>
-            </a:r>
-            <a:r>
-              <a:rPr lang="en-US" b="0" i="0" dirty="0" err="1">
-                <a:solidFill>
-                  <a:srgbClr val="374151"/>
-                </a:solidFill>
-                <a:effectLst/>
-                <a:latin typeface="Söhne"/>
-              </a:rPr>
-              <a:t>container_id</a:t>
-            </a:r>
-            <a:r>
-              <a:rPr lang="en-US" b="0" i="0" dirty="0">
-                <a:solidFill>
-                  <a:srgbClr val="374151"/>
-                </a:solidFill>
-                <a:effectLst/>
-                <a:latin typeface="Söhne"/>
-              </a:rPr>
-              <a:t>&gt;</a:t>
-            </a:r>
-          </a:p>
-          <a:p>
-            <a:r>
-              <a:rPr lang="en-US" dirty="0">
-                <a:solidFill>
-                  <a:srgbClr val="374151"/>
-                </a:solidFill>
-                <a:latin typeface="Söhne"/>
-              </a:rPr>
-              <a:t>To delete a container : docker rm &lt;</a:t>
-            </a:r>
-            <a:r>
-              <a:rPr lang="en-US" dirty="0" err="1">
-                <a:solidFill>
-                  <a:srgbClr val="374151"/>
-                </a:solidFill>
-                <a:latin typeface="Söhne"/>
-              </a:rPr>
-              <a:t>container_id</a:t>
-            </a:r>
-            <a:r>
-              <a:rPr lang="en-US" dirty="0">
-                <a:solidFill>
-                  <a:srgbClr val="374151"/>
-                </a:solidFill>
-                <a:latin typeface="Söhne"/>
-              </a:rPr>
-              <a:t>&gt;</a:t>
-            </a:r>
-          </a:p>
-        </p:txBody>
-      </p:sp>
-      <p:sp>
-        <p:nvSpPr>
-          <p:cNvPr id="4" name="Slide Number Placeholder 3">
-            <a:extLst>
-              <a:ext uri="{FF2B5EF4-FFF2-40B4-BE49-F238E27FC236}">
-                <a16:creationId xmlns:a16="http://schemas.microsoft.com/office/drawing/2014/main" id="{812C1388-8657-1250-D0A6-7E40D2EA0D66}"/>
-              </a:ext>
-            </a:extLst>
-          </p:cNvPr>
-          <p:cNvSpPr>
-            <a:spLocks noGrp="1"/>
-          </p:cNvSpPr>
-          <p:nvPr>
-            <p:ph type="sldNum" sz="quarter" idx="12"/>
-          </p:nvPr>
-        </p:nvSpPr>
-        <p:spPr/>
-        <p:txBody>
-          <a:bodyPr/>
-          <a:lstStyle/>
-          <a:p>
-            <a:fld id="{6D22F896-40B5-4ADD-8801-0D06FADFA095}" type="slidenum">
-              <a:rPr lang="en-US" smtClean="0"/>
-              <a:t>13</a:t>
-            </a:fld>
-            <a:endParaRPr lang="en-US" dirty="0"/>
-          </a:p>
-        </p:txBody>
-      </p:sp>
-    </p:spTree>
-    <p:extLst>
-      <p:ext uri="{BB962C8B-B14F-4D97-AF65-F5344CB8AC3E}">
-        <p14:creationId xmlns:p14="http://schemas.microsoft.com/office/powerpoint/2010/main" val="4110100006"/>
-      </p:ext>
-    </p:extLst>
-  </p:cSld>
-  <p:clrMapOvr>
-    <a:masterClrMapping/>
-  </p:clrMapOvr>
-</p:sld>
-</file>
-
 <file path=ppt/slides/slide14.xml><?xml version="1.0" encoding="utf-8"?>
 <p:sld xmlns:a="http://schemas.openxmlformats.org/drawingml/2006/main" xmlns:r="http://schemas.openxmlformats.org/officeDocument/2006/relationships" xmlns:p="http://schemas.openxmlformats.org/presentationml/2006/main">
   <p:cSld>
@@ -5288,10 +5266,10 @@
       </p:grpSpPr>
       <p:sp>
         <p:nvSpPr>
-          <p:cNvPr id="6" name="Title 5">
+          <p:cNvPr id="2" name="Title 1">
             <a:extLst>
               <a:ext uri="{FF2B5EF4-FFF2-40B4-BE49-F238E27FC236}">
-                <a16:creationId xmlns:a16="http://schemas.microsoft.com/office/drawing/2014/main" id="{0BE373C9-ECD7-38E7-9BCB-53AA001FA11F}"/>
+                <a16:creationId xmlns:a16="http://schemas.microsoft.com/office/drawing/2014/main" id="{D307C4C7-D8EC-D770-9199-9264B747CFCE}"/>
               </a:ext>
             </a:extLst>
           </p:cNvPr>
@@ -5299,7 +5277,7 @@
             <a:spLocks noGrp="1"/>
           </p:cNvSpPr>
           <p:nvPr>
-            <p:ph type="ctrTitle"/>
+            <p:ph type="title"/>
           </p:nvPr>
         </p:nvSpPr>
         <p:spPr/>
@@ -5309,7 +5287,7 @@
           <a:p>
             <a:r>
               <a:rPr lang="en-US" dirty="0"/>
-              <a:t>Basic Python App DEMO</a:t>
+              <a:t>Docker Commands SEEN So FAR</a:t>
             </a:r>
             <a:endParaRPr lang="en-SG" dirty="0"/>
           </a:p>
@@ -5317,10 +5295,10 @@
       </p:sp>
       <p:sp>
         <p:nvSpPr>
-          <p:cNvPr id="7" name="Subtitle 6">
+          <p:cNvPr id="3" name="Content Placeholder 2">
             <a:extLst>
               <a:ext uri="{FF2B5EF4-FFF2-40B4-BE49-F238E27FC236}">
-                <a16:creationId xmlns:a16="http://schemas.microsoft.com/office/drawing/2014/main" id="{771ADAF2-7179-B246-2630-D3CCC99784E4}"/>
+                <a16:creationId xmlns:a16="http://schemas.microsoft.com/office/drawing/2014/main" id="{20B8C143-CAB8-30A9-B768-6FA829F1999B}"/>
               </a:ext>
             </a:extLst>
           </p:cNvPr>
@@ -5328,24 +5306,300 @@
             <a:spLocks noGrp="1"/>
           </p:cNvSpPr>
           <p:nvPr>
-            <p:ph type="subTitle" idx="1"/>
-          </p:nvPr>
-        </p:nvSpPr>
-        <p:spPr/>
-        <p:txBody>
-          <a:bodyPr/>
-          <a:lstStyle/>
-          <a:p>
-            <a:endParaRPr lang="en-SG"/>
-          </a:p>
-        </p:txBody>
-      </p:sp>
-      <p:sp>
-        <p:nvSpPr>
-          <p:cNvPr id="5" name="Slide Number Placeholder 4">
+            <p:ph idx="1"/>
+          </p:nvPr>
+        </p:nvSpPr>
+        <p:spPr>
+          <a:xfrm>
+            <a:off x="1451579" y="2015732"/>
+            <a:ext cx="9712140" cy="4037749"/>
+          </a:xfrm>
+        </p:spPr>
+        <p:txBody>
+          <a:bodyPr>
+            <a:normAutofit lnSpcReduction="10000"/>
+          </a:bodyPr>
+          <a:lstStyle/>
+          <a:p>
+            <a:r>
+              <a:rPr lang="en-US" b="0" i="0" dirty="0">
+                <a:solidFill>
+                  <a:srgbClr val="374151"/>
+                </a:solidFill>
+                <a:effectLst/>
+                <a:latin typeface="Söhne"/>
+              </a:rPr>
+              <a:t>To build docker image  from </a:t>
+            </a:r>
+            <a:r>
+              <a:rPr lang="en-US" b="0" i="0" dirty="0" err="1">
+                <a:solidFill>
+                  <a:srgbClr val="374151"/>
+                </a:solidFill>
+                <a:effectLst/>
+                <a:latin typeface="Söhne"/>
+              </a:rPr>
+              <a:t>dockerfile</a:t>
+            </a:r>
+            <a:endParaRPr lang="en-US" dirty="0">
+              <a:solidFill>
+                <a:srgbClr val="374151"/>
+              </a:solidFill>
+              <a:latin typeface="Söhne"/>
+            </a:endParaRPr>
+          </a:p>
+          <a:p>
+            <a:pPr lvl="1"/>
+            <a:r>
+              <a:rPr lang="en-US" b="0" i="0" dirty="0">
+                <a:solidFill>
+                  <a:srgbClr val="374151"/>
+                </a:solidFill>
+                <a:effectLst/>
+                <a:latin typeface="Söhne"/>
+              </a:rPr>
+              <a:t>docker build -t &lt;</a:t>
+            </a:r>
+            <a:r>
+              <a:rPr lang="en-US" b="0" i="0" dirty="0" err="1">
+                <a:solidFill>
+                  <a:srgbClr val="374151"/>
+                </a:solidFill>
+                <a:effectLst/>
+                <a:latin typeface="Söhne"/>
+              </a:rPr>
+              <a:t>image_name</a:t>
+            </a:r>
+            <a:r>
+              <a:rPr lang="en-US" b="0" i="0" dirty="0">
+                <a:solidFill>
+                  <a:srgbClr val="374151"/>
+                </a:solidFill>
+                <a:effectLst/>
+                <a:latin typeface="Söhne"/>
+              </a:rPr>
+              <a:t>&gt; &lt;</a:t>
+            </a:r>
+            <a:r>
+              <a:rPr lang="en-US" b="0" i="0" dirty="0" err="1">
+                <a:solidFill>
+                  <a:srgbClr val="374151"/>
+                </a:solidFill>
+                <a:effectLst/>
+                <a:latin typeface="Söhne"/>
+              </a:rPr>
+              <a:t>path_to_Dockerfile</a:t>
+            </a:r>
+            <a:r>
+              <a:rPr lang="en-US" b="0" i="0" dirty="0">
+                <a:solidFill>
+                  <a:srgbClr val="374151"/>
+                </a:solidFill>
+                <a:effectLst/>
+                <a:latin typeface="Söhne"/>
+              </a:rPr>
+              <a:t>&gt;</a:t>
+            </a:r>
+            <a:endParaRPr lang="en-SG" b="0" i="0" dirty="0">
+              <a:solidFill>
+                <a:srgbClr val="374151"/>
+              </a:solidFill>
+              <a:effectLst/>
+              <a:latin typeface="Söhne"/>
+            </a:endParaRPr>
+          </a:p>
+          <a:p>
+            <a:r>
+              <a:rPr lang="en-SG" dirty="0">
+                <a:solidFill>
+                  <a:srgbClr val="374151"/>
+                </a:solidFill>
+                <a:latin typeface="Söhne"/>
+              </a:rPr>
+              <a:t>To create container from an image  </a:t>
+            </a:r>
+          </a:p>
+          <a:p>
+            <a:pPr lvl="1"/>
+            <a:r>
+              <a:rPr lang="en-SG" dirty="0">
+                <a:solidFill>
+                  <a:srgbClr val="374151"/>
+                </a:solidFill>
+                <a:latin typeface="Söhne"/>
+              </a:rPr>
+              <a:t>d</a:t>
+            </a:r>
+            <a:r>
+              <a:rPr lang="en-SG" b="0" i="0" dirty="0">
+                <a:solidFill>
+                  <a:srgbClr val="374151"/>
+                </a:solidFill>
+                <a:effectLst/>
+                <a:latin typeface="Söhne"/>
+              </a:rPr>
+              <a:t>ocker run &lt;</a:t>
+            </a:r>
+            <a:r>
+              <a:rPr lang="en-SG" b="0" i="0" dirty="0" err="1">
+                <a:solidFill>
+                  <a:srgbClr val="374151"/>
+                </a:solidFill>
+                <a:effectLst/>
+                <a:latin typeface="Söhne"/>
+              </a:rPr>
+              <a:t>image_name</a:t>
+            </a:r>
+            <a:r>
+              <a:rPr lang="en-SG" b="0" i="0" dirty="0">
+                <a:solidFill>
+                  <a:srgbClr val="374151"/>
+                </a:solidFill>
+                <a:effectLst/>
+                <a:latin typeface="Söhne"/>
+              </a:rPr>
+              <a:t>&gt;</a:t>
+            </a:r>
+          </a:p>
+          <a:p>
+            <a:r>
+              <a:rPr lang="en-SG" dirty="0">
+                <a:solidFill>
+                  <a:srgbClr val="374151"/>
+                </a:solidFill>
+                <a:latin typeface="Söhne"/>
+              </a:rPr>
+              <a:t>To check container status or container id: </a:t>
+            </a:r>
+          </a:p>
+          <a:p>
+            <a:pPr lvl="1"/>
+            <a:r>
+              <a:rPr lang="en-SG" dirty="0">
+                <a:solidFill>
+                  <a:srgbClr val="374151"/>
+                </a:solidFill>
+                <a:latin typeface="Söhne"/>
+              </a:rPr>
+              <a:t>docker </a:t>
+            </a:r>
+            <a:r>
+              <a:rPr lang="en-SG" dirty="0" err="1">
+                <a:solidFill>
+                  <a:srgbClr val="374151"/>
+                </a:solidFill>
+                <a:latin typeface="Söhne"/>
+              </a:rPr>
+              <a:t>ps</a:t>
+            </a:r>
+            <a:endParaRPr lang="en-US" dirty="0">
+              <a:solidFill>
+                <a:srgbClr val="374151"/>
+              </a:solidFill>
+              <a:latin typeface="Söhne"/>
+            </a:endParaRPr>
+          </a:p>
+          <a:p>
+            <a:r>
+              <a:rPr lang="en-US" b="0" i="0" dirty="0">
+                <a:solidFill>
+                  <a:srgbClr val="374151"/>
+                </a:solidFill>
+                <a:effectLst/>
+                <a:latin typeface="Söhne"/>
+              </a:rPr>
+              <a:t>To start container : docker start &lt;</a:t>
+            </a:r>
+            <a:r>
+              <a:rPr lang="en-US" b="0" i="0" dirty="0" err="1">
+                <a:solidFill>
+                  <a:srgbClr val="374151"/>
+                </a:solidFill>
+                <a:effectLst/>
+                <a:latin typeface="Söhne"/>
+              </a:rPr>
+              <a:t>container_id</a:t>
+            </a:r>
+            <a:r>
+              <a:rPr lang="en-US" b="0" i="0" dirty="0">
+                <a:solidFill>
+                  <a:srgbClr val="374151"/>
+                </a:solidFill>
+                <a:effectLst/>
+                <a:latin typeface="Söhne"/>
+              </a:rPr>
+              <a:t>&gt;</a:t>
+            </a:r>
+          </a:p>
+          <a:p>
+            <a:r>
+              <a:rPr lang="en-US" b="0" i="0" dirty="0">
+                <a:solidFill>
+                  <a:srgbClr val="374151"/>
+                </a:solidFill>
+                <a:effectLst/>
+                <a:latin typeface="Söhne"/>
+              </a:rPr>
+              <a:t>To stop container: docker stop &lt;</a:t>
+            </a:r>
+            <a:r>
+              <a:rPr lang="en-US" b="0" i="0" dirty="0" err="1">
+                <a:solidFill>
+                  <a:srgbClr val="374151"/>
+                </a:solidFill>
+                <a:effectLst/>
+                <a:latin typeface="Söhne"/>
+              </a:rPr>
+              <a:t>container_id</a:t>
+            </a:r>
+            <a:r>
+              <a:rPr lang="en-US" b="0" i="0" dirty="0">
+                <a:solidFill>
+                  <a:srgbClr val="374151"/>
+                </a:solidFill>
+                <a:effectLst/>
+                <a:latin typeface="Söhne"/>
+              </a:rPr>
+              <a:t>&gt;</a:t>
+            </a:r>
+          </a:p>
+          <a:p>
+            <a:r>
+              <a:rPr lang="en-US" dirty="0">
+                <a:solidFill>
+                  <a:srgbClr val="374151"/>
+                </a:solidFill>
+                <a:latin typeface="Söhne"/>
+              </a:rPr>
+              <a:t>To delete a container : docker rm &lt;</a:t>
+            </a:r>
+            <a:r>
+              <a:rPr lang="en-US" dirty="0" err="1">
+                <a:solidFill>
+                  <a:srgbClr val="374151"/>
+                </a:solidFill>
+                <a:latin typeface="Söhne"/>
+              </a:rPr>
+              <a:t>container_id</a:t>
+            </a:r>
+            <a:r>
+              <a:rPr lang="en-US" dirty="0">
+                <a:solidFill>
+                  <a:srgbClr val="374151"/>
+                </a:solidFill>
+                <a:latin typeface="Söhne"/>
+              </a:rPr>
+              <a:t>&gt;</a:t>
+            </a:r>
+          </a:p>
+        </p:txBody>
+      </p:sp>
+      <p:sp>
+        <p:nvSpPr>
+          <p:cNvPr id="4" name="Slide Number Placeholder 3">
             <a:extLst>
               <a:ext uri="{FF2B5EF4-FFF2-40B4-BE49-F238E27FC236}">
-                <a16:creationId xmlns:a16="http://schemas.microsoft.com/office/drawing/2014/main" id="{8547F4C8-DA98-7E4C-CED2-89300A1B2177}"/>
+                <a16:creationId xmlns:a16="http://schemas.microsoft.com/office/drawing/2014/main" id="{812C1388-8657-1250-D0A6-7E40D2EA0D66}"/>
               </a:ext>
             </a:extLst>
           </p:cNvPr>
@@ -5372,7 +5626,7 @@
     </p:spTree>
     <p:extLst>
       <p:ext uri="{BB962C8B-B14F-4D97-AF65-F5344CB8AC3E}">
-        <p14:creationId xmlns:p14="http://schemas.microsoft.com/office/powerpoint/2010/main" val="3275190808"/>
+        <p14:creationId xmlns:p14="http://schemas.microsoft.com/office/powerpoint/2010/main" val="4110100006"/>
       </p:ext>
     </p:extLst>
   </p:cSld>
@@ -5401,10 +5655,10 @@
       </p:grpSpPr>
       <p:sp>
         <p:nvSpPr>
-          <p:cNvPr id="2" name="Title 1">
+          <p:cNvPr id="6" name="Title 5">
             <a:extLst>
               <a:ext uri="{FF2B5EF4-FFF2-40B4-BE49-F238E27FC236}">
-                <a16:creationId xmlns:a16="http://schemas.microsoft.com/office/drawing/2014/main" id="{E615E32B-E872-C489-66C2-88BFAA5C1700}"/>
+                <a16:creationId xmlns:a16="http://schemas.microsoft.com/office/drawing/2014/main" id="{0BE373C9-ECD7-38E7-9BCB-53AA001FA11F}"/>
               </a:ext>
             </a:extLst>
           </p:cNvPr>
@@ -5412,7 +5666,7 @@
             <a:spLocks noGrp="1"/>
           </p:cNvSpPr>
           <p:nvPr>
-            <p:ph type="title"/>
+            <p:ph type="ctrTitle"/>
           </p:nvPr>
         </p:nvSpPr>
         <p:spPr/>
@@ -5421,28 +5675,19 @@
           <a:lstStyle/>
           <a:p>
             <a:r>
-              <a:rPr lang="en-US" b="1" i="0" dirty="0">
-                <a:solidFill>
-                  <a:srgbClr val="0D0D0D"/>
-                </a:solidFill>
-                <a:effectLst/>
-                <a:latin typeface="Söhne"/>
-              </a:rPr>
-              <a:t>Docker COMPOSE</a:t>
-            </a:r>
-            <a:endParaRPr lang="en-SG" dirty="0">
-              <a:latin typeface="Arial" panose="020B0604020202020204" pitchFamily="34" charset="0"/>
-              <a:cs typeface="Arial" panose="020B0604020202020204" pitchFamily="34" charset="0"/>
-            </a:endParaRPr>
-          </a:p>
-        </p:txBody>
-      </p:sp>
-      <p:sp>
-        <p:nvSpPr>
-          <p:cNvPr id="4" name="Content Placeholder 3">
+              <a:rPr lang="en-US" dirty="0"/>
+              <a:t>Basic Python App DEMO</a:t>
+            </a:r>
+            <a:endParaRPr lang="en-SG" dirty="0"/>
+          </a:p>
+        </p:txBody>
+      </p:sp>
+      <p:sp>
+        <p:nvSpPr>
+          <p:cNvPr id="7" name="Subtitle 6">
             <a:extLst>
               <a:ext uri="{FF2B5EF4-FFF2-40B4-BE49-F238E27FC236}">
-                <a16:creationId xmlns:a16="http://schemas.microsoft.com/office/drawing/2014/main" id="{4637E327-F295-30A3-898A-E970B4F61646}"/>
+                <a16:creationId xmlns:a16="http://schemas.microsoft.com/office/drawing/2014/main" id="{771ADAF2-7179-B246-2630-D3CCC99784E4}"/>
               </a:ext>
             </a:extLst>
           </p:cNvPr>
@@ -5450,141 +5695,15 @@
             <a:spLocks noGrp="1"/>
           </p:cNvSpPr>
           <p:nvPr>
-            <p:ph sz="half" idx="1"/>
-          </p:nvPr>
-        </p:nvSpPr>
-        <p:spPr>
-          <a:xfrm>
-            <a:off x="1004836" y="2010878"/>
-            <a:ext cx="5325626" cy="3448595"/>
-          </a:xfrm>
-        </p:spPr>
-        <p:txBody>
-          <a:bodyPr>
-            <a:normAutofit fontScale="85000" lnSpcReduction="10000"/>
-          </a:bodyPr>
-          <a:lstStyle/>
-          <a:p>
-            <a:r>
-              <a:rPr lang="en-US" dirty="0">
-                <a:solidFill>
-                  <a:srgbClr val="0D0D0D"/>
-                </a:solidFill>
-                <a:latin typeface="Söhne"/>
-              </a:rPr>
-              <a:t>Docker Compose is a tool to deploy </a:t>
-            </a:r>
-            <a:r>
-              <a:rPr lang="en-US" b="1" dirty="0">
-                <a:solidFill>
-                  <a:srgbClr val="0D0D0D"/>
-                </a:solidFill>
-                <a:latin typeface="Söhne"/>
-              </a:rPr>
-              <a:t>multiple containers </a:t>
-            </a:r>
-            <a:r>
-              <a:rPr lang="en-US" dirty="0">
-                <a:solidFill>
-                  <a:srgbClr val="0D0D0D"/>
-                </a:solidFill>
-                <a:latin typeface="Söhne"/>
-              </a:rPr>
-              <a:t>at the same time with a single command.</a:t>
-            </a:r>
-          </a:p>
-          <a:p>
-            <a:r>
-              <a:rPr lang="en-US" dirty="0">
-                <a:solidFill>
-                  <a:srgbClr val="0D0D0D"/>
-                </a:solidFill>
-                <a:latin typeface="Söhne"/>
-              </a:rPr>
-              <a:t>It uses a YAML file (docker-</a:t>
-            </a:r>
-            <a:r>
-              <a:rPr lang="en-US" dirty="0" err="1">
-                <a:solidFill>
-                  <a:srgbClr val="0D0D0D"/>
-                </a:solidFill>
-                <a:latin typeface="Söhne"/>
-              </a:rPr>
-              <a:t>compose.yml</a:t>
-            </a:r>
-            <a:r>
-              <a:rPr lang="en-US" dirty="0">
-                <a:solidFill>
-                  <a:srgbClr val="0D0D0D"/>
-                </a:solidFill>
-                <a:latin typeface="Söhne"/>
-              </a:rPr>
-              <a:t>) to configure the application's services, networks, and volumes.</a:t>
-            </a:r>
-          </a:p>
-          <a:p>
-            <a:r>
-              <a:rPr lang="en-US" dirty="0">
-                <a:solidFill>
-                  <a:srgbClr val="0D0D0D"/>
-                </a:solidFill>
-                <a:latin typeface="Söhne"/>
-              </a:rPr>
-              <a:t>Advantages</a:t>
-            </a:r>
-          </a:p>
-          <a:p>
-            <a:pPr lvl="1"/>
-            <a:r>
-              <a:rPr lang="en-US" dirty="0">
-                <a:solidFill>
-                  <a:srgbClr val="0D0D0D"/>
-                </a:solidFill>
-                <a:latin typeface="Söhne"/>
-              </a:rPr>
-              <a:t>Defines the entire application environment in a single file, </a:t>
-            </a:r>
-            <a:r>
-              <a:rPr lang="en-US" b="1" i="1" dirty="0">
-                <a:solidFill>
-                  <a:srgbClr val="0D0D0D"/>
-                </a:solidFill>
-                <a:latin typeface="Söhne"/>
-              </a:rPr>
-              <a:t>making it easy to share and reproduce</a:t>
-            </a:r>
-            <a:r>
-              <a:rPr lang="en-US" dirty="0">
-                <a:solidFill>
-                  <a:srgbClr val="0D0D0D"/>
-                </a:solidFill>
-                <a:latin typeface="Söhne"/>
-              </a:rPr>
-              <a:t>.</a:t>
-            </a:r>
-          </a:p>
-          <a:p>
-            <a:pPr lvl="1"/>
-            <a:r>
-              <a:rPr lang="en-US" dirty="0">
-                <a:solidFill>
-                  <a:srgbClr val="0D0D0D"/>
-                </a:solidFill>
-                <a:latin typeface="Söhne"/>
-              </a:rPr>
-              <a:t>Automates the process of starting, stopping, and scaling multiple containers with a single command.</a:t>
-            </a:r>
-          </a:p>
-          <a:p>
-            <a:pPr marL="0" indent="0">
-              <a:buNone/>
-            </a:pPr>
-            <a:endParaRPr lang="en-SG" dirty="0">
-              <a:solidFill>
-                <a:srgbClr val="0D0D0D"/>
-              </a:solidFill>
-              <a:latin typeface="Söhne"/>
-            </a:endParaRPr>
+            <p:ph type="subTitle" idx="1"/>
+          </p:nvPr>
+        </p:nvSpPr>
+        <p:spPr/>
+        <p:txBody>
+          <a:bodyPr/>
+          <a:lstStyle/>
+          <a:p>
+            <a:endParaRPr lang="en-SG"/>
           </a:p>
         </p:txBody>
       </p:sp>
@@ -5593,7 +5712,7 @@
           <p:cNvPr id="5" name="Slide Number Placeholder 4">
             <a:extLst>
               <a:ext uri="{FF2B5EF4-FFF2-40B4-BE49-F238E27FC236}">
-                <a16:creationId xmlns:a16="http://schemas.microsoft.com/office/drawing/2014/main" id="{38F98672-66A5-3449-896E-4A10CC1775BE}"/>
+                <a16:creationId xmlns:a16="http://schemas.microsoft.com/office/drawing/2014/main" id="{8547F4C8-DA98-7E4C-CED2-89300A1B2177}"/>
               </a:ext>
             </a:extLst>
           </p:cNvPr>
@@ -5617,65 +5736,10 @@
           </a:p>
         </p:txBody>
       </p:sp>
-      <p:sp>
-        <p:nvSpPr>
-          <p:cNvPr id="11" name="Content Placeholder 10">
-            <a:extLst>
-              <a:ext uri="{FF2B5EF4-FFF2-40B4-BE49-F238E27FC236}">
-                <a16:creationId xmlns:a16="http://schemas.microsoft.com/office/drawing/2014/main" id="{9A69EF36-94A1-BF60-ECAE-3041C83B0950}"/>
-              </a:ext>
-            </a:extLst>
-          </p:cNvPr>
-          <p:cNvSpPr>
-            <a:spLocks noGrp="1"/>
-          </p:cNvSpPr>
-          <p:nvPr>
-            <p:ph sz="half" idx="2"/>
-          </p:nvPr>
-        </p:nvSpPr>
-        <p:spPr/>
-        <p:txBody>
-          <a:bodyPr/>
-          <a:lstStyle/>
-          <a:p>
-            <a:endParaRPr lang="en-SG"/>
-          </a:p>
-        </p:txBody>
-      </p:sp>
-      <p:pic>
-        <p:nvPicPr>
-          <p:cNvPr id="17" name="Picture 16">
-            <a:extLst>
-              <a:ext uri="{FF2B5EF4-FFF2-40B4-BE49-F238E27FC236}">
-                <a16:creationId xmlns:a16="http://schemas.microsoft.com/office/drawing/2014/main" id="{74450268-ED74-E869-5B43-A811FEC7842C}"/>
-              </a:ext>
-            </a:extLst>
-          </p:cNvPr>
-          <p:cNvPicPr>
-            <a:picLocks noChangeAspect="1"/>
-          </p:cNvPicPr>
-          <p:nvPr/>
-        </p:nvPicPr>
-        <p:blipFill>
-          <a:blip r:embed="rId2"/>
-          <a:stretch>
-            <a:fillRect/>
-          </a:stretch>
-        </p:blipFill>
-        <p:spPr>
-          <a:xfrm>
-            <a:off x="6252034" y="2178657"/>
-            <a:ext cx="5705421" cy="3280206"/>
-          </a:xfrm>
-          <a:prstGeom prst="rect">
-            <a:avLst/>
-          </a:prstGeom>
-        </p:spPr>
-      </p:pic>
     </p:spTree>
     <p:extLst>
       <p:ext uri="{BB962C8B-B14F-4D97-AF65-F5344CB8AC3E}">
-        <p14:creationId xmlns:p14="http://schemas.microsoft.com/office/powerpoint/2010/main" val="2075855270"/>
+        <p14:creationId xmlns:p14="http://schemas.microsoft.com/office/powerpoint/2010/main" val="3275190808"/>
       </p:ext>
     </p:extLst>
   </p:cSld>
@@ -5731,7 +5795,7 @@
                 <a:effectLst/>
                 <a:latin typeface="Söhne"/>
               </a:rPr>
-              <a:t>Why Docker COMPOSE</a:t>
+              <a:t>Docker COMPOSE</a:t>
             </a:r>
             <a:endParaRPr lang="en-SG" dirty="0">
               <a:latin typeface="Arial" panose="020B0604020202020204" pitchFamily="34" charset="0"/>
@@ -5759,80 +5823,123 @@
         <p:spPr>
           <a:xfrm>
             <a:off x="1216550" y="2010878"/>
-            <a:ext cx="4875933" cy="3448595"/>
+            <a:ext cx="5113912" cy="4042233"/>
           </a:xfrm>
         </p:spPr>
         <p:txBody>
           <a:bodyPr>
-            <a:normAutofit fontScale="85000" lnSpcReduction="10000"/>
+            <a:normAutofit fontScale="47500" lnSpcReduction="20000"/>
           </a:bodyPr>
           <a:lstStyle/>
           <a:p>
             <a:r>
-              <a:rPr lang="en-US" dirty="0">
+              <a:rPr lang="en-US" sz="3400" dirty="0">
                 <a:solidFill>
                   <a:srgbClr val="0D0D0D"/>
                 </a:solidFill>
                 <a:latin typeface="Söhne"/>
               </a:rPr>
-              <a:t>Coordinates the creation and management of multiple containers, ensuring they communicate with each other as defined in the configuration.</a:t>
-            </a:r>
-          </a:p>
-          <a:p>
-            <a:r>
-              <a:rPr lang="en-US" dirty="0">
+              <a:t>Docker Compose is a tool to deploy </a:t>
+            </a:r>
+            <a:r>
+              <a:rPr lang="en-US" sz="3400" b="1" dirty="0">
                 <a:solidFill>
                   <a:srgbClr val="0D0D0D"/>
                 </a:solidFill>
                 <a:latin typeface="Söhne"/>
               </a:rPr>
-              <a:t>Automatically resolves dependencies between services, ensuring they start in the correct order.  </a:t>
-            </a:r>
-          </a:p>
-          <a:p>
-            <a:r>
-              <a:rPr lang="en-US" dirty="0">
+              <a:t>multiple containers </a:t>
+            </a:r>
+            <a:r>
+              <a:rPr lang="en-US" sz="3400" dirty="0">
                 <a:solidFill>
                   <a:srgbClr val="0D0D0D"/>
                 </a:solidFill>
                 <a:latin typeface="Söhne"/>
               </a:rPr>
-              <a:t>Ex. Check depends-on keyword</a:t>
-            </a:r>
-          </a:p>
-          <a:p>
-            <a:r>
-              <a:rPr lang="en-US" dirty="0">
+              <a:t>at the same time with a single command.</a:t>
+            </a:r>
+          </a:p>
+          <a:p>
+            <a:r>
+              <a:rPr lang="en-US" sz="3400" dirty="0">
                 <a:solidFill>
                   <a:srgbClr val="0D0D0D"/>
                 </a:solidFill>
                 <a:latin typeface="Söhne"/>
               </a:rPr>
-              <a:t>Commands of docker compose</a:t>
+              <a:t>It uses a YAML file (docker-</a:t>
+            </a:r>
+            <a:r>
+              <a:rPr lang="en-US" sz="3400" dirty="0" err="1">
+                <a:solidFill>
+                  <a:srgbClr val="0D0D0D"/>
+                </a:solidFill>
+                <a:latin typeface="Söhne"/>
+              </a:rPr>
+              <a:t>compose.yml</a:t>
+            </a:r>
+            <a:r>
+              <a:rPr lang="en-US" sz="3400" dirty="0">
+                <a:solidFill>
+                  <a:srgbClr val="0D0D0D"/>
+                </a:solidFill>
+                <a:latin typeface="Söhne"/>
+              </a:rPr>
+              <a:t>) to configure the application's services, networks, and volumes.</a:t>
+            </a:r>
+          </a:p>
+          <a:p>
+            <a:r>
+              <a:rPr lang="en-US" sz="3400" dirty="0">
+                <a:solidFill>
+                  <a:srgbClr val="0D0D0D"/>
+                </a:solidFill>
+                <a:latin typeface="Söhne"/>
+              </a:rPr>
+              <a:t>Advantages</a:t>
             </a:r>
           </a:p>
           <a:p>
             <a:pPr lvl="1"/>
             <a:r>
-              <a:rPr lang="en-US" dirty="0">
+              <a:rPr lang="en-US" sz="3400" dirty="0">
                 <a:solidFill>
                   <a:srgbClr val="0D0D0D"/>
                 </a:solidFill>
                 <a:latin typeface="Söhne"/>
               </a:rPr>
-              <a:t>To start  : docker-compose up –d</a:t>
+              <a:t>Defines the entire application environment in a single file, </a:t>
+            </a:r>
+            <a:r>
+              <a:rPr lang="en-US" sz="3400" b="1" i="1" dirty="0">
+                <a:solidFill>
+                  <a:srgbClr val="0D0D0D"/>
+                </a:solidFill>
+                <a:latin typeface="Söhne"/>
+              </a:rPr>
+              <a:t>making it easy to share and reproduce</a:t>
+            </a:r>
+            <a:r>
+              <a:rPr lang="en-US" sz="3400" dirty="0">
+                <a:solidFill>
+                  <a:srgbClr val="0D0D0D"/>
+                </a:solidFill>
+                <a:latin typeface="Söhne"/>
+              </a:rPr>
+              <a:t>.</a:t>
             </a:r>
           </a:p>
           <a:p>
             <a:pPr lvl="1"/>
             <a:r>
-              <a:rPr lang="en-US" dirty="0">
+              <a:rPr lang="en-US" sz="3400" dirty="0">
                 <a:solidFill>
                   <a:srgbClr val="0D0D0D"/>
                 </a:solidFill>
                 <a:latin typeface="Söhne"/>
               </a:rPr>
-              <a:t>To stops  : docker-compose down</a:t>
+              <a:t>Automates the process of starting, stopping, and scaling multiple containers with a single command.</a:t>
             </a:r>
           </a:p>
           <a:p>
@@ -5872,6 +5979,314 @@
             <a:fld id="{6D22F896-40B5-4ADD-8801-0D06FADFA095}" type="slidenum">
               <a:rPr lang="en-US" smtClean="0"/>
               <a:t>16</a:t>
+            </a:fld>
+            <a:endParaRPr lang="en-US" dirty="0"/>
+          </a:p>
+        </p:txBody>
+      </p:sp>
+      <p:sp>
+        <p:nvSpPr>
+          <p:cNvPr id="11" name="Content Placeholder 10">
+            <a:extLst>
+              <a:ext uri="{FF2B5EF4-FFF2-40B4-BE49-F238E27FC236}">
+                <a16:creationId xmlns:a16="http://schemas.microsoft.com/office/drawing/2014/main" id="{9A69EF36-94A1-BF60-ECAE-3041C83B0950}"/>
+              </a:ext>
+            </a:extLst>
+          </p:cNvPr>
+          <p:cNvSpPr>
+            <a:spLocks noGrp="1"/>
+          </p:cNvSpPr>
+          <p:nvPr>
+            <p:ph sz="half" idx="2"/>
+          </p:nvPr>
+        </p:nvSpPr>
+        <p:spPr/>
+        <p:txBody>
+          <a:bodyPr>
+            <a:normAutofit fontScale="47500" lnSpcReduction="20000"/>
+          </a:bodyPr>
+          <a:lstStyle/>
+          <a:p>
+            <a:endParaRPr lang="en-SG"/>
+          </a:p>
+        </p:txBody>
+      </p:sp>
+      <p:pic>
+        <p:nvPicPr>
+          <p:cNvPr id="17" name="Picture 16">
+            <a:extLst>
+              <a:ext uri="{FF2B5EF4-FFF2-40B4-BE49-F238E27FC236}">
+                <a16:creationId xmlns:a16="http://schemas.microsoft.com/office/drawing/2014/main" id="{74450268-ED74-E869-5B43-A811FEC7842C}"/>
+              </a:ext>
+            </a:extLst>
+          </p:cNvPr>
+          <p:cNvPicPr>
+            <a:picLocks noChangeAspect="1"/>
+          </p:cNvPicPr>
+          <p:nvPr/>
+        </p:nvPicPr>
+        <p:blipFill>
+          <a:blip r:embed="rId2"/>
+          <a:stretch>
+            <a:fillRect/>
+          </a:stretch>
+        </p:blipFill>
+        <p:spPr>
+          <a:xfrm>
+            <a:off x="6252034" y="1892268"/>
+            <a:ext cx="5705421" cy="3628585"/>
+          </a:xfrm>
+          <a:prstGeom prst="rect">
+            <a:avLst/>
+          </a:prstGeom>
+        </p:spPr>
+      </p:pic>
+    </p:spTree>
+    <p:extLst>
+      <p:ext uri="{BB962C8B-B14F-4D97-AF65-F5344CB8AC3E}">
+        <p14:creationId xmlns:p14="http://schemas.microsoft.com/office/powerpoint/2010/main" val="2075855270"/>
+      </p:ext>
+    </p:extLst>
+  </p:cSld>
+  <p:clrMapOvr>
+    <a:masterClrMapping/>
+  </p:clrMapOvr>
+</p:sld>
+</file>
+
+<file path=ppt/slides/slide17.xml><?xml version="1.0" encoding="utf-8"?>
+<p:sld xmlns:a="http://schemas.openxmlformats.org/drawingml/2006/main" xmlns:r="http://schemas.openxmlformats.org/officeDocument/2006/relationships" xmlns:p="http://schemas.openxmlformats.org/presentationml/2006/main">
+  <p:cSld>
+    <p:spTree>
+      <p:nvGrpSpPr>
+        <p:cNvPr id="1" name=""/>
+        <p:cNvGrpSpPr/>
+        <p:nvPr/>
+      </p:nvGrpSpPr>
+      <p:grpSpPr>
+        <a:xfrm>
+          <a:off x="0" y="0"/>
+          <a:ext cx="0" cy="0"/>
+          <a:chOff x="0" y="0"/>
+          <a:chExt cx="0" cy="0"/>
+        </a:xfrm>
+      </p:grpSpPr>
+      <p:sp>
+        <p:nvSpPr>
+          <p:cNvPr id="2" name="Title 1">
+            <a:extLst>
+              <a:ext uri="{FF2B5EF4-FFF2-40B4-BE49-F238E27FC236}">
+                <a16:creationId xmlns:a16="http://schemas.microsoft.com/office/drawing/2014/main" id="{E615E32B-E872-C489-66C2-88BFAA5C1700}"/>
+              </a:ext>
+            </a:extLst>
+          </p:cNvPr>
+          <p:cNvSpPr>
+            <a:spLocks noGrp="1"/>
+          </p:cNvSpPr>
+          <p:nvPr>
+            <p:ph type="title"/>
+          </p:nvPr>
+        </p:nvSpPr>
+        <p:spPr/>
+        <p:txBody>
+          <a:bodyPr/>
+          <a:lstStyle/>
+          <a:p>
+            <a:r>
+              <a:rPr lang="en-US" b="1" i="0" dirty="0">
+                <a:solidFill>
+                  <a:srgbClr val="0D0D0D"/>
+                </a:solidFill>
+                <a:effectLst/>
+                <a:latin typeface="Söhne"/>
+              </a:rPr>
+              <a:t>Why Docker COMPOSE</a:t>
+            </a:r>
+            <a:endParaRPr lang="en-SG" dirty="0">
+              <a:latin typeface="Arial" panose="020B0604020202020204" pitchFamily="34" charset="0"/>
+              <a:cs typeface="Arial" panose="020B0604020202020204" pitchFamily="34" charset="0"/>
+            </a:endParaRPr>
+          </a:p>
+        </p:txBody>
+      </p:sp>
+      <p:sp>
+        <p:nvSpPr>
+          <p:cNvPr id="4" name="Content Placeholder 3">
+            <a:extLst>
+              <a:ext uri="{FF2B5EF4-FFF2-40B4-BE49-F238E27FC236}">
+                <a16:creationId xmlns:a16="http://schemas.microsoft.com/office/drawing/2014/main" id="{4637E327-F295-30A3-898A-E970B4F61646}"/>
+              </a:ext>
+            </a:extLst>
+          </p:cNvPr>
+          <p:cNvSpPr>
+            <a:spLocks noGrp="1"/>
+          </p:cNvSpPr>
+          <p:nvPr>
+            <p:ph sz="half" idx="1"/>
+          </p:nvPr>
+        </p:nvSpPr>
+        <p:spPr>
+          <a:xfrm>
+            <a:off x="1216550" y="2010879"/>
+            <a:ext cx="4875933" cy="3547084"/>
+          </a:xfrm>
+        </p:spPr>
+        <p:txBody>
+          <a:bodyPr>
+            <a:normAutofit fontScale="85000" lnSpcReduction="10000"/>
+          </a:bodyPr>
+          <a:lstStyle/>
+          <a:p>
+            <a:r>
+              <a:rPr lang="en-US" sz="1900" b="1" dirty="0">
+                <a:solidFill>
+                  <a:srgbClr val="0D0D0D"/>
+                </a:solidFill>
+                <a:latin typeface="Söhne"/>
+              </a:rPr>
+              <a:t>Coordinates the creation and management of multiple containers</a:t>
+            </a:r>
+            <a:r>
+              <a:rPr lang="en-US" sz="1900" dirty="0">
+                <a:solidFill>
+                  <a:srgbClr val="0D0D0D"/>
+                </a:solidFill>
+                <a:latin typeface="Söhne"/>
+              </a:rPr>
+              <a:t>, ensuring they communicate with each other as defined in the configuration.</a:t>
+            </a:r>
+          </a:p>
+          <a:p>
+            <a:r>
+              <a:rPr lang="en-US" sz="1900" dirty="0">
+                <a:solidFill>
+                  <a:srgbClr val="0D0D0D"/>
+                </a:solidFill>
+                <a:latin typeface="Söhne"/>
+              </a:rPr>
+              <a:t>Automatically </a:t>
+            </a:r>
+            <a:r>
+              <a:rPr lang="en-US" sz="1900" b="1" dirty="0">
+                <a:solidFill>
+                  <a:srgbClr val="0D0D0D"/>
+                </a:solidFill>
+                <a:latin typeface="Söhne"/>
+              </a:rPr>
+              <a:t>resolves dependencies </a:t>
+            </a:r>
+            <a:r>
+              <a:rPr lang="en-US" sz="1900" dirty="0">
+                <a:solidFill>
+                  <a:srgbClr val="0D0D0D"/>
+                </a:solidFill>
+                <a:latin typeface="Söhne"/>
+              </a:rPr>
+              <a:t>between services, </a:t>
+            </a:r>
+            <a:r>
+              <a:rPr lang="en-US" sz="1900" b="1" dirty="0">
+                <a:solidFill>
+                  <a:srgbClr val="0D0D0D"/>
+                </a:solidFill>
+                <a:latin typeface="Söhne"/>
+              </a:rPr>
+              <a:t>ensuring they start in the correct order</a:t>
+            </a:r>
+            <a:r>
+              <a:rPr lang="en-US" sz="1900" dirty="0">
+                <a:solidFill>
+                  <a:srgbClr val="0D0D0D"/>
+                </a:solidFill>
+                <a:latin typeface="Söhne"/>
+              </a:rPr>
+              <a:t>.  </a:t>
+            </a:r>
+          </a:p>
+          <a:p>
+            <a:pPr lvl="1"/>
+            <a:r>
+              <a:rPr lang="en-US" sz="1900" dirty="0">
+                <a:solidFill>
+                  <a:srgbClr val="0D0D0D"/>
+                </a:solidFill>
+                <a:latin typeface="Söhne"/>
+              </a:rPr>
+              <a:t>Ex. Check depends-on keyword</a:t>
+            </a:r>
+          </a:p>
+          <a:p>
+            <a:r>
+              <a:rPr lang="en-US" sz="1900" dirty="0">
+                <a:solidFill>
+                  <a:srgbClr val="0D0D0D"/>
+                </a:solidFill>
+                <a:latin typeface="Söhne"/>
+              </a:rPr>
+              <a:t>Commands of docker compose</a:t>
+            </a:r>
+          </a:p>
+          <a:p>
+            <a:pPr lvl="1"/>
+            <a:r>
+              <a:rPr lang="en-US" sz="1900" dirty="0">
+                <a:solidFill>
+                  <a:srgbClr val="0D0D0D"/>
+                </a:solidFill>
+                <a:latin typeface="Söhne"/>
+              </a:rPr>
+              <a:t>To start  : docker-compose up –d</a:t>
+            </a:r>
+          </a:p>
+          <a:p>
+            <a:pPr lvl="1"/>
+            <a:r>
+              <a:rPr lang="en-US" sz="1900" dirty="0">
+                <a:solidFill>
+                  <a:srgbClr val="0D0D0D"/>
+                </a:solidFill>
+                <a:latin typeface="Söhne"/>
+              </a:rPr>
+              <a:t>To stops  : docker-compose down</a:t>
+            </a:r>
+          </a:p>
+          <a:p>
+            <a:pPr marL="0" indent="0">
+              <a:buNone/>
+            </a:pPr>
+            <a:endParaRPr lang="en-SG" dirty="0">
+              <a:solidFill>
+                <a:srgbClr val="0D0D0D"/>
+              </a:solidFill>
+              <a:latin typeface="Söhne"/>
+            </a:endParaRPr>
+          </a:p>
+        </p:txBody>
+      </p:sp>
+      <p:sp>
+        <p:nvSpPr>
+          <p:cNvPr id="5" name="Slide Number Placeholder 4">
+            <a:extLst>
+              <a:ext uri="{FF2B5EF4-FFF2-40B4-BE49-F238E27FC236}">
+                <a16:creationId xmlns:a16="http://schemas.microsoft.com/office/drawing/2014/main" id="{38F98672-66A5-3449-896E-4A10CC1775BE}"/>
+              </a:ext>
+            </a:extLst>
+          </p:cNvPr>
+          <p:cNvSpPr>
+            <a:spLocks noGrp="1"/>
+          </p:cNvSpPr>
+          <p:nvPr>
+            <p:ph type="sldNum" sz="quarter" idx="12"/>
+          </p:nvPr>
+        </p:nvSpPr>
+        <p:spPr/>
+        <p:txBody>
+          <a:bodyPr/>
+          <a:lstStyle/>
+          <a:p>
+            <a:fld id="{6D22F896-40B5-4ADD-8801-0D06FADFA095}" type="slidenum">
+              <a:rPr lang="en-US" smtClean="0"/>
+              <a:t>17</a:t>
             </a:fld>
             <a:endParaRPr lang="en-US" dirty="0"/>
           </a:p>
@@ -5947,7 +6362,7 @@
 </p:sld>
 </file>
 
-<file path=ppt/slides/slide17.xml><?xml version="1.0" encoding="utf-8"?>
+<file path=ppt/slides/slide18.xml><?xml version="1.0" encoding="utf-8"?>
 <p:sld xmlns:a="http://schemas.openxmlformats.org/drawingml/2006/main" xmlns:r="http://schemas.openxmlformats.org/officeDocument/2006/relationships" xmlns:p="http://schemas.openxmlformats.org/presentationml/2006/main">
   <p:cSld>
     <p:spTree>
@@ -6020,8 +6435,8 @@
         </p:nvSpPr>
         <p:spPr>
           <a:xfrm>
-            <a:off x="1065475" y="2010878"/>
-            <a:ext cx="5027008" cy="3448595"/>
+            <a:off x="834189" y="2010878"/>
+            <a:ext cx="5258294" cy="3448595"/>
           </a:xfrm>
         </p:spPr>
         <p:txBody>
@@ -6031,7 +6446,7 @@
           <a:lstStyle/>
           <a:p>
             <a:r>
-              <a:rPr lang="en-US" sz="1800" dirty="0">
+              <a:rPr lang="en-US" dirty="0">
                 <a:solidFill>
                   <a:srgbClr val="0D0D0D"/>
                 </a:solidFill>
@@ -6040,7 +6455,7 @@
               <a:t>T</a:t>
             </a:r>
             <a:r>
-              <a:rPr lang="en-US" sz="1800" b="0" i="0" dirty="0">
+              <a:rPr lang="en-US" b="0" i="0" dirty="0">
                 <a:solidFill>
                   <a:srgbClr val="0D0D0D"/>
                 </a:solidFill>
@@ -6051,8 +6466,9 @@
             </a:r>
           </a:p>
           <a:p>
-            <a:r>
-              <a:rPr lang="en-US" sz="1800" b="0" i="0" dirty="0">
+            <a:pPr lvl="1"/>
+            <a:r>
+              <a:rPr lang="en-US" b="0" i="0" dirty="0">
                 <a:solidFill>
                   <a:srgbClr val="0D0D0D"/>
                 </a:solidFill>
@@ -6064,7 +6480,7 @@
           </a:p>
           <a:p>
             <a:r>
-              <a:rPr lang="en-US" sz="1800" dirty="0">
+              <a:rPr lang="en-US" dirty="0">
                 <a:solidFill>
                   <a:srgbClr val="0D0D0D"/>
                 </a:solidFill>
@@ -6072,7 +6488,7 @@
               </a:rPr>
               <a:t>Advantages of using Docker Volume</a:t>
             </a:r>
-            <a:endParaRPr lang="en-US" sz="1800" b="0" i="0" dirty="0">
+            <a:endParaRPr lang="en-US" b="0" i="0" dirty="0">
               <a:solidFill>
                 <a:srgbClr val="0D0D0D"/>
               </a:solidFill>
@@ -6083,7 +6499,7 @@
           <a:p>
             <a:pPr lvl="1"/>
             <a:r>
-              <a:rPr lang="en-US" b="0" i="0" dirty="0">
+              <a:rPr lang="en-US" sz="2000" b="0" i="0" dirty="0">
                 <a:solidFill>
                   <a:srgbClr val="0D0D0D"/>
                 </a:solidFill>
@@ -6096,7 +6512,7 @@
           <a:p>
             <a:pPr lvl="1"/>
             <a:r>
-              <a:rPr lang="en-US" b="0" i="0" dirty="0">
+              <a:rPr lang="en-US" sz="2000" b="0" i="0" dirty="0">
                 <a:solidFill>
                   <a:srgbClr val="0D0D0D"/>
                 </a:solidFill>
@@ -6131,7 +6547,7 @@
           <a:p>
             <a:fld id="{6D22F896-40B5-4ADD-8801-0D06FADFA095}" type="slidenum">
               <a:rPr lang="en-US" smtClean="0"/>
-              <a:t>17</a:t>
+              <a:t>18</a:t>
             </a:fld>
             <a:endParaRPr lang="en-US" dirty="0"/>
           </a:p>
@@ -6199,434 +6615,6 @@
 </p:sld>
 </file>
 
-<file path=ppt/slides/slide18.xml><?xml version="1.0" encoding="utf-8"?>
-<p:sld xmlns:a="http://schemas.openxmlformats.org/drawingml/2006/main" xmlns:r="http://schemas.openxmlformats.org/officeDocument/2006/relationships" xmlns:p="http://schemas.openxmlformats.org/presentationml/2006/main">
-  <p:cSld>
-    <p:spTree>
-      <p:nvGrpSpPr>
-        <p:cNvPr id="1" name=""/>
-        <p:cNvGrpSpPr/>
-        <p:nvPr/>
-      </p:nvGrpSpPr>
-      <p:grpSpPr>
-        <a:xfrm>
-          <a:off x="0" y="0"/>
-          <a:ext cx="0" cy="0"/>
-          <a:chOff x="0" y="0"/>
-          <a:chExt cx="0" cy="0"/>
-        </a:xfrm>
-      </p:grpSpPr>
-      <p:sp>
-        <p:nvSpPr>
-          <p:cNvPr id="2" name="Title 1">
-            <a:extLst>
-              <a:ext uri="{FF2B5EF4-FFF2-40B4-BE49-F238E27FC236}">
-                <a16:creationId xmlns:a16="http://schemas.microsoft.com/office/drawing/2014/main" id="{D307C4C7-D8EC-D770-9199-9264B747CFCE}"/>
-              </a:ext>
-            </a:extLst>
-          </p:cNvPr>
-          <p:cNvSpPr>
-            <a:spLocks noGrp="1"/>
-          </p:cNvSpPr>
-          <p:nvPr>
-            <p:ph type="title"/>
-          </p:nvPr>
-        </p:nvSpPr>
-        <p:spPr/>
-        <p:txBody>
-          <a:bodyPr/>
-          <a:lstStyle/>
-          <a:p>
-            <a:r>
-              <a:rPr lang="en-US" dirty="0"/>
-              <a:t>Docker Commands SEEN So FAR</a:t>
-            </a:r>
-            <a:endParaRPr lang="en-SG" dirty="0"/>
-          </a:p>
-        </p:txBody>
-      </p:sp>
-      <p:sp>
-        <p:nvSpPr>
-          <p:cNvPr id="3" name="Content Placeholder 2">
-            <a:extLst>
-              <a:ext uri="{FF2B5EF4-FFF2-40B4-BE49-F238E27FC236}">
-                <a16:creationId xmlns:a16="http://schemas.microsoft.com/office/drawing/2014/main" id="{20B8C143-CAB8-30A9-B768-6FA829F1999B}"/>
-              </a:ext>
-            </a:extLst>
-          </p:cNvPr>
-          <p:cNvSpPr>
-            <a:spLocks noGrp="1"/>
-          </p:cNvSpPr>
-          <p:nvPr>
-            <p:ph idx="1"/>
-          </p:nvPr>
-        </p:nvSpPr>
-        <p:spPr>
-          <a:xfrm>
-            <a:off x="1451579" y="2015732"/>
-            <a:ext cx="9712140" cy="4037749"/>
-          </a:xfrm>
-        </p:spPr>
-        <p:txBody>
-          <a:bodyPr>
-            <a:normAutofit fontScale="85000" lnSpcReduction="20000"/>
-          </a:bodyPr>
-          <a:lstStyle/>
-          <a:p>
-            <a:r>
-              <a:rPr lang="en-US" b="0" i="0" dirty="0">
-                <a:solidFill>
-                  <a:srgbClr val="374151"/>
-                </a:solidFill>
-                <a:effectLst/>
-                <a:latin typeface="Söhne"/>
-              </a:rPr>
-              <a:t>To build docker image  from </a:t>
-            </a:r>
-            <a:r>
-              <a:rPr lang="en-US" b="0" i="0" dirty="0" err="1">
-                <a:solidFill>
-                  <a:srgbClr val="374151"/>
-                </a:solidFill>
-                <a:effectLst/>
-                <a:latin typeface="Söhne"/>
-              </a:rPr>
-              <a:t>dockerfile</a:t>
-            </a:r>
-            <a:endParaRPr lang="en-US" dirty="0">
-              <a:solidFill>
-                <a:srgbClr val="374151"/>
-              </a:solidFill>
-              <a:latin typeface="Söhne"/>
-            </a:endParaRPr>
-          </a:p>
-          <a:p>
-            <a:pPr lvl="1"/>
-            <a:r>
-              <a:rPr lang="en-US" b="0" i="0" dirty="0">
-                <a:solidFill>
-                  <a:srgbClr val="374151"/>
-                </a:solidFill>
-                <a:effectLst/>
-                <a:latin typeface="Söhne"/>
-              </a:rPr>
-              <a:t>docker build -t &lt;</a:t>
-            </a:r>
-            <a:r>
-              <a:rPr lang="en-US" b="0" i="0" dirty="0" err="1">
-                <a:solidFill>
-                  <a:srgbClr val="374151"/>
-                </a:solidFill>
-                <a:effectLst/>
-                <a:latin typeface="Söhne"/>
-              </a:rPr>
-              <a:t>image_name</a:t>
-            </a:r>
-            <a:r>
-              <a:rPr lang="en-US" b="0" i="0" dirty="0">
-                <a:solidFill>
-                  <a:srgbClr val="374151"/>
-                </a:solidFill>
-                <a:effectLst/>
-                <a:latin typeface="Söhne"/>
-              </a:rPr>
-              <a:t>&gt; &lt;</a:t>
-            </a:r>
-            <a:r>
-              <a:rPr lang="en-US" b="0" i="0" dirty="0" err="1">
-                <a:solidFill>
-                  <a:srgbClr val="374151"/>
-                </a:solidFill>
-                <a:effectLst/>
-                <a:latin typeface="Söhne"/>
-              </a:rPr>
-              <a:t>path_to_Dockerfile</a:t>
-            </a:r>
-            <a:r>
-              <a:rPr lang="en-US" b="0" i="0" dirty="0">
-                <a:solidFill>
-                  <a:srgbClr val="374151"/>
-                </a:solidFill>
-                <a:effectLst/>
-                <a:latin typeface="Söhne"/>
-              </a:rPr>
-              <a:t>&gt;</a:t>
-            </a:r>
-            <a:endParaRPr lang="en-SG" b="0" i="0" dirty="0">
-              <a:solidFill>
-                <a:srgbClr val="374151"/>
-              </a:solidFill>
-              <a:effectLst/>
-              <a:latin typeface="Söhne"/>
-            </a:endParaRPr>
-          </a:p>
-          <a:p>
-            <a:r>
-              <a:rPr lang="en-SG" dirty="0">
-                <a:solidFill>
-                  <a:srgbClr val="374151"/>
-                </a:solidFill>
-                <a:latin typeface="Söhne"/>
-              </a:rPr>
-              <a:t>To create container from an image  </a:t>
-            </a:r>
-          </a:p>
-          <a:p>
-            <a:pPr lvl="1"/>
-            <a:r>
-              <a:rPr lang="en-SG" dirty="0">
-                <a:solidFill>
-                  <a:srgbClr val="374151"/>
-                </a:solidFill>
-                <a:latin typeface="Söhne"/>
-              </a:rPr>
-              <a:t>d</a:t>
-            </a:r>
-            <a:r>
-              <a:rPr lang="en-SG" b="0" i="0" dirty="0">
-                <a:solidFill>
-                  <a:srgbClr val="374151"/>
-                </a:solidFill>
-                <a:effectLst/>
-                <a:latin typeface="Söhne"/>
-              </a:rPr>
-              <a:t>ocker run &lt;</a:t>
-            </a:r>
-            <a:r>
-              <a:rPr lang="en-SG" b="0" i="0" dirty="0" err="1">
-                <a:solidFill>
-                  <a:srgbClr val="374151"/>
-                </a:solidFill>
-                <a:effectLst/>
-                <a:latin typeface="Söhne"/>
-              </a:rPr>
-              <a:t>image_name</a:t>
-            </a:r>
-            <a:r>
-              <a:rPr lang="en-SG" b="0" i="0" dirty="0">
-                <a:solidFill>
-                  <a:srgbClr val="374151"/>
-                </a:solidFill>
-                <a:effectLst/>
-                <a:latin typeface="Söhne"/>
-              </a:rPr>
-              <a:t>&gt;</a:t>
-            </a:r>
-          </a:p>
-          <a:p>
-            <a:r>
-              <a:rPr lang="en-SG" dirty="0">
-                <a:solidFill>
-                  <a:srgbClr val="374151"/>
-                </a:solidFill>
-                <a:latin typeface="Söhne"/>
-              </a:rPr>
-              <a:t>To check container status or container id: </a:t>
-            </a:r>
-          </a:p>
-          <a:p>
-            <a:pPr lvl="1"/>
-            <a:r>
-              <a:rPr lang="en-SG" dirty="0">
-                <a:solidFill>
-                  <a:srgbClr val="374151"/>
-                </a:solidFill>
-                <a:latin typeface="Söhne"/>
-              </a:rPr>
-              <a:t>docker </a:t>
-            </a:r>
-            <a:r>
-              <a:rPr lang="en-SG" dirty="0" err="1">
-                <a:solidFill>
-                  <a:srgbClr val="374151"/>
-                </a:solidFill>
-                <a:latin typeface="Söhne"/>
-              </a:rPr>
-              <a:t>ps</a:t>
-            </a:r>
-            <a:endParaRPr lang="en-US" dirty="0">
-              <a:solidFill>
-                <a:srgbClr val="374151"/>
-              </a:solidFill>
-              <a:latin typeface="Söhne"/>
-            </a:endParaRPr>
-          </a:p>
-          <a:p>
-            <a:r>
-              <a:rPr lang="en-US" b="0" i="0" dirty="0">
-                <a:solidFill>
-                  <a:srgbClr val="374151"/>
-                </a:solidFill>
-                <a:effectLst/>
-                <a:latin typeface="Söhne"/>
-              </a:rPr>
-              <a:t>To start container : docker start &lt;</a:t>
-            </a:r>
-            <a:r>
-              <a:rPr lang="en-US" b="0" i="0" dirty="0" err="1">
-                <a:solidFill>
-                  <a:srgbClr val="374151"/>
-                </a:solidFill>
-                <a:effectLst/>
-                <a:latin typeface="Söhne"/>
-              </a:rPr>
-              <a:t>container_id</a:t>
-            </a:r>
-            <a:r>
-              <a:rPr lang="en-US" b="0" i="0" dirty="0">
-                <a:solidFill>
-                  <a:srgbClr val="374151"/>
-                </a:solidFill>
-                <a:effectLst/>
-                <a:latin typeface="Söhne"/>
-              </a:rPr>
-              <a:t>&gt;</a:t>
-            </a:r>
-          </a:p>
-          <a:p>
-            <a:r>
-              <a:rPr lang="en-US" b="0" i="0" dirty="0">
-                <a:solidFill>
-                  <a:srgbClr val="374151"/>
-                </a:solidFill>
-                <a:effectLst/>
-                <a:latin typeface="Söhne"/>
-              </a:rPr>
-              <a:t>To stop container: docker stop &lt;</a:t>
-            </a:r>
-            <a:r>
-              <a:rPr lang="en-US" b="0" i="0" dirty="0" err="1">
-                <a:solidFill>
-                  <a:srgbClr val="374151"/>
-                </a:solidFill>
-                <a:effectLst/>
-                <a:latin typeface="Söhne"/>
-              </a:rPr>
-              <a:t>container_id</a:t>
-            </a:r>
-            <a:r>
-              <a:rPr lang="en-US" b="0" i="0" dirty="0">
-                <a:solidFill>
-                  <a:srgbClr val="374151"/>
-                </a:solidFill>
-                <a:effectLst/>
-                <a:latin typeface="Söhne"/>
-              </a:rPr>
-              <a:t>&gt;</a:t>
-            </a:r>
-          </a:p>
-          <a:p>
-            <a:r>
-              <a:rPr lang="en-US" dirty="0">
-                <a:solidFill>
-                  <a:srgbClr val="374151"/>
-                </a:solidFill>
-                <a:latin typeface="Söhne"/>
-              </a:rPr>
-              <a:t>To delete a container : docker rm &lt;</a:t>
-            </a:r>
-            <a:r>
-              <a:rPr lang="en-US" dirty="0" err="1">
-                <a:solidFill>
-                  <a:srgbClr val="374151"/>
-                </a:solidFill>
-                <a:latin typeface="Söhne"/>
-              </a:rPr>
-              <a:t>container_id</a:t>
-            </a:r>
-            <a:r>
-              <a:rPr lang="en-US" dirty="0">
-                <a:solidFill>
-                  <a:srgbClr val="374151"/>
-                </a:solidFill>
-                <a:latin typeface="Söhne"/>
-              </a:rPr>
-              <a:t>&gt;</a:t>
-            </a:r>
-          </a:p>
-          <a:p>
-            <a:r>
-              <a:rPr lang="en-US" b="0" i="0" dirty="0">
-                <a:solidFill>
-                  <a:srgbClr val="374151"/>
-                </a:solidFill>
-                <a:effectLst/>
-                <a:highlight>
-                  <a:srgbClr val="FFFF00"/>
-                </a:highlight>
-                <a:latin typeface="Söhne"/>
-              </a:rPr>
-              <a:t>To start docker compose : docker compose up –d</a:t>
-            </a:r>
-          </a:p>
-          <a:p>
-            <a:r>
-              <a:rPr lang="en-US" dirty="0">
-                <a:solidFill>
-                  <a:srgbClr val="374151"/>
-                </a:solidFill>
-                <a:highlight>
-                  <a:srgbClr val="FFFF00"/>
-                </a:highlight>
-                <a:latin typeface="Söhne"/>
-              </a:rPr>
-              <a:t>To stop docker compose : docker compose down</a:t>
-            </a:r>
-            <a:endParaRPr lang="en-SG" b="0" i="0" dirty="0">
-              <a:solidFill>
-                <a:srgbClr val="374151"/>
-              </a:solidFill>
-              <a:effectLst/>
-              <a:highlight>
-                <a:srgbClr val="FFFF00"/>
-              </a:highlight>
-              <a:latin typeface="Söhne"/>
-            </a:endParaRPr>
-          </a:p>
-        </p:txBody>
-      </p:sp>
-      <p:sp>
-        <p:nvSpPr>
-          <p:cNvPr id="4" name="Slide Number Placeholder 3">
-            <a:extLst>
-              <a:ext uri="{FF2B5EF4-FFF2-40B4-BE49-F238E27FC236}">
-                <a16:creationId xmlns:a16="http://schemas.microsoft.com/office/drawing/2014/main" id="{812C1388-8657-1250-D0A6-7E40D2EA0D66}"/>
-              </a:ext>
-            </a:extLst>
-          </p:cNvPr>
-          <p:cNvSpPr>
-            <a:spLocks noGrp="1"/>
-          </p:cNvSpPr>
-          <p:nvPr>
-            <p:ph type="sldNum" sz="quarter" idx="12"/>
-          </p:nvPr>
-        </p:nvSpPr>
-        <p:spPr/>
-        <p:txBody>
-          <a:bodyPr/>
-          <a:lstStyle/>
-          <a:p>
-            <a:fld id="{6D22F896-40B5-4ADD-8801-0D06FADFA095}" type="slidenum">
-              <a:rPr lang="en-US" smtClean="0"/>
-              <a:t>18</a:t>
-            </a:fld>
-            <a:endParaRPr lang="en-US" dirty="0"/>
-          </a:p>
-        </p:txBody>
-      </p:sp>
-    </p:spTree>
-    <p:extLst>
-      <p:ext uri="{BB962C8B-B14F-4D97-AF65-F5344CB8AC3E}">
-        <p14:creationId xmlns:p14="http://schemas.microsoft.com/office/powerpoint/2010/main" val="4162166211"/>
-      </p:ext>
-    </p:extLst>
-  </p:cSld>
-  <p:clrMapOvr>
-    <a:masterClrMapping/>
-  </p:clrMapOvr>
-</p:sld>
-</file>
-
 <file path=ppt/slides/slide19.xml><?xml version="1.0" encoding="utf-8"?>
 <p:sld xmlns:a="http://schemas.openxmlformats.org/drawingml/2006/main" xmlns:r="http://schemas.openxmlformats.org/officeDocument/2006/relationships" xmlns:p="http://schemas.openxmlformats.org/presentationml/2006/main">
   <p:cSld>
@@ -6646,10 +6634,10 @@
       </p:grpSpPr>
       <p:sp>
         <p:nvSpPr>
-          <p:cNvPr id="6" name="Title 5">
+          <p:cNvPr id="2" name="Title 1">
             <a:extLst>
               <a:ext uri="{FF2B5EF4-FFF2-40B4-BE49-F238E27FC236}">
-                <a16:creationId xmlns:a16="http://schemas.microsoft.com/office/drawing/2014/main" id="{0BE373C9-ECD7-38E7-9BCB-53AA001FA11F}"/>
+                <a16:creationId xmlns:a16="http://schemas.microsoft.com/office/drawing/2014/main" id="{D307C4C7-D8EC-D770-9199-9264B747CFCE}"/>
               </a:ext>
             </a:extLst>
           </p:cNvPr>
@@ -6657,7 +6645,7 @@
             <a:spLocks noGrp="1"/>
           </p:cNvSpPr>
           <p:nvPr>
-            <p:ph type="ctrTitle"/>
+            <p:ph type="title"/>
           </p:nvPr>
         </p:nvSpPr>
         <p:spPr/>
@@ -6667,7 +6655,7 @@
           <a:p>
             <a:r>
               <a:rPr lang="en-US" dirty="0"/>
-              <a:t>MYSQL SETUP demo</a:t>
+              <a:t>Docker Commands SEEN So FAR</a:t>
             </a:r>
             <a:endParaRPr lang="en-SG" dirty="0"/>
           </a:p>
@@ -6675,10 +6663,10 @@
       </p:sp>
       <p:sp>
         <p:nvSpPr>
-          <p:cNvPr id="7" name="Subtitle 6">
+          <p:cNvPr id="3" name="Content Placeholder 2">
             <a:extLst>
               <a:ext uri="{FF2B5EF4-FFF2-40B4-BE49-F238E27FC236}">
-                <a16:creationId xmlns:a16="http://schemas.microsoft.com/office/drawing/2014/main" id="{771ADAF2-7179-B246-2630-D3CCC99784E4}"/>
+                <a16:creationId xmlns:a16="http://schemas.microsoft.com/office/drawing/2014/main" id="{20B8C143-CAB8-30A9-B768-6FA829F1999B}"/>
               </a:ext>
             </a:extLst>
           </p:cNvPr>
@@ -6686,24 +6674,339 @@
             <a:spLocks noGrp="1"/>
           </p:cNvSpPr>
           <p:nvPr>
-            <p:ph type="subTitle" idx="1"/>
-          </p:nvPr>
-        </p:nvSpPr>
-        <p:spPr/>
-        <p:txBody>
-          <a:bodyPr/>
-          <a:lstStyle/>
-          <a:p>
-            <a:endParaRPr lang="en-SG"/>
-          </a:p>
-        </p:txBody>
-      </p:sp>
-      <p:sp>
-        <p:nvSpPr>
-          <p:cNvPr id="5" name="Slide Number Placeholder 4">
+            <p:ph idx="1"/>
+          </p:nvPr>
+        </p:nvSpPr>
+        <p:spPr>
+          <a:xfrm>
+            <a:off x="1451579" y="2015732"/>
+            <a:ext cx="9712140" cy="4037749"/>
+          </a:xfrm>
+        </p:spPr>
+        <p:txBody>
+          <a:bodyPr>
+            <a:normAutofit fontScale="85000" lnSpcReduction="20000"/>
+          </a:bodyPr>
+          <a:lstStyle/>
+          <a:p>
+            <a:r>
+              <a:rPr lang="en-US" b="0" i="0" dirty="0">
+                <a:solidFill>
+                  <a:srgbClr val="374151"/>
+                </a:solidFill>
+                <a:effectLst/>
+                <a:latin typeface="Söhne"/>
+              </a:rPr>
+              <a:t>To build docker image  from </a:t>
+            </a:r>
+            <a:r>
+              <a:rPr lang="en-US" b="0" i="0" dirty="0" err="1">
+                <a:solidFill>
+                  <a:srgbClr val="374151"/>
+                </a:solidFill>
+                <a:effectLst/>
+                <a:latin typeface="Söhne"/>
+              </a:rPr>
+              <a:t>dockerfile</a:t>
+            </a:r>
+            <a:endParaRPr lang="en-US" dirty="0">
+              <a:solidFill>
+                <a:srgbClr val="374151"/>
+              </a:solidFill>
+              <a:latin typeface="Söhne"/>
+            </a:endParaRPr>
+          </a:p>
+          <a:p>
+            <a:pPr lvl="1"/>
+            <a:r>
+              <a:rPr lang="en-US" b="0" i="0" dirty="0">
+                <a:solidFill>
+                  <a:srgbClr val="374151"/>
+                </a:solidFill>
+                <a:effectLst/>
+                <a:latin typeface="Söhne"/>
+              </a:rPr>
+              <a:t>docker build -t &lt;</a:t>
+            </a:r>
+            <a:r>
+              <a:rPr lang="en-US" b="0" i="0" dirty="0" err="1">
+                <a:solidFill>
+                  <a:srgbClr val="374151"/>
+                </a:solidFill>
+                <a:effectLst/>
+                <a:latin typeface="Söhne"/>
+              </a:rPr>
+              <a:t>image_name</a:t>
+            </a:r>
+            <a:r>
+              <a:rPr lang="en-US" b="0" i="0" dirty="0">
+                <a:solidFill>
+                  <a:srgbClr val="374151"/>
+                </a:solidFill>
+                <a:effectLst/>
+                <a:latin typeface="Söhne"/>
+              </a:rPr>
+              <a:t>&gt; &lt;</a:t>
+            </a:r>
+            <a:r>
+              <a:rPr lang="en-US" b="0" i="0" dirty="0" err="1">
+                <a:solidFill>
+                  <a:srgbClr val="374151"/>
+                </a:solidFill>
+                <a:effectLst/>
+                <a:latin typeface="Söhne"/>
+              </a:rPr>
+              <a:t>path_to_Dockerfile</a:t>
+            </a:r>
+            <a:r>
+              <a:rPr lang="en-US" b="0" i="0" dirty="0">
+                <a:solidFill>
+                  <a:srgbClr val="374151"/>
+                </a:solidFill>
+                <a:effectLst/>
+                <a:latin typeface="Söhne"/>
+              </a:rPr>
+              <a:t>&gt;</a:t>
+            </a:r>
+            <a:endParaRPr lang="en-SG" b="0" i="0" dirty="0">
+              <a:solidFill>
+                <a:srgbClr val="374151"/>
+              </a:solidFill>
+              <a:effectLst/>
+              <a:latin typeface="Söhne"/>
+            </a:endParaRPr>
+          </a:p>
+          <a:p>
+            <a:r>
+              <a:rPr lang="en-SG" dirty="0">
+                <a:solidFill>
+                  <a:srgbClr val="374151"/>
+                </a:solidFill>
+                <a:latin typeface="Söhne"/>
+              </a:rPr>
+              <a:t>To create container from an image  </a:t>
+            </a:r>
+          </a:p>
+          <a:p>
+            <a:pPr lvl="1"/>
+            <a:r>
+              <a:rPr lang="en-SG" dirty="0">
+                <a:solidFill>
+                  <a:srgbClr val="374151"/>
+                </a:solidFill>
+                <a:latin typeface="Söhne"/>
+              </a:rPr>
+              <a:t>d</a:t>
+            </a:r>
+            <a:r>
+              <a:rPr lang="en-SG" b="0" i="0" dirty="0">
+                <a:solidFill>
+                  <a:srgbClr val="374151"/>
+                </a:solidFill>
+                <a:effectLst/>
+                <a:latin typeface="Söhne"/>
+              </a:rPr>
+              <a:t>ocker run &lt;</a:t>
+            </a:r>
+            <a:r>
+              <a:rPr lang="en-SG" b="0" i="0" dirty="0" err="1">
+                <a:solidFill>
+                  <a:srgbClr val="374151"/>
+                </a:solidFill>
+                <a:effectLst/>
+                <a:latin typeface="Söhne"/>
+              </a:rPr>
+              <a:t>image_name</a:t>
+            </a:r>
+            <a:r>
+              <a:rPr lang="en-SG" b="0" i="0" dirty="0">
+                <a:solidFill>
+                  <a:srgbClr val="374151"/>
+                </a:solidFill>
+                <a:effectLst/>
+                <a:latin typeface="Söhne"/>
+              </a:rPr>
+              <a:t>&gt;</a:t>
+            </a:r>
+          </a:p>
+          <a:p>
+            <a:r>
+              <a:rPr lang="en-SG" dirty="0">
+                <a:solidFill>
+                  <a:srgbClr val="374151"/>
+                </a:solidFill>
+                <a:latin typeface="Söhne"/>
+              </a:rPr>
+              <a:t>To check container status or container id: </a:t>
+            </a:r>
+          </a:p>
+          <a:p>
+            <a:pPr lvl="1"/>
+            <a:r>
+              <a:rPr lang="en-SG" dirty="0">
+                <a:solidFill>
+                  <a:srgbClr val="374151"/>
+                </a:solidFill>
+                <a:latin typeface="Söhne"/>
+              </a:rPr>
+              <a:t>docker </a:t>
+            </a:r>
+            <a:r>
+              <a:rPr lang="en-SG" dirty="0" err="1">
+                <a:solidFill>
+                  <a:srgbClr val="374151"/>
+                </a:solidFill>
+                <a:latin typeface="Söhne"/>
+              </a:rPr>
+              <a:t>ps</a:t>
+            </a:r>
+            <a:endParaRPr lang="en-US" dirty="0">
+              <a:solidFill>
+                <a:srgbClr val="374151"/>
+              </a:solidFill>
+              <a:latin typeface="Söhne"/>
+            </a:endParaRPr>
+          </a:p>
+          <a:p>
+            <a:r>
+              <a:rPr lang="en-US" b="0" i="0" dirty="0">
+                <a:solidFill>
+                  <a:srgbClr val="374151"/>
+                </a:solidFill>
+                <a:effectLst/>
+                <a:latin typeface="Söhne"/>
+              </a:rPr>
+              <a:t>To start container : docker start &lt;</a:t>
+            </a:r>
+            <a:r>
+              <a:rPr lang="en-US" b="0" i="0" dirty="0" err="1">
+                <a:solidFill>
+                  <a:srgbClr val="374151"/>
+                </a:solidFill>
+                <a:effectLst/>
+                <a:latin typeface="Söhne"/>
+              </a:rPr>
+              <a:t>container_id</a:t>
+            </a:r>
+            <a:r>
+              <a:rPr lang="en-US" b="0" i="0" dirty="0">
+                <a:solidFill>
+                  <a:srgbClr val="374151"/>
+                </a:solidFill>
+                <a:effectLst/>
+                <a:latin typeface="Söhne"/>
+              </a:rPr>
+              <a:t>&gt;</a:t>
+            </a:r>
+          </a:p>
+          <a:p>
+            <a:r>
+              <a:rPr lang="en-US" b="0" i="0" dirty="0">
+                <a:solidFill>
+                  <a:srgbClr val="374151"/>
+                </a:solidFill>
+                <a:effectLst/>
+                <a:latin typeface="Söhne"/>
+              </a:rPr>
+              <a:t>To stop container: docker stop &lt;</a:t>
+            </a:r>
+            <a:r>
+              <a:rPr lang="en-US" b="0" i="0" dirty="0" err="1">
+                <a:solidFill>
+                  <a:srgbClr val="374151"/>
+                </a:solidFill>
+                <a:effectLst/>
+                <a:latin typeface="Söhne"/>
+              </a:rPr>
+              <a:t>container_id</a:t>
+            </a:r>
+            <a:r>
+              <a:rPr lang="en-US" b="0" i="0" dirty="0">
+                <a:solidFill>
+                  <a:srgbClr val="374151"/>
+                </a:solidFill>
+                <a:effectLst/>
+                <a:latin typeface="Söhne"/>
+              </a:rPr>
+              <a:t>&gt;</a:t>
+            </a:r>
+          </a:p>
+          <a:p>
+            <a:r>
+              <a:rPr lang="en-US" dirty="0">
+                <a:solidFill>
+                  <a:srgbClr val="374151"/>
+                </a:solidFill>
+                <a:latin typeface="Söhne"/>
+              </a:rPr>
+              <a:t>To delete a container : docker rm &lt;</a:t>
+            </a:r>
+            <a:r>
+              <a:rPr lang="en-US" dirty="0" err="1">
+                <a:solidFill>
+                  <a:srgbClr val="374151"/>
+                </a:solidFill>
+                <a:latin typeface="Söhne"/>
+              </a:rPr>
+              <a:t>container_id</a:t>
+            </a:r>
+            <a:r>
+              <a:rPr lang="en-US" dirty="0">
+                <a:solidFill>
+                  <a:srgbClr val="374151"/>
+                </a:solidFill>
+                <a:latin typeface="Söhne"/>
+              </a:rPr>
+              <a:t>&gt;</a:t>
+            </a:r>
+          </a:p>
+          <a:p>
+            <a:r>
+              <a:rPr lang="en-US" b="0" i="0" dirty="0">
+                <a:solidFill>
+                  <a:srgbClr val="374151"/>
+                </a:solidFill>
+                <a:effectLst/>
+                <a:highlight>
+                  <a:srgbClr val="FFFF00"/>
+                </a:highlight>
+                <a:latin typeface="Söhne"/>
+              </a:rPr>
+              <a:t>To start docker compose : docker compose up –d</a:t>
+            </a:r>
+          </a:p>
+          <a:p>
+            <a:r>
+              <a:rPr lang="en-US" dirty="0">
+                <a:solidFill>
+                  <a:srgbClr val="374151"/>
+                </a:solidFill>
+                <a:highlight>
+                  <a:srgbClr val="FFFF00"/>
+                </a:highlight>
+                <a:latin typeface="Söhne"/>
+              </a:rPr>
+              <a:t>To stop docker compose : docker compose down</a:t>
+            </a:r>
+            <a:endParaRPr lang="en-SG" b="0" i="0" dirty="0">
+              <a:solidFill>
+                <a:srgbClr val="374151"/>
+              </a:solidFill>
+              <a:effectLst/>
+              <a:highlight>
+                <a:srgbClr val="FFFF00"/>
+              </a:highlight>
+              <a:latin typeface="Söhne"/>
+            </a:endParaRPr>
+          </a:p>
+        </p:txBody>
+      </p:sp>
+      <p:sp>
+        <p:nvSpPr>
+          <p:cNvPr id="4" name="Slide Number Placeholder 3">
             <a:extLst>
               <a:ext uri="{FF2B5EF4-FFF2-40B4-BE49-F238E27FC236}">
-                <a16:creationId xmlns:a16="http://schemas.microsoft.com/office/drawing/2014/main" id="{8547F4C8-DA98-7E4C-CED2-89300A1B2177}"/>
+                <a16:creationId xmlns:a16="http://schemas.microsoft.com/office/drawing/2014/main" id="{812C1388-8657-1250-D0A6-7E40D2EA0D66}"/>
               </a:ext>
             </a:extLst>
           </p:cNvPr>
@@ -6730,7 +7033,7 @@
     </p:spTree>
     <p:extLst>
       <p:ext uri="{BB962C8B-B14F-4D97-AF65-F5344CB8AC3E}">
-        <p14:creationId xmlns:p14="http://schemas.microsoft.com/office/powerpoint/2010/main" val="1509451626"/>
+        <p14:creationId xmlns:p14="http://schemas.microsoft.com/office/powerpoint/2010/main" val="4162166211"/>
       </p:ext>
     </p:extLst>
   </p:cSld>
@@ -6993,12 +7296,8 @@
           <a:lstStyle/>
           <a:p>
             <a:r>
-              <a:rPr lang="en-US" dirty="0" err="1"/>
-              <a:t>MYSQL_Flask</a:t>
-            </a:r>
-            <a:r>
               <a:rPr lang="en-US" dirty="0"/>
-              <a:t> API demo</a:t>
+              <a:t>MYSQL SETUP demo</a:t>
             </a:r>
             <a:endParaRPr lang="en-SG" dirty="0"/>
           </a:p>
@@ -7061,7 +7360,7 @@
     </p:spTree>
     <p:extLst>
       <p:ext uri="{BB962C8B-B14F-4D97-AF65-F5344CB8AC3E}">
-        <p14:creationId xmlns:p14="http://schemas.microsoft.com/office/powerpoint/2010/main" val="3919938145"/>
+        <p14:creationId xmlns:p14="http://schemas.microsoft.com/office/powerpoint/2010/main" val="1509451626"/>
       </p:ext>
     </p:extLst>
   </p:cSld>
@@ -7090,10 +7389,10 @@
       </p:grpSpPr>
       <p:sp>
         <p:nvSpPr>
-          <p:cNvPr id="5" name="Title 4">
+          <p:cNvPr id="6" name="Title 5">
             <a:extLst>
               <a:ext uri="{FF2B5EF4-FFF2-40B4-BE49-F238E27FC236}">
-                <a16:creationId xmlns:a16="http://schemas.microsoft.com/office/drawing/2014/main" id="{54D940A4-007E-54D2-C48D-7AF856C5F3CC}"/>
+                <a16:creationId xmlns:a16="http://schemas.microsoft.com/office/drawing/2014/main" id="{0BE373C9-ECD7-38E7-9BCB-53AA001FA11F}"/>
               </a:ext>
             </a:extLst>
           </p:cNvPr>
@@ -7101,7 +7400,7 @@
             <a:spLocks noGrp="1"/>
           </p:cNvSpPr>
           <p:nvPr>
-            <p:ph type="title"/>
+            <p:ph type="ctrTitle"/>
           </p:nvPr>
         </p:nvSpPr>
         <p:spPr/>
@@ -7110,8 +7409,12 @@
           <a:lstStyle/>
           <a:p>
             <a:r>
+              <a:rPr lang="en-US" dirty="0" err="1"/>
+              <a:t>MYSQL_Flask</a:t>
+            </a:r>
+            <a:r>
               <a:rPr lang="en-US" dirty="0"/>
-              <a:t>Best Practices</a:t>
+              <a:t> API demo</a:t>
             </a:r>
             <a:endParaRPr lang="en-SG" dirty="0"/>
           </a:p>
@@ -7119,10 +7422,10 @@
       </p:sp>
       <p:sp>
         <p:nvSpPr>
-          <p:cNvPr id="3" name="Content Placeholder 2">
+          <p:cNvPr id="7" name="Subtitle 6">
             <a:extLst>
               <a:ext uri="{FF2B5EF4-FFF2-40B4-BE49-F238E27FC236}">
-                <a16:creationId xmlns:a16="http://schemas.microsoft.com/office/drawing/2014/main" id="{B0A1AABF-3D92-721B-BCAD-E53DA6FB1DB1}"/>
+                <a16:creationId xmlns:a16="http://schemas.microsoft.com/office/drawing/2014/main" id="{771ADAF2-7179-B246-2630-D3CCC99784E4}"/>
               </a:ext>
             </a:extLst>
           </p:cNvPr>
@@ -7130,174 +7433,24 @@
             <a:spLocks noGrp="1"/>
           </p:cNvSpPr>
           <p:nvPr>
-            <p:ph idx="1"/>
-          </p:nvPr>
-        </p:nvSpPr>
-        <p:spPr>
-          <a:xfrm>
-            <a:off x="1192697" y="2015732"/>
-            <a:ext cx="10090204" cy="3907990"/>
-          </a:xfrm>
-        </p:spPr>
-        <p:txBody>
-          <a:bodyPr>
-            <a:normAutofit fontScale="92500" lnSpcReduction="20000"/>
-          </a:bodyPr>
-          <a:lstStyle/>
-          <a:p>
-            <a:r>
-              <a:rPr lang="en-US" sz="1400" b="0" i="0" dirty="0">
-                <a:effectLst/>
-                <a:latin typeface="Söhne"/>
-              </a:rPr>
-              <a:t>Single Responsibility Principle: Each container should have a single responsibility. </a:t>
-            </a:r>
-          </a:p>
-          <a:p>
-            <a:pPr lvl="1"/>
-            <a:r>
-              <a:rPr lang="en-US" sz="1400" b="0" i="0" dirty="0">
-                <a:effectLst/>
-                <a:latin typeface="Söhne"/>
-              </a:rPr>
-              <a:t>This means one process per container. </a:t>
-            </a:r>
-          </a:p>
-          <a:p>
-            <a:pPr lvl="1"/>
-            <a:r>
-              <a:rPr lang="en-US" sz="1400" b="0" i="0" dirty="0">
-                <a:effectLst/>
-                <a:latin typeface="Söhne"/>
-              </a:rPr>
-              <a:t>For example, separate your front end, backend webservice, and database into different containers.</a:t>
-            </a:r>
-          </a:p>
-          <a:p>
-            <a:r>
-              <a:rPr lang="en-US" sz="1400" b="0" i="0" dirty="0">
-                <a:effectLst/>
-                <a:latin typeface="Söhne"/>
-              </a:rPr>
-              <a:t>Use Official Images:  </a:t>
-            </a:r>
-          </a:p>
-          <a:p>
-            <a:pPr lvl="1"/>
-            <a:r>
-              <a:rPr lang="en-US" sz="1400" dirty="0">
-                <a:latin typeface="Söhne"/>
-              </a:rPr>
-              <a:t>U</a:t>
-            </a:r>
-            <a:r>
-              <a:rPr lang="en-US" sz="1400" b="0" i="0" dirty="0">
-                <a:effectLst/>
-                <a:latin typeface="Söhne"/>
-              </a:rPr>
-              <a:t>se official Docker images from trusted sources like Docker Hub, whenever possible. </a:t>
-            </a:r>
-          </a:p>
-          <a:p>
-            <a:r>
-              <a:rPr lang="en-US" sz="1400" b="0" i="0" dirty="0">
-                <a:effectLst/>
-                <a:latin typeface="Söhne"/>
-              </a:rPr>
-              <a:t>Keep Containers Stateless:  </a:t>
-            </a:r>
-          </a:p>
-          <a:p>
-            <a:pPr lvl="1"/>
-            <a:r>
-              <a:rPr lang="en-US" sz="1400" b="0" i="0" dirty="0">
-                <a:effectLst/>
-                <a:latin typeface="Söhne"/>
-              </a:rPr>
-              <a:t>Store data and configuration outside the container, preferably in (volumes or external databases)</a:t>
-            </a:r>
-          </a:p>
-          <a:p>
-            <a:r>
-              <a:rPr lang="en-US" sz="1400" b="0" i="0" dirty="0">
-                <a:effectLst/>
-                <a:latin typeface="Söhne"/>
-              </a:rPr>
-              <a:t>Optimize Image Size: </a:t>
-            </a:r>
-          </a:p>
-          <a:p>
-            <a:pPr lvl="1"/>
-            <a:r>
-              <a:rPr lang="en-US" sz="1400" b="0" i="0" dirty="0">
-                <a:effectLst/>
-                <a:latin typeface="Söhne"/>
-              </a:rPr>
-              <a:t>Minimize the size of your Docker images to reduce deployment time and resource usage. (Tip: remove unnecessary dependencies)</a:t>
-            </a:r>
-          </a:p>
-          <a:p>
-            <a:r>
-              <a:rPr lang="en-US" sz="1400" b="0" i="0" dirty="0">
-                <a:effectLst/>
-                <a:latin typeface="Söhne"/>
-              </a:rPr>
-              <a:t>Security: </a:t>
-            </a:r>
-          </a:p>
-          <a:p>
-            <a:pPr lvl="1"/>
-            <a:r>
-              <a:rPr lang="en-US" sz="1400" b="0" i="0" dirty="0">
-                <a:effectLst/>
-                <a:latin typeface="Söhne"/>
-              </a:rPr>
-              <a:t>Follow security best practices such as using trusted base images, regularly updating images and dependencies</a:t>
-            </a:r>
-          </a:p>
-          <a:p>
-            <a:r>
-              <a:rPr lang="en-US" sz="1400" b="0" i="0" dirty="0">
-                <a:effectLst/>
-                <a:latin typeface="Söhne"/>
-              </a:rPr>
-              <a:t>Documentation: </a:t>
-            </a:r>
-          </a:p>
-          <a:p>
-            <a:pPr lvl="1"/>
-            <a:r>
-              <a:rPr lang="en-US" sz="1400" b="0" i="0" dirty="0">
-                <a:effectLst/>
-                <a:latin typeface="Söhne"/>
-              </a:rPr>
-              <a:t>Maintain clear and up-to-date documentation for your Docker images and containers. </a:t>
-            </a:r>
-          </a:p>
-          <a:p>
-            <a:endParaRPr lang="en-US" sz="1700" b="0" i="0" dirty="0">
-              <a:effectLst/>
-              <a:latin typeface="Söhne"/>
-            </a:endParaRPr>
-          </a:p>
-          <a:p>
-            <a:pPr lvl="1"/>
-            <a:endParaRPr lang="en-US" sz="1700" b="0" i="0" dirty="0">
-              <a:effectLst/>
-              <a:latin typeface="Söhne"/>
-            </a:endParaRPr>
-          </a:p>
-          <a:p>
-            <a:endParaRPr lang="en-SG" dirty="0"/>
-          </a:p>
-        </p:txBody>
-      </p:sp>
-      <p:sp>
-        <p:nvSpPr>
-          <p:cNvPr id="4" name="Slide Number Placeholder 3">
+            <p:ph type="subTitle" idx="1"/>
+          </p:nvPr>
+        </p:nvSpPr>
+        <p:spPr/>
+        <p:txBody>
+          <a:bodyPr/>
+          <a:lstStyle/>
+          <a:p>
+            <a:endParaRPr lang="en-SG"/>
+          </a:p>
+        </p:txBody>
+      </p:sp>
+      <p:sp>
+        <p:nvSpPr>
+          <p:cNvPr id="5" name="Slide Number Placeholder 4">
             <a:extLst>
               <a:ext uri="{FF2B5EF4-FFF2-40B4-BE49-F238E27FC236}">
-                <a16:creationId xmlns:a16="http://schemas.microsoft.com/office/drawing/2014/main" id="{83A6863F-0C7B-EB63-018B-8645E7A3DD6A}"/>
+                <a16:creationId xmlns:a16="http://schemas.microsoft.com/office/drawing/2014/main" id="{8547F4C8-DA98-7E4C-CED2-89300A1B2177}"/>
               </a:ext>
             </a:extLst>
           </p:cNvPr>
@@ -7324,7 +7477,7 @@
     </p:spTree>
     <p:extLst>
       <p:ext uri="{BB962C8B-B14F-4D97-AF65-F5344CB8AC3E}">
-        <p14:creationId xmlns:p14="http://schemas.microsoft.com/office/powerpoint/2010/main" val="4065584649"/>
+        <p14:creationId xmlns:p14="http://schemas.microsoft.com/office/powerpoint/2010/main" val="3919938145"/>
       </p:ext>
     </p:extLst>
   </p:cSld>
@@ -7353,10 +7506,10 @@
       </p:grpSpPr>
       <p:sp>
         <p:nvSpPr>
-          <p:cNvPr id="2" name="Title 1">
+          <p:cNvPr id="5" name="Title 4">
             <a:extLst>
               <a:ext uri="{FF2B5EF4-FFF2-40B4-BE49-F238E27FC236}">
-                <a16:creationId xmlns:a16="http://schemas.microsoft.com/office/drawing/2014/main" id="{E8E74809-A8B7-8AFB-3E3A-5A43889517B4}"/>
+                <a16:creationId xmlns:a16="http://schemas.microsoft.com/office/drawing/2014/main" id="{54D940A4-007E-54D2-C48D-7AF856C5F3CC}"/>
               </a:ext>
             </a:extLst>
           </p:cNvPr>
@@ -7374,11 +7527,7 @@
           <a:p>
             <a:r>
               <a:rPr lang="en-US" dirty="0"/>
-              <a:t>Overview of Docker </a:t>
-            </a:r>
-            <a:r>
-              <a:rPr lang="en-US" dirty="0" err="1"/>
-              <a:t>NEtworks</a:t>
+              <a:t>Best Practices</a:t>
             </a:r>
             <a:endParaRPr lang="en-SG" dirty="0"/>
           </a:p>
@@ -7389,7 +7538,7 @@
           <p:cNvPr id="3" name="Content Placeholder 2">
             <a:extLst>
               <a:ext uri="{FF2B5EF4-FFF2-40B4-BE49-F238E27FC236}">
-                <a16:creationId xmlns:a16="http://schemas.microsoft.com/office/drawing/2014/main" id="{6D06AD77-257D-6C8C-3682-4F04DC614A4F}"/>
+                <a16:creationId xmlns:a16="http://schemas.microsoft.com/office/drawing/2014/main" id="{B0A1AABF-3D92-721B-BCAD-E53DA6FB1DB1}"/>
               </a:ext>
             </a:extLst>
           </p:cNvPr>
@@ -7400,37 +7549,168 @@
             <p:ph idx="1"/>
           </p:nvPr>
         </p:nvSpPr>
-        <p:spPr/>
+        <p:spPr>
+          <a:xfrm>
+            <a:off x="1192697" y="1853754"/>
+            <a:ext cx="10090204" cy="4354541"/>
+          </a:xfrm>
+        </p:spPr>
         <p:txBody>
           <a:bodyPr>
-            <a:normAutofit/>
+            <a:normAutofit fontScale="85000" lnSpcReduction="20000"/>
           </a:bodyPr>
           <a:lstStyle/>
           <a:p>
             <a:r>
-              <a:rPr lang="en-US" dirty="0"/>
-              <a:t>Docker networking allows containers to communicate with each other, similar to how computers on a network communicate. </a:t>
-            </a:r>
-          </a:p>
-          <a:p>
-            <a:r>
-              <a:rPr lang="en-US" dirty="0"/>
-              <a:t>Docker networking is like connecting different pieces of a puzzle to make them work together. </a:t>
-            </a:r>
+              <a:rPr lang="en-US" sz="1600" b="0" i="0" dirty="0">
+                <a:effectLst/>
+                <a:latin typeface="Söhne"/>
+              </a:rPr>
+              <a:t>Single Responsibility Principle: Each container should have a single responsibility. </a:t>
+            </a:r>
+          </a:p>
+          <a:p>
+            <a:pPr lvl="1"/>
+            <a:r>
+              <a:rPr lang="en-US" sz="1600" b="0" i="0" dirty="0">
+                <a:effectLst/>
+                <a:latin typeface="Söhne"/>
+              </a:rPr>
+              <a:t>This means one process per container. </a:t>
+            </a:r>
+          </a:p>
+          <a:p>
+            <a:pPr lvl="1"/>
+            <a:r>
+              <a:rPr lang="en-US" sz="1600" dirty="0">
+                <a:latin typeface="Söhne"/>
+              </a:rPr>
+              <a:t>Ex.</a:t>
+            </a:r>
+            <a:r>
+              <a:rPr lang="en-US" sz="1600" b="0" i="0" dirty="0">
+                <a:effectLst/>
+                <a:latin typeface="Söhne"/>
+              </a:rPr>
+              <a:t> separate your front end, backend webservice, and database into different containers.</a:t>
+            </a:r>
+          </a:p>
+          <a:p>
+            <a:r>
+              <a:rPr lang="en-US" sz="1600" b="0" i="0" dirty="0">
+                <a:effectLst/>
+                <a:latin typeface="Söhne"/>
+              </a:rPr>
+              <a:t>Use Official Images:  </a:t>
+            </a:r>
+          </a:p>
+          <a:p>
+            <a:pPr lvl="1"/>
+            <a:r>
+              <a:rPr lang="en-US" sz="1600" dirty="0">
+                <a:latin typeface="Söhne"/>
+              </a:rPr>
+              <a:t>U</a:t>
+            </a:r>
+            <a:r>
+              <a:rPr lang="en-US" sz="1600" b="0" i="0" dirty="0">
+                <a:effectLst/>
+                <a:latin typeface="Söhne"/>
+              </a:rPr>
+              <a:t>se official Docker images from trusted sources like Docker Hub, whenever possible. </a:t>
+            </a:r>
+          </a:p>
+          <a:p>
+            <a:r>
+              <a:rPr lang="en-US" sz="1600" b="0" i="0" dirty="0">
+                <a:effectLst/>
+                <a:latin typeface="Söhne"/>
+              </a:rPr>
+              <a:t>Keep Containers Stateless:  </a:t>
+            </a:r>
+          </a:p>
+          <a:p>
+            <a:pPr lvl="1"/>
+            <a:r>
+              <a:rPr lang="en-US" sz="1600" b="0" i="0" dirty="0">
+                <a:effectLst/>
+                <a:latin typeface="Söhne"/>
+              </a:rPr>
+              <a:t>Store data and configuration outside the container, preferably in (volumes or external databases)</a:t>
+            </a:r>
+          </a:p>
+          <a:p>
+            <a:r>
+              <a:rPr lang="en-US" sz="1600" b="0" i="0" dirty="0">
+                <a:effectLst/>
+                <a:latin typeface="Söhne"/>
+              </a:rPr>
+              <a:t>Optimize Image Size: </a:t>
+            </a:r>
+          </a:p>
+          <a:p>
+            <a:pPr lvl="1"/>
+            <a:r>
+              <a:rPr lang="en-US" sz="1600" b="0" i="0" dirty="0">
+                <a:effectLst/>
+                <a:latin typeface="Söhne"/>
+              </a:rPr>
+              <a:t>Minimize the size of your Docker images to reduce deployment time and resource usage. (Tip: remove unnecessary dependencies)</a:t>
+            </a:r>
+          </a:p>
+          <a:p>
+            <a:r>
+              <a:rPr lang="en-US" sz="1600" b="0" i="0" dirty="0">
+                <a:effectLst/>
+                <a:latin typeface="Söhne"/>
+              </a:rPr>
+              <a:t>Security: </a:t>
+            </a:r>
+          </a:p>
+          <a:p>
+            <a:pPr lvl="1"/>
+            <a:r>
+              <a:rPr lang="en-US" sz="1600" b="0" i="0" dirty="0">
+                <a:effectLst/>
+                <a:latin typeface="Söhne"/>
+              </a:rPr>
+              <a:t>Follow security best practices such as using trusted base images, regularly updating images and dependencies</a:t>
+            </a:r>
+          </a:p>
+          <a:p>
+            <a:r>
+              <a:rPr lang="en-US" sz="1600" b="0" i="0" dirty="0">
+                <a:effectLst/>
+                <a:latin typeface="Söhne"/>
+              </a:rPr>
+              <a:t>Documentation: </a:t>
+            </a:r>
+          </a:p>
+          <a:p>
+            <a:pPr lvl="1"/>
+            <a:r>
+              <a:rPr lang="en-US" sz="1600" b="0" i="0" dirty="0">
+                <a:effectLst/>
+                <a:latin typeface="Söhne"/>
+              </a:rPr>
+              <a:t>Maintain clear and up-to-date documentation for your Docker images and containers. </a:t>
+            </a:r>
+          </a:p>
+          <a:p>
+            <a:endParaRPr lang="en-US" sz="1700" b="0" i="0" dirty="0">
+              <a:effectLst/>
+              <a:latin typeface="Söhne"/>
+            </a:endParaRPr>
+          </a:p>
+          <a:p>
+            <a:pPr lvl="1"/>
+            <a:endParaRPr lang="en-US" sz="1700" b="0" i="0" dirty="0">
+              <a:effectLst/>
+              <a:latin typeface="Söhne"/>
+            </a:endParaRPr>
+          </a:p>
+          <a:p>
             <a:endParaRPr lang="en-SG" dirty="0"/>
-          </a:p>
-          <a:p>
-            <a:r>
-              <a:rPr lang="en-SG" dirty="0"/>
-              <a:t>Command for managing Docker networks.</a:t>
-            </a:r>
-          </a:p>
-          <a:p>
-            <a:pPr lvl="2"/>
-            <a:r>
-              <a:rPr lang="en-SG" dirty="0"/>
-              <a:t>Ex: docker network create my-network</a:t>
-            </a:r>
           </a:p>
         </p:txBody>
       </p:sp>
@@ -7439,7 +7719,7 @@
           <p:cNvPr id="4" name="Slide Number Placeholder 3">
             <a:extLst>
               <a:ext uri="{FF2B5EF4-FFF2-40B4-BE49-F238E27FC236}">
-                <a16:creationId xmlns:a16="http://schemas.microsoft.com/office/drawing/2014/main" id="{C94C6622-48F8-8CFB-64C0-9EDC8E4FE292}"/>
+                <a16:creationId xmlns:a16="http://schemas.microsoft.com/office/drawing/2014/main" id="{83A6863F-0C7B-EB63-018B-8645E7A3DD6A}"/>
               </a:ext>
             </a:extLst>
           </p:cNvPr>
@@ -7466,7 +7746,7 @@
     </p:spTree>
     <p:extLst>
       <p:ext uri="{BB962C8B-B14F-4D97-AF65-F5344CB8AC3E}">
-        <p14:creationId xmlns:p14="http://schemas.microsoft.com/office/powerpoint/2010/main" val="3175061686"/>
+        <p14:creationId xmlns:p14="http://schemas.microsoft.com/office/powerpoint/2010/main" val="4065584649"/>
       </p:ext>
     </p:extLst>
   </p:cSld>
@@ -7495,6 +7775,167 @@
       </p:grpSpPr>
       <p:sp>
         <p:nvSpPr>
+          <p:cNvPr id="2" name="Title 1">
+            <a:extLst>
+              <a:ext uri="{FF2B5EF4-FFF2-40B4-BE49-F238E27FC236}">
+                <a16:creationId xmlns:a16="http://schemas.microsoft.com/office/drawing/2014/main" id="{E8E74809-A8B7-8AFB-3E3A-5A43889517B4}"/>
+              </a:ext>
+            </a:extLst>
+          </p:cNvPr>
+          <p:cNvSpPr>
+            <a:spLocks noGrp="1"/>
+          </p:cNvSpPr>
+          <p:nvPr>
+            <p:ph type="title"/>
+          </p:nvPr>
+        </p:nvSpPr>
+        <p:spPr/>
+        <p:txBody>
+          <a:bodyPr/>
+          <a:lstStyle/>
+          <a:p>
+            <a:r>
+              <a:rPr lang="en-US" dirty="0"/>
+              <a:t>Overview of Docker </a:t>
+            </a:r>
+            <a:r>
+              <a:rPr lang="en-US" dirty="0" err="1"/>
+              <a:t>NEtworks</a:t>
+            </a:r>
+            <a:endParaRPr lang="en-SG" dirty="0"/>
+          </a:p>
+        </p:txBody>
+      </p:sp>
+      <p:sp>
+        <p:nvSpPr>
+          <p:cNvPr id="3" name="Content Placeholder 2">
+            <a:extLst>
+              <a:ext uri="{FF2B5EF4-FFF2-40B4-BE49-F238E27FC236}">
+                <a16:creationId xmlns:a16="http://schemas.microsoft.com/office/drawing/2014/main" id="{6D06AD77-257D-6C8C-3682-4F04DC614A4F}"/>
+              </a:ext>
+            </a:extLst>
+          </p:cNvPr>
+          <p:cNvSpPr>
+            <a:spLocks noGrp="1"/>
+          </p:cNvSpPr>
+          <p:nvPr>
+            <p:ph idx="1"/>
+          </p:nvPr>
+        </p:nvSpPr>
+        <p:spPr/>
+        <p:txBody>
+          <a:bodyPr>
+            <a:normAutofit/>
+          </a:bodyPr>
+          <a:lstStyle/>
+          <a:p>
+            <a:r>
+              <a:rPr lang="en-US" sz="1800" dirty="0">
+                <a:latin typeface="Söhne"/>
+              </a:rPr>
+              <a:t>Docker networking allows containers to communicate with each other, similar to how computers on a network communicate. </a:t>
+            </a:r>
+          </a:p>
+          <a:p>
+            <a:r>
+              <a:rPr lang="en-US" sz="1800" dirty="0">
+                <a:latin typeface="Söhne"/>
+              </a:rPr>
+              <a:t>Docker network is a virtual network created by Docker to enable communication between Docker containers. </a:t>
+            </a:r>
+          </a:p>
+          <a:p>
+            <a:pPr lvl="1"/>
+            <a:r>
+              <a:rPr lang="en-US" sz="1600" dirty="0">
+                <a:latin typeface="Söhne"/>
+              </a:rPr>
+              <a:t>If two containers are running on the same host machine (our computer where Docker is installed and running) within a Docker network, they can communicate with each other without the need for ports to be exposed to the host machine. 	</a:t>
+            </a:r>
+            <a:endParaRPr lang="en-SG" sz="1600" dirty="0">
+              <a:latin typeface="Söhne"/>
+            </a:endParaRPr>
+          </a:p>
+          <a:p>
+            <a:r>
+              <a:rPr lang="en-SG" sz="1800" dirty="0">
+                <a:latin typeface="Söhne"/>
+              </a:rPr>
+              <a:t>Command for managing Docker networks.</a:t>
+            </a:r>
+          </a:p>
+          <a:p>
+            <a:pPr lvl="2"/>
+            <a:r>
+              <a:rPr lang="en-SG" sz="1800" dirty="0">
+                <a:latin typeface="Söhne"/>
+              </a:rPr>
+              <a:t>Ex: docker network create my-network</a:t>
+            </a:r>
+          </a:p>
+        </p:txBody>
+      </p:sp>
+      <p:sp>
+        <p:nvSpPr>
+          <p:cNvPr id="4" name="Slide Number Placeholder 3">
+            <a:extLst>
+              <a:ext uri="{FF2B5EF4-FFF2-40B4-BE49-F238E27FC236}">
+                <a16:creationId xmlns:a16="http://schemas.microsoft.com/office/drawing/2014/main" id="{C94C6622-48F8-8CFB-64C0-9EDC8E4FE292}"/>
+              </a:ext>
+            </a:extLst>
+          </p:cNvPr>
+          <p:cNvSpPr>
+            <a:spLocks noGrp="1"/>
+          </p:cNvSpPr>
+          <p:nvPr>
+            <p:ph type="sldNum" sz="quarter" idx="12"/>
+          </p:nvPr>
+        </p:nvSpPr>
+        <p:spPr/>
+        <p:txBody>
+          <a:bodyPr/>
+          <a:lstStyle/>
+          <a:p>
+            <a:fld id="{6D22F896-40B5-4ADD-8801-0D06FADFA095}" type="slidenum">
+              <a:rPr lang="en-US" smtClean="0"/>
+              <a:t>23</a:t>
+            </a:fld>
+            <a:endParaRPr lang="en-US" dirty="0"/>
+          </a:p>
+        </p:txBody>
+      </p:sp>
+    </p:spTree>
+    <p:extLst>
+      <p:ext uri="{BB962C8B-B14F-4D97-AF65-F5344CB8AC3E}">
+        <p14:creationId xmlns:p14="http://schemas.microsoft.com/office/powerpoint/2010/main" val="3175061686"/>
+      </p:ext>
+    </p:extLst>
+  </p:cSld>
+  <p:clrMapOvr>
+    <a:masterClrMapping/>
+  </p:clrMapOvr>
+</p:sld>
+</file>
+
+<file path=ppt/slides/slide24.xml><?xml version="1.0" encoding="utf-8"?>
+<p:sld xmlns:a="http://schemas.openxmlformats.org/drawingml/2006/main" xmlns:r="http://schemas.openxmlformats.org/officeDocument/2006/relationships" xmlns:p="http://schemas.openxmlformats.org/presentationml/2006/main">
+  <p:cSld>
+    <p:spTree>
+      <p:nvGrpSpPr>
+        <p:cNvPr id="1" name=""/>
+        <p:cNvGrpSpPr/>
+        <p:nvPr/>
+      </p:nvGrpSpPr>
+      <p:grpSpPr>
+        <a:xfrm>
+          <a:off x="0" y="0"/>
+          <a:ext cx="0" cy="0"/>
+          <a:chOff x="0" y="0"/>
+          <a:chExt cx="0" cy="0"/>
+        </a:xfrm>
+      </p:grpSpPr>
+      <p:sp>
+        <p:nvSpPr>
           <p:cNvPr id="5" name="Title 4">
             <a:extLst>
               <a:ext uri="{FF2B5EF4-FFF2-40B4-BE49-F238E27FC236}">
@@ -7544,13 +7985,13 @@
         </p:nvSpPr>
         <p:spPr>
           <a:xfrm>
-            <a:off x="1057524" y="2010878"/>
-            <a:ext cx="5880276" cy="3448595"/>
+            <a:off x="1057524" y="2010877"/>
+            <a:ext cx="5880276" cy="4042233"/>
           </a:xfrm>
         </p:spPr>
         <p:txBody>
           <a:bodyPr>
-            <a:normAutofit fontScale="92500" lnSpcReduction="10000"/>
+            <a:normAutofit lnSpcReduction="10000"/>
           </a:bodyPr>
           <a:lstStyle/>
           <a:p>
@@ -7602,7 +8043,7 @@
                 </a:solidFill>
                 <a:latin typeface="Söhne"/>
               </a:rPr>
-              <a:t>Tagging Custom Images: Use the docker tag command to assign a tag to your custom image, indicating the repository and version.</a:t>
+              <a:t>Tagging Custom Images: Use the ‘docker tag’ command to assign a tag to your custom image, indicating the repository and version.</a:t>
             </a:r>
           </a:p>
           <a:p>
@@ -7716,7 +8157,7 @@
           <a:p>
             <a:fld id="{6D22F896-40B5-4ADD-8801-0D06FADFA095}" type="slidenum">
               <a:rPr lang="en-US" smtClean="0"/>
-              <a:t>23</a:t>
+              <a:t>24</a:t>
             </a:fld>
             <a:endParaRPr lang="en-US" dirty="0"/>
           </a:p>
@@ -7746,7 +8187,7 @@
         </p:spPr>
         <p:txBody>
           <a:bodyPr>
-            <a:normAutofit fontScale="92500" lnSpcReduction="10000"/>
+            <a:normAutofit lnSpcReduction="10000"/>
           </a:bodyPr>
           <a:lstStyle/>
           <a:p>
@@ -7797,220 +8238,6 @@
 </p:sld>
 </file>
 
-<file path=ppt/slides/slide24.xml><?xml version="1.0" encoding="utf-8"?>
-<p:sld xmlns:a="http://schemas.openxmlformats.org/drawingml/2006/main" xmlns:r="http://schemas.openxmlformats.org/officeDocument/2006/relationships" xmlns:p="http://schemas.openxmlformats.org/presentationml/2006/main">
-  <p:cSld>
-    <p:spTree>
-      <p:nvGrpSpPr>
-        <p:cNvPr id="1" name=""/>
-        <p:cNvGrpSpPr/>
-        <p:nvPr/>
-      </p:nvGrpSpPr>
-      <p:grpSpPr>
-        <a:xfrm>
-          <a:off x="0" y="0"/>
-          <a:ext cx="0" cy="0"/>
-          <a:chOff x="0" y="0"/>
-          <a:chExt cx="0" cy="0"/>
-        </a:xfrm>
-      </p:grpSpPr>
-      <p:sp>
-        <p:nvSpPr>
-          <p:cNvPr id="2" name="Title 1">
-            <a:extLst>
-              <a:ext uri="{FF2B5EF4-FFF2-40B4-BE49-F238E27FC236}">
-                <a16:creationId xmlns:a16="http://schemas.microsoft.com/office/drawing/2014/main" id="{E8E74809-A8B7-8AFB-3E3A-5A43889517B4}"/>
-              </a:ext>
-            </a:extLst>
-          </p:cNvPr>
-          <p:cNvSpPr>
-            <a:spLocks noGrp="1"/>
-          </p:cNvSpPr>
-          <p:nvPr>
-            <p:ph type="title"/>
-          </p:nvPr>
-        </p:nvSpPr>
-        <p:spPr/>
-        <p:txBody>
-          <a:bodyPr/>
-          <a:lstStyle/>
-          <a:p>
-            <a:r>
-              <a:rPr lang="en-US" dirty="0"/>
-              <a:t>Important Docker Commands</a:t>
-            </a:r>
-            <a:endParaRPr lang="en-SG" dirty="0"/>
-          </a:p>
-        </p:txBody>
-      </p:sp>
-      <p:sp>
-        <p:nvSpPr>
-          <p:cNvPr id="3" name="Content Placeholder 2">
-            <a:extLst>
-              <a:ext uri="{FF2B5EF4-FFF2-40B4-BE49-F238E27FC236}">
-                <a16:creationId xmlns:a16="http://schemas.microsoft.com/office/drawing/2014/main" id="{6D06AD77-257D-6C8C-3682-4F04DC614A4F}"/>
-              </a:ext>
-            </a:extLst>
-          </p:cNvPr>
-          <p:cNvSpPr>
-            <a:spLocks noGrp="1"/>
-          </p:cNvSpPr>
-          <p:nvPr>
-            <p:ph idx="1"/>
-          </p:nvPr>
-        </p:nvSpPr>
-        <p:spPr/>
-        <p:txBody>
-          <a:bodyPr>
-            <a:normAutofit/>
-          </a:bodyPr>
-          <a:lstStyle/>
-          <a:p>
-            <a:r>
-              <a:rPr lang="en-SG" sz="1800" dirty="0">
-                <a:solidFill>
-                  <a:srgbClr val="0D0D0D"/>
-                </a:solidFill>
-                <a:latin typeface="Söhne"/>
-              </a:rPr>
-              <a:t>docker pull: Command for pulling an image or repository from a registry like Docker Hub.</a:t>
-            </a:r>
-          </a:p>
-          <a:p>
-            <a:pPr lvl="1"/>
-            <a:r>
-              <a:rPr lang="en-SG" dirty="0">
-                <a:solidFill>
-                  <a:srgbClr val="0D0D0D"/>
-                </a:solidFill>
-                <a:latin typeface="Söhne"/>
-              </a:rPr>
-              <a:t>Ex : docker pull python:3.9-slim</a:t>
-            </a:r>
-          </a:p>
-          <a:p>
-            <a:r>
-              <a:rPr lang="en-SG" sz="1800" dirty="0">
-                <a:solidFill>
-                  <a:srgbClr val="0D0D0D"/>
-                </a:solidFill>
-                <a:latin typeface="Söhne"/>
-              </a:rPr>
-              <a:t>docker images: Command for listing available images on the local system.</a:t>
-            </a:r>
-          </a:p>
-          <a:p>
-            <a:pPr lvl="1"/>
-            <a:r>
-              <a:rPr lang="en-SG" dirty="0">
-                <a:solidFill>
-                  <a:srgbClr val="0D0D0D"/>
-                </a:solidFill>
-                <a:latin typeface="Söhne"/>
-              </a:rPr>
-              <a:t>Ex: docker images</a:t>
-            </a:r>
-          </a:p>
-          <a:p>
-            <a:r>
-              <a:rPr lang="en-SG" sz="1800" dirty="0">
-                <a:solidFill>
-                  <a:srgbClr val="0D0D0D"/>
-                </a:solidFill>
-                <a:latin typeface="Söhne"/>
-              </a:rPr>
-              <a:t>docker </a:t>
-            </a:r>
-            <a:r>
-              <a:rPr lang="en-SG" sz="1800" dirty="0" err="1">
-                <a:solidFill>
-                  <a:srgbClr val="0D0D0D"/>
-                </a:solidFill>
-                <a:latin typeface="Söhne"/>
-              </a:rPr>
-              <a:t>ps</a:t>
-            </a:r>
-            <a:r>
-              <a:rPr lang="en-SG" sz="1800" dirty="0">
-                <a:solidFill>
-                  <a:srgbClr val="0D0D0D"/>
-                </a:solidFill>
-                <a:latin typeface="Söhne"/>
-              </a:rPr>
-              <a:t>: Command for listing running containers.</a:t>
-            </a:r>
-          </a:p>
-          <a:p>
-            <a:pPr lvl="1"/>
-            <a:r>
-              <a:rPr lang="en-SG" dirty="0">
-                <a:solidFill>
-                  <a:srgbClr val="0D0D0D"/>
-                </a:solidFill>
-                <a:latin typeface="Söhne"/>
-              </a:rPr>
-              <a:t>Ex: docker </a:t>
-            </a:r>
-            <a:r>
-              <a:rPr lang="en-SG" dirty="0" err="1">
-                <a:solidFill>
-                  <a:srgbClr val="0D0D0D"/>
-                </a:solidFill>
-                <a:latin typeface="Söhne"/>
-              </a:rPr>
-              <a:t>ps</a:t>
-            </a:r>
-            <a:endParaRPr lang="en-SG" dirty="0">
-              <a:solidFill>
-                <a:srgbClr val="0D0D0D"/>
-              </a:solidFill>
-              <a:latin typeface="Söhne"/>
-            </a:endParaRPr>
-          </a:p>
-        </p:txBody>
-      </p:sp>
-      <p:sp>
-        <p:nvSpPr>
-          <p:cNvPr id="4" name="Slide Number Placeholder 3">
-            <a:extLst>
-              <a:ext uri="{FF2B5EF4-FFF2-40B4-BE49-F238E27FC236}">
-                <a16:creationId xmlns:a16="http://schemas.microsoft.com/office/drawing/2014/main" id="{C94C6622-48F8-8CFB-64C0-9EDC8E4FE292}"/>
-              </a:ext>
-            </a:extLst>
-          </p:cNvPr>
-          <p:cNvSpPr>
-            <a:spLocks noGrp="1"/>
-          </p:cNvSpPr>
-          <p:nvPr>
-            <p:ph type="sldNum" sz="quarter" idx="12"/>
-          </p:nvPr>
-        </p:nvSpPr>
-        <p:spPr/>
-        <p:txBody>
-          <a:bodyPr/>
-          <a:lstStyle/>
-          <a:p>
-            <a:fld id="{6D22F896-40B5-4ADD-8801-0D06FADFA095}" type="slidenum">
-              <a:rPr lang="en-US" smtClean="0"/>
-              <a:t>24</a:t>
-            </a:fld>
-            <a:endParaRPr lang="en-US" dirty="0"/>
-          </a:p>
-        </p:txBody>
-      </p:sp>
-    </p:spTree>
-    <p:extLst>
-      <p:ext uri="{BB962C8B-B14F-4D97-AF65-F5344CB8AC3E}">
-        <p14:creationId xmlns:p14="http://schemas.microsoft.com/office/powerpoint/2010/main" val="2978262395"/>
-      </p:ext>
-    </p:extLst>
-  </p:cSld>
-  <p:clrMapOvr>
-    <a:masterClrMapping/>
-  </p:clrMapOvr>
-</p:sld>
-</file>
-
 <file path=ppt/slides/slide25.xml><?xml version="1.0" encoding="utf-8"?>
 <p:sld xmlns:a="http://schemas.openxmlformats.org/drawingml/2006/main" xmlns:r="http://schemas.openxmlformats.org/officeDocument/2006/relationships" xmlns:p="http://schemas.openxmlformats.org/presentationml/2006/main">
   <p:cSld>
@@ -8087,7 +8314,53 @@
                 </a:solidFill>
                 <a:latin typeface="Söhne"/>
               </a:rPr>
-              <a:t>docker build: Command for building a Docker image from a </a:t>
+              <a:t>docker pull: Command for pulling an image or repository from a registry like Docker Hub.</a:t>
+            </a:r>
+          </a:p>
+          <a:p>
+            <a:pPr lvl="1"/>
+            <a:r>
+              <a:rPr lang="en-SG" dirty="0">
+                <a:solidFill>
+                  <a:srgbClr val="0D0D0D"/>
+                </a:solidFill>
+                <a:latin typeface="Söhne"/>
+              </a:rPr>
+              <a:t>Ex : docker pull python:3.9-slim</a:t>
+            </a:r>
+          </a:p>
+          <a:p>
+            <a:r>
+              <a:rPr lang="en-SG" sz="1800" dirty="0">
+                <a:solidFill>
+                  <a:srgbClr val="0D0D0D"/>
+                </a:solidFill>
+                <a:latin typeface="Söhne"/>
+              </a:rPr>
+              <a:t>docker images: Command for listing available images on the local system.</a:t>
+            </a:r>
+          </a:p>
+          <a:p>
+            <a:pPr lvl="1"/>
+            <a:r>
+              <a:rPr lang="en-SG" dirty="0">
+                <a:solidFill>
+                  <a:srgbClr val="0D0D0D"/>
+                </a:solidFill>
+                <a:latin typeface="Söhne"/>
+              </a:rPr>
+              <a:t>Ex: docker images</a:t>
+            </a:r>
+          </a:p>
+          <a:p>
+            <a:r>
+              <a:rPr lang="en-SG" sz="1800" dirty="0">
+                <a:solidFill>
+                  <a:srgbClr val="0D0D0D"/>
+                </a:solidFill>
+                <a:latin typeface="Söhne"/>
+              </a:rPr>
+              <a:t>docker </a:t>
             </a:r>
             <a:r>
               <a:rPr lang="en-SG" sz="1800" dirty="0" err="1">
@@ -8096,7 +8369,7 @@
                 </a:solidFill>
                 <a:latin typeface="Söhne"/>
               </a:rPr>
-              <a:t>Dockerfile</a:t>
+              <a:t>ps</a:t>
             </a:r>
             <a:r>
               <a:rPr lang="en-SG" sz="1800" dirty="0">
@@ -8105,7 +8378,7 @@
                 </a:solidFill>
                 <a:latin typeface="Söhne"/>
               </a:rPr>
-              <a:t>.</a:t>
+              <a:t>: Command for listing running containers.</a:t>
             </a:r>
           </a:p>
           <a:p>
@@ -8117,72 +8390,23 @@
                 </a:solidFill>
                 <a:latin typeface="Söhne"/>
               </a:rPr>
-              <a:t>Ex: docker build -t my-python-app .</a:t>
-            </a:r>
-          </a:p>
-          <a:p>
-            <a:r>
-              <a:rPr lang="en-SG" sz="1800" dirty="0">
+              <a:t>Ex: docker </a:t>
+            </a:r>
+            <a:r>
+              <a:rPr lang="en-SG" dirty="0" err="1">
                 <a:solidFill>
                   <a:srgbClr val="0D0D0D"/>
                 </a:solidFill>
                 <a:latin typeface="Söhne"/>
               </a:rPr>
-              <a:t>docker run: Command for creating and running a container from an image.</a:t>
-            </a:r>
-          </a:p>
-          <a:p>
-            <a:pPr lvl="1"/>
-            <a:r>
-              <a:rPr lang="en-SG" dirty="0">
-                <a:solidFill>
-                  <a:srgbClr val="0D0D0D"/>
-                </a:solidFill>
-                <a:latin typeface="Söhne"/>
-              </a:rPr>
-              <a:t>Ex: docker run my-python-app</a:t>
-            </a:r>
-          </a:p>
-          <a:p>
-            <a:r>
-              <a:rPr lang="en-SG" sz="1800" dirty="0">
-                <a:solidFill>
-                  <a:srgbClr val="0D0D0D"/>
-                </a:solidFill>
-                <a:latin typeface="Söhne"/>
-              </a:rPr>
-              <a:t>docker-compose: Command for managing multi-container Docker applications using a Docker Compose </a:t>
-            </a:r>
-            <a:r>
-              <a:rPr lang="en-SG" sz="1800" dirty="0" err="1">
-                <a:solidFill>
-                  <a:srgbClr val="0D0D0D"/>
-                </a:solidFill>
-                <a:latin typeface="Söhne"/>
-              </a:rPr>
-              <a:t>yml</a:t>
-            </a:r>
-            <a:r>
-              <a:rPr lang="en-SG" sz="1800" dirty="0">
-                <a:solidFill>
-                  <a:srgbClr val="0D0D0D"/>
-                </a:solidFill>
-                <a:latin typeface="Söhne"/>
-              </a:rPr>
-              <a:t> file.</a:t>
-            </a:r>
-          </a:p>
-          <a:p>
-            <a:pPr lvl="1"/>
-            <a:r>
-              <a:rPr lang="en-SG" dirty="0">
-                <a:solidFill>
-                  <a:srgbClr val="0D0D0D"/>
-                </a:solidFill>
-                <a:latin typeface="Söhne"/>
-              </a:rPr>
-              <a:t>Example: docker-compose up -d</a:t>
-            </a:r>
+              <a:t>ps</a:t>
+            </a:r>
+            <a:endParaRPr lang="en-SG" dirty="0">
+              <a:solidFill>
+                <a:srgbClr val="0D0D0D"/>
+              </a:solidFill>
+              <a:latin typeface="Söhne"/>
+            </a:endParaRPr>
           </a:p>
         </p:txBody>
       </p:sp>
@@ -8218,7 +8442,7 @@
     </p:spTree>
     <p:extLst>
       <p:ext uri="{BB962C8B-B14F-4D97-AF65-F5344CB8AC3E}">
-        <p14:creationId xmlns:p14="http://schemas.microsoft.com/office/powerpoint/2010/main" val="3881800110"/>
+        <p14:creationId xmlns:p14="http://schemas.microsoft.com/office/powerpoint/2010/main" val="2978262395"/>
       </p:ext>
     </p:extLst>
   </p:cSld>
@@ -8247,6 +8471,223 @@
       </p:grpSpPr>
       <p:sp>
         <p:nvSpPr>
+          <p:cNvPr id="2" name="Title 1">
+            <a:extLst>
+              <a:ext uri="{FF2B5EF4-FFF2-40B4-BE49-F238E27FC236}">
+                <a16:creationId xmlns:a16="http://schemas.microsoft.com/office/drawing/2014/main" id="{E8E74809-A8B7-8AFB-3E3A-5A43889517B4}"/>
+              </a:ext>
+            </a:extLst>
+          </p:cNvPr>
+          <p:cNvSpPr>
+            <a:spLocks noGrp="1"/>
+          </p:cNvSpPr>
+          <p:nvPr>
+            <p:ph type="title"/>
+          </p:nvPr>
+        </p:nvSpPr>
+        <p:spPr/>
+        <p:txBody>
+          <a:bodyPr/>
+          <a:lstStyle/>
+          <a:p>
+            <a:r>
+              <a:rPr lang="en-US" dirty="0"/>
+              <a:t>Important Docker Commands</a:t>
+            </a:r>
+            <a:endParaRPr lang="en-SG" dirty="0"/>
+          </a:p>
+        </p:txBody>
+      </p:sp>
+      <p:sp>
+        <p:nvSpPr>
+          <p:cNvPr id="3" name="Content Placeholder 2">
+            <a:extLst>
+              <a:ext uri="{FF2B5EF4-FFF2-40B4-BE49-F238E27FC236}">
+                <a16:creationId xmlns:a16="http://schemas.microsoft.com/office/drawing/2014/main" id="{6D06AD77-257D-6C8C-3682-4F04DC614A4F}"/>
+              </a:ext>
+            </a:extLst>
+          </p:cNvPr>
+          <p:cNvSpPr>
+            <a:spLocks noGrp="1"/>
+          </p:cNvSpPr>
+          <p:nvPr>
+            <p:ph idx="1"/>
+          </p:nvPr>
+        </p:nvSpPr>
+        <p:spPr/>
+        <p:txBody>
+          <a:bodyPr>
+            <a:normAutofit/>
+          </a:bodyPr>
+          <a:lstStyle/>
+          <a:p>
+            <a:r>
+              <a:rPr lang="en-SG" sz="1800" dirty="0">
+                <a:solidFill>
+                  <a:srgbClr val="0D0D0D"/>
+                </a:solidFill>
+                <a:latin typeface="Söhne"/>
+              </a:rPr>
+              <a:t>docker build: Command for building a Docker image from a </a:t>
+            </a:r>
+            <a:r>
+              <a:rPr lang="en-SG" sz="1800" dirty="0" err="1">
+                <a:solidFill>
+                  <a:srgbClr val="0D0D0D"/>
+                </a:solidFill>
+                <a:latin typeface="Söhne"/>
+              </a:rPr>
+              <a:t>Dockerfile</a:t>
+            </a:r>
+            <a:r>
+              <a:rPr lang="en-SG" sz="1800" dirty="0">
+                <a:solidFill>
+                  <a:srgbClr val="0D0D0D"/>
+                </a:solidFill>
+                <a:latin typeface="Söhne"/>
+              </a:rPr>
+              <a:t>.</a:t>
+            </a:r>
+          </a:p>
+          <a:p>
+            <a:pPr lvl="1"/>
+            <a:r>
+              <a:rPr lang="en-SG" dirty="0">
+                <a:solidFill>
+                  <a:srgbClr val="0D0D0D"/>
+                </a:solidFill>
+                <a:latin typeface="Söhne"/>
+              </a:rPr>
+              <a:t>Ex: docker build -t my-python-app .</a:t>
+            </a:r>
+          </a:p>
+          <a:p>
+            <a:r>
+              <a:rPr lang="en-SG" sz="1800" dirty="0">
+                <a:solidFill>
+                  <a:srgbClr val="0D0D0D"/>
+                </a:solidFill>
+                <a:latin typeface="Söhne"/>
+              </a:rPr>
+              <a:t>docker run: Command for creating and running a container from an image.</a:t>
+            </a:r>
+          </a:p>
+          <a:p>
+            <a:pPr lvl="1"/>
+            <a:r>
+              <a:rPr lang="en-SG" dirty="0">
+                <a:solidFill>
+                  <a:srgbClr val="0D0D0D"/>
+                </a:solidFill>
+                <a:latin typeface="Söhne"/>
+              </a:rPr>
+              <a:t>Ex: docker run my-python-app</a:t>
+            </a:r>
+          </a:p>
+          <a:p>
+            <a:r>
+              <a:rPr lang="en-SG" sz="1800" dirty="0">
+                <a:solidFill>
+                  <a:srgbClr val="0D0D0D"/>
+                </a:solidFill>
+                <a:latin typeface="Söhne"/>
+              </a:rPr>
+              <a:t>docker-compose: Command for managing multi-container Docker applications using a Docker Compose </a:t>
+            </a:r>
+            <a:r>
+              <a:rPr lang="en-SG" sz="1800" dirty="0" err="1">
+                <a:solidFill>
+                  <a:srgbClr val="0D0D0D"/>
+                </a:solidFill>
+                <a:latin typeface="Söhne"/>
+              </a:rPr>
+              <a:t>yml</a:t>
+            </a:r>
+            <a:r>
+              <a:rPr lang="en-SG" sz="1800" dirty="0">
+                <a:solidFill>
+                  <a:srgbClr val="0D0D0D"/>
+                </a:solidFill>
+                <a:latin typeface="Söhne"/>
+              </a:rPr>
+              <a:t> file.</a:t>
+            </a:r>
+          </a:p>
+          <a:p>
+            <a:pPr lvl="1"/>
+            <a:r>
+              <a:rPr lang="en-SG" dirty="0">
+                <a:solidFill>
+                  <a:srgbClr val="0D0D0D"/>
+                </a:solidFill>
+                <a:latin typeface="Söhne"/>
+              </a:rPr>
+              <a:t>Example: docker-compose up -d</a:t>
+            </a:r>
+          </a:p>
+        </p:txBody>
+      </p:sp>
+      <p:sp>
+        <p:nvSpPr>
+          <p:cNvPr id="4" name="Slide Number Placeholder 3">
+            <a:extLst>
+              <a:ext uri="{FF2B5EF4-FFF2-40B4-BE49-F238E27FC236}">
+                <a16:creationId xmlns:a16="http://schemas.microsoft.com/office/drawing/2014/main" id="{C94C6622-48F8-8CFB-64C0-9EDC8E4FE292}"/>
+              </a:ext>
+            </a:extLst>
+          </p:cNvPr>
+          <p:cNvSpPr>
+            <a:spLocks noGrp="1"/>
+          </p:cNvSpPr>
+          <p:nvPr>
+            <p:ph type="sldNum" sz="quarter" idx="12"/>
+          </p:nvPr>
+        </p:nvSpPr>
+        <p:spPr/>
+        <p:txBody>
+          <a:bodyPr/>
+          <a:lstStyle/>
+          <a:p>
+            <a:fld id="{6D22F896-40B5-4ADD-8801-0D06FADFA095}" type="slidenum">
+              <a:rPr lang="en-US" smtClean="0"/>
+              <a:t>26</a:t>
+            </a:fld>
+            <a:endParaRPr lang="en-US" dirty="0"/>
+          </a:p>
+        </p:txBody>
+      </p:sp>
+    </p:spTree>
+    <p:extLst>
+      <p:ext uri="{BB962C8B-B14F-4D97-AF65-F5344CB8AC3E}">
+        <p14:creationId xmlns:p14="http://schemas.microsoft.com/office/powerpoint/2010/main" val="3881800110"/>
+      </p:ext>
+    </p:extLst>
+  </p:cSld>
+  <p:clrMapOvr>
+    <a:masterClrMapping/>
+  </p:clrMapOvr>
+</p:sld>
+</file>
+
+<file path=ppt/slides/slide27.xml><?xml version="1.0" encoding="utf-8"?>
+<p:sld xmlns:a="http://schemas.openxmlformats.org/drawingml/2006/main" xmlns:r="http://schemas.openxmlformats.org/officeDocument/2006/relationships" xmlns:p="http://schemas.openxmlformats.org/presentationml/2006/main">
+  <p:cSld>
+    <p:spTree>
+      <p:nvGrpSpPr>
+        <p:cNvPr id="1" name=""/>
+        <p:cNvGrpSpPr/>
+        <p:nvPr/>
+      </p:nvGrpSpPr>
+      <p:grpSpPr>
+        <a:xfrm>
+          <a:off x="0" y="0"/>
+          <a:ext cx="0" cy="0"/>
+          <a:chOff x="0" y="0"/>
+          <a:chExt cx="0" cy="0"/>
+        </a:xfrm>
+      </p:grpSpPr>
+      <p:sp>
+        <p:nvSpPr>
           <p:cNvPr id="5" name="Slide Number Placeholder 4">
             <a:extLst>
               <a:ext uri="{FF2B5EF4-FFF2-40B4-BE49-F238E27FC236}">
@@ -8268,7 +8709,7 @@
           <a:p>
             <a:fld id="{6D22F896-40B5-4ADD-8801-0D06FADFA095}" type="slidenum">
               <a:rPr lang="en-US" smtClean="0"/>
-              <a:t>26</a:t>
+              <a:t>27</a:t>
             </a:fld>
             <a:endParaRPr lang="en-US" dirty="0"/>
           </a:p>
@@ -8703,7 +9144,7 @@
           <p:cNvPr id="2" name="Title 1">
             <a:extLst>
               <a:ext uri="{FF2B5EF4-FFF2-40B4-BE49-F238E27FC236}">
-                <a16:creationId xmlns:a16="http://schemas.microsoft.com/office/drawing/2014/main" id="{E615E32B-E872-C489-66C2-88BFAA5C1700}"/>
+                <a16:creationId xmlns:a16="http://schemas.microsoft.com/office/drawing/2014/main" id="{9A9778E9-5866-974F-C982-C8D2576B761C}"/>
               </a:ext>
             </a:extLst>
           </p:cNvPr>
@@ -8720,19 +9161,12 @@
           <a:lstStyle/>
           <a:p>
             <a:r>
-              <a:rPr lang="en-US" b="1" i="0" dirty="0">
-                <a:solidFill>
-                  <a:srgbClr val="0D0D0D"/>
-                </a:solidFill>
-                <a:effectLst/>
-                <a:latin typeface="Söhne"/>
-              </a:rPr>
-              <a:t>Downloading Python in Windows Machine</a:t>
-            </a:r>
-            <a:endParaRPr lang="en-SG" dirty="0">
-              <a:latin typeface="Arial" panose="020B0604020202020204" pitchFamily="34" charset="0"/>
-              <a:cs typeface="Arial" panose="020B0604020202020204" pitchFamily="34" charset="0"/>
-            </a:endParaRPr>
+              <a:rPr lang="en-US" b="1" dirty="0">
+                <a:latin typeface="Arial" panose="020B0604020202020204" pitchFamily="34" charset="0"/>
+                <a:cs typeface="Arial" panose="020B0604020202020204" pitchFamily="34" charset="0"/>
+              </a:rPr>
+              <a:t>What is docker</a:t>
+            </a:r>
           </a:p>
         </p:txBody>
       </p:sp>
@@ -8741,7 +9175,7 @@
           <p:cNvPr id="3" name="Content Placeholder 2">
             <a:extLst>
               <a:ext uri="{FF2B5EF4-FFF2-40B4-BE49-F238E27FC236}">
-                <a16:creationId xmlns:a16="http://schemas.microsoft.com/office/drawing/2014/main" id="{92CDBBD6-340F-E403-74C2-8C5D82E49D4F}"/>
+                <a16:creationId xmlns:a16="http://schemas.microsoft.com/office/drawing/2014/main" id="{2DD5B7E5-46DA-EDAA-96FD-48BC6C2865E3}"/>
               </a:ext>
             </a:extLst>
           </p:cNvPr>
@@ -8749,70 +9183,30 @@
             <a:spLocks noGrp="1"/>
           </p:cNvSpPr>
           <p:nvPr>
-            <p:ph idx="1"/>
+            <p:ph sz="half" idx="1"/>
           </p:nvPr>
         </p:nvSpPr>
         <p:spPr>
           <a:xfrm>
-            <a:off x="1073427" y="2015732"/>
-            <a:ext cx="9981428" cy="3450613"/>
+            <a:off x="1447331" y="2010878"/>
+            <a:ext cx="6435760" cy="3629526"/>
           </a:xfrm>
         </p:spPr>
         <p:txBody>
           <a:bodyPr>
-            <a:normAutofit fontScale="92500" lnSpcReduction="20000"/>
+            <a:normAutofit/>
           </a:bodyPr>
           <a:lstStyle/>
           <a:p>
-            <a:pPr lvl="1"/>
-            <a:r>
-              <a:rPr lang="en-US" b="0" i="0" dirty="0">
-                <a:solidFill>
-                  <a:srgbClr val="374151"/>
-                </a:solidFill>
-                <a:effectLst/>
-                <a:latin typeface="Söhne"/>
-              </a:rPr>
-              <a:t>Python, a popular programming language, can be downloaded and installed directly from the official Python website</a:t>
-            </a:r>
-          </a:p>
-          <a:p>
-            <a:pPr marL="457200" lvl="1" indent="0">
-              <a:buNone/>
-            </a:pPr>
-            <a:r>
-              <a:rPr lang="en-US" b="0" i="0" dirty="0">
-                <a:solidFill>
-                  <a:srgbClr val="374151"/>
-                </a:solidFill>
-                <a:effectLst/>
-                <a:latin typeface="Söhne"/>
-              </a:rPr>
-              <a:t>	 </a:t>
-            </a:r>
-            <a:r>
-              <a:rPr lang="en-US" b="0" i="0" dirty="0">
-                <a:solidFill>
-                  <a:srgbClr val="374151"/>
-                </a:solidFill>
-                <a:effectLst/>
-                <a:latin typeface="Söhne"/>
-                <a:hlinkClick r:id="rId2"/>
-              </a:rPr>
-              <a:t>https://www.python.org/downloads/</a:t>
-            </a:r>
-            <a:endParaRPr lang="en-US" b="0" i="0" dirty="0">
-              <a:solidFill>
-                <a:srgbClr val="374151"/>
-              </a:solidFill>
-              <a:effectLst/>
-              <a:latin typeface="Söhne"/>
-            </a:endParaRPr>
-          </a:p>
-          <a:p>
-            <a:pPr marL="457200" lvl="1" indent="0">
-              <a:buNone/>
-            </a:pPr>
+            <a:r>
+              <a:rPr lang="en-US" dirty="0">
+                <a:solidFill>
+                  <a:srgbClr val="374151"/>
+                </a:solidFill>
+                <a:latin typeface="Söhne"/>
+              </a:rPr>
+              <a:t>Docker is a platform that enables developers to </a:t>
+            </a:r>
             <a:r>
               <a:rPr lang="en-US" b="1" dirty="0">
                 <a:solidFill>
@@ -8820,37 +9214,8 @@
                 </a:solidFill>
                 <a:latin typeface="Söhne"/>
               </a:rPr>
-              <a:t>Considerations</a:t>
-            </a:r>
-          </a:p>
-          <a:p>
-            <a:pPr lvl="1"/>
-            <a:r>
-              <a:rPr lang="en-US" b="0" i="0" dirty="0">
-                <a:solidFill>
-                  <a:srgbClr val="374151"/>
-                </a:solidFill>
-                <a:effectLst/>
-                <a:latin typeface="Söhne"/>
-              </a:rPr>
-              <a:t>Installing and managing different Python versions or package versions may require additional effort and can lead to dependency conflicts.</a:t>
-            </a:r>
-          </a:p>
-          <a:p>
-            <a:pPr lvl="1"/>
-            <a:r>
-              <a:rPr lang="en-US" b="0" i="0" dirty="0">
-                <a:solidFill>
-                  <a:srgbClr val="374151"/>
-                </a:solidFill>
-                <a:effectLst/>
-                <a:latin typeface="Söhne"/>
-              </a:rPr>
-              <a:t>To avoid conflicts, developers often create virtual environments for each project to isolate dependencies and Python versions.</a:t>
-            </a:r>
-          </a:p>
-          <a:p>
-            <a:pPr lvl="1"/>
+              <a:t>build, ship, and run applications </a:t>
+            </a:r>
             <a:r>
               <a:rPr lang="en-US" dirty="0">
                 <a:solidFill>
@@ -8858,11 +9223,10 @@
                 </a:solidFill>
                 <a:latin typeface="Söhne"/>
               </a:rPr>
-              <a:t>To run a Python file the command is</a:t>
-            </a:r>
-          </a:p>
-          <a:p>
-            <a:pPr lvl="2"/>
+              <a:t>quickly, securely and consistently in any environment</a:t>
+            </a:r>
+          </a:p>
+          <a:p>
             <a:r>
               <a:rPr lang="en-US" dirty="0">
                 <a:solidFill>
@@ -8870,30 +9234,16 @@
                 </a:solidFill>
                 <a:latin typeface="Söhne"/>
               </a:rPr>
-              <a:t>p</a:t>
-            </a:r>
-            <a:r>
-              <a:rPr lang="en-US" b="0" i="0" dirty="0">
-                <a:solidFill>
-                  <a:srgbClr val="374151"/>
-                </a:solidFill>
-                <a:effectLst/>
-                <a:latin typeface="Söhne"/>
-              </a:rPr>
-              <a:t>ython &lt;filename.py&gt;</a:t>
-            </a:r>
-          </a:p>
-          <a:p>
-            <a:pPr lvl="2"/>
-            <a:r>
-              <a:rPr lang="en-US" b="0" i="0" dirty="0">
-                <a:solidFill>
-                  <a:srgbClr val="374151"/>
-                </a:solidFill>
-                <a:effectLst/>
-                <a:latin typeface="Söhne"/>
-              </a:rPr>
-              <a:t>Ex. p</a:t>
+              <a:t>Docker helps eliminate the "</a:t>
+            </a:r>
+            <a:r>
+              <a:rPr lang="en-US" b="1" i="1" dirty="0">
+                <a:solidFill>
+                  <a:srgbClr val="374151"/>
+                </a:solidFill>
+                <a:latin typeface="Söhne"/>
+              </a:rPr>
+              <a:t>it works on my machine</a:t>
             </a:r>
             <a:r>
               <a:rPr lang="en-US" dirty="0">
@@ -8902,15 +9252,8 @@
                 </a:solidFill>
                 <a:latin typeface="Söhne"/>
               </a:rPr>
-              <a:t>ython hello.py</a:t>
-            </a:r>
-            <a:endParaRPr lang="en-US" b="0" i="0" dirty="0">
-              <a:solidFill>
-                <a:srgbClr val="374151"/>
-              </a:solidFill>
-              <a:effectLst/>
-              <a:latin typeface="Söhne"/>
-            </a:endParaRPr>
+              <a:t>" issue by ensuring consistent application performance across different environments.</a:t>
+            </a:r>
           </a:p>
         </p:txBody>
       </p:sp>
@@ -8919,7 +9262,7 @@
           <p:cNvPr id="5" name="Slide Number Placeholder 4">
             <a:extLst>
               <a:ext uri="{FF2B5EF4-FFF2-40B4-BE49-F238E27FC236}">
-                <a16:creationId xmlns:a16="http://schemas.microsoft.com/office/drawing/2014/main" id="{38F98672-66A5-3449-896E-4A10CC1775BE}"/>
+                <a16:creationId xmlns:a16="http://schemas.microsoft.com/office/drawing/2014/main" id="{C02E792B-E8B4-9E75-02B3-7BBB9A770B27}"/>
               </a:ext>
             </a:extLst>
           </p:cNvPr>
@@ -8943,10 +9286,59 @@
           </a:p>
         </p:txBody>
       </p:sp>
+      <p:pic>
+        <p:nvPicPr>
+          <p:cNvPr id="2050" name="Picture 2" descr="What is a Container? | Docker">
+            <a:extLst>
+              <a:ext uri="{FF2B5EF4-FFF2-40B4-BE49-F238E27FC236}">
+                <a16:creationId xmlns:a16="http://schemas.microsoft.com/office/drawing/2014/main" id="{DBEF432A-EE59-7D26-74D8-8254C08F7603}"/>
+              </a:ext>
+            </a:extLst>
+          </p:cNvPr>
+          <p:cNvPicPr>
+            <a:picLocks noGrp="1" noChangeAspect="1" noChangeArrowheads="1"/>
+          </p:cNvPicPr>
+          <p:nvPr>
+            <p:ph sz="half" idx="2"/>
+          </p:nvPr>
+        </p:nvPicPr>
+        <p:blipFill>
+          <a:blip r:embed="rId2">
+            <a:extLst>
+              <a:ext uri="{28A0092B-C50C-407E-A947-70E740481C1C}">
+                <a14:useLocalDpi xmlns:a14="http://schemas.microsoft.com/office/drawing/2010/main" val="0"/>
+              </a:ext>
+            </a:extLst>
+          </a:blip>
+          <a:srcRect/>
+          <a:stretch>
+            <a:fillRect/>
+          </a:stretch>
+        </p:blipFill>
+        <p:spPr bwMode="auto">
+          <a:xfrm>
+            <a:off x="8021888" y="2324223"/>
+            <a:ext cx="3749809" cy="3002835"/>
+          </a:xfrm>
+          <a:prstGeom prst="rect">
+            <a:avLst/>
+          </a:prstGeom>
+          <a:noFill/>
+          <a:extLst>
+            <a:ext uri="{909E8E84-426E-40DD-AFC4-6F175D3DCCD1}">
+              <a14:hiddenFill xmlns:a14="http://schemas.microsoft.com/office/drawing/2010/main">
+                <a:solidFill>
+                  <a:srgbClr val="FFFFFF"/>
+                </a:solidFill>
+              </a14:hiddenFill>
+            </a:ext>
+          </a:extLst>
+        </p:spPr>
+      </p:pic>
     </p:spTree>
     <p:extLst>
       <p:ext uri="{BB962C8B-B14F-4D97-AF65-F5344CB8AC3E}">
-        <p14:creationId xmlns:p14="http://schemas.microsoft.com/office/powerpoint/2010/main" val="2858574012"/>
+        <p14:creationId xmlns:p14="http://schemas.microsoft.com/office/powerpoint/2010/main" val="1869753608"/>
       </p:ext>
     </p:extLst>
   </p:cSld>
@@ -8978,232 +9370,6 @@
           <p:cNvPr id="2" name="Title 1">
             <a:extLst>
               <a:ext uri="{FF2B5EF4-FFF2-40B4-BE49-F238E27FC236}">
-                <a16:creationId xmlns:a16="http://schemas.microsoft.com/office/drawing/2014/main" id="{9A9778E9-5866-974F-C982-C8D2576B761C}"/>
-              </a:ext>
-            </a:extLst>
-          </p:cNvPr>
-          <p:cNvSpPr>
-            <a:spLocks noGrp="1"/>
-          </p:cNvSpPr>
-          <p:nvPr>
-            <p:ph type="title"/>
-          </p:nvPr>
-        </p:nvSpPr>
-        <p:spPr/>
-        <p:txBody>
-          <a:bodyPr/>
-          <a:lstStyle/>
-          <a:p>
-            <a:r>
-              <a:rPr lang="en-US" b="1" dirty="0">
-                <a:latin typeface="Arial" panose="020B0604020202020204" pitchFamily="34" charset="0"/>
-                <a:cs typeface="Arial" panose="020B0604020202020204" pitchFamily="34" charset="0"/>
-              </a:rPr>
-              <a:t>What is docker</a:t>
-            </a:r>
-          </a:p>
-        </p:txBody>
-      </p:sp>
-      <p:sp>
-        <p:nvSpPr>
-          <p:cNvPr id="3" name="Content Placeholder 2">
-            <a:extLst>
-              <a:ext uri="{FF2B5EF4-FFF2-40B4-BE49-F238E27FC236}">
-                <a16:creationId xmlns:a16="http://schemas.microsoft.com/office/drawing/2014/main" id="{2DD5B7E5-46DA-EDAA-96FD-48BC6C2865E3}"/>
-              </a:ext>
-            </a:extLst>
-          </p:cNvPr>
-          <p:cNvSpPr>
-            <a:spLocks noGrp="1"/>
-          </p:cNvSpPr>
-          <p:nvPr>
-            <p:ph sz="half" idx="1"/>
-          </p:nvPr>
-        </p:nvSpPr>
-        <p:spPr>
-          <a:xfrm>
-            <a:off x="1447331" y="2010878"/>
-            <a:ext cx="6435760" cy="3629526"/>
-          </a:xfrm>
-        </p:spPr>
-        <p:txBody>
-          <a:bodyPr>
-            <a:normAutofit/>
-          </a:bodyPr>
-          <a:lstStyle/>
-          <a:p>
-            <a:r>
-              <a:rPr lang="en-US" dirty="0">
-                <a:solidFill>
-                  <a:srgbClr val="374151"/>
-                </a:solidFill>
-                <a:latin typeface="Söhne"/>
-              </a:rPr>
-              <a:t>Docker is a platform that enables developers to </a:t>
-            </a:r>
-            <a:r>
-              <a:rPr lang="en-US" b="1" dirty="0">
-                <a:solidFill>
-                  <a:srgbClr val="374151"/>
-                </a:solidFill>
-                <a:latin typeface="Söhne"/>
-              </a:rPr>
-              <a:t>build, ship, and run applications </a:t>
-            </a:r>
-            <a:r>
-              <a:rPr lang="en-US" dirty="0">
-                <a:solidFill>
-                  <a:srgbClr val="374151"/>
-                </a:solidFill>
-                <a:latin typeface="Söhne"/>
-              </a:rPr>
-              <a:t>quickly, securely and consistently in any environment</a:t>
-            </a:r>
-          </a:p>
-          <a:p>
-            <a:r>
-              <a:rPr lang="en-US" dirty="0">
-                <a:solidFill>
-                  <a:srgbClr val="374151"/>
-                </a:solidFill>
-                <a:latin typeface="Söhne"/>
-              </a:rPr>
-              <a:t>Docker helps eliminate the "</a:t>
-            </a:r>
-            <a:r>
-              <a:rPr lang="en-US" b="1" i="1" dirty="0">
-                <a:solidFill>
-                  <a:srgbClr val="374151"/>
-                </a:solidFill>
-                <a:latin typeface="Söhne"/>
-              </a:rPr>
-              <a:t>it works on my machine</a:t>
-            </a:r>
-            <a:r>
-              <a:rPr lang="en-US" dirty="0">
-                <a:solidFill>
-                  <a:srgbClr val="374151"/>
-                </a:solidFill>
-                <a:latin typeface="Söhne"/>
-              </a:rPr>
-              <a:t>" issue by ensuring consistent application performance across different environments.</a:t>
-            </a:r>
-          </a:p>
-        </p:txBody>
-      </p:sp>
-      <p:sp>
-        <p:nvSpPr>
-          <p:cNvPr id="5" name="Slide Number Placeholder 4">
-            <a:extLst>
-              <a:ext uri="{FF2B5EF4-FFF2-40B4-BE49-F238E27FC236}">
-                <a16:creationId xmlns:a16="http://schemas.microsoft.com/office/drawing/2014/main" id="{C02E792B-E8B4-9E75-02B3-7BBB9A770B27}"/>
-              </a:ext>
-            </a:extLst>
-          </p:cNvPr>
-          <p:cNvSpPr>
-            <a:spLocks noGrp="1"/>
-          </p:cNvSpPr>
-          <p:nvPr>
-            <p:ph type="sldNum" sz="quarter" idx="12"/>
-          </p:nvPr>
-        </p:nvSpPr>
-        <p:spPr/>
-        <p:txBody>
-          <a:bodyPr/>
-          <a:lstStyle/>
-          <a:p>
-            <a:fld id="{6D22F896-40B5-4ADD-8801-0D06FADFA095}" type="slidenum">
-              <a:rPr lang="en-US" smtClean="0"/>
-              <a:t>5</a:t>
-            </a:fld>
-            <a:endParaRPr lang="en-US" dirty="0"/>
-          </a:p>
-        </p:txBody>
-      </p:sp>
-      <p:pic>
-        <p:nvPicPr>
-          <p:cNvPr id="2050" name="Picture 2" descr="What is a Container? | Docker">
-            <a:extLst>
-              <a:ext uri="{FF2B5EF4-FFF2-40B4-BE49-F238E27FC236}">
-                <a16:creationId xmlns:a16="http://schemas.microsoft.com/office/drawing/2014/main" id="{DBEF432A-EE59-7D26-74D8-8254C08F7603}"/>
-              </a:ext>
-            </a:extLst>
-          </p:cNvPr>
-          <p:cNvPicPr>
-            <a:picLocks noGrp="1" noChangeAspect="1" noChangeArrowheads="1"/>
-          </p:cNvPicPr>
-          <p:nvPr>
-            <p:ph sz="half" idx="2"/>
-          </p:nvPr>
-        </p:nvPicPr>
-        <p:blipFill>
-          <a:blip r:embed="rId2">
-            <a:extLst>
-              <a:ext uri="{28A0092B-C50C-407E-A947-70E740481C1C}">
-                <a14:useLocalDpi xmlns:a14="http://schemas.microsoft.com/office/drawing/2010/main" val="0"/>
-              </a:ext>
-            </a:extLst>
-          </a:blip>
-          <a:srcRect/>
-          <a:stretch>
-            <a:fillRect/>
-          </a:stretch>
-        </p:blipFill>
-        <p:spPr bwMode="auto">
-          <a:xfrm>
-            <a:off x="8021888" y="2324223"/>
-            <a:ext cx="3749809" cy="3002835"/>
-          </a:xfrm>
-          <a:prstGeom prst="rect">
-            <a:avLst/>
-          </a:prstGeom>
-          <a:noFill/>
-          <a:extLst>
-            <a:ext uri="{909E8E84-426E-40DD-AFC4-6F175D3DCCD1}">
-              <a14:hiddenFill xmlns:a14="http://schemas.microsoft.com/office/drawing/2010/main">
-                <a:solidFill>
-                  <a:srgbClr val="FFFFFF"/>
-                </a:solidFill>
-              </a14:hiddenFill>
-            </a:ext>
-          </a:extLst>
-        </p:spPr>
-      </p:pic>
-    </p:spTree>
-    <p:extLst>
-      <p:ext uri="{BB962C8B-B14F-4D97-AF65-F5344CB8AC3E}">
-        <p14:creationId xmlns:p14="http://schemas.microsoft.com/office/powerpoint/2010/main" val="1869753608"/>
-      </p:ext>
-    </p:extLst>
-  </p:cSld>
-  <p:clrMapOvr>
-    <a:masterClrMapping/>
-  </p:clrMapOvr>
-</p:sld>
-</file>
-
-<file path=ppt/slides/slide6.xml><?xml version="1.0" encoding="utf-8"?>
-<p:sld xmlns:a="http://schemas.openxmlformats.org/drawingml/2006/main" xmlns:r="http://schemas.openxmlformats.org/officeDocument/2006/relationships" xmlns:p="http://schemas.openxmlformats.org/presentationml/2006/main">
-  <p:cSld>
-    <p:spTree>
-      <p:nvGrpSpPr>
-        <p:cNvPr id="1" name=""/>
-        <p:cNvGrpSpPr/>
-        <p:nvPr/>
-      </p:nvGrpSpPr>
-      <p:grpSpPr>
-        <a:xfrm>
-          <a:off x="0" y="0"/>
-          <a:ext cx="0" cy="0"/>
-          <a:chOff x="0" y="0"/>
-          <a:chExt cx="0" cy="0"/>
-        </a:xfrm>
-      </p:grpSpPr>
-      <p:sp>
-        <p:nvSpPr>
-          <p:cNvPr id="2" name="Title 1">
-            <a:extLst>
-              <a:ext uri="{FF2B5EF4-FFF2-40B4-BE49-F238E27FC236}">
                 <a16:creationId xmlns:a16="http://schemas.microsoft.com/office/drawing/2014/main" id="{33F6FBC1-3FE4-8376-8DA6-53B5B51F0F61}"/>
               </a:ext>
             </a:extLst>
@@ -9328,7 +9494,19 @@
                 </a:solidFill>
                 <a:latin typeface="Söhne"/>
               </a:rPr>
-              <a:t>After installation, Docker Desktop should be available in your applications or system tray. Launch Docker Desktop by double-clicking its icon.</a:t>
+              <a:t>After installation, Docker Desktop should be available in your applications or system tray. </a:t>
+            </a:r>
+          </a:p>
+          <a:p>
+            <a:pPr lvl="1"/>
+            <a:r>
+              <a:rPr lang="en-US" sz="1700" dirty="0">
+                <a:solidFill>
+                  <a:srgbClr val="374151"/>
+                </a:solidFill>
+                <a:latin typeface="Söhne"/>
+              </a:rPr>
+              <a:t>Launch Docker Desktop by double-clicking its icon.</a:t>
             </a:r>
           </a:p>
           <a:p>
@@ -9367,7 +9545,7 @@
           <a:p>
             <a:fld id="{6D22F896-40B5-4ADD-8801-0D06FADFA095}" type="slidenum">
               <a:rPr lang="en-US" smtClean="0"/>
-              <a:t>6</a:t>
+              <a:t>5</a:t>
             </a:fld>
             <a:endParaRPr lang="en-US" dirty="0"/>
           </a:p>
@@ -9465,6 +9643,281 @@
 </p:sld>
 </file>
 
+<file path=ppt/slides/slide6.xml><?xml version="1.0" encoding="utf-8"?>
+<p:sld xmlns:a="http://schemas.openxmlformats.org/drawingml/2006/main" xmlns:r="http://schemas.openxmlformats.org/officeDocument/2006/relationships" xmlns:p="http://schemas.openxmlformats.org/presentationml/2006/main">
+  <p:cSld>
+    <p:spTree>
+      <p:nvGrpSpPr>
+        <p:cNvPr id="1" name=""/>
+        <p:cNvGrpSpPr/>
+        <p:nvPr/>
+      </p:nvGrpSpPr>
+      <p:grpSpPr>
+        <a:xfrm>
+          <a:off x="0" y="0"/>
+          <a:ext cx="0" cy="0"/>
+          <a:chOff x="0" y="0"/>
+          <a:chExt cx="0" cy="0"/>
+        </a:xfrm>
+      </p:grpSpPr>
+      <p:sp>
+        <p:nvSpPr>
+          <p:cNvPr id="2" name="Title 1">
+            <a:extLst>
+              <a:ext uri="{FF2B5EF4-FFF2-40B4-BE49-F238E27FC236}">
+                <a16:creationId xmlns:a16="http://schemas.microsoft.com/office/drawing/2014/main" id="{E615E32B-E872-C489-66C2-88BFAA5C1700}"/>
+              </a:ext>
+            </a:extLst>
+          </p:cNvPr>
+          <p:cNvSpPr>
+            <a:spLocks noGrp="1"/>
+          </p:cNvSpPr>
+          <p:nvPr>
+            <p:ph type="title"/>
+          </p:nvPr>
+        </p:nvSpPr>
+        <p:spPr/>
+        <p:txBody>
+          <a:bodyPr/>
+          <a:lstStyle/>
+          <a:p>
+            <a:r>
+              <a:rPr lang="en-US" b="1" i="0" dirty="0">
+                <a:solidFill>
+                  <a:srgbClr val="0D0D0D"/>
+                </a:solidFill>
+                <a:effectLst/>
+                <a:latin typeface="Söhne"/>
+              </a:rPr>
+              <a:t>Downloading Python in Windows Machine</a:t>
+            </a:r>
+            <a:endParaRPr lang="en-SG" dirty="0">
+              <a:latin typeface="Arial" panose="020B0604020202020204" pitchFamily="34" charset="0"/>
+              <a:cs typeface="Arial" panose="020B0604020202020204" pitchFamily="34" charset="0"/>
+            </a:endParaRPr>
+          </a:p>
+        </p:txBody>
+      </p:sp>
+      <p:sp>
+        <p:nvSpPr>
+          <p:cNvPr id="3" name="Content Placeholder 2">
+            <a:extLst>
+              <a:ext uri="{FF2B5EF4-FFF2-40B4-BE49-F238E27FC236}">
+                <a16:creationId xmlns:a16="http://schemas.microsoft.com/office/drawing/2014/main" id="{92CDBBD6-340F-E403-74C2-8C5D82E49D4F}"/>
+              </a:ext>
+            </a:extLst>
+          </p:cNvPr>
+          <p:cNvSpPr>
+            <a:spLocks noGrp="1"/>
+          </p:cNvSpPr>
+          <p:nvPr>
+            <p:ph idx="1"/>
+          </p:nvPr>
+        </p:nvSpPr>
+        <p:spPr>
+          <a:xfrm>
+            <a:off x="1073427" y="2015732"/>
+            <a:ext cx="9981428" cy="3450613"/>
+          </a:xfrm>
+        </p:spPr>
+        <p:txBody>
+          <a:bodyPr>
+            <a:normAutofit fontScale="92500" lnSpcReduction="20000"/>
+          </a:bodyPr>
+          <a:lstStyle/>
+          <a:p>
+            <a:pPr lvl="1"/>
+            <a:r>
+              <a:rPr lang="en-US" b="0" i="0" dirty="0">
+                <a:solidFill>
+                  <a:srgbClr val="374151"/>
+                </a:solidFill>
+                <a:effectLst/>
+                <a:latin typeface="Söhne"/>
+              </a:rPr>
+              <a:t>Python, a popular programming language, can be downloaded and installed directly from the official Python website</a:t>
+            </a:r>
+          </a:p>
+          <a:p>
+            <a:pPr marL="457200" lvl="1" indent="0">
+              <a:buNone/>
+            </a:pPr>
+            <a:r>
+              <a:rPr lang="en-US" b="0" i="0" dirty="0">
+                <a:solidFill>
+                  <a:srgbClr val="374151"/>
+                </a:solidFill>
+                <a:effectLst/>
+                <a:latin typeface="Söhne"/>
+              </a:rPr>
+              <a:t>	 </a:t>
+            </a:r>
+            <a:r>
+              <a:rPr lang="en-US" b="0" i="0" dirty="0">
+                <a:solidFill>
+                  <a:srgbClr val="374151"/>
+                </a:solidFill>
+                <a:effectLst/>
+                <a:latin typeface="Söhne"/>
+                <a:hlinkClick r:id="rId2"/>
+              </a:rPr>
+              <a:t>https://www.python.org/downloads/</a:t>
+            </a:r>
+            <a:endParaRPr lang="en-US" b="0" i="0" dirty="0">
+              <a:solidFill>
+                <a:srgbClr val="374151"/>
+              </a:solidFill>
+              <a:effectLst/>
+              <a:latin typeface="Söhne"/>
+            </a:endParaRPr>
+          </a:p>
+          <a:p>
+            <a:pPr marL="457200" lvl="1" indent="0">
+              <a:buNone/>
+            </a:pPr>
+            <a:r>
+              <a:rPr lang="en-US" b="1" dirty="0">
+                <a:solidFill>
+                  <a:srgbClr val="374151"/>
+                </a:solidFill>
+                <a:latin typeface="Söhne"/>
+              </a:rPr>
+              <a:t>Considerations</a:t>
+            </a:r>
+          </a:p>
+          <a:p>
+            <a:pPr lvl="1"/>
+            <a:r>
+              <a:rPr lang="en-US" b="0" i="0" dirty="0">
+                <a:solidFill>
+                  <a:srgbClr val="374151"/>
+                </a:solidFill>
+                <a:effectLst/>
+                <a:latin typeface="Söhne"/>
+              </a:rPr>
+              <a:t>Installing and managing different Python versions or package versions may require additional effort and can lead to dependency conflicts.</a:t>
+            </a:r>
+          </a:p>
+          <a:p>
+            <a:pPr lvl="1"/>
+            <a:r>
+              <a:rPr lang="en-US" b="0" i="0" dirty="0">
+                <a:solidFill>
+                  <a:srgbClr val="374151"/>
+                </a:solidFill>
+                <a:effectLst/>
+                <a:latin typeface="Söhne"/>
+              </a:rPr>
+              <a:t>To avoid conflicts, developers often create virtual environments for each project to isolate dependencies and Python versions.</a:t>
+            </a:r>
+          </a:p>
+          <a:p>
+            <a:pPr lvl="1"/>
+            <a:r>
+              <a:rPr lang="en-US" dirty="0">
+                <a:solidFill>
+                  <a:srgbClr val="374151"/>
+                </a:solidFill>
+                <a:latin typeface="Söhne"/>
+              </a:rPr>
+              <a:t>To run a Python file the command is</a:t>
+            </a:r>
+          </a:p>
+          <a:p>
+            <a:pPr lvl="2"/>
+            <a:r>
+              <a:rPr lang="en-US" dirty="0">
+                <a:solidFill>
+                  <a:srgbClr val="374151"/>
+                </a:solidFill>
+                <a:latin typeface="Söhne"/>
+              </a:rPr>
+              <a:t>p</a:t>
+            </a:r>
+            <a:r>
+              <a:rPr lang="en-US" b="0" i="0" dirty="0">
+                <a:solidFill>
+                  <a:srgbClr val="374151"/>
+                </a:solidFill>
+                <a:effectLst/>
+                <a:latin typeface="Söhne"/>
+              </a:rPr>
+              <a:t>ython &lt;filename.py&gt;</a:t>
+            </a:r>
+          </a:p>
+          <a:p>
+            <a:pPr lvl="2"/>
+            <a:r>
+              <a:rPr lang="en-US" b="0" i="0" dirty="0">
+                <a:solidFill>
+                  <a:srgbClr val="374151"/>
+                </a:solidFill>
+                <a:effectLst/>
+                <a:latin typeface="Söhne"/>
+              </a:rPr>
+              <a:t>Ex. p</a:t>
+            </a:r>
+            <a:r>
+              <a:rPr lang="en-US" dirty="0">
+                <a:solidFill>
+                  <a:srgbClr val="374151"/>
+                </a:solidFill>
+                <a:latin typeface="Söhne"/>
+              </a:rPr>
+              <a:t>ython hello.py</a:t>
+            </a:r>
+            <a:endParaRPr lang="en-US" b="0" i="0" dirty="0">
+              <a:solidFill>
+                <a:srgbClr val="374151"/>
+              </a:solidFill>
+              <a:effectLst/>
+              <a:latin typeface="Söhne"/>
+            </a:endParaRPr>
+          </a:p>
+        </p:txBody>
+      </p:sp>
+      <p:sp>
+        <p:nvSpPr>
+          <p:cNvPr id="5" name="Slide Number Placeholder 4">
+            <a:extLst>
+              <a:ext uri="{FF2B5EF4-FFF2-40B4-BE49-F238E27FC236}">
+                <a16:creationId xmlns:a16="http://schemas.microsoft.com/office/drawing/2014/main" id="{38F98672-66A5-3449-896E-4A10CC1775BE}"/>
+              </a:ext>
+            </a:extLst>
+          </p:cNvPr>
+          <p:cNvSpPr>
+            <a:spLocks noGrp="1"/>
+          </p:cNvSpPr>
+          <p:nvPr>
+            <p:ph type="sldNum" sz="quarter" idx="12"/>
+          </p:nvPr>
+        </p:nvSpPr>
+        <p:spPr/>
+        <p:txBody>
+          <a:bodyPr/>
+          <a:lstStyle/>
+          <a:p>
+            <a:fld id="{6D22F896-40B5-4ADD-8801-0D06FADFA095}" type="slidenum">
+              <a:rPr lang="en-US" smtClean="0"/>
+              <a:t>6</a:t>
+            </a:fld>
+            <a:endParaRPr lang="en-US" dirty="0"/>
+          </a:p>
+        </p:txBody>
+      </p:sp>
+    </p:spTree>
+    <p:extLst>
+      <p:ext uri="{BB962C8B-B14F-4D97-AF65-F5344CB8AC3E}">
+        <p14:creationId xmlns:p14="http://schemas.microsoft.com/office/powerpoint/2010/main" val="2858574012"/>
+      </p:ext>
+    </p:extLst>
+  </p:cSld>
+  <p:clrMapOvr>
+    <a:masterClrMapping/>
+  </p:clrMapOvr>
+</p:sld>
+</file>
+
 <file path=ppt/slides/slide7.xml><?xml version="1.0" encoding="utf-8"?>
 <p:sld xmlns:a="http://schemas.openxmlformats.org/drawingml/2006/main" xmlns:r="http://schemas.openxmlformats.org/officeDocument/2006/relationships" xmlns:p="http://schemas.openxmlformats.org/presentationml/2006/main">
   <p:cSld>
@@ -9484,6 +9937,127 @@
       </p:grpSpPr>
       <p:sp>
         <p:nvSpPr>
+          <p:cNvPr id="6" name="Title 5">
+            <a:extLst>
+              <a:ext uri="{FF2B5EF4-FFF2-40B4-BE49-F238E27FC236}">
+                <a16:creationId xmlns:a16="http://schemas.microsoft.com/office/drawing/2014/main" id="{0BE373C9-ECD7-38E7-9BCB-53AA001FA11F}"/>
+              </a:ext>
+            </a:extLst>
+          </p:cNvPr>
+          <p:cNvSpPr>
+            <a:spLocks noGrp="1"/>
+          </p:cNvSpPr>
+          <p:nvPr>
+            <p:ph type="ctrTitle"/>
+          </p:nvPr>
+        </p:nvSpPr>
+        <p:spPr/>
+        <p:txBody>
+          <a:bodyPr/>
+          <a:lstStyle/>
+          <a:p>
+            <a:r>
+              <a:rPr lang="en-US" dirty="0"/>
+              <a:t>HOW TO run a </a:t>
+            </a:r>
+            <a:r>
+              <a:rPr lang="en-US" dirty="0" err="1"/>
+              <a:t>py</a:t>
+            </a:r>
+            <a:r>
+              <a:rPr lang="en-US" dirty="0"/>
+              <a:t> file demo</a:t>
+            </a:r>
+            <a:endParaRPr lang="en-SG" dirty="0"/>
+          </a:p>
+        </p:txBody>
+      </p:sp>
+      <p:sp>
+        <p:nvSpPr>
+          <p:cNvPr id="7" name="Subtitle 6">
+            <a:extLst>
+              <a:ext uri="{FF2B5EF4-FFF2-40B4-BE49-F238E27FC236}">
+                <a16:creationId xmlns:a16="http://schemas.microsoft.com/office/drawing/2014/main" id="{771ADAF2-7179-B246-2630-D3CCC99784E4}"/>
+              </a:ext>
+            </a:extLst>
+          </p:cNvPr>
+          <p:cNvSpPr>
+            <a:spLocks noGrp="1"/>
+          </p:cNvSpPr>
+          <p:nvPr>
+            <p:ph type="subTitle" idx="1"/>
+          </p:nvPr>
+        </p:nvSpPr>
+        <p:spPr/>
+        <p:txBody>
+          <a:bodyPr/>
+          <a:lstStyle/>
+          <a:p>
+            <a:endParaRPr lang="en-SG"/>
+          </a:p>
+        </p:txBody>
+      </p:sp>
+      <p:sp>
+        <p:nvSpPr>
+          <p:cNvPr id="5" name="Slide Number Placeholder 4">
+            <a:extLst>
+              <a:ext uri="{FF2B5EF4-FFF2-40B4-BE49-F238E27FC236}">
+                <a16:creationId xmlns:a16="http://schemas.microsoft.com/office/drawing/2014/main" id="{8547F4C8-DA98-7E4C-CED2-89300A1B2177}"/>
+              </a:ext>
+            </a:extLst>
+          </p:cNvPr>
+          <p:cNvSpPr>
+            <a:spLocks noGrp="1"/>
+          </p:cNvSpPr>
+          <p:nvPr>
+            <p:ph type="sldNum" sz="quarter" idx="12"/>
+          </p:nvPr>
+        </p:nvSpPr>
+        <p:spPr/>
+        <p:txBody>
+          <a:bodyPr/>
+          <a:lstStyle/>
+          <a:p>
+            <a:fld id="{6D22F896-40B5-4ADD-8801-0D06FADFA095}" type="slidenum">
+              <a:rPr lang="en-US" smtClean="0"/>
+              <a:t>7</a:t>
+            </a:fld>
+            <a:endParaRPr lang="en-US" dirty="0"/>
+          </a:p>
+        </p:txBody>
+      </p:sp>
+    </p:spTree>
+    <p:extLst>
+      <p:ext uri="{BB962C8B-B14F-4D97-AF65-F5344CB8AC3E}">
+        <p14:creationId xmlns:p14="http://schemas.microsoft.com/office/powerpoint/2010/main" val="3843953532"/>
+      </p:ext>
+    </p:extLst>
+  </p:cSld>
+  <p:clrMapOvr>
+    <a:masterClrMapping/>
+  </p:clrMapOvr>
+</p:sld>
+</file>
+
+<file path=ppt/slides/slide8.xml><?xml version="1.0" encoding="utf-8"?>
+<p:sld xmlns:a="http://schemas.openxmlformats.org/drawingml/2006/main" xmlns:r="http://schemas.openxmlformats.org/officeDocument/2006/relationships" xmlns:p="http://schemas.openxmlformats.org/presentationml/2006/main">
+  <p:cSld>
+    <p:spTree>
+      <p:nvGrpSpPr>
+        <p:cNvPr id="1" name=""/>
+        <p:cNvGrpSpPr/>
+        <p:nvPr/>
+      </p:nvGrpSpPr>
+      <p:grpSpPr>
+        <a:xfrm>
+          <a:off x="0" y="0"/>
+          <a:ext cx="0" cy="0"/>
+          <a:chOff x="0" y="0"/>
+          <a:chExt cx="0" cy="0"/>
+        </a:xfrm>
+      </p:grpSpPr>
+      <p:sp>
+        <p:nvSpPr>
           <p:cNvPr id="2" name="Title 1">
             <a:extLst>
               <a:ext uri="{FF2B5EF4-FFF2-40B4-BE49-F238E27FC236}">
@@ -9623,6 +10197,15 @@
               <a:t>We can download python from </a:t>
             </a:r>
             <a:r>
+              <a:rPr lang="en-US" dirty="0" err="1">
+                <a:solidFill>
+                  <a:srgbClr val="374151"/>
+                </a:solidFill>
+                <a:latin typeface="Söhne"/>
+              </a:rPr>
+              <a:t>D</a:t>
+            </a:r>
+            <a:r>
               <a:rPr lang="en-US" b="0" i="0" dirty="0" err="1">
                 <a:solidFill>
                   <a:srgbClr val="374151"/>
@@ -9630,7 +10213,7 @@
                 <a:effectLst/>
                 <a:latin typeface="Söhne"/>
               </a:rPr>
-              <a:t>dockerhub</a:t>
+              <a:t>ockerhub</a:t>
             </a:r>
             <a:r>
               <a:rPr lang="en-US" b="0" i="0" dirty="0">
@@ -9640,7 +10223,7 @@
                 <a:effectLst/>
                 <a:latin typeface="Söhne"/>
               </a:rPr>
-              <a:t> </a:t>
+              <a:t> by </a:t>
             </a:r>
             <a:r>
               <a:rPr lang="en-US" dirty="0">
@@ -9729,7 +10312,7 @@
           <a:p>
             <a:fld id="{6D22F896-40B5-4ADD-8801-0D06FADFA095}" type="slidenum">
               <a:rPr lang="en-US" smtClean="0"/>
-              <a:t>7</a:t>
+              <a:t>8</a:t>
             </a:fld>
             <a:endParaRPr lang="en-US" dirty="0"/>
           </a:p>
@@ -9777,7 +10360,7 @@
 </p:sld>
 </file>
 
-<file path=ppt/slides/slide8.xml><?xml version="1.0" encoding="utf-8"?>
+<file path=ppt/slides/slide9.xml><?xml version="1.0" encoding="utf-8"?>
 <p:sld xmlns:a="http://schemas.openxmlformats.org/drawingml/2006/main" xmlns:r="http://schemas.openxmlformats.org/officeDocument/2006/relationships" xmlns:p="http://schemas.openxmlformats.org/presentationml/2006/main">
   <p:cSld>
     <p:spTree>
@@ -9850,13 +10433,13 @@
         </p:nvSpPr>
         <p:spPr>
           <a:xfrm>
-            <a:off x="1447331" y="2010877"/>
-            <a:ext cx="5028884" cy="3736779"/>
+            <a:off x="1089329" y="2010877"/>
+            <a:ext cx="5386886" cy="4042234"/>
           </a:xfrm>
         </p:spPr>
         <p:txBody>
           <a:bodyPr>
-            <a:normAutofit fontScale="92500" lnSpcReduction="10000"/>
+            <a:normAutofit fontScale="85000" lnSpcReduction="20000"/>
           </a:bodyPr>
           <a:lstStyle/>
           <a:p>
@@ -9927,10 +10510,21 @@
                 <a:effectLst/>
                 <a:latin typeface="Söhne"/>
               </a:rPr>
-              <a:t>ocker image: contains all the project’s code.</a:t>
-            </a:r>
-          </a:p>
-          <a:p>
+              <a:t>ocker image:  </a:t>
+            </a:r>
+          </a:p>
+          <a:p>
+            <a:pPr lvl="1"/>
+            <a:r>
+              <a:rPr lang="en-US" b="1" i="0" dirty="0">
+                <a:solidFill>
+                  <a:srgbClr val="374151"/>
+                </a:solidFill>
+                <a:effectLst/>
+                <a:latin typeface="Söhne"/>
+              </a:rPr>
+              <a:t>contains everything your application needs to run smoothly</a:t>
+            </a:r>
             <a:r>
               <a:rPr lang="en-US" b="0" i="0" dirty="0">
                 <a:solidFill>
@@ -9939,123 +10533,165 @@
                 <a:effectLst/>
                 <a:latin typeface="Söhne"/>
               </a:rPr>
-              <a:t>Steps </a:t>
-            </a:r>
-            <a:r>
-              <a:rPr lang="en-US" dirty="0">
-                <a:solidFill>
-                  <a:srgbClr val="374151"/>
-                </a:solidFill>
-                <a:latin typeface="Söhne"/>
-              </a:rPr>
-              <a:t>t</a:t>
-            </a:r>
-            <a:r>
-              <a:rPr lang="en-US" b="0" i="0" dirty="0">
-                <a:solidFill>
-                  <a:srgbClr val="374151"/>
-                </a:solidFill>
-                <a:effectLst/>
-                <a:latin typeface="Söhne"/>
-              </a:rPr>
-              <a:t>o run a python application in docker:  </a:t>
-            </a:r>
-          </a:p>
-          <a:p>
-            <a:pPr lvl="1"/>
-            <a:r>
-              <a:rPr lang="en-US" b="0" i="0" dirty="0">
-                <a:solidFill>
-                  <a:srgbClr val="374151"/>
-                </a:solidFill>
-                <a:effectLst/>
-                <a:latin typeface="Söhne"/>
-              </a:rPr>
-              <a:t>Create a </a:t>
-            </a:r>
-            <a:r>
-              <a:rPr lang="en-US" b="0" i="0" dirty="0" err="1">
-                <a:solidFill>
-                  <a:srgbClr val="374151"/>
-                </a:solidFill>
-                <a:effectLst/>
-                <a:latin typeface="Söhne"/>
-              </a:rPr>
-              <a:t>Dockerfile</a:t>
-            </a:r>
-            <a:r>
-              <a:rPr lang="en-US" b="0" i="0" dirty="0">
-                <a:solidFill>
-                  <a:srgbClr val="374151"/>
-                </a:solidFill>
-                <a:effectLst/>
-                <a:latin typeface="Söhne"/>
-              </a:rPr>
-              <a:t> specify</a:t>
-            </a:r>
-            <a:r>
-              <a:rPr lang="en-US" dirty="0">
-                <a:solidFill>
-                  <a:srgbClr val="374151"/>
-                </a:solidFill>
-                <a:latin typeface="Söhne"/>
-              </a:rPr>
-              <a:t>ing</a:t>
-            </a:r>
-            <a:r>
-              <a:rPr lang="en-US" b="0" i="0" dirty="0">
-                <a:solidFill>
-                  <a:srgbClr val="374151"/>
-                </a:solidFill>
-                <a:effectLst/>
-                <a:latin typeface="Söhne"/>
-              </a:rPr>
-              <a:t> the base Python image  </a:t>
-            </a:r>
-          </a:p>
-          <a:p>
-            <a:pPr lvl="1"/>
-            <a:r>
-              <a:rPr lang="en-US" b="0" i="0" dirty="0">
-                <a:solidFill>
-                  <a:srgbClr val="374151"/>
-                </a:solidFill>
-                <a:effectLst/>
-                <a:latin typeface="Söhne"/>
-              </a:rPr>
-              <a:t>Specify dependency libraries to install (usually done via a requirements.txt file)</a:t>
-            </a:r>
-          </a:p>
-          <a:p>
-            <a:pPr lvl="1"/>
-            <a:r>
-              <a:rPr lang="en-US" b="0" i="0" dirty="0">
-                <a:solidFill>
-                  <a:srgbClr val="374151"/>
-                </a:solidFill>
-                <a:effectLst/>
-                <a:latin typeface="Söhne"/>
-              </a:rPr>
-              <a:t>Specify configurations</a:t>
-            </a:r>
-            <a:r>
-              <a:rPr lang="en-US" dirty="0">
-                <a:solidFill>
-                  <a:srgbClr val="374151"/>
-                </a:solidFill>
-                <a:latin typeface="Söhne"/>
-              </a:rPr>
-              <a:t> required for our application to run.</a:t>
-            </a:r>
-          </a:p>
-          <a:p>
-            <a:endParaRPr lang="en-US" b="0" i="0" dirty="0">
+              <a:t>—its code, dependencies, and configurations. </a:t>
+            </a:r>
+            <a:endParaRPr lang="en-US" dirty="0">
               <a:solidFill>
                 <a:srgbClr val="374151"/>
               </a:solidFill>
-              <a:effectLst/>
               <a:latin typeface="Söhne"/>
             </a:endParaRPr>
+          </a:p>
+          <a:p>
+            <a:pPr lvl="1"/>
+            <a:r>
+              <a:rPr lang="en-US" b="0" i="0" dirty="0">
+                <a:solidFill>
+                  <a:srgbClr val="374151"/>
+                </a:solidFill>
+                <a:effectLst/>
+                <a:latin typeface="Söhne"/>
+              </a:rPr>
+              <a:t>For ex. It's like a </a:t>
+            </a:r>
+            <a:r>
+              <a:rPr lang="en-US" b="1" i="1" dirty="0">
+                <a:solidFill>
+                  <a:srgbClr val="374151"/>
+                </a:solidFill>
+                <a:effectLst/>
+                <a:latin typeface="Söhne"/>
+              </a:rPr>
+              <a:t>digital suitcase for your app</a:t>
+            </a:r>
+            <a:r>
+              <a:rPr lang="en-US" b="0" i="0" dirty="0">
+                <a:solidFill>
+                  <a:srgbClr val="374151"/>
+                </a:solidFill>
+                <a:effectLst/>
+                <a:latin typeface="Söhne"/>
+              </a:rPr>
+              <a:t>. It holds all the important stuff your app needs to work, ( its code, tools it relies on, and how it's set up).</a:t>
+            </a:r>
+          </a:p>
+          <a:p>
+            <a:r>
+              <a:rPr lang="en-US" b="0" i="0" dirty="0">
+                <a:solidFill>
+                  <a:srgbClr val="374151"/>
+                </a:solidFill>
+                <a:effectLst/>
+                <a:latin typeface="Söhne"/>
+              </a:rPr>
+              <a:t>Steps </a:t>
+            </a:r>
+            <a:r>
+              <a:rPr lang="en-US" dirty="0">
+                <a:solidFill>
+                  <a:srgbClr val="374151"/>
+                </a:solidFill>
+                <a:latin typeface="Söhne"/>
+              </a:rPr>
+              <a:t>t</a:t>
+            </a:r>
+            <a:r>
+              <a:rPr lang="en-US" b="0" i="0" dirty="0">
+                <a:solidFill>
+                  <a:srgbClr val="374151"/>
+                </a:solidFill>
+                <a:effectLst/>
+                <a:latin typeface="Söhne"/>
+              </a:rPr>
+              <a:t>o run a python application in docker:  </a:t>
+            </a:r>
+          </a:p>
+          <a:p>
+            <a:pPr lvl="1"/>
+            <a:r>
+              <a:rPr lang="en-US" b="0" i="0" dirty="0">
+                <a:solidFill>
+                  <a:srgbClr val="374151"/>
+                </a:solidFill>
+                <a:effectLst/>
+                <a:latin typeface="Söhne"/>
+              </a:rPr>
+              <a:t>Create a </a:t>
+            </a:r>
+            <a:r>
+              <a:rPr lang="en-US" b="0" i="0" dirty="0" err="1">
+                <a:solidFill>
+                  <a:srgbClr val="374151"/>
+                </a:solidFill>
+                <a:effectLst/>
+                <a:latin typeface="Söhne"/>
+              </a:rPr>
+              <a:t>Dockerfile</a:t>
+            </a:r>
+            <a:r>
+              <a:rPr lang="en-US" b="0" i="0" dirty="0">
+                <a:solidFill>
+                  <a:srgbClr val="374151"/>
+                </a:solidFill>
+                <a:effectLst/>
+                <a:latin typeface="Söhne"/>
+              </a:rPr>
+              <a:t> specify</a:t>
+            </a:r>
+            <a:r>
+              <a:rPr lang="en-US" dirty="0">
+                <a:solidFill>
+                  <a:srgbClr val="374151"/>
+                </a:solidFill>
+                <a:latin typeface="Söhne"/>
+              </a:rPr>
+              <a:t>ing</a:t>
+            </a:r>
+            <a:r>
+              <a:rPr lang="en-US" b="0" i="0" dirty="0">
+                <a:solidFill>
+                  <a:srgbClr val="374151"/>
+                </a:solidFill>
+                <a:effectLst/>
+                <a:latin typeface="Söhne"/>
+              </a:rPr>
+              <a:t> the base Python image  </a:t>
+            </a:r>
+          </a:p>
+          <a:p>
+            <a:pPr lvl="1"/>
+            <a:r>
+              <a:rPr lang="en-US" b="0" i="0" dirty="0">
+                <a:solidFill>
+                  <a:srgbClr val="374151"/>
+                </a:solidFill>
+                <a:effectLst/>
+                <a:latin typeface="Söhne"/>
+              </a:rPr>
+              <a:t>Specify dependency libraries to install (usually done via a requirements.txt file)</a:t>
+            </a:r>
+          </a:p>
+          <a:p>
+            <a:pPr lvl="1"/>
+            <a:r>
+              <a:rPr lang="en-US" b="0" i="0" dirty="0">
+                <a:solidFill>
+                  <a:srgbClr val="374151"/>
+                </a:solidFill>
+                <a:effectLst/>
+                <a:latin typeface="Söhne"/>
+              </a:rPr>
+              <a:t>Specify configurations</a:t>
+            </a:r>
+            <a:r>
+              <a:rPr lang="en-US" dirty="0">
+                <a:solidFill>
+                  <a:srgbClr val="374151"/>
+                </a:solidFill>
+                <a:latin typeface="Söhne"/>
+              </a:rPr>
+              <a:t> required for our application to run.</a:t>
+            </a:r>
           </a:p>
         </p:txBody>
       </p:sp>
@@ -10082,7 +10718,7 @@
           <a:p>
             <a:fld id="{6D22F896-40B5-4ADD-8801-0D06FADFA095}" type="slidenum">
               <a:rPr lang="en-US" smtClean="0"/>
-              <a:t>8</a:t>
+              <a:t>9</a:t>
             </a:fld>
             <a:endParaRPr lang="en-US" dirty="0"/>
           </a:p>
@@ -10121,339 +10757,6 @@
     <p:extLst>
       <p:ext uri="{BB962C8B-B14F-4D97-AF65-F5344CB8AC3E}">
         <p14:creationId xmlns:p14="http://schemas.microsoft.com/office/powerpoint/2010/main" val="3504246098"/>
-      </p:ext>
-    </p:extLst>
-  </p:cSld>
-  <p:clrMapOvr>
-    <a:masterClrMapping/>
-  </p:clrMapOvr>
-</p:sld>
-</file>
-
-<file path=ppt/slides/slide9.xml><?xml version="1.0" encoding="utf-8"?>
-<p:sld xmlns:a="http://schemas.openxmlformats.org/drawingml/2006/main" xmlns:r="http://schemas.openxmlformats.org/officeDocument/2006/relationships" xmlns:p="http://schemas.openxmlformats.org/presentationml/2006/main">
-  <p:cSld>
-    <p:spTree>
-      <p:nvGrpSpPr>
-        <p:cNvPr id="1" name=""/>
-        <p:cNvGrpSpPr/>
-        <p:nvPr/>
-      </p:nvGrpSpPr>
-      <p:grpSpPr>
-        <a:xfrm>
-          <a:off x="0" y="0"/>
-          <a:ext cx="0" cy="0"/>
-          <a:chOff x="0" y="0"/>
-          <a:chExt cx="0" cy="0"/>
-        </a:xfrm>
-      </p:grpSpPr>
-      <p:sp>
-        <p:nvSpPr>
-          <p:cNvPr id="2" name="Title 1">
-            <a:extLst>
-              <a:ext uri="{FF2B5EF4-FFF2-40B4-BE49-F238E27FC236}">
-                <a16:creationId xmlns:a16="http://schemas.microsoft.com/office/drawing/2014/main" id="{E615E32B-E872-C489-66C2-88BFAA5C1700}"/>
-              </a:ext>
-            </a:extLst>
-          </p:cNvPr>
-          <p:cNvSpPr>
-            <a:spLocks noGrp="1"/>
-          </p:cNvSpPr>
-          <p:nvPr>
-            <p:ph type="title"/>
-          </p:nvPr>
-        </p:nvSpPr>
-        <p:spPr/>
-        <p:txBody>
-          <a:bodyPr/>
-          <a:lstStyle/>
-          <a:p>
-            <a:r>
-              <a:rPr lang="en-US" b="1" i="0">
-                <a:solidFill>
-                  <a:srgbClr val="0D0D0D"/>
-                </a:solidFill>
-                <a:effectLst/>
-                <a:latin typeface="Söhne"/>
-              </a:rPr>
-              <a:t>BUILDING DOCKER IMAGE For OUR Python APP</a:t>
-            </a:r>
-            <a:endParaRPr lang="en-SG" dirty="0">
-              <a:latin typeface="Arial" panose="020B0604020202020204" pitchFamily="34" charset="0"/>
-              <a:cs typeface="Arial" panose="020B0604020202020204" pitchFamily="34" charset="0"/>
-            </a:endParaRPr>
-          </a:p>
-        </p:txBody>
-      </p:sp>
-      <p:sp>
-        <p:nvSpPr>
-          <p:cNvPr id="3" name="Content Placeholder 2">
-            <a:extLst>
-              <a:ext uri="{FF2B5EF4-FFF2-40B4-BE49-F238E27FC236}">
-                <a16:creationId xmlns:a16="http://schemas.microsoft.com/office/drawing/2014/main" id="{92CDBBD6-340F-E403-74C2-8C5D82E49D4F}"/>
-              </a:ext>
-            </a:extLst>
-          </p:cNvPr>
-          <p:cNvSpPr>
-            <a:spLocks noGrp="1"/>
-          </p:cNvSpPr>
-          <p:nvPr>
-            <p:ph sz="half" idx="1"/>
-          </p:nvPr>
-        </p:nvSpPr>
-        <p:spPr>
-          <a:xfrm>
-            <a:off x="750772" y="2010877"/>
-            <a:ext cx="6926170" cy="3736779"/>
-          </a:xfrm>
-        </p:spPr>
-        <p:txBody>
-          <a:bodyPr>
-            <a:normAutofit/>
-          </a:bodyPr>
-          <a:lstStyle/>
-          <a:p>
-            <a:r>
-              <a:rPr lang="en-US" dirty="0">
-                <a:solidFill>
-                  <a:srgbClr val="374151"/>
-                </a:solidFill>
-                <a:latin typeface="Söhne"/>
-              </a:rPr>
-              <a:t>When you R</a:t>
-            </a:r>
-            <a:r>
-              <a:rPr lang="en-US" b="0" i="0" dirty="0">
-                <a:solidFill>
-                  <a:srgbClr val="374151"/>
-                </a:solidFill>
-                <a:effectLst/>
-                <a:latin typeface="Söhne"/>
-              </a:rPr>
-              <a:t>un </a:t>
-            </a:r>
-            <a:r>
-              <a:rPr lang="en-US" b="0" i="0" dirty="0" err="1">
-                <a:solidFill>
-                  <a:srgbClr val="374151"/>
-                </a:solidFill>
-                <a:effectLst/>
-                <a:latin typeface="Söhne"/>
-              </a:rPr>
-              <a:t>Dockerfile</a:t>
-            </a:r>
-            <a:r>
-              <a:rPr lang="en-US" b="0" i="0" dirty="0">
-                <a:solidFill>
-                  <a:srgbClr val="374151"/>
-                </a:solidFill>
-                <a:effectLst/>
-                <a:latin typeface="Söhne"/>
-              </a:rPr>
-              <a:t> from </a:t>
-            </a:r>
-            <a:r>
-              <a:rPr lang="en-US" dirty="0" err="1">
-                <a:solidFill>
-                  <a:srgbClr val="374151"/>
-                </a:solidFill>
-                <a:latin typeface="Söhne"/>
-              </a:rPr>
-              <a:t>cmd</a:t>
-            </a:r>
-            <a:r>
-              <a:rPr lang="en-US" b="0" i="0" dirty="0">
-                <a:solidFill>
-                  <a:srgbClr val="374151"/>
-                </a:solidFill>
-                <a:effectLst/>
-                <a:latin typeface="Söhne"/>
-              </a:rPr>
-              <a:t> prompt using ‘docker build’ command, </a:t>
-            </a:r>
-          </a:p>
-          <a:p>
-            <a:pPr lvl="1"/>
-            <a:r>
-              <a:rPr lang="en-US" b="0" i="0" dirty="0">
-                <a:solidFill>
-                  <a:srgbClr val="374151"/>
-                </a:solidFill>
-                <a:effectLst/>
-                <a:latin typeface="Söhne"/>
-              </a:rPr>
-              <a:t>Docker automatically fetches the specified Python image from Docker Hub for our application</a:t>
-            </a:r>
-            <a:endParaRPr lang="en-US" sz="2000" b="0" i="0" dirty="0">
-              <a:solidFill>
-                <a:srgbClr val="374151"/>
-              </a:solidFill>
-              <a:effectLst/>
-              <a:latin typeface="Söhne"/>
-            </a:endParaRPr>
-          </a:p>
-          <a:p>
-            <a:pPr lvl="1"/>
-            <a:r>
-              <a:rPr lang="en-US" b="0" i="0" dirty="0">
-                <a:solidFill>
-                  <a:srgbClr val="374151"/>
-                </a:solidFill>
-                <a:effectLst/>
-                <a:latin typeface="Söhne"/>
-              </a:rPr>
-              <a:t>Docker ensures that dependencies listed in the Dockerfile are installed within the container during the build process to avoid dependency conflict and creates docker image.</a:t>
-            </a:r>
-          </a:p>
-          <a:p>
-            <a:r>
-              <a:rPr lang="en-US" sz="2000" b="0" i="0" dirty="0">
-                <a:solidFill>
-                  <a:srgbClr val="374151"/>
-                </a:solidFill>
-                <a:effectLst/>
-                <a:latin typeface="Söhne"/>
-              </a:rPr>
-              <a:t>Syntax: docker build -t &lt;</a:t>
-            </a:r>
-            <a:r>
-              <a:rPr lang="en-US" sz="2000" b="0" i="0" dirty="0" err="1">
-                <a:solidFill>
-                  <a:srgbClr val="374151"/>
-                </a:solidFill>
-                <a:effectLst/>
-                <a:latin typeface="Söhne"/>
-              </a:rPr>
-              <a:t>image_name</a:t>
-            </a:r>
-            <a:r>
-              <a:rPr lang="en-US" sz="2000" b="0" i="0" dirty="0">
-                <a:solidFill>
-                  <a:srgbClr val="374151"/>
-                </a:solidFill>
-                <a:effectLst/>
-                <a:latin typeface="Söhne"/>
-              </a:rPr>
-              <a:t>&gt; &lt;</a:t>
-            </a:r>
-            <a:r>
-              <a:rPr lang="en-US" sz="2000" b="0" i="0" dirty="0" err="1">
-                <a:solidFill>
-                  <a:srgbClr val="374151"/>
-                </a:solidFill>
-                <a:effectLst/>
-                <a:latin typeface="Söhne"/>
-              </a:rPr>
-              <a:t>path_to_Dockerfile</a:t>
-            </a:r>
-            <a:r>
-              <a:rPr lang="en-US" sz="2000" b="0" i="0" dirty="0">
-                <a:solidFill>
-                  <a:srgbClr val="374151"/>
-                </a:solidFill>
-                <a:effectLst/>
-                <a:latin typeface="Söhne"/>
-              </a:rPr>
-              <a:t>&gt;</a:t>
-            </a:r>
-          </a:p>
-          <a:p>
-            <a:pPr lvl="1"/>
-            <a:r>
-              <a:rPr lang="en-US" b="0" i="0" dirty="0">
-                <a:solidFill>
-                  <a:srgbClr val="374151"/>
-                </a:solidFill>
-                <a:effectLst/>
-                <a:latin typeface="Söhne"/>
-              </a:rPr>
-              <a:t>Ex. docker build -t </a:t>
-            </a:r>
-            <a:r>
-              <a:rPr lang="en-US" b="0" i="0" dirty="0" err="1">
-                <a:solidFill>
-                  <a:srgbClr val="374151"/>
-                </a:solidFill>
-                <a:effectLst/>
-                <a:latin typeface="Söhne"/>
-              </a:rPr>
-              <a:t>my_app</a:t>
-            </a:r>
-            <a:r>
-              <a:rPr lang="en-US" b="0" i="0" dirty="0">
-                <a:solidFill>
-                  <a:srgbClr val="374151"/>
-                </a:solidFill>
-                <a:effectLst/>
-                <a:latin typeface="Söhne"/>
-              </a:rPr>
-              <a:t> . </a:t>
-            </a:r>
-          </a:p>
-        </p:txBody>
-      </p:sp>
-      <p:sp>
-        <p:nvSpPr>
-          <p:cNvPr id="5" name="Slide Number Placeholder 4">
-            <a:extLst>
-              <a:ext uri="{FF2B5EF4-FFF2-40B4-BE49-F238E27FC236}">
-                <a16:creationId xmlns:a16="http://schemas.microsoft.com/office/drawing/2014/main" id="{38F98672-66A5-3449-896E-4A10CC1775BE}"/>
-              </a:ext>
-            </a:extLst>
-          </p:cNvPr>
-          <p:cNvSpPr>
-            <a:spLocks noGrp="1"/>
-          </p:cNvSpPr>
-          <p:nvPr>
-            <p:ph type="sldNum" sz="quarter" idx="12"/>
-          </p:nvPr>
-        </p:nvSpPr>
-        <p:spPr/>
-        <p:txBody>
-          <a:bodyPr/>
-          <a:lstStyle/>
-          <a:p>
-            <a:fld id="{6D22F896-40B5-4ADD-8801-0D06FADFA095}" type="slidenum">
-              <a:rPr lang="en-US" smtClean="0"/>
-              <a:t>9</a:t>
-            </a:fld>
-            <a:endParaRPr lang="en-US" dirty="0"/>
-          </a:p>
-        </p:txBody>
-      </p:sp>
-      <p:pic>
-        <p:nvPicPr>
-          <p:cNvPr id="6" name="Content Placeholder 5">
-            <a:extLst>
-              <a:ext uri="{FF2B5EF4-FFF2-40B4-BE49-F238E27FC236}">
-                <a16:creationId xmlns:a16="http://schemas.microsoft.com/office/drawing/2014/main" id="{3AAFDBCA-3888-2E54-A464-04E0F8727230}"/>
-              </a:ext>
-            </a:extLst>
-          </p:cNvPr>
-          <p:cNvPicPr>
-            <a:picLocks noGrp="1" noChangeAspect="1"/>
-          </p:cNvPicPr>
-          <p:nvPr>
-            <p:ph sz="half" idx="2"/>
-          </p:nvPr>
-        </p:nvPicPr>
-        <p:blipFill>
-          <a:blip r:embed="rId2"/>
-          <a:stretch>
-            <a:fillRect/>
-          </a:stretch>
-        </p:blipFill>
-        <p:spPr>
-          <a:xfrm>
-            <a:off x="7749833" y="2568140"/>
-            <a:ext cx="3855829" cy="2425667"/>
-          </a:xfrm>
-        </p:spPr>
-      </p:pic>
-    </p:spTree>
-    <p:extLst>
-      <p:ext uri="{BB962C8B-B14F-4D97-AF65-F5344CB8AC3E}">
-        <p14:creationId xmlns:p14="http://schemas.microsoft.com/office/powerpoint/2010/main" val="1592367546"/>
       </p:ext>
     </p:extLst>
   </p:cSld>

--- a/Docker_workshop.pptx
+++ b/Docker_workshop.pptx
@@ -5,7 +5,7 @@
     <p:sldMasterId id="2147483648" r:id="rId1"/>
   </p:sldMasterIdLst>
   <p:notesMasterIdLst>
-    <p:notesMasterId r:id="rId29"/>
+    <p:notesMasterId r:id="rId31"/>
   </p:notesMasterIdLst>
   <p:sldIdLst>
     <p:sldId id="256" r:id="rId2"/>
@@ -23,18 +23,20 @@
     <p:sldId id="289" r:id="rId14"/>
     <p:sldId id="297" r:id="rId15"/>
     <p:sldId id="294" r:id="rId16"/>
-    <p:sldId id="277" r:id="rId17"/>
-    <p:sldId id="291" r:id="rId18"/>
-    <p:sldId id="278" r:id="rId19"/>
-    <p:sldId id="288" r:id="rId20"/>
-    <p:sldId id="295" r:id="rId21"/>
-    <p:sldId id="296" r:id="rId22"/>
-    <p:sldId id="292" r:id="rId23"/>
-    <p:sldId id="287" r:id="rId24"/>
-    <p:sldId id="262" r:id="rId25"/>
-    <p:sldId id="285" r:id="rId26"/>
-    <p:sldId id="286" r:id="rId27"/>
-    <p:sldId id="261" r:id="rId28"/>
+    <p:sldId id="299" r:id="rId17"/>
+    <p:sldId id="300" r:id="rId18"/>
+    <p:sldId id="277" r:id="rId19"/>
+    <p:sldId id="291" r:id="rId20"/>
+    <p:sldId id="278" r:id="rId21"/>
+    <p:sldId id="288" r:id="rId22"/>
+    <p:sldId id="295" r:id="rId23"/>
+    <p:sldId id="296" r:id="rId24"/>
+    <p:sldId id="292" r:id="rId25"/>
+    <p:sldId id="287" r:id="rId26"/>
+    <p:sldId id="262" r:id="rId27"/>
+    <p:sldId id="285" r:id="rId28"/>
+    <p:sldId id="286" r:id="rId29"/>
+    <p:sldId id="261" r:id="rId30"/>
   </p:sldIdLst>
   <p:sldSz cx="12192000" cy="6858000"/>
   <p:notesSz cx="6858000" cy="9144000"/>
@@ -5771,6 +5773,520 @@
           <p:cNvPr id="2" name="Title 1">
             <a:extLst>
               <a:ext uri="{FF2B5EF4-FFF2-40B4-BE49-F238E27FC236}">
+                <a16:creationId xmlns:a16="http://schemas.microsoft.com/office/drawing/2014/main" id="{D307C4C7-D8EC-D770-9199-9264B747CFCE}"/>
+              </a:ext>
+            </a:extLst>
+          </p:cNvPr>
+          <p:cNvSpPr>
+            <a:spLocks noGrp="1"/>
+          </p:cNvSpPr>
+          <p:nvPr>
+            <p:ph type="title"/>
+          </p:nvPr>
+        </p:nvSpPr>
+        <p:spPr/>
+        <p:txBody>
+          <a:bodyPr/>
+          <a:lstStyle/>
+          <a:p>
+            <a:r>
+              <a:rPr lang="en-US" dirty="0"/>
+              <a:t>Docker ARCHITECTURE</a:t>
+            </a:r>
+            <a:endParaRPr lang="en-SG" dirty="0"/>
+          </a:p>
+        </p:txBody>
+      </p:sp>
+      <p:sp>
+        <p:nvSpPr>
+          <p:cNvPr id="3" name="Content Placeholder 2">
+            <a:extLst>
+              <a:ext uri="{FF2B5EF4-FFF2-40B4-BE49-F238E27FC236}">
+                <a16:creationId xmlns:a16="http://schemas.microsoft.com/office/drawing/2014/main" id="{20B8C143-CAB8-30A9-B768-6FA829F1999B}"/>
+              </a:ext>
+            </a:extLst>
+          </p:cNvPr>
+          <p:cNvSpPr>
+            <a:spLocks noGrp="1"/>
+          </p:cNvSpPr>
+          <p:nvPr>
+            <p:ph sz="half" idx="1"/>
+          </p:nvPr>
+        </p:nvSpPr>
+        <p:spPr>
+          <a:xfrm>
+            <a:off x="1447330" y="1951164"/>
+            <a:ext cx="6829404" cy="4101946"/>
+          </a:xfrm>
+        </p:spPr>
+        <p:txBody>
+          <a:bodyPr>
+            <a:noAutofit/>
+          </a:bodyPr>
+          <a:lstStyle/>
+          <a:p>
+            <a:r>
+              <a:rPr lang="en-US" sz="1600" b="0" i="0" dirty="0">
+                <a:solidFill>
+                  <a:srgbClr val="374151"/>
+                </a:solidFill>
+                <a:effectLst/>
+                <a:latin typeface="Söhne"/>
+              </a:rPr>
+              <a:t>Docker Engine:  Think of this as the heart of Docker. </a:t>
+            </a:r>
+          </a:p>
+          <a:p>
+            <a:pPr lvl="1"/>
+            <a:r>
+              <a:rPr lang="en-US" sz="1600" dirty="0">
+                <a:solidFill>
+                  <a:srgbClr val="374151"/>
+                </a:solidFill>
+                <a:latin typeface="Söhne"/>
+              </a:rPr>
+              <a:t>It's the overall software responsible for </a:t>
+            </a:r>
+            <a:r>
+              <a:rPr lang="en-US" sz="1600" b="1" dirty="0">
+                <a:solidFill>
+                  <a:srgbClr val="374151"/>
+                </a:solidFill>
+                <a:latin typeface="Söhne"/>
+              </a:rPr>
+              <a:t>building, running, and managing containers</a:t>
+            </a:r>
+            <a:r>
+              <a:rPr lang="en-US" sz="1600" dirty="0">
+                <a:solidFill>
+                  <a:srgbClr val="374151"/>
+                </a:solidFill>
+                <a:latin typeface="Söhne"/>
+              </a:rPr>
+              <a:t> on your system. </a:t>
+            </a:r>
+          </a:p>
+          <a:p>
+            <a:pPr lvl="1"/>
+            <a:r>
+              <a:rPr lang="en-US" sz="1600" dirty="0">
+                <a:solidFill>
+                  <a:srgbClr val="374151"/>
+                </a:solidFill>
+                <a:latin typeface="Söhne"/>
+              </a:rPr>
+              <a:t>When you interact with Docker through commands, you're essentially interacting with Docker Engine.</a:t>
+            </a:r>
+          </a:p>
+          <a:p>
+            <a:r>
+              <a:rPr lang="en-US" sz="1600" b="0" i="0" dirty="0">
+                <a:solidFill>
+                  <a:srgbClr val="374151"/>
+                </a:solidFill>
+                <a:effectLst/>
+                <a:latin typeface="Söhne"/>
+              </a:rPr>
+              <a:t>Docker Daemon: This is like the caretaker of Docker. </a:t>
+            </a:r>
+          </a:p>
+          <a:p>
+            <a:pPr lvl="1"/>
+            <a:r>
+              <a:rPr lang="en-US" sz="1600" b="0" i="0" dirty="0">
+                <a:solidFill>
+                  <a:srgbClr val="374151"/>
+                </a:solidFill>
+                <a:effectLst/>
+                <a:latin typeface="Söhne"/>
+              </a:rPr>
+              <a:t>It </a:t>
+            </a:r>
+            <a:r>
+              <a:rPr lang="en-US" sz="1600" b="1" i="0" dirty="0">
+                <a:solidFill>
+                  <a:srgbClr val="374151"/>
+                </a:solidFill>
+                <a:effectLst/>
+                <a:latin typeface="Söhne"/>
+              </a:rPr>
+              <a:t>runs in the background on your system and manages Docker objects, such as images, containers, networks, and volumes</a:t>
+            </a:r>
+            <a:r>
+              <a:rPr lang="en-US" sz="1600" b="0" i="0" dirty="0">
+                <a:solidFill>
+                  <a:srgbClr val="374151"/>
+                </a:solidFill>
+                <a:effectLst/>
+                <a:latin typeface="Söhne"/>
+              </a:rPr>
+              <a:t>. </a:t>
+            </a:r>
+          </a:p>
+          <a:p>
+            <a:pPr lvl="1"/>
+            <a:r>
+              <a:rPr lang="en-US" sz="1600" b="0" i="0" dirty="0">
+                <a:solidFill>
+                  <a:srgbClr val="374151"/>
+                </a:solidFill>
+                <a:effectLst/>
+                <a:latin typeface="Söhne"/>
+              </a:rPr>
+              <a:t>It's responsible for handling requests from the Docker Client and takes care of all the heavy lifting involved in managing containers.</a:t>
+            </a:r>
+          </a:p>
+          <a:p>
+            <a:pPr lvl="1"/>
+            <a:endParaRPr lang="en-US" sz="1400" b="0" i="0" dirty="0">
+              <a:solidFill>
+                <a:srgbClr val="374151"/>
+              </a:solidFill>
+              <a:effectLst/>
+              <a:latin typeface="Söhne"/>
+            </a:endParaRPr>
+          </a:p>
+        </p:txBody>
+      </p:sp>
+      <p:sp>
+        <p:nvSpPr>
+          <p:cNvPr id="4" name="Slide Number Placeholder 3">
+            <a:extLst>
+              <a:ext uri="{FF2B5EF4-FFF2-40B4-BE49-F238E27FC236}">
+                <a16:creationId xmlns:a16="http://schemas.microsoft.com/office/drawing/2014/main" id="{812C1388-8657-1250-D0A6-7E40D2EA0D66}"/>
+              </a:ext>
+            </a:extLst>
+          </p:cNvPr>
+          <p:cNvSpPr>
+            <a:spLocks noGrp="1"/>
+          </p:cNvSpPr>
+          <p:nvPr>
+            <p:ph type="sldNum" sz="quarter" idx="12"/>
+          </p:nvPr>
+        </p:nvSpPr>
+        <p:spPr/>
+        <p:txBody>
+          <a:bodyPr/>
+          <a:lstStyle/>
+          <a:p>
+            <a:fld id="{6D22F896-40B5-4ADD-8801-0D06FADFA095}" type="slidenum">
+              <a:rPr lang="en-US" smtClean="0"/>
+              <a:t>16</a:t>
+            </a:fld>
+            <a:endParaRPr lang="en-US" dirty="0"/>
+          </a:p>
+        </p:txBody>
+      </p:sp>
+      <p:pic>
+        <p:nvPicPr>
+          <p:cNvPr id="1026" name="Picture 2" descr="Understanding Docker Architecture | by Muhammad Saddam | Medium">
+            <a:extLst>
+              <a:ext uri="{FF2B5EF4-FFF2-40B4-BE49-F238E27FC236}">
+                <a16:creationId xmlns:a16="http://schemas.microsoft.com/office/drawing/2014/main" id="{F9488085-8748-0449-EBEA-597C4DF11DFC}"/>
+              </a:ext>
+            </a:extLst>
+          </p:cNvPr>
+          <p:cNvPicPr>
+            <a:picLocks noGrp="1" noChangeAspect="1" noChangeArrowheads="1"/>
+          </p:cNvPicPr>
+          <p:nvPr>
+            <p:ph sz="half" idx="2"/>
+          </p:nvPr>
+        </p:nvPicPr>
+        <p:blipFill>
+          <a:blip r:embed="rId2">
+            <a:extLst>
+              <a:ext uri="{28A0092B-C50C-407E-A947-70E740481C1C}">
+                <a14:useLocalDpi xmlns:a14="http://schemas.microsoft.com/office/drawing/2010/main" val="0"/>
+              </a:ext>
+            </a:extLst>
+          </a:blip>
+          <a:srcRect/>
+          <a:stretch>
+            <a:fillRect/>
+          </a:stretch>
+        </p:blipFill>
+        <p:spPr bwMode="auto">
+          <a:xfrm>
+            <a:off x="8550965" y="1951164"/>
+            <a:ext cx="2905125" cy="3421340"/>
+          </a:xfrm>
+          <a:prstGeom prst="rect">
+            <a:avLst/>
+          </a:prstGeom>
+          <a:noFill/>
+          <a:extLst>
+            <a:ext uri="{909E8E84-426E-40DD-AFC4-6F175D3DCCD1}">
+              <a14:hiddenFill xmlns:a14="http://schemas.microsoft.com/office/drawing/2010/main">
+                <a:solidFill>
+                  <a:srgbClr val="FFFFFF"/>
+                </a:solidFill>
+              </a14:hiddenFill>
+            </a:ext>
+          </a:extLst>
+        </p:spPr>
+      </p:pic>
+    </p:spTree>
+    <p:extLst>
+      <p:ext uri="{BB962C8B-B14F-4D97-AF65-F5344CB8AC3E}">
+        <p14:creationId xmlns:p14="http://schemas.microsoft.com/office/powerpoint/2010/main" val="529587264"/>
+      </p:ext>
+    </p:extLst>
+  </p:cSld>
+  <p:clrMapOvr>
+    <a:masterClrMapping/>
+  </p:clrMapOvr>
+</p:sld>
+</file>
+
+<file path=ppt/slides/slide17.xml><?xml version="1.0" encoding="utf-8"?>
+<p:sld xmlns:a="http://schemas.openxmlformats.org/drawingml/2006/main" xmlns:r="http://schemas.openxmlformats.org/officeDocument/2006/relationships" xmlns:p="http://schemas.openxmlformats.org/presentationml/2006/main">
+  <p:cSld>
+    <p:spTree>
+      <p:nvGrpSpPr>
+        <p:cNvPr id="1" name=""/>
+        <p:cNvGrpSpPr/>
+        <p:nvPr/>
+      </p:nvGrpSpPr>
+      <p:grpSpPr>
+        <a:xfrm>
+          <a:off x="0" y="0"/>
+          <a:ext cx="0" cy="0"/>
+          <a:chOff x="0" y="0"/>
+          <a:chExt cx="0" cy="0"/>
+        </a:xfrm>
+      </p:grpSpPr>
+      <p:sp>
+        <p:nvSpPr>
+          <p:cNvPr id="2" name="Title 1">
+            <a:extLst>
+              <a:ext uri="{FF2B5EF4-FFF2-40B4-BE49-F238E27FC236}">
+                <a16:creationId xmlns:a16="http://schemas.microsoft.com/office/drawing/2014/main" id="{D307C4C7-D8EC-D770-9199-9264B747CFCE}"/>
+              </a:ext>
+            </a:extLst>
+          </p:cNvPr>
+          <p:cNvSpPr>
+            <a:spLocks noGrp="1"/>
+          </p:cNvSpPr>
+          <p:nvPr>
+            <p:ph type="title"/>
+          </p:nvPr>
+        </p:nvSpPr>
+        <p:spPr/>
+        <p:txBody>
+          <a:bodyPr/>
+          <a:lstStyle/>
+          <a:p>
+            <a:r>
+              <a:rPr lang="en-US" dirty="0"/>
+              <a:t>Docker ARCHITECTURE</a:t>
+            </a:r>
+            <a:endParaRPr lang="en-SG" dirty="0"/>
+          </a:p>
+        </p:txBody>
+      </p:sp>
+      <p:sp>
+        <p:nvSpPr>
+          <p:cNvPr id="3" name="Content Placeholder 2">
+            <a:extLst>
+              <a:ext uri="{FF2B5EF4-FFF2-40B4-BE49-F238E27FC236}">
+                <a16:creationId xmlns:a16="http://schemas.microsoft.com/office/drawing/2014/main" id="{20B8C143-CAB8-30A9-B768-6FA829F1999B}"/>
+              </a:ext>
+            </a:extLst>
+          </p:cNvPr>
+          <p:cNvSpPr>
+            <a:spLocks noGrp="1"/>
+          </p:cNvSpPr>
+          <p:nvPr>
+            <p:ph sz="half" idx="1"/>
+          </p:nvPr>
+        </p:nvSpPr>
+        <p:spPr>
+          <a:xfrm>
+            <a:off x="1447330" y="2059388"/>
+            <a:ext cx="5955334" cy="3993722"/>
+          </a:xfrm>
+        </p:spPr>
+        <p:txBody>
+          <a:bodyPr>
+            <a:noAutofit/>
+          </a:bodyPr>
+          <a:lstStyle/>
+          <a:p>
+            <a:r>
+              <a:rPr lang="en-US" sz="1600" b="0" i="0" dirty="0">
+                <a:solidFill>
+                  <a:srgbClr val="374151"/>
+                </a:solidFill>
+                <a:effectLst/>
+                <a:latin typeface="Söhne"/>
+              </a:rPr>
+              <a:t>Docker Desktop includes both the Docker Daemon and the Docker Engine</a:t>
+            </a:r>
+          </a:p>
+          <a:p>
+            <a:r>
+              <a:rPr lang="en-US" sz="1600" b="0" i="0" dirty="0">
+                <a:solidFill>
+                  <a:srgbClr val="374151"/>
+                </a:solidFill>
+                <a:effectLst/>
+                <a:latin typeface="Söhne"/>
+              </a:rPr>
+              <a:t>Docker Client: This is your gateway to Docker</a:t>
+            </a:r>
+          </a:p>
+          <a:p>
+            <a:pPr lvl="1"/>
+            <a:r>
+              <a:rPr lang="en-US" sz="1600" b="0" i="0" dirty="0">
+                <a:solidFill>
+                  <a:srgbClr val="374151"/>
+                </a:solidFill>
+                <a:effectLst/>
+                <a:latin typeface="Söhne"/>
+              </a:rPr>
+              <a:t>It's a command-line tool or API that you use to interact with the Docker Engine</a:t>
+            </a:r>
+          </a:p>
+          <a:p>
+            <a:pPr lvl="1"/>
+            <a:r>
+              <a:rPr lang="en-US" sz="1600" b="0" i="0" dirty="0">
+                <a:solidFill>
+                  <a:srgbClr val="374151"/>
+                </a:solidFill>
+                <a:effectLst/>
+                <a:latin typeface="Söhne"/>
+              </a:rPr>
+              <a:t>requests passed to Docker Engine by Docker Client, such as 'docker run' or 'docker build', are then handled by Docker Daemon, which runs in the background and manages the actual execution and management of containers..</a:t>
+            </a:r>
+          </a:p>
+          <a:p>
+            <a:pPr lvl="1"/>
+            <a:endParaRPr lang="en-US" sz="1400" b="0" i="0" dirty="0">
+              <a:solidFill>
+                <a:srgbClr val="374151"/>
+              </a:solidFill>
+              <a:effectLst/>
+              <a:latin typeface="Söhne"/>
+            </a:endParaRPr>
+          </a:p>
+        </p:txBody>
+      </p:sp>
+      <p:sp>
+        <p:nvSpPr>
+          <p:cNvPr id="4" name="Slide Number Placeholder 3">
+            <a:extLst>
+              <a:ext uri="{FF2B5EF4-FFF2-40B4-BE49-F238E27FC236}">
+                <a16:creationId xmlns:a16="http://schemas.microsoft.com/office/drawing/2014/main" id="{812C1388-8657-1250-D0A6-7E40D2EA0D66}"/>
+              </a:ext>
+            </a:extLst>
+          </p:cNvPr>
+          <p:cNvSpPr>
+            <a:spLocks noGrp="1"/>
+          </p:cNvSpPr>
+          <p:nvPr>
+            <p:ph type="sldNum" sz="quarter" idx="12"/>
+          </p:nvPr>
+        </p:nvSpPr>
+        <p:spPr/>
+        <p:txBody>
+          <a:bodyPr/>
+          <a:lstStyle/>
+          <a:p>
+            <a:fld id="{6D22F896-40B5-4ADD-8801-0D06FADFA095}" type="slidenum">
+              <a:rPr lang="en-US" smtClean="0"/>
+              <a:t>17</a:t>
+            </a:fld>
+            <a:endParaRPr lang="en-US" dirty="0"/>
+          </a:p>
+        </p:txBody>
+      </p:sp>
+      <p:pic>
+        <p:nvPicPr>
+          <p:cNvPr id="1026" name="Picture 2" descr="Understanding Docker Architecture | by Muhammad Saddam | Medium">
+            <a:extLst>
+              <a:ext uri="{FF2B5EF4-FFF2-40B4-BE49-F238E27FC236}">
+                <a16:creationId xmlns:a16="http://schemas.microsoft.com/office/drawing/2014/main" id="{F9488085-8748-0449-EBEA-597C4DF11DFC}"/>
+              </a:ext>
+            </a:extLst>
+          </p:cNvPr>
+          <p:cNvPicPr>
+            <a:picLocks noGrp="1" noChangeAspect="1" noChangeArrowheads="1"/>
+          </p:cNvPicPr>
+          <p:nvPr>
+            <p:ph sz="half" idx="2"/>
+          </p:nvPr>
+        </p:nvPicPr>
+        <p:blipFill>
+          <a:blip r:embed="rId2">
+            <a:extLst>
+              <a:ext uri="{28A0092B-C50C-407E-A947-70E740481C1C}">
+                <a14:useLocalDpi xmlns:a14="http://schemas.microsoft.com/office/drawing/2010/main" val="0"/>
+              </a:ext>
+            </a:extLst>
+          </a:blip>
+          <a:srcRect/>
+          <a:stretch>
+            <a:fillRect/>
+          </a:stretch>
+        </p:blipFill>
+        <p:spPr bwMode="auto">
+          <a:xfrm>
+            <a:off x="7779688" y="1932168"/>
+            <a:ext cx="3116138" cy="3669848"/>
+          </a:xfrm>
+          <a:prstGeom prst="rect">
+            <a:avLst/>
+          </a:prstGeom>
+          <a:noFill/>
+          <a:extLst>
+            <a:ext uri="{909E8E84-426E-40DD-AFC4-6F175D3DCCD1}">
+              <a14:hiddenFill xmlns:a14="http://schemas.microsoft.com/office/drawing/2010/main">
+                <a:solidFill>
+                  <a:srgbClr val="FFFFFF"/>
+                </a:solidFill>
+              </a14:hiddenFill>
+            </a:ext>
+          </a:extLst>
+        </p:spPr>
+      </p:pic>
+    </p:spTree>
+    <p:extLst>
+      <p:ext uri="{BB962C8B-B14F-4D97-AF65-F5344CB8AC3E}">
+        <p14:creationId xmlns:p14="http://schemas.microsoft.com/office/powerpoint/2010/main" val="2689100744"/>
+      </p:ext>
+    </p:extLst>
+  </p:cSld>
+  <p:clrMapOvr>
+    <a:masterClrMapping/>
+  </p:clrMapOvr>
+</p:sld>
+</file>
+
+<file path=ppt/slides/slide18.xml><?xml version="1.0" encoding="utf-8"?>
+<p:sld xmlns:a="http://schemas.openxmlformats.org/drawingml/2006/main" xmlns:r="http://schemas.openxmlformats.org/officeDocument/2006/relationships" xmlns:p="http://schemas.openxmlformats.org/presentationml/2006/main">
+  <p:cSld>
+    <p:spTree>
+      <p:nvGrpSpPr>
+        <p:cNvPr id="1" name=""/>
+        <p:cNvGrpSpPr/>
+        <p:nvPr/>
+      </p:nvGrpSpPr>
+      <p:grpSpPr>
+        <a:xfrm>
+          <a:off x="0" y="0"/>
+          <a:ext cx="0" cy="0"/>
+          <a:chOff x="0" y="0"/>
+          <a:chExt cx="0" cy="0"/>
+        </a:xfrm>
+      </p:grpSpPr>
+      <p:sp>
+        <p:nvSpPr>
+          <p:cNvPr id="2" name="Title 1">
+            <a:extLst>
+              <a:ext uri="{FF2B5EF4-FFF2-40B4-BE49-F238E27FC236}">
                 <a16:creationId xmlns:a16="http://schemas.microsoft.com/office/drawing/2014/main" id="{E615E32B-E872-C489-66C2-88BFAA5C1700}"/>
               </a:ext>
             </a:extLst>
@@ -5978,7 +6494,7 @@
           <a:p>
             <a:fld id="{6D22F896-40B5-4ADD-8801-0D06FADFA095}" type="slidenum">
               <a:rPr lang="en-US" smtClean="0"/>
-              <a:t>16</a:t>
+              <a:t>18</a:t>
             </a:fld>
             <a:endParaRPr lang="en-US" dirty="0"/>
           </a:p>
@@ -6054,7 +6570,7 @@
 </p:sld>
 </file>
 
-<file path=ppt/slides/slide17.xml><?xml version="1.0" encoding="utf-8"?>
+<file path=ppt/slides/slide19.xml><?xml version="1.0" encoding="utf-8"?>
 <p:sld xmlns:a="http://schemas.openxmlformats.org/drawingml/2006/main" xmlns:r="http://schemas.openxmlformats.org/officeDocument/2006/relationships" xmlns:p="http://schemas.openxmlformats.org/presentationml/2006/main">
   <p:cSld>
     <p:spTree>
@@ -6286,7 +6802,7 @@
           <a:p>
             <a:fld id="{6D22F896-40B5-4ADD-8801-0D06FADFA095}" type="slidenum">
               <a:rPr lang="en-US" smtClean="0"/>
-              <a:t>17</a:t>
+              <a:t>19</a:t>
             </a:fld>
             <a:endParaRPr lang="en-US" dirty="0"/>
           </a:p>
@@ -6342,7 +6858,7 @@
         <p:spPr>
           <a:xfrm>
             <a:off x="6166626" y="1923918"/>
-            <a:ext cx="5139442" cy="4293035"/>
+            <a:ext cx="5139442" cy="4129193"/>
           </a:xfrm>
           <a:prstGeom prst="rect">
             <a:avLst/>
@@ -6353,687 +6869,6 @@
     <p:extLst>
       <p:ext uri="{BB962C8B-B14F-4D97-AF65-F5344CB8AC3E}">
         <p14:creationId xmlns:p14="http://schemas.microsoft.com/office/powerpoint/2010/main" val="2382357418"/>
-      </p:ext>
-    </p:extLst>
-  </p:cSld>
-  <p:clrMapOvr>
-    <a:masterClrMapping/>
-  </p:clrMapOvr>
-</p:sld>
-</file>
-
-<file path=ppt/slides/slide18.xml><?xml version="1.0" encoding="utf-8"?>
-<p:sld xmlns:a="http://schemas.openxmlformats.org/drawingml/2006/main" xmlns:r="http://schemas.openxmlformats.org/officeDocument/2006/relationships" xmlns:p="http://schemas.openxmlformats.org/presentationml/2006/main">
-  <p:cSld>
-    <p:spTree>
-      <p:nvGrpSpPr>
-        <p:cNvPr id="1" name=""/>
-        <p:cNvGrpSpPr/>
-        <p:nvPr/>
-      </p:nvGrpSpPr>
-      <p:grpSpPr>
-        <a:xfrm>
-          <a:off x="0" y="0"/>
-          <a:ext cx="0" cy="0"/>
-          <a:chOff x="0" y="0"/>
-          <a:chExt cx="0" cy="0"/>
-        </a:xfrm>
-      </p:grpSpPr>
-      <p:sp>
-        <p:nvSpPr>
-          <p:cNvPr id="2" name="Title 1">
-            <a:extLst>
-              <a:ext uri="{FF2B5EF4-FFF2-40B4-BE49-F238E27FC236}">
-                <a16:creationId xmlns:a16="http://schemas.microsoft.com/office/drawing/2014/main" id="{E615E32B-E872-C489-66C2-88BFAA5C1700}"/>
-              </a:ext>
-            </a:extLst>
-          </p:cNvPr>
-          <p:cNvSpPr>
-            <a:spLocks noGrp="1"/>
-          </p:cNvSpPr>
-          <p:nvPr>
-            <p:ph type="title"/>
-          </p:nvPr>
-        </p:nvSpPr>
-        <p:spPr/>
-        <p:txBody>
-          <a:bodyPr/>
-          <a:lstStyle/>
-          <a:p>
-            <a:r>
-              <a:rPr lang="en-US" b="1" i="0" dirty="0">
-                <a:solidFill>
-                  <a:srgbClr val="0D0D0D"/>
-                </a:solidFill>
-                <a:effectLst/>
-                <a:latin typeface="Söhne"/>
-              </a:rPr>
-              <a:t>Docker Volume</a:t>
-            </a:r>
-            <a:endParaRPr lang="en-SG" dirty="0">
-              <a:latin typeface="Arial" panose="020B0604020202020204" pitchFamily="34" charset="0"/>
-              <a:cs typeface="Arial" panose="020B0604020202020204" pitchFamily="34" charset="0"/>
-            </a:endParaRPr>
-          </a:p>
-        </p:txBody>
-      </p:sp>
-      <p:sp>
-        <p:nvSpPr>
-          <p:cNvPr id="3" name="Content Placeholder 2">
-            <a:extLst>
-              <a:ext uri="{FF2B5EF4-FFF2-40B4-BE49-F238E27FC236}">
-                <a16:creationId xmlns:a16="http://schemas.microsoft.com/office/drawing/2014/main" id="{92CDBBD6-340F-E403-74C2-8C5D82E49D4F}"/>
-              </a:ext>
-            </a:extLst>
-          </p:cNvPr>
-          <p:cNvSpPr>
-            <a:spLocks noGrp="1"/>
-          </p:cNvSpPr>
-          <p:nvPr>
-            <p:ph sz="half" idx="1"/>
-          </p:nvPr>
-        </p:nvSpPr>
-        <p:spPr>
-          <a:xfrm>
-            <a:off x="834189" y="2010878"/>
-            <a:ext cx="5258294" cy="3448595"/>
-          </a:xfrm>
-        </p:spPr>
-        <p:txBody>
-          <a:bodyPr>
-            <a:noAutofit/>
-          </a:bodyPr>
-          <a:lstStyle/>
-          <a:p>
-            <a:r>
-              <a:rPr lang="en-US" dirty="0">
-                <a:solidFill>
-                  <a:srgbClr val="0D0D0D"/>
-                </a:solidFill>
-                <a:latin typeface="Söhne"/>
-              </a:rPr>
-              <a:t>T</a:t>
-            </a:r>
-            <a:r>
-              <a:rPr lang="en-US" b="0" i="0" dirty="0">
-                <a:solidFill>
-                  <a:srgbClr val="0D0D0D"/>
-                </a:solidFill>
-                <a:effectLst/>
-                <a:latin typeface="Söhne"/>
-              </a:rPr>
-              <a:t>o persist data generated by containers or share data between containers and the host machine.  </a:t>
-            </a:r>
-          </a:p>
-          <a:p>
-            <a:pPr lvl="1"/>
-            <a:r>
-              <a:rPr lang="en-US" b="0" i="0" dirty="0">
-                <a:solidFill>
-                  <a:srgbClr val="0D0D0D"/>
-                </a:solidFill>
-                <a:effectLst/>
-                <a:latin typeface="Söhne"/>
-              </a:rPr>
-              <a:t>Ex. Named Volumes, Bind Mounts</a:t>
-            </a:r>
-          </a:p>
-          <a:p>
-            <a:r>
-              <a:rPr lang="en-US" dirty="0">
-                <a:solidFill>
-                  <a:srgbClr val="0D0D0D"/>
-                </a:solidFill>
-                <a:latin typeface="Söhne"/>
-              </a:rPr>
-              <a:t>Advantages of using Docker Volume</a:t>
-            </a:r>
-            <a:endParaRPr lang="en-US" b="0" i="0" dirty="0">
-              <a:solidFill>
-                <a:srgbClr val="0D0D0D"/>
-              </a:solidFill>
-              <a:effectLst/>
-              <a:latin typeface="Söhne"/>
-            </a:endParaRPr>
-          </a:p>
-          <a:p>
-            <a:pPr lvl="1"/>
-            <a:r>
-              <a:rPr lang="en-US" sz="2000" b="0" i="0" dirty="0">
-                <a:solidFill>
-                  <a:srgbClr val="0D0D0D"/>
-                </a:solidFill>
-                <a:effectLst/>
-                <a:latin typeface="Söhne"/>
-              </a:rPr>
-              <a:t>data persists even if the container is stopped or removed.</a:t>
-            </a:r>
-          </a:p>
-          <a:p>
-            <a:pPr lvl="1"/>
-            <a:r>
-              <a:rPr lang="en-US" sz="2000" b="0" i="0" dirty="0">
-                <a:solidFill>
-                  <a:srgbClr val="0D0D0D"/>
-                </a:solidFill>
-                <a:effectLst/>
-                <a:latin typeface="Söhne"/>
-              </a:rPr>
-              <a:t>easy backup and restore of data, allowing for disaster recovery and data migration.</a:t>
-            </a:r>
-          </a:p>
-        </p:txBody>
-      </p:sp>
-      <p:sp>
-        <p:nvSpPr>
-          <p:cNvPr id="5" name="Slide Number Placeholder 4">
-            <a:extLst>
-              <a:ext uri="{FF2B5EF4-FFF2-40B4-BE49-F238E27FC236}">
-                <a16:creationId xmlns:a16="http://schemas.microsoft.com/office/drawing/2014/main" id="{38F98672-66A5-3449-896E-4A10CC1775BE}"/>
-              </a:ext>
-            </a:extLst>
-          </p:cNvPr>
-          <p:cNvSpPr>
-            <a:spLocks noGrp="1"/>
-          </p:cNvSpPr>
-          <p:nvPr>
-            <p:ph type="sldNum" sz="quarter" idx="12"/>
-          </p:nvPr>
-        </p:nvSpPr>
-        <p:spPr/>
-        <p:txBody>
-          <a:bodyPr/>
-          <a:lstStyle/>
-          <a:p>
-            <a:fld id="{6D22F896-40B5-4ADD-8801-0D06FADFA095}" type="slidenum">
-              <a:rPr lang="en-US" smtClean="0"/>
-              <a:t>18</a:t>
-            </a:fld>
-            <a:endParaRPr lang="en-US" dirty="0"/>
-          </a:p>
-        </p:txBody>
-      </p:sp>
-      <p:pic>
-        <p:nvPicPr>
-          <p:cNvPr id="5122" name="Picture 2" descr="How to use volumes to share data between Docker containers | by Edouard  Courty | Medium">
-            <a:extLst>
-              <a:ext uri="{FF2B5EF4-FFF2-40B4-BE49-F238E27FC236}">
-                <a16:creationId xmlns:a16="http://schemas.microsoft.com/office/drawing/2014/main" id="{D6095FDE-68D6-F11C-E3C2-8C1D4D69CEBA}"/>
-              </a:ext>
-            </a:extLst>
-          </p:cNvPr>
-          <p:cNvPicPr>
-            <a:picLocks noGrp="1" noChangeAspect="1" noChangeArrowheads="1"/>
-          </p:cNvPicPr>
-          <p:nvPr>
-            <p:ph sz="half" idx="2"/>
-          </p:nvPr>
-        </p:nvPicPr>
-        <p:blipFill>
-          <a:blip r:embed="rId2">
-            <a:extLst>
-              <a:ext uri="{28A0092B-C50C-407E-A947-70E740481C1C}">
-                <a14:useLocalDpi xmlns:a14="http://schemas.microsoft.com/office/drawing/2010/main" val="0"/>
-              </a:ext>
-            </a:extLst>
-          </a:blip>
-          <a:srcRect/>
-          <a:stretch>
-            <a:fillRect/>
-          </a:stretch>
-        </p:blipFill>
-        <p:spPr bwMode="auto">
-          <a:xfrm>
-            <a:off x="6413500" y="2519244"/>
-            <a:ext cx="4645025" cy="2438638"/>
-          </a:xfrm>
-          <a:prstGeom prst="rect">
-            <a:avLst/>
-          </a:prstGeom>
-          <a:noFill/>
-          <a:extLst>
-            <a:ext uri="{909E8E84-426E-40DD-AFC4-6F175D3DCCD1}">
-              <a14:hiddenFill xmlns:a14="http://schemas.microsoft.com/office/drawing/2010/main">
-                <a:solidFill>
-                  <a:srgbClr val="FFFFFF"/>
-                </a:solidFill>
-              </a14:hiddenFill>
-            </a:ext>
-          </a:extLst>
-        </p:spPr>
-      </p:pic>
-    </p:spTree>
-    <p:extLst>
-      <p:ext uri="{BB962C8B-B14F-4D97-AF65-F5344CB8AC3E}">
-        <p14:creationId xmlns:p14="http://schemas.microsoft.com/office/powerpoint/2010/main" val="1257030122"/>
-      </p:ext>
-    </p:extLst>
-  </p:cSld>
-  <p:clrMapOvr>
-    <a:masterClrMapping/>
-  </p:clrMapOvr>
-</p:sld>
-</file>
-
-<file path=ppt/slides/slide19.xml><?xml version="1.0" encoding="utf-8"?>
-<p:sld xmlns:a="http://schemas.openxmlformats.org/drawingml/2006/main" xmlns:r="http://schemas.openxmlformats.org/officeDocument/2006/relationships" xmlns:p="http://schemas.openxmlformats.org/presentationml/2006/main">
-  <p:cSld>
-    <p:spTree>
-      <p:nvGrpSpPr>
-        <p:cNvPr id="1" name=""/>
-        <p:cNvGrpSpPr/>
-        <p:nvPr/>
-      </p:nvGrpSpPr>
-      <p:grpSpPr>
-        <a:xfrm>
-          <a:off x="0" y="0"/>
-          <a:ext cx="0" cy="0"/>
-          <a:chOff x="0" y="0"/>
-          <a:chExt cx="0" cy="0"/>
-        </a:xfrm>
-      </p:grpSpPr>
-      <p:sp>
-        <p:nvSpPr>
-          <p:cNvPr id="2" name="Title 1">
-            <a:extLst>
-              <a:ext uri="{FF2B5EF4-FFF2-40B4-BE49-F238E27FC236}">
-                <a16:creationId xmlns:a16="http://schemas.microsoft.com/office/drawing/2014/main" id="{D307C4C7-D8EC-D770-9199-9264B747CFCE}"/>
-              </a:ext>
-            </a:extLst>
-          </p:cNvPr>
-          <p:cNvSpPr>
-            <a:spLocks noGrp="1"/>
-          </p:cNvSpPr>
-          <p:nvPr>
-            <p:ph type="title"/>
-          </p:nvPr>
-        </p:nvSpPr>
-        <p:spPr/>
-        <p:txBody>
-          <a:bodyPr/>
-          <a:lstStyle/>
-          <a:p>
-            <a:r>
-              <a:rPr lang="en-US" dirty="0"/>
-              <a:t>Docker Commands SEEN So FAR</a:t>
-            </a:r>
-            <a:endParaRPr lang="en-SG" dirty="0"/>
-          </a:p>
-        </p:txBody>
-      </p:sp>
-      <p:sp>
-        <p:nvSpPr>
-          <p:cNvPr id="3" name="Content Placeholder 2">
-            <a:extLst>
-              <a:ext uri="{FF2B5EF4-FFF2-40B4-BE49-F238E27FC236}">
-                <a16:creationId xmlns:a16="http://schemas.microsoft.com/office/drawing/2014/main" id="{20B8C143-CAB8-30A9-B768-6FA829F1999B}"/>
-              </a:ext>
-            </a:extLst>
-          </p:cNvPr>
-          <p:cNvSpPr>
-            <a:spLocks noGrp="1"/>
-          </p:cNvSpPr>
-          <p:nvPr>
-            <p:ph idx="1"/>
-          </p:nvPr>
-        </p:nvSpPr>
-        <p:spPr>
-          <a:xfrm>
-            <a:off x="1451579" y="2015732"/>
-            <a:ext cx="9712140" cy="4037749"/>
-          </a:xfrm>
-        </p:spPr>
-        <p:txBody>
-          <a:bodyPr>
-            <a:normAutofit fontScale="85000" lnSpcReduction="20000"/>
-          </a:bodyPr>
-          <a:lstStyle/>
-          <a:p>
-            <a:r>
-              <a:rPr lang="en-US" b="0" i="0" dirty="0">
-                <a:solidFill>
-                  <a:srgbClr val="374151"/>
-                </a:solidFill>
-                <a:effectLst/>
-                <a:latin typeface="Söhne"/>
-              </a:rPr>
-              <a:t>To build docker image  from </a:t>
-            </a:r>
-            <a:r>
-              <a:rPr lang="en-US" b="0" i="0" dirty="0" err="1">
-                <a:solidFill>
-                  <a:srgbClr val="374151"/>
-                </a:solidFill>
-                <a:effectLst/>
-                <a:latin typeface="Söhne"/>
-              </a:rPr>
-              <a:t>dockerfile</a:t>
-            </a:r>
-            <a:endParaRPr lang="en-US" dirty="0">
-              <a:solidFill>
-                <a:srgbClr val="374151"/>
-              </a:solidFill>
-              <a:latin typeface="Söhne"/>
-            </a:endParaRPr>
-          </a:p>
-          <a:p>
-            <a:pPr lvl="1"/>
-            <a:r>
-              <a:rPr lang="en-US" b="0" i="0" dirty="0">
-                <a:solidFill>
-                  <a:srgbClr val="374151"/>
-                </a:solidFill>
-                <a:effectLst/>
-                <a:latin typeface="Söhne"/>
-              </a:rPr>
-              <a:t>docker build -t &lt;</a:t>
-            </a:r>
-            <a:r>
-              <a:rPr lang="en-US" b="0" i="0" dirty="0" err="1">
-                <a:solidFill>
-                  <a:srgbClr val="374151"/>
-                </a:solidFill>
-                <a:effectLst/>
-                <a:latin typeface="Söhne"/>
-              </a:rPr>
-              <a:t>image_name</a:t>
-            </a:r>
-            <a:r>
-              <a:rPr lang="en-US" b="0" i="0" dirty="0">
-                <a:solidFill>
-                  <a:srgbClr val="374151"/>
-                </a:solidFill>
-                <a:effectLst/>
-                <a:latin typeface="Söhne"/>
-              </a:rPr>
-              <a:t>&gt; &lt;</a:t>
-            </a:r>
-            <a:r>
-              <a:rPr lang="en-US" b="0" i="0" dirty="0" err="1">
-                <a:solidFill>
-                  <a:srgbClr val="374151"/>
-                </a:solidFill>
-                <a:effectLst/>
-                <a:latin typeface="Söhne"/>
-              </a:rPr>
-              <a:t>path_to_Dockerfile</a:t>
-            </a:r>
-            <a:r>
-              <a:rPr lang="en-US" b="0" i="0" dirty="0">
-                <a:solidFill>
-                  <a:srgbClr val="374151"/>
-                </a:solidFill>
-                <a:effectLst/>
-                <a:latin typeface="Söhne"/>
-              </a:rPr>
-              <a:t>&gt;</a:t>
-            </a:r>
-            <a:endParaRPr lang="en-SG" b="0" i="0" dirty="0">
-              <a:solidFill>
-                <a:srgbClr val="374151"/>
-              </a:solidFill>
-              <a:effectLst/>
-              <a:latin typeface="Söhne"/>
-            </a:endParaRPr>
-          </a:p>
-          <a:p>
-            <a:r>
-              <a:rPr lang="en-SG" dirty="0">
-                <a:solidFill>
-                  <a:srgbClr val="374151"/>
-                </a:solidFill>
-                <a:latin typeface="Söhne"/>
-              </a:rPr>
-              <a:t>To create container from an image  </a:t>
-            </a:r>
-          </a:p>
-          <a:p>
-            <a:pPr lvl="1"/>
-            <a:r>
-              <a:rPr lang="en-SG" dirty="0">
-                <a:solidFill>
-                  <a:srgbClr val="374151"/>
-                </a:solidFill>
-                <a:latin typeface="Söhne"/>
-              </a:rPr>
-              <a:t>d</a:t>
-            </a:r>
-            <a:r>
-              <a:rPr lang="en-SG" b="0" i="0" dirty="0">
-                <a:solidFill>
-                  <a:srgbClr val="374151"/>
-                </a:solidFill>
-                <a:effectLst/>
-                <a:latin typeface="Söhne"/>
-              </a:rPr>
-              <a:t>ocker run &lt;</a:t>
-            </a:r>
-            <a:r>
-              <a:rPr lang="en-SG" b="0" i="0" dirty="0" err="1">
-                <a:solidFill>
-                  <a:srgbClr val="374151"/>
-                </a:solidFill>
-                <a:effectLst/>
-                <a:latin typeface="Söhne"/>
-              </a:rPr>
-              <a:t>image_name</a:t>
-            </a:r>
-            <a:r>
-              <a:rPr lang="en-SG" b="0" i="0" dirty="0">
-                <a:solidFill>
-                  <a:srgbClr val="374151"/>
-                </a:solidFill>
-                <a:effectLst/>
-                <a:latin typeface="Söhne"/>
-              </a:rPr>
-              <a:t>&gt;</a:t>
-            </a:r>
-          </a:p>
-          <a:p>
-            <a:r>
-              <a:rPr lang="en-SG" dirty="0">
-                <a:solidFill>
-                  <a:srgbClr val="374151"/>
-                </a:solidFill>
-                <a:latin typeface="Söhne"/>
-              </a:rPr>
-              <a:t>To check container status or container id: </a:t>
-            </a:r>
-          </a:p>
-          <a:p>
-            <a:pPr lvl="1"/>
-            <a:r>
-              <a:rPr lang="en-SG" dirty="0">
-                <a:solidFill>
-                  <a:srgbClr val="374151"/>
-                </a:solidFill>
-                <a:latin typeface="Söhne"/>
-              </a:rPr>
-              <a:t>docker </a:t>
-            </a:r>
-            <a:r>
-              <a:rPr lang="en-SG" dirty="0" err="1">
-                <a:solidFill>
-                  <a:srgbClr val="374151"/>
-                </a:solidFill>
-                <a:latin typeface="Söhne"/>
-              </a:rPr>
-              <a:t>ps</a:t>
-            </a:r>
-            <a:endParaRPr lang="en-US" dirty="0">
-              <a:solidFill>
-                <a:srgbClr val="374151"/>
-              </a:solidFill>
-              <a:latin typeface="Söhne"/>
-            </a:endParaRPr>
-          </a:p>
-          <a:p>
-            <a:r>
-              <a:rPr lang="en-US" b="0" i="0" dirty="0">
-                <a:solidFill>
-                  <a:srgbClr val="374151"/>
-                </a:solidFill>
-                <a:effectLst/>
-                <a:latin typeface="Söhne"/>
-              </a:rPr>
-              <a:t>To start container : docker start &lt;</a:t>
-            </a:r>
-            <a:r>
-              <a:rPr lang="en-US" b="0" i="0" dirty="0" err="1">
-                <a:solidFill>
-                  <a:srgbClr val="374151"/>
-                </a:solidFill>
-                <a:effectLst/>
-                <a:latin typeface="Söhne"/>
-              </a:rPr>
-              <a:t>container_id</a:t>
-            </a:r>
-            <a:r>
-              <a:rPr lang="en-US" b="0" i="0" dirty="0">
-                <a:solidFill>
-                  <a:srgbClr val="374151"/>
-                </a:solidFill>
-                <a:effectLst/>
-                <a:latin typeface="Söhne"/>
-              </a:rPr>
-              <a:t>&gt;</a:t>
-            </a:r>
-          </a:p>
-          <a:p>
-            <a:r>
-              <a:rPr lang="en-US" b="0" i="0" dirty="0">
-                <a:solidFill>
-                  <a:srgbClr val="374151"/>
-                </a:solidFill>
-                <a:effectLst/>
-                <a:latin typeface="Söhne"/>
-              </a:rPr>
-              <a:t>To stop container: docker stop &lt;</a:t>
-            </a:r>
-            <a:r>
-              <a:rPr lang="en-US" b="0" i="0" dirty="0" err="1">
-                <a:solidFill>
-                  <a:srgbClr val="374151"/>
-                </a:solidFill>
-                <a:effectLst/>
-                <a:latin typeface="Söhne"/>
-              </a:rPr>
-              <a:t>container_id</a:t>
-            </a:r>
-            <a:r>
-              <a:rPr lang="en-US" b="0" i="0" dirty="0">
-                <a:solidFill>
-                  <a:srgbClr val="374151"/>
-                </a:solidFill>
-                <a:effectLst/>
-                <a:latin typeface="Söhne"/>
-              </a:rPr>
-              <a:t>&gt;</a:t>
-            </a:r>
-          </a:p>
-          <a:p>
-            <a:r>
-              <a:rPr lang="en-US" dirty="0">
-                <a:solidFill>
-                  <a:srgbClr val="374151"/>
-                </a:solidFill>
-                <a:latin typeface="Söhne"/>
-              </a:rPr>
-              <a:t>To delete a container : docker rm &lt;</a:t>
-            </a:r>
-            <a:r>
-              <a:rPr lang="en-US" dirty="0" err="1">
-                <a:solidFill>
-                  <a:srgbClr val="374151"/>
-                </a:solidFill>
-                <a:latin typeface="Söhne"/>
-              </a:rPr>
-              <a:t>container_id</a:t>
-            </a:r>
-            <a:r>
-              <a:rPr lang="en-US" dirty="0">
-                <a:solidFill>
-                  <a:srgbClr val="374151"/>
-                </a:solidFill>
-                <a:latin typeface="Söhne"/>
-              </a:rPr>
-              <a:t>&gt;</a:t>
-            </a:r>
-          </a:p>
-          <a:p>
-            <a:r>
-              <a:rPr lang="en-US" b="0" i="0" dirty="0">
-                <a:solidFill>
-                  <a:srgbClr val="374151"/>
-                </a:solidFill>
-                <a:effectLst/>
-                <a:highlight>
-                  <a:srgbClr val="FFFF00"/>
-                </a:highlight>
-                <a:latin typeface="Söhne"/>
-              </a:rPr>
-              <a:t>To start docker compose : docker compose up –d</a:t>
-            </a:r>
-          </a:p>
-          <a:p>
-            <a:r>
-              <a:rPr lang="en-US" dirty="0">
-                <a:solidFill>
-                  <a:srgbClr val="374151"/>
-                </a:solidFill>
-                <a:highlight>
-                  <a:srgbClr val="FFFF00"/>
-                </a:highlight>
-                <a:latin typeface="Söhne"/>
-              </a:rPr>
-              <a:t>To stop docker compose : docker compose down</a:t>
-            </a:r>
-            <a:endParaRPr lang="en-SG" b="0" i="0" dirty="0">
-              <a:solidFill>
-                <a:srgbClr val="374151"/>
-              </a:solidFill>
-              <a:effectLst/>
-              <a:highlight>
-                <a:srgbClr val="FFFF00"/>
-              </a:highlight>
-              <a:latin typeface="Söhne"/>
-            </a:endParaRPr>
-          </a:p>
-        </p:txBody>
-      </p:sp>
-      <p:sp>
-        <p:nvSpPr>
-          <p:cNvPr id="4" name="Slide Number Placeholder 3">
-            <a:extLst>
-              <a:ext uri="{FF2B5EF4-FFF2-40B4-BE49-F238E27FC236}">
-                <a16:creationId xmlns:a16="http://schemas.microsoft.com/office/drawing/2014/main" id="{812C1388-8657-1250-D0A6-7E40D2EA0D66}"/>
-              </a:ext>
-            </a:extLst>
-          </p:cNvPr>
-          <p:cNvSpPr>
-            <a:spLocks noGrp="1"/>
-          </p:cNvSpPr>
-          <p:nvPr>
-            <p:ph type="sldNum" sz="quarter" idx="12"/>
-          </p:nvPr>
-        </p:nvSpPr>
-        <p:spPr/>
-        <p:txBody>
-          <a:bodyPr/>
-          <a:lstStyle/>
-          <a:p>
-            <a:fld id="{6D22F896-40B5-4ADD-8801-0D06FADFA095}" type="slidenum">
-              <a:rPr lang="en-US" smtClean="0"/>
-              <a:t>19</a:t>
-            </a:fld>
-            <a:endParaRPr lang="en-US" dirty="0"/>
-          </a:p>
-        </p:txBody>
-      </p:sp>
-    </p:spTree>
-    <p:extLst>
-      <p:ext uri="{BB962C8B-B14F-4D97-AF65-F5344CB8AC3E}">
-        <p14:creationId xmlns:p14="http://schemas.microsoft.com/office/powerpoint/2010/main" val="4162166211"/>
       </p:ext>
     </p:extLst>
   </p:cSld>
@@ -7118,7 +6953,7 @@
               <a:buFont typeface="Arial" panose="020B0604020202020204" pitchFamily="34" charset="0"/>
               <a:buChar char="•"/>
             </a:pPr>
-            <a:endParaRPr lang="en-US" b="0" i="0" dirty="0">
+            <a:endParaRPr lang="en-US" sz="1600" b="0" i="0" dirty="0">
               <a:solidFill>
                 <a:srgbClr val="374151"/>
               </a:solidFill>
@@ -7132,7 +6967,7 @@
               <a:buChar char="•"/>
             </a:pPr>
             <a:r>
-              <a:rPr lang="en-US" b="0" i="0" dirty="0">
+              <a:rPr lang="en-US" sz="1600" b="0" i="0" dirty="0">
                 <a:solidFill>
                   <a:srgbClr val="374151"/>
                 </a:solidFill>
@@ -7141,7 +6976,7 @@
               </a:rPr>
               <a:t>Equip you with essential skills in modern software development using Docker.</a:t>
             </a:r>
-            <a:endParaRPr lang="en-US" dirty="0">
+            <a:endParaRPr lang="en-US" sz="1600" dirty="0">
               <a:solidFill>
                 <a:srgbClr val="374151"/>
               </a:solidFill>
@@ -7154,7 +6989,7 @@
               <a:buChar char="•"/>
             </a:pPr>
             <a:r>
-              <a:rPr lang="en-US" b="0" i="0" dirty="0">
+              <a:rPr lang="en-US" sz="1600" b="0" i="0" dirty="0">
                 <a:solidFill>
                   <a:srgbClr val="374151"/>
                 </a:solidFill>
@@ -7162,6 +6997,22 @@
                 <a:latin typeface="Söhne"/>
               </a:rPr>
               <a:t>Understand frontend and backend development principles, and how Docker simplifies development, deployment, and scaling for both. </a:t>
+            </a:r>
+          </a:p>
+          <a:p>
+            <a:pPr algn="l">
+              <a:buFont typeface="Arial" panose="020B0604020202020204" pitchFamily="34" charset="0"/>
+              <a:buChar char="•"/>
+            </a:pPr>
+            <a:r>
+              <a:rPr lang="en-US" sz="1600" b="0" i="0" dirty="0">
+                <a:solidFill>
+                  <a:srgbClr val="374151"/>
+                </a:solidFill>
+                <a:effectLst/>
+                <a:latin typeface="Söhne"/>
+              </a:rPr>
+              <a:t>Get a grasp of what Docker does and how it works, setting the stage for practical learning.</a:t>
             </a:r>
           </a:p>
         </p:txBody>
@@ -7276,10 +7127,10 @@
       </p:grpSpPr>
       <p:sp>
         <p:nvSpPr>
-          <p:cNvPr id="6" name="Title 5">
+          <p:cNvPr id="2" name="Title 1">
             <a:extLst>
               <a:ext uri="{FF2B5EF4-FFF2-40B4-BE49-F238E27FC236}">
-                <a16:creationId xmlns:a16="http://schemas.microsoft.com/office/drawing/2014/main" id="{0BE373C9-ECD7-38E7-9BCB-53AA001FA11F}"/>
+                <a16:creationId xmlns:a16="http://schemas.microsoft.com/office/drawing/2014/main" id="{E615E32B-E872-C489-66C2-88BFAA5C1700}"/>
               </a:ext>
             </a:extLst>
           </p:cNvPr>
@@ -7287,7 +7138,7 @@
             <a:spLocks noGrp="1"/>
           </p:cNvSpPr>
           <p:nvPr>
-            <p:ph type="ctrTitle"/>
+            <p:ph type="title"/>
           </p:nvPr>
         </p:nvSpPr>
         <p:spPr/>
@@ -7296,19 +7147,28 @@
           <a:lstStyle/>
           <a:p>
             <a:r>
-              <a:rPr lang="en-US" dirty="0"/>
-              <a:t>MYSQL SETUP demo</a:t>
-            </a:r>
-            <a:endParaRPr lang="en-SG" dirty="0"/>
-          </a:p>
-        </p:txBody>
-      </p:sp>
-      <p:sp>
-        <p:nvSpPr>
-          <p:cNvPr id="7" name="Subtitle 6">
+              <a:rPr lang="en-US" b="1" i="0" dirty="0">
+                <a:solidFill>
+                  <a:srgbClr val="0D0D0D"/>
+                </a:solidFill>
+                <a:effectLst/>
+                <a:latin typeface="Söhne"/>
+              </a:rPr>
+              <a:t>Docker Volume</a:t>
+            </a:r>
+            <a:endParaRPr lang="en-SG" dirty="0">
+              <a:latin typeface="Arial" panose="020B0604020202020204" pitchFamily="34" charset="0"/>
+              <a:cs typeface="Arial" panose="020B0604020202020204" pitchFamily="34" charset="0"/>
+            </a:endParaRPr>
+          </a:p>
+        </p:txBody>
+      </p:sp>
+      <p:sp>
+        <p:nvSpPr>
+          <p:cNvPr id="3" name="Content Placeholder 2">
             <a:extLst>
               <a:ext uri="{FF2B5EF4-FFF2-40B4-BE49-F238E27FC236}">
-                <a16:creationId xmlns:a16="http://schemas.microsoft.com/office/drawing/2014/main" id="{771ADAF2-7179-B246-2630-D3CCC99784E4}"/>
+                <a16:creationId xmlns:a16="http://schemas.microsoft.com/office/drawing/2014/main" id="{92CDBBD6-340F-E403-74C2-8C5D82E49D4F}"/>
               </a:ext>
             </a:extLst>
           </p:cNvPr>
@@ -7316,15 +7176,107 @@
             <a:spLocks noGrp="1"/>
           </p:cNvSpPr>
           <p:nvPr>
-            <p:ph type="subTitle" idx="1"/>
-          </p:nvPr>
-        </p:nvSpPr>
-        <p:spPr/>
-        <p:txBody>
-          <a:bodyPr/>
-          <a:lstStyle/>
-          <a:p>
-            <a:endParaRPr lang="en-SG"/>
+            <p:ph sz="half" idx="1"/>
+          </p:nvPr>
+        </p:nvSpPr>
+        <p:spPr>
+          <a:xfrm>
+            <a:off x="834189" y="2010878"/>
+            <a:ext cx="5258294" cy="3448595"/>
+          </a:xfrm>
+        </p:spPr>
+        <p:txBody>
+          <a:bodyPr>
+            <a:noAutofit/>
+          </a:bodyPr>
+          <a:lstStyle/>
+          <a:p>
+            <a:r>
+              <a:rPr lang="en-US" sz="1600" dirty="0">
+                <a:solidFill>
+                  <a:srgbClr val="0D0D0D"/>
+                </a:solidFill>
+                <a:latin typeface="Söhne"/>
+              </a:rPr>
+              <a:t>T</a:t>
+            </a:r>
+            <a:r>
+              <a:rPr lang="en-US" sz="1600" b="0" i="0" dirty="0">
+                <a:solidFill>
+                  <a:srgbClr val="0D0D0D"/>
+                </a:solidFill>
+                <a:effectLst/>
+                <a:latin typeface="Söhne"/>
+              </a:rPr>
+              <a:t>o persist data generated by containers or share data between containers and the host machine.  </a:t>
+            </a:r>
+          </a:p>
+          <a:p>
+            <a:pPr lvl="1"/>
+            <a:r>
+              <a:rPr lang="en-US" sz="1600" b="0" i="0" dirty="0">
+                <a:solidFill>
+                  <a:srgbClr val="0D0D0D"/>
+                </a:solidFill>
+                <a:effectLst/>
+                <a:latin typeface="Söhne"/>
+              </a:rPr>
+              <a:t>Ex. Named Volumes, Bind Mounts</a:t>
+            </a:r>
+          </a:p>
+          <a:p>
+            <a:r>
+              <a:rPr lang="en-US" sz="1600" dirty="0">
+                <a:solidFill>
+                  <a:srgbClr val="0D0D0D"/>
+                </a:solidFill>
+                <a:latin typeface="Söhne"/>
+              </a:rPr>
+              <a:t>Advantages of using Docker Volume</a:t>
+            </a:r>
+            <a:endParaRPr lang="en-US" sz="1600" b="0" i="0" dirty="0">
+              <a:solidFill>
+                <a:srgbClr val="0D0D0D"/>
+              </a:solidFill>
+              <a:effectLst/>
+              <a:latin typeface="Söhne"/>
+            </a:endParaRPr>
+          </a:p>
+          <a:p>
+            <a:pPr lvl="1"/>
+            <a:r>
+              <a:rPr lang="en-US" sz="1600" b="0" i="0" dirty="0">
+                <a:solidFill>
+                  <a:srgbClr val="0D0D0D"/>
+                </a:solidFill>
+                <a:effectLst/>
+                <a:latin typeface="Söhne"/>
+              </a:rPr>
+              <a:t>data persists even if the container is stopped or removed.</a:t>
+            </a:r>
+          </a:p>
+          <a:p>
+            <a:pPr lvl="1"/>
+            <a:r>
+              <a:rPr lang="en-US" sz="1600" b="0" i="0" dirty="0">
+                <a:solidFill>
+                  <a:srgbClr val="0D0D0D"/>
+                </a:solidFill>
+                <a:effectLst/>
+                <a:latin typeface="Söhne"/>
+              </a:rPr>
+              <a:t>easy backup and restore of data, allowing for disaster recovery and data migration</a:t>
+            </a:r>
+            <a:r>
+              <a:rPr lang="en-US" sz="2000" b="0" i="0" dirty="0">
+                <a:solidFill>
+                  <a:srgbClr val="0D0D0D"/>
+                </a:solidFill>
+                <a:effectLst/>
+                <a:latin typeface="Söhne"/>
+              </a:rPr>
+              <a:t>.</a:t>
+            </a:r>
           </a:p>
         </p:txBody>
       </p:sp>
@@ -7333,7 +7285,7 @@
           <p:cNvPr id="5" name="Slide Number Placeholder 4">
             <a:extLst>
               <a:ext uri="{FF2B5EF4-FFF2-40B4-BE49-F238E27FC236}">
-                <a16:creationId xmlns:a16="http://schemas.microsoft.com/office/drawing/2014/main" id="{8547F4C8-DA98-7E4C-CED2-89300A1B2177}"/>
+                <a16:creationId xmlns:a16="http://schemas.microsoft.com/office/drawing/2014/main" id="{38F98672-66A5-3449-896E-4A10CC1775BE}"/>
               </a:ext>
             </a:extLst>
           </p:cNvPr>
@@ -7357,10 +7309,59 @@
           </a:p>
         </p:txBody>
       </p:sp>
+      <p:pic>
+        <p:nvPicPr>
+          <p:cNvPr id="5122" name="Picture 2" descr="How to use volumes to share data between Docker containers | by Edouard  Courty | Medium">
+            <a:extLst>
+              <a:ext uri="{FF2B5EF4-FFF2-40B4-BE49-F238E27FC236}">
+                <a16:creationId xmlns:a16="http://schemas.microsoft.com/office/drawing/2014/main" id="{D6095FDE-68D6-F11C-E3C2-8C1D4D69CEBA}"/>
+              </a:ext>
+            </a:extLst>
+          </p:cNvPr>
+          <p:cNvPicPr>
+            <a:picLocks noGrp="1" noChangeAspect="1" noChangeArrowheads="1"/>
+          </p:cNvPicPr>
+          <p:nvPr>
+            <p:ph sz="half" idx="2"/>
+          </p:nvPr>
+        </p:nvPicPr>
+        <p:blipFill>
+          <a:blip r:embed="rId2">
+            <a:extLst>
+              <a:ext uri="{28A0092B-C50C-407E-A947-70E740481C1C}">
+                <a14:useLocalDpi xmlns:a14="http://schemas.microsoft.com/office/drawing/2010/main" val="0"/>
+              </a:ext>
+            </a:extLst>
+          </a:blip>
+          <a:srcRect/>
+          <a:stretch>
+            <a:fillRect/>
+          </a:stretch>
+        </p:blipFill>
+        <p:spPr bwMode="auto">
+          <a:xfrm>
+            <a:off x="6413500" y="2519244"/>
+            <a:ext cx="4645025" cy="2438638"/>
+          </a:xfrm>
+          <a:prstGeom prst="rect">
+            <a:avLst/>
+          </a:prstGeom>
+          <a:noFill/>
+          <a:extLst>
+            <a:ext uri="{909E8E84-426E-40DD-AFC4-6F175D3DCCD1}">
+              <a14:hiddenFill xmlns:a14="http://schemas.microsoft.com/office/drawing/2010/main">
+                <a:solidFill>
+                  <a:srgbClr val="FFFFFF"/>
+                </a:solidFill>
+              </a14:hiddenFill>
+            </a:ext>
+          </a:extLst>
+        </p:spPr>
+      </p:pic>
     </p:spTree>
     <p:extLst>
       <p:ext uri="{BB962C8B-B14F-4D97-AF65-F5344CB8AC3E}">
-        <p14:creationId xmlns:p14="http://schemas.microsoft.com/office/powerpoint/2010/main" val="1509451626"/>
+        <p14:creationId xmlns:p14="http://schemas.microsoft.com/office/powerpoint/2010/main" val="1257030122"/>
       </p:ext>
     </p:extLst>
   </p:cSld>
@@ -7389,10 +7390,10 @@
       </p:grpSpPr>
       <p:sp>
         <p:nvSpPr>
-          <p:cNvPr id="6" name="Title 5">
+          <p:cNvPr id="2" name="Title 1">
             <a:extLst>
               <a:ext uri="{FF2B5EF4-FFF2-40B4-BE49-F238E27FC236}">
-                <a16:creationId xmlns:a16="http://schemas.microsoft.com/office/drawing/2014/main" id="{0BE373C9-ECD7-38E7-9BCB-53AA001FA11F}"/>
+                <a16:creationId xmlns:a16="http://schemas.microsoft.com/office/drawing/2014/main" id="{D307C4C7-D8EC-D770-9199-9264B747CFCE}"/>
               </a:ext>
             </a:extLst>
           </p:cNvPr>
@@ -7400,7 +7401,7 @@
             <a:spLocks noGrp="1"/>
           </p:cNvSpPr>
           <p:nvPr>
-            <p:ph type="ctrTitle"/>
+            <p:ph type="title"/>
           </p:nvPr>
         </p:nvSpPr>
         <p:spPr/>
@@ -7409,12 +7410,8 @@
           <a:lstStyle/>
           <a:p>
             <a:r>
-              <a:rPr lang="en-US" dirty="0" err="1"/>
-              <a:t>MYSQL_Flask</a:t>
-            </a:r>
-            <a:r>
               <a:rPr lang="en-US" dirty="0"/>
-              <a:t> API demo</a:t>
+              <a:t>Docker Commands SEEN So FAR</a:t>
             </a:r>
             <a:endParaRPr lang="en-SG" dirty="0"/>
           </a:p>
@@ -7422,10 +7419,10 @@
       </p:sp>
       <p:sp>
         <p:nvSpPr>
-          <p:cNvPr id="7" name="Subtitle 6">
+          <p:cNvPr id="3" name="Content Placeholder 2">
             <a:extLst>
               <a:ext uri="{FF2B5EF4-FFF2-40B4-BE49-F238E27FC236}">
-                <a16:creationId xmlns:a16="http://schemas.microsoft.com/office/drawing/2014/main" id="{771ADAF2-7179-B246-2630-D3CCC99784E4}"/>
+                <a16:creationId xmlns:a16="http://schemas.microsoft.com/office/drawing/2014/main" id="{20B8C143-CAB8-30A9-B768-6FA829F1999B}"/>
               </a:ext>
             </a:extLst>
           </p:cNvPr>
@@ -7433,24 +7430,339 @@
             <a:spLocks noGrp="1"/>
           </p:cNvSpPr>
           <p:nvPr>
-            <p:ph type="subTitle" idx="1"/>
-          </p:nvPr>
-        </p:nvSpPr>
-        <p:spPr/>
-        <p:txBody>
-          <a:bodyPr/>
-          <a:lstStyle/>
-          <a:p>
-            <a:endParaRPr lang="en-SG"/>
-          </a:p>
-        </p:txBody>
-      </p:sp>
-      <p:sp>
-        <p:nvSpPr>
-          <p:cNvPr id="5" name="Slide Number Placeholder 4">
+            <p:ph idx="1"/>
+          </p:nvPr>
+        </p:nvSpPr>
+        <p:spPr>
+          <a:xfrm>
+            <a:off x="1451579" y="2015732"/>
+            <a:ext cx="9712140" cy="4037749"/>
+          </a:xfrm>
+        </p:spPr>
+        <p:txBody>
+          <a:bodyPr>
+            <a:normAutofit fontScale="85000" lnSpcReduction="20000"/>
+          </a:bodyPr>
+          <a:lstStyle/>
+          <a:p>
+            <a:r>
+              <a:rPr lang="en-US" b="0" i="0" dirty="0">
+                <a:solidFill>
+                  <a:srgbClr val="374151"/>
+                </a:solidFill>
+                <a:effectLst/>
+                <a:latin typeface="Söhne"/>
+              </a:rPr>
+              <a:t>To build docker image  from </a:t>
+            </a:r>
+            <a:r>
+              <a:rPr lang="en-US" b="0" i="0" dirty="0" err="1">
+                <a:solidFill>
+                  <a:srgbClr val="374151"/>
+                </a:solidFill>
+                <a:effectLst/>
+                <a:latin typeface="Söhne"/>
+              </a:rPr>
+              <a:t>dockerfile</a:t>
+            </a:r>
+            <a:endParaRPr lang="en-US" dirty="0">
+              <a:solidFill>
+                <a:srgbClr val="374151"/>
+              </a:solidFill>
+              <a:latin typeface="Söhne"/>
+            </a:endParaRPr>
+          </a:p>
+          <a:p>
+            <a:pPr lvl="1"/>
+            <a:r>
+              <a:rPr lang="en-US" b="0" i="0" dirty="0">
+                <a:solidFill>
+                  <a:srgbClr val="374151"/>
+                </a:solidFill>
+                <a:effectLst/>
+                <a:latin typeface="Söhne"/>
+              </a:rPr>
+              <a:t>docker build -t &lt;</a:t>
+            </a:r>
+            <a:r>
+              <a:rPr lang="en-US" b="0" i="0" dirty="0" err="1">
+                <a:solidFill>
+                  <a:srgbClr val="374151"/>
+                </a:solidFill>
+                <a:effectLst/>
+                <a:latin typeface="Söhne"/>
+              </a:rPr>
+              <a:t>image_name</a:t>
+            </a:r>
+            <a:r>
+              <a:rPr lang="en-US" b="0" i="0" dirty="0">
+                <a:solidFill>
+                  <a:srgbClr val="374151"/>
+                </a:solidFill>
+                <a:effectLst/>
+                <a:latin typeface="Söhne"/>
+              </a:rPr>
+              <a:t>&gt; &lt;</a:t>
+            </a:r>
+            <a:r>
+              <a:rPr lang="en-US" b="0" i="0" dirty="0" err="1">
+                <a:solidFill>
+                  <a:srgbClr val="374151"/>
+                </a:solidFill>
+                <a:effectLst/>
+                <a:latin typeface="Söhne"/>
+              </a:rPr>
+              <a:t>path_to_Dockerfile</a:t>
+            </a:r>
+            <a:r>
+              <a:rPr lang="en-US" b="0" i="0" dirty="0">
+                <a:solidFill>
+                  <a:srgbClr val="374151"/>
+                </a:solidFill>
+                <a:effectLst/>
+                <a:latin typeface="Söhne"/>
+              </a:rPr>
+              <a:t>&gt;</a:t>
+            </a:r>
+            <a:endParaRPr lang="en-SG" b="0" i="0" dirty="0">
+              <a:solidFill>
+                <a:srgbClr val="374151"/>
+              </a:solidFill>
+              <a:effectLst/>
+              <a:latin typeface="Söhne"/>
+            </a:endParaRPr>
+          </a:p>
+          <a:p>
+            <a:r>
+              <a:rPr lang="en-SG" dirty="0">
+                <a:solidFill>
+                  <a:srgbClr val="374151"/>
+                </a:solidFill>
+                <a:latin typeface="Söhne"/>
+              </a:rPr>
+              <a:t>To create container from an image  </a:t>
+            </a:r>
+          </a:p>
+          <a:p>
+            <a:pPr lvl="1"/>
+            <a:r>
+              <a:rPr lang="en-SG" dirty="0">
+                <a:solidFill>
+                  <a:srgbClr val="374151"/>
+                </a:solidFill>
+                <a:latin typeface="Söhne"/>
+              </a:rPr>
+              <a:t>d</a:t>
+            </a:r>
+            <a:r>
+              <a:rPr lang="en-SG" b="0" i="0" dirty="0">
+                <a:solidFill>
+                  <a:srgbClr val="374151"/>
+                </a:solidFill>
+                <a:effectLst/>
+                <a:latin typeface="Söhne"/>
+              </a:rPr>
+              <a:t>ocker run &lt;</a:t>
+            </a:r>
+            <a:r>
+              <a:rPr lang="en-SG" b="0" i="0" dirty="0" err="1">
+                <a:solidFill>
+                  <a:srgbClr val="374151"/>
+                </a:solidFill>
+                <a:effectLst/>
+                <a:latin typeface="Söhne"/>
+              </a:rPr>
+              <a:t>image_name</a:t>
+            </a:r>
+            <a:r>
+              <a:rPr lang="en-SG" b="0" i="0" dirty="0">
+                <a:solidFill>
+                  <a:srgbClr val="374151"/>
+                </a:solidFill>
+                <a:effectLst/>
+                <a:latin typeface="Söhne"/>
+              </a:rPr>
+              <a:t>&gt;</a:t>
+            </a:r>
+          </a:p>
+          <a:p>
+            <a:r>
+              <a:rPr lang="en-SG" dirty="0">
+                <a:solidFill>
+                  <a:srgbClr val="374151"/>
+                </a:solidFill>
+                <a:latin typeface="Söhne"/>
+              </a:rPr>
+              <a:t>To check container status or container id: </a:t>
+            </a:r>
+          </a:p>
+          <a:p>
+            <a:pPr lvl="1"/>
+            <a:r>
+              <a:rPr lang="en-SG" dirty="0">
+                <a:solidFill>
+                  <a:srgbClr val="374151"/>
+                </a:solidFill>
+                <a:latin typeface="Söhne"/>
+              </a:rPr>
+              <a:t>docker </a:t>
+            </a:r>
+            <a:r>
+              <a:rPr lang="en-SG" dirty="0" err="1">
+                <a:solidFill>
+                  <a:srgbClr val="374151"/>
+                </a:solidFill>
+                <a:latin typeface="Söhne"/>
+              </a:rPr>
+              <a:t>ps</a:t>
+            </a:r>
+            <a:endParaRPr lang="en-US" dirty="0">
+              <a:solidFill>
+                <a:srgbClr val="374151"/>
+              </a:solidFill>
+              <a:latin typeface="Söhne"/>
+            </a:endParaRPr>
+          </a:p>
+          <a:p>
+            <a:r>
+              <a:rPr lang="en-US" b="0" i="0" dirty="0">
+                <a:solidFill>
+                  <a:srgbClr val="374151"/>
+                </a:solidFill>
+                <a:effectLst/>
+                <a:latin typeface="Söhne"/>
+              </a:rPr>
+              <a:t>To start container : docker start &lt;</a:t>
+            </a:r>
+            <a:r>
+              <a:rPr lang="en-US" b="0" i="0" dirty="0" err="1">
+                <a:solidFill>
+                  <a:srgbClr val="374151"/>
+                </a:solidFill>
+                <a:effectLst/>
+                <a:latin typeface="Söhne"/>
+              </a:rPr>
+              <a:t>container_id</a:t>
+            </a:r>
+            <a:r>
+              <a:rPr lang="en-US" b="0" i="0" dirty="0">
+                <a:solidFill>
+                  <a:srgbClr val="374151"/>
+                </a:solidFill>
+                <a:effectLst/>
+                <a:latin typeface="Söhne"/>
+              </a:rPr>
+              <a:t>&gt;</a:t>
+            </a:r>
+          </a:p>
+          <a:p>
+            <a:r>
+              <a:rPr lang="en-US" b="0" i="0" dirty="0">
+                <a:solidFill>
+                  <a:srgbClr val="374151"/>
+                </a:solidFill>
+                <a:effectLst/>
+                <a:latin typeface="Söhne"/>
+              </a:rPr>
+              <a:t>To stop container: docker stop &lt;</a:t>
+            </a:r>
+            <a:r>
+              <a:rPr lang="en-US" b="0" i="0" dirty="0" err="1">
+                <a:solidFill>
+                  <a:srgbClr val="374151"/>
+                </a:solidFill>
+                <a:effectLst/>
+                <a:latin typeface="Söhne"/>
+              </a:rPr>
+              <a:t>container_id</a:t>
+            </a:r>
+            <a:r>
+              <a:rPr lang="en-US" b="0" i="0" dirty="0">
+                <a:solidFill>
+                  <a:srgbClr val="374151"/>
+                </a:solidFill>
+                <a:effectLst/>
+                <a:latin typeface="Söhne"/>
+              </a:rPr>
+              <a:t>&gt;</a:t>
+            </a:r>
+          </a:p>
+          <a:p>
+            <a:r>
+              <a:rPr lang="en-US" dirty="0">
+                <a:solidFill>
+                  <a:srgbClr val="374151"/>
+                </a:solidFill>
+                <a:latin typeface="Söhne"/>
+              </a:rPr>
+              <a:t>To delete a container : docker rm &lt;</a:t>
+            </a:r>
+            <a:r>
+              <a:rPr lang="en-US" dirty="0" err="1">
+                <a:solidFill>
+                  <a:srgbClr val="374151"/>
+                </a:solidFill>
+                <a:latin typeface="Söhne"/>
+              </a:rPr>
+              <a:t>container_id</a:t>
+            </a:r>
+            <a:r>
+              <a:rPr lang="en-US" dirty="0">
+                <a:solidFill>
+                  <a:srgbClr val="374151"/>
+                </a:solidFill>
+                <a:latin typeface="Söhne"/>
+              </a:rPr>
+              <a:t>&gt;</a:t>
+            </a:r>
+          </a:p>
+          <a:p>
+            <a:r>
+              <a:rPr lang="en-US" b="0" i="0" dirty="0">
+                <a:solidFill>
+                  <a:srgbClr val="374151"/>
+                </a:solidFill>
+                <a:effectLst/>
+                <a:highlight>
+                  <a:srgbClr val="FFFF00"/>
+                </a:highlight>
+                <a:latin typeface="Söhne"/>
+              </a:rPr>
+              <a:t>To start docker compose : docker compose up –d</a:t>
+            </a:r>
+          </a:p>
+          <a:p>
+            <a:r>
+              <a:rPr lang="en-US" dirty="0">
+                <a:solidFill>
+                  <a:srgbClr val="374151"/>
+                </a:solidFill>
+                <a:highlight>
+                  <a:srgbClr val="FFFF00"/>
+                </a:highlight>
+                <a:latin typeface="Söhne"/>
+              </a:rPr>
+              <a:t>To stop docker compose : docker compose down</a:t>
+            </a:r>
+            <a:endParaRPr lang="en-SG" b="0" i="0" dirty="0">
+              <a:solidFill>
+                <a:srgbClr val="374151"/>
+              </a:solidFill>
+              <a:effectLst/>
+              <a:highlight>
+                <a:srgbClr val="FFFF00"/>
+              </a:highlight>
+              <a:latin typeface="Söhne"/>
+            </a:endParaRPr>
+          </a:p>
+        </p:txBody>
+      </p:sp>
+      <p:sp>
+        <p:nvSpPr>
+          <p:cNvPr id="4" name="Slide Number Placeholder 3">
             <a:extLst>
               <a:ext uri="{FF2B5EF4-FFF2-40B4-BE49-F238E27FC236}">
-                <a16:creationId xmlns:a16="http://schemas.microsoft.com/office/drawing/2014/main" id="{8547F4C8-DA98-7E4C-CED2-89300A1B2177}"/>
+                <a16:creationId xmlns:a16="http://schemas.microsoft.com/office/drawing/2014/main" id="{812C1388-8657-1250-D0A6-7E40D2EA0D66}"/>
               </a:ext>
             </a:extLst>
           </p:cNvPr>
@@ -7477,7 +7789,7 @@
     </p:spTree>
     <p:extLst>
       <p:ext uri="{BB962C8B-B14F-4D97-AF65-F5344CB8AC3E}">
-        <p14:creationId xmlns:p14="http://schemas.microsoft.com/office/powerpoint/2010/main" val="3919938145"/>
+        <p14:creationId xmlns:p14="http://schemas.microsoft.com/office/powerpoint/2010/main" val="4162166211"/>
       </p:ext>
     </p:extLst>
   </p:cSld>
@@ -7506,10 +7818,10 @@
       </p:grpSpPr>
       <p:sp>
         <p:nvSpPr>
-          <p:cNvPr id="5" name="Title 4">
+          <p:cNvPr id="6" name="Title 5">
             <a:extLst>
               <a:ext uri="{FF2B5EF4-FFF2-40B4-BE49-F238E27FC236}">
-                <a16:creationId xmlns:a16="http://schemas.microsoft.com/office/drawing/2014/main" id="{54D940A4-007E-54D2-C48D-7AF856C5F3CC}"/>
+                <a16:creationId xmlns:a16="http://schemas.microsoft.com/office/drawing/2014/main" id="{0BE373C9-ECD7-38E7-9BCB-53AA001FA11F}"/>
               </a:ext>
             </a:extLst>
           </p:cNvPr>
@@ -7517,7 +7829,7 @@
             <a:spLocks noGrp="1"/>
           </p:cNvSpPr>
           <p:nvPr>
-            <p:ph type="title"/>
+            <p:ph type="ctrTitle"/>
           </p:nvPr>
         </p:nvSpPr>
         <p:spPr/>
@@ -7527,7 +7839,7 @@
           <a:p>
             <a:r>
               <a:rPr lang="en-US" dirty="0"/>
-              <a:t>Best Practices</a:t>
+              <a:t>MYSQL SETUP demo</a:t>
             </a:r>
             <a:endParaRPr lang="en-SG" dirty="0"/>
           </a:p>
@@ -7535,10 +7847,10 @@
       </p:sp>
       <p:sp>
         <p:nvSpPr>
-          <p:cNvPr id="3" name="Content Placeholder 2">
+          <p:cNvPr id="7" name="Subtitle 6">
             <a:extLst>
               <a:ext uri="{FF2B5EF4-FFF2-40B4-BE49-F238E27FC236}">
-                <a16:creationId xmlns:a16="http://schemas.microsoft.com/office/drawing/2014/main" id="{B0A1AABF-3D92-721B-BCAD-E53DA6FB1DB1}"/>
+                <a16:creationId xmlns:a16="http://schemas.microsoft.com/office/drawing/2014/main" id="{771ADAF2-7179-B246-2630-D3CCC99784E4}"/>
               </a:ext>
             </a:extLst>
           </p:cNvPr>
@@ -7546,180 +7858,24 @@
             <a:spLocks noGrp="1"/>
           </p:cNvSpPr>
           <p:nvPr>
-            <p:ph idx="1"/>
-          </p:nvPr>
-        </p:nvSpPr>
-        <p:spPr>
-          <a:xfrm>
-            <a:off x="1192697" y="1853754"/>
-            <a:ext cx="10090204" cy="4354541"/>
-          </a:xfrm>
-        </p:spPr>
-        <p:txBody>
-          <a:bodyPr>
-            <a:normAutofit fontScale="85000" lnSpcReduction="20000"/>
-          </a:bodyPr>
-          <a:lstStyle/>
-          <a:p>
-            <a:r>
-              <a:rPr lang="en-US" sz="1600" b="0" i="0" dirty="0">
-                <a:effectLst/>
-                <a:latin typeface="Söhne"/>
-              </a:rPr>
-              <a:t>Single Responsibility Principle: Each container should have a single responsibility. </a:t>
-            </a:r>
-          </a:p>
-          <a:p>
-            <a:pPr lvl="1"/>
-            <a:r>
-              <a:rPr lang="en-US" sz="1600" b="0" i="0" dirty="0">
-                <a:effectLst/>
-                <a:latin typeface="Söhne"/>
-              </a:rPr>
-              <a:t>This means one process per container. </a:t>
-            </a:r>
-          </a:p>
-          <a:p>
-            <a:pPr lvl="1"/>
-            <a:r>
-              <a:rPr lang="en-US" sz="1600" dirty="0">
-                <a:latin typeface="Söhne"/>
-              </a:rPr>
-              <a:t>Ex.</a:t>
-            </a:r>
-            <a:r>
-              <a:rPr lang="en-US" sz="1600" b="0" i="0" dirty="0">
-                <a:effectLst/>
-                <a:latin typeface="Söhne"/>
-              </a:rPr>
-              <a:t> separate your front end, backend webservice, and database into different containers.</a:t>
-            </a:r>
-          </a:p>
-          <a:p>
-            <a:r>
-              <a:rPr lang="en-US" sz="1600" b="0" i="0" dirty="0">
-                <a:effectLst/>
-                <a:latin typeface="Söhne"/>
-              </a:rPr>
-              <a:t>Use Official Images:  </a:t>
-            </a:r>
-          </a:p>
-          <a:p>
-            <a:pPr lvl="1"/>
-            <a:r>
-              <a:rPr lang="en-US" sz="1600" dirty="0">
-                <a:latin typeface="Söhne"/>
-              </a:rPr>
-              <a:t>U</a:t>
-            </a:r>
-            <a:r>
-              <a:rPr lang="en-US" sz="1600" b="0" i="0" dirty="0">
-                <a:effectLst/>
-                <a:latin typeface="Söhne"/>
-              </a:rPr>
-              <a:t>se official Docker images from trusted sources like Docker Hub, whenever possible. </a:t>
-            </a:r>
-          </a:p>
-          <a:p>
-            <a:r>
-              <a:rPr lang="en-US" sz="1600" b="0" i="0" dirty="0">
-                <a:effectLst/>
-                <a:latin typeface="Söhne"/>
-              </a:rPr>
-              <a:t>Keep Containers Stateless:  </a:t>
-            </a:r>
-          </a:p>
-          <a:p>
-            <a:pPr lvl="1"/>
-            <a:r>
-              <a:rPr lang="en-US" sz="1600" b="0" i="0" dirty="0">
-                <a:effectLst/>
-                <a:latin typeface="Söhne"/>
-              </a:rPr>
-              <a:t>Store data and configuration outside the container, preferably in (volumes or external databases)</a:t>
-            </a:r>
-          </a:p>
-          <a:p>
-            <a:r>
-              <a:rPr lang="en-US" sz="1600" b="0" i="0" dirty="0">
-                <a:effectLst/>
-                <a:latin typeface="Söhne"/>
-              </a:rPr>
-              <a:t>Optimize Image Size: </a:t>
-            </a:r>
-          </a:p>
-          <a:p>
-            <a:pPr lvl="1"/>
-            <a:r>
-              <a:rPr lang="en-US" sz="1600" b="0" i="0" dirty="0">
-                <a:effectLst/>
-                <a:latin typeface="Söhne"/>
-              </a:rPr>
-              <a:t>Minimize the size of your Docker images to reduce deployment time and resource usage. (Tip: remove unnecessary dependencies)</a:t>
-            </a:r>
-          </a:p>
-          <a:p>
-            <a:r>
-              <a:rPr lang="en-US" sz="1600" b="0" i="0" dirty="0">
-                <a:effectLst/>
-                <a:latin typeface="Söhne"/>
-              </a:rPr>
-              <a:t>Security: </a:t>
-            </a:r>
-          </a:p>
-          <a:p>
-            <a:pPr lvl="1"/>
-            <a:r>
-              <a:rPr lang="en-US" sz="1600" b="0" i="0" dirty="0">
-                <a:effectLst/>
-                <a:latin typeface="Söhne"/>
-              </a:rPr>
-              <a:t>Follow security best practices such as using trusted base images, regularly updating images and dependencies</a:t>
-            </a:r>
-          </a:p>
-          <a:p>
-            <a:r>
-              <a:rPr lang="en-US" sz="1600" b="0" i="0" dirty="0">
-                <a:effectLst/>
-                <a:latin typeface="Söhne"/>
-              </a:rPr>
-              <a:t>Documentation: </a:t>
-            </a:r>
-          </a:p>
-          <a:p>
-            <a:pPr lvl="1"/>
-            <a:r>
-              <a:rPr lang="en-US" sz="1600" b="0" i="0" dirty="0">
-                <a:effectLst/>
-                <a:latin typeface="Söhne"/>
-              </a:rPr>
-              <a:t>Maintain clear and up-to-date documentation for your Docker images and containers. </a:t>
-            </a:r>
-          </a:p>
-          <a:p>
-            <a:endParaRPr lang="en-US" sz="1700" b="0" i="0" dirty="0">
-              <a:effectLst/>
-              <a:latin typeface="Söhne"/>
-            </a:endParaRPr>
-          </a:p>
-          <a:p>
-            <a:pPr lvl="1"/>
-            <a:endParaRPr lang="en-US" sz="1700" b="0" i="0" dirty="0">
-              <a:effectLst/>
-              <a:latin typeface="Söhne"/>
-            </a:endParaRPr>
-          </a:p>
-          <a:p>
-            <a:endParaRPr lang="en-SG" dirty="0"/>
-          </a:p>
-        </p:txBody>
-      </p:sp>
-      <p:sp>
-        <p:nvSpPr>
-          <p:cNvPr id="4" name="Slide Number Placeholder 3">
+            <p:ph type="subTitle" idx="1"/>
+          </p:nvPr>
+        </p:nvSpPr>
+        <p:spPr/>
+        <p:txBody>
+          <a:bodyPr/>
+          <a:lstStyle/>
+          <a:p>
+            <a:endParaRPr lang="en-SG"/>
+          </a:p>
+        </p:txBody>
+      </p:sp>
+      <p:sp>
+        <p:nvSpPr>
+          <p:cNvPr id="5" name="Slide Number Placeholder 4">
             <a:extLst>
               <a:ext uri="{FF2B5EF4-FFF2-40B4-BE49-F238E27FC236}">
-                <a16:creationId xmlns:a16="http://schemas.microsoft.com/office/drawing/2014/main" id="{83A6863F-0C7B-EB63-018B-8645E7A3DD6A}"/>
+                <a16:creationId xmlns:a16="http://schemas.microsoft.com/office/drawing/2014/main" id="{8547F4C8-DA98-7E4C-CED2-89300A1B2177}"/>
               </a:ext>
             </a:extLst>
           </p:cNvPr>
@@ -7746,7 +7902,7 @@
     </p:spTree>
     <p:extLst>
       <p:ext uri="{BB962C8B-B14F-4D97-AF65-F5344CB8AC3E}">
-        <p14:creationId xmlns:p14="http://schemas.microsoft.com/office/powerpoint/2010/main" val="4065584649"/>
+        <p14:creationId xmlns:p14="http://schemas.microsoft.com/office/powerpoint/2010/main" val="1509451626"/>
       </p:ext>
     </p:extLst>
   </p:cSld>
@@ -7775,10 +7931,10 @@
       </p:grpSpPr>
       <p:sp>
         <p:nvSpPr>
-          <p:cNvPr id="2" name="Title 1">
+          <p:cNvPr id="6" name="Title 5">
             <a:extLst>
               <a:ext uri="{FF2B5EF4-FFF2-40B4-BE49-F238E27FC236}">
-                <a16:creationId xmlns:a16="http://schemas.microsoft.com/office/drawing/2014/main" id="{E8E74809-A8B7-8AFB-3E3A-5A43889517B4}"/>
+                <a16:creationId xmlns:a16="http://schemas.microsoft.com/office/drawing/2014/main" id="{0BE373C9-ECD7-38E7-9BCB-53AA001FA11F}"/>
               </a:ext>
             </a:extLst>
           </p:cNvPr>
@@ -7786,7 +7942,7 @@
             <a:spLocks noGrp="1"/>
           </p:cNvSpPr>
           <p:nvPr>
-            <p:ph type="title"/>
+            <p:ph type="ctrTitle"/>
           </p:nvPr>
         </p:nvSpPr>
         <p:spPr/>
@@ -7795,12 +7951,12 @@
           <a:lstStyle/>
           <a:p>
             <a:r>
+              <a:rPr lang="en-US" dirty="0" err="1"/>
+              <a:t>MYSQL_Flask</a:t>
+            </a:r>
+            <a:r>
               <a:rPr lang="en-US" dirty="0"/>
-              <a:t>Overview of Docker </a:t>
-            </a:r>
-            <a:r>
-              <a:rPr lang="en-US" dirty="0" err="1"/>
-              <a:t>NEtworks</a:t>
+              <a:t> API demo</a:t>
             </a:r>
             <a:endParaRPr lang="en-SG" dirty="0"/>
           </a:p>
@@ -7808,10 +7964,10 @@
       </p:sp>
       <p:sp>
         <p:nvSpPr>
-          <p:cNvPr id="3" name="Content Placeholder 2">
+          <p:cNvPr id="7" name="Subtitle 6">
             <a:extLst>
               <a:ext uri="{FF2B5EF4-FFF2-40B4-BE49-F238E27FC236}">
-                <a16:creationId xmlns:a16="http://schemas.microsoft.com/office/drawing/2014/main" id="{6D06AD77-257D-6C8C-3682-4F04DC614A4F}"/>
+                <a16:creationId xmlns:a16="http://schemas.microsoft.com/office/drawing/2014/main" id="{771ADAF2-7179-B246-2630-D3CCC99784E4}"/>
               </a:ext>
             </a:extLst>
           </p:cNvPr>
@@ -7819,68 +7975,24 @@
             <a:spLocks noGrp="1"/>
           </p:cNvSpPr>
           <p:nvPr>
-            <p:ph idx="1"/>
+            <p:ph type="subTitle" idx="1"/>
           </p:nvPr>
         </p:nvSpPr>
         <p:spPr/>
         <p:txBody>
-          <a:bodyPr>
-            <a:normAutofit/>
-          </a:bodyPr>
-          <a:lstStyle/>
-          <a:p>
-            <a:r>
-              <a:rPr lang="en-US" sz="1800" dirty="0">
-                <a:latin typeface="Söhne"/>
-              </a:rPr>
-              <a:t>Docker networking allows containers to communicate with each other, similar to how computers on a network communicate. </a:t>
-            </a:r>
-          </a:p>
-          <a:p>
-            <a:r>
-              <a:rPr lang="en-US" sz="1800" dirty="0">
-                <a:latin typeface="Söhne"/>
-              </a:rPr>
-              <a:t>Docker network is a virtual network created by Docker to enable communication between Docker containers. </a:t>
-            </a:r>
-          </a:p>
-          <a:p>
-            <a:pPr lvl="1"/>
-            <a:r>
-              <a:rPr lang="en-US" sz="1600" dirty="0">
-                <a:latin typeface="Söhne"/>
-              </a:rPr>
-              <a:t>If two containers are running on the same host machine (our computer where Docker is installed and running) within a Docker network, they can communicate with each other without the need for ports to be exposed to the host machine. 	</a:t>
-            </a:r>
-            <a:endParaRPr lang="en-SG" sz="1600" dirty="0">
-              <a:latin typeface="Söhne"/>
-            </a:endParaRPr>
-          </a:p>
-          <a:p>
-            <a:r>
-              <a:rPr lang="en-SG" sz="1800" dirty="0">
-                <a:latin typeface="Söhne"/>
-              </a:rPr>
-              <a:t>Command for managing Docker networks.</a:t>
-            </a:r>
-          </a:p>
-          <a:p>
-            <a:pPr lvl="2"/>
-            <a:r>
-              <a:rPr lang="en-SG" sz="1800" dirty="0">
-                <a:latin typeface="Söhne"/>
-              </a:rPr>
-              <a:t>Ex: docker network create my-network</a:t>
-            </a:r>
-          </a:p>
-        </p:txBody>
-      </p:sp>
-      <p:sp>
-        <p:nvSpPr>
-          <p:cNvPr id="4" name="Slide Number Placeholder 3">
+          <a:bodyPr/>
+          <a:lstStyle/>
+          <a:p>
+            <a:endParaRPr lang="en-SG"/>
+          </a:p>
+        </p:txBody>
+      </p:sp>
+      <p:sp>
+        <p:nvSpPr>
+          <p:cNvPr id="5" name="Slide Number Placeholder 4">
             <a:extLst>
               <a:ext uri="{FF2B5EF4-FFF2-40B4-BE49-F238E27FC236}">
-                <a16:creationId xmlns:a16="http://schemas.microsoft.com/office/drawing/2014/main" id="{C94C6622-48F8-8CFB-64C0-9EDC8E4FE292}"/>
+                <a16:creationId xmlns:a16="http://schemas.microsoft.com/office/drawing/2014/main" id="{8547F4C8-DA98-7E4C-CED2-89300A1B2177}"/>
               </a:ext>
             </a:extLst>
           </p:cNvPr>
@@ -7907,7 +8019,7 @@
     </p:spTree>
     <p:extLst>
       <p:ext uri="{BB962C8B-B14F-4D97-AF65-F5344CB8AC3E}">
-        <p14:creationId xmlns:p14="http://schemas.microsoft.com/office/powerpoint/2010/main" val="3175061686"/>
+        <p14:creationId xmlns:p14="http://schemas.microsoft.com/office/powerpoint/2010/main" val="3919938145"/>
       </p:ext>
     </p:extLst>
   </p:cSld>
@@ -7957,6 +8069,436 @@
           <a:p>
             <a:r>
               <a:rPr lang="en-US" dirty="0"/>
+              <a:t>Best Practices</a:t>
+            </a:r>
+            <a:endParaRPr lang="en-SG" dirty="0"/>
+          </a:p>
+        </p:txBody>
+      </p:sp>
+      <p:sp>
+        <p:nvSpPr>
+          <p:cNvPr id="3" name="Content Placeholder 2">
+            <a:extLst>
+              <a:ext uri="{FF2B5EF4-FFF2-40B4-BE49-F238E27FC236}">
+                <a16:creationId xmlns:a16="http://schemas.microsoft.com/office/drawing/2014/main" id="{B0A1AABF-3D92-721B-BCAD-E53DA6FB1DB1}"/>
+              </a:ext>
+            </a:extLst>
+          </p:cNvPr>
+          <p:cNvSpPr>
+            <a:spLocks noGrp="1"/>
+          </p:cNvSpPr>
+          <p:nvPr>
+            <p:ph idx="1"/>
+          </p:nvPr>
+        </p:nvSpPr>
+        <p:spPr>
+          <a:xfrm>
+            <a:off x="1192697" y="1853754"/>
+            <a:ext cx="10090204" cy="4354541"/>
+          </a:xfrm>
+        </p:spPr>
+        <p:txBody>
+          <a:bodyPr>
+            <a:normAutofit fontScale="85000" lnSpcReduction="20000"/>
+          </a:bodyPr>
+          <a:lstStyle/>
+          <a:p>
+            <a:r>
+              <a:rPr lang="en-US" sz="1600" b="0" i="0" dirty="0">
+                <a:effectLst/>
+                <a:latin typeface="Söhne"/>
+              </a:rPr>
+              <a:t>Single Responsibility Principle: Each container should have a single responsibility. </a:t>
+            </a:r>
+          </a:p>
+          <a:p>
+            <a:pPr lvl="1"/>
+            <a:r>
+              <a:rPr lang="en-US" sz="1600" b="0" i="0" dirty="0">
+                <a:effectLst/>
+                <a:latin typeface="Söhne"/>
+              </a:rPr>
+              <a:t>This means one process per container. </a:t>
+            </a:r>
+          </a:p>
+          <a:p>
+            <a:pPr lvl="1"/>
+            <a:r>
+              <a:rPr lang="en-US" sz="1600" dirty="0">
+                <a:latin typeface="Söhne"/>
+              </a:rPr>
+              <a:t>Ex.</a:t>
+            </a:r>
+            <a:r>
+              <a:rPr lang="en-US" sz="1600" b="0" i="0" dirty="0">
+                <a:effectLst/>
+                <a:latin typeface="Söhne"/>
+              </a:rPr>
+              <a:t> separate your front end, backend webservice, and database into different containers.</a:t>
+            </a:r>
+          </a:p>
+          <a:p>
+            <a:r>
+              <a:rPr lang="en-US" sz="1600" b="0" i="0" dirty="0">
+                <a:effectLst/>
+                <a:latin typeface="Söhne"/>
+              </a:rPr>
+              <a:t>Use Official Images:  </a:t>
+            </a:r>
+          </a:p>
+          <a:p>
+            <a:pPr lvl="1"/>
+            <a:r>
+              <a:rPr lang="en-US" sz="1600" dirty="0">
+                <a:latin typeface="Söhne"/>
+              </a:rPr>
+              <a:t>U</a:t>
+            </a:r>
+            <a:r>
+              <a:rPr lang="en-US" sz="1600" b="0" i="0" dirty="0">
+                <a:effectLst/>
+                <a:latin typeface="Söhne"/>
+              </a:rPr>
+              <a:t>se official Docker images from trusted sources like Docker Hub, whenever possible. </a:t>
+            </a:r>
+          </a:p>
+          <a:p>
+            <a:r>
+              <a:rPr lang="en-US" sz="1600" b="0" i="0" dirty="0">
+                <a:effectLst/>
+                <a:latin typeface="Söhne"/>
+              </a:rPr>
+              <a:t>Keep Containers Stateless:  </a:t>
+            </a:r>
+          </a:p>
+          <a:p>
+            <a:pPr lvl="1"/>
+            <a:r>
+              <a:rPr lang="en-US" sz="1600" b="0" i="0" dirty="0">
+                <a:effectLst/>
+                <a:latin typeface="Söhne"/>
+              </a:rPr>
+              <a:t>Store data and configuration outside the container, preferably in (volumes or external databases)</a:t>
+            </a:r>
+          </a:p>
+          <a:p>
+            <a:r>
+              <a:rPr lang="en-US" sz="1600" b="0" i="0" dirty="0">
+                <a:effectLst/>
+                <a:latin typeface="Söhne"/>
+              </a:rPr>
+              <a:t>Optimize Image Size: </a:t>
+            </a:r>
+          </a:p>
+          <a:p>
+            <a:pPr lvl="1"/>
+            <a:r>
+              <a:rPr lang="en-US" sz="1600" b="0" i="0" dirty="0">
+                <a:effectLst/>
+                <a:latin typeface="Söhne"/>
+              </a:rPr>
+              <a:t>Minimize the size of your Docker images to reduce deployment time and resource usage. (Tip: remove unnecessary dependencies)</a:t>
+            </a:r>
+          </a:p>
+          <a:p>
+            <a:r>
+              <a:rPr lang="en-US" sz="1600" b="0" i="0" dirty="0">
+                <a:effectLst/>
+                <a:latin typeface="Söhne"/>
+              </a:rPr>
+              <a:t>Security: </a:t>
+            </a:r>
+          </a:p>
+          <a:p>
+            <a:pPr lvl="1"/>
+            <a:r>
+              <a:rPr lang="en-US" sz="1600" b="0" i="0" dirty="0">
+                <a:effectLst/>
+                <a:latin typeface="Söhne"/>
+              </a:rPr>
+              <a:t>Follow security best practices such as using trusted base images, regularly updating images and dependencies</a:t>
+            </a:r>
+          </a:p>
+          <a:p>
+            <a:r>
+              <a:rPr lang="en-US" sz="1600" b="0" i="0" dirty="0">
+                <a:effectLst/>
+                <a:latin typeface="Söhne"/>
+              </a:rPr>
+              <a:t>Documentation: </a:t>
+            </a:r>
+          </a:p>
+          <a:p>
+            <a:pPr lvl="1"/>
+            <a:r>
+              <a:rPr lang="en-US" sz="1600" b="0" i="0" dirty="0">
+                <a:effectLst/>
+                <a:latin typeface="Söhne"/>
+              </a:rPr>
+              <a:t>Maintain clear and up-to-date documentation for your Docker images and containers. </a:t>
+            </a:r>
+          </a:p>
+          <a:p>
+            <a:endParaRPr lang="en-US" sz="1700" b="0" i="0" dirty="0">
+              <a:effectLst/>
+              <a:latin typeface="Söhne"/>
+            </a:endParaRPr>
+          </a:p>
+          <a:p>
+            <a:pPr lvl="1"/>
+            <a:endParaRPr lang="en-US" sz="1700" b="0" i="0" dirty="0">
+              <a:effectLst/>
+              <a:latin typeface="Söhne"/>
+            </a:endParaRPr>
+          </a:p>
+          <a:p>
+            <a:endParaRPr lang="en-SG" dirty="0"/>
+          </a:p>
+        </p:txBody>
+      </p:sp>
+      <p:sp>
+        <p:nvSpPr>
+          <p:cNvPr id="4" name="Slide Number Placeholder 3">
+            <a:extLst>
+              <a:ext uri="{FF2B5EF4-FFF2-40B4-BE49-F238E27FC236}">
+                <a16:creationId xmlns:a16="http://schemas.microsoft.com/office/drawing/2014/main" id="{83A6863F-0C7B-EB63-018B-8645E7A3DD6A}"/>
+              </a:ext>
+            </a:extLst>
+          </p:cNvPr>
+          <p:cNvSpPr>
+            <a:spLocks noGrp="1"/>
+          </p:cNvSpPr>
+          <p:nvPr>
+            <p:ph type="sldNum" sz="quarter" idx="12"/>
+          </p:nvPr>
+        </p:nvSpPr>
+        <p:spPr/>
+        <p:txBody>
+          <a:bodyPr/>
+          <a:lstStyle/>
+          <a:p>
+            <a:fld id="{6D22F896-40B5-4ADD-8801-0D06FADFA095}" type="slidenum">
+              <a:rPr lang="en-US" smtClean="0"/>
+              <a:t>24</a:t>
+            </a:fld>
+            <a:endParaRPr lang="en-US" dirty="0"/>
+          </a:p>
+        </p:txBody>
+      </p:sp>
+    </p:spTree>
+    <p:extLst>
+      <p:ext uri="{BB962C8B-B14F-4D97-AF65-F5344CB8AC3E}">
+        <p14:creationId xmlns:p14="http://schemas.microsoft.com/office/powerpoint/2010/main" val="4065584649"/>
+      </p:ext>
+    </p:extLst>
+  </p:cSld>
+  <p:clrMapOvr>
+    <a:masterClrMapping/>
+  </p:clrMapOvr>
+</p:sld>
+</file>
+
+<file path=ppt/slides/slide25.xml><?xml version="1.0" encoding="utf-8"?>
+<p:sld xmlns:a="http://schemas.openxmlformats.org/drawingml/2006/main" xmlns:r="http://schemas.openxmlformats.org/officeDocument/2006/relationships" xmlns:p="http://schemas.openxmlformats.org/presentationml/2006/main">
+  <p:cSld>
+    <p:spTree>
+      <p:nvGrpSpPr>
+        <p:cNvPr id="1" name=""/>
+        <p:cNvGrpSpPr/>
+        <p:nvPr/>
+      </p:nvGrpSpPr>
+      <p:grpSpPr>
+        <a:xfrm>
+          <a:off x="0" y="0"/>
+          <a:ext cx="0" cy="0"/>
+          <a:chOff x="0" y="0"/>
+          <a:chExt cx="0" cy="0"/>
+        </a:xfrm>
+      </p:grpSpPr>
+      <p:sp>
+        <p:nvSpPr>
+          <p:cNvPr id="2" name="Title 1">
+            <a:extLst>
+              <a:ext uri="{FF2B5EF4-FFF2-40B4-BE49-F238E27FC236}">
+                <a16:creationId xmlns:a16="http://schemas.microsoft.com/office/drawing/2014/main" id="{E8E74809-A8B7-8AFB-3E3A-5A43889517B4}"/>
+              </a:ext>
+            </a:extLst>
+          </p:cNvPr>
+          <p:cNvSpPr>
+            <a:spLocks noGrp="1"/>
+          </p:cNvSpPr>
+          <p:nvPr>
+            <p:ph type="title"/>
+          </p:nvPr>
+        </p:nvSpPr>
+        <p:spPr/>
+        <p:txBody>
+          <a:bodyPr/>
+          <a:lstStyle/>
+          <a:p>
+            <a:r>
+              <a:rPr lang="en-US" dirty="0"/>
+              <a:t>Overview of Docker </a:t>
+            </a:r>
+            <a:r>
+              <a:rPr lang="en-US" dirty="0" err="1"/>
+              <a:t>NEtworks</a:t>
+            </a:r>
+            <a:endParaRPr lang="en-SG" dirty="0"/>
+          </a:p>
+        </p:txBody>
+      </p:sp>
+      <p:sp>
+        <p:nvSpPr>
+          <p:cNvPr id="3" name="Content Placeholder 2">
+            <a:extLst>
+              <a:ext uri="{FF2B5EF4-FFF2-40B4-BE49-F238E27FC236}">
+                <a16:creationId xmlns:a16="http://schemas.microsoft.com/office/drawing/2014/main" id="{6D06AD77-257D-6C8C-3682-4F04DC614A4F}"/>
+              </a:ext>
+            </a:extLst>
+          </p:cNvPr>
+          <p:cNvSpPr>
+            <a:spLocks noGrp="1"/>
+          </p:cNvSpPr>
+          <p:nvPr>
+            <p:ph idx="1"/>
+          </p:nvPr>
+        </p:nvSpPr>
+        <p:spPr/>
+        <p:txBody>
+          <a:bodyPr>
+            <a:normAutofit/>
+          </a:bodyPr>
+          <a:lstStyle/>
+          <a:p>
+            <a:r>
+              <a:rPr lang="en-US" sz="1800" dirty="0">
+                <a:latin typeface="Söhne"/>
+              </a:rPr>
+              <a:t>Docker networking allows containers to communicate with each other, similar to how computers on a network communicate. </a:t>
+            </a:r>
+          </a:p>
+          <a:p>
+            <a:r>
+              <a:rPr lang="en-US" sz="1800" dirty="0">
+                <a:latin typeface="Söhne"/>
+              </a:rPr>
+              <a:t>Docker network is a virtual network created by Docker to enable communication between Docker containers. </a:t>
+            </a:r>
+          </a:p>
+          <a:p>
+            <a:pPr lvl="1"/>
+            <a:r>
+              <a:rPr lang="en-US" sz="1600" dirty="0">
+                <a:latin typeface="Söhne"/>
+              </a:rPr>
+              <a:t>If two containers are running on the same host machine (our computer where Docker is installed and running) within a Docker network, they can communicate with each other without the need for ports to be exposed to the host machine. 	</a:t>
+            </a:r>
+            <a:endParaRPr lang="en-SG" sz="1600" dirty="0">
+              <a:latin typeface="Söhne"/>
+            </a:endParaRPr>
+          </a:p>
+          <a:p>
+            <a:r>
+              <a:rPr lang="en-SG" sz="1800" dirty="0">
+                <a:latin typeface="Söhne"/>
+              </a:rPr>
+              <a:t>Command for managing Docker networks.</a:t>
+            </a:r>
+          </a:p>
+          <a:p>
+            <a:pPr lvl="2"/>
+            <a:r>
+              <a:rPr lang="en-SG" sz="1800" dirty="0">
+                <a:latin typeface="Söhne"/>
+              </a:rPr>
+              <a:t>Ex: docker network create my-network</a:t>
+            </a:r>
+          </a:p>
+        </p:txBody>
+      </p:sp>
+      <p:sp>
+        <p:nvSpPr>
+          <p:cNvPr id="4" name="Slide Number Placeholder 3">
+            <a:extLst>
+              <a:ext uri="{FF2B5EF4-FFF2-40B4-BE49-F238E27FC236}">
+                <a16:creationId xmlns:a16="http://schemas.microsoft.com/office/drawing/2014/main" id="{C94C6622-48F8-8CFB-64C0-9EDC8E4FE292}"/>
+              </a:ext>
+            </a:extLst>
+          </p:cNvPr>
+          <p:cNvSpPr>
+            <a:spLocks noGrp="1"/>
+          </p:cNvSpPr>
+          <p:nvPr>
+            <p:ph type="sldNum" sz="quarter" idx="12"/>
+          </p:nvPr>
+        </p:nvSpPr>
+        <p:spPr/>
+        <p:txBody>
+          <a:bodyPr/>
+          <a:lstStyle/>
+          <a:p>
+            <a:fld id="{6D22F896-40B5-4ADD-8801-0D06FADFA095}" type="slidenum">
+              <a:rPr lang="en-US" smtClean="0"/>
+              <a:t>25</a:t>
+            </a:fld>
+            <a:endParaRPr lang="en-US" dirty="0"/>
+          </a:p>
+        </p:txBody>
+      </p:sp>
+    </p:spTree>
+    <p:extLst>
+      <p:ext uri="{BB962C8B-B14F-4D97-AF65-F5344CB8AC3E}">
+        <p14:creationId xmlns:p14="http://schemas.microsoft.com/office/powerpoint/2010/main" val="3175061686"/>
+      </p:ext>
+    </p:extLst>
+  </p:cSld>
+  <p:clrMapOvr>
+    <a:masterClrMapping/>
+  </p:clrMapOvr>
+</p:sld>
+</file>
+
+<file path=ppt/slides/slide26.xml><?xml version="1.0" encoding="utf-8"?>
+<p:sld xmlns:a="http://schemas.openxmlformats.org/drawingml/2006/main" xmlns:r="http://schemas.openxmlformats.org/officeDocument/2006/relationships" xmlns:p="http://schemas.openxmlformats.org/presentationml/2006/main">
+  <p:cSld>
+    <p:spTree>
+      <p:nvGrpSpPr>
+        <p:cNvPr id="1" name=""/>
+        <p:cNvGrpSpPr/>
+        <p:nvPr/>
+      </p:nvGrpSpPr>
+      <p:grpSpPr>
+        <a:xfrm>
+          <a:off x="0" y="0"/>
+          <a:ext cx="0" cy="0"/>
+          <a:chOff x="0" y="0"/>
+          <a:chExt cx="0" cy="0"/>
+        </a:xfrm>
+      </p:grpSpPr>
+      <p:sp>
+        <p:nvSpPr>
+          <p:cNvPr id="5" name="Title 4">
+            <a:extLst>
+              <a:ext uri="{FF2B5EF4-FFF2-40B4-BE49-F238E27FC236}">
+                <a16:creationId xmlns:a16="http://schemas.microsoft.com/office/drawing/2014/main" id="{54D940A4-007E-54D2-C48D-7AF856C5F3CC}"/>
+              </a:ext>
+            </a:extLst>
+          </p:cNvPr>
+          <p:cNvSpPr>
+            <a:spLocks noGrp="1"/>
+          </p:cNvSpPr>
+          <p:nvPr>
+            <p:ph type="title"/>
+          </p:nvPr>
+        </p:nvSpPr>
+        <p:spPr/>
+        <p:txBody>
+          <a:bodyPr/>
+          <a:lstStyle/>
+          <a:p>
+            <a:r>
+              <a:rPr lang="en-US" dirty="0"/>
               <a:t>Pushing CUSTOM IMAGE to </a:t>
             </a:r>
             <a:r>
@@ -8157,7 +8699,7 @@
           <a:p>
             <a:fld id="{6D22F896-40B5-4ADD-8801-0D06FADFA095}" type="slidenum">
               <a:rPr lang="en-US" smtClean="0"/>
-              <a:t>24</a:t>
+              <a:t>26</a:t>
             </a:fld>
             <a:endParaRPr lang="en-US" dirty="0"/>
           </a:p>
@@ -8238,437 +8780,6 @@
 </p:sld>
 </file>
 
-<file path=ppt/slides/slide25.xml><?xml version="1.0" encoding="utf-8"?>
-<p:sld xmlns:a="http://schemas.openxmlformats.org/drawingml/2006/main" xmlns:r="http://schemas.openxmlformats.org/officeDocument/2006/relationships" xmlns:p="http://schemas.openxmlformats.org/presentationml/2006/main">
-  <p:cSld>
-    <p:spTree>
-      <p:nvGrpSpPr>
-        <p:cNvPr id="1" name=""/>
-        <p:cNvGrpSpPr/>
-        <p:nvPr/>
-      </p:nvGrpSpPr>
-      <p:grpSpPr>
-        <a:xfrm>
-          <a:off x="0" y="0"/>
-          <a:ext cx="0" cy="0"/>
-          <a:chOff x="0" y="0"/>
-          <a:chExt cx="0" cy="0"/>
-        </a:xfrm>
-      </p:grpSpPr>
-      <p:sp>
-        <p:nvSpPr>
-          <p:cNvPr id="2" name="Title 1">
-            <a:extLst>
-              <a:ext uri="{FF2B5EF4-FFF2-40B4-BE49-F238E27FC236}">
-                <a16:creationId xmlns:a16="http://schemas.microsoft.com/office/drawing/2014/main" id="{E8E74809-A8B7-8AFB-3E3A-5A43889517B4}"/>
-              </a:ext>
-            </a:extLst>
-          </p:cNvPr>
-          <p:cNvSpPr>
-            <a:spLocks noGrp="1"/>
-          </p:cNvSpPr>
-          <p:nvPr>
-            <p:ph type="title"/>
-          </p:nvPr>
-        </p:nvSpPr>
-        <p:spPr/>
-        <p:txBody>
-          <a:bodyPr/>
-          <a:lstStyle/>
-          <a:p>
-            <a:r>
-              <a:rPr lang="en-US" dirty="0"/>
-              <a:t>Important Docker Commands</a:t>
-            </a:r>
-            <a:endParaRPr lang="en-SG" dirty="0"/>
-          </a:p>
-        </p:txBody>
-      </p:sp>
-      <p:sp>
-        <p:nvSpPr>
-          <p:cNvPr id="3" name="Content Placeholder 2">
-            <a:extLst>
-              <a:ext uri="{FF2B5EF4-FFF2-40B4-BE49-F238E27FC236}">
-                <a16:creationId xmlns:a16="http://schemas.microsoft.com/office/drawing/2014/main" id="{6D06AD77-257D-6C8C-3682-4F04DC614A4F}"/>
-              </a:ext>
-            </a:extLst>
-          </p:cNvPr>
-          <p:cNvSpPr>
-            <a:spLocks noGrp="1"/>
-          </p:cNvSpPr>
-          <p:nvPr>
-            <p:ph idx="1"/>
-          </p:nvPr>
-        </p:nvSpPr>
-        <p:spPr/>
-        <p:txBody>
-          <a:bodyPr>
-            <a:normAutofit/>
-          </a:bodyPr>
-          <a:lstStyle/>
-          <a:p>
-            <a:r>
-              <a:rPr lang="en-SG" sz="1800" dirty="0">
-                <a:solidFill>
-                  <a:srgbClr val="0D0D0D"/>
-                </a:solidFill>
-                <a:latin typeface="Söhne"/>
-              </a:rPr>
-              <a:t>docker pull: Command for pulling an image or repository from a registry like Docker Hub.</a:t>
-            </a:r>
-          </a:p>
-          <a:p>
-            <a:pPr lvl="1"/>
-            <a:r>
-              <a:rPr lang="en-SG" dirty="0">
-                <a:solidFill>
-                  <a:srgbClr val="0D0D0D"/>
-                </a:solidFill>
-                <a:latin typeface="Söhne"/>
-              </a:rPr>
-              <a:t>Ex : docker pull python:3.9-slim</a:t>
-            </a:r>
-          </a:p>
-          <a:p>
-            <a:r>
-              <a:rPr lang="en-SG" sz="1800" dirty="0">
-                <a:solidFill>
-                  <a:srgbClr val="0D0D0D"/>
-                </a:solidFill>
-                <a:latin typeface="Söhne"/>
-              </a:rPr>
-              <a:t>docker images: Command for listing available images on the local system.</a:t>
-            </a:r>
-          </a:p>
-          <a:p>
-            <a:pPr lvl="1"/>
-            <a:r>
-              <a:rPr lang="en-SG" dirty="0">
-                <a:solidFill>
-                  <a:srgbClr val="0D0D0D"/>
-                </a:solidFill>
-                <a:latin typeface="Söhne"/>
-              </a:rPr>
-              <a:t>Ex: docker images</a:t>
-            </a:r>
-          </a:p>
-          <a:p>
-            <a:r>
-              <a:rPr lang="en-SG" sz="1800" dirty="0">
-                <a:solidFill>
-                  <a:srgbClr val="0D0D0D"/>
-                </a:solidFill>
-                <a:latin typeface="Söhne"/>
-              </a:rPr>
-              <a:t>docker </a:t>
-            </a:r>
-            <a:r>
-              <a:rPr lang="en-SG" sz="1800" dirty="0" err="1">
-                <a:solidFill>
-                  <a:srgbClr val="0D0D0D"/>
-                </a:solidFill>
-                <a:latin typeface="Söhne"/>
-              </a:rPr>
-              <a:t>ps</a:t>
-            </a:r>
-            <a:r>
-              <a:rPr lang="en-SG" sz="1800" dirty="0">
-                <a:solidFill>
-                  <a:srgbClr val="0D0D0D"/>
-                </a:solidFill>
-                <a:latin typeface="Söhne"/>
-              </a:rPr>
-              <a:t>: Command for listing running containers.</a:t>
-            </a:r>
-          </a:p>
-          <a:p>
-            <a:pPr lvl="1"/>
-            <a:r>
-              <a:rPr lang="en-SG" dirty="0">
-                <a:solidFill>
-                  <a:srgbClr val="0D0D0D"/>
-                </a:solidFill>
-                <a:latin typeface="Söhne"/>
-              </a:rPr>
-              <a:t>Ex: docker </a:t>
-            </a:r>
-            <a:r>
-              <a:rPr lang="en-SG" dirty="0" err="1">
-                <a:solidFill>
-                  <a:srgbClr val="0D0D0D"/>
-                </a:solidFill>
-                <a:latin typeface="Söhne"/>
-              </a:rPr>
-              <a:t>ps</a:t>
-            </a:r>
-            <a:endParaRPr lang="en-SG" dirty="0">
-              <a:solidFill>
-                <a:srgbClr val="0D0D0D"/>
-              </a:solidFill>
-              <a:latin typeface="Söhne"/>
-            </a:endParaRPr>
-          </a:p>
-        </p:txBody>
-      </p:sp>
-      <p:sp>
-        <p:nvSpPr>
-          <p:cNvPr id="4" name="Slide Number Placeholder 3">
-            <a:extLst>
-              <a:ext uri="{FF2B5EF4-FFF2-40B4-BE49-F238E27FC236}">
-                <a16:creationId xmlns:a16="http://schemas.microsoft.com/office/drawing/2014/main" id="{C94C6622-48F8-8CFB-64C0-9EDC8E4FE292}"/>
-              </a:ext>
-            </a:extLst>
-          </p:cNvPr>
-          <p:cNvSpPr>
-            <a:spLocks noGrp="1"/>
-          </p:cNvSpPr>
-          <p:nvPr>
-            <p:ph type="sldNum" sz="quarter" idx="12"/>
-          </p:nvPr>
-        </p:nvSpPr>
-        <p:spPr/>
-        <p:txBody>
-          <a:bodyPr/>
-          <a:lstStyle/>
-          <a:p>
-            <a:fld id="{6D22F896-40B5-4ADD-8801-0D06FADFA095}" type="slidenum">
-              <a:rPr lang="en-US" smtClean="0"/>
-              <a:t>25</a:t>
-            </a:fld>
-            <a:endParaRPr lang="en-US" dirty="0"/>
-          </a:p>
-        </p:txBody>
-      </p:sp>
-    </p:spTree>
-    <p:extLst>
-      <p:ext uri="{BB962C8B-B14F-4D97-AF65-F5344CB8AC3E}">
-        <p14:creationId xmlns:p14="http://schemas.microsoft.com/office/powerpoint/2010/main" val="2978262395"/>
-      </p:ext>
-    </p:extLst>
-  </p:cSld>
-  <p:clrMapOvr>
-    <a:masterClrMapping/>
-  </p:clrMapOvr>
-</p:sld>
-</file>
-
-<file path=ppt/slides/slide26.xml><?xml version="1.0" encoding="utf-8"?>
-<p:sld xmlns:a="http://schemas.openxmlformats.org/drawingml/2006/main" xmlns:r="http://schemas.openxmlformats.org/officeDocument/2006/relationships" xmlns:p="http://schemas.openxmlformats.org/presentationml/2006/main">
-  <p:cSld>
-    <p:spTree>
-      <p:nvGrpSpPr>
-        <p:cNvPr id="1" name=""/>
-        <p:cNvGrpSpPr/>
-        <p:nvPr/>
-      </p:nvGrpSpPr>
-      <p:grpSpPr>
-        <a:xfrm>
-          <a:off x="0" y="0"/>
-          <a:ext cx="0" cy="0"/>
-          <a:chOff x="0" y="0"/>
-          <a:chExt cx="0" cy="0"/>
-        </a:xfrm>
-      </p:grpSpPr>
-      <p:sp>
-        <p:nvSpPr>
-          <p:cNvPr id="2" name="Title 1">
-            <a:extLst>
-              <a:ext uri="{FF2B5EF4-FFF2-40B4-BE49-F238E27FC236}">
-                <a16:creationId xmlns:a16="http://schemas.microsoft.com/office/drawing/2014/main" id="{E8E74809-A8B7-8AFB-3E3A-5A43889517B4}"/>
-              </a:ext>
-            </a:extLst>
-          </p:cNvPr>
-          <p:cNvSpPr>
-            <a:spLocks noGrp="1"/>
-          </p:cNvSpPr>
-          <p:nvPr>
-            <p:ph type="title"/>
-          </p:nvPr>
-        </p:nvSpPr>
-        <p:spPr/>
-        <p:txBody>
-          <a:bodyPr/>
-          <a:lstStyle/>
-          <a:p>
-            <a:r>
-              <a:rPr lang="en-US" dirty="0"/>
-              <a:t>Important Docker Commands</a:t>
-            </a:r>
-            <a:endParaRPr lang="en-SG" dirty="0"/>
-          </a:p>
-        </p:txBody>
-      </p:sp>
-      <p:sp>
-        <p:nvSpPr>
-          <p:cNvPr id="3" name="Content Placeholder 2">
-            <a:extLst>
-              <a:ext uri="{FF2B5EF4-FFF2-40B4-BE49-F238E27FC236}">
-                <a16:creationId xmlns:a16="http://schemas.microsoft.com/office/drawing/2014/main" id="{6D06AD77-257D-6C8C-3682-4F04DC614A4F}"/>
-              </a:ext>
-            </a:extLst>
-          </p:cNvPr>
-          <p:cNvSpPr>
-            <a:spLocks noGrp="1"/>
-          </p:cNvSpPr>
-          <p:nvPr>
-            <p:ph idx="1"/>
-          </p:nvPr>
-        </p:nvSpPr>
-        <p:spPr/>
-        <p:txBody>
-          <a:bodyPr>
-            <a:normAutofit/>
-          </a:bodyPr>
-          <a:lstStyle/>
-          <a:p>
-            <a:r>
-              <a:rPr lang="en-SG" sz="1800" dirty="0">
-                <a:solidFill>
-                  <a:srgbClr val="0D0D0D"/>
-                </a:solidFill>
-                <a:latin typeface="Söhne"/>
-              </a:rPr>
-              <a:t>docker build: Command for building a Docker image from a </a:t>
-            </a:r>
-            <a:r>
-              <a:rPr lang="en-SG" sz="1800" dirty="0" err="1">
-                <a:solidFill>
-                  <a:srgbClr val="0D0D0D"/>
-                </a:solidFill>
-                <a:latin typeface="Söhne"/>
-              </a:rPr>
-              <a:t>Dockerfile</a:t>
-            </a:r>
-            <a:r>
-              <a:rPr lang="en-SG" sz="1800" dirty="0">
-                <a:solidFill>
-                  <a:srgbClr val="0D0D0D"/>
-                </a:solidFill>
-                <a:latin typeface="Söhne"/>
-              </a:rPr>
-              <a:t>.</a:t>
-            </a:r>
-          </a:p>
-          <a:p>
-            <a:pPr lvl="1"/>
-            <a:r>
-              <a:rPr lang="en-SG" dirty="0">
-                <a:solidFill>
-                  <a:srgbClr val="0D0D0D"/>
-                </a:solidFill>
-                <a:latin typeface="Söhne"/>
-              </a:rPr>
-              <a:t>Ex: docker build -t my-python-app .</a:t>
-            </a:r>
-          </a:p>
-          <a:p>
-            <a:r>
-              <a:rPr lang="en-SG" sz="1800" dirty="0">
-                <a:solidFill>
-                  <a:srgbClr val="0D0D0D"/>
-                </a:solidFill>
-                <a:latin typeface="Söhne"/>
-              </a:rPr>
-              <a:t>docker run: Command for creating and running a container from an image.</a:t>
-            </a:r>
-          </a:p>
-          <a:p>
-            <a:pPr lvl="1"/>
-            <a:r>
-              <a:rPr lang="en-SG" dirty="0">
-                <a:solidFill>
-                  <a:srgbClr val="0D0D0D"/>
-                </a:solidFill>
-                <a:latin typeface="Söhne"/>
-              </a:rPr>
-              <a:t>Ex: docker run my-python-app</a:t>
-            </a:r>
-          </a:p>
-          <a:p>
-            <a:r>
-              <a:rPr lang="en-SG" sz="1800" dirty="0">
-                <a:solidFill>
-                  <a:srgbClr val="0D0D0D"/>
-                </a:solidFill>
-                <a:latin typeface="Söhne"/>
-              </a:rPr>
-              <a:t>docker-compose: Command for managing multi-container Docker applications using a Docker Compose </a:t>
-            </a:r>
-            <a:r>
-              <a:rPr lang="en-SG" sz="1800" dirty="0" err="1">
-                <a:solidFill>
-                  <a:srgbClr val="0D0D0D"/>
-                </a:solidFill>
-                <a:latin typeface="Söhne"/>
-              </a:rPr>
-              <a:t>yml</a:t>
-            </a:r>
-            <a:r>
-              <a:rPr lang="en-SG" sz="1800" dirty="0">
-                <a:solidFill>
-                  <a:srgbClr val="0D0D0D"/>
-                </a:solidFill>
-                <a:latin typeface="Söhne"/>
-              </a:rPr>
-              <a:t> file.</a:t>
-            </a:r>
-          </a:p>
-          <a:p>
-            <a:pPr lvl="1"/>
-            <a:r>
-              <a:rPr lang="en-SG" dirty="0">
-                <a:solidFill>
-                  <a:srgbClr val="0D0D0D"/>
-                </a:solidFill>
-                <a:latin typeface="Söhne"/>
-              </a:rPr>
-              <a:t>Example: docker-compose up -d</a:t>
-            </a:r>
-          </a:p>
-        </p:txBody>
-      </p:sp>
-      <p:sp>
-        <p:nvSpPr>
-          <p:cNvPr id="4" name="Slide Number Placeholder 3">
-            <a:extLst>
-              <a:ext uri="{FF2B5EF4-FFF2-40B4-BE49-F238E27FC236}">
-                <a16:creationId xmlns:a16="http://schemas.microsoft.com/office/drawing/2014/main" id="{C94C6622-48F8-8CFB-64C0-9EDC8E4FE292}"/>
-              </a:ext>
-            </a:extLst>
-          </p:cNvPr>
-          <p:cNvSpPr>
-            <a:spLocks noGrp="1"/>
-          </p:cNvSpPr>
-          <p:nvPr>
-            <p:ph type="sldNum" sz="quarter" idx="12"/>
-          </p:nvPr>
-        </p:nvSpPr>
-        <p:spPr/>
-        <p:txBody>
-          <a:bodyPr/>
-          <a:lstStyle/>
-          <a:p>
-            <a:fld id="{6D22F896-40B5-4ADD-8801-0D06FADFA095}" type="slidenum">
-              <a:rPr lang="en-US" smtClean="0"/>
-              <a:t>26</a:t>
-            </a:fld>
-            <a:endParaRPr lang="en-US" dirty="0"/>
-          </a:p>
-        </p:txBody>
-      </p:sp>
-    </p:spTree>
-    <p:extLst>
-      <p:ext uri="{BB962C8B-B14F-4D97-AF65-F5344CB8AC3E}">
-        <p14:creationId xmlns:p14="http://schemas.microsoft.com/office/powerpoint/2010/main" val="3881800110"/>
-      </p:ext>
-    </p:extLst>
-  </p:cSld>
-  <p:clrMapOvr>
-    <a:masterClrMapping/>
-  </p:clrMapOvr>
-</p:sld>
-</file>
-
 <file path=ppt/slides/slide27.xml><?xml version="1.0" encoding="utf-8"?>
 <p:sld xmlns:a="http://schemas.openxmlformats.org/drawingml/2006/main" xmlns:r="http://schemas.openxmlformats.org/officeDocument/2006/relationships" xmlns:p="http://schemas.openxmlformats.org/presentationml/2006/main">
   <p:cSld>
@@ -8688,6 +8799,437 @@
       </p:grpSpPr>
       <p:sp>
         <p:nvSpPr>
+          <p:cNvPr id="2" name="Title 1">
+            <a:extLst>
+              <a:ext uri="{FF2B5EF4-FFF2-40B4-BE49-F238E27FC236}">
+                <a16:creationId xmlns:a16="http://schemas.microsoft.com/office/drawing/2014/main" id="{E8E74809-A8B7-8AFB-3E3A-5A43889517B4}"/>
+              </a:ext>
+            </a:extLst>
+          </p:cNvPr>
+          <p:cNvSpPr>
+            <a:spLocks noGrp="1"/>
+          </p:cNvSpPr>
+          <p:nvPr>
+            <p:ph type="title"/>
+          </p:nvPr>
+        </p:nvSpPr>
+        <p:spPr/>
+        <p:txBody>
+          <a:bodyPr/>
+          <a:lstStyle/>
+          <a:p>
+            <a:r>
+              <a:rPr lang="en-US" dirty="0"/>
+              <a:t>Important Docker Commands</a:t>
+            </a:r>
+            <a:endParaRPr lang="en-SG" dirty="0"/>
+          </a:p>
+        </p:txBody>
+      </p:sp>
+      <p:sp>
+        <p:nvSpPr>
+          <p:cNvPr id="3" name="Content Placeholder 2">
+            <a:extLst>
+              <a:ext uri="{FF2B5EF4-FFF2-40B4-BE49-F238E27FC236}">
+                <a16:creationId xmlns:a16="http://schemas.microsoft.com/office/drawing/2014/main" id="{6D06AD77-257D-6C8C-3682-4F04DC614A4F}"/>
+              </a:ext>
+            </a:extLst>
+          </p:cNvPr>
+          <p:cNvSpPr>
+            <a:spLocks noGrp="1"/>
+          </p:cNvSpPr>
+          <p:nvPr>
+            <p:ph idx="1"/>
+          </p:nvPr>
+        </p:nvSpPr>
+        <p:spPr/>
+        <p:txBody>
+          <a:bodyPr>
+            <a:normAutofit/>
+          </a:bodyPr>
+          <a:lstStyle/>
+          <a:p>
+            <a:r>
+              <a:rPr lang="en-SG" sz="1800" dirty="0">
+                <a:solidFill>
+                  <a:srgbClr val="0D0D0D"/>
+                </a:solidFill>
+                <a:latin typeface="Söhne"/>
+              </a:rPr>
+              <a:t>docker pull: Command for pulling an image or repository from a registry like Docker Hub.</a:t>
+            </a:r>
+          </a:p>
+          <a:p>
+            <a:pPr lvl="1"/>
+            <a:r>
+              <a:rPr lang="en-SG" dirty="0">
+                <a:solidFill>
+                  <a:srgbClr val="0D0D0D"/>
+                </a:solidFill>
+                <a:latin typeface="Söhne"/>
+              </a:rPr>
+              <a:t>Ex : docker pull python:3.9-slim</a:t>
+            </a:r>
+          </a:p>
+          <a:p>
+            <a:r>
+              <a:rPr lang="en-SG" sz="1800" dirty="0">
+                <a:solidFill>
+                  <a:srgbClr val="0D0D0D"/>
+                </a:solidFill>
+                <a:latin typeface="Söhne"/>
+              </a:rPr>
+              <a:t>docker images: Command for listing available images on the local system.</a:t>
+            </a:r>
+          </a:p>
+          <a:p>
+            <a:pPr lvl="1"/>
+            <a:r>
+              <a:rPr lang="en-SG" dirty="0">
+                <a:solidFill>
+                  <a:srgbClr val="0D0D0D"/>
+                </a:solidFill>
+                <a:latin typeface="Söhne"/>
+              </a:rPr>
+              <a:t>Ex: docker images</a:t>
+            </a:r>
+          </a:p>
+          <a:p>
+            <a:r>
+              <a:rPr lang="en-SG" sz="1800" dirty="0">
+                <a:solidFill>
+                  <a:srgbClr val="0D0D0D"/>
+                </a:solidFill>
+                <a:latin typeface="Söhne"/>
+              </a:rPr>
+              <a:t>docker </a:t>
+            </a:r>
+            <a:r>
+              <a:rPr lang="en-SG" sz="1800" dirty="0" err="1">
+                <a:solidFill>
+                  <a:srgbClr val="0D0D0D"/>
+                </a:solidFill>
+                <a:latin typeface="Söhne"/>
+              </a:rPr>
+              <a:t>ps</a:t>
+            </a:r>
+            <a:r>
+              <a:rPr lang="en-SG" sz="1800" dirty="0">
+                <a:solidFill>
+                  <a:srgbClr val="0D0D0D"/>
+                </a:solidFill>
+                <a:latin typeface="Söhne"/>
+              </a:rPr>
+              <a:t>: Command for listing running containers.</a:t>
+            </a:r>
+          </a:p>
+          <a:p>
+            <a:pPr lvl="1"/>
+            <a:r>
+              <a:rPr lang="en-SG" dirty="0">
+                <a:solidFill>
+                  <a:srgbClr val="0D0D0D"/>
+                </a:solidFill>
+                <a:latin typeface="Söhne"/>
+              </a:rPr>
+              <a:t>Ex: docker </a:t>
+            </a:r>
+            <a:r>
+              <a:rPr lang="en-SG" dirty="0" err="1">
+                <a:solidFill>
+                  <a:srgbClr val="0D0D0D"/>
+                </a:solidFill>
+                <a:latin typeface="Söhne"/>
+              </a:rPr>
+              <a:t>ps</a:t>
+            </a:r>
+            <a:endParaRPr lang="en-SG" dirty="0">
+              <a:solidFill>
+                <a:srgbClr val="0D0D0D"/>
+              </a:solidFill>
+              <a:latin typeface="Söhne"/>
+            </a:endParaRPr>
+          </a:p>
+        </p:txBody>
+      </p:sp>
+      <p:sp>
+        <p:nvSpPr>
+          <p:cNvPr id="4" name="Slide Number Placeholder 3">
+            <a:extLst>
+              <a:ext uri="{FF2B5EF4-FFF2-40B4-BE49-F238E27FC236}">
+                <a16:creationId xmlns:a16="http://schemas.microsoft.com/office/drawing/2014/main" id="{C94C6622-48F8-8CFB-64C0-9EDC8E4FE292}"/>
+              </a:ext>
+            </a:extLst>
+          </p:cNvPr>
+          <p:cNvSpPr>
+            <a:spLocks noGrp="1"/>
+          </p:cNvSpPr>
+          <p:nvPr>
+            <p:ph type="sldNum" sz="quarter" idx="12"/>
+          </p:nvPr>
+        </p:nvSpPr>
+        <p:spPr/>
+        <p:txBody>
+          <a:bodyPr/>
+          <a:lstStyle/>
+          <a:p>
+            <a:fld id="{6D22F896-40B5-4ADD-8801-0D06FADFA095}" type="slidenum">
+              <a:rPr lang="en-US" smtClean="0"/>
+              <a:t>27</a:t>
+            </a:fld>
+            <a:endParaRPr lang="en-US" dirty="0"/>
+          </a:p>
+        </p:txBody>
+      </p:sp>
+    </p:spTree>
+    <p:extLst>
+      <p:ext uri="{BB962C8B-B14F-4D97-AF65-F5344CB8AC3E}">
+        <p14:creationId xmlns:p14="http://schemas.microsoft.com/office/powerpoint/2010/main" val="2978262395"/>
+      </p:ext>
+    </p:extLst>
+  </p:cSld>
+  <p:clrMapOvr>
+    <a:masterClrMapping/>
+  </p:clrMapOvr>
+</p:sld>
+</file>
+
+<file path=ppt/slides/slide28.xml><?xml version="1.0" encoding="utf-8"?>
+<p:sld xmlns:a="http://schemas.openxmlformats.org/drawingml/2006/main" xmlns:r="http://schemas.openxmlformats.org/officeDocument/2006/relationships" xmlns:p="http://schemas.openxmlformats.org/presentationml/2006/main">
+  <p:cSld>
+    <p:spTree>
+      <p:nvGrpSpPr>
+        <p:cNvPr id="1" name=""/>
+        <p:cNvGrpSpPr/>
+        <p:nvPr/>
+      </p:nvGrpSpPr>
+      <p:grpSpPr>
+        <a:xfrm>
+          <a:off x="0" y="0"/>
+          <a:ext cx="0" cy="0"/>
+          <a:chOff x="0" y="0"/>
+          <a:chExt cx="0" cy="0"/>
+        </a:xfrm>
+      </p:grpSpPr>
+      <p:sp>
+        <p:nvSpPr>
+          <p:cNvPr id="2" name="Title 1">
+            <a:extLst>
+              <a:ext uri="{FF2B5EF4-FFF2-40B4-BE49-F238E27FC236}">
+                <a16:creationId xmlns:a16="http://schemas.microsoft.com/office/drawing/2014/main" id="{E8E74809-A8B7-8AFB-3E3A-5A43889517B4}"/>
+              </a:ext>
+            </a:extLst>
+          </p:cNvPr>
+          <p:cNvSpPr>
+            <a:spLocks noGrp="1"/>
+          </p:cNvSpPr>
+          <p:nvPr>
+            <p:ph type="title"/>
+          </p:nvPr>
+        </p:nvSpPr>
+        <p:spPr/>
+        <p:txBody>
+          <a:bodyPr/>
+          <a:lstStyle/>
+          <a:p>
+            <a:r>
+              <a:rPr lang="en-US" dirty="0"/>
+              <a:t>Important Docker Commands</a:t>
+            </a:r>
+            <a:endParaRPr lang="en-SG" dirty="0"/>
+          </a:p>
+        </p:txBody>
+      </p:sp>
+      <p:sp>
+        <p:nvSpPr>
+          <p:cNvPr id="3" name="Content Placeholder 2">
+            <a:extLst>
+              <a:ext uri="{FF2B5EF4-FFF2-40B4-BE49-F238E27FC236}">
+                <a16:creationId xmlns:a16="http://schemas.microsoft.com/office/drawing/2014/main" id="{6D06AD77-257D-6C8C-3682-4F04DC614A4F}"/>
+              </a:ext>
+            </a:extLst>
+          </p:cNvPr>
+          <p:cNvSpPr>
+            <a:spLocks noGrp="1"/>
+          </p:cNvSpPr>
+          <p:nvPr>
+            <p:ph idx="1"/>
+          </p:nvPr>
+        </p:nvSpPr>
+        <p:spPr/>
+        <p:txBody>
+          <a:bodyPr>
+            <a:normAutofit/>
+          </a:bodyPr>
+          <a:lstStyle/>
+          <a:p>
+            <a:r>
+              <a:rPr lang="en-SG" sz="1800" dirty="0">
+                <a:solidFill>
+                  <a:srgbClr val="0D0D0D"/>
+                </a:solidFill>
+                <a:latin typeface="Söhne"/>
+              </a:rPr>
+              <a:t>docker build: Command for building a Docker image from a </a:t>
+            </a:r>
+            <a:r>
+              <a:rPr lang="en-SG" sz="1800" dirty="0" err="1">
+                <a:solidFill>
+                  <a:srgbClr val="0D0D0D"/>
+                </a:solidFill>
+                <a:latin typeface="Söhne"/>
+              </a:rPr>
+              <a:t>Dockerfile</a:t>
+            </a:r>
+            <a:r>
+              <a:rPr lang="en-SG" sz="1800" dirty="0">
+                <a:solidFill>
+                  <a:srgbClr val="0D0D0D"/>
+                </a:solidFill>
+                <a:latin typeface="Söhne"/>
+              </a:rPr>
+              <a:t>.</a:t>
+            </a:r>
+          </a:p>
+          <a:p>
+            <a:pPr lvl="1"/>
+            <a:r>
+              <a:rPr lang="en-SG" dirty="0">
+                <a:solidFill>
+                  <a:srgbClr val="0D0D0D"/>
+                </a:solidFill>
+                <a:latin typeface="Söhne"/>
+              </a:rPr>
+              <a:t>Ex: docker build -t my-python-app .</a:t>
+            </a:r>
+          </a:p>
+          <a:p>
+            <a:r>
+              <a:rPr lang="en-SG" sz="1800" dirty="0">
+                <a:solidFill>
+                  <a:srgbClr val="0D0D0D"/>
+                </a:solidFill>
+                <a:latin typeface="Söhne"/>
+              </a:rPr>
+              <a:t>docker run: Command for creating and running a container from an image.</a:t>
+            </a:r>
+          </a:p>
+          <a:p>
+            <a:pPr lvl="1"/>
+            <a:r>
+              <a:rPr lang="en-SG" dirty="0">
+                <a:solidFill>
+                  <a:srgbClr val="0D0D0D"/>
+                </a:solidFill>
+                <a:latin typeface="Söhne"/>
+              </a:rPr>
+              <a:t>Ex: docker run my-python-app</a:t>
+            </a:r>
+          </a:p>
+          <a:p>
+            <a:r>
+              <a:rPr lang="en-SG" sz="1800" dirty="0">
+                <a:solidFill>
+                  <a:srgbClr val="0D0D0D"/>
+                </a:solidFill>
+                <a:latin typeface="Söhne"/>
+              </a:rPr>
+              <a:t>docker-compose: Command for managing multi-container Docker applications using a Docker Compose </a:t>
+            </a:r>
+            <a:r>
+              <a:rPr lang="en-SG" sz="1800" dirty="0" err="1">
+                <a:solidFill>
+                  <a:srgbClr val="0D0D0D"/>
+                </a:solidFill>
+                <a:latin typeface="Söhne"/>
+              </a:rPr>
+              <a:t>yml</a:t>
+            </a:r>
+            <a:r>
+              <a:rPr lang="en-SG" sz="1800" dirty="0">
+                <a:solidFill>
+                  <a:srgbClr val="0D0D0D"/>
+                </a:solidFill>
+                <a:latin typeface="Söhne"/>
+              </a:rPr>
+              <a:t> file.</a:t>
+            </a:r>
+          </a:p>
+          <a:p>
+            <a:pPr lvl="1"/>
+            <a:r>
+              <a:rPr lang="en-SG" dirty="0">
+                <a:solidFill>
+                  <a:srgbClr val="0D0D0D"/>
+                </a:solidFill>
+                <a:latin typeface="Söhne"/>
+              </a:rPr>
+              <a:t>Example: docker-compose up -d</a:t>
+            </a:r>
+          </a:p>
+        </p:txBody>
+      </p:sp>
+      <p:sp>
+        <p:nvSpPr>
+          <p:cNvPr id="4" name="Slide Number Placeholder 3">
+            <a:extLst>
+              <a:ext uri="{FF2B5EF4-FFF2-40B4-BE49-F238E27FC236}">
+                <a16:creationId xmlns:a16="http://schemas.microsoft.com/office/drawing/2014/main" id="{C94C6622-48F8-8CFB-64C0-9EDC8E4FE292}"/>
+              </a:ext>
+            </a:extLst>
+          </p:cNvPr>
+          <p:cNvSpPr>
+            <a:spLocks noGrp="1"/>
+          </p:cNvSpPr>
+          <p:nvPr>
+            <p:ph type="sldNum" sz="quarter" idx="12"/>
+          </p:nvPr>
+        </p:nvSpPr>
+        <p:spPr/>
+        <p:txBody>
+          <a:bodyPr/>
+          <a:lstStyle/>
+          <a:p>
+            <a:fld id="{6D22F896-40B5-4ADD-8801-0D06FADFA095}" type="slidenum">
+              <a:rPr lang="en-US" smtClean="0"/>
+              <a:t>28</a:t>
+            </a:fld>
+            <a:endParaRPr lang="en-US" dirty="0"/>
+          </a:p>
+        </p:txBody>
+      </p:sp>
+    </p:spTree>
+    <p:extLst>
+      <p:ext uri="{BB962C8B-B14F-4D97-AF65-F5344CB8AC3E}">
+        <p14:creationId xmlns:p14="http://schemas.microsoft.com/office/powerpoint/2010/main" val="3881800110"/>
+      </p:ext>
+    </p:extLst>
+  </p:cSld>
+  <p:clrMapOvr>
+    <a:masterClrMapping/>
+  </p:clrMapOvr>
+</p:sld>
+</file>
+
+<file path=ppt/slides/slide29.xml><?xml version="1.0" encoding="utf-8"?>
+<p:sld xmlns:a="http://schemas.openxmlformats.org/drawingml/2006/main" xmlns:r="http://schemas.openxmlformats.org/officeDocument/2006/relationships" xmlns:p="http://schemas.openxmlformats.org/presentationml/2006/main">
+  <p:cSld>
+    <p:spTree>
+      <p:nvGrpSpPr>
+        <p:cNvPr id="1" name=""/>
+        <p:cNvGrpSpPr/>
+        <p:nvPr/>
+      </p:nvGrpSpPr>
+      <p:grpSpPr>
+        <a:xfrm>
+          <a:off x="0" y="0"/>
+          <a:ext cx="0" cy="0"/>
+          <a:chOff x="0" y="0"/>
+          <a:chExt cx="0" cy="0"/>
+        </a:xfrm>
+      </p:grpSpPr>
+      <p:sp>
+        <p:nvSpPr>
           <p:cNvPr id="5" name="Slide Number Placeholder 4">
             <a:extLst>
               <a:ext uri="{FF2B5EF4-FFF2-40B4-BE49-F238E27FC236}">
@@ -8709,7 +9251,7 @@
           <a:p>
             <a:fld id="{6D22F896-40B5-4ADD-8801-0D06FADFA095}" type="slidenum">
               <a:rPr lang="en-US" smtClean="0"/>
-              <a:t>27</a:t>
+              <a:t>29</a:t>
             </a:fld>
             <a:endParaRPr lang="en-US" dirty="0"/>
           </a:p>
@@ -9189,7 +9731,7 @@
         <p:spPr>
           <a:xfrm>
             <a:off x="1447331" y="2010878"/>
-            <a:ext cx="6435760" cy="3629526"/>
+            <a:ext cx="5001177" cy="3629526"/>
           </a:xfrm>
         </p:spPr>
         <p:txBody>
@@ -9199,7 +9741,7 @@
           <a:lstStyle/>
           <a:p>
             <a:r>
-              <a:rPr lang="en-US" dirty="0">
+              <a:rPr lang="en-US" sz="1600" dirty="0">
                 <a:solidFill>
                   <a:srgbClr val="374151"/>
                 </a:solidFill>
@@ -9208,7 +9750,7 @@
               <a:t>Docker is a platform that enables developers to </a:t>
             </a:r>
             <a:r>
-              <a:rPr lang="en-US" b="1" dirty="0">
+              <a:rPr lang="en-US" sz="1600" b="1" dirty="0">
                 <a:solidFill>
                   <a:srgbClr val="374151"/>
                 </a:solidFill>
@@ -9217,7 +9759,7 @@
               <a:t>build, ship, and run applications </a:t>
             </a:r>
             <a:r>
-              <a:rPr lang="en-US" dirty="0">
+              <a:rPr lang="en-US" sz="1600" dirty="0">
                 <a:solidFill>
                   <a:srgbClr val="374151"/>
                 </a:solidFill>
@@ -9228,7 +9770,7 @@
           </a:p>
           <a:p>
             <a:r>
-              <a:rPr lang="en-US" dirty="0">
+              <a:rPr lang="en-US" sz="1600" dirty="0">
                 <a:solidFill>
                   <a:srgbClr val="374151"/>
                 </a:solidFill>
@@ -9237,7 +9779,7 @@
               <a:t>Docker helps eliminate the "</a:t>
             </a:r>
             <a:r>
-              <a:rPr lang="en-US" b="1" i="1" dirty="0">
+              <a:rPr lang="en-US" sz="1600" b="1" i="1" dirty="0">
                 <a:solidFill>
                   <a:srgbClr val="374151"/>
                 </a:solidFill>
@@ -9246,13 +9788,24 @@
               <a:t>it works on my machine</a:t>
             </a:r>
             <a:r>
-              <a:rPr lang="en-US" dirty="0">
+              <a:rPr lang="en-US" sz="1600" dirty="0">
                 <a:solidFill>
                   <a:srgbClr val="374151"/>
                 </a:solidFill>
                 <a:latin typeface="Söhne"/>
               </a:rPr>
               <a:t>" issue by ensuring consistent application performance across different environments.</a:t>
+            </a:r>
+          </a:p>
+          <a:p>
+            <a:r>
+              <a:rPr lang="en-US" sz="1600" dirty="0">
+                <a:solidFill>
+                  <a:srgbClr val="374151"/>
+                </a:solidFill>
+                <a:latin typeface="Söhne"/>
+              </a:rPr>
+              <a:t>Think of Docker as a tool that packages our applications into containers, which are lightweight, portable, and self-sufficient units capable of running anywhere.</a:t>
             </a:r>
           </a:p>
         </p:txBody>
@@ -9317,8 +9870,8 @@
         </p:blipFill>
         <p:spPr bwMode="auto">
           <a:xfrm>
-            <a:off x="8021888" y="2324223"/>
-            <a:ext cx="3749809" cy="3002835"/>
+            <a:off x="6908456" y="2395784"/>
+            <a:ext cx="4146396" cy="3002835"/>
           </a:xfrm>
           <a:prstGeom prst="rect">
             <a:avLst/>

--- a/Docker_workshop.pptx
+++ b/Docker_workshop.pptx
@@ -4141,27 +4141,7 @@
                 <a:effectLst/>
                 <a:latin typeface="Söhne"/>
               </a:rPr>
-              <a:t>un </a:t>
-            </a:r>
-            <a:r>
-              <a:rPr lang="en-US" sz="1600" b="0" i="0" dirty="0" err="1">
-                <a:solidFill>
-                  <a:srgbClr val="374151"/>
-                </a:solidFill>
-                <a:effectLst/>
-                <a:latin typeface="Söhne"/>
-              </a:rPr>
-              <a:t>Dockerfile</a:t>
-            </a:r>
-            <a:r>
-              <a:rPr lang="en-US" sz="1600" b="0" i="0" dirty="0">
-                <a:solidFill>
-                  <a:srgbClr val="374151"/>
-                </a:solidFill>
-                <a:effectLst/>
-                <a:latin typeface="Söhne"/>
-              </a:rPr>
-              <a:t> from </a:t>
+              <a:t>un Dockerfile from </a:t>
             </a:r>
             <a:r>
               <a:rPr lang="en-US" sz="1600" dirty="0" err="1">
@@ -4349,7 +4329,7 @@
         </p:blipFill>
         <p:spPr>
           <a:xfrm>
-            <a:off x="7749833" y="2568140"/>
+            <a:off x="7503342" y="2353455"/>
             <a:ext cx="3855829" cy="2425667"/>
           </a:xfrm>
         </p:spPr>
@@ -8099,110 +8079,121 @@
         </p:spPr>
         <p:txBody>
           <a:bodyPr>
-            <a:normAutofit fontScale="85000" lnSpcReduction="20000"/>
+            <a:normAutofit fontScale="47500" lnSpcReduction="20000"/>
           </a:bodyPr>
           <a:lstStyle/>
           <a:p>
             <a:r>
-              <a:rPr lang="en-US" sz="1600" b="0" i="0" dirty="0">
-                <a:effectLst/>
-                <a:latin typeface="Söhne"/>
-              </a:rPr>
-              <a:t>Single Responsibility Principle: Each container should have a single responsibility. </a:t>
+              <a:rPr lang="en-US" sz="2900" dirty="0">
+                <a:latin typeface="Söhne"/>
+              </a:rPr>
+              <a:t>Single Responsibility Principle</a:t>
+            </a:r>
+            <a:r>
+              <a:rPr lang="en-US" sz="2700" b="0" i="0" dirty="0">
+                <a:effectLst/>
+                <a:latin typeface="Söhne"/>
+              </a:rPr>
+              <a:t>: Each container should have a single responsibility. </a:t>
             </a:r>
           </a:p>
           <a:p>
             <a:pPr lvl="1"/>
             <a:r>
-              <a:rPr lang="en-US" sz="1600" b="0" i="0" dirty="0">
-                <a:effectLst/>
-                <a:latin typeface="Söhne"/>
-              </a:rPr>
-              <a:t>This means one process per container. </a:t>
+              <a:rPr lang="en-US" sz="2700" b="0" i="0" dirty="0">
+                <a:effectLst/>
+                <a:latin typeface="Söhne"/>
+              </a:rPr>
+              <a:t>This means one process per container.  </a:t>
+            </a:r>
+            <a:r>
+              <a:rPr lang="en-US" sz="2700" dirty="0">
+                <a:latin typeface="Söhne"/>
+              </a:rPr>
+              <a:t>Ex.</a:t>
+            </a:r>
+            <a:r>
+              <a:rPr lang="en-US" sz="2700" b="0" i="0" dirty="0">
+                <a:effectLst/>
+                <a:latin typeface="Söhne"/>
+              </a:rPr>
+              <a:t> separate your front end, backend webservice, and database into different containers.</a:t>
+            </a:r>
+          </a:p>
+          <a:p>
+            <a:r>
+              <a:rPr lang="en-US" sz="2900" b="0" i="0" dirty="0">
+                <a:effectLst/>
+                <a:latin typeface="Söhne"/>
+              </a:rPr>
+              <a:t>Use Official Images:  </a:t>
             </a:r>
           </a:p>
           <a:p>
             <a:pPr lvl="1"/>
             <a:r>
-              <a:rPr lang="en-US" sz="1600" dirty="0">
-                <a:latin typeface="Söhne"/>
-              </a:rPr>
-              <a:t>Ex.</a:t>
-            </a:r>
-            <a:r>
-              <a:rPr lang="en-US" sz="1600" b="0" i="0" dirty="0">
-                <a:effectLst/>
-                <a:latin typeface="Söhne"/>
-              </a:rPr>
-              <a:t> separate your front end, backend webservice, and database into different containers.</a:t>
-            </a:r>
-          </a:p>
-          <a:p>
-            <a:r>
-              <a:rPr lang="en-US" sz="1600" b="0" i="0" dirty="0">
-                <a:effectLst/>
-                <a:latin typeface="Söhne"/>
-              </a:rPr>
-              <a:t>Use Official Images:  </a:t>
+              <a:rPr lang="en-US" sz="2700" dirty="0">
+                <a:latin typeface="Söhne"/>
+              </a:rPr>
+              <a:t>U</a:t>
+            </a:r>
+            <a:r>
+              <a:rPr lang="en-US" sz="2700" b="0" i="0" dirty="0">
+                <a:effectLst/>
+                <a:latin typeface="Söhne"/>
+              </a:rPr>
+              <a:t>se official Docker images from trusted sources like Docker Hub, whenever possible. </a:t>
+            </a:r>
+          </a:p>
+          <a:p>
+            <a:r>
+              <a:rPr lang="en-US" sz="2900" b="0" i="0" dirty="0">
+                <a:effectLst/>
+                <a:latin typeface="Söhne"/>
+              </a:rPr>
+              <a:t>Keep Containers Stateless:  </a:t>
             </a:r>
           </a:p>
           <a:p>
             <a:pPr lvl="1"/>
             <a:r>
-              <a:rPr lang="en-US" sz="1600" dirty="0">
-                <a:latin typeface="Söhne"/>
-              </a:rPr>
-              <a:t>U</a:t>
-            </a:r>
-            <a:r>
-              <a:rPr lang="en-US" sz="1600" b="0" i="0" dirty="0">
-                <a:effectLst/>
-                <a:latin typeface="Söhne"/>
-              </a:rPr>
-              <a:t>se official Docker images from trusted sources like Docker Hub, whenever possible. </a:t>
-            </a:r>
-          </a:p>
-          <a:p>
-            <a:r>
-              <a:rPr lang="en-US" sz="1600" b="0" i="0" dirty="0">
-                <a:effectLst/>
-                <a:latin typeface="Söhne"/>
-              </a:rPr>
-              <a:t>Keep Containers Stateless:  </a:t>
+              <a:rPr lang="en-US" sz="2700" b="0" i="0" dirty="0">
+                <a:effectLst/>
+                <a:latin typeface="Söhne"/>
+              </a:rPr>
+              <a:t>Store data and configuration outside the container, preferably in (volumes or external databases)</a:t>
+            </a:r>
+          </a:p>
+          <a:p>
+            <a:r>
+              <a:rPr lang="en-US" sz="2900" b="0" i="0" dirty="0">
+                <a:effectLst/>
+                <a:latin typeface="Söhne"/>
+              </a:rPr>
+              <a:t>Optimize Image Size for faster deployment: </a:t>
             </a:r>
           </a:p>
           <a:p>
             <a:pPr lvl="1"/>
             <a:r>
-              <a:rPr lang="en-US" sz="1600" b="0" i="0" dirty="0">
-                <a:effectLst/>
-                <a:latin typeface="Söhne"/>
-              </a:rPr>
-              <a:t>Store data and configuration outside the container, preferably in (volumes or external databases)</a:t>
-            </a:r>
-          </a:p>
-          <a:p>
-            <a:r>
-              <a:rPr lang="en-US" sz="1600" b="0" i="0" dirty="0">
-                <a:effectLst/>
-                <a:latin typeface="Söhne"/>
-              </a:rPr>
-              <a:t>Optimize Image Size: </a:t>
+              <a:rPr lang="en-US" sz="2700" dirty="0">
+                <a:latin typeface="Söhne"/>
+              </a:rPr>
+              <a:t>After specifying the base image, include requirements.txt and install it as the first step in your Dockerfile. Docker utilizes cache, ensuring efficient caching and faster build times.</a:t>
             </a:r>
           </a:p>
           <a:p>
             <a:pPr lvl="1"/>
             <a:r>
-              <a:rPr lang="en-US" sz="1600" b="0" i="0" dirty="0">
-                <a:effectLst/>
-                <a:latin typeface="Söhne"/>
-              </a:rPr>
-              <a:t>Minimize the size of your Docker images to reduce deployment time and resource usage. (Tip: remove unnecessary dependencies)</a:t>
-            </a:r>
-          </a:p>
-          <a:p>
-            <a:r>
-              <a:rPr lang="en-US" sz="1600" b="0" i="0" dirty="0">
+              <a:rPr lang="en-US" sz="2700" dirty="0">
+                <a:latin typeface="Söhne"/>
+              </a:rPr>
+              <a:t>Minimize the size of Docker images by removing unnecessary dependencies, which reduces deployment time and resource usage.</a:t>
+            </a:r>
+          </a:p>
+          <a:p>
+            <a:r>
+              <a:rPr lang="en-US" sz="2900" b="0" i="0" dirty="0">
                 <a:effectLst/>
                 <a:latin typeface="Söhne"/>
               </a:rPr>
@@ -8212,7 +8203,7 @@
           <a:p>
             <a:pPr lvl="1"/>
             <a:r>
-              <a:rPr lang="en-US" sz="1600" b="0" i="0" dirty="0">
+              <a:rPr lang="en-US" sz="2700" b="0" i="0" dirty="0">
                 <a:effectLst/>
                 <a:latin typeface="Söhne"/>
               </a:rPr>
@@ -8221,7 +8212,7 @@
           </a:p>
           <a:p>
             <a:r>
-              <a:rPr lang="en-US" sz="1600" b="0" i="0" dirty="0">
+              <a:rPr lang="en-US" sz="2900" b="0" i="0" dirty="0">
                 <a:effectLst/>
                 <a:latin typeface="Söhne"/>
               </a:rPr>
@@ -8231,7 +8222,7 @@
           <a:p>
             <a:pPr lvl="1"/>
             <a:r>
-              <a:rPr lang="en-US" sz="1600" b="0" i="0" dirty="0">
+              <a:rPr lang="en-US" sz="2700" b="0" i="0" dirty="0">
                 <a:effectLst/>
                 <a:latin typeface="Söhne"/>
               </a:rPr>
@@ -10997,7 +10988,7 @@
           <a:lstStyle/>
           <a:p>
             <a:r>
-              <a:rPr lang="en-US" b="0" i="0" dirty="0" err="1">
+              <a:rPr lang="en-US" b="0" i="0" dirty="0">
                 <a:solidFill>
                   <a:srgbClr val="374151"/>
                 </a:solidFill>
@@ -11169,27 +11160,7 @@
                 <a:effectLst/>
                 <a:latin typeface="Söhne"/>
               </a:rPr>
-              <a:t>Create a </a:t>
-            </a:r>
-            <a:r>
-              <a:rPr lang="en-US" b="0" i="0" dirty="0" err="1">
-                <a:solidFill>
-                  <a:srgbClr val="374151"/>
-                </a:solidFill>
-                <a:effectLst/>
-                <a:latin typeface="Söhne"/>
-              </a:rPr>
-              <a:t>Dockerfile</a:t>
-            </a:r>
-            <a:r>
-              <a:rPr lang="en-US" b="0" i="0" dirty="0">
-                <a:solidFill>
-                  <a:srgbClr val="374151"/>
-                </a:solidFill>
-                <a:effectLst/>
-                <a:latin typeface="Söhne"/>
-              </a:rPr>
-              <a:t> specify</a:t>
+              <a:t>Create a Dockerfile specify</a:t>
             </a:r>
             <a:r>
               <a:rPr lang="en-US" dirty="0">
@@ -11277,21 +11248,44 @@
           </a:p>
         </p:txBody>
       </p:sp>
+      <p:sp>
+        <p:nvSpPr>
+          <p:cNvPr id="7" name="Content Placeholder 6">
+            <a:extLst>
+              <a:ext uri="{FF2B5EF4-FFF2-40B4-BE49-F238E27FC236}">
+                <a16:creationId xmlns:a16="http://schemas.microsoft.com/office/drawing/2014/main" id="{1A1DABDC-D950-D373-4D37-8C1CBD7E7F61}"/>
+              </a:ext>
+            </a:extLst>
+          </p:cNvPr>
+          <p:cNvSpPr>
+            <a:spLocks noGrp="1"/>
+          </p:cNvSpPr>
+          <p:nvPr>
+            <p:ph sz="half" idx="2"/>
+          </p:nvPr>
+        </p:nvSpPr>
+        <p:spPr/>
+        <p:txBody>
+          <a:bodyPr/>
+          <a:lstStyle/>
+          <a:p>
+            <a:endParaRPr lang="en-SG"/>
+          </a:p>
+        </p:txBody>
+      </p:sp>
       <p:pic>
         <p:nvPicPr>
-          <p:cNvPr id="6" name="Content Placeholder 5">
+          <p:cNvPr id="11" name="Picture 10">
             <a:extLst>
               <a:ext uri="{FF2B5EF4-FFF2-40B4-BE49-F238E27FC236}">
-                <a16:creationId xmlns:a16="http://schemas.microsoft.com/office/drawing/2014/main" id="{F7EFBEB6-178E-8326-34D7-083F0A1C0450}"/>
+                <a16:creationId xmlns:a16="http://schemas.microsoft.com/office/drawing/2014/main" id="{5FDB9BDD-A21A-0B52-A303-D1E828B41A76}"/>
               </a:ext>
             </a:extLst>
           </p:cNvPr>
           <p:cNvPicPr>
-            <a:picLocks noGrp="1" noChangeAspect="1"/>
+            <a:picLocks noChangeAspect="1"/>
           </p:cNvPicPr>
-          <p:nvPr>
-            <p:ph sz="half" idx="2"/>
-          </p:nvPr>
+          <p:nvPr/>
         </p:nvPicPr>
         <p:blipFill>
           <a:blip r:embed="rId2"/>
@@ -11301,9 +11295,12 @@
         </p:blipFill>
         <p:spPr>
           <a:xfrm>
-            <a:off x="6476215" y="2245559"/>
-            <a:ext cx="5250730" cy="2995744"/>
+            <a:off x="6331548" y="2010878"/>
+            <a:ext cx="5002802" cy="3447986"/>
           </a:xfrm>
+          <a:prstGeom prst="rect">
+            <a:avLst/>
+          </a:prstGeom>
         </p:spPr>
       </p:pic>
     </p:spTree>

--- a/Docker_workshop.pptx
+++ b/Docker_workshop.pptx
@@ -5,7 +5,7 @@
     <p:sldMasterId id="2147483648" r:id="rId1"/>
   </p:sldMasterIdLst>
   <p:notesMasterIdLst>
-    <p:notesMasterId r:id="rId31"/>
+    <p:notesMasterId r:id="rId33"/>
   </p:notesMasterIdLst>
   <p:sldIdLst>
     <p:sldId id="256" r:id="rId2"/>
@@ -25,18 +25,20 @@
     <p:sldId id="294" r:id="rId16"/>
     <p:sldId id="299" r:id="rId17"/>
     <p:sldId id="300" r:id="rId18"/>
-    <p:sldId id="277" r:id="rId19"/>
-    <p:sldId id="291" r:id="rId20"/>
-    <p:sldId id="278" r:id="rId21"/>
-    <p:sldId id="288" r:id="rId22"/>
-    <p:sldId id="295" r:id="rId23"/>
-    <p:sldId id="296" r:id="rId24"/>
-    <p:sldId id="292" r:id="rId25"/>
-    <p:sldId id="287" r:id="rId26"/>
-    <p:sldId id="262" r:id="rId27"/>
-    <p:sldId id="285" r:id="rId28"/>
-    <p:sldId id="286" r:id="rId29"/>
-    <p:sldId id="261" r:id="rId30"/>
+    <p:sldId id="301" r:id="rId19"/>
+    <p:sldId id="277" r:id="rId20"/>
+    <p:sldId id="291" r:id="rId21"/>
+    <p:sldId id="278" r:id="rId22"/>
+    <p:sldId id="288" r:id="rId23"/>
+    <p:sldId id="295" r:id="rId24"/>
+    <p:sldId id="296" r:id="rId25"/>
+    <p:sldId id="292" r:id="rId26"/>
+    <p:sldId id="302" r:id="rId27"/>
+    <p:sldId id="287" r:id="rId28"/>
+    <p:sldId id="262" r:id="rId29"/>
+    <p:sldId id="285" r:id="rId30"/>
+    <p:sldId id="286" r:id="rId31"/>
+    <p:sldId id="261" r:id="rId32"/>
   </p:sldIdLst>
   <p:sldSz cx="12192000" cy="6858000"/>
   <p:notesSz cx="6858000" cy="9144000"/>
@@ -231,7 +233,7 @@
           <a:p>
             <a:fld id="{44B53E8D-93A4-45C2-B5B5-10C0D9FD8CAC}" type="datetimeFigureOut">
               <a:rPr lang="en-SG" smtClean="0"/>
-              <a:t>4/5/2024</a:t>
+              <a:t>5/5/2024</a:t>
             </a:fld>
             <a:endParaRPr lang="en-SG"/>
           </a:p>
@@ -638,7 +640,7 @@
           <a:p>
             <a:fld id="{437BE40A-911A-432A-8BBE-93FF79ED3A90}" type="datetime1">
               <a:rPr lang="en-US" smtClean="0"/>
-              <a:t>5/4/2024</a:t>
+              <a:t>5/5/2024</a:t>
             </a:fld>
             <a:endParaRPr lang="en-US" dirty="0"/>
           </a:p>
@@ -844,7 +846,7 @@
           <a:p>
             <a:fld id="{4F6639DB-A846-4767-ABAC-406E2E3917FA}" type="datetime1">
               <a:rPr lang="en-US" smtClean="0"/>
-              <a:t>5/4/2024</a:t>
+              <a:t>5/5/2024</a:t>
             </a:fld>
             <a:endParaRPr lang="en-US" dirty="0"/>
           </a:p>
@@ -1054,7 +1056,7 @@
           <a:p>
             <a:fld id="{771713FC-25A7-438F-9365-94BF54C091DD}" type="datetime1">
               <a:rPr lang="en-US" smtClean="0"/>
-              <a:t>5/4/2024</a:t>
+              <a:t>5/5/2024</a:t>
             </a:fld>
             <a:endParaRPr lang="en-US" dirty="0"/>
           </a:p>
@@ -1250,7 +1252,7 @@
           <a:p>
             <a:fld id="{CAE9FE10-04B1-4BA8-8869-75254AE28D04}" type="datetime1">
               <a:rPr lang="en-US" smtClean="0"/>
-              <a:t>5/4/2024</a:t>
+              <a:t>5/5/2024</a:t>
             </a:fld>
             <a:endParaRPr lang="en-US" dirty="0"/>
           </a:p>
@@ -1524,7 +1526,7 @@
           <a:p>
             <a:fld id="{70E77FC6-78CE-42FD-AD87-F85BB537C9A1}" type="datetime1">
               <a:rPr lang="en-US" smtClean="0"/>
-              <a:t>5/4/2024</a:t>
+              <a:t>5/5/2024</a:t>
             </a:fld>
             <a:endParaRPr lang="en-US" dirty="0"/>
           </a:p>
@@ -1787,7 +1789,7 @@
           <a:p>
             <a:fld id="{D55A4954-6E06-42E5-97D0-27BEAE43E0D3}" type="datetime1">
               <a:rPr lang="en-US" smtClean="0"/>
-              <a:t>5/4/2024</a:t>
+              <a:t>5/5/2024</a:t>
             </a:fld>
             <a:endParaRPr lang="en-US" dirty="0"/>
           </a:p>
@@ -2198,7 +2200,7 @@
           <a:p>
             <a:fld id="{7C32A4FA-2A0B-427C-8D5D-DDC37B93EACB}" type="datetime1">
               <a:rPr lang="en-US" smtClean="0"/>
-              <a:t>5/4/2024</a:t>
+              <a:t>5/5/2024</a:t>
             </a:fld>
             <a:endParaRPr lang="en-US" dirty="0"/>
           </a:p>
@@ -2342,7 +2344,7 @@
           <a:p>
             <a:fld id="{7B7B9263-D673-46C7-9969-438FB4605986}" type="datetime1">
               <a:rPr lang="en-US" smtClean="0"/>
-              <a:t>5/4/2024</a:t>
+              <a:t>5/5/2024</a:t>
             </a:fld>
             <a:endParaRPr lang="en-US" dirty="0"/>
           </a:p>
@@ -2463,7 +2465,7 @@
           <a:p>
             <a:fld id="{C9AB95F0-5727-4DF6-AF9F-64E494D61697}" type="datetime1">
               <a:rPr lang="en-US" smtClean="0"/>
-              <a:t>5/4/2024</a:t>
+              <a:t>5/5/2024</a:t>
             </a:fld>
             <a:endParaRPr lang="en-US" dirty="0"/>
           </a:p>
@@ -2709,7 +2711,7 @@
           <a:p>
             <a:fld id="{976BD081-FB83-4197-AF39-765AED2BCE98}" type="datetime1">
               <a:rPr lang="en-US" smtClean="0"/>
-              <a:t>5/4/2024</a:t>
+              <a:t>5/5/2024</a:t>
             </a:fld>
             <a:endParaRPr lang="en-US" dirty="0"/>
           </a:p>
@@ -3149,7 +3151,7 @@
           <a:p>
             <a:fld id="{47DBA1BF-3ADC-42CE-9107-AA2A03DA17AC}" type="datetime1">
               <a:rPr lang="en-US" smtClean="0"/>
-              <a:t>5/4/2024</a:t>
+              <a:t>5/5/2024</a:t>
             </a:fld>
             <a:endParaRPr lang="en-US" dirty="0"/>
           </a:p>
@@ -3471,7 +3473,7 @@
           <a:p>
             <a:fld id="{862269B6-9D79-4A41-AACA-71FE230DD192}" type="datetime1">
               <a:rPr lang="en-US" smtClean="0"/>
-              <a:t>5/4/2024</a:t>
+              <a:t>5/5/2024</a:t>
             </a:fld>
             <a:endParaRPr lang="en-US" dirty="0"/>
           </a:p>
@@ -4044,6 +4046,30 @@
 <file path=ppt/slides/slide10.xml><?xml version="1.0" encoding="utf-8"?>
 <p:sld xmlns:a="http://schemas.openxmlformats.org/drawingml/2006/main" xmlns:r="http://schemas.openxmlformats.org/officeDocument/2006/relationships" xmlns:p="http://schemas.openxmlformats.org/presentationml/2006/main">
   <p:cSld>
+    <p:bg>
+      <p:bgPr>
+        <a:gradFill rotWithShape="1">
+          <a:gsLst>
+            <a:gs pos="0">
+              <a:schemeClr val="bg2">
+                <a:tint val="94000"/>
+                <a:satMod val="80000"/>
+                <a:lumMod val="106000"/>
+              </a:schemeClr>
+            </a:gs>
+            <a:gs pos="100000">
+              <a:schemeClr val="bg2">
+                <a:shade val="80000"/>
+              </a:schemeClr>
+            </a:gs>
+          </a:gsLst>
+          <a:path path="circle">
+            <a:fillToRect l="43000" r="43000" b="100000"/>
+          </a:path>
+        </a:gradFill>
+        <a:effectLst/>
+      </p:bgPr>
+    </p:bg>
     <p:spTree>
       <p:nvGrpSpPr>
         <p:cNvPr id="1" name=""/>
@@ -4060,6 +4086,225 @@
       </p:grpSpPr>
       <p:sp>
         <p:nvSpPr>
+          <p:cNvPr id="11" name="Rectangle 10">
+            <a:extLst>
+              <a:ext uri="{FF2B5EF4-FFF2-40B4-BE49-F238E27FC236}">
+                <a16:creationId xmlns:a16="http://schemas.microsoft.com/office/drawing/2014/main" id="{0CABCAE3-64FC-4149-819F-2C1812824154}"/>
+              </a:ext>
+              <a:ext uri="{C183D7F6-B498-43B3-948B-1728B52AA6E4}">
+                <adec:decorative xmlns:adec="http://schemas.microsoft.com/office/drawing/2017/decorative" val="1"/>
+              </a:ext>
+            </a:extLst>
+          </p:cNvPr>
+          <p:cNvSpPr>
+            <a:spLocks noGrp="1" noRot="1" noChangeAspect="1" noMove="1" noResize="1" noEditPoints="1" noAdjustHandles="1" noChangeArrowheads="1" noChangeShapeType="1" noTextEdit="1"/>
+          </p:cNvSpPr>
+          <p:nvPr>
+            <p:extLst>
+              <p:ext uri="{386F3935-93C4-4BCD-93E2-E3B085C9AB24}">
+                <p16:designElem xmlns:p16="http://schemas.microsoft.com/office/powerpoint/2015/main" val="1"/>
+              </p:ext>
+            </p:extLst>
+          </p:nvPr>
+        </p:nvSpPr>
+        <p:spPr>
+          <a:xfrm>
+            <a:off x="0" y="2019476"/>
+            <a:ext cx="12192000" cy="4105941"/>
+          </a:xfrm>
+          <a:prstGeom prst="rect">
+            <a:avLst/>
+          </a:prstGeom>
+          <a:gradFill flip="none" rotWithShape="1">
+            <a:gsLst>
+              <a:gs pos="0">
+                <a:schemeClr val="bg2">
+                  <a:alpha val="0"/>
+                </a:schemeClr>
+              </a:gs>
+              <a:gs pos="100000">
+                <a:schemeClr val="bg2"/>
+              </a:gs>
+            </a:gsLst>
+            <a:lin ang="5400000" scaled="0"/>
+            <a:tileRect/>
+          </a:gradFill>
+          <a:ln>
+            <a:noFill/>
+          </a:ln>
+        </p:spPr>
+        <p:style>
+          <a:lnRef idx="2">
+            <a:schemeClr val="accent1">
+              <a:shade val="50000"/>
+            </a:schemeClr>
+          </a:lnRef>
+          <a:fillRef idx="1">
+            <a:schemeClr val="accent1"/>
+          </a:fillRef>
+          <a:effectRef idx="0">
+            <a:schemeClr val="accent1"/>
+          </a:effectRef>
+          <a:fontRef idx="minor">
+            <a:schemeClr val="lt1"/>
+          </a:fontRef>
+        </p:style>
+        <p:txBody>
+          <a:bodyPr/>
+          <a:lstStyle/>
+          <a:p>
+            <a:endParaRPr lang="en-SG"/>
+          </a:p>
+        </p:txBody>
+      </p:sp>
+      <p:pic>
+        <p:nvPicPr>
+          <p:cNvPr id="13" name="Picture 12">
+            <a:extLst>
+              <a:ext uri="{FF2B5EF4-FFF2-40B4-BE49-F238E27FC236}">
+                <a16:creationId xmlns:a16="http://schemas.microsoft.com/office/drawing/2014/main" id="{012FDCFE-9AD2-4D8A-8CBF-B3AA37EBF6DD}"/>
+              </a:ext>
+              <a:ext uri="{C183D7F6-B498-43B3-948B-1728B52AA6E4}">
+                <adec:decorative xmlns:adec="http://schemas.microsoft.com/office/drawing/2017/decorative" val="1"/>
+              </a:ext>
+            </a:extLst>
+          </p:cNvPr>
+          <p:cNvPicPr>
+            <a:picLocks noGrp="1" noRot="1" noChangeAspect="1" noMove="1" noResize="1" noEditPoints="1" noAdjustHandles="1" noChangeArrowheads="1" noChangeShapeType="1" noCrop="1"/>
+          </p:cNvPicPr>
+          <p:nvPr>
+            <p:extLst>
+              <p:ext uri="{386F3935-93C4-4BCD-93E2-E3B085C9AB24}">
+                <p16:designElem xmlns:p16="http://schemas.microsoft.com/office/powerpoint/2015/main" val="1"/>
+              </p:ext>
+            </p:extLst>
+          </p:nvPr>
+        </p:nvPicPr>
+        <p:blipFill rotWithShape="1">
+          <a:blip r:embed="rId2">
+            <a:extLst>
+              <a:ext uri="{28A0092B-C50C-407E-A947-70E740481C1C}">
+                <a14:useLocalDpi xmlns:a14="http://schemas.microsoft.com/office/drawing/2010/main" val="0"/>
+              </a:ext>
+            </a:extLst>
+          </a:blip>
+          <a:srcRect t="1538" b="-1538"/>
+          <a:stretch/>
+        </p:blipFill>
+        <p:spPr bwMode="black">
+          <a:xfrm>
+            <a:off x="0" y="6126480"/>
+            <a:ext cx="12192000" cy="742950"/>
+          </a:xfrm>
+          <a:prstGeom prst="rect">
+            <a:avLst/>
+          </a:prstGeom>
+        </p:spPr>
+      </p:pic>
+      <p:cxnSp>
+        <p:nvCxnSpPr>
+          <p:cNvPr id="15" name="Straight Connector 14">
+            <a:extLst>
+              <a:ext uri="{FF2B5EF4-FFF2-40B4-BE49-F238E27FC236}">
+                <a16:creationId xmlns:a16="http://schemas.microsoft.com/office/drawing/2014/main" id="{FBD463FC-4CA8-4FF4-85A3-AF9F4B98D210}"/>
+              </a:ext>
+              <a:ext uri="{C183D7F6-B498-43B3-948B-1728B52AA6E4}">
+                <adec:decorative xmlns:adec="http://schemas.microsoft.com/office/drawing/2017/decorative" val="1"/>
+              </a:ext>
+            </a:extLst>
+          </p:cNvPr>
+          <p:cNvCxnSpPr>
+            <a:cxnSpLocks noGrp="1" noRot="1" noChangeAspect="1" noMove="1" noResize="1" noEditPoints="1" noAdjustHandles="1" noChangeArrowheads="1" noChangeShapeType="1"/>
+          </p:cNvCxnSpPr>
+          <p:nvPr>
+            <p:extLst>
+              <p:ext uri="{386F3935-93C4-4BCD-93E2-E3B085C9AB24}">
+                <p16:designElem xmlns:p16="http://schemas.microsoft.com/office/powerpoint/2015/main" val="1"/>
+              </p:ext>
+            </p:extLst>
+          </p:nvPr>
+        </p:nvCxnSpPr>
+        <p:spPr>
+          <a:xfrm>
+            <a:off x="0" y="6128413"/>
+            <a:ext cx="12192000" cy="0"/>
+          </a:xfrm>
+          <a:prstGeom prst="line">
+            <a:avLst/>
+          </a:prstGeom>
+          <a:ln w="12700">
+            <a:solidFill>
+              <a:srgbClr val="000001">
+                <a:alpha val="20000"/>
+              </a:srgbClr>
+            </a:solidFill>
+          </a:ln>
+        </p:spPr>
+        <p:style>
+          <a:lnRef idx="1">
+            <a:schemeClr val="accent1"/>
+          </a:lnRef>
+          <a:fillRef idx="0">
+            <a:schemeClr val="accent1"/>
+          </a:fillRef>
+          <a:effectRef idx="0">
+            <a:schemeClr val="accent1"/>
+          </a:effectRef>
+          <a:fontRef idx="minor">
+            <a:schemeClr val="tx1"/>
+          </a:fontRef>
+        </p:style>
+      </p:cxnSp>
+      <p:cxnSp>
+        <p:nvCxnSpPr>
+          <p:cNvPr id="17" name="Straight Connector 16">
+            <a:extLst>
+              <a:ext uri="{FF2B5EF4-FFF2-40B4-BE49-F238E27FC236}">
+                <a16:creationId xmlns:a16="http://schemas.microsoft.com/office/drawing/2014/main" id="{A56012FD-74A8-4C91-B318-435CF2B71927}"/>
+              </a:ext>
+              <a:ext uri="{C183D7F6-B498-43B3-948B-1728B52AA6E4}">
+                <adec:decorative xmlns:adec="http://schemas.microsoft.com/office/drawing/2017/decorative" val="1"/>
+              </a:ext>
+            </a:extLst>
+          </p:cNvPr>
+          <p:cNvCxnSpPr>
+            <a:cxnSpLocks noGrp="1" noRot="1" noChangeAspect="1" noMove="1" noResize="1" noEditPoints="1" noAdjustHandles="1" noChangeArrowheads="1" noChangeShapeType="1"/>
+          </p:cNvCxnSpPr>
+          <p:nvPr>
+            <p:extLst>
+              <p:ext uri="{386F3935-93C4-4BCD-93E2-E3B085C9AB24}">
+                <p16:designElem xmlns:p16="http://schemas.microsoft.com/office/powerpoint/2015/main" val="1"/>
+              </p:ext>
+            </p:extLst>
+          </p:nvPr>
+        </p:nvCxnSpPr>
+        <p:spPr>
+          <a:xfrm>
+            <a:off x="1453896" y="1847088"/>
+            <a:ext cx="9607522" cy="0"/>
+          </a:xfrm>
+          <a:prstGeom prst="line">
+            <a:avLst/>
+          </a:prstGeom>
+          <a:ln w="31750"/>
+        </p:spPr>
+        <p:style>
+          <a:lnRef idx="3">
+            <a:schemeClr val="accent1"/>
+          </a:lnRef>
+          <a:fillRef idx="0">
+            <a:schemeClr val="accent1"/>
+          </a:fillRef>
+          <a:effectRef idx="2">
+            <a:schemeClr val="accent1"/>
+          </a:effectRef>
+          <a:fontRef idx="minor">
+            <a:schemeClr val="tx1"/>
+          </a:fontRef>
+        </p:style>
+      </p:cxnSp>
+      <p:sp>
+        <p:nvSpPr>
           <p:cNvPr id="2" name="Title 1">
             <a:extLst>
               <a:ext uri="{FF2B5EF4-FFF2-40B4-BE49-F238E27FC236}">
@@ -4074,25 +4319,74 @@
             <p:ph type="title"/>
           </p:nvPr>
         </p:nvSpPr>
-        <p:spPr/>
-        <p:txBody>
-          <a:bodyPr/>
-          <a:lstStyle/>
-          <a:p>
-            <a:r>
-              <a:rPr lang="en-US" b="1" i="0">
-                <a:solidFill>
-                  <a:srgbClr val="0D0D0D"/>
-                </a:solidFill>
-                <a:effectLst/>
-                <a:latin typeface="Söhne"/>
-              </a:rPr>
+        <p:spPr>
+          <a:xfrm>
+            <a:off x="1451579" y="804519"/>
+            <a:ext cx="9603275" cy="1049235"/>
+          </a:xfrm>
+        </p:spPr>
+        <p:txBody>
+          <a:bodyPr vert="horz" lIns="91440" tIns="45720" rIns="91440" bIns="45720" rtlCol="0" anchor="t">
+            <a:normAutofit/>
+          </a:bodyPr>
+          <a:lstStyle/>
+          <a:p>
+            <a:r>
+              <a:rPr lang="en-US" dirty="0"/>
               <a:t>BUILDING DOCKER IMAGE For OUR Python APP</a:t>
             </a:r>
-            <a:endParaRPr lang="en-SG" dirty="0">
-              <a:latin typeface="Arial" panose="020B0604020202020204" pitchFamily="34" charset="0"/>
-              <a:cs typeface="Arial" panose="020B0604020202020204" pitchFamily="34" charset="0"/>
-            </a:endParaRPr>
+          </a:p>
+        </p:txBody>
+      </p:sp>
+      <p:sp>
+        <p:nvSpPr>
+          <p:cNvPr id="5" name="Slide Number Placeholder 4">
+            <a:extLst>
+              <a:ext uri="{FF2B5EF4-FFF2-40B4-BE49-F238E27FC236}">
+                <a16:creationId xmlns:a16="http://schemas.microsoft.com/office/drawing/2014/main" id="{38F98672-66A5-3449-896E-4A10CC1775BE}"/>
+              </a:ext>
+            </a:extLst>
+          </p:cNvPr>
+          <p:cNvSpPr>
+            <a:spLocks noGrp="1"/>
+          </p:cNvSpPr>
+          <p:nvPr>
+            <p:ph type="sldNum" sz="quarter" idx="12"/>
+          </p:nvPr>
+        </p:nvSpPr>
+        <p:spPr>
+          <a:xfrm>
+            <a:off x="480060" y="798973"/>
+            <a:ext cx="811019" cy="503578"/>
+          </a:xfrm>
+        </p:spPr>
+        <p:txBody>
+          <a:bodyPr vert="horz" lIns="91440" tIns="45720" rIns="91440" bIns="45720" rtlCol="0" anchor="t">
+            <a:normAutofit/>
+          </a:bodyPr>
+          <a:lstStyle/>
+          <a:p>
+            <a:pPr>
+              <a:lnSpc>
+                <a:spcPct val="90000"/>
+              </a:lnSpc>
+              <a:spcAft>
+                <a:spcPts val="600"/>
+              </a:spcAft>
+            </a:pPr>
+            <a:fld id="{6D22F896-40B5-4ADD-8801-0D06FADFA095}" type="slidenum">
+              <a:rPr lang="en-US" smtClean="0"/>
+              <a:pPr>
+                <a:lnSpc>
+                  <a:spcPct val="90000"/>
+                </a:lnSpc>
+                <a:spcAft>
+                  <a:spcPts val="600"/>
+                </a:spcAft>
+              </a:pPr>
+              <a:t>10</a:t>
+            </a:fld>
+            <a:endParaRPr lang="en-US"/>
           </a:p>
         </p:txBody>
       </p:sp>
@@ -4114,37 +4408,32 @@
         </p:nvSpPr>
         <p:spPr>
           <a:xfrm>
-            <a:off x="1449216" y="2010877"/>
-            <a:ext cx="6227725" cy="3844491"/>
+            <a:off x="1451579" y="2015734"/>
+            <a:ext cx="6195784" cy="3450613"/>
           </a:xfrm>
         </p:spPr>
         <p:txBody>
-          <a:bodyPr>
+          <a:bodyPr vert="horz" lIns="91440" tIns="45720" rIns="91440" bIns="45720" rtlCol="0" anchor="t">
             <a:normAutofit/>
           </a:bodyPr>
           <a:lstStyle/>
           <a:p>
-            <a:r>
-              <a:rPr lang="en-US" sz="1600" dirty="0">
-                <a:solidFill>
-                  <a:srgbClr val="374151"/>
-                </a:solidFill>
-                <a:latin typeface="Söhne"/>
-              </a:rPr>
-              <a:t>When you R</a:t>
-            </a:r>
-            <a:r>
-              <a:rPr lang="en-US" sz="1600" b="0" i="0" dirty="0">
-                <a:solidFill>
-                  <a:srgbClr val="374151"/>
-                </a:solidFill>
-                <a:effectLst/>
-                <a:latin typeface="Söhne"/>
-              </a:rPr>
-              <a:t>un Dockerfile from </a:t>
-            </a:r>
-            <a:r>
-              <a:rPr lang="en-US" sz="1600" dirty="0" err="1">
+            <a:pPr>
+              <a:lnSpc>
+                <a:spcPct val="110000"/>
+              </a:lnSpc>
+            </a:pPr>
+            <a:r>
+              <a:rPr lang="en-US" sz="1500" dirty="0">
+                <a:solidFill>
+                  <a:srgbClr val="374151"/>
+                </a:solidFill>
+                <a:latin typeface="Söhne"/>
+              </a:rPr>
+              <a:t>How to run docker file from </a:t>
+            </a:r>
+            <a:r>
+              <a:rPr lang="en-US" sz="1500" dirty="0" err="1">
                 <a:solidFill>
                   <a:srgbClr val="374151"/>
                 </a:solidFill>
@@ -4153,155 +4442,202 @@
               <a:t>cmd</a:t>
             </a:r>
             <a:r>
-              <a:rPr lang="en-US" sz="1600" b="0" i="0" dirty="0">
-                <a:solidFill>
-                  <a:srgbClr val="374151"/>
-                </a:solidFill>
-                <a:effectLst/>
+              <a:rPr lang="en-US" sz="1500" dirty="0">
+                <a:solidFill>
+                  <a:srgbClr val="374151"/>
+                </a:solidFill>
+                <a:latin typeface="Söhne"/>
+              </a:rPr>
+              <a:t> prompt</a:t>
+            </a:r>
+          </a:p>
+          <a:p>
+            <a:pPr lvl="1">
+              <a:lnSpc>
+                <a:spcPct val="110000"/>
+              </a:lnSpc>
+            </a:pPr>
+            <a:r>
+              <a:rPr lang="en-US" sz="1300" dirty="0">
+                <a:solidFill>
+                  <a:srgbClr val="374151"/>
+                </a:solidFill>
+                <a:latin typeface="Söhne"/>
+              </a:rPr>
+              <a:t>Syntax: docker build -t &lt;</a:t>
+            </a:r>
+            <a:r>
+              <a:rPr lang="en-US" sz="1300" dirty="0" err="1">
+                <a:solidFill>
+                  <a:srgbClr val="374151"/>
+                </a:solidFill>
+                <a:latin typeface="Söhne"/>
+              </a:rPr>
+              <a:t>image_name</a:t>
+            </a:r>
+            <a:r>
+              <a:rPr lang="en-US" sz="1300" dirty="0">
+                <a:solidFill>
+                  <a:srgbClr val="374151"/>
+                </a:solidFill>
+                <a:latin typeface="Söhne"/>
+              </a:rPr>
+              <a:t>&gt; &lt;</a:t>
+            </a:r>
+            <a:r>
+              <a:rPr lang="en-US" sz="1300" dirty="0" err="1">
+                <a:solidFill>
+                  <a:srgbClr val="374151"/>
+                </a:solidFill>
+                <a:latin typeface="Söhne"/>
+              </a:rPr>
+              <a:t>path_to_Dockerfile</a:t>
+            </a:r>
+            <a:r>
+              <a:rPr lang="en-US" sz="1300" dirty="0">
+                <a:solidFill>
+                  <a:srgbClr val="374151"/>
+                </a:solidFill>
+                <a:latin typeface="Söhne"/>
+              </a:rPr>
+              <a:t>&gt;</a:t>
+            </a:r>
+          </a:p>
+          <a:p>
+            <a:pPr lvl="1">
+              <a:lnSpc>
+                <a:spcPct val="110000"/>
+              </a:lnSpc>
+            </a:pPr>
+            <a:r>
+              <a:rPr lang="en-US" sz="1300" dirty="0">
+                <a:solidFill>
+                  <a:srgbClr val="374151"/>
+                </a:solidFill>
+                <a:latin typeface="Söhne"/>
+              </a:rPr>
+              <a:t>Ex. docker build -t </a:t>
+            </a:r>
+            <a:r>
+              <a:rPr lang="en-US" sz="1300" dirty="0" err="1">
+                <a:solidFill>
+                  <a:srgbClr val="374151"/>
+                </a:solidFill>
+                <a:latin typeface="Söhne"/>
+              </a:rPr>
+              <a:t>my_app</a:t>
+            </a:r>
+            <a:r>
+              <a:rPr lang="en-US" sz="1300" dirty="0">
+                <a:solidFill>
+                  <a:srgbClr val="374151"/>
+                </a:solidFill>
+                <a:latin typeface="Söhne"/>
+              </a:rPr>
+              <a:t> . </a:t>
+            </a:r>
+          </a:p>
+          <a:p>
+            <a:pPr>
+              <a:lnSpc>
+                <a:spcPct val="110000"/>
+              </a:lnSpc>
+            </a:pPr>
+            <a:r>
+              <a:rPr lang="en-US" sz="1500" dirty="0">
+                <a:solidFill>
+                  <a:srgbClr val="374151"/>
+                </a:solidFill>
+                <a:latin typeface="Söhne"/>
+              </a:rPr>
+              <a:t>When you Run </a:t>
+            </a:r>
+            <a:r>
+              <a:rPr lang="en-US" sz="1500" dirty="0" err="1">
+                <a:solidFill>
+                  <a:srgbClr val="374151"/>
+                </a:solidFill>
+                <a:latin typeface="Söhne"/>
+              </a:rPr>
+              <a:t>Dockerfile</a:t>
+            </a:r>
+            <a:r>
+              <a:rPr lang="en-US" sz="1500" dirty="0">
+                <a:solidFill>
+                  <a:srgbClr val="374151"/>
+                </a:solidFill>
+                <a:latin typeface="Söhne"/>
+              </a:rPr>
+              <a:t> from </a:t>
+            </a:r>
+            <a:r>
+              <a:rPr lang="en-US" sz="1500" dirty="0" err="1">
+                <a:solidFill>
+                  <a:srgbClr val="374151"/>
+                </a:solidFill>
+                <a:latin typeface="Söhne"/>
+              </a:rPr>
+              <a:t>cmd</a:t>
+            </a:r>
+            <a:r>
+              <a:rPr lang="en-US" sz="1500" dirty="0">
+                <a:solidFill>
+                  <a:srgbClr val="374151"/>
+                </a:solidFill>
                 <a:latin typeface="Söhne"/>
               </a:rPr>
               <a:t> prompt using ‘docker build’ command </a:t>
             </a:r>
           </a:p>
           <a:p>
-            <a:pPr lvl="1"/>
-            <a:r>
-              <a:rPr lang="en-US" sz="1600" b="0" i="0" dirty="0">
-                <a:solidFill>
-                  <a:srgbClr val="374151"/>
-                </a:solidFill>
-                <a:effectLst/>
+            <a:pPr lvl="1">
+              <a:lnSpc>
+                <a:spcPct val="110000"/>
+              </a:lnSpc>
+            </a:pPr>
+            <a:r>
+              <a:rPr lang="en-US" sz="1500" dirty="0">
+                <a:solidFill>
+                  <a:srgbClr val="374151"/>
+                </a:solidFill>
                 <a:latin typeface="Söhne"/>
               </a:rPr>
               <a:t>Docker automatically fetches the specified Python image from Docker Hub for our application.</a:t>
             </a:r>
           </a:p>
           <a:p>
-            <a:pPr lvl="1"/>
-            <a:r>
-              <a:rPr lang="en-US" sz="1600" b="0" i="0" dirty="0">
-                <a:solidFill>
-                  <a:srgbClr val="374151"/>
-                </a:solidFill>
-                <a:effectLst/>
-                <a:latin typeface="Söhne"/>
-              </a:rPr>
-              <a:t>Docker ensures that dependencies listed in the Dockerfile are installed within the container during the build process to avoid dependency conflict and creates docker image.</a:t>
-            </a:r>
-          </a:p>
-          <a:p>
-            <a:r>
-              <a:rPr lang="en-US" sz="1600" b="0" i="0" dirty="0">
-                <a:solidFill>
-                  <a:srgbClr val="374151"/>
-                </a:solidFill>
-                <a:effectLst/>
-                <a:latin typeface="Söhne"/>
-              </a:rPr>
-              <a:t>Syntax: docker build -t &lt;</a:t>
-            </a:r>
-            <a:r>
-              <a:rPr lang="en-US" sz="1600" b="0" i="0" dirty="0" err="1">
-                <a:solidFill>
-                  <a:srgbClr val="374151"/>
-                </a:solidFill>
-                <a:effectLst/>
-                <a:latin typeface="Söhne"/>
-              </a:rPr>
-              <a:t>image_name</a:t>
-            </a:r>
-            <a:r>
-              <a:rPr lang="en-US" sz="1600" b="0" i="0" dirty="0">
-                <a:solidFill>
-                  <a:srgbClr val="374151"/>
-                </a:solidFill>
-                <a:effectLst/>
-                <a:latin typeface="Söhne"/>
-              </a:rPr>
-              <a:t>&gt; &lt;</a:t>
-            </a:r>
-            <a:r>
-              <a:rPr lang="en-US" sz="1600" b="0" i="0" dirty="0" err="1">
-                <a:solidFill>
-                  <a:srgbClr val="374151"/>
-                </a:solidFill>
-                <a:effectLst/>
-                <a:latin typeface="Söhne"/>
-              </a:rPr>
-              <a:t>path_to_Dockerfile</a:t>
-            </a:r>
-            <a:r>
-              <a:rPr lang="en-US" sz="1600" b="0" i="0" dirty="0">
-                <a:solidFill>
-                  <a:srgbClr val="374151"/>
-                </a:solidFill>
-                <a:effectLst/>
-                <a:latin typeface="Söhne"/>
-              </a:rPr>
-              <a:t>&gt;</a:t>
-            </a:r>
-          </a:p>
-          <a:p>
-            <a:pPr lvl="1"/>
-            <a:r>
-              <a:rPr lang="en-US" sz="1600" b="0" i="0" dirty="0">
-                <a:solidFill>
-                  <a:srgbClr val="374151"/>
-                </a:solidFill>
-                <a:effectLst/>
-                <a:latin typeface="Söhne"/>
-              </a:rPr>
-              <a:t>Ex. docker build -t </a:t>
-            </a:r>
-            <a:r>
-              <a:rPr lang="en-US" sz="1600" b="0" i="0" dirty="0" err="1">
-                <a:solidFill>
-                  <a:srgbClr val="374151"/>
-                </a:solidFill>
-                <a:effectLst/>
-                <a:latin typeface="Söhne"/>
-              </a:rPr>
-              <a:t>my_app</a:t>
-            </a:r>
-            <a:r>
-              <a:rPr lang="en-US" sz="1600" b="0" i="0" dirty="0">
-                <a:solidFill>
-                  <a:srgbClr val="374151"/>
-                </a:solidFill>
-                <a:effectLst/>
-                <a:latin typeface="Söhne"/>
-              </a:rPr>
-              <a:t> . </a:t>
-            </a:r>
-          </a:p>
-        </p:txBody>
-      </p:sp>
-      <p:sp>
-        <p:nvSpPr>
-          <p:cNvPr id="5" name="Slide Number Placeholder 4">
-            <a:extLst>
-              <a:ext uri="{FF2B5EF4-FFF2-40B4-BE49-F238E27FC236}">
-                <a16:creationId xmlns:a16="http://schemas.microsoft.com/office/drawing/2014/main" id="{38F98672-66A5-3449-896E-4A10CC1775BE}"/>
-              </a:ext>
-            </a:extLst>
-          </p:cNvPr>
-          <p:cNvSpPr>
-            <a:spLocks noGrp="1"/>
-          </p:cNvSpPr>
-          <p:nvPr>
-            <p:ph type="sldNum" sz="quarter" idx="12"/>
-          </p:nvPr>
-        </p:nvSpPr>
-        <p:spPr/>
-        <p:txBody>
-          <a:bodyPr/>
-          <a:lstStyle/>
-          <a:p>
-            <a:fld id="{6D22F896-40B5-4ADD-8801-0D06FADFA095}" type="slidenum">
-              <a:rPr lang="en-US" smtClean="0"/>
-              <a:t>10</a:t>
-            </a:fld>
-            <a:endParaRPr lang="en-US" dirty="0"/>
+            <a:pPr lvl="1">
+              <a:lnSpc>
+                <a:spcPct val="110000"/>
+              </a:lnSpc>
+            </a:pPr>
+            <a:r>
+              <a:rPr lang="en-US" sz="1500" dirty="0">
+                <a:solidFill>
+                  <a:srgbClr val="374151"/>
+                </a:solidFill>
+                <a:latin typeface="Söhne"/>
+              </a:rPr>
+              <a:t>Docker ensures that dependencies listed in the </a:t>
+            </a:r>
+            <a:r>
+              <a:rPr lang="en-US" sz="1500" dirty="0" err="1">
+                <a:solidFill>
+                  <a:srgbClr val="374151"/>
+                </a:solidFill>
+                <a:latin typeface="Söhne"/>
+              </a:rPr>
+              <a:t>Dockerfile</a:t>
+            </a:r>
+            <a:r>
+              <a:rPr lang="en-US" sz="1500" dirty="0">
+                <a:solidFill>
+                  <a:srgbClr val="374151"/>
+                </a:solidFill>
+                <a:latin typeface="Söhne"/>
+              </a:rPr>
+              <a:t> are installed within the container during the build process to avoid dependency conflict and creates docker image.</a:t>
+            </a:r>
           </a:p>
         </p:txBody>
       </p:sp>
@@ -4322,16 +4658,19 @@
           </p:nvPr>
         </p:nvPicPr>
         <p:blipFill>
-          <a:blip r:embed="rId2"/>
+          <a:blip r:embed="rId3"/>
           <a:stretch>
             <a:fillRect/>
           </a:stretch>
         </p:blipFill>
         <p:spPr>
           <a:xfrm>
-            <a:off x="7503342" y="2353455"/>
-            <a:ext cx="3855829" cy="2425667"/>
+            <a:off x="8128756" y="2820650"/>
+            <a:ext cx="2926098" cy="1840781"/>
           </a:xfrm>
+          <a:prstGeom prst="rect">
+            <a:avLst/>
+          </a:prstGeom>
         </p:spPr>
       </p:pic>
     </p:spTree>
@@ -6139,7 +6478,40 @@
                 <a:effectLst/>
                 <a:latin typeface="Söhne"/>
               </a:rPr>
-              <a:t>requests passed to Docker Engine by Docker Client, such as 'docker run' or 'docker build', are then handled by Docker Daemon, which runs in the background and manages the actual execution and management of containers..</a:t>
+              <a:t>requests passed to Docker Engine by Docker Client, such as 'docker run' or 'docker build', </a:t>
+            </a:r>
+            <a:r>
+              <a:rPr lang="en-US" sz="1600" b="0" i="0">
+                <a:solidFill>
+                  <a:srgbClr val="374151"/>
+                </a:solidFill>
+                <a:effectLst/>
+                <a:latin typeface="Söhne"/>
+              </a:rPr>
+              <a:t>are handled </a:t>
+            </a:r>
+            <a:r>
+              <a:rPr lang="en-US" sz="1600" b="0" i="0" dirty="0">
+                <a:solidFill>
+                  <a:srgbClr val="374151"/>
+                </a:solidFill>
+                <a:effectLst/>
+                <a:latin typeface="Söhne"/>
+              </a:rPr>
+              <a:t>by Docker Daemon</a:t>
+            </a:r>
+          </a:p>
+          <a:p>
+            <a:pPr lvl="1"/>
+            <a:r>
+              <a:rPr lang="en-US" sz="1600" b="0" i="0" dirty="0">
+                <a:solidFill>
+                  <a:srgbClr val="374151"/>
+                </a:solidFill>
+                <a:effectLst/>
+                <a:latin typeface="Söhne"/>
+              </a:rPr>
+              <a:t>Docker demon which runs in the background and manages the actual execution and management of containers</a:t>
             </a:r>
           </a:p>
           <a:p>
@@ -6248,6 +6620,30 @@
 <file path=ppt/slides/slide18.xml><?xml version="1.0" encoding="utf-8"?>
 <p:sld xmlns:a="http://schemas.openxmlformats.org/drawingml/2006/main" xmlns:r="http://schemas.openxmlformats.org/officeDocument/2006/relationships" xmlns:p="http://schemas.openxmlformats.org/presentationml/2006/main">
   <p:cSld>
+    <p:bg>
+      <p:bgPr>
+        <a:gradFill rotWithShape="1">
+          <a:gsLst>
+            <a:gs pos="0">
+              <a:schemeClr val="bg2">
+                <a:tint val="94000"/>
+                <a:satMod val="80000"/>
+                <a:lumMod val="106000"/>
+              </a:schemeClr>
+            </a:gs>
+            <a:gs pos="100000">
+              <a:schemeClr val="bg2">
+                <a:shade val="80000"/>
+              </a:schemeClr>
+            </a:gs>
+          </a:gsLst>
+          <a:path path="circle">
+            <a:fillToRect l="43000" r="43000" b="100000"/>
+          </a:path>
+        </a:gradFill>
+        <a:effectLst/>
+      </p:bgPr>
+    </p:bg>
     <p:spTree>
       <p:nvGrpSpPr>
         <p:cNvPr id="1" name=""/>
@@ -6264,6 +6660,932 @@
       </p:grpSpPr>
       <p:sp>
         <p:nvSpPr>
+          <p:cNvPr id="3083" name="Rectangle 3082">
+            <a:extLst>
+              <a:ext uri="{FF2B5EF4-FFF2-40B4-BE49-F238E27FC236}">
+                <a16:creationId xmlns:a16="http://schemas.microsoft.com/office/drawing/2014/main" id="{0CABCAE3-64FC-4149-819F-2C1812824154}"/>
+              </a:ext>
+              <a:ext uri="{C183D7F6-B498-43B3-948B-1728B52AA6E4}">
+                <adec:decorative xmlns:adec="http://schemas.microsoft.com/office/drawing/2017/decorative" val="1"/>
+              </a:ext>
+            </a:extLst>
+          </p:cNvPr>
+          <p:cNvSpPr>
+            <a:spLocks noGrp="1" noRot="1" noChangeAspect="1" noMove="1" noResize="1" noEditPoints="1" noAdjustHandles="1" noChangeArrowheads="1" noChangeShapeType="1" noTextEdit="1"/>
+          </p:cNvSpPr>
+          <p:nvPr>
+            <p:extLst>
+              <p:ext uri="{386F3935-93C4-4BCD-93E2-E3B085C9AB24}">
+                <p16:designElem xmlns:p16="http://schemas.microsoft.com/office/powerpoint/2015/main" val="1"/>
+              </p:ext>
+            </p:extLst>
+          </p:nvPr>
+        </p:nvSpPr>
+        <p:spPr>
+          <a:xfrm>
+            <a:off x="0" y="2019476"/>
+            <a:ext cx="12192000" cy="4105941"/>
+          </a:xfrm>
+          <a:prstGeom prst="rect">
+            <a:avLst/>
+          </a:prstGeom>
+          <a:gradFill flip="none" rotWithShape="1">
+            <a:gsLst>
+              <a:gs pos="0">
+                <a:schemeClr val="bg2">
+                  <a:alpha val="0"/>
+                </a:schemeClr>
+              </a:gs>
+              <a:gs pos="100000">
+                <a:schemeClr val="bg2"/>
+              </a:gs>
+            </a:gsLst>
+            <a:lin ang="5400000" scaled="0"/>
+            <a:tileRect/>
+          </a:gradFill>
+          <a:ln>
+            <a:noFill/>
+          </a:ln>
+        </p:spPr>
+        <p:style>
+          <a:lnRef idx="2">
+            <a:schemeClr val="accent1">
+              <a:shade val="50000"/>
+            </a:schemeClr>
+          </a:lnRef>
+          <a:fillRef idx="1">
+            <a:schemeClr val="accent1"/>
+          </a:fillRef>
+          <a:effectRef idx="0">
+            <a:schemeClr val="accent1"/>
+          </a:effectRef>
+          <a:fontRef idx="minor">
+            <a:schemeClr val="lt1"/>
+          </a:fontRef>
+        </p:style>
+        <p:txBody>
+          <a:bodyPr/>
+          <a:lstStyle/>
+          <a:p>
+            <a:endParaRPr lang="en-SG"/>
+          </a:p>
+        </p:txBody>
+      </p:sp>
+      <p:pic>
+        <p:nvPicPr>
+          <p:cNvPr id="3085" name="Picture 3084">
+            <a:extLst>
+              <a:ext uri="{FF2B5EF4-FFF2-40B4-BE49-F238E27FC236}">
+                <a16:creationId xmlns:a16="http://schemas.microsoft.com/office/drawing/2014/main" id="{012FDCFE-9AD2-4D8A-8CBF-B3AA37EBF6DD}"/>
+              </a:ext>
+              <a:ext uri="{C183D7F6-B498-43B3-948B-1728B52AA6E4}">
+                <adec:decorative xmlns:adec="http://schemas.microsoft.com/office/drawing/2017/decorative" val="1"/>
+              </a:ext>
+            </a:extLst>
+          </p:cNvPr>
+          <p:cNvPicPr>
+            <a:picLocks noGrp="1" noRot="1" noChangeAspect="1" noMove="1" noResize="1" noEditPoints="1" noAdjustHandles="1" noChangeArrowheads="1" noChangeShapeType="1" noCrop="1"/>
+          </p:cNvPicPr>
+          <p:nvPr>
+            <p:extLst>
+              <p:ext uri="{386F3935-93C4-4BCD-93E2-E3B085C9AB24}">
+                <p16:designElem xmlns:p16="http://schemas.microsoft.com/office/powerpoint/2015/main" val="1"/>
+              </p:ext>
+            </p:extLst>
+          </p:nvPr>
+        </p:nvPicPr>
+        <p:blipFill rotWithShape="1">
+          <a:blip r:embed="rId2">
+            <a:extLst>
+              <a:ext uri="{28A0092B-C50C-407E-A947-70E740481C1C}">
+                <a14:useLocalDpi xmlns:a14="http://schemas.microsoft.com/office/drawing/2010/main" val="0"/>
+              </a:ext>
+            </a:extLst>
+          </a:blip>
+          <a:srcRect t="1538" b="-1538"/>
+          <a:stretch/>
+        </p:blipFill>
+        <p:spPr bwMode="black">
+          <a:xfrm>
+            <a:off x="0" y="6126480"/>
+            <a:ext cx="12192000" cy="742950"/>
+          </a:xfrm>
+          <a:prstGeom prst="rect">
+            <a:avLst/>
+          </a:prstGeom>
+        </p:spPr>
+      </p:pic>
+      <p:cxnSp>
+        <p:nvCxnSpPr>
+          <p:cNvPr id="3087" name="Straight Connector 3086">
+            <a:extLst>
+              <a:ext uri="{FF2B5EF4-FFF2-40B4-BE49-F238E27FC236}">
+                <a16:creationId xmlns:a16="http://schemas.microsoft.com/office/drawing/2014/main" id="{FBD463FC-4CA8-4FF4-85A3-AF9F4B98D210}"/>
+              </a:ext>
+              <a:ext uri="{C183D7F6-B498-43B3-948B-1728B52AA6E4}">
+                <adec:decorative xmlns:adec="http://schemas.microsoft.com/office/drawing/2017/decorative" val="1"/>
+              </a:ext>
+            </a:extLst>
+          </p:cNvPr>
+          <p:cNvCxnSpPr>
+            <a:cxnSpLocks noGrp="1" noRot="1" noChangeAspect="1" noMove="1" noResize="1" noEditPoints="1" noAdjustHandles="1" noChangeArrowheads="1" noChangeShapeType="1"/>
+          </p:cNvCxnSpPr>
+          <p:nvPr>
+            <p:extLst>
+              <p:ext uri="{386F3935-93C4-4BCD-93E2-E3B085C9AB24}">
+                <p16:designElem xmlns:p16="http://schemas.microsoft.com/office/powerpoint/2015/main" val="1"/>
+              </p:ext>
+            </p:extLst>
+          </p:nvPr>
+        </p:nvCxnSpPr>
+        <p:spPr>
+          <a:xfrm>
+            <a:off x="0" y="6128413"/>
+            <a:ext cx="12192000" cy="0"/>
+          </a:xfrm>
+          <a:prstGeom prst="line">
+            <a:avLst/>
+          </a:prstGeom>
+          <a:ln w="12700">
+            <a:solidFill>
+              <a:srgbClr val="000001">
+                <a:alpha val="20000"/>
+              </a:srgbClr>
+            </a:solidFill>
+          </a:ln>
+        </p:spPr>
+        <p:style>
+          <a:lnRef idx="1">
+            <a:schemeClr val="accent1"/>
+          </a:lnRef>
+          <a:fillRef idx="0">
+            <a:schemeClr val="accent1"/>
+          </a:fillRef>
+          <a:effectRef idx="0">
+            <a:schemeClr val="accent1"/>
+          </a:effectRef>
+          <a:fontRef idx="minor">
+            <a:schemeClr val="tx1"/>
+          </a:fontRef>
+        </p:style>
+      </p:cxnSp>
+      <p:cxnSp>
+        <p:nvCxnSpPr>
+          <p:cNvPr id="3089" name="Straight Connector 3088">
+            <a:extLst>
+              <a:ext uri="{FF2B5EF4-FFF2-40B4-BE49-F238E27FC236}">
+                <a16:creationId xmlns:a16="http://schemas.microsoft.com/office/drawing/2014/main" id="{BECF35C3-8B44-4F4B-BD25-4C01823DB22A}"/>
+              </a:ext>
+              <a:ext uri="{C183D7F6-B498-43B3-948B-1728B52AA6E4}">
+                <adec:decorative xmlns:adec="http://schemas.microsoft.com/office/drawing/2017/decorative" val="1"/>
+              </a:ext>
+            </a:extLst>
+          </p:cNvPr>
+          <p:cNvCxnSpPr>
+            <a:cxnSpLocks noGrp="1" noRot="1" noChangeAspect="1" noMove="1" noResize="1" noEditPoints="1" noAdjustHandles="1" noChangeArrowheads="1" noChangeShapeType="1"/>
+          </p:cNvCxnSpPr>
+          <p:nvPr>
+            <p:extLst>
+              <p:ext uri="{386F3935-93C4-4BCD-93E2-E3B085C9AB24}">
+                <p16:designElem xmlns:p16="http://schemas.microsoft.com/office/powerpoint/2015/main" val="1"/>
+              </p:ext>
+            </p:extLst>
+          </p:nvPr>
+        </p:nvCxnSpPr>
+        <p:spPr>
+          <a:xfrm>
+            <a:off x="2417780" y="3528542"/>
+            <a:ext cx="8637072" cy="0"/>
+          </a:xfrm>
+          <a:prstGeom prst="line">
+            <a:avLst/>
+          </a:prstGeom>
+          <a:ln w="31750"/>
+        </p:spPr>
+        <p:style>
+          <a:lnRef idx="3">
+            <a:schemeClr val="accent1"/>
+          </a:lnRef>
+          <a:fillRef idx="0">
+            <a:schemeClr val="accent1"/>
+          </a:fillRef>
+          <a:effectRef idx="2">
+            <a:schemeClr val="accent1"/>
+          </a:effectRef>
+          <a:fontRef idx="minor">
+            <a:schemeClr val="tx1"/>
+          </a:fontRef>
+        </p:style>
+      </p:cxnSp>
+      <p:sp useBgFill="1">
+        <p:nvSpPr>
+          <p:cNvPr id="3091" name="Rectangle 3090">
+            <a:extLst>
+              <a:ext uri="{FF2B5EF4-FFF2-40B4-BE49-F238E27FC236}">
+                <a16:creationId xmlns:a16="http://schemas.microsoft.com/office/drawing/2014/main" id="{2FA7AD0A-1871-4DF8-9235-F49D0513B9C1}"/>
+              </a:ext>
+              <a:ext uri="{C183D7F6-B498-43B3-948B-1728B52AA6E4}">
+                <adec:decorative xmlns:adec="http://schemas.microsoft.com/office/drawing/2017/decorative" val="1"/>
+              </a:ext>
+            </a:extLst>
+          </p:cNvPr>
+          <p:cNvSpPr>
+            <a:spLocks noGrp="1" noRot="1" noChangeAspect="1" noMove="1" noResize="1" noEditPoints="1" noAdjustHandles="1" noChangeArrowheads="1" noChangeShapeType="1" noTextEdit="1"/>
+          </p:cNvSpPr>
+          <p:nvPr>
+            <p:extLst>
+              <p:ext uri="{386F3935-93C4-4BCD-93E2-E3B085C9AB24}">
+                <p16:designElem xmlns:p16="http://schemas.microsoft.com/office/powerpoint/2015/main" val="1"/>
+              </p:ext>
+            </p:extLst>
+          </p:nvPr>
+        </p:nvSpPr>
+        <p:spPr>
+          <a:xfrm>
+            <a:off x="2" y="0"/>
+            <a:ext cx="12191695" cy="6858000"/>
+          </a:xfrm>
+          <a:prstGeom prst="rect">
+            <a:avLst/>
+          </a:prstGeom>
+          <a:ln>
+            <a:noFill/>
+          </a:ln>
+        </p:spPr>
+        <p:style>
+          <a:lnRef idx="2">
+            <a:schemeClr val="accent1">
+              <a:shade val="50000"/>
+            </a:schemeClr>
+          </a:lnRef>
+          <a:fillRef idx="1">
+            <a:schemeClr val="accent1"/>
+          </a:fillRef>
+          <a:effectRef idx="0">
+            <a:schemeClr val="accent1"/>
+          </a:effectRef>
+          <a:fontRef idx="minor">
+            <a:schemeClr val="lt1"/>
+          </a:fontRef>
+        </p:style>
+        <p:txBody>
+          <a:bodyPr rtlCol="0" anchor="ctr"/>
+          <a:lstStyle/>
+          <a:p>
+            <a:pPr algn="ctr"/>
+            <a:endParaRPr lang="en-US"/>
+          </a:p>
+        </p:txBody>
+      </p:sp>
+      <p:sp>
+        <p:nvSpPr>
+          <p:cNvPr id="3093" name="Rectangle 3092">
+            <a:extLst>
+              <a:ext uri="{FF2B5EF4-FFF2-40B4-BE49-F238E27FC236}">
+                <a16:creationId xmlns:a16="http://schemas.microsoft.com/office/drawing/2014/main" id="{36B04CFB-FAE5-47DD-9B3E-4E9BA7A89CC1}"/>
+              </a:ext>
+              <a:ext uri="{C183D7F6-B498-43B3-948B-1728B52AA6E4}">
+                <adec:decorative xmlns:adec="http://schemas.microsoft.com/office/drawing/2017/decorative" val="1"/>
+              </a:ext>
+            </a:extLst>
+          </p:cNvPr>
+          <p:cNvSpPr>
+            <a:spLocks noGrp="1" noRot="1" noChangeAspect="1" noMove="1" noResize="1" noEditPoints="1" noAdjustHandles="1" noChangeArrowheads="1" noChangeShapeType="1" noTextEdit="1"/>
+          </p:cNvSpPr>
+          <p:nvPr>
+            <p:extLst>
+              <p:ext uri="{386F3935-93C4-4BCD-93E2-E3B085C9AB24}">
+                <p16:designElem xmlns:p16="http://schemas.microsoft.com/office/powerpoint/2015/main" val="1"/>
+              </p:ext>
+            </p:extLst>
+          </p:nvPr>
+        </p:nvSpPr>
+        <p:spPr>
+          <a:xfrm>
+            <a:off x="0" y="2019476"/>
+            <a:ext cx="12192000" cy="4105941"/>
+          </a:xfrm>
+          <a:prstGeom prst="rect">
+            <a:avLst/>
+          </a:prstGeom>
+          <a:gradFill flip="none" rotWithShape="1">
+            <a:gsLst>
+              <a:gs pos="0">
+                <a:schemeClr val="bg2">
+                  <a:alpha val="0"/>
+                </a:schemeClr>
+              </a:gs>
+              <a:gs pos="100000">
+                <a:schemeClr val="bg2"/>
+              </a:gs>
+            </a:gsLst>
+            <a:lin ang="5400000" scaled="0"/>
+            <a:tileRect/>
+          </a:gradFill>
+          <a:ln>
+            <a:noFill/>
+          </a:ln>
+        </p:spPr>
+        <p:style>
+          <a:lnRef idx="2">
+            <a:schemeClr val="accent1">
+              <a:shade val="50000"/>
+            </a:schemeClr>
+          </a:lnRef>
+          <a:fillRef idx="1">
+            <a:schemeClr val="accent1"/>
+          </a:fillRef>
+          <a:effectRef idx="0">
+            <a:schemeClr val="accent1"/>
+          </a:effectRef>
+          <a:fontRef idx="minor">
+            <a:schemeClr val="lt1"/>
+          </a:fontRef>
+        </p:style>
+        <p:txBody>
+          <a:bodyPr rtlCol="0" anchor="ctr"/>
+          <a:lstStyle/>
+          <a:p>
+            <a:pPr lvl="0" algn="ctr"/>
+            <a:endParaRPr lang="en-US"/>
+          </a:p>
+        </p:txBody>
+      </p:sp>
+      <p:sp>
+        <p:nvSpPr>
+          <p:cNvPr id="2" name="Title 1">
+            <a:extLst>
+              <a:ext uri="{FF2B5EF4-FFF2-40B4-BE49-F238E27FC236}">
+                <a16:creationId xmlns:a16="http://schemas.microsoft.com/office/drawing/2014/main" id="{E615E32B-E872-C489-66C2-88BFAA5C1700}"/>
+              </a:ext>
+            </a:extLst>
+          </p:cNvPr>
+          <p:cNvSpPr>
+            <a:spLocks noGrp="1"/>
+          </p:cNvSpPr>
+          <p:nvPr>
+            <p:ph type="title"/>
+          </p:nvPr>
+        </p:nvSpPr>
+        <p:spPr>
+          <a:xfrm>
+            <a:off x="659301" y="1474969"/>
+            <a:ext cx="2823919" cy="1868760"/>
+          </a:xfrm>
+        </p:spPr>
+        <p:txBody>
+          <a:bodyPr vert="horz" lIns="91440" tIns="45720" rIns="91440" bIns="0" rtlCol="0" anchor="b">
+            <a:normAutofit fontScale="90000"/>
+          </a:bodyPr>
+          <a:lstStyle/>
+          <a:p>
+            <a:r>
+              <a:rPr lang="en-US" dirty="0"/>
+              <a:t>HOW DOCKER IMAGE IS BUILT FROM DOCKERFILE</a:t>
+            </a:r>
+          </a:p>
+        </p:txBody>
+      </p:sp>
+      <p:sp>
+        <p:nvSpPr>
+          <p:cNvPr id="5" name="Slide Number Placeholder 4">
+            <a:extLst>
+              <a:ext uri="{FF2B5EF4-FFF2-40B4-BE49-F238E27FC236}">
+                <a16:creationId xmlns:a16="http://schemas.microsoft.com/office/drawing/2014/main" id="{38F98672-66A5-3449-896E-4A10CC1775BE}"/>
+              </a:ext>
+            </a:extLst>
+          </p:cNvPr>
+          <p:cNvSpPr>
+            <a:spLocks noGrp="1"/>
+          </p:cNvSpPr>
+          <p:nvPr>
+            <p:ph type="sldNum" sz="quarter" idx="12"/>
+          </p:nvPr>
+        </p:nvSpPr>
+        <p:spPr>
+          <a:xfrm>
+            <a:off x="655218" y="798973"/>
+            <a:ext cx="811019" cy="503579"/>
+          </a:xfrm>
+        </p:spPr>
+        <p:txBody>
+          <a:bodyPr vert="horz" lIns="91440" tIns="45720" rIns="91440" bIns="45720" rtlCol="0" anchor="t">
+            <a:normAutofit/>
+          </a:bodyPr>
+          <a:lstStyle/>
+          <a:p>
+            <a:pPr algn="l">
+              <a:lnSpc>
+                <a:spcPct val="90000"/>
+              </a:lnSpc>
+              <a:spcAft>
+                <a:spcPts val="600"/>
+              </a:spcAft>
+            </a:pPr>
+            <a:fld id="{6D22F896-40B5-4ADD-8801-0D06FADFA095}" type="slidenum">
+              <a:rPr lang="en-US" smtClean="0"/>
+              <a:pPr algn="l">
+                <a:lnSpc>
+                  <a:spcPct val="90000"/>
+                </a:lnSpc>
+                <a:spcAft>
+                  <a:spcPts val="600"/>
+                </a:spcAft>
+              </a:pPr>
+              <a:t>18</a:t>
+            </a:fld>
+            <a:endParaRPr lang="en-US"/>
+          </a:p>
+        </p:txBody>
+      </p:sp>
+      <p:cxnSp>
+        <p:nvCxnSpPr>
+          <p:cNvPr id="3095" name="Straight Connector 3094">
+            <a:extLst>
+              <a:ext uri="{FF2B5EF4-FFF2-40B4-BE49-F238E27FC236}">
+                <a16:creationId xmlns:a16="http://schemas.microsoft.com/office/drawing/2014/main" id="{EE68D41B-9286-479F-9AB7-678C8E348D71}"/>
+              </a:ext>
+              <a:ext uri="{C183D7F6-B498-43B3-948B-1728B52AA6E4}">
+                <adec:decorative xmlns:adec="http://schemas.microsoft.com/office/drawing/2017/decorative" val="1"/>
+              </a:ext>
+            </a:extLst>
+          </p:cNvPr>
+          <p:cNvCxnSpPr>
+            <a:cxnSpLocks noGrp="1" noRot="1" noChangeAspect="1" noMove="1" noResize="1" noEditPoints="1" noAdjustHandles="1" noChangeArrowheads="1" noChangeShapeType="1"/>
+          </p:cNvCxnSpPr>
+          <p:nvPr>
+            <p:extLst>
+              <p:ext uri="{386F3935-93C4-4BCD-93E2-E3B085C9AB24}">
+                <p16:designElem xmlns:p16="http://schemas.microsoft.com/office/powerpoint/2015/main" val="1"/>
+              </p:ext>
+            </p:extLst>
+          </p:nvPr>
+        </p:nvCxnSpPr>
+        <p:spPr>
+          <a:xfrm>
+            <a:off x="659301" y="3528543"/>
+            <a:ext cx="2823919" cy="0"/>
+          </a:xfrm>
+          <a:prstGeom prst="line">
+            <a:avLst/>
+          </a:prstGeom>
+          <a:ln w="31750"/>
+        </p:spPr>
+        <p:style>
+          <a:lnRef idx="3">
+            <a:schemeClr val="accent1"/>
+          </a:lnRef>
+          <a:fillRef idx="0">
+            <a:schemeClr val="accent1"/>
+          </a:fillRef>
+          <a:effectRef idx="2">
+            <a:schemeClr val="accent1"/>
+          </a:effectRef>
+          <a:fontRef idx="minor">
+            <a:schemeClr val="tx1"/>
+          </a:fontRef>
+        </p:style>
+      </p:cxnSp>
+      <p:grpSp>
+        <p:nvGrpSpPr>
+          <p:cNvPr id="3097" name="Group 3096">
+            <a:extLst>
+              <a:ext uri="{FF2B5EF4-FFF2-40B4-BE49-F238E27FC236}">
+                <a16:creationId xmlns:a16="http://schemas.microsoft.com/office/drawing/2014/main" id="{E8ACF89C-CFC3-4D68-B3C4-2BEFB7BBE5F7}"/>
+              </a:ext>
+              <a:ext uri="{C183D7F6-B498-43B3-948B-1728B52AA6E4}">
+                <adec:decorative xmlns:adec="http://schemas.microsoft.com/office/drawing/2017/decorative" val="1"/>
+              </a:ext>
+            </a:extLst>
+          </p:cNvPr>
+          <p:cNvGrpSpPr>
+            <a:grpSpLocks noGrp="1" noUngrp="1" noRot="1" noChangeAspect="1" noMove="1" noResize="1"/>
+          </p:cNvGrpSpPr>
+          <p:nvPr>
+            <p:extLst>
+              <p:ext uri="{386F3935-93C4-4BCD-93E2-E3B085C9AB24}">
+                <p16:designElem xmlns:p16="http://schemas.microsoft.com/office/powerpoint/2015/main" val="1"/>
+              </p:ext>
+            </p:extLst>
+          </p:nvPr>
+        </p:nvGrpSpPr>
+        <p:grpSpPr>
+          <a:xfrm>
+            <a:off x="3979389" y="482171"/>
+            <a:ext cx="7560115" cy="5149101"/>
+            <a:chOff x="3979389" y="482171"/>
+            <a:chExt cx="7560115" cy="5149101"/>
+          </a:xfrm>
+        </p:grpSpPr>
+        <p:sp>
+          <p:nvSpPr>
+            <p:cNvPr id="3098" name="Rectangle 3097">
+              <a:extLst>
+                <a:ext uri="{FF2B5EF4-FFF2-40B4-BE49-F238E27FC236}">
+                  <a16:creationId xmlns:a16="http://schemas.microsoft.com/office/drawing/2014/main" id="{3B770B7D-3C5C-4682-8DF0-20783592F3B6}"/>
+                </a:ext>
+                <a:ext uri="{C183D7F6-B498-43B3-948B-1728B52AA6E4}">
+                  <adec:decorative xmlns:adec="http://schemas.microsoft.com/office/drawing/2017/decorative" val="1"/>
+                </a:ext>
+              </a:extLst>
+            </p:cNvPr>
+            <p:cNvSpPr/>
+            <p:nvPr>
+              <p:extLst>
+                <p:ext uri="{386F3935-93C4-4BCD-93E2-E3B085C9AB24}">
+                  <p16:designElem xmlns:p16="http://schemas.microsoft.com/office/powerpoint/2015/main" val="1"/>
+                </p:ext>
+              </p:extLst>
+            </p:nvPr>
+          </p:nvSpPr>
+          <p:spPr>
+            <a:xfrm>
+              <a:off x="3979389" y="482171"/>
+              <a:ext cx="7560115" cy="5149101"/>
+            </a:xfrm>
+            <a:prstGeom prst="rect">
+              <a:avLst/>
+            </a:prstGeom>
+            <a:gradFill>
+              <a:gsLst>
+                <a:gs pos="0">
+                  <a:srgbClr val="000001"/>
+                </a:gs>
+                <a:gs pos="100000">
+                  <a:srgbClr val="191919"/>
+                </a:gs>
+              </a:gsLst>
+            </a:gradFill>
+            <a:ln w="76200" cmpd="sng">
+              <a:noFill/>
+              <a:miter lim="800000"/>
+            </a:ln>
+            <a:effectLst>
+              <a:outerShdw blurRad="127000" dist="228600" dir="4740000" sx="98000" sy="98000" algn="tl" rotWithShape="0">
+                <a:srgbClr val="000000">
+                  <a:alpha val="34000"/>
+                </a:srgbClr>
+              </a:outerShdw>
+            </a:effectLst>
+            <a:scene3d>
+              <a:camera prst="orthographicFront"/>
+              <a:lightRig rig="threePt" dir="t"/>
+            </a:scene3d>
+            <a:sp3d>
+              <a:bevelT w="152400" h="50800" prst="softRound"/>
+            </a:sp3d>
+          </p:spPr>
+          <p:style>
+            <a:lnRef idx="1">
+              <a:schemeClr val="accent1"/>
+            </a:lnRef>
+            <a:fillRef idx="3">
+              <a:schemeClr val="accent1"/>
+            </a:fillRef>
+            <a:effectRef idx="2">
+              <a:schemeClr val="accent1"/>
+            </a:effectRef>
+            <a:fontRef idx="minor">
+              <a:schemeClr val="lt1"/>
+            </a:fontRef>
+          </p:style>
+          <p:txBody>
+            <a:bodyPr rtlCol="0" anchor="ctr"/>
+            <a:lstStyle/>
+            <a:p>
+              <a:pPr algn="ctr"/>
+              <a:endParaRPr lang="en-US"/>
+            </a:p>
+          </p:txBody>
+        </p:sp>
+        <p:sp>
+          <p:nvSpPr>
+            <p:cNvPr id="3099" name="Rectangle 3098">
+              <a:extLst>
+                <a:ext uri="{FF2B5EF4-FFF2-40B4-BE49-F238E27FC236}">
+                  <a16:creationId xmlns:a16="http://schemas.microsoft.com/office/drawing/2014/main" id="{A6893E11-7EC1-4EB6-A2A8-0B693F8FE576}"/>
+                </a:ext>
+                <a:ext uri="{C183D7F6-B498-43B3-948B-1728B52AA6E4}">
+                  <adec:decorative xmlns:adec="http://schemas.microsoft.com/office/drawing/2017/decorative" val="1"/>
+                </a:ext>
+              </a:extLst>
+            </p:cNvPr>
+            <p:cNvSpPr/>
+            <p:nvPr>
+              <p:extLst>
+                <p:ext uri="{386F3935-93C4-4BCD-93E2-E3B085C9AB24}">
+                  <p16:designElem xmlns:p16="http://schemas.microsoft.com/office/powerpoint/2015/main" val="1"/>
+                </p:ext>
+              </p:extLst>
+            </p:nvPr>
+          </p:nvSpPr>
+          <p:spPr>
+            <a:xfrm>
+              <a:off x="4292448" y="812507"/>
+              <a:ext cx="6928279" cy="4466452"/>
+            </a:xfrm>
+            <a:prstGeom prst="rect">
+              <a:avLst/>
+            </a:prstGeom>
+            <a:gradFill>
+              <a:gsLst>
+                <a:gs pos="0">
+                  <a:srgbClr val="DADADA"/>
+                </a:gs>
+                <a:gs pos="100000">
+                  <a:srgbClr val="FFFFFE"/>
+                </a:gs>
+              </a:gsLst>
+              <a:lin ang="16200000" scaled="0"/>
+            </a:gradFill>
+            <a:ln w="50800" cmpd="sng">
+              <a:solidFill>
+                <a:srgbClr val="191919"/>
+              </a:solidFill>
+              <a:miter lim="800000"/>
+            </a:ln>
+            <a:effectLst>
+              <a:innerShdw blurRad="63500" dist="88900" dir="14100000">
+                <a:srgbClr val="000000">
+                  <a:alpha val="30000"/>
+                </a:srgbClr>
+              </a:innerShdw>
+            </a:effectLst>
+            <a:scene3d>
+              <a:camera prst="orthographicFront"/>
+              <a:lightRig rig="threePt" dir="t"/>
+            </a:scene3d>
+            <a:sp3d>
+              <a:bevelT prst="relaxedInset"/>
+            </a:sp3d>
+          </p:spPr>
+          <p:style>
+            <a:lnRef idx="1">
+              <a:schemeClr val="accent1"/>
+            </a:lnRef>
+            <a:fillRef idx="3">
+              <a:schemeClr val="accent1"/>
+            </a:fillRef>
+            <a:effectRef idx="2">
+              <a:schemeClr val="accent1"/>
+            </a:effectRef>
+            <a:fontRef idx="minor">
+              <a:schemeClr val="lt1"/>
+            </a:fontRef>
+          </p:style>
+          <p:txBody>
+            <a:bodyPr rtlCol="0" anchor="ctr"/>
+            <a:lstStyle/>
+            <a:p>
+              <a:pPr algn="ctr"/>
+              <a:endParaRPr lang="en-US"/>
+            </a:p>
+          </p:txBody>
+        </p:sp>
+      </p:grpSp>
+      <p:sp>
+        <p:nvSpPr>
+          <p:cNvPr id="3101" name="Rectangle 3100">
+            <a:extLst>
+              <a:ext uri="{FF2B5EF4-FFF2-40B4-BE49-F238E27FC236}">
+                <a16:creationId xmlns:a16="http://schemas.microsoft.com/office/drawing/2014/main" id="{622F7FD7-8884-4FD5-95AB-0B5C6033ADF7}"/>
+              </a:ext>
+              <a:ext uri="{C183D7F6-B498-43B3-948B-1728B52AA6E4}">
+                <adec:decorative xmlns:adec="http://schemas.microsoft.com/office/drawing/2017/decorative" val="1"/>
+              </a:ext>
+            </a:extLst>
+          </p:cNvPr>
+          <p:cNvSpPr>
+            <a:spLocks noGrp="1" noRot="1" noChangeAspect="1" noMove="1" noResize="1" noEditPoints="1" noAdjustHandles="1" noChangeArrowheads="1" noChangeShapeType="1" noTextEdit="1"/>
+          </p:cNvSpPr>
+          <p:nvPr>
+            <p:extLst>
+              <p:ext uri="{386F3935-93C4-4BCD-93E2-E3B085C9AB24}">
+                <p16:designElem xmlns:p16="http://schemas.microsoft.com/office/powerpoint/2015/main" val="1"/>
+              </p:ext>
+            </p:extLst>
+          </p:nvPr>
+        </p:nvSpPr>
+        <p:spPr>
+          <a:xfrm>
+            <a:off x="4455487" y="977965"/>
+            <a:ext cx="6615582" cy="4135339"/>
+          </a:xfrm>
+          <a:prstGeom prst="rect">
+            <a:avLst/>
+          </a:prstGeom>
+          <a:solidFill>
+            <a:schemeClr val="bg1"/>
+          </a:solidFill>
+          <a:ln w="6350">
+            <a:solidFill>
+              <a:schemeClr val="bg2"/>
+            </a:solidFill>
+          </a:ln>
+        </p:spPr>
+        <p:style>
+          <a:lnRef idx="2">
+            <a:schemeClr val="accent1">
+              <a:shade val="50000"/>
+            </a:schemeClr>
+          </a:lnRef>
+          <a:fillRef idx="1">
+            <a:schemeClr val="accent1"/>
+          </a:fillRef>
+          <a:effectRef idx="0">
+            <a:schemeClr val="accent1"/>
+          </a:effectRef>
+          <a:fontRef idx="minor">
+            <a:schemeClr val="lt1"/>
+          </a:fontRef>
+        </p:style>
+        <p:txBody>
+          <a:bodyPr rtlCol="0" anchor="ctr"/>
+          <a:lstStyle/>
+          <a:p>
+            <a:pPr algn="ctr"/>
+            <a:endParaRPr lang="en-US"/>
+          </a:p>
+        </p:txBody>
+      </p:sp>
+      <p:pic>
+        <p:nvPicPr>
+          <p:cNvPr id="3078" name="Picture 6" descr="5 tips to reduce Docker image size">
+            <a:extLst>
+              <a:ext uri="{FF2B5EF4-FFF2-40B4-BE49-F238E27FC236}">
+                <a16:creationId xmlns:a16="http://schemas.microsoft.com/office/drawing/2014/main" id="{642AF531-A465-9295-F4F4-371A6F98DDD4}"/>
+              </a:ext>
+            </a:extLst>
+          </p:cNvPr>
+          <p:cNvPicPr>
+            <a:picLocks noGrp="1" noChangeAspect="1" noChangeArrowheads="1"/>
+          </p:cNvPicPr>
+          <p:nvPr>
+            <p:ph idx="1"/>
+          </p:nvPr>
+        </p:nvPicPr>
+        <p:blipFill>
+          <a:blip r:embed="rId3">
+            <a:extLst>
+              <a:ext uri="{28A0092B-C50C-407E-A947-70E740481C1C}">
+                <a14:useLocalDpi xmlns:a14="http://schemas.microsoft.com/office/drawing/2010/main" val="0"/>
+              </a:ext>
+            </a:extLst>
+          </a:blip>
+          <a:stretch>
+            <a:fillRect/>
+          </a:stretch>
+        </p:blipFill>
+        <p:spPr bwMode="auto">
+          <a:xfrm>
+            <a:off x="4618374" y="1456298"/>
+            <a:ext cx="6282919" cy="3186266"/>
+          </a:xfrm>
+          <a:prstGeom prst="rect">
+            <a:avLst/>
+          </a:prstGeom>
+          <a:noFill/>
+          <a:extLst>
+            <a:ext uri="{909E8E84-426E-40DD-AFC4-6F175D3DCCD1}">
+              <a14:hiddenFill xmlns:a14="http://schemas.microsoft.com/office/drawing/2010/main">
+                <a:solidFill>
+                  <a:srgbClr val="FFFFFF"/>
+                </a:solidFill>
+              </a14:hiddenFill>
+            </a:ext>
+          </a:extLst>
+        </p:spPr>
+      </p:pic>
+      <p:pic>
+        <p:nvPicPr>
+          <p:cNvPr id="3103" name="Picture 3102">
+            <a:extLst>
+              <a:ext uri="{FF2B5EF4-FFF2-40B4-BE49-F238E27FC236}">
+                <a16:creationId xmlns:a16="http://schemas.microsoft.com/office/drawing/2014/main" id="{16EFE474-4FE0-4E8F-8F09-5ED2C9E76A84}"/>
+              </a:ext>
+              <a:ext uri="{C183D7F6-B498-43B3-948B-1728B52AA6E4}">
+                <adec:decorative xmlns:adec="http://schemas.microsoft.com/office/drawing/2017/decorative" val="1"/>
+              </a:ext>
+            </a:extLst>
+          </p:cNvPr>
+          <p:cNvPicPr>
+            <a:picLocks noGrp="1" noRot="1" noChangeAspect="1" noMove="1" noResize="1" noEditPoints="1" noAdjustHandles="1" noChangeArrowheads="1" noChangeShapeType="1" noCrop="1"/>
+          </p:cNvPicPr>
+          <p:nvPr>
+            <p:extLst>
+              <p:ext uri="{386F3935-93C4-4BCD-93E2-E3B085C9AB24}">
+                <p16:designElem xmlns:p16="http://schemas.microsoft.com/office/powerpoint/2015/main" val="1"/>
+              </p:ext>
+            </p:extLst>
+          </p:nvPr>
+        </p:nvPicPr>
+        <p:blipFill rotWithShape="1">
+          <a:blip r:embed="rId2">
+            <a:extLst>
+              <a:ext uri="{28A0092B-C50C-407E-A947-70E740481C1C}">
+                <a14:useLocalDpi xmlns:a14="http://schemas.microsoft.com/office/drawing/2010/main" val="0"/>
+              </a:ext>
+            </a:extLst>
+          </a:blip>
+          <a:srcRect t="1538" b="-1538"/>
+          <a:stretch/>
+        </p:blipFill>
+        <p:spPr bwMode="black">
+          <a:xfrm>
+            <a:off x="0" y="6126480"/>
+            <a:ext cx="12192000" cy="742950"/>
+          </a:xfrm>
+          <a:prstGeom prst="rect">
+            <a:avLst/>
+          </a:prstGeom>
+        </p:spPr>
+      </p:pic>
+      <p:cxnSp>
+        <p:nvCxnSpPr>
+          <p:cNvPr id="3105" name="Straight Connector 3104">
+            <a:extLst>
+              <a:ext uri="{FF2B5EF4-FFF2-40B4-BE49-F238E27FC236}">
+                <a16:creationId xmlns:a16="http://schemas.microsoft.com/office/drawing/2014/main" id="{CF8B8C81-54DC-4AF5-B682-3A2C70A6B55C}"/>
+              </a:ext>
+              <a:ext uri="{C183D7F6-B498-43B3-948B-1728B52AA6E4}">
+                <adec:decorative xmlns:adec="http://schemas.microsoft.com/office/drawing/2017/decorative" val="1"/>
+              </a:ext>
+            </a:extLst>
+          </p:cNvPr>
+          <p:cNvCxnSpPr>
+            <a:cxnSpLocks noGrp="1" noRot="1" noChangeAspect="1" noMove="1" noResize="1" noEditPoints="1" noAdjustHandles="1" noChangeArrowheads="1" noChangeShapeType="1"/>
+          </p:cNvCxnSpPr>
+          <p:nvPr>
+            <p:extLst>
+              <p:ext uri="{386F3935-93C4-4BCD-93E2-E3B085C9AB24}">
+                <p16:designElem xmlns:p16="http://schemas.microsoft.com/office/powerpoint/2015/main" val="1"/>
+              </p:ext>
+            </p:extLst>
+          </p:nvPr>
+        </p:nvCxnSpPr>
+        <p:spPr>
+          <a:xfrm>
+            <a:off x="0" y="6128413"/>
+            <a:ext cx="12192000" cy="0"/>
+          </a:xfrm>
+          <a:prstGeom prst="line">
+            <a:avLst/>
+          </a:prstGeom>
+          <a:ln w="12700">
+            <a:solidFill>
+              <a:srgbClr val="000001">
+                <a:alpha val="20000"/>
+              </a:srgbClr>
+            </a:solidFill>
+          </a:ln>
+        </p:spPr>
+        <p:style>
+          <a:lnRef idx="1">
+            <a:schemeClr val="accent1"/>
+          </a:lnRef>
+          <a:fillRef idx="0">
+            <a:schemeClr val="accent1"/>
+          </a:fillRef>
+          <a:effectRef idx="0">
+            <a:schemeClr val="accent1"/>
+          </a:effectRef>
+          <a:fontRef idx="minor">
+            <a:schemeClr val="tx1"/>
+          </a:fontRef>
+        </p:style>
+      </p:cxnSp>
+    </p:spTree>
+    <p:extLst>
+      <p:ext uri="{BB962C8B-B14F-4D97-AF65-F5344CB8AC3E}">
+        <p14:creationId xmlns:p14="http://schemas.microsoft.com/office/powerpoint/2010/main" val="2464727264"/>
+      </p:ext>
+    </p:extLst>
+  </p:cSld>
+  <p:clrMapOvr>
+    <a:masterClrMapping/>
+  </p:clrMapOvr>
+</p:sld>
+</file>
+
+<file path=ppt/slides/slide19.xml><?xml version="1.0" encoding="utf-8"?>
+<p:sld xmlns:a="http://schemas.openxmlformats.org/drawingml/2006/main" xmlns:r="http://schemas.openxmlformats.org/officeDocument/2006/relationships" xmlns:p="http://schemas.openxmlformats.org/presentationml/2006/main">
+  <p:cSld>
+    <p:spTree>
+      <p:nvGrpSpPr>
+        <p:cNvPr id="1" name=""/>
+        <p:cNvGrpSpPr/>
+        <p:nvPr/>
+      </p:nvGrpSpPr>
+      <p:grpSpPr>
+        <a:xfrm>
+          <a:off x="0" y="0"/>
+          <a:ext cx="0" cy="0"/>
+          <a:chOff x="0" y="0"/>
+          <a:chExt cx="0" cy="0"/>
+        </a:xfrm>
+      </p:grpSpPr>
+      <p:sp>
+        <p:nvSpPr>
           <p:cNvPr id="2" name="Title 1">
             <a:extLst>
               <a:ext uri="{FF2B5EF4-FFF2-40B4-BE49-F238E27FC236}">
@@ -6474,7 +7796,7 @@
           <a:p>
             <a:fld id="{6D22F896-40B5-4ADD-8801-0D06FADFA095}" type="slidenum">
               <a:rPr lang="en-US" smtClean="0"/>
-              <a:t>18</a:t>
+              <a:t>19</a:t>
             </a:fld>
             <a:endParaRPr lang="en-US" dirty="0"/>
           </a:p>
@@ -6550,7 +7872,7 @@
 </p:sld>
 </file>
 
-<file path=ppt/slides/slide19.xml><?xml version="1.0" encoding="utf-8"?>
+<file path=ppt/slides/slide2.xml><?xml version="1.0" encoding="utf-8"?>
 <p:sld xmlns:a="http://schemas.openxmlformats.org/drawingml/2006/main" xmlns:r="http://schemas.openxmlformats.org/officeDocument/2006/relationships" xmlns:p="http://schemas.openxmlformats.org/presentationml/2006/main">
   <p:cSld>
     <p:spTree>
@@ -6572,6 +7894,236 @@
           <p:cNvPr id="2" name="Title 1">
             <a:extLst>
               <a:ext uri="{FF2B5EF4-FFF2-40B4-BE49-F238E27FC236}">
+                <a16:creationId xmlns:a16="http://schemas.microsoft.com/office/drawing/2014/main" id="{81828E0A-E7E6-541B-FE99-ABC6E966B9A8}"/>
+              </a:ext>
+            </a:extLst>
+          </p:cNvPr>
+          <p:cNvSpPr>
+            <a:spLocks noGrp="1"/>
+          </p:cNvSpPr>
+          <p:nvPr>
+            <p:ph type="title"/>
+          </p:nvPr>
+        </p:nvSpPr>
+        <p:spPr/>
+        <p:txBody>
+          <a:bodyPr/>
+          <a:lstStyle/>
+          <a:p>
+            <a:r>
+              <a:rPr lang="en-SG" dirty="0">
+                <a:latin typeface="Arial" panose="020B0604020202020204" pitchFamily="34" charset="0"/>
+                <a:cs typeface="Arial" panose="020B0604020202020204" pitchFamily="34" charset="0"/>
+              </a:rPr>
+              <a:t>Workshop Objectives</a:t>
+            </a:r>
+          </a:p>
+        </p:txBody>
+      </p:sp>
+      <p:sp>
+        <p:nvSpPr>
+          <p:cNvPr id="3" name="Content Placeholder 2">
+            <a:extLst>
+              <a:ext uri="{FF2B5EF4-FFF2-40B4-BE49-F238E27FC236}">
+                <a16:creationId xmlns:a16="http://schemas.microsoft.com/office/drawing/2014/main" id="{DD72F5DC-8EBB-39D6-6708-84C1CC401A2B}"/>
+              </a:ext>
+            </a:extLst>
+          </p:cNvPr>
+          <p:cNvSpPr>
+            <a:spLocks noGrp="1"/>
+          </p:cNvSpPr>
+          <p:nvPr>
+            <p:ph sz="half" idx="1"/>
+          </p:nvPr>
+        </p:nvSpPr>
+        <p:spPr/>
+        <p:txBody>
+          <a:bodyPr>
+            <a:normAutofit/>
+          </a:bodyPr>
+          <a:lstStyle/>
+          <a:p>
+            <a:pPr algn="l">
+              <a:buFont typeface="Arial" panose="020B0604020202020204" pitchFamily="34" charset="0"/>
+              <a:buChar char="•"/>
+            </a:pPr>
+            <a:endParaRPr lang="en-US" sz="1600" b="0" i="0" dirty="0">
+              <a:solidFill>
+                <a:srgbClr val="374151"/>
+              </a:solidFill>
+              <a:effectLst/>
+              <a:latin typeface="Söhne"/>
+            </a:endParaRPr>
+          </a:p>
+          <a:p>
+            <a:pPr algn="l">
+              <a:buFont typeface="Arial" panose="020B0604020202020204" pitchFamily="34" charset="0"/>
+              <a:buChar char="•"/>
+            </a:pPr>
+            <a:r>
+              <a:rPr lang="en-US" sz="1600" b="0" i="0" dirty="0">
+                <a:solidFill>
+                  <a:srgbClr val="374151"/>
+                </a:solidFill>
+                <a:effectLst/>
+                <a:latin typeface="Söhne"/>
+              </a:rPr>
+              <a:t>Equip you with essential skills in modern software development using Docker.</a:t>
+            </a:r>
+            <a:endParaRPr lang="en-US" sz="1600" dirty="0">
+              <a:solidFill>
+                <a:srgbClr val="374151"/>
+              </a:solidFill>
+              <a:latin typeface="Söhne"/>
+            </a:endParaRPr>
+          </a:p>
+          <a:p>
+            <a:pPr algn="l">
+              <a:buFont typeface="Arial" panose="020B0604020202020204" pitchFamily="34" charset="0"/>
+              <a:buChar char="•"/>
+            </a:pPr>
+            <a:r>
+              <a:rPr lang="en-US" sz="1600" b="0" i="0" dirty="0">
+                <a:solidFill>
+                  <a:srgbClr val="374151"/>
+                </a:solidFill>
+                <a:effectLst/>
+                <a:latin typeface="Söhne"/>
+              </a:rPr>
+              <a:t>Understand frontend and backend development principles, and how Docker simplifies development, deployment, and scaling for both. </a:t>
+            </a:r>
+          </a:p>
+          <a:p>
+            <a:pPr algn="l">
+              <a:buFont typeface="Arial" panose="020B0604020202020204" pitchFamily="34" charset="0"/>
+              <a:buChar char="•"/>
+            </a:pPr>
+            <a:r>
+              <a:rPr lang="en-US" sz="1600" b="0" i="0" dirty="0">
+                <a:solidFill>
+                  <a:srgbClr val="374151"/>
+                </a:solidFill>
+                <a:effectLst/>
+                <a:latin typeface="Söhne"/>
+              </a:rPr>
+              <a:t>Get a grasp of what Docker does and how it works, setting the stage for practical learning.</a:t>
+            </a:r>
+          </a:p>
+        </p:txBody>
+      </p:sp>
+      <p:sp>
+        <p:nvSpPr>
+          <p:cNvPr id="5" name="Slide Number Placeholder 4">
+            <a:extLst>
+              <a:ext uri="{FF2B5EF4-FFF2-40B4-BE49-F238E27FC236}">
+                <a16:creationId xmlns:a16="http://schemas.microsoft.com/office/drawing/2014/main" id="{C183A849-5923-DFF1-BB33-55DD197E9AB4}"/>
+              </a:ext>
+            </a:extLst>
+          </p:cNvPr>
+          <p:cNvSpPr>
+            <a:spLocks noGrp="1"/>
+          </p:cNvSpPr>
+          <p:nvPr>
+            <p:ph type="sldNum" sz="quarter" idx="12"/>
+          </p:nvPr>
+        </p:nvSpPr>
+        <p:spPr/>
+        <p:txBody>
+          <a:bodyPr/>
+          <a:lstStyle/>
+          <a:p>
+            <a:fld id="{6D22F896-40B5-4ADD-8801-0D06FADFA095}" type="slidenum">
+              <a:rPr lang="en-US" smtClean="0"/>
+              <a:t>2</a:t>
+            </a:fld>
+            <a:endParaRPr lang="en-US" dirty="0"/>
+          </a:p>
+        </p:txBody>
+      </p:sp>
+      <p:pic>
+        <p:nvPicPr>
+          <p:cNvPr id="1026" name="Picture 2" descr="about docker containers ...">
+            <a:extLst>
+              <a:ext uri="{FF2B5EF4-FFF2-40B4-BE49-F238E27FC236}">
+                <a16:creationId xmlns:a16="http://schemas.microsoft.com/office/drawing/2014/main" id="{25AAE208-2D36-4362-6D1E-BD226FD4CE6D}"/>
+              </a:ext>
+            </a:extLst>
+          </p:cNvPr>
+          <p:cNvPicPr>
+            <a:picLocks noGrp="1" noChangeAspect="1" noChangeArrowheads="1"/>
+          </p:cNvPicPr>
+          <p:nvPr>
+            <p:ph sz="half" idx="2"/>
+          </p:nvPr>
+        </p:nvPicPr>
+        <p:blipFill>
+          <a:blip r:embed="rId2">
+            <a:extLst>
+              <a:ext uri="{28A0092B-C50C-407E-A947-70E740481C1C}">
+                <a14:useLocalDpi xmlns:a14="http://schemas.microsoft.com/office/drawing/2010/main" val="0"/>
+              </a:ext>
+            </a:extLst>
+          </a:blip>
+          <a:srcRect/>
+          <a:stretch>
+            <a:fillRect/>
+          </a:stretch>
+        </p:blipFill>
+        <p:spPr bwMode="auto">
+          <a:xfrm>
+            <a:off x="7049253" y="2499379"/>
+            <a:ext cx="3895755" cy="2592448"/>
+          </a:xfrm>
+          <a:prstGeom prst="rect">
+            <a:avLst/>
+          </a:prstGeom>
+          <a:noFill/>
+          <a:extLst>
+            <a:ext uri="{909E8E84-426E-40DD-AFC4-6F175D3DCCD1}">
+              <a14:hiddenFill xmlns:a14="http://schemas.microsoft.com/office/drawing/2010/main">
+                <a:solidFill>
+                  <a:srgbClr val="FFFFFF"/>
+                </a:solidFill>
+              </a14:hiddenFill>
+            </a:ext>
+          </a:extLst>
+        </p:spPr>
+      </p:pic>
+    </p:spTree>
+    <p:extLst>
+      <p:ext uri="{BB962C8B-B14F-4D97-AF65-F5344CB8AC3E}">
+        <p14:creationId xmlns:p14="http://schemas.microsoft.com/office/powerpoint/2010/main" val="2407330648"/>
+      </p:ext>
+    </p:extLst>
+  </p:cSld>
+  <p:clrMapOvr>
+    <a:masterClrMapping/>
+  </p:clrMapOvr>
+</p:sld>
+</file>
+
+<file path=ppt/slides/slide20.xml><?xml version="1.0" encoding="utf-8"?>
+<p:sld xmlns:a="http://schemas.openxmlformats.org/drawingml/2006/main" xmlns:r="http://schemas.openxmlformats.org/officeDocument/2006/relationships" xmlns:p="http://schemas.openxmlformats.org/presentationml/2006/main">
+  <p:cSld>
+    <p:spTree>
+      <p:nvGrpSpPr>
+        <p:cNvPr id="1" name=""/>
+        <p:cNvGrpSpPr/>
+        <p:nvPr/>
+      </p:nvGrpSpPr>
+      <p:grpSpPr>
+        <a:xfrm>
+          <a:off x="0" y="0"/>
+          <a:ext cx="0" cy="0"/>
+          <a:chOff x="0" y="0"/>
+          <a:chExt cx="0" cy="0"/>
+        </a:xfrm>
+      </p:grpSpPr>
+      <p:sp>
+        <p:nvSpPr>
+          <p:cNvPr id="2" name="Title 1">
+            <a:extLst>
+              <a:ext uri="{FF2B5EF4-FFF2-40B4-BE49-F238E27FC236}">
                 <a16:creationId xmlns:a16="http://schemas.microsoft.com/office/drawing/2014/main" id="{E615E32B-E872-C489-66C2-88BFAA5C1700}"/>
               </a:ext>
             </a:extLst>
@@ -6782,7 +8334,7 @@
           <a:p>
             <a:fld id="{6D22F896-40B5-4ADD-8801-0D06FADFA095}" type="slidenum">
               <a:rPr lang="en-US" smtClean="0"/>
-              <a:t>19</a:t>
+              <a:t>20</a:t>
             </a:fld>
             <a:endParaRPr lang="en-US" dirty="0"/>
           </a:p>
@@ -6858,7 +8410,7 @@
 </p:sld>
 </file>
 
-<file path=ppt/slides/slide2.xml><?xml version="1.0" encoding="utf-8"?>
+<file path=ppt/slides/slide21.xml><?xml version="1.0" encoding="utf-8"?>
 <p:sld xmlns:a="http://schemas.openxmlformats.org/drawingml/2006/main" xmlns:r="http://schemas.openxmlformats.org/officeDocument/2006/relationships" xmlns:p="http://schemas.openxmlformats.org/presentationml/2006/main">
   <p:cSld>
     <p:spTree>
@@ -6880,236 +8432,6 @@
           <p:cNvPr id="2" name="Title 1">
             <a:extLst>
               <a:ext uri="{FF2B5EF4-FFF2-40B4-BE49-F238E27FC236}">
-                <a16:creationId xmlns:a16="http://schemas.microsoft.com/office/drawing/2014/main" id="{81828E0A-E7E6-541B-FE99-ABC6E966B9A8}"/>
-              </a:ext>
-            </a:extLst>
-          </p:cNvPr>
-          <p:cNvSpPr>
-            <a:spLocks noGrp="1"/>
-          </p:cNvSpPr>
-          <p:nvPr>
-            <p:ph type="title"/>
-          </p:nvPr>
-        </p:nvSpPr>
-        <p:spPr/>
-        <p:txBody>
-          <a:bodyPr/>
-          <a:lstStyle/>
-          <a:p>
-            <a:r>
-              <a:rPr lang="en-SG" dirty="0">
-                <a:latin typeface="Arial" panose="020B0604020202020204" pitchFamily="34" charset="0"/>
-                <a:cs typeface="Arial" panose="020B0604020202020204" pitchFamily="34" charset="0"/>
-              </a:rPr>
-              <a:t>Workshop Objectives</a:t>
-            </a:r>
-          </a:p>
-        </p:txBody>
-      </p:sp>
-      <p:sp>
-        <p:nvSpPr>
-          <p:cNvPr id="3" name="Content Placeholder 2">
-            <a:extLst>
-              <a:ext uri="{FF2B5EF4-FFF2-40B4-BE49-F238E27FC236}">
-                <a16:creationId xmlns:a16="http://schemas.microsoft.com/office/drawing/2014/main" id="{DD72F5DC-8EBB-39D6-6708-84C1CC401A2B}"/>
-              </a:ext>
-            </a:extLst>
-          </p:cNvPr>
-          <p:cNvSpPr>
-            <a:spLocks noGrp="1"/>
-          </p:cNvSpPr>
-          <p:nvPr>
-            <p:ph sz="half" idx="1"/>
-          </p:nvPr>
-        </p:nvSpPr>
-        <p:spPr/>
-        <p:txBody>
-          <a:bodyPr>
-            <a:normAutofit/>
-          </a:bodyPr>
-          <a:lstStyle/>
-          <a:p>
-            <a:pPr algn="l">
-              <a:buFont typeface="Arial" panose="020B0604020202020204" pitchFamily="34" charset="0"/>
-              <a:buChar char="•"/>
-            </a:pPr>
-            <a:endParaRPr lang="en-US" sz="1600" b="0" i="0" dirty="0">
-              <a:solidFill>
-                <a:srgbClr val="374151"/>
-              </a:solidFill>
-              <a:effectLst/>
-              <a:latin typeface="Söhne"/>
-            </a:endParaRPr>
-          </a:p>
-          <a:p>
-            <a:pPr algn="l">
-              <a:buFont typeface="Arial" panose="020B0604020202020204" pitchFamily="34" charset="0"/>
-              <a:buChar char="•"/>
-            </a:pPr>
-            <a:r>
-              <a:rPr lang="en-US" sz="1600" b="0" i="0" dirty="0">
-                <a:solidFill>
-                  <a:srgbClr val="374151"/>
-                </a:solidFill>
-                <a:effectLst/>
-                <a:latin typeface="Söhne"/>
-              </a:rPr>
-              <a:t>Equip you with essential skills in modern software development using Docker.</a:t>
-            </a:r>
-            <a:endParaRPr lang="en-US" sz="1600" dirty="0">
-              <a:solidFill>
-                <a:srgbClr val="374151"/>
-              </a:solidFill>
-              <a:latin typeface="Söhne"/>
-            </a:endParaRPr>
-          </a:p>
-          <a:p>
-            <a:pPr algn="l">
-              <a:buFont typeface="Arial" panose="020B0604020202020204" pitchFamily="34" charset="0"/>
-              <a:buChar char="•"/>
-            </a:pPr>
-            <a:r>
-              <a:rPr lang="en-US" sz="1600" b="0" i="0" dirty="0">
-                <a:solidFill>
-                  <a:srgbClr val="374151"/>
-                </a:solidFill>
-                <a:effectLst/>
-                <a:latin typeface="Söhne"/>
-              </a:rPr>
-              <a:t>Understand frontend and backend development principles, and how Docker simplifies development, deployment, and scaling for both. </a:t>
-            </a:r>
-          </a:p>
-          <a:p>
-            <a:pPr algn="l">
-              <a:buFont typeface="Arial" panose="020B0604020202020204" pitchFamily="34" charset="0"/>
-              <a:buChar char="•"/>
-            </a:pPr>
-            <a:r>
-              <a:rPr lang="en-US" sz="1600" b="0" i="0" dirty="0">
-                <a:solidFill>
-                  <a:srgbClr val="374151"/>
-                </a:solidFill>
-                <a:effectLst/>
-                <a:latin typeface="Söhne"/>
-              </a:rPr>
-              <a:t>Get a grasp of what Docker does and how it works, setting the stage for practical learning.</a:t>
-            </a:r>
-          </a:p>
-        </p:txBody>
-      </p:sp>
-      <p:sp>
-        <p:nvSpPr>
-          <p:cNvPr id="5" name="Slide Number Placeholder 4">
-            <a:extLst>
-              <a:ext uri="{FF2B5EF4-FFF2-40B4-BE49-F238E27FC236}">
-                <a16:creationId xmlns:a16="http://schemas.microsoft.com/office/drawing/2014/main" id="{C183A849-5923-DFF1-BB33-55DD197E9AB4}"/>
-              </a:ext>
-            </a:extLst>
-          </p:cNvPr>
-          <p:cNvSpPr>
-            <a:spLocks noGrp="1"/>
-          </p:cNvSpPr>
-          <p:nvPr>
-            <p:ph type="sldNum" sz="quarter" idx="12"/>
-          </p:nvPr>
-        </p:nvSpPr>
-        <p:spPr/>
-        <p:txBody>
-          <a:bodyPr/>
-          <a:lstStyle/>
-          <a:p>
-            <a:fld id="{6D22F896-40B5-4ADD-8801-0D06FADFA095}" type="slidenum">
-              <a:rPr lang="en-US" smtClean="0"/>
-              <a:t>2</a:t>
-            </a:fld>
-            <a:endParaRPr lang="en-US" dirty="0"/>
-          </a:p>
-        </p:txBody>
-      </p:sp>
-      <p:pic>
-        <p:nvPicPr>
-          <p:cNvPr id="1026" name="Picture 2" descr="about docker containers ...">
-            <a:extLst>
-              <a:ext uri="{FF2B5EF4-FFF2-40B4-BE49-F238E27FC236}">
-                <a16:creationId xmlns:a16="http://schemas.microsoft.com/office/drawing/2014/main" id="{25AAE208-2D36-4362-6D1E-BD226FD4CE6D}"/>
-              </a:ext>
-            </a:extLst>
-          </p:cNvPr>
-          <p:cNvPicPr>
-            <a:picLocks noGrp="1" noChangeAspect="1" noChangeArrowheads="1"/>
-          </p:cNvPicPr>
-          <p:nvPr>
-            <p:ph sz="half" idx="2"/>
-          </p:nvPr>
-        </p:nvPicPr>
-        <p:blipFill>
-          <a:blip r:embed="rId2">
-            <a:extLst>
-              <a:ext uri="{28A0092B-C50C-407E-A947-70E740481C1C}">
-                <a14:useLocalDpi xmlns:a14="http://schemas.microsoft.com/office/drawing/2010/main" val="0"/>
-              </a:ext>
-            </a:extLst>
-          </a:blip>
-          <a:srcRect/>
-          <a:stretch>
-            <a:fillRect/>
-          </a:stretch>
-        </p:blipFill>
-        <p:spPr bwMode="auto">
-          <a:xfrm>
-            <a:off x="7049253" y="2499379"/>
-            <a:ext cx="3895755" cy="2592448"/>
-          </a:xfrm>
-          <a:prstGeom prst="rect">
-            <a:avLst/>
-          </a:prstGeom>
-          <a:noFill/>
-          <a:extLst>
-            <a:ext uri="{909E8E84-426E-40DD-AFC4-6F175D3DCCD1}">
-              <a14:hiddenFill xmlns:a14="http://schemas.microsoft.com/office/drawing/2010/main">
-                <a:solidFill>
-                  <a:srgbClr val="FFFFFF"/>
-                </a:solidFill>
-              </a14:hiddenFill>
-            </a:ext>
-          </a:extLst>
-        </p:spPr>
-      </p:pic>
-    </p:spTree>
-    <p:extLst>
-      <p:ext uri="{BB962C8B-B14F-4D97-AF65-F5344CB8AC3E}">
-        <p14:creationId xmlns:p14="http://schemas.microsoft.com/office/powerpoint/2010/main" val="2407330648"/>
-      </p:ext>
-    </p:extLst>
-  </p:cSld>
-  <p:clrMapOvr>
-    <a:masterClrMapping/>
-  </p:clrMapOvr>
-</p:sld>
-</file>
-
-<file path=ppt/slides/slide20.xml><?xml version="1.0" encoding="utf-8"?>
-<p:sld xmlns:a="http://schemas.openxmlformats.org/drawingml/2006/main" xmlns:r="http://schemas.openxmlformats.org/officeDocument/2006/relationships" xmlns:p="http://schemas.openxmlformats.org/presentationml/2006/main">
-  <p:cSld>
-    <p:spTree>
-      <p:nvGrpSpPr>
-        <p:cNvPr id="1" name=""/>
-        <p:cNvGrpSpPr/>
-        <p:nvPr/>
-      </p:nvGrpSpPr>
-      <p:grpSpPr>
-        <a:xfrm>
-          <a:off x="0" y="0"/>
-          <a:ext cx="0" cy="0"/>
-          <a:chOff x="0" y="0"/>
-          <a:chExt cx="0" cy="0"/>
-        </a:xfrm>
-      </p:grpSpPr>
-      <p:sp>
-        <p:nvSpPr>
-          <p:cNvPr id="2" name="Title 1">
-            <a:extLst>
-              <a:ext uri="{FF2B5EF4-FFF2-40B4-BE49-F238E27FC236}">
                 <a16:creationId xmlns:a16="http://schemas.microsoft.com/office/drawing/2014/main" id="{E615E32B-E872-C489-66C2-88BFAA5C1700}"/>
               </a:ext>
             </a:extLst>
@@ -7283,7 +8605,7 @@
           <a:p>
             <a:fld id="{6D22F896-40B5-4ADD-8801-0D06FADFA095}" type="slidenum">
               <a:rPr lang="en-US" smtClean="0"/>
-              <a:t>20</a:t>
+              <a:t>21</a:t>
             </a:fld>
             <a:endParaRPr lang="en-US" dirty="0"/>
           </a:p>
@@ -7342,434 +8664,6 @@
     <p:extLst>
       <p:ext uri="{BB962C8B-B14F-4D97-AF65-F5344CB8AC3E}">
         <p14:creationId xmlns:p14="http://schemas.microsoft.com/office/powerpoint/2010/main" val="1257030122"/>
-      </p:ext>
-    </p:extLst>
-  </p:cSld>
-  <p:clrMapOvr>
-    <a:masterClrMapping/>
-  </p:clrMapOvr>
-</p:sld>
-</file>
-
-<file path=ppt/slides/slide21.xml><?xml version="1.0" encoding="utf-8"?>
-<p:sld xmlns:a="http://schemas.openxmlformats.org/drawingml/2006/main" xmlns:r="http://schemas.openxmlformats.org/officeDocument/2006/relationships" xmlns:p="http://schemas.openxmlformats.org/presentationml/2006/main">
-  <p:cSld>
-    <p:spTree>
-      <p:nvGrpSpPr>
-        <p:cNvPr id="1" name=""/>
-        <p:cNvGrpSpPr/>
-        <p:nvPr/>
-      </p:nvGrpSpPr>
-      <p:grpSpPr>
-        <a:xfrm>
-          <a:off x="0" y="0"/>
-          <a:ext cx="0" cy="0"/>
-          <a:chOff x="0" y="0"/>
-          <a:chExt cx="0" cy="0"/>
-        </a:xfrm>
-      </p:grpSpPr>
-      <p:sp>
-        <p:nvSpPr>
-          <p:cNvPr id="2" name="Title 1">
-            <a:extLst>
-              <a:ext uri="{FF2B5EF4-FFF2-40B4-BE49-F238E27FC236}">
-                <a16:creationId xmlns:a16="http://schemas.microsoft.com/office/drawing/2014/main" id="{D307C4C7-D8EC-D770-9199-9264B747CFCE}"/>
-              </a:ext>
-            </a:extLst>
-          </p:cNvPr>
-          <p:cNvSpPr>
-            <a:spLocks noGrp="1"/>
-          </p:cNvSpPr>
-          <p:nvPr>
-            <p:ph type="title"/>
-          </p:nvPr>
-        </p:nvSpPr>
-        <p:spPr/>
-        <p:txBody>
-          <a:bodyPr/>
-          <a:lstStyle/>
-          <a:p>
-            <a:r>
-              <a:rPr lang="en-US" dirty="0"/>
-              <a:t>Docker Commands SEEN So FAR</a:t>
-            </a:r>
-            <a:endParaRPr lang="en-SG" dirty="0"/>
-          </a:p>
-        </p:txBody>
-      </p:sp>
-      <p:sp>
-        <p:nvSpPr>
-          <p:cNvPr id="3" name="Content Placeholder 2">
-            <a:extLst>
-              <a:ext uri="{FF2B5EF4-FFF2-40B4-BE49-F238E27FC236}">
-                <a16:creationId xmlns:a16="http://schemas.microsoft.com/office/drawing/2014/main" id="{20B8C143-CAB8-30A9-B768-6FA829F1999B}"/>
-              </a:ext>
-            </a:extLst>
-          </p:cNvPr>
-          <p:cNvSpPr>
-            <a:spLocks noGrp="1"/>
-          </p:cNvSpPr>
-          <p:nvPr>
-            <p:ph idx="1"/>
-          </p:nvPr>
-        </p:nvSpPr>
-        <p:spPr>
-          <a:xfrm>
-            <a:off x="1451579" y="2015732"/>
-            <a:ext cx="9712140" cy="4037749"/>
-          </a:xfrm>
-        </p:spPr>
-        <p:txBody>
-          <a:bodyPr>
-            <a:normAutofit fontScale="85000" lnSpcReduction="20000"/>
-          </a:bodyPr>
-          <a:lstStyle/>
-          <a:p>
-            <a:r>
-              <a:rPr lang="en-US" b="0" i="0" dirty="0">
-                <a:solidFill>
-                  <a:srgbClr val="374151"/>
-                </a:solidFill>
-                <a:effectLst/>
-                <a:latin typeface="Söhne"/>
-              </a:rPr>
-              <a:t>To build docker image  from </a:t>
-            </a:r>
-            <a:r>
-              <a:rPr lang="en-US" b="0" i="0" dirty="0" err="1">
-                <a:solidFill>
-                  <a:srgbClr val="374151"/>
-                </a:solidFill>
-                <a:effectLst/>
-                <a:latin typeface="Söhne"/>
-              </a:rPr>
-              <a:t>dockerfile</a:t>
-            </a:r>
-            <a:endParaRPr lang="en-US" dirty="0">
-              <a:solidFill>
-                <a:srgbClr val="374151"/>
-              </a:solidFill>
-              <a:latin typeface="Söhne"/>
-            </a:endParaRPr>
-          </a:p>
-          <a:p>
-            <a:pPr lvl="1"/>
-            <a:r>
-              <a:rPr lang="en-US" b="0" i="0" dirty="0">
-                <a:solidFill>
-                  <a:srgbClr val="374151"/>
-                </a:solidFill>
-                <a:effectLst/>
-                <a:latin typeface="Söhne"/>
-              </a:rPr>
-              <a:t>docker build -t &lt;</a:t>
-            </a:r>
-            <a:r>
-              <a:rPr lang="en-US" b="0" i="0" dirty="0" err="1">
-                <a:solidFill>
-                  <a:srgbClr val="374151"/>
-                </a:solidFill>
-                <a:effectLst/>
-                <a:latin typeface="Söhne"/>
-              </a:rPr>
-              <a:t>image_name</a:t>
-            </a:r>
-            <a:r>
-              <a:rPr lang="en-US" b="0" i="0" dirty="0">
-                <a:solidFill>
-                  <a:srgbClr val="374151"/>
-                </a:solidFill>
-                <a:effectLst/>
-                <a:latin typeface="Söhne"/>
-              </a:rPr>
-              <a:t>&gt; &lt;</a:t>
-            </a:r>
-            <a:r>
-              <a:rPr lang="en-US" b="0" i="0" dirty="0" err="1">
-                <a:solidFill>
-                  <a:srgbClr val="374151"/>
-                </a:solidFill>
-                <a:effectLst/>
-                <a:latin typeface="Söhne"/>
-              </a:rPr>
-              <a:t>path_to_Dockerfile</a:t>
-            </a:r>
-            <a:r>
-              <a:rPr lang="en-US" b="0" i="0" dirty="0">
-                <a:solidFill>
-                  <a:srgbClr val="374151"/>
-                </a:solidFill>
-                <a:effectLst/>
-                <a:latin typeface="Söhne"/>
-              </a:rPr>
-              <a:t>&gt;</a:t>
-            </a:r>
-            <a:endParaRPr lang="en-SG" b="0" i="0" dirty="0">
-              <a:solidFill>
-                <a:srgbClr val="374151"/>
-              </a:solidFill>
-              <a:effectLst/>
-              <a:latin typeface="Söhne"/>
-            </a:endParaRPr>
-          </a:p>
-          <a:p>
-            <a:r>
-              <a:rPr lang="en-SG" dirty="0">
-                <a:solidFill>
-                  <a:srgbClr val="374151"/>
-                </a:solidFill>
-                <a:latin typeface="Söhne"/>
-              </a:rPr>
-              <a:t>To create container from an image  </a:t>
-            </a:r>
-          </a:p>
-          <a:p>
-            <a:pPr lvl="1"/>
-            <a:r>
-              <a:rPr lang="en-SG" dirty="0">
-                <a:solidFill>
-                  <a:srgbClr val="374151"/>
-                </a:solidFill>
-                <a:latin typeface="Söhne"/>
-              </a:rPr>
-              <a:t>d</a:t>
-            </a:r>
-            <a:r>
-              <a:rPr lang="en-SG" b="0" i="0" dirty="0">
-                <a:solidFill>
-                  <a:srgbClr val="374151"/>
-                </a:solidFill>
-                <a:effectLst/>
-                <a:latin typeface="Söhne"/>
-              </a:rPr>
-              <a:t>ocker run &lt;</a:t>
-            </a:r>
-            <a:r>
-              <a:rPr lang="en-SG" b="0" i="0" dirty="0" err="1">
-                <a:solidFill>
-                  <a:srgbClr val="374151"/>
-                </a:solidFill>
-                <a:effectLst/>
-                <a:latin typeface="Söhne"/>
-              </a:rPr>
-              <a:t>image_name</a:t>
-            </a:r>
-            <a:r>
-              <a:rPr lang="en-SG" b="0" i="0" dirty="0">
-                <a:solidFill>
-                  <a:srgbClr val="374151"/>
-                </a:solidFill>
-                <a:effectLst/>
-                <a:latin typeface="Söhne"/>
-              </a:rPr>
-              <a:t>&gt;</a:t>
-            </a:r>
-          </a:p>
-          <a:p>
-            <a:r>
-              <a:rPr lang="en-SG" dirty="0">
-                <a:solidFill>
-                  <a:srgbClr val="374151"/>
-                </a:solidFill>
-                <a:latin typeface="Söhne"/>
-              </a:rPr>
-              <a:t>To check container status or container id: </a:t>
-            </a:r>
-          </a:p>
-          <a:p>
-            <a:pPr lvl="1"/>
-            <a:r>
-              <a:rPr lang="en-SG" dirty="0">
-                <a:solidFill>
-                  <a:srgbClr val="374151"/>
-                </a:solidFill>
-                <a:latin typeface="Söhne"/>
-              </a:rPr>
-              <a:t>docker </a:t>
-            </a:r>
-            <a:r>
-              <a:rPr lang="en-SG" dirty="0" err="1">
-                <a:solidFill>
-                  <a:srgbClr val="374151"/>
-                </a:solidFill>
-                <a:latin typeface="Söhne"/>
-              </a:rPr>
-              <a:t>ps</a:t>
-            </a:r>
-            <a:endParaRPr lang="en-US" dirty="0">
-              <a:solidFill>
-                <a:srgbClr val="374151"/>
-              </a:solidFill>
-              <a:latin typeface="Söhne"/>
-            </a:endParaRPr>
-          </a:p>
-          <a:p>
-            <a:r>
-              <a:rPr lang="en-US" b="0" i="0" dirty="0">
-                <a:solidFill>
-                  <a:srgbClr val="374151"/>
-                </a:solidFill>
-                <a:effectLst/>
-                <a:latin typeface="Söhne"/>
-              </a:rPr>
-              <a:t>To start container : docker start &lt;</a:t>
-            </a:r>
-            <a:r>
-              <a:rPr lang="en-US" b="0" i="0" dirty="0" err="1">
-                <a:solidFill>
-                  <a:srgbClr val="374151"/>
-                </a:solidFill>
-                <a:effectLst/>
-                <a:latin typeface="Söhne"/>
-              </a:rPr>
-              <a:t>container_id</a:t>
-            </a:r>
-            <a:r>
-              <a:rPr lang="en-US" b="0" i="0" dirty="0">
-                <a:solidFill>
-                  <a:srgbClr val="374151"/>
-                </a:solidFill>
-                <a:effectLst/>
-                <a:latin typeface="Söhne"/>
-              </a:rPr>
-              <a:t>&gt;</a:t>
-            </a:r>
-          </a:p>
-          <a:p>
-            <a:r>
-              <a:rPr lang="en-US" b="0" i="0" dirty="0">
-                <a:solidFill>
-                  <a:srgbClr val="374151"/>
-                </a:solidFill>
-                <a:effectLst/>
-                <a:latin typeface="Söhne"/>
-              </a:rPr>
-              <a:t>To stop container: docker stop &lt;</a:t>
-            </a:r>
-            <a:r>
-              <a:rPr lang="en-US" b="0" i="0" dirty="0" err="1">
-                <a:solidFill>
-                  <a:srgbClr val="374151"/>
-                </a:solidFill>
-                <a:effectLst/>
-                <a:latin typeface="Söhne"/>
-              </a:rPr>
-              <a:t>container_id</a:t>
-            </a:r>
-            <a:r>
-              <a:rPr lang="en-US" b="0" i="0" dirty="0">
-                <a:solidFill>
-                  <a:srgbClr val="374151"/>
-                </a:solidFill>
-                <a:effectLst/>
-                <a:latin typeface="Söhne"/>
-              </a:rPr>
-              <a:t>&gt;</a:t>
-            </a:r>
-          </a:p>
-          <a:p>
-            <a:r>
-              <a:rPr lang="en-US" dirty="0">
-                <a:solidFill>
-                  <a:srgbClr val="374151"/>
-                </a:solidFill>
-                <a:latin typeface="Söhne"/>
-              </a:rPr>
-              <a:t>To delete a container : docker rm &lt;</a:t>
-            </a:r>
-            <a:r>
-              <a:rPr lang="en-US" dirty="0" err="1">
-                <a:solidFill>
-                  <a:srgbClr val="374151"/>
-                </a:solidFill>
-                <a:latin typeface="Söhne"/>
-              </a:rPr>
-              <a:t>container_id</a:t>
-            </a:r>
-            <a:r>
-              <a:rPr lang="en-US" dirty="0">
-                <a:solidFill>
-                  <a:srgbClr val="374151"/>
-                </a:solidFill>
-                <a:latin typeface="Söhne"/>
-              </a:rPr>
-              <a:t>&gt;</a:t>
-            </a:r>
-          </a:p>
-          <a:p>
-            <a:r>
-              <a:rPr lang="en-US" b="0" i="0" dirty="0">
-                <a:solidFill>
-                  <a:srgbClr val="374151"/>
-                </a:solidFill>
-                <a:effectLst/>
-                <a:highlight>
-                  <a:srgbClr val="FFFF00"/>
-                </a:highlight>
-                <a:latin typeface="Söhne"/>
-              </a:rPr>
-              <a:t>To start docker compose : docker compose up –d</a:t>
-            </a:r>
-          </a:p>
-          <a:p>
-            <a:r>
-              <a:rPr lang="en-US" dirty="0">
-                <a:solidFill>
-                  <a:srgbClr val="374151"/>
-                </a:solidFill>
-                <a:highlight>
-                  <a:srgbClr val="FFFF00"/>
-                </a:highlight>
-                <a:latin typeface="Söhne"/>
-              </a:rPr>
-              <a:t>To stop docker compose : docker compose down</a:t>
-            </a:r>
-            <a:endParaRPr lang="en-SG" b="0" i="0" dirty="0">
-              <a:solidFill>
-                <a:srgbClr val="374151"/>
-              </a:solidFill>
-              <a:effectLst/>
-              <a:highlight>
-                <a:srgbClr val="FFFF00"/>
-              </a:highlight>
-              <a:latin typeface="Söhne"/>
-            </a:endParaRPr>
-          </a:p>
-        </p:txBody>
-      </p:sp>
-      <p:sp>
-        <p:nvSpPr>
-          <p:cNvPr id="4" name="Slide Number Placeholder 3">
-            <a:extLst>
-              <a:ext uri="{FF2B5EF4-FFF2-40B4-BE49-F238E27FC236}">
-                <a16:creationId xmlns:a16="http://schemas.microsoft.com/office/drawing/2014/main" id="{812C1388-8657-1250-D0A6-7E40D2EA0D66}"/>
-              </a:ext>
-            </a:extLst>
-          </p:cNvPr>
-          <p:cNvSpPr>
-            <a:spLocks noGrp="1"/>
-          </p:cNvSpPr>
-          <p:nvPr>
-            <p:ph type="sldNum" sz="quarter" idx="12"/>
-          </p:nvPr>
-        </p:nvSpPr>
-        <p:spPr/>
-        <p:txBody>
-          <a:bodyPr/>
-          <a:lstStyle/>
-          <a:p>
-            <a:fld id="{6D22F896-40B5-4ADD-8801-0D06FADFA095}" type="slidenum">
-              <a:rPr lang="en-US" smtClean="0"/>
-              <a:t>21</a:t>
-            </a:fld>
-            <a:endParaRPr lang="en-US" dirty="0"/>
-          </a:p>
-        </p:txBody>
-      </p:sp>
-    </p:spTree>
-    <p:extLst>
-      <p:ext uri="{BB962C8B-B14F-4D97-AF65-F5344CB8AC3E}">
-        <p14:creationId xmlns:p14="http://schemas.microsoft.com/office/powerpoint/2010/main" val="4162166211"/>
       </p:ext>
     </p:extLst>
   </p:cSld>
@@ -7798,10 +8692,10 @@
       </p:grpSpPr>
       <p:sp>
         <p:nvSpPr>
-          <p:cNvPr id="6" name="Title 5">
+          <p:cNvPr id="2" name="Title 1">
             <a:extLst>
               <a:ext uri="{FF2B5EF4-FFF2-40B4-BE49-F238E27FC236}">
-                <a16:creationId xmlns:a16="http://schemas.microsoft.com/office/drawing/2014/main" id="{0BE373C9-ECD7-38E7-9BCB-53AA001FA11F}"/>
+                <a16:creationId xmlns:a16="http://schemas.microsoft.com/office/drawing/2014/main" id="{D307C4C7-D8EC-D770-9199-9264B747CFCE}"/>
               </a:ext>
             </a:extLst>
           </p:cNvPr>
@@ -7809,7 +8703,7 @@
             <a:spLocks noGrp="1"/>
           </p:cNvSpPr>
           <p:nvPr>
-            <p:ph type="ctrTitle"/>
+            <p:ph type="title"/>
           </p:nvPr>
         </p:nvSpPr>
         <p:spPr/>
@@ -7819,7 +8713,7 @@
           <a:p>
             <a:r>
               <a:rPr lang="en-US" dirty="0"/>
-              <a:t>MYSQL SETUP demo</a:t>
+              <a:t>Docker Commands SEEN So FAR</a:t>
             </a:r>
             <a:endParaRPr lang="en-SG" dirty="0"/>
           </a:p>
@@ -7827,10 +8721,10 @@
       </p:sp>
       <p:sp>
         <p:nvSpPr>
-          <p:cNvPr id="7" name="Subtitle 6">
+          <p:cNvPr id="3" name="Content Placeholder 2">
             <a:extLst>
               <a:ext uri="{FF2B5EF4-FFF2-40B4-BE49-F238E27FC236}">
-                <a16:creationId xmlns:a16="http://schemas.microsoft.com/office/drawing/2014/main" id="{771ADAF2-7179-B246-2630-D3CCC99784E4}"/>
+                <a16:creationId xmlns:a16="http://schemas.microsoft.com/office/drawing/2014/main" id="{20B8C143-CAB8-30A9-B768-6FA829F1999B}"/>
               </a:ext>
             </a:extLst>
           </p:cNvPr>
@@ -7838,24 +8732,339 @@
             <a:spLocks noGrp="1"/>
           </p:cNvSpPr>
           <p:nvPr>
-            <p:ph type="subTitle" idx="1"/>
-          </p:nvPr>
-        </p:nvSpPr>
-        <p:spPr/>
-        <p:txBody>
-          <a:bodyPr/>
-          <a:lstStyle/>
-          <a:p>
-            <a:endParaRPr lang="en-SG"/>
-          </a:p>
-        </p:txBody>
-      </p:sp>
-      <p:sp>
-        <p:nvSpPr>
-          <p:cNvPr id="5" name="Slide Number Placeholder 4">
+            <p:ph idx="1"/>
+          </p:nvPr>
+        </p:nvSpPr>
+        <p:spPr>
+          <a:xfrm>
+            <a:off x="1451579" y="2015732"/>
+            <a:ext cx="9712140" cy="4037749"/>
+          </a:xfrm>
+        </p:spPr>
+        <p:txBody>
+          <a:bodyPr>
+            <a:normAutofit fontScale="85000" lnSpcReduction="20000"/>
+          </a:bodyPr>
+          <a:lstStyle/>
+          <a:p>
+            <a:r>
+              <a:rPr lang="en-US" b="0" i="0" dirty="0">
+                <a:solidFill>
+                  <a:srgbClr val="374151"/>
+                </a:solidFill>
+                <a:effectLst/>
+                <a:latin typeface="Söhne"/>
+              </a:rPr>
+              <a:t>To build docker image  from </a:t>
+            </a:r>
+            <a:r>
+              <a:rPr lang="en-US" b="0" i="0" dirty="0" err="1">
+                <a:solidFill>
+                  <a:srgbClr val="374151"/>
+                </a:solidFill>
+                <a:effectLst/>
+                <a:latin typeface="Söhne"/>
+              </a:rPr>
+              <a:t>dockerfile</a:t>
+            </a:r>
+            <a:endParaRPr lang="en-US" dirty="0">
+              <a:solidFill>
+                <a:srgbClr val="374151"/>
+              </a:solidFill>
+              <a:latin typeface="Söhne"/>
+            </a:endParaRPr>
+          </a:p>
+          <a:p>
+            <a:pPr lvl="1"/>
+            <a:r>
+              <a:rPr lang="en-US" b="0" i="0" dirty="0">
+                <a:solidFill>
+                  <a:srgbClr val="374151"/>
+                </a:solidFill>
+                <a:effectLst/>
+                <a:latin typeface="Söhne"/>
+              </a:rPr>
+              <a:t>docker build -t &lt;</a:t>
+            </a:r>
+            <a:r>
+              <a:rPr lang="en-US" b="0" i="0" dirty="0" err="1">
+                <a:solidFill>
+                  <a:srgbClr val="374151"/>
+                </a:solidFill>
+                <a:effectLst/>
+                <a:latin typeface="Söhne"/>
+              </a:rPr>
+              <a:t>image_name</a:t>
+            </a:r>
+            <a:r>
+              <a:rPr lang="en-US" b="0" i="0" dirty="0">
+                <a:solidFill>
+                  <a:srgbClr val="374151"/>
+                </a:solidFill>
+                <a:effectLst/>
+                <a:latin typeface="Söhne"/>
+              </a:rPr>
+              <a:t>&gt; &lt;</a:t>
+            </a:r>
+            <a:r>
+              <a:rPr lang="en-US" b="0" i="0" dirty="0" err="1">
+                <a:solidFill>
+                  <a:srgbClr val="374151"/>
+                </a:solidFill>
+                <a:effectLst/>
+                <a:latin typeface="Söhne"/>
+              </a:rPr>
+              <a:t>path_to_Dockerfile</a:t>
+            </a:r>
+            <a:r>
+              <a:rPr lang="en-US" b="0" i="0" dirty="0">
+                <a:solidFill>
+                  <a:srgbClr val="374151"/>
+                </a:solidFill>
+                <a:effectLst/>
+                <a:latin typeface="Söhne"/>
+              </a:rPr>
+              <a:t>&gt;</a:t>
+            </a:r>
+            <a:endParaRPr lang="en-SG" b="0" i="0" dirty="0">
+              <a:solidFill>
+                <a:srgbClr val="374151"/>
+              </a:solidFill>
+              <a:effectLst/>
+              <a:latin typeface="Söhne"/>
+            </a:endParaRPr>
+          </a:p>
+          <a:p>
+            <a:r>
+              <a:rPr lang="en-SG" dirty="0">
+                <a:solidFill>
+                  <a:srgbClr val="374151"/>
+                </a:solidFill>
+                <a:latin typeface="Söhne"/>
+              </a:rPr>
+              <a:t>To create container from an image  </a:t>
+            </a:r>
+          </a:p>
+          <a:p>
+            <a:pPr lvl="1"/>
+            <a:r>
+              <a:rPr lang="en-SG" dirty="0">
+                <a:solidFill>
+                  <a:srgbClr val="374151"/>
+                </a:solidFill>
+                <a:latin typeface="Söhne"/>
+              </a:rPr>
+              <a:t>d</a:t>
+            </a:r>
+            <a:r>
+              <a:rPr lang="en-SG" b="0" i="0" dirty="0">
+                <a:solidFill>
+                  <a:srgbClr val="374151"/>
+                </a:solidFill>
+                <a:effectLst/>
+                <a:latin typeface="Söhne"/>
+              </a:rPr>
+              <a:t>ocker run &lt;</a:t>
+            </a:r>
+            <a:r>
+              <a:rPr lang="en-SG" b="0" i="0" dirty="0" err="1">
+                <a:solidFill>
+                  <a:srgbClr val="374151"/>
+                </a:solidFill>
+                <a:effectLst/>
+                <a:latin typeface="Söhne"/>
+              </a:rPr>
+              <a:t>image_name</a:t>
+            </a:r>
+            <a:r>
+              <a:rPr lang="en-SG" b="0" i="0" dirty="0">
+                <a:solidFill>
+                  <a:srgbClr val="374151"/>
+                </a:solidFill>
+                <a:effectLst/>
+                <a:latin typeface="Söhne"/>
+              </a:rPr>
+              <a:t>&gt;</a:t>
+            </a:r>
+          </a:p>
+          <a:p>
+            <a:r>
+              <a:rPr lang="en-SG" dirty="0">
+                <a:solidFill>
+                  <a:srgbClr val="374151"/>
+                </a:solidFill>
+                <a:latin typeface="Söhne"/>
+              </a:rPr>
+              <a:t>To check container status or container id: </a:t>
+            </a:r>
+          </a:p>
+          <a:p>
+            <a:pPr lvl="1"/>
+            <a:r>
+              <a:rPr lang="en-SG" dirty="0">
+                <a:solidFill>
+                  <a:srgbClr val="374151"/>
+                </a:solidFill>
+                <a:latin typeface="Söhne"/>
+              </a:rPr>
+              <a:t>docker </a:t>
+            </a:r>
+            <a:r>
+              <a:rPr lang="en-SG" dirty="0" err="1">
+                <a:solidFill>
+                  <a:srgbClr val="374151"/>
+                </a:solidFill>
+                <a:latin typeface="Söhne"/>
+              </a:rPr>
+              <a:t>ps</a:t>
+            </a:r>
+            <a:endParaRPr lang="en-US" dirty="0">
+              <a:solidFill>
+                <a:srgbClr val="374151"/>
+              </a:solidFill>
+              <a:latin typeface="Söhne"/>
+            </a:endParaRPr>
+          </a:p>
+          <a:p>
+            <a:r>
+              <a:rPr lang="en-US" b="0" i="0" dirty="0">
+                <a:solidFill>
+                  <a:srgbClr val="374151"/>
+                </a:solidFill>
+                <a:effectLst/>
+                <a:latin typeface="Söhne"/>
+              </a:rPr>
+              <a:t>To start container : docker start &lt;</a:t>
+            </a:r>
+            <a:r>
+              <a:rPr lang="en-US" b="0" i="0" dirty="0" err="1">
+                <a:solidFill>
+                  <a:srgbClr val="374151"/>
+                </a:solidFill>
+                <a:effectLst/>
+                <a:latin typeface="Söhne"/>
+              </a:rPr>
+              <a:t>container_id</a:t>
+            </a:r>
+            <a:r>
+              <a:rPr lang="en-US" b="0" i="0" dirty="0">
+                <a:solidFill>
+                  <a:srgbClr val="374151"/>
+                </a:solidFill>
+                <a:effectLst/>
+                <a:latin typeface="Söhne"/>
+              </a:rPr>
+              <a:t>&gt;</a:t>
+            </a:r>
+          </a:p>
+          <a:p>
+            <a:r>
+              <a:rPr lang="en-US" b="0" i="0" dirty="0">
+                <a:solidFill>
+                  <a:srgbClr val="374151"/>
+                </a:solidFill>
+                <a:effectLst/>
+                <a:latin typeface="Söhne"/>
+              </a:rPr>
+              <a:t>To stop container: docker stop &lt;</a:t>
+            </a:r>
+            <a:r>
+              <a:rPr lang="en-US" b="0" i="0" dirty="0" err="1">
+                <a:solidFill>
+                  <a:srgbClr val="374151"/>
+                </a:solidFill>
+                <a:effectLst/>
+                <a:latin typeface="Söhne"/>
+              </a:rPr>
+              <a:t>container_id</a:t>
+            </a:r>
+            <a:r>
+              <a:rPr lang="en-US" b="0" i="0" dirty="0">
+                <a:solidFill>
+                  <a:srgbClr val="374151"/>
+                </a:solidFill>
+                <a:effectLst/>
+                <a:latin typeface="Söhne"/>
+              </a:rPr>
+              <a:t>&gt;</a:t>
+            </a:r>
+          </a:p>
+          <a:p>
+            <a:r>
+              <a:rPr lang="en-US" dirty="0">
+                <a:solidFill>
+                  <a:srgbClr val="374151"/>
+                </a:solidFill>
+                <a:latin typeface="Söhne"/>
+              </a:rPr>
+              <a:t>To delete a container : docker rm &lt;</a:t>
+            </a:r>
+            <a:r>
+              <a:rPr lang="en-US" dirty="0" err="1">
+                <a:solidFill>
+                  <a:srgbClr val="374151"/>
+                </a:solidFill>
+                <a:latin typeface="Söhne"/>
+              </a:rPr>
+              <a:t>container_id</a:t>
+            </a:r>
+            <a:r>
+              <a:rPr lang="en-US" dirty="0">
+                <a:solidFill>
+                  <a:srgbClr val="374151"/>
+                </a:solidFill>
+                <a:latin typeface="Söhne"/>
+              </a:rPr>
+              <a:t>&gt;</a:t>
+            </a:r>
+          </a:p>
+          <a:p>
+            <a:r>
+              <a:rPr lang="en-US" b="0" i="0" dirty="0">
+                <a:solidFill>
+                  <a:srgbClr val="374151"/>
+                </a:solidFill>
+                <a:effectLst/>
+                <a:highlight>
+                  <a:srgbClr val="FFFF00"/>
+                </a:highlight>
+                <a:latin typeface="Söhne"/>
+              </a:rPr>
+              <a:t>To start docker compose : docker compose up –d</a:t>
+            </a:r>
+          </a:p>
+          <a:p>
+            <a:r>
+              <a:rPr lang="en-US" dirty="0">
+                <a:solidFill>
+                  <a:srgbClr val="374151"/>
+                </a:solidFill>
+                <a:highlight>
+                  <a:srgbClr val="FFFF00"/>
+                </a:highlight>
+                <a:latin typeface="Söhne"/>
+              </a:rPr>
+              <a:t>To stop docker compose : docker compose down</a:t>
+            </a:r>
+            <a:endParaRPr lang="en-SG" b="0" i="0" dirty="0">
+              <a:solidFill>
+                <a:srgbClr val="374151"/>
+              </a:solidFill>
+              <a:effectLst/>
+              <a:highlight>
+                <a:srgbClr val="FFFF00"/>
+              </a:highlight>
+              <a:latin typeface="Söhne"/>
+            </a:endParaRPr>
+          </a:p>
+        </p:txBody>
+      </p:sp>
+      <p:sp>
+        <p:nvSpPr>
+          <p:cNvPr id="4" name="Slide Number Placeholder 3">
             <a:extLst>
               <a:ext uri="{FF2B5EF4-FFF2-40B4-BE49-F238E27FC236}">
-                <a16:creationId xmlns:a16="http://schemas.microsoft.com/office/drawing/2014/main" id="{8547F4C8-DA98-7E4C-CED2-89300A1B2177}"/>
+                <a16:creationId xmlns:a16="http://schemas.microsoft.com/office/drawing/2014/main" id="{812C1388-8657-1250-D0A6-7E40D2EA0D66}"/>
               </a:ext>
             </a:extLst>
           </p:cNvPr>
@@ -7882,7 +9091,7 @@
     </p:spTree>
     <p:extLst>
       <p:ext uri="{BB962C8B-B14F-4D97-AF65-F5344CB8AC3E}">
-        <p14:creationId xmlns:p14="http://schemas.microsoft.com/office/powerpoint/2010/main" val="1509451626"/>
+        <p14:creationId xmlns:p14="http://schemas.microsoft.com/office/powerpoint/2010/main" val="4162166211"/>
       </p:ext>
     </p:extLst>
   </p:cSld>
@@ -7931,12 +9140,8 @@
           <a:lstStyle/>
           <a:p>
             <a:r>
-              <a:rPr lang="en-US" dirty="0" err="1"/>
-              <a:t>MYSQL_Flask</a:t>
-            </a:r>
-            <a:r>
               <a:rPr lang="en-US" dirty="0"/>
-              <a:t> API demo</a:t>
+              <a:t>MYSQL SETUP demo</a:t>
             </a:r>
             <a:endParaRPr lang="en-SG" dirty="0"/>
           </a:p>
@@ -7999,7 +9204,7 @@
     </p:spTree>
     <p:extLst>
       <p:ext uri="{BB962C8B-B14F-4D97-AF65-F5344CB8AC3E}">
-        <p14:creationId xmlns:p14="http://schemas.microsoft.com/office/powerpoint/2010/main" val="3919938145"/>
+        <p14:creationId xmlns:p14="http://schemas.microsoft.com/office/powerpoint/2010/main" val="1509451626"/>
       </p:ext>
     </p:extLst>
   </p:cSld>
@@ -8028,10 +9233,10 @@
       </p:grpSpPr>
       <p:sp>
         <p:nvSpPr>
-          <p:cNvPr id="5" name="Title 4">
+          <p:cNvPr id="6" name="Title 5">
             <a:extLst>
               <a:ext uri="{FF2B5EF4-FFF2-40B4-BE49-F238E27FC236}">
-                <a16:creationId xmlns:a16="http://schemas.microsoft.com/office/drawing/2014/main" id="{54D940A4-007E-54D2-C48D-7AF856C5F3CC}"/>
+                <a16:creationId xmlns:a16="http://schemas.microsoft.com/office/drawing/2014/main" id="{0BE373C9-ECD7-38E7-9BCB-53AA001FA11F}"/>
               </a:ext>
             </a:extLst>
           </p:cNvPr>
@@ -8039,7 +9244,7 @@
             <a:spLocks noGrp="1"/>
           </p:cNvSpPr>
           <p:nvPr>
-            <p:ph type="title"/>
+            <p:ph type="ctrTitle"/>
           </p:nvPr>
         </p:nvSpPr>
         <p:spPr/>
@@ -8048,8 +9253,12 @@
           <a:lstStyle/>
           <a:p>
             <a:r>
+              <a:rPr lang="en-US" dirty="0" err="1"/>
+              <a:t>MYSQL_Flask</a:t>
+            </a:r>
+            <a:r>
               <a:rPr lang="en-US" dirty="0"/>
-              <a:t>Best Practices</a:t>
+              <a:t> API demo</a:t>
             </a:r>
             <a:endParaRPr lang="en-SG" dirty="0"/>
           </a:p>
@@ -8057,10 +9266,10 @@
       </p:sp>
       <p:sp>
         <p:nvSpPr>
-          <p:cNvPr id="3" name="Content Placeholder 2">
+          <p:cNvPr id="7" name="Subtitle 6">
             <a:extLst>
               <a:ext uri="{FF2B5EF4-FFF2-40B4-BE49-F238E27FC236}">
-                <a16:creationId xmlns:a16="http://schemas.microsoft.com/office/drawing/2014/main" id="{B0A1AABF-3D92-721B-BCAD-E53DA6FB1DB1}"/>
+                <a16:creationId xmlns:a16="http://schemas.microsoft.com/office/drawing/2014/main" id="{771ADAF2-7179-B246-2630-D3CCC99784E4}"/>
               </a:ext>
             </a:extLst>
           </p:cNvPr>
@@ -8068,191 +9277,24 @@
             <a:spLocks noGrp="1"/>
           </p:cNvSpPr>
           <p:nvPr>
-            <p:ph idx="1"/>
-          </p:nvPr>
-        </p:nvSpPr>
-        <p:spPr>
-          <a:xfrm>
-            <a:off x="1192697" y="1853754"/>
-            <a:ext cx="10090204" cy="4354541"/>
-          </a:xfrm>
-        </p:spPr>
-        <p:txBody>
-          <a:bodyPr>
-            <a:normAutofit fontScale="47500" lnSpcReduction="20000"/>
-          </a:bodyPr>
-          <a:lstStyle/>
-          <a:p>
-            <a:r>
-              <a:rPr lang="en-US" sz="2900" dirty="0">
-                <a:latin typeface="Söhne"/>
-              </a:rPr>
-              <a:t>Single Responsibility Principle</a:t>
-            </a:r>
-            <a:r>
-              <a:rPr lang="en-US" sz="2700" b="0" i="0" dirty="0">
-                <a:effectLst/>
-                <a:latin typeface="Söhne"/>
-              </a:rPr>
-              <a:t>: Each container should have a single responsibility. </a:t>
-            </a:r>
-          </a:p>
-          <a:p>
-            <a:pPr lvl="1"/>
-            <a:r>
-              <a:rPr lang="en-US" sz="2700" b="0" i="0" dirty="0">
-                <a:effectLst/>
-                <a:latin typeface="Söhne"/>
-              </a:rPr>
-              <a:t>This means one process per container.  </a:t>
-            </a:r>
-            <a:r>
-              <a:rPr lang="en-US" sz="2700" dirty="0">
-                <a:latin typeface="Söhne"/>
-              </a:rPr>
-              <a:t>Ex.</a:t>
-            </a:r>
-            <a:r>
-              <a:rPr lang="en-US" sz="2700" b="0" i="0" dirty="0">
-                <a:effectLst/>
-                <a:latin typeface="Söhne"/>
-              </a:rPr>
-              <a:t> separate your front end, backend webservice, and database into different containers.</a:t>
-            </a:r>
-          </a:p>
-          <a:p>
-            <a:r>
-              <a:rPr lang="en-US" sz="2900" b="0" i="0" dirty="0">
-                <a:effectLst/>
-                <a:latin typeface="Söhne"/>
-              </a:rPr>
-              <a:t>Use Official Images:  </a:t>
-            </a:r>
-          </a:p>
-          <a:p>
-            <a:pPr lvl="1"/>
-            <a:r>
-              <a:rPr lang="en-US" sz="2700" dirty="0">
-                <a:latin typeface="Söhne"/>
-              </a:rPr>
-              <a:t>U</a:t>
-            </a:r>
-            <a:r>
-              <a:rPr lang="en-US" sz="2700" b="0" i="0" dirty="0">
-                <a:effectLst/>
-                <a:latin typeface="Söhne"/>
-              </a:rPr>
-              <a:t>se official Docker images from trusted sources like Docker Hub, whenever possible. </a:t>
-            </a:r>
-          </a:p>
-          <a:p>
-            <a:r>
-              <a:rPr lang="en-US" sz="2900" b="0" i="0" dirty="0">
-                <a:effectLst/>
-                <a:latin typeface="Söhne"/>
-              </a:rPr>
-              <a:t>Keep Containers Stateless:  </a:t>
-            </a:r>
-          </a:p>
-          <a:p>
-            <a:pPr lvl="1"/>
-            <a:r>
-              <a:rPr lang="en-US" sz="2700" b="0" i="0" dirty="0">
-                <a:effectLst/>
-                <a:latin typeface="Söhne"/>
-              </a:rPr>
-              <a:t>Store data and configuration outside the container, preferably in (volumes or external databases)</a:t>
-            </a:r>
-          </a:p>
-          <a:p>
-            <a:r>
-              <a:rPr lang="en-US" sz="2900" b="0" i="0" dirty="0">
-                <a:effectLst/>
-                <a:latin typeface="Söhne"/>
-              </a:rPr>
-              <a:t>Optimize Image Size for faster deployment: </a:t>
-            </a:r>
-          </a:p>
-          <a:p>
-            <a:pPr lvl="1"/>
-            <a:r>
-              <a:rPr lang="en-US" sz="2700" dirty="0">
-                <a:latin typeface="Söhne"/>
-              </a:rPr>
-              <a:t>After specifying the base image, include requirements.txt and install it as the first step in your Dockerfile. Docker utilizes cache, ensuring efficient caching and faster build times.</a:t>
-            </a:r>
-          </a:p>
-          <a:p>
-            <a:pPr lvl="1"/>
-            <a:r>
-              <a:rPr lang="en-US" sz="2700" dirty="0">
-                <a:latin typeface="Söhne"/>
-              </a:rPr>
-              <a:t>Minimize the size of Docker images by removing unnecessary dependencies, which reduces deployment time and resource usage.</a:t>
-            </a:r>
-          </a:p>
-          <a:p>
-            <a:r>
-              <a:rPr lang="en-US" sz="2900" b="0" i="0" dirty="0">
-                <a:effectLst/>
-                <a:latin typeface="Söhne"/>
-              </a:rPr>
-              <a:t>Security: </a:t>
-            </a:r>
-          </a:p>
-          <a:p>
-            <a:pPr lvl="1"/>
-            <a:r>
-              <a:rPr lang="en-US" sz="2700" b="0" i="0" dirty="0">
-                <a:effectLst/>
-                <a:latin typeface="Söhne"/>
-              </a:rPr>
-              <a:t>Follow security best practices such as using trusted base images, regularly updating images and dependencies</a:t>
-            </a:r>
-          </a:p>
-          <a:p>
-            <a:r>
-              <a:rPr lang="en-US" sz="2900" b="0" i="0" dirty="0">
-                <a:effectLst/>
-                <a:latin typeface="Söhne"/>
-              </a:rPr>
-              <a:t>Documentation: </a:t>
-            </a:r>
-          </a:p>
-          <a:p>
-            <a:pPr lvl="1"/>
-            <a:r>
-              <a:rPr lang="en-US" sz="2700" b="0" i="0" dirty="0">
-                <a:effectLst/>
-                <a:latin typeface="Söhne"/>
-              </a:rPr>
-              <a:t>Maintain clear and up-to-date documentation for your Docker images and containers. </a:t>
-            </a:r>
-          </a:p>
-          <a:p>
-            <a:endParaRPr lang="en-US" sz="1700" b="0" i="0" dirty="0">
-              <a:effectLst/>
-              <a:latin typeface="Söhne"/>
-            </a:endParaRPr>
-          </a:p>
-          <a:p>
-            <a:pPr lvl="1"/>
-            <a:endParaRPr lang="en-US" sz="1700" b="0" i="0" dirty="0">
-              <a:effectLst/>
-              <a:latin typeface="Söhne"/>
-            </a:endParaRPr>
-          </a:p>
-          <a:p>
-            <a:endParaRPr lang="en-SG" dirty="0"/>
-          </a:p>
-        </p:txBody>
-      </p:sp>
-      <p:sp>
-        <p:nvSpPr>
-          <p:cNvPr id="4" name="Slide Number Placeholder 3">
+            <p:ph type="subTitle" idx="1"/>
+          </p:nvPr>
+        </p:nvSpPr>
+        <p:spPr/>
+        <p:txBody>
+          <a:bodyPr/>
+          <a:lstStyle/>
+          <a:p>
+            <a:endParaRPr lang="en-SG"/>
+          </a:p>
+        </p:txBody>
+      </p:sp>
+      <p:sp>
+        <p:nvSpPr>
+          <p:cNvPr id="5" name="Slide Number Placeholder 4">
             <a:extLst>
               <a:ext uri="{FF2B5EF4-FFF2-40B4-BE49-F238E27FC236}">
-                <a16:creationId xmlns:a16="http://schemas.microsoft.com/office/drawing/2014/main" id="{83A6863F-0C7B-EB63-018B-8645E7A3DD6A}"/>
+                <a16:creationId xmlns:a16="http://schemas.microsoft.com/office/drawing/2014/main" id="{8547F4C8-DA98-7E4C-CED2-89300A1B2177}"/>
               </a:ext>
             </a:extLst>
           </p:cNvPr>
@@ -8279,7 +9321,7 @@
     </p:spTree>
     <p:extLst>
       <p:ext uri="{BB962C8B-B14F-4D97-AF65-F5344CB8AC3E}">
-        <p14:creationId xmlns:p14="http://schemas.microsoft.com/office/powerpoint/2010/main" val="4065584649"/>
+        <p14:creationId xmlns:p14="http://schemas.microsoft.com/office/powerpoint/2010/main" val="3919938145"/>
       </p:ext>
     </p:extLst>
   </p:cSld>
@@ -8308,10 +9350,10 @@
       </p:grpSpPr>
       <p:sp>
         <p:nvSpPr>
-          <p:cNvPr id="2" name="Title 1">
+          <p:cNvPr id="5" name="Title 4">
             <a:extLst>
               <a:ext uri="{FF2B5EF4-FFF2-40B4-BE49-F238E27FC236}">
-                <a16:creationId xmlns:a16="http://schemas.microsoft.com/office/drawing/2014/main" id="{E8E74809-A8B7-8AFB-3E3A-5A43889517B4}"/>
+                <a16:creationId xmlns:a16="http://schemas.microsoft.com/office/drawing/2014/main" id="{54D940A4-007E-54D2-C48D-7AF856C5F3CC}"/>
               </a:ext>
             </a:extLst>
           </p:cNvPr>
@@ -8329,11 +9371,7 @@
           <a:p>
             <a:r>
               <a:rPr lang="en-US" dirty="0"/>
-              <a:t>Overview of Docker </a:t>
-            </a:r>
-            <a:r>
-              <a:rPr lang="en-US" dirty="0" err="1"/>
-              <a:t>NEtworks</a:t>
+              <a:t>Best Practices</a:t>
             </a:r>
             <a:endParaRPr lang="en-SG" dirty="0"/>
           </a:p>
@@ -8344,7 +9382,7 @@
           <p:cNvPr id="3" name="Content Placeholder 2">
             <a:extLst>
               <a:ext uri="{FF2B5EF4-FFF2-40B4-BE49-F238E27FC236}">
-                <a16:creationId xmlns:a16="http://schemas.microsoft.com/office/drawing/2014/main" id="{6D06AD77-257D-6C8C-3682-4F04DC614A4F}"/>
+                <a16:creationId xmlns:a16="http://schemas.microsoft.com/office/drawing/2014/main" id="{B0A1AABF-3D92-721B-BCAD-E53DA6FB1DB1}"/>
               </a:ext>
             </a:extLst>
           </p:cNvPr>
@@ -8355,56 +9393,191 @@
             <p:ph idx="1"/>
           </p:nvPr>
         </p:nvSpPr>
-        <p:spPr/>
+        <p:spPr>
+          <a:xfrm>
+            <a:off x="1192697" y="1853754"/>
+            <a:ext cx="10090204" cy="4354541"/>
+          </a:xfrm>
+        </p:spPr>
         <p:txBody>
           <a:bodyPr>
-            <a:normAutofit/>
+            <a:normAutofit fontScale="47500" lnSpcReduction="20000"/>
           </a:bodyPr>
           <a:lstStyle/>
           <a:p>
             <a:r>
-              <a:rPr lang="en-US" sz="1800" dirty="0">
-                <a:latin typeface="Söhne"/>
-              </a:rPr>
-              <a:t>Docker networking allows containers to communicate with each other, similar to how computers on a network communicate. </a:t>
-            </a:r>
-          </a:p>
-          <a:p>
-            <a:r>
-              <a:rPr lang="en-US" sz="1800" dirty="0">
-                <a:latin typeface="Söhne"/>
-              </a:rPr>
-              <a:t>Docker network is a virtual network created by Docker to enable communication between Docker containers. </a:t>
+              <a:rPr lang="en-US" sz="2900" dirty="0">
+                <a:latin typeface="Söhne"/>
+              </a:rPr>
+              <a:t>Single Responsibility Principle</a:t>
+            </a:r>
+            <a:r>
+              <a:rPr lang="en-US" sz="2700" b="0" i="0" dirty="0">
+                <a:effectLst/>
+                <a:latin typeface="Söhne"/>
+              </a:rPr>
+              <a:t>: Each container should have a single responsibility. </a:t>
             </a:r>
           </a:p>
           <a:p>
             <a:pPr lvl="1"/>
             <a:r>
-              <a:rPr lang="en-US" sz="1600" dirty="0">
-                <a:latin typeface="Söhne"/>
-              </a:rPr>
-              <a:t>If two containers are running on the same host machine (our computer where Docker is installed and running) within a Docker network, they can communicate with each other without the need for ports to be exposed to the host machine. 	</a:t>
-            </a:r>
-            <a:endParaRPr lang="en-SG" sz="1600" dirty="0">
+              <a:rPr lang="en-US" sz="2700" b="0" i="0" dirty="0">
+                <a:effectLst/>
+                <a:latin typeface="Söhne"/>
+              </a:rPr>
+              <a:t>This means one process per container.  </a:t>
+            </a:r>
+            <a:r>
+              <a:rPr lang="en-US" sz="2700" dirty="0">
+                <a:latin typeface="Söhne"/>
+              </a:rPr>
+              <a:t>Ex.</a:t>
+            </a:r>
+            <a:r>
+              <a:rPr lang="en-US" sz="2700" b="0" i="0" dirty="0">
+                <a:effectLst/>
+                <a:latin typeface="Söhne"/>
+              </a:rPr>
+              <a:t> separate your front end, backend webservice, and database into different containers.</a:t>
+            </a:r>
+          </a:p>
+          <a:p>
+            <a:r>
+              <a:rPr lang="en-US" sz="2900" b="0" i="0" dirty="0">
+                <a:effectLst/>
+                <a:latin typeface="Söhne"/>
+              </a:rPr>
+              <a:t>Use Official Images:  </a:t>
+            </a:r>
+          </a:p>
+          <a:p>
+            <a:pPr lvl="1"/>
+            <a:r>
+              <a:rPr lang="en-US" sz="2700" dirty="0">
+                <a:latin typeface="Söhne"/>
+              </a:rPr>
+              <a:t>U</a:t>
+            </a:r>
+            <a:r>
+              <a:rPr lang="en-US" sz="2700" b="0" i="0" dirty="0">
+                <a:effectLst/>
+                <a:latin typeface="Söhne"/>
+              </a:rPr>
+              <a:t>se official Docker images from trusted sources like Docker Hub, whenever possible. </a:t>
+            </a:r>
+          </a:p>
+          <a:p>
+            <a:r>
+              <a:rPr lang="en-US" sz="2900" b="0" i="0" dirty="0">
+                <a:effectLst/>
+                <a:latin typeface="Söhne"/>
+              </a:rPr>
+              <a:t>Keep Containers Stateless:  </a:t>
+            </a:r>
+          </a:p>
+          <a:p>
+            <a:pPr lvl="1"/>
+            <a:r>
+              <a:rPr lang="en-US" sz="2700" b="0" i="0" dirty="0">
+                <a:effectLst/>
+                <a:latin typeface="Söhne"/>
+              </a:rPr>
+              <a:t>Store data and configuration outside the container, preferably in (volumes or external databases)</a:t>
+            </a:r>
+          </a:p>
+          <a:p>
+            <a:r>
+              <a:rPr lang="en-US" sz="2900" b="0" i="0" dirty="0">
+                <a:effectLst/>
+                <a:latin typeface="Söhne"/>
+              </a:rPr>
+              <a:t>Optimize Image Size for faster deployment: </a:t>
+            </a:r>
+          </a:p>
+          <a:p>
+            <a:pPr lvl="1"/>
+            <a:r>
+              <a:rPr lang="en-US" sz="2700" dirty="0">
+                <a:latin typeface="Söhne"/>
+              </a:rPr>
+              <a:t>After specifying the base image, </a:t>
+            </a:r>
+            <a:r>
+              <a:rPr lang="en-US" sz="2700" b="1" dirty="0">
+                <a:latin typeface="Söhne"/>
+              </a:rPr>
+              <a:t>include requirements.txt and install it as the first step in your Dockerfile</a:t>
+            </a:r>
+            <a:r>
+              <a:rPr lang="en-US" sz="2700" dirty="0">
+                <a:latin typeface="Söhne"/>
+              </a:rPr>
+              <a:t>. Docker utilizes cache, ensuring efficient caching and faster build times.</a:t>
+            </a:r>
+          </a:p>
+          <a:p>
+            <a:pPr lvl="1"/>
+            <a:r>
+              <a:rPr lang="en-US" sz="2700" dirty="0">
+                <a:latin typeface="Söhne"/>
+              </a:rPr>
+              <a:t>Minimize the size of Docker images by removing unnecessary dependencies, which reduces deployment time and resource usage.</a:t>
+            </a:r>
+          </a:p>
+          <a:p>
+            <a:r>
+              <a:rPr lang="en-US" sz="2900" b="0" i="0" dirty="0">
+                <a:effectLst/>
+                <a:latin typeface="Söhne"/>
+              </a:rPr>
+              <a:t>Security: </a:t>
+            </a:r>
+          </a:p>
+          <a:p>
+            <a:pPr lvl="1"/>
+            <a:r>
+              <a:rPr lang="en-US" sz="2700" b="0" i="0" dirty="0">
+                <a:effectLst/>
+                <a:latin typeface="Söhne"/>
+              </a:rPr>
+              <a:t>Follow security best practices such as using trusted base images, regularly updating images and dependencies</a:t>
+            </a:r>
+          </a:p>
+          <a:p>
+            <a:r>
+              <a:rPr lang="en-US" sz="2900" b="0" i="0" dirty="0">
+                <a:effectLst/>
+                <a:latin typeface="Söhne"/>
+              </a:rPr>
+              <a:t>Documentation: </a:t>
+            </a:r>
+          </a:p>
+          <a:p>
+            <a:pPr lvl="1"/>
+            <a:r>
+              <a:rPr lang="en-US" sz="2700" b="0" i="0" dirty="0">
+                <a:effectLst/>
+                <a:latin typeface="Söhne"/>
+              </a:rPr>
+              <a:t>Maintain clear and up-to-date documentation for your Docker images and containers. </a:t>
+            </a:r>
+          </a:p>
+          <a:p>
+            <a:endParaRPr lang="en-US" sz="1700" b="0" i="0" dirty="0">
+              <a:effectLst/>
               <a:latin typeface="Söhne"/>
             </a:endParaRPr>
           </a:p>
           <a:p>
-            <a:r>
-              <a:rPr lang="en-SG" sz="1800" dirty="0">
-                <a:latin typeface="Söhne"/>
-              </a:rPr>
-              <a:t>Command for managing Docker networks.</a:t>
-            </a:r>
-          </a:p>
-          <a:p>
-            <a:pPr lvl="2"/>
-            <a:r>
-              <a:rPr lang="en-SG" sz="1800" dirty="0">
-                <a:latin typeface="Söhne"/>
-              </a:rPr>
-              <a:t>Ex: docker network create my-network</a:t>
-            </a:r>
+            <a:pPr lvl="1"/>
+            <a:endParaRPr lang="en-US" sz="1700" b="0" i="0" dirty="0">
+              <a:effectLst/>
+              <a:latin typeface="Söhne"/>
+            </a:endParaRPr>
+          </a:p>
+          <a:p>
+            <a:endParaRPr lang="en-SG" dirty="0"/>
           </a:p>
         </p:txBody>
       </p:sp>
@@ -8413,7 +9586,7 @@
           <p:cNvPr id="4" name="Slide Number Placeholder 3">
             <a:extLst>
               <a:ext uri="{FF2B5EF4-FFF2-40B4-BE49-F238E27FC236}">
-                <a16:creationId xmlns:a16="http://schemas.microsoft.com/office/drawing/2014/main" id="{C94C6622-48F8-8CFB-64C0-9EDC8E4FE292}"/>
+                <a16:creationId xmlns:a16="http://schemas.microsoft.com/office/drawing/2014/main" id="{83A6863F-0C7B-EB63-018B-8645E7A3DD6A}"/>
               </a:ext>
             </a:extLst>
           </p:cNvPr>
@@ -8440,7 +9613,7 @@
     </p:spTree>
     <p:extLst>
       <p:ext uri="{BB962C8B-B14F-4D97-AF65-F5344CB8AC3E}">
-        <p14:creationId xmlns:p14="http://schemas.microsoft.com/office/powerpoint/2010/main" val="3175061686"/>
+        <p14:creationId xmlns:p14="http://schemas.microsoft.com/office/powerpoint/2010/main" val="4065584649"/>
       </p:ext>
     </p:extLst>
   </p:cSld>
@@ -8490,6 +9663,342 @@
           <a:p>
             <a:r>
               <a:rPr lang="en-US" dirty="0"/>
+              <a:t>Best Practices</a:t>
+            </a:r>
+            <a:endParaRPr lang="en-SG" dirty="0"/>
+          </a:p>
+        </p:txBody>
+      </p:sp>
+      <p:sp>
+        <p:nvSpPr>
+          <p:cNvPr id="3" name="Content Placeholder 2">
+            <a:extLst>
+              <a:ext uri="{FF2B5EF4-FFF2-40B4-BE49-F238E27FC236}">
+                <a16:creationId xmlns:a16="http://schemas.microsoft.com/office/drawing/2014/main" id="{B0A1AABF-3D92-721B-BCAD-E53DA6FB1DB1}"/>
+              </a:ext>
+            </a:extLst>
+          </p:cNvPr>
+          <p:cNvSpPr>
+            <a:spLocks noGrp="1"/>
+          </p:cNvSpPr>
+          <p:nvPr>
+            <p:ph idx="1"/>
+          </p:nvPr>
+        </p:nvSpPr>
+        <p:spPr/>
+        <p:txBody>
+          <a:bodyPr>
+            <a:normAutofit/>
+          </a:bodyPr>
+          <a:lstStyle/>
+          <a:p>
+            <a:endParaRPr lang="en-US" sz="1700" b="0" i="0" dirty="0">
+              <a:effectLst/>
+              <a:latin typeface="Söhne"/>
+            </a:endParaRPr>
+          </a:p>
+          <a:p>
+            <a:pPr lvl="1"/>
+            <a:endParaRPr lang="en-US" sz="1700" b="0" i="0" dirty="0">
+              <a:effectLst/>
+              <a:latin typeface="Söhne"/>
+            </a:endParaRPr>
+          </a:p>
+          <a:p>
+            <a:endParaRPr lang="en-SG" dirty="0"/>
+          </a:p>
+        </p:txBody>
+      </p:sp>
+      <p:sp>
+        <p:nvSpPr>
+          <p:cNvPr id="4" name="Slide Number Placeholder 3">
+            <a:extLst>
+              <a:ext uri="{FF2B5EF4-FFF2-40B4-BE49-F238E27FC236}">
+                <a16:creationId xmlns:a16="http://schemas.microsoft.com/office/drawing/2014/main" id="{83A6863F-0C7B-EB63-018B-8645E7A3DD6A}"/>
+              </a:ext>
+            </a:extLst>
+          </p:cNvPr>
+          <p:cNvSpPr>
+            <a:spLocks noGrp="1"/>
+          </p:cNvSpPr>
+          <p:nvPr>
+            <p:ph type="sldNum" sz="quarter" idx="12"/>
+          </p:nvPr>
+        </p:nvSpPr>
+        <p:spPr/>
+        <p:txBody>
+          <a:bodyPr/>
+          <a:lstStyle/>
+          <a:p>
+            <a:fld id="{6D22F896-40B5-4ADD-8801-0D06FADFA095}" type="slidenum">
+              <a:rPr lang="en-US" smtClean="0"/>
+              <a:t>26</a:t>
+            </a:fld>
+            <a:endParaRPr lang="en-US" dirty="0"/>
+          </a:p>
+        </p:txBody>
+      </p:sp>
+      <p:pic>
+        <p:nvPicPr>
+          <p:cNvPr id="2050" name="Picture 2">
+            <a:extLst>
+              <a:ext uri="{FF2B5EF4-FFF2-40B4-BE49-F238E27FC236}">
+                <a16:creationId xmlns:a16="http://schemas.microsoft.com/office/drawing/2014/main" id="{A45E3C5E-9DA3-1041-2E13-6B97D817C6E0}"/>
+              </a:ext>
+            </a:extLst>
+          </p:cNvPr>
+          <p:cNvPicPr>
+            <a:picLocks noChangeAspect="1" noChangeArrowheads="1"/>
+          </p:cNvPicPr>
+          <p:nvPr/>
+        </p:nvPicPr>
+        <p:blipFill>
+          <a:blip r:embed="rId2">
+            <a:extLst>
+              <a:ext uri="{28A0092B-C50C-407E-A947-70E740481C1C}">
+                <a14:useLocalDpi xmlns:a14="http://schemas.microsoft.com/office/drawing/2010/main" val="0"/>
+              </a:ext>
+            </a:extLst>
+          </a:blip>
+          <a:srcRect/>
+          <a:stretch>
+            <a:fillRect/>
+          </a:stretch>
+        </p:blipFill>
+        <p:spPr bwMode="auto">
+          <a:xfrm>
+            <a:off x="3156098" y="2015732"/>
+            <a:ext cx="5170406" cy="3620996"/>
+          </a:xfrm>
+          <a:prstGeom prst="rect">
+            <a:avLst/>
+          </a:prstGeom>
+          <a:noFill/>
+          <a:extLst>
+            <a:ext uri="{909E8E84-426E-40DD-AFC4-6F175D3DCCD1}">
+              <a14:hiddenFill xmlns:a14="http://schemas.microsoft.com/office/drawing/2010/main">
+                <a:solidFill>
+                  <a:srgbClr val="FFFFFF"/>
+                </a:solidFill>
+              </a14:hiddenFill>
+            </a:ext>
+          </a:extLst>
+        </p:spPr>
+      </p:pic>
+    </p:spTree>
+    <p:extLst>
+      <p:ext uri="{BB962C8B-B14F-4D97-AF65-F5344CB8AC3E}">
+        <p14:creationId xmlns:p14="http://schemas.microsoft.com/office/powerpoint/2010/main" val="1814083536"/>
+      </p:ext>
+    </p:extLst>
+  </p:cSld>
+  <p:clrMapOvr>
+    <a:masterClrMapping/>
+  </p:clrMapOvr>
+</p:sld>
+</file>
+
+<file path=ppt/slides/slide27.xml><?xml version="1.0" encoding="utf-8"?>
+<p:sld xmlns:a="http://schemas.openxmlformats.org/drawingml/2006/main" xmlns:r="http://schemas.openxmlformats.org/officeDocument/2006/relationships" xmlns:p="http://schemas.openxmlformats.org/presentationml/2006/main">
+  <p:cSld>
+    <p:spTree>
+      <p:nvGrpSpPr>
+        <p:cNvPr id="1" name=""/>
+        <p:cNvGrpSpPr/>
+        <p:nvPr/>
+      </p:nvGrpSpPr>
+      <p:grpSpPr>
+        <a:xfrm>
+          <a:off x="0" y="0"/>
+          <a:ext cx="0" cy="0"/>
+          <a:chOff x="0" y="0"/>
+          <a:chExt cx="0" cy="0"/>
+        </a:xfrm>
+      </p:grpSpPr>
+      <p:sp>
+        <p:nvSpPr>
+          <p:cNvPr id="2" name="Title 1">
+            <a:extLst>
+              <a:ext uri="{FF2B5EF4-FFF2-40B4-BE49-F238E27FC236}">
+                <a16:creationId xmlns:a16="http://schemas.microsoft.com/office/drawing/2014/main" id="{E8E74809-A8B7-8AFB-3E3A-5A43889517B4}"/>
+              </a:ext>
+            </a:extLst>
+          </p:cNvPr>
+          <p:cNvSpPr>
+            <a:spLocks noGrp="1"/>
+          </p:cNvSpPr>
+          <p:nvPr>
+            <p:ph type="title"/>
+          </p:nvPr>
+        </p:nvSpPr>
+        <p:spPr/>
+        <p:txBody>
+          <a:bodyPr/>
+          <a:lstStyle/>
+          <a:p>
+            <a:r>
+              <a:rPr lang="en-US" dirty="0"/>
+              <a:t>Overview of Docker </a:t>
+            </a:r>
+            <a:r>
+              <a:rPr lang="en-US" dirty="0" err="1"/>
+              <a:t>NEtworks</a:t>
+            </a:r>
+            <a:endParaRPr lang="en-SG" dirty="0"/>
+          </a:p>
+        </p:txBody>
+      </p:sp>
+      <p:sp>
+        <p:nvSpPr>
+          <p:cNvPr id="3" name="Content Placeholder 2">
+            <a:extLst>
+              <a:ext uri="{FF2B5EF4-FFF2-40B4-BE49-F238E27FC236}">
+                <a16:creationId xmlns:a16="http://schemas.microsoft.com/office/drawing/2014/main" id="{6D06AD77-257D-6C8C-3682-4F04DC614A4F}"/>
+              </a:ext>
+            </a:extLst>
+          </p:cNvPr>
+          <p:cNvSpPr>
+            <a:spLocks noGrp="1"/>
+          </p:cNvSpPr>
+          <p:nvPr>
+            <p:ph idx="1"/>
+          </p:nvPr>
+        </p:nvSpPr>
+        <p:spPr/>
+        <p:txBody>
+          <a:bodyPr>
+            <a:normAutofit/>
+          </a:bodyPr>
+          <a:lstStyle/>
+          <a:p>
+            <a:r>
+              <a:rPr lang="en-US" sz="1800" dirty="0">
+                <a:latin typeface="Söhne"/>
+              </a:rPr>
+              <a:t>Docker networking allows containers to communicate with each other, similar to how computers on a network communicate. </a:t>
+            </a:r>
+          </a:p>
+          <a:p>
+            <a:r>
+              <a:rPr lang="en-US" sz="1800" dirty="0">
+                <a:latin typeface="Söhne"/>
+              </a:rPr>
+              <a:t>Docker network is a virtual network created by Docker to enable communication between Docker containers. </a:t>
+            </a:r>
+          </a:p>
+          <a:p>
+            <a:pPr lvl="1"/>
+            <a:r>
+              <a:rPr lang="en-US" sz="1600" dirty="0">
+                <a:latin typeface="Söhne"/>
+              </a:rPr>
+              <a:t>If two containers are running on the same host machine (our computer where Docker is installed and running) within a Docker network, they can communicate with each other without the need for ports to be exposed to the host machine. 	</a:t>
+            </a:r>
+            <a:endParaRPr lang="en-SG" sz="1600" dirty="0">
+              <a:latin typeface="Söhne"/>
+            </a:endParaRPr>
+          </a:p>
+          <a:p>
+            <a:r>
+              <a:rPr lang="en-SG" sz="1800" dirty="0">
+                <a:latin typeface="Söhne"/>
+              </a:rPr>
+              <a:t>Command for managing Docker networks.</a:t>
+            </a:r>
+          </a:p>
+          <a:p>
+            <a:pPr lvl="2"/>
+            <a:r>
+              <a:rPr lang="en-SG" sz="1800" dirty="0">
+                <a:latin typeface="Söhne"/>
+              </a:rPr>
+              <a:t>Ex: docker network create my-network</a:t>
+            </a:r>
+          </a:p>
+        </p:txBody>
+      </p:sp>
+      <p:sp>
+        <p:nvSpPr>
+          <p:cNvPr id="4" name="Slide Number Placeholder 3">
+            <a:extLst>
+              <a:ext uri="{FF2B5EF4-FFF2-40B4-BE49-F238E27FC236}">
+                <a16:creationId xmlns:a16="http://schemas.microsoft.com/office/drawing/2014/main" id="{C94C6622-48F8-8CFB-64C0-9EDC8E4FE292}"/>
+              </a:ext>
+            </a:extLst>
+          </p:cNvPr>
+          <p:cNvSpPr>
+            <a:spLocks noGrp="1"/>
+          </p:cNvSpPr>
+          <p:nvPr>
+            <p:ph type="sldNum" sz="quarter" idx="12"/>
+          </p:nvPr>
+        </p:nvSpPr>
+        <p:spPr/>
+        <p:txBody>
+          <a:bodyPr/>
+          <a:lstStyle/>
+          <a:p>
+            <a:fld id="{6D22F896-40B5-4ADD-8801-0D06FADFA095}" type="slidenum">
+              <a:rPr lang="en-US" smtClean="0"/>
+              <a:t>27</a:t>
+            </a:fld>
+            <a:endParaRPr lang="en-US" dirty="0"/>
+          </a:p>
+        </p:txBody>
+      </p:sp>
+    </p:spTree>
+    <p:extLst>
+      <p:ext uri="{BB962C8B-B14F-4D97-AF65-F5344CB8AC3E}">
+        <p14:creationId xmlns:p14="http://schemas.microsoft.com/office/powerpoint/2010/main" val="3175061686"/>
+      </p:ext>
+    </p:extLst>
+  </p:cSld>
+  <p:clrMapOvr>
+    <a:masterClrMapping/>
+  </p:clrMapOvr>
+</p:sld>
+</file>
+
+<file path=ppt/slides/slide28.xml><?xml version="1.0" encoding="utf-8"?>
+<p:sld xmlns:a="http://schemas.openxmlformats.org/drawingml/2006/main" xmlns:r="http://schemas.openxmlformats.org/officeDocument/2006/relationships" xmlns:p="http://schemas.openxmlformats.org/presentationml/2006/main">
+  <p:cSld>
+    <p:spTree>
+      <p:nvGrpSpPr>
+        <p:cNvPr id="1" name=""/>
+        <p:cNvGrpSpPr/>
+        <p:nvPr/>
+      </p:nvGrpSpPr>
+      <p:grpSpPr>
+        <a:xfrm>
+          <a:off x="0" y="0"/>
+          <a:ext cx="0" cy="0"/>
+          <a:chOff x="0" y="0"/>
+          <a:chExt cx="0" cy="0"/>
+        </a:xfrm>
+      </p:grpSpPr>
+      <p:sp>
+        <p:nvSpPr>
+          <p:cNvPr id="5" name="Title 4">
+            <a:extLst>
+              <a:ext uri="{FF2B5EF4-FFF2-40B4-BE49-F238E27FC236}">
+                <a16:creationId xmlns:a16="http://schemas.microsoft.com/office/drawing/2014/main" id="{54D940A4-007E-54D2-C48D-7AF856C5F3CC}"/>
+              </a:ext>
+            </a:extLst>
+          </p:cNvPr>
+          <p:cNvSpPr>
+            <a:spLocks noGrp="1"/>
+          </p:cNvSpPr>
+          <p:nvPr>
+            <p:ph type="title"/>
+          </p:nvPr>
+        </p:nvSpPr>
+        <p:spPr/>
+        <p:txBody>
+          <a:bodyPr/>
+          <a:lstStyle/>
+          <a:p>
+            <a:r>
+              <a:rPr lang="en-US" dirty="0"/>
               <a:t>Pushing CUSTOM IMAGE to </a:t>
             </a:r>
             <a:r>
@@ -8690,7 +10199,7 @@
           <a:p>
             <a:fld id="{6D22F896-40B5-4ADD-8801-0D06FADFA095}" type="slidenum">
               <a:rPr lang="en-US" smtClean="0"/>
-              <a:t>26</a:t>
+              <a:t>28</a:t>
             </a:fld>
             <a:endParaRPr lang="en-US" dirty="0"/>
           </a:p>
@@ -8771,437 +10280,6 @@
 </p:sld>
 </file>
 
-<file path=ppt/slides/slide27.xml><?xml version="1.0" encoding="utf-8"?>
-<p:sld xmlns:a="http://schemas.openxmlformats.org/drawingml/2006/main" xmlns:r="http://schemas.openxmlformats.org/officeDocument/2006/relationships" xmlns:p="http://schemas.openxmlformats.org/presentationml/2006/main">
-  <p:cSld>
-    <p:spTree>
-      <p:nvGrpSpPr>
-        <p:cNvPr id="1" name=""/>
-        <p:cNvGrpSpPr/>
-        <p:nvPr/>
-      </p:nvGrpSpPr>
-      <p:grpSpPr>
-        <a:xfrm>
-          <a:off x="0" y="0"/>
-          <a:ext cx="0" cy="0"/>
-          <a:chOff x="0" y="0"/>
-          <a:chExt cx="0" cy="0"/>
-        </a:xfrm>
-      </p:grpSpPr>
-      <p:sp>
-        <p:nvSpPr>
-          <p:cNvPr id="2" name="Title 1">
-            <a:extLst>
-              <a:ext uri="{FF2B5EF4-FFF2-40B4-BE49-F238E27FC236}">
-                <a16:creationId xmlns:a16="http://schemas.microsoft.com/office/drawing/2014/main" id="{E8E74809-A8B7-8AFB-3E3A-5A43889517B4}"/>
-              </a:ext>
-            </a:extLst>
-          </p:cNvPr>
-          <p:cNvSpPr>
-            <a:spLocks noGrp="1"/>
-          </p:cNvSpPr>
-          <p:nvPr>
-            <p:ph type="title"/>
-          </p:nvPr>
-        </p:nvSpPr>
-        <p:spPr/>
-        <p:txBody>
-          <a:bodyPr/>
-          <a:lstStyle/>
-          <a:p>
-            <a:r>
-              <a:rPr lang="en-US" dirty="0"/>
-              <a:t>Important Docker Commands</a:t>
-            </a:r>
-            <a:endParaRPr lang="en-SG" dirty="0"/>
-          </a:p>
-        </p:txBody>
-      </p:sp>
-      <p:sp>
-        <p:nvSpPr>
-          <p:cNvPr id="3" name="Content Placeholder 2">
-            <a:extLst>
-              <a:ext uri="{FF2B5EF4-FFF2-40B4-BE49-F238E27FC236}">
-                <a16:creationId xmlns:a16="http://schemas.microsoft.com/office/drawing/2014/main" id="{6D06AD77-257D-6C8C-3682-4F04DC614A4F}"/>
-              </a:ext>
-            </a:extLst>
-          </p:cNvPr>
-          <p:cNvSpPr>
-            <a:spLocks noGrp="1"/>
-          </p:cNvSpPr>
-          <p:nvPr>
-            <p:ph idx="1"/>
-          </p:nvPr>
-        </p:nvSpPr>
-        <p:spPr/>
-        <p:txBody>
-          <a:bodyPr>
-            <a:normAutofit/>
-          </a:bodyPr>
-          <a:lstStyle/>
-          <a:p>
-            <a:r>
-              <a:rPr lang="en-SG" sz="1800" dirty="0">
-                <a:solidFill>
-                  <a:srgbClr val="0D0D0D"/>
-                </a:solidFill>
-                <a:latin typeface="Söhne"/>
-              </a:rPr>
-              <a:t>docker pull: Command for pulling an image or repository from a registry like Docker Hub.</a:t>
-            </a:r>
-          </a:p>
-          <a:p>
-            <a:pPr lvl="1"/>
-            <a:r>
-              <a:rPr lang="en-SG" dirty="0">
-                <a:solidFill>
-                  <a:srgbClr val="0D0D0D"/>
-                </a:solidFill>
-                <a:latin typeface="Söhne"/>
-              </a:rPr>
-              <a:t>Ex : docker pull python:3.9-slim</a:t>
-            </a:r>
-          </a:p>
-          <a:p>
-            <a:r>
-              <a:rPr lang="en-SG" sz="1800" dirty="0">
-                <a:solidFill>
-                  <a:srgbClr val="0D0D0D"/>
-                </a:solidFill>
-                <a:latin typeface="Söhne"/>
-              </a:rPr>
-              <a:t>docker images: Command for listing available images on the local system.</a:t>
-            </a:r>
-          </a:p>
-          <a:p>
-            <a:pPr lvl="1"/>
-            <a:r>
-              <a:rPr lang="en-SG" dirty="0">
-                <a:solidFill>
-                  <a:srgbClr val="0D0D0D"/>
-                </a:solidFill>
-                <a:latin typeface="Söhne"/>
-              </a:rPr>
-              <a:t>Ex: docker images</a:t>
-            </a:r>
-          </a:p>
-          <a:p>
-            <a:r>
-              <a:rPr lang="en-SG" sz="1800" dirty="0">
-                <a:solidFill>
-                  <a:srgbClr val="0D0D0D"/>
-                </a:solidFill>
-                <a:latin typeface="Söhne"/>
-              </a:rPr>
-              <a:t>docker </a:t>
-            </a:r>
-            <a:r>
-              <a:rPr lang="en-SG" sz="1800" dirty="0" err="1">
-                <a:solidFill>
-                  <a:srgbClr val="0D0D0D"/>
-                </a:solidFill>
-                <a:latin typeface="Söhne"/>
-              </a:rPr>
-              <a:t>ps</a:t>
-            </a:r>
-            <a:r>
-              <a:rPr lang="en-SG" sz="1800" dirty="0">
-                <a:solidFill>
-                  <a:srgbClr val="0D0D0D"/>
-                </a:solidFill>
-                <a:latin typeface="Söhne"/>
-              </a:rPr>
-              <a:t>: Command for listing running containers.</a:t>
-            </a:r>
-          </a:p>
-          <a:p>
-            <a:pPr lvl="1"/>
-            <a:r>
-              <a:rPr lang="en-SG" dirty="0">
-                <a:solidFill>
-                  <a:srgbClr val="0D0D0D"/>
-                </a:solidFill>
-                <a:latin typeface="Söhne"/>
-              </a:rPr>
-              <a:t>Ex: docker </a:t>
-            </a:r>
-            <a:r>
-              <a:rPr lang="en-SG" dirty="0" err="1">
-                <a:solidFill>
-                  <a:srgbClr val="0D0D0D"/>
-                </a:solidFill>
-                <a:latin typeface="Söhne"/>
-              </a:rPr>
-              <a:t>ps</a:t>
-            </a:r>
-            <a:endParaRPr lang="en-SG" dirty="0">
-              <a:solidFill>
-                <a:srgbClr val="0D0D0D"/>
-              </a:solidFill>
-              <a:latin typeface="Söhne"/>
-            </a:endParaRPr>
-          </a:p>
-        </p:txBody>
-      </p:sp>
-      <p:sp>
-        <p:nvSpPr>
-          <p:cNvPr id="4" name="Slide Number Placeholder 3">
-            <a:extLst>
-              <a:ext uri="{FF2B5EF4-FFF2-40B4-BE49-F238E27FC236}">
-                <a16:creationId xmlns:a16="http://schemas.microsoft.com/office/drawing/2014/main" id="{C94C6622-48F8-8CFB-64C0-9EDC8E4FE292}"/>
-              </a:ext>
-            </a:extLst>
-          </p:cNvPr>
-          <p:cNvSpPr>
-            <a:spLocks noGrp="1"/>
-          </p:cNvSpPr>
-          <p:nvPr>
-            <p:ph type="sldNum" sz="quarter" idx="12"/>
-          </p:nvPr>
-        </p:nvSpPr>
-        <p:spPr/>
-        <p:txBody>
-          <a:bodyPr/>
-          <a:lstStyle/>
-          <a:p>
-            <a:fld id="{6D22F896-40B5-4ADD-8801-0D06FADFA095}" type="slidenum">
-              <a:rPr lang="en-US" smtClean="0"/>
-              <a:t>27</a:t>
-            </a:fld>
-            <a:endParaRPr lang="en-US" dirty="0"/>
-          </a:p>
-        </p:txBody>
-      </p:sp>
-    </p:spTree>
-    <p:extLst>
-      <p:ext uri="{BB962C8B-B14F-4D97-AF65-F5344CB8AC3E}">
-        <p14:creationId xmlns:p14="http://schemas.microsoft.com/office/powerpoint/2010/main" val="2978262395"/>
-      </p:ext>
-    </p:extLst>
-  </p:cSld>
-  <p:clrMapOvr>
-    <a:masterClrMapping/>
-  </p:clrMapOvr>
-</p:sld>
-</file>
-
-<file path=ppt/slides/slide28.xml><?xml version="1.0" encoding="utf-8"?>
-<p:sld xmlns:a="http://schemas.openxmlformats.org/drawingml/2006/main" xmlns:r="http://schemas.openxmlformats.org/officeDocument/2006/relationships" xmlns:p="http://schemas.openxmlformats.org/presentationml/2006/main">
-  <p:cSld>
-    <p:spTree>
-      <p:nvGrpSpPr>
-        <p:cNvPr id="1" name=""/>
-        <p:cNvGrpSpPr/>
-        <p:nvPr/>
-      </p:nvGrpSpPr>
-      <p:grpSpPr>
-        <a:xfrm>
-          <a:off x="0" y="0"/>
-          <a:ext cx="0" cy="0"/>
-          <a:chOff x="0" y="0"/>
-          <a:chExt cx="0" cy="0"/>
-        </a:xfrm>
-      </p:grpSpPr>
-      <p:sp>
-        <p:nvSpPr>
-          <p:cNvPr id="2" name="Title 1">
-            <a:extLst>
-              <a:ext uri="{FF2B5EF4-FFF2-40B4-BE49-F238E27FC236}">
-                <a16:creationId xmlns:a16="http://schemas.microsoft.com/office/drawing/2014/main" id="{E8E74809-A8B7-8AFB-3E3A-5A43889517B4}"/>
-              </a:ext>
-            </a:extLst>
-          </p:cNvPr>
-          <p:cNvSpPr>
-            <a:spLocks noGrp="1"/>
-          </p:cNvSpPr>
-          <p:nvPr>
-            <p:ph type="title"/>
-          </p:nvPr>
-        </p:nvSpPr>
-        <p:spPr/>
-        <p:txBody>
-          <a:bodyPr/>
-          <a:lstStyle/>
-          <a:p>
-            <a:r>
-              <a:rPr lang="en-US" dirty="0"/>
-              <a:t>Important Docker Commands</a:t>
-            </a:r>
-            <a:endParaRPr lang="en-SG" dirty="0"/>
-          </a:p>
-        </p:txBody>
-      </p:sp>
-      <p:sp>
-        <p:nvSpPr>
-          <p:cNvPr id="3" name="Content Placeholder 2">
-            <a:extLst>
-              <a:ext uri="{FF2B5EF4-FFF2-40B4-BE49-F238E27FC236}">
-                <a16:creationId xmlns:a16="http://schemas.microsoft.com/office/drawing/2014/main" id="{6D06AD77-257D-6C8C-3682-4F04DC614A4F}"/>
-              </a:ext>
-            </a:extLst>
-          </p:cNvPr>
-          <p:cNvSpPr>
-            <a:spLocks noGrp="1"/>
-          </p:cNvSpPr>
-          <p:nvPr>
-            <p:ph idx="1"/>
-          </p:nvPr>
-        </p:nvSpPr>
-        <p:spPr/>
-        <p:txBody>
-          <a:bodyPr>
-            <a:normAutofit/>
-          </a:bodyPr>
-          <a:lstStyle/>
-          <a:p>
-            <a:r>
-              <a:rPr lang="en-SG" sz="1800" dirty="0">
-                <a:solidFill>
-                  <a:srgbClr val="0D0D0D"/>
-                </a:solidFill>
-                <a:latin typeface="Söhne"/>
-              </a:rPr>
-              <a:t>docker build: Command for building a Docker image from a </a:t>
-            </a:r>
-            <a:r>
-              <a:rPr lang="en-SG" sz="1800" dirty="0" err="1">
-                <a:solidFill>
-                  <a:srgbClr val="0D0D0D"/>
-                </a:solidFill>
-                <a:latin typeface="Söhne"/>
-              </a:rPr>
-              <a:t>Dockerfile</a:t>
-            </a:r>
-            <a:r>
-              <a:rPr lang="en-SG" sz="1800" dirty="0">
-                <a:solidFill>
-                  <a:srgbClr val="0D0D0D"/>
-                </a:solidFill>
-                <a:latin typeface="Söhne"/>
-              </a:rPr>
-              <a:t>.</a:t>
-            </a:r>
-          </a:p>
-          <a:p>
-            <a:pPr lvl="1"/>
-            <a:r>
-              <a:rPr lang="en-SG" dirty="0">
-                <a:solidFill>
-                  <a:srgbClr val="0D0D0D"/>
-                </a:solidFill>
-                <a:latin typeface="Söhne"/>
-              </a:rPr>
-              <a:t>Ex: docker build -t my-python-app .</a:t>
-            </a:r>
-          </a:p>
-          <a:p>
-            <a:r>
-              <a:rPr lang="en-SG" sz="1800" dirty="0">
-                <a:solidFill>
-                  <a:srgbClr val="0D0D0D"/>
-                </a:solidFill>
-                <a:latin typeface="Söhne"/>
-              </a:rPr>
-              <a:t>docker run: Command for creating and running a container from an image.</a:t>
-            </a:r>
-          </a:p>
-          <a:p>
-            <a:pPr lvl="1"/>
-            <a:r>
-              <a:rPr lang="en-SG" dirty="0">
-                <a:solidFill>
-                  <a:srgbClr val="0D0D0D"/>
-                </a:solidFill>
-                <a:latin typeface="Söhne"/>
-              </a:rPr>
-              <a:t>Ex: docker run my-python-app</a:t>
-            </a:r>
-          </a:p>
-          <a:p>
-            <a:r>
-              <a:rPr lang="en-SG" sz="1800" dirty="0">
-                <a:solidFill>
-                  <a:srgbClr val="0D0D0D"/>
-                </a:solidFill>
-                <a:latin typeface="Söhne"/>
-              </a:rPr>
-              <a:t>docker-compose: Command for managing multi-container Docker applications using a Docker Compose </a:t>
-            </a:r>
-            <a:r>
-              <a:rPr lang="en-SG" sz="1800" dirty="0" err="1">
-                <a:solidFill>
-                  <a:srgbClr val="0D0D0D"/>
-                </a:solidFill>
-                <a:latin typeface="Söhne"/>
-              </a:rPr>
-              <a:t>yml</a:t>
-            </a:r>
-            <a:r>
-              <a:rPr lang="en-SG" sz="1800" dirty="0">
-                <a:solidFill>
-                  <a:srgbClr val="0D0D0D"/>
-                </a:solidFill>
-                <a:latin typeface="Söhne"/>
-              </a:rPr>
-              <a:t> file.</a:t>
-            </a:r>
-          </a:p>
-          <a:p>
-            <a:pPr lvl="1"/>
-            <a:r>
-              <a:rPr lang="en-SG" dirty="0">
-                <a:solidFill>
-                  <a:srgbClr val="0D0D0D"/>
-                </a:solidFill>
-                <a:latin typeface="Söhne"/>
-              </a:rPr>
-              <a:t>Example: docker-compose up -d</a:t>
-            </a:r>
-          </a:p>
-        </p:txBody>
-      </p:sp>
-      <p:sp>
-        <p:nvSpPr>
-          <p:cNvPr id="4" name="Slide Number Placeholder 3">
-            <a:extLst>
-              <a:ext uri="{FF2B5EF4-FFF2-40B4-BE49-F238E27FC236}">
-                <a16:creationId xmlns:a16="http://schemas.microsoft.com/office/drawing/2014/main" id="{C94C6622-48F8-8CFB-64C0-9EDC8E4FE292}"/>
-              </a:ext>
-            </a:extLst>
-          </p:cNvPr>
-          <p:cNvSpPr>
-            <a:spLocks noGrp="1"/>
-          </p:cNvSpPr>
-          <p:nvPr>
-            <p:ph type="sldNum" sz="quarter" idx="12"/>
-          </p:nvPr>
-        </p:nvSpPr>
-        <p:spPr/>
-        <p:txBody>
-          <a:bodyPr/>
-          <a:lstStyle/>
-          <a:p>
-            <a:fld id="{6D22F896-40B5-4ADD-8801-0D06FADFA095}" type="slidenum">
-              <a:rPr lang="en-US" smtClean="0"/>
-              <a:t>28</a:t>
-            </a:fld>
-            <a:endParaRPr lang="en-US" dirty="0"/>
-          </a:p>
-        </p:txBody>
-      </p:sp>
-    </p:spTree>
-    <p:extLst>
-      <p:ext uri="{BB962C8B-B14F-4D97-AF65-F5344CB8AC3E}">
-        <p14:creationId xmlns:p14="http://schemas.microsoft.com/office/powerpoint/2010/main" val="3881800110"/>
-      </p:ext>
-    </p:extLst>
-  </p:cSld>
-  <p:clrMapOvr>
-    <a:masterClrMapping/>
-  </p:clrMapOvr>
-</p:sld>
-</file>
-
 <file path=ppt/slides/slide29.xml><?xml version="1.0" encoding="utf-8"?>
 <p:sld xmlns:a="http://schemas.openxmlformats.org/drawingml/2006/main" xmlns:r="http://schemas.openxmlformats.org/officeDocument/2006/relationships" xmlns:p="http://schemas.openxmlformats.org/presentationml/2006/main">
   <p:cSld>
@@ -9221,10 +10299,165 @@
       </p:grpSpPr>
       <p:sp>
         <p:nvSpPr>
-          <p:cNvPr id="5" name="Slide Number Placeholder 4">
+          <p:cNvPr id="2" name="Title 1">
             <a:extLst>
               <a:ext uri="{FF2B5EF4-FFF2-40B4-BE49-F238E27FC236}">
-                <a16:creationId xmlns:a16="http://schemas.microsoft.com/office/drawing/2014/main" id="{22E40711-DFF0-4134-7DFA-373E3182F074}"/>
+                <a16:creationId xmlns:a16="http://schemas.microsoft.com/office/drawing/2014/main" id="{E8E74809-A8B7-8AFB-3E3A-5A43889517B4}"/>
+              </a:ext>
+            </a:extLst>
+          </p:cNvPr>
+          <p:cNvSpPr>
+            <a:spLocks noGrp="1"/>
+          </p:cNvSpPr>
+          <p:nvPr>
+            <p:ph type="title"/>
+          </p:nvPr>
+        </p:nvSpPr>
+        <p:spPr/>
+        <p:txBody>
+          <a:bodyPr/>
+          <a:lstStyle/>
+          <a:p>
+            <a:r>
+              <a:rPr lang="en-US" dirty="0"/>
+              <a:t>Important Docker Commands</a:t>
+            </a:r>
+            <a:endParaRPr lang="en-SG" dirty="0"/>
+          </a:p>
+        </p:txBody>
+      </p:sp>
+      <p:sp>
+        <p:nvSpPr>
+          <p:cNvPr id="3" name="Content Placeholder 2">
+            <a:extLst>
+              <a:ext uri="{FF2B5EF4-FFF2-40B4-BE49-F238E27FC236}">
+                <a16:creationId xmlns:a16="http://schemas.microsoft.com/office/drawing/2014/main" id="{6D06AD77-257D-6C8C-3682-4F04DC614A4F}"/>
+              </a:ext>
+            </a:extLst>
+          </p:cNvPr>
+          <p:cNvSpPr>
+            <a:spLocks noGrp="1"/>
+          </p:cNvSpPr>
+          <p:nvPr>
+            <p:ph idx="1"/>
+          </p:nvPr>
+        </p:nvSpPr>
+        <p:spPr/>
+        <p:txBody>
+          <a:bodyPr>
+            <a:normAutofit/>
+          </a:bodyPr>
+          <a:lstStyle/>
+          <a:p>
+            <a:r>
+              <a:rPr lang="en-SG" sz="1800" dirty="0">
+                <a:solidFill>
+                  <a:srgbClr val="0D0D0D"/>
+                </a:solidFill>
+                <a:latin typeface="Söhne"/>
+              </a:rPr>
+              <a:t>docker pull: Command for pulling an image or repository from a registry like Docker Hub.</a:t>
+            </a:r>
+          </a:p>
+          <a:p>
+            <a:pPr lvl="1"/>
+            <a:r>
+              <a:rPr lang="en-SG" dirty="0">
+                <a:solidFill>
+                  <a:srgbClr val="0D0D0D"/>
+                </a:solidFill>
+                <a:latin typeface="Söhne"/>
+              </a:rPr>
+              <a:t>Ex : docker pull python:3.9-slim</a:t>
+            </a:r>
+          </a:p>
+          <a:p>
+            <a:r>
+              <a:rPr lang="en-SG" sz="1800" dirty="0">
+                <a:solidFill>
+                  <a:srgbClr val="0D0D0D"/>
+                </a:solidFill>
+                <a:latin typeface="Söhne"/>
+              </a:rPr>
+              <a:t>docker images: Command for listing available images on the local system.</a:t>
+            </a:r>
+          </a:p>
+          <a:p>
+            <a:pPr lvl="1"/>
+            <a:r>
+              <a:rPr lang="en-SG" dirty="0">
+                <a:solidFill>
+                  <a:srgbClr val="0D0D0D"/>
+                </a:solidFill>
+                <a:latin typeface="Söhne"/>
+              </a:rPr>
+              <a:t>Ex: docker images</a:t>
+            </a:r>
+          </a:p>
+          <a:p>
+            <a:r>
+              <a:rPr lang="en-SG" sz="1800" dirty="0">
+                <a:solidFill>
+                  <a:srgbClr val="0D0D0D"/>
+                </a:solidFill>
+                <a:latin typeface="Söhne"/>
+              </a:rPr>
+              <a:t>docker </a:t>
+            </a:r>
+            <a:r>
+              <a:rPr lang="en-SG" sz="1800" dirty="0" err="1">
+                <a:solidFill>
+                  <a:srgbClr val="0D0D0D"/>
+                </a:solidFill>
+                <a:latin typeface="Söhne"/>
+              </a:rPr>
+              <a:t>ps</a:t>
+            </a:r>
+            <a:r>
+              <a:rPr lang="en-SG" sz="1800" dirty="0">
+                <a:solidFill>
+                  <a:srgbClr val="0D0D0D"/>
+                </a:solidFill>
+                <a:latin typeface="Söhne"/>
+              </a:rPr>
+              <a:t>: Command for listing running containers.</a:t>
+            </a:r>
+          </a:p>
+          <a:p>
+            <a:pPr lvl="1"/>
+            <a:r>
+              <a:rPr lang="en-SG" dirty="0">
+                <a:solidFill>
+                  <a:srgbClr val="0D0D0D"/>
+                </a:solidFill>
+                <a:latin typeface="Söhne"/>
+              </a:rPr>
+              <a:t>Ex: docker </a:t>
+            </a:r>
+            <a:r>
+              <a:rPr lang="en-SG" dirty="0" err="1">
+                <a:solidFill>
+                  <a:srgbClr val="0D0D0D"/>
+                </a:solidFill>
+                <a:latin typeface="Söhne"/>
+              </a:rPr>
+              <a:t>ps</a:t>
+            </a:r>
+            <a:endParaRPr lang="en-SG" dirty="0">
+              <a:solidFill>
+                <a:srgbClr val="0D0D0D"/>
+              </a:solidFill>
+              <a:latin typeface="Söhne"/>
+            </a:endParaRPr>
+          </a:p>
+        </p:txBody>
+      </p:sp>
+      <p:sp>
+        <p:nvSpPr>
+          <p:cNvPr id="4" name="Slide Number Placeholder 3">
+            <a:extLst>
+              <a:ext uri="{FF2B5EF4-FFF2-40B4-BE49-F238E27FC236}">
+                <a16:creationId xmlns:a16="http://schemas.microsoft.com/office/drawing/2014/main" id="{C94C6622-48F8-8CFB-64C0-9EDC8E4FE292}"/>
               </a:ext>
             </a:extLst>
           </p:cNvPr>
@@ -9248,48 +10481,10 @@
           </a:p>
         </p:txBody>
       </p:sp>
-      <p:sp>
-        <p:nvSpPr>
-          <p:cNvPr id="3" name="Content Placeholder 2">
-            <a:extLst>
-              <a:ext uri="{FF2B5EF4-FFF2-40B4-BE49-F238E27FC236}">
-                <a16:creationId xmlns:a16="http://schemas.microsoft.com/office/drawing/2014/main" id="{4A89CEF2-043C-E903-ADC9-0286A7A8D875}"/>
-              </a:ext>
-            </a:extLst>
-          </p:cNvPr>
-          <p:cNvSpPr>
-            <a:spLocks noGrp="1"/>
-          </p:cNvSpPr>
-          <p:nvPr>
-            <p:ph idx="4294967295"/>
-          </p:nvPr>
-        </p:nvSpPr>
-        <p:spPr>
-          <a:xfrm>
-            <a:off x="4874150" y="2016125"/>
-            <a:ext cx="7317850" cy="3449638"/>
-          </a:xfrm>
-        </p:spPr>
-        <p:txBody>
-          <a:bodyPr>
-            <a:normAutofit/>
-          </a:bodyPr>
-          <a:lstStyle/>
-          <a:p>
-            <a:pPr marL="0" indent="0">
-              <a:buNone/>
-            </a:pPr>
-            <a:r>
-              <a:rPr lang="en-SG" sz="3600" dirty="0"/>
-              <a:t>Thank You</a:t>
-            </a:r>
-          </a:p>
-        </p:txBody>
-      </p:sp>
     </p:spTree>
     <p:extLst>
       <p:ext uri="{BB962C8B-B14F-4D97-AF65-F5344CB8AC3E}">
-        <p14:creationId xmlns:p14="http://schemas.microsoft.com/office/powerpoint/2010/main" val="219020754"/>
+        <p14:creationId xmlns:p14="http://schemas.microsoft.com/office/powerpoint/2010/main" val="2978262395"/>
       </p:ext>
     </p:extLst>
   </p:cSld>
@@ -9646,6 +10841,320 @@
     <p:extLst>
       <p:ext uri="{BB962C8B-B14F-4D97-AF65-F5344CB8AC3E}">
         <p14:creationId xmlns:p14="http://schemas.microsoft.com/office/powerpoint/2010/main" val="2597351834"/>
+      </p:ext>
+    </p:extLst>
+  </p:cSld>
+  <p:clrMapOvr>
+    <a:masterClrMapping/>
+  </p:clrMapOvr>
+</p:sld>
+</file>
+
+<file path=ppt/slides/slide30.xml><?xml version="1.0" encoding="utf-8"?>
+<p:sld xmlns:a="http://schemas.openxmlformats.org/drawingml/2006/main" xmlns:r="http://schemas.openxmlformats.org/officeDocument/2006/relationships" xmlns:p="http://schemas.openxmlformats.org/presentationml/2006/main">
+  <p:cSld>
+    <p:spTree>
+      <p:nvGrpSpPr>
+        <p:cNvPr id="1" name=""/>
+        <p:cNvGrpSpPr/>
+        <p:nvPr/>
+      </p:nvGrpSpPr>
+      <p:grpSpPr>
+        <a:xfrm>
+          <a:off x="0" y="0"/>
+          <a:ext cx="0" cy="0"/>
+          <a:chOff x="0" y="0"/>
+          <a:chExt cx="0" cy="0"/>
+        </a:xfrm>
+      </p:grpSpPr>
+      <p:sp>
+        <p:nvSpPr>
+          <p:cNvPr id="2" name="Title 1">
+            <a:extLst>
+              <a:ext uri="{FF2B5EF4-FFF2-40B4-BE49-F238E27FC236}">
+                <a16:creationId xmlns:a16="http://schemas.microsoft.com/office/drawing/2014/main" id="{E8E74809-A8B7-8AFB-3E3A-5A43889517B4}"/>
+              </a:ext>
+            </a:extLst>
+          </p:cNvPr>
+          <p:cNvSpPr>
+            <a:spLocks noGrp="1"/>
+          </p:cNvSpPr>
+          <p:nvPr>
+            <p:ph type="title"/>
+          </p:nvPr>
+        </p:nvSpPr>
+        <p:spPr/>
+        <p:txBody>
+          <a:bodyPr/>
+          <a:lstStyle/>
+          <a:p>
+            <a:r>
+              <a:rPr lang="en-US" dirty="0"/>
+              <a:t>Important Docker Commands</a:t>
+            </a:r>
+            <a:endParaRPr lang="en-SG" dirty="0"/>
+          </a:p>
+        </p:txBody>
+      </p:sp>
+      <p:sp>
+        <p:nvSpPr>
+          <p:cNvPr id="3" name="Content Placeholder 2">
+            <a:extLst>
+              <a:ext uri="{FF2B5EF4-FFF2-40B4-BE49-F238E27FC236}">
+                <a16:creationId xmlns:a16="http://schemas.microsoft.com/office/drawing/2014/main" id="{6D06AD77-257D-6C8C-3682-4F04DC614A4F}"/>
+              </a:ext>
+            </a:extLst>
+          </p:cNvPr>
+          <p:cNvSpPr>
+            <a:spLocks noGrp="1"/>
+          </p:cNvSpPr>
+          <p:nvPr>
+            <p:ph idx="1"/>
+          </p:nvPr>
+        </p:nvSpPr>
+        <p:spPr/>
+        <p:txBody>
+          <a:bodyPr>
+            <a:normAutofit/>
+          </a:bodyPr>
+          <a:lstStyle/>
+          <a:p>
+            <a:r>
+              <a:rPr lang="en-SG" sz="1800" dirty="0">
+                <a:solidFill>
+                  <a:srgbClr val="0D0D0D"/>
+                </a:solidFill>
+                <a:latin typeface="Söhne"/>
+              </a:rPr>
+              <a:t>docker build: Command for building a Docker image from a </a:t>
+            </a:r>
+            <a:r>
+              <a:rPr lang="en-SG" sz="1800" dirty="0" err="1">
+                <a:solidFill>
+                  <a:srgbClr val="0D0D0D"/>
+                </a:solidFill>
+                <a:latin typeface="Söhne"/>
+              </a:rPr>
+              <a:t>Dockerfile</a:t>
+            </a:r>
+            <a:r>
+              <a:rPr lang="en-SG" sz="1800" dirty="0">
+                <a:solidFill>
+                  <a:srgbClr val="0D0D0D"/>
+                </a:solidFill>
+                <a:latin typeface="Söhne"/>
+              </a:rPr>
+              <a:t>.</a:t>
+            </a:r>
+          </a:p>
+          <a:p>
+            <a:pPr lvl="1"/>
+            <a:r>
+              <a:rPr lang="en-SG" dirty="0">
+                <a:solidFill>
+                  <a:srgbClr val="0D0D0D"/>
+                </a:solidFill>
+                <a:latin typeface="Söhne"/>
+              </a:rPr>
+              <a:t>Ex: docker build -t my-python-app .</a:t>
+            </a:r>
+          </a:p>
+          <a:p>
+            <a:r>
+              <a:rPr lang="en-SG" sz="1800" dirty="0">
+                <a:solidFill>
+                  <a:srgbClr val="0D0D0D"/>
+                </a:solidFill>
+                <a:latin typeface="Söhne"/>
+              </a:rPr>
+              <a:t>docker run: Command for creating and running a container from an image.</a:t>
+            </a:r>
+          </a:p>
+          <a:p>
+            <a:pPr lvl="1"/>
+            <a:r>
+              <a:rPr lang="en-SG" dirty="0">
+                <a:solidFill>
+                  <a:srgbClr val="0D0D0D"/>
+                </a:solidFill>
+                <a:latin typeface="Söhne"/>
+              </a:rPr>
+              <a:t>Ex: docker run my-python-app</a:t>
+            </a:r>
+          </a:p>
+          <a:p>
+            <a:r>
+              <a:rPr lang="en-SG" sz="1800" dirty="0">
+                <a:solidFill>
+                  <a:srgbClr val="0D0D0D"/>
+                </a:solidFill>
+                <a:latin typeface="Söhne"/>
+              </a:rPr>
+              <a:t>docker-compose: Command for managing multi-container Docker applications using a Docker Compose </a:t>
+            </a:r>
+            <a:r>
+              <a:rPr lang="en-SG" sz="1800" dirty="0" err="1">
+                <a:solidFill>
+                  <a:srgbClr val="0D0D0D"/>
+                </a:solidFill>
+                <a:latin typeface="Söhne"/>
+              </a:rPr>
+              <a:t>yml</a:t>
+            </a:r>
+            <a:r>
+              <a:rPr lang="en-SG" sz="1800" dirty="0">
+                <a:solidFill>
+                  <a:srgbClr val="0D0D0D"/>
+                </a:solidFill>
+                <a:latin typeface="Söhne"/>
+              </a:rPr>
+              <a:t> file.</a:t>
+            </a:r>
+          </a:p>
+          <a:p>
+            <a:pPr lvl="1"/>
+            <a:r>
+              <a:rPr lang="en-SG" dirty="0">
+                <a:solidFill>
+                  <a:srgbClr val="0D0D0D"/>
+                </a:solidFill>
+                <a:latin typeface="Söhne"/>
+              </a:rPr>
+              <a:t>Example: docker-compose up -d</a:t>
+            </a:r>
+          </a:p>
+        </p:txBody>
+      </p:sp>
+      <p:sp>
+        <p:nvSpPr>
+          <p:cNvPr id="4" name="Slide Number Placeholder 3">
+            <a:extLst>
+              <a:ext uri="{FF2B5EF4-FFF2-40B4-BE49-F238E27FC236}">
+                <a16:creationId xmlns:a16="http://schemas.microsoft.com/office/drawing/2014/main" id="{C94C6622-48F8-8CFB-64C0-9EDC8E4FE292}"/>
+              </a:ext>
+            </a:extLst>
+          </p:cNvPr>
+          <p:cNvSpPr>
+            <a:spLocks noGrp="1"/>
+          </p:cNvSpPr>
+          <p:nvPr>
+            <p:ph type="sldNum" sz="quarter" idx="12"/>
+          </p:nvPr>
+        </p:nvSpPr>
+        <p:spPr/>
+        <p:txBody>
+          <a:bodyPr/>
+          <a:lstStyle/>
+          <a:p>
+            <a:fld id="{6D22F896-40B5-4ADD-8801-0D06FADFA095}" type="slidenum">
+              <a:rPr lang="en-US" smtClean="0"/>
+              <a:t>30</a:t>
+            </a:fld>
+            <a:endParaRPr lang="en-US" dirty="0"/>
+          </a:p>
+        </p:txBody>
+      </p:sp>
+    </p:spTree>
+    <p:extLst>
+      <p:ext uri="{BB962C8B-B14F-4D97-AF65-F5344CB8AC3E}">
+        <p14:creationId xmlns:p14="http://schemas.microsoft.com/office/powerpoint/2010/main" val="3881800110"/>
+      </p:ext>
+    </p:extLst>
+  </p:cSld>
+  <p:clrMapOvr>
+    <a:masterClrMapping/>
+  </p:clrMapOvr>
+</p:sld>
+</file>
+
+<file path=ppt/slides/slide31.xml><?xml version="1.0" encoding="utf-8"?>
+<p:sld xmlns:a="http://schemas.openxmlformats.org/drawingml/2006/main" xmlns:r="http://schemas.openxmlformats.org/officeDocument/2006/relationships" xmlns:p="http://schemas.openxmlformats.org/presentationml/2006/main">
+  <p:cSld>
+    <p:spTree>
+      <p:nvGrpSpPr>
+        <p:cNvPr id="1" name=""/>
+        <p:cNvGrpSpPr/>
+        <p:nvPr/>
+      </p:nvGrpSpPr>
+      <p:grpSpPr>
+        <a:xfrm>
+          <a:off x="0" y="0"/>
+          <a:ext cx="0" cy="0"/>
+          <a:chOff x="0" y="0"/>
+          <a:chExt cx="0" cy="0"/>
+        </a:xfrm>
+      </p:grpSpPr>
+      <p:sp>
+        <p:nvSpPr>
+          <p:cNvPr id="5" name="Slide Number Placeholder 4">
+            <a:extLst>
+              <a:ext uri="{FF2B5EF4-FFF2-40B4-BE49-F238E27FC236}">
+                <a16:creationId xmlns:a16="http://schemas.microsoft.com/office/drawing/2014/main" id="{22E40711-DFF0-4134-7DFA-373E3182F074}"/>
+              </a:ext>
+            </a:extLst>
+          </p:cNvPr>
+          <p:cNvSpPr>
+            <a:spLocks noGrp="1"/>
+          </p:cNvSpPr>
+          <p:nvPr>
+            <p:ph type="sldNum" sz="quarter" idx="12"/>
+          </p:nvPr>
+        </p:nvSpPr>
+        <p:spPr/>
+        <p:txBody>
+          <a:bodyPr/>
+          <a:lstStyle/>
+          <a:p>
+            <a:fld id="{6D22F896-40B5-4ADD-8801-0D06FADFA095}" type="slidenum">
+              <a:rPr lang="en-US" smtClean="0"/>
+              <a:t>31</a:t>
+            </a:fld>
+            <a:endParaRPr lang="en-US" dirty="0"/>
+          </a:p>
+        </p:txBody>
+      </p:sp>
+      <p:sp>
+        <p:nvSpPr>
+          <p:cNvPr id="3" name="Content Placeholder 2">
+            <a:extLst>
+              <a:ext uri="{FF2B5EF4-FFF2-40B4-BE49-F238E27FC236}">
+                <a16:creationId xmlns:a16="http://schemas.microsoft.com/office/drawing/2014/main" id="{4A89CEF2-043C-E903-ADC9-0286A7A8D875}"/>
+              </a:ext>
+            </a:extLst>
+          </p:cNvPr>
+          <p:cNvSpPr>
+            <a:spLocks noGrp="1"/>
+          </p:cNvSpPr>
+          <p:nvPr>
+            <p:ph idx="4294967295"/>
+          </p:nvPr>
+        </p:nvSpPr>
+        <p:spPr>
+          <a:xfrm>
+            <a:off x="4874150" y="2016125"/>
+            <a:ext cx="7317850" cy="3449638"/>
+          </a:xfrm>
+        </p:spPr>
+        <p:txBody>
+          <a:bodyPr>
+            <a:normAutofit/>
+          </a:bodyPr>
+          <a:lstStyle/>
+          <a:p>
+            <a:pPr marL="0" indent="0">
+              <a:buNone/>
+            </a:pPr>
+            <a:r>
+              <a:rPr lang="en-SG" sz="3600" dirty="0"/>
+              <a:t>Thank You</a:t>
+            </a:r>
+          </a:p>
+        </p:txBody>
+      </p:sp>
+    </p:spTree>
+    <p:extLst>
+      <p:ext uri="{BB962C8B-B14F-4D97-AF65-F5344CB8AC3E}">
+        <p14:creationId xmlns:p14="http://schemas.microsoft.com/office/powerpoint/2010/main" val="219020754"/>
       </p:ext>
     </p:extLst>
   </p:cSld>
@@ -11269,7 +12778,7 @@
           <a:bodyPr/>
           <a:lstStyle/>
           <a:p>
-            <a:endParaRPr lang="en-SG"/>
+            <a:endParaRPr lang="en-SG" dirty="0"/>
           </a:p>
         </p:txBody>
       </p:sp>

--- a/Docker_workshop.pptx
+++ b/Docker_workshop.pptx
@@ -233,7 +233,7 @@
           <a:p>
             <a:fld id="{44B53E8D-93A4-45C2-B5B5-10C0D9FD8CAC}" type="datetimeFigureOut">
               <a:rPr lang="en-SG" smtClean="0"/>
-              <a:t>5/5/2024</a:t>
+              <a:t>9/5/2024</a:t>
             </a:fld>
             <a:endParaRPr lang="en-SG"/>
           </a:p>
@@ -640,7 +640,7 @@
           <a:p>
             <a:fld id="{437BE40A-911A-432A-8BBE-93FF79ED3A90}" type="datetime1">
               <a:rPr lang="en-US" smtClean="0"/>
-              <a:t>5/5/2024</a:t>
+              <a:t>5/9/2024</a:t>
             </a:fld>
             <a:endParaRPr lang="en-US" dirty="0"/>
           </a:p>
@@ -846,7 +846,7 @@
           <a:p>
             <a:fld id="{4F6639DB-A846-4767-ABAC-406E2E3917FA}" type="datetime1">
               <a:rPr lang="en-US" smtClean="0"/>
-              <a:t>5/5/2024</a:t>
+              <a:t>5/9/2024</a:t>
             </a:fld>
             <a:endParaRPr lang="en-US" dirty="0"/>
           </a:p>
@@ -1056,7 +1056,7 @@
           <a:p>
             <a:fld id="{771713FC-25A7-438F-9365-94BF54C091DD}" type="datetime1">
               <a:rPr lang="en-US" smtClean="0"/>
-              <a:t>5/5/2024</a:t>
+              <a:t>5/9/2024</a:t>
             </a:fld>
             <a:endParaRPr lang="en-US" dirty="0"/>
           </a:p>
@@ -1252,7 +1252,7 @@
           <a:p>
             <a:fld id="{CAE9FE10-04B1-4BA8-8869-75254AE28D04}" type="datetime1">
               <a:rPr lang="en-US" smtClean="0"/>
-              <a:t>5/5/2024</a:t>
+              <a:t>5/9/2024</a:t>
             </a:fld>
             <a:endParaRPr lang="en-US" dirty="0"/>
           </a:p>
@@ -1526,7 +1526,7 @@
           <a:p>
             <a:fld id="{70E77FC6-78CE-42FD-AD87-F85BB537C9A1}" type="datetime1">
               <a:rPr lang="en-US" smtClean="0"/>
-              <a:t>5/5/2024</a:t>
+              <a:t>5/9/2024</a:t>
             </a:fld>
             <a:endParaRPr lang="en-US" dirty="0"/>
           </a:p>
@@ -1789,7 +1789,7 @@
           <a:p>
             <a:fld id="{D55A4954-6E06-42E5-97D0-27BEAE43E0D3}" type="datetime1">
               <a:rPr lang="en-US" smtClean="0"/>
-              <a:t>5/5/2024</a:t>
+              <a:t>5/9/2024</a:t>
             </a:fld>
             <a:endParaRPr lang="en-US" dirty="0"/>
           </a:p>
@@ -2200,7 +2200,7 @@
           <a:p>
             <a:fld id="{7C32A4FA-2A0B-427C-8D5D-DDC37B93EACB}" type="datetime1">
               <a:rPr lang="en-US" smtClean="0"/>
-              <a:t>5/5/2024</a:t>
+              <a:t>5/9/2024</a:t>
             </a:fld>
             <a:endParaRPr lang="en-US" dirty="0"/>
           </a:p>
@@ -2344,7 +2344,7 @@
           <a:p>
             <a:fld id="{7B7B9263-D673-46C7-9969-438FB4605986}" type="datetime1">
               <a:rPr lang="en-US" smtClean="0"/>
-              <a:t>5/5/2024</a:t>
+              <a:t>5/9/2024</a:t>
             </a:fld>
             <a:endParaRPr lang="en-US" dirty="0"/>
           </a:p>
@@ -2465,7 +2465,7 @@
           <a:p>
             <a:fld id="{C9AB95F0-5727-4DF6-AF9F-64E494D61697}" type="datetime1">
               <a:rPr lang="en-US" smtClean="0"/>
-              <a:t>5/5/2024</a:t>
+              <a:t>5/9/2024</a:t>
             </a:fld>
             <a:endParaRPr lang="en-US" dirty="0"/>
           </a:p>
@@ -2711,7 +2711,7 @@
           <a:p>
             <a:fld id="{976BD081-FB83-4197-AF39-765AED2BCE98}" type="datetime1">
               <a:rPr lang="en-US" smtClean="0"/>
-              <a:t>5/5/2024</a:t>
+              <a:t>5/9/2024</a:t>
             </a:fld>
             <a:endParaRPr lang="en-US" dirty="0"/>
           </a:p>
@@ -3151,7 +3151,7 @@
           <a:p>
             <a:fld id="{47DBA1BF-3ADC-42CE-9107-AA2A03DA17AC}" type="datetime1">
               <a:rPr lang="en-US" smtClean="0"/>
-              <a:t>5/5/2024</a:t>
+              <a:t>5/9/2024</a:t>
             </a:fld>
             <a:endParaRPr lang="en-US" dirty="0"/>
           </a:p>
@@ -3473,7 +3473,7 @@
           <a:p>
             <a:fld id="{862269B6-9D79-4A41-AACA-71FE230DD192}" type="datetime1">
               <a:rPr lang="en-US" smtClean="0"/>
-              <a:t>5/5/2024</a:t>
+              <a:t>5/9/2024</a:t>
             </a:fld>
             <a:endParaRPr lang="en-US" dirty="0"/>
           </a:p>
@@ -4408,13 +4408,13 @@
         </p:nvSpPr>
         <p:spPr>
           <a:xfrm>
-            <a:off x="1451579" y="2015734"/>
-            <a:ext cx="6195784" cy="3450613"/>
+            <a:off x="795130" y="2015734"/>
+            <a:ext cx="6973294" cy="3852329"/>
           </a:xfrm>
         </p:spPr>
         <p:txBody>
           <a:bodyPr vert="horz" lIns="91440" tIns="45720" rIns="91440" bIns="45720" rtlCol="0" anchor="t">
-            <a:normAutofit/>
+            <a:normAutofit fontScale="32500" lnSpcReduction="20000"/>
           </a:bodyPr>
           <a:lstStyle/>
           <a:p>
@@ -4424,16 +4424,34 @@
               </a:lnSpc>
             </a:pPr>
             <a:r>
-              <a:rPr lang="en-US" sz="1500" dirty="0">
-                <a:solidFill>
-                  <a:srgbClr val="374151"/>
-                </a:solidFill>
-                <a:latin typeface="Söhne"/>
-              </a:rPr>
-              <a:t>How to run docker file from </a:t>
-            </a:r>
-            <a:r>
-              <a:rPr lang="en-US" sz="1500" dirty="0" err="1">
+              <a:rPr lang="en-US" sz="4900" dirty="0">
+                <a:solidFill>
+                  <a:srgbClr val="374151"/>
+                </a:solidFill>
+                <a:latin typeface="Söhne"/>
+              </a:rPr>
+              <a:t>When you Run </a:t>
+            </a:r>
+            <a:r>
+              <a:rPr lang="en-US" sz="4900" dirty="0" err="1">
+                <a:solidFill>
+                  <a:srgbClr val="374151"/>
+                </a:solidFill>
+                <a:latin typeface="Söhne"/>
+              </a:rPr>
+              <a:t>Dockerfile</a:t>
+            </a:r>
+            <a:r>
+              <a:rPr lang="en-US" sz="4900" dirty="0">
+                <a:solidFill>
+                  <a:srgbClr val="374151"/>
+                </a:solidFill>
+                <a:latin typeface="Söhne"/>
+              </a:rPr>
+              <a:t> from </a:t>
+            </a:r>
+            <a:r>
+              <a:rPr lang="en-US" sz="4900" dirty="0" err="1">
                 <a:solidFill>
                   <a:srgbClr val="374151"/>
                 </a:solidFill>
@@ -4442,13 +4460,13 @@
               <a:t>cmd</a:t>
             </a:r>
             <a:r>
-              <a:rPr lang="en-US" sz="1500" dirty="0">
-                <a:solidFill>
-                  <a:srgbClr val="374151"/>
-                </a:solidFill>
-                <a:latin typeface="Söhne"/>
-              </a:rPr>
-              <a:t> prompt</a:t>
+              <a:rPr lang="en-US" sz="4900" dirty="0">
+                <a:solidFill>
+                  <a:srgbClr val="374151"/>
+                </a:solidFill>
+                <a:latin typeface="Söhne"/>
+              </a:rPr>
+              <a:t> prompt using ‘docker build’ command, Docker starts the process of creating a docker image (containerizing your application)</a:t>
             </a:r>
           </a:p>
           <a:p>
@@ -4458,49 +4476,13 @@
               </a:lnSpc>
             </a:pPr>
             <a:r>
-              <a:rPr lang="en-US" sz="1300" dirty="0">
-                <a:solidFill>
-                  <a:srgbClr val="374151"/>
-                </a:solidFill>
-                <a:latin typeface="Söhne"/>
-              </a:rPr>
-              <a:t>Syntax: docker build -t &lt;</a:t>
-            </a:r>
-            <a:r>
-              <a:rPr lang="en-US" sz="1300" dirty="0" err="1">
-                <a:solidFill>
-                  <a:srgbClr val="374151"/>
-                </a:solidFill>
-                <a:latin typeface="Söhne"/>
-              </a:rPr>
-              <a:t>image_name</a:t>
-            </a:r>
-            <a:r>
-              <a:rPr lang="en-US" sz="1300" dirty="0">
-                <a:solidFill>
-                  <a:srgbClr val="374151"/>
-                </a:solidFill>
-                <a:latin typeface="Söhne"/>
-              </a:rPr>
-              <a:t>&gt; &lt;</a:t>
-            </a:r>
-            <a:r>
-              <a:rPr lang="en-US" sz="1300" dirty="0" err="1">
-                <a:solidFill>
-                  <a:srgbClr val="374151"/>
-                </a:solidFill>
-                <a:latin typeface="Söhne"/>
-              </a:rPr>
-              <a:t>path_to_Dockerfile</a:t>
-            </a:r>
-            <a:r>
-              <a:rPr lang="en-US" sz="1300" dirty="0">
-                <a:solidFill>
-                  <a:srgbClr val="374151"/>
-                </a:solidFill>
-                <a:latin typeface="Söhne"/>
-              </a:rPr>
-              <a:t>&gt;</a:t>
+              <a:rPr lang="en-US" sz="4900" dirty="0">
+                <a:solidFill>
+                  <a:srgbClr val="374151"/>
+                </a:solidFill>
+                <a:latin typeface="Söhne"/>
+              </a:rPr>
+              <a:t>Docker automatically fetches the specified Python base image from Docker Hub for our application.</a:t>
             </a:r>
           </a:p>
           <a:p>
@@ -4510,50 +4492,16 @@
               </a:lnSpc>
             </a:pPr>
             <a:r>
-              <a:rPr lang="en-US" sz="1300" dirty="0">
-                <a:solidFill>
-                  <a:srgbClr val="374151"/>
-                </a:solidFill>
-                <a:latin typeface="Söhne"/>
-              </a:rPr>
-              <a:t>Ex. docker build -t </a:t>
-            </a:r>
-            <a:r>
-              <a:rPr lang="en-US" sz="1300" dirty="0" err="1">
-                <a:solidFill>
-                  <a:srgbClr val="374151"/>
-                </a:solidFill>
-                <a:latin typeface="Söhne"/>
-              </a:rPr>
-              <a:t>my_app</a:t>
-            </a:r>
-            <a:r>
-              <a:rPr lang="en-US" sz="1300" dirty="0">
-                <a:solidFill>
-                  <a:srgbClr val="374151"/>
-                </a:solidFill>
-                <a:latin typeface="Söhne"/>
-              </a:rPr>
-              <a:t> . </a:t>
-            </a:r>
-          </a:p>
-          <a:p>
-            <a:pPr>
-              <a:lnSpc>
-                <a:spcPct val="110000"/>
-              </a:lnSpc>
-            </a:pPr>
-            <a:r>
-              <a:rPr lang="en-US" sz="1500" dirty="0">
-                <a:solidFill>
-                  <a:srgbClr val="374151"/>
-                </a:solidFill>
-                <a:latin typeface="Söhne"/>
-              </a:rPr>
-              <a:t>When you Run </a:t>
-            </a:r>
-            <a:r>
-              <a:rPr lang="en-US" sz="1500" dirty="0" err="1">
+              <a:rPr lang="en-US" sz="4900" dirty="0">
+                <a:solidFill>
+                  <a:srgbClr val="374151"/>
+                </a:solidFill>
+                <a:latin typeface="Söhne"/>
+              </a:rPr>
+              <a:t>Docker ensures that dependencies listed in the </a:t>
+            </a:r>
+            <a:r>
+              <a:rPr lang="en-US" sz="4900" dirty="0" err="1">
                 <a:solidFill>
                   <a:srgbClr val="374151"/>
                 </a:solidFill>
@@ -4562,31 +4510,96 @@
               <a:t>Dockerfile</a:t>
             </a:r>
             <a:r>
-              <a:rPr lang="en-US" sz="1500" dirty="0">
-                <a:solidFill>
-                  <a:srgbClr val="374151"/>
-                </a:solidFill>
-                <a:latin typeface="Söhne"/>
-              </a:rPr>
-              <a:t> from </a:t>
-            </a:r>
-            <a:r>
-              <a:rPr lang="en-US" sz="1500" dirty="0" err="1">
-                <a:solidFill>
-                  <a:srgbClr val="374151"/>
-                </a:solidFill>
-                <a:latin typeface="Söhne"/>
-              </a:rPr>
-              <a:t>cmd</a:t>
-            </a:r>
-            <a:r>
-              <a:rPr lang="en-US" sz="1500" dirty="0">
-                <a:solidFill>
-                  <a:srgbClr val="374151"/>
-                </a:solidFill>
-                <a:latin typeface="Söhne"/>
-              </a:rPr>
-              <a:t> prompt using ‘docker build’ command </a:t>
+              <a:rPr lang="en-US" sz="4900" dirty="0">
+                <a:solidFill>
+                  <a:srgbClr val="374151"/>
+                </a:solidFill>
+                <a:latin typeface="Söhne"/>
+              </a:rPr>
+              <a:t> are installed within the container during the build process to avoid dependency conflict </a:t>
+            </a:r>
+          </a:p>
+          <a:p>
+            <a:r>
+              <a:rPr lang="en-US" sz="4900" dirty="0">
+                <a:solidFill>
+                  <a:srgbClr val="374151"/>
+                </a:solidFill>
+                <a:latin typeface="Söhne"/>
+              </a:rPr>
+              <a:t>D</a:t>
+            </a:r>
+            <a:r>
+              <a:rPr lang="en-US" sz="4900" b="0" i="0" dirty="0">
+                <a:solidFill>
+                  <a:srgbClr val="374151"/>
+                </a:solidFill>
+                <a:effectLst/>
+                <a:latin typeface="Söhne"/>
+              </a:rPr>
+              <a:t>ocker image:  </a:t>
+            </a:r>
+          </a:p>
+          <a:p>
+            <a:pPr lvl="1"/>
+            <a:r>
+              <a:rPr lang="en-US" sz="4900" b="1" i="0" dirty="0">
+                <a:solidFill>
+                  <a:srgbClr val="374151"/>
+                </a:solidFill>
+                <a:effectLst/>
+                <a:latin typeface="Söhne"/>
+              </a:rPr>
+              <a:t>contains everything your application needs to run smoothly</a:t>
+            </a:r>
+            <a:r>
+              <a:rPr lang="en-US" sz="4900" b="0" i="0" dirty="0">
+                <a:solidFill>
+                  <a:srgbClr val="374151"/>
+                </a:solidFill>
+                <a:effectLst/>
+                <a:latin typeface="Söhne"/>
+              </a:rPr>
+              <a:t>—its code, dependencies, and configurations. </a:t>
+            </a:r>
+            <a:endParaRPr lang="en-US" sz="4900" dirty="0">
+              <a:solidFill>
+                <a:srgbClr val="374151"/>
+              </a:solidFill>
+              <a:latin typeface="Söhne"/>
+            </a:endParaRPr>
+          </a:p>
+          <a:p>
+            <a:pPr lvl="1"/>
+            <a:r>
+              <a:rPr lang="en-US" sz="4900" b="0" i="0" dirty="0">
+                <a:solidFill>
+                  <a:srgbClr val="374151"/>
+                </a:solidFill>
+                <a:effectLst/>
+                <a:latin typeface="Söhne"/>
+              </a:rPr>
+              <a:t>For ex. It's like a </a:t>
+            </a:r>
+            <a:r>
+              <a:rPr lang="en-US" sz="4900" b="1" i="1" dirty="0">
+                <a:solidFill>
+                  <a:srgbClr val="374151"/>
+                </a:solidFill>
+                <a:effectLst/>
+                <a:latin typeface="Söhne"/>
+              </a:rPr>
+              <a:t>digital suitcase for your app</a:t>
+            </a:r>
+            <a:r>
+              <a:rPr lang="en-US" sz="4900" b="0" i="0" dirty="0">
+                <a:solidFill>
+                  <a:srgbClr val="374151"/>
+                </a:solidFill>
+                <a:effectLst/>
+                <a:latin typeface="Söhne"/>
+              </a:rPr>
+              <a:t>. It holds all the important stuff your app needs to work, ( its code, tools it relies on, and how it's set up).</a:t>
             </a:r>
           </a:p>
           <a:p>
@@ -4595,49 +4608,12 @@
                 <a:spcPct val="110000"/>
               </a:lnSpc>
             </a:pPr>
-            <a:r>
-              <a:rPr lang="en-US" sz="1500" dirty="0">
-                <a:solidFill>
-                  <a:srgbClr val="374151"/>
-                </a:solidFill>
-                <a:latin typeface="Söhne"/>
-              </a:rPr>
-              <a:t>Docker automatically fetches the specified Python image from Docker Hub for our application.</a:t>
-            </a:r>
-          </a:p>
-          <a:p>
-            <a:pPr lvl="1">
-              <a:lnSpc>
-                <a:spcPct val="110000"/>
-              </a:lnSpc>
-            </a:pPr>
-            <a:r>
-              <a:rPr lang="en-US" sz="1500" dirty="0">
-                <a:solidFill>
-                  <a:srgbClr val="374151"/>
-                </a:solidFill>
-                <a:latin typeface="Söhne"/>
-              </a:rPr>
-              <a:t>Docker ensures that dependencies listed in the </a:t>
-            </a:r>
-            <a:r>
-              <a:rPr lang="en-US" sz="1500" dirty="0" err="1">
-                <a:solidFill>
-                  <a:srgbClr val="374151"/>
-                </a:solidFill>
-                <a:latin typeface="Söhne"/>
-              </a:rPr>
-              <a:t>Dockerfile</a:t>
-            </a:r>
-            <a:r>
-              <a:rPr lang="en-US" sz="1500" dirty="0">
-                <a:solidFill>
-                  <a:srgbClr val="374151"/>
-                </a:solidFill>
-                <a:latin typeface="Söhne"/>
-              </a:rPr>
-              <a:t> are installed within the container during the build process to avoid dependency conflict and creates docker image.</a:t>
-            </a:r>
+            <a:endParaRPr lang="en-US" sz="1500" dirty="0">
+              <a:solidFill>
+                <a:srgbClr val="374151"/>
+              </a:solidFill>
+              <a:latin typeface="Söhne"/>
+            </a:endParaRPr>
           </a:p>
         </p:txBody>
       </p:sp>
@@ -4759,17 +4735,114 @@
         </p:nvSpPr>
         <p:spPr>
           <a:xfrm>
-            <a:off x="930302" y="2010878"/>
-            <a:ext cx="5422789" cy="3960552"/>
+            <a:off x="930302" y="1864194"/>
+            <a:ext cx="5422789" cy="4107236"/>
           </a:xfrm>
         </p:spPr>
         <p:txBody>
           <a:bodyPr>
-            <a:normAutofit fontScale="92500"/>
+            <a:normAutofit fontScale="92500" lnSpcReduction="20000"/>
           </a:bodyPr>
           <a:lstStyle/>
           <a:p>
             <a:r>
+              <a:rPr lang="en-US" sz="1500" dirty="0">
+                <a:solidFill>
+                  <a:srgbClr val="0D0D0D"/>
+                </a:solidFill>
+                <a:latin typeface="Söhne"/>
+              </a:rPr>
+              <a:t>Docker </a:t>
+            </a:r>
+            <a:r>
+              <a:rPr lang="en-US" sz="1500" b="0" i="0" dirty="0">
+                <a:solidFill>
+                  <a:srgbClr val="0D0D0D"/>
+                </a:solidFill>
+                <a:effectLst/>
+                <a:latin typeface="Söhne"/>
+              </a:rPr>
+              <a:t>containers are created from Docker images using the ‘docker run’ command.</a:t>
+            </a:r>
+          </a:p>
+          <a:p>
+            <a:pPr lvl="1"/>
+            <a:r>
+              <a:rPr lang="en-US" sz="1300" b="0" i="0" dirty="0">
+                <a:solidFill>
+                  <a:srgbClr val="374151"/>
+                </a:solidFill>
+                <a:effectLst/>
+                <a:latin typeface="Söhne"/>
+              </a:rPr>
+              <a:t>Syntax: docker run &lt;</a:t>
+            </a:r>
+            <a:r>
+              <a:rPr lang="en-US" sz="1300" b="0" i="0" dirty="0" err="1">
+                <a:solidFill>
+                  <a:srgbClr val="374151"/>
+                </a:solidFill>
+                <a:effectLst/>
+                <a:latin typeface="Söhne"/>
+              </a:rPr>
+              <a:t>image_name</a:t>
+            </a:r>
+            <a:r>
+              <a:rPr lang="en-US" sz="1300" b="0" i="0" dirty="0">
+                <a:solidFill>
+                  <a:srgbClr val="374151"/>
+                </a:solidFill>
+                <a:effectLst/>
+                <a:latin typeface="Söhne"/>
+              </a:rPr>
+              <a:t>&gt; </a:t>
+            </a:r>
+          </a:p>
+          <a:p>
+            <a:pPr lvl="1"/>
+            <a:r>
+              <a:rPr lang="en-US" sz="1300" b="0" i="0" dirty="0">
+                <a:solidFill>
+                  <a:srgbClr val="374151"/>
+                </a:solidFill>
+                <a:effectLst/>
+                <a:latin typeface="Söhne"/>
+              </a:rPr>
+              <a:t>Ex. docker run </a:t>
+            </a:r>
+            <a:r>
+              <a:rPr lang="en-US" sz="1300" b="0" i="0" dirty="0" err="1">
+                <a:solidFill>
+                  <a:srgbClr val="374151"/>
+                </a:solidFill>
+                <a:effectLst/>
+                <a:latin typeface="Söhne"/>
+              </a:rPr>
+              <a:t>my_app</a:t>
+            </a:r>
+            <a:r>
+              <a:rPr lang="en-US" sz="1300" b="0" i="0" dirty="0">
+                <a:solidFill>
+                  <a:srgbClr val="374151"/>
+                </a:solidFill>
+                <a:effectLst/>
+                <a:latin typeface="Söhne"/>
+              </a:rPr>
+              <a:t> </a:t>
+            </a:r>
+          </a:p>
+          <a:p>
+            <a:r>
+              <a:rPr lang="en-US" sz="1500" b="0" i="0" dirty="0">
+                <a:solidFill>
+                  <a:srgbClr val="0D0D0D"/>
+                </a:solidFill>
+                <a:effectLst/>
+                <a:latin typeface="Söhne"/>
+              </a:rPr>
+              <a:t>Imagine a shipping container</a:t>
+            </a:r>
+            <a:r>
               <a:rPr lang="en-US" sz="1400" b="0" i="0" dirty="0">
                 <a:solidFill>
                   <a:srgbClr val="0D0D0D"/>
@@ -4777,208 +4850,130 @@
                 <a:effectLst/>
                 <a:latin typeface="Söhne"/>
               </a:rPr>
-              <a:t>Creation: Docker containers are created from Docker images using the ‘docker run’ command.</a:t>
+              <a:t>: </a:t>
             </a:r>
           </a:p>
           <a:p>
             <a:pPr lvl="1"/>
             <a:r>
-              <a:rPr lang="en-US" sz="1200" b="0" i="0" dirty="0">
-                <a:solidFill>
-                  <a:srgbClr val="374151"/>
-                </a:solidFill>
-                <a:effectLst/>
-                <a:latin typeface="Söhne"/>
-              </a:rPr>
-              <a:t>Syntax: docker run &lt;</a:t>
-            </a:r>
-            <a:r>
-              <a:rPr lang="en-US" sz="1200" b="0" i="0" dirty="0" err="1">
-                <a:solidFill>
-                  <a:srgbClr val="374151"/>
-                </a:solidFill>
-                <a:effectLst/>
-                <a:latin typeface="Söhne"/>
-              </a:rPr>
-              <a:t>image_name</a:t>
-            </a:r>
-            <a:r>
-              <a:rPr lang="en-US" sz="1200" b="0" i="0" dirty="0">
-                <a:solidFill>
-                  <a:srgbClr val="374151"/>
-                </a:solidFill>
-                <a:effectLst/>
-                <a:latin typeface="Söhne"/>
-              </a:rPr>
-              <a:t>&gt; </a:t>
+              <a:rPr lang="en-US" sz="1300" b="0" i="0" dirty="0">
+                <a:solidFill>
+                  <a:srgbClr val="0D0D0D"/>
+                </a:solidFill>
+                <a:effectLst/>
+                <a:latin typeface="Söhne"/>
+              </a:rPr>
+              <a:t>it contains all the goods needed for transport, </a:t>
             </a:r>
           </a:p>
           <a:p>
             <a:pPr lvl="1"/>
             <a:r>
-              <a:rPr lang="en-US" sz="1200" b="0" i="0" dirty="0">
-                <a:solidFill>
-                  <a:srgbClr val="374151"/>
-                </a:solidFill>
-                <a:effectLst/>
-                <a:latin typeface="Söhne"/>
-              </a:rPr>
-              <a:t>Ex. docker run </a:t>
-            </a:r>
-            <a:r>
-              <a:rPr lang="en-US" sz="1200" b="0" i="0" dirty="0" err="1">
-                <a:solidFill>
-                  <a:srgbClr val="374151"/>
-                </a:solidFill>
-                <a:effectLst/>
-                <a:latin typeface="Söhne"/>
-              </a:rPr>
-              <a:t>my_app</a:t>
-            </a:r>
-            <a:r>
-              <a:rPr lang="en-US" sz="1200" b="0" i="0" dirty="0">
-                <a:solidFill>
-                  <a:srgbClr val="374151"/>
-                </a:solidFill>
-                <a:effectLst/>
-                <a:latin typeface="Söhne"/>
-              </a:rPr>
-              <a:t> </a:t>
-            </a:r>
-          </a:p>
-          <a:p>
-            <a:r>
-              <a:rPr lang="en-US" sz="1400" b="0" i="0" dirty="0">
+              <a:rPr lang="en-US" sz="1300" b="0" i="0" dirty="0">
                 <a:solidFill>
                   <a:srgbClr val="0D0D0D"/>
                 </a:solidFill>
                 <a:effectLst/>
                 <a:latin typeface="Söhne"/>
               </a:rPr>
-              <a:t>Imagine a shipping container: </a:t>
+              <a:t>isolated from the external environment </a:t>
             </a:r>
           </a:p>
           <a:p>
             <a:pPr lvl="1"/>
             <a:r>
-              <a:rPr lang="en-US" sz="1200" b="0" i="0" dirty="0">
+              <a:rPr lang="en-US" sz="1300" b="0" i="0" dirty="0">
                 <a:solidFill>
                   <a:srgbClr val="0D0D0D"/>
                 </a:solidFill>
                 <a:effectLst/>
                 <a:latin typeface="Söhne"/>
               </a:rPr>
-              <a:t>it contains all the goods needed for transport, </a:t>
+              <a:t>easily transported from one location to another without affecting its contents.</a:t>
+            </a:r>
+          </a:p>
+          <a:p>
+            <a:r>
+              <a:rPr lang="en-US" sz="1500" b="0" i="0" dirty="0">
+                <a:solidFill>
+                  <a:srgbClr val="0D0D0D"/>
+                </a:solidFill>
+                <a:effectLst/>
+                <a:latin typeface="Söhne"/>
+              </a:rPr>
+              <a:t>Similarly, Docker Containers are</a:t>
             </a:r>
           </a:p>
           <a:p>
             <a:pPr lvl="1"/>
             <a:r>
-              <a:rPr lang="en-US" sz="1200" b="0" i="0" dirty="0">
+              <a:rPr lang="en-US" sz="1300" b="0" i="0" dirty="0">
                 <a:solidFill>
                   <a:srgbClr val="0D0D0D"/>
                 </a:solidFill>
                 <a:effectLst/>
                 <a:latin typeface="Söhne"/>
               </a:rPr>
-              <a:t>isolated from the external environment </a:t>
+              <a:t> a method to </a:t>
+            </a:r>
+            <a:r>
+              <a:rPr lang="en-US" sz="1300" b="1" i="0" dirty="0">
+                <a:solidFill>
+                  <a:srgbClr val="0D0D0D"/>
+                </a:solidFill>
+                <a:effectLst/>
+                <a:latin typeface="Söhne"/>
+              </a:rPr>
+              <a:t>package</a:t>
+            </a:r>
+            <a:r>
+              <a:rPr lang="en-US" sz="1300" b="0" i="0" dirty="0">
+                <a:solidFill>
+                  <a:srgbClr val="0D0D0D"/>
+                </a:solidFill>
+                <a:effectLst/>
+                <a:latin typeface="Söhne"/>
+              </a:rPr>
+              <a:t> software applications along with their </a:t>
+            </a:r>
+            <a:r>
+              <a:rPr lang="en-US" sz="1300" b="1" i="0" dirty="0">
+                <a:solidFill>
+                  <a:srgbClr val="0D0D0D"/>
+                </a:solidFill>
+                <a:effectLst/>
+                <a:latin typeface="Söhne"/>
+              </a:rPr>
+              <a:t>dependencies and configurations into isolated environments</a:t>
+            </a:r>
+            <a:r>
+              <a:rPr lang="en-US" sz="1300" b="0" i="0" dirty="0">
+                <a:solidFill>
+                  <a:srgbClr val="0D0D0D"/>
+                </a:solidFill>
+                <a:effectLst/>
+                <a:latin typeface="Söhne"/>
+              </a:rPr>
+              <a:t>,</a:t>
             </a:r>
           </a:p>
           <a:p>
             <a:pPr lvl="1"/>
             <a:r>
-              <a:rPr lang="en-US" sz="1200" b="0" i="0" dirty="0">
+              <a:rPr lang="en-US" sz="1300" b="0" i="0" dirty="0">
                 <a:solidFill>
                   <a:srgbClr val="0D0D0D"/>
                 </a:solidFill>
                 <a:effectLst/>
                 <a:latin typeface="Söhne"/>
               </a:rPr>
-              <a:t>easily transported from one location to another without affecting its contents.</a:t>
-            </a:r>
-          </a:p>
-          <a:p>
-            <a:r>
-              <a:rPr lang="en-US" sz="1400" b="0" i="0" dirty="0">
-                <a:solidFill>
-                  <a:srgbClr val="0D0D0D"/>
-                </a:solidFill>
-                <a:effectLst/>
-                <a:latin typeface="Söhne"/>
-              </a:rPr>
-              <a:t>Similarly, Docker Containers are</a:t>
+              <a:t>enabling them to run consistently across different computing environments.</a:t>
             </a:r>
           </a:p>
           <a:p>
             <a:pPr lvl="1"/>
             <a:r>
-              <a:rPr lang="en-US" sz="1200" b="0" i="0" dirty="0">
-                <a:solidFill>
-                  <a:srgbClr val="0D0D0D"/>
-                </a:solidFill>
-                <a:effectLst/>
-                <a:latin typeface="Söhne"/>
-              </a:rPr>
-              <a:t> a method to </a:t>
-            </a:r>
-            <a:r>
-              <a:rPr lang="en-US" sz="1200" b="1" i="0" dirty="0">
-                <a:solidFill>
-                  <a:srgbClr val="0D0D0D"/>
-                </a:solidFill>
-                <a:effectLst/>
-                <a:latin typeface="Söhne"/>
-              </a:rPr>
-              <a:t>package</a:t>
-            </a:r>
-            <a:r>
-              <a:rPr lang="en-US" sz="1200" b="0" i="0" dirty="0">
-                <a:solidFill>
-                  <a:srgbClr val="0D0D0D"/>
-                </a:solidFill>
-                <a:effectLst/>
-                <a:latin typeface="Söhne"/>
-              </a:rPr>
-              <a:t> software applications along with their </a:t>
-            </a:r>
-            <a:r>
-              <a:rPr lang="en-US" sz="1200" b="1" i="0" dirty="0">
-                <a:solidFill>
-                  <a:srgbClr val="0D0D0D"/>
-                </a:solidFill>
-                <a:effectLst/>
-                <a:latin typeface="Söhne"/>
-              </a:rPr>
-              <a:t>dependencies and configurations into isolated environments</a:t>
-            </a:r>
-            <a:r>
-              <a:rPr lang="en-US" sz="1200" b="0" i="0" dirty="0">
-                <a:solidFill>
-                  <a:srgbClr val="0D0D0D"/>
-                </a:solidFill>
-                <a:effectLst/>
-                <a:latin typeface="Söhne"/>
-              </a:rPr>
-              <a:t>,</a:t>
-            </a:r>
-          </a:p>
-          <a:p>
-            <a:pPr lvl="1"/>
-            <a:r>
-              <a:rPr lang="en-US" sz="1200" b="0" i="0" dirty="0">
-                <a:solidFill>
-                  <a:srgbClr val="0D0D0D"/>
-                </a:solidFill>
-                <a:effectLst/>
-                <a:latin typeface="Söhne"/>
-              </a:rPr>
-              <a:t>enabling them to run consistently across different computing environments.</a:t>
-            </a:r>
-          </a:p>
-          <a:p>
-            <a:pPr lvl="1"/>
-            <a:r>
-              <a:rPr lang="en-US" sz="1200" b="0" i="0" dirty="0">
+              <a:rPr lang="en-US" sz="1300" b="0" i="0" dirty="0">
                 <a:solidFill>
                   <a:srgbClr val="0D0D0D"/>
                 </a:solidFill>
@@ -5038,7 +5033,7 @@
         <p:spPr/>
         <p:txBody>
           <a:bodyPr>
-            <a:normAutofit fontScale="92500"/>
+            <a:normAutofit fontScale="92500" lnSpcReduction="20000"/>
           </a:bodyPr>
           <a:lstStyle/>
           <a:p>
@@ -10033,114 +10028,264 @@
         </p:spPr>
         <p:txBody>
           <a:bodyPr>
-            <a:normAutofit lnSpcReduction="10000"/>
+            <a:normAutofit fontScale="47500" lnSpcReduction="20000"/>
           </a:bodyPr>
           <a:lstStyle/>
           <a:p>
-            <a:r>
-              <a:rPr lang="en-US" sz="1800" dirty="0">
+            <a:pPr marL="0" indent="0">
+              <a:buNone/>
+            </a:pPr>
+            <a:r>
+              <a:rPr lang="en-US" sz="2900" dirty="0">
                 <a:solidFill>
                   <a:srgbClr val="0D0D0D"/>
                 </a:solidFill>
                 <a:latin typeface="Söhne"/>
               </a:rPr>
-              <a:t>Pushing custom Docker images to </a:t>
-            </a:r>
-            <a:r>
-              <a:rPr lang="en-US" sz="1800" dirty="0" err="1">
+              <a:t>Upload your locally built docker image to a central repository for sharing and collaboration among team members.</a:t>
+            </a:r>
+          </a:p>
+          <a:p>
+            <a:pPr marL="0" indent="0">
+              <a:buNone/>
+            </a:pPr>
+            <a:r>
+              <a:rPr lang="en-US" sz="2900" dirty="0">
                 <a:solidFill>
                   <a:srgbClr val="0D0D0D"/>
                 </a:solidFill>
                 <a:latin typeface="Söhne"/>
               </a:rPr>
-              <a:t>DockerHub</a:t>
-            </a:r>
-            <a:r>
-              <a:rPr lang="en-US" sz="1800" dirty="0">
+              <a:t>Steps to push docker image to docker hub</a:t>
+            </a:r>
+          </a:p>
+          <a:p>
+            <a:r>
+              <a:rPr lang="en-US" sz="2900" dirty="0">
                 <a:solidFill>
                   <a:srgbClr val="0D0D0D"/>
                 </a:solidFill>
                 <a:latin typeface="Söhne"/>
               </a:rPr>
-              <a:t> involves uploading your locally built images to a central repository for sharing and collaboration among team members.</a:t>
-            </a:r>
-          </a:p>
-          <a:p>
-            <a:r>
-              <a:rPr lang="en-US" sz="1800" dirty="0">
+              <a:t>Create a Docker Hub Account and login to docker hub from </a:t>
+            </a:r>
+            <a:r>
+              <a:rPr lang="en-US" sz="2900" dirty="0" err="1">
                 <a:solidFill>
                   <a:srgbClr val="0D0D0D"/>
                 </a:solidFill>
                 <a:latin typeface="Söhne"/>
               </a:rPr>
-              <a:t>Steps to push </a:t>
-            </a:r>
+              <a:t>cmd</a:t>
+            </a:r>
+            <a:endParaRPr lang="en-US" sz="2900" dirty="0">
+              <a:solidFill>
+                <a:srgbClr val="0D0D0D"/>
+              </a:solidFill>
+              <a:latin typeface="Söhne"/>
+            </a:endParaRPr>
           </a:p>
           <a:p>
             <a:pPr lvl="1"/>
             <a:r>
-              <a:rPr lang="en-US" sz="1700" dirty="0">
+              <a:rPr lang="en-US" sz="2900" dirty="0">
                 <a:solidFill>
                   <a:srgbClr val="0D0D0D"/>
                 </a:solidFill>
                 <a:latin typeface="Söhne"/>
               </a:rPr>
-              <a:t>Tagging Custom Images: Use the ‘docker tag’ command to assign a tag to your custom image, indicating the repository and version.</a:t>
-            </a:r>
+              <a:t>Syntax:  docker login</a:t>
+            </a:r>
+          </a:p>
+          <a:p>
+            <a:r>
+              <a:rPr lang="en-US" sz="2900" dirty="0">
+                <a:solidFill>
+                  <a:srgbClr val="0D0D0D"/>
+                </a:solidFill>
+                <a:latin typeface="Söhne"/>
+              </a:rPr>
+              <a:t>Tagging locally built Image: Before pushing, Use the ‘docker tag’ command to assign a tag to image, indicating the username, image name and version.</a:t>
+            </a:r>
+          </a:p>
+          <a:p>
+            <a:pPr lvl="1"/>
+            <a:r>
+              <a:rPr lang="en-US" sz="2900" dirty="0">
+                <a:solidFill>
+                  <a:srgbClr val="0D0D0D"/>
+                </a:solidFill>
+                <a:latin typeface="Söhne"/>
+              </a:rPr>
+              <a:t>Syntax: docker tag &lt;</a:t>
+            </a:r>
+            <a:r>
+              <a:rPr lang="en-US" sz="2900" dirty="0" err="1">
+                <a:solidFill>
+                  <a:srgbClr val="0D0D0D"/>
+                </a:solidFill>
+                <a:latin typeface="Söhne"/>
+              </a:rPr>
+              <a:t>image_name</a:t>
+            </a:r>
+            <a:r>
+              <a:rPr lang="en-US" sz="2900" dirty="0">
+                <a:solidFill>
+                  <a:srgbClr val="0D0D0D"/>
+                </a:solidFill>
+                <a:latin typeface="Söhne"/>
+              </a:rPr>
+              <a:t>&gt; &lt;username&gt;/&lt;</a:t>
+            </a:r>
+            <a:r>
+              <a:rPr lang="en-US" sz="2900" dirty="0" err="1">
+                <a:solidFill>
+                  <a:srgbClr val="0D0D0D"/>
+                </a:solidFill>
+                <a:latin typeface="Söhne"/>
+              </a:rPr>
+              <a:t>image_name</a:t>
+            </a:r>
+            <a:r>
+              <a:rPr lang="en-US" sz="2900" dirty="0">
+                <a:solidFill>
+                  <a:srgbClr val="0D0D0D"/>
+                </a:solidFill>
+                <a:latin typeface="Söhne"/>
+              </a:rPr>
+              <a:t>&gt;:&lt;version&gt;</a:t>
+            </a:r>
+          </a:p>
+          <a:p>
+            <a:pPr lvl="1"/>
+            <a:r>
+              <a:rPr lang="en-US" sz="2900" dirty="0">
+                <a:solidFill>
+                  <a:srgbClr val="0D0D0D"/>
+                </a:solidFill>
+                <a:latin typeface="Söhne"/>
+              </a:rPr>
+              <a:t>Ex. </a:t>
+            </a:r>
+            <a:r>
+              <a:rPr lang="sv-SE" sz="2900" dirty="0">
+                <a:solidFill>
+                  <a:srgbClr val="0D0D0D"/>
+                </a:solidFill>
+                <a:latin typeface="Söhne"/>
+              </a:rPr>
+              <a:t>docker tag py_app tan/pyapp:v1</a:t>
+            </a:r>
+            <a:endParaRPr lang="en-US" sz="2900" dirty="0">
+              <a:solidFill>
+                <a:srgbClr val="0D0D0D"/>
+              </a:solidFill>
+              <a:latin typeface="Söhne"/>
+            </a:endParaRPr>
+          </a:p>
+          <a:p>
+            <a:r>
+              <a:rPr lang="en-US" sz="2900" dirty="0">
+                <a:solidFill>
+                  <a:srgbClr val="0D0D0D"/>
+                </a:solidFill>
+                <a:latin typeface="Söhne"/>
+              </a:rPr>
+              <a:t>Upload your tagged image to Docker Hub with push command.</a:t>
+            </a:r>
+          </a:p>
+          <a:p>
+            <a:pPr lvl="1"/>
+            <a:r>
+              <a:rPr lang="en-US" sz="2900" dirty="0">
+                <a:solidFill>
+                  <a:srgbClr val="0D0D0D"/>
+                </a:solidFill>
+                <a:latin typeface="Söhne"/>
+              </a:rPr>
+              <a:t>Syntax: `docker push &lt;username&gt;/&lt; </a:t>
+            </a:r>
+            <a:r>
+              <a:rPr lang="en-US" sz="2900" dirty="0" err="1">
+                <a:solidFill>
+                  <a:srgbClr val="0D0D0D"/>
+                </a:solidFill>
+                <a:latin typeface="Söhne"/>
+              </a:rPr>
+              <a:t>image_name</a:t>
+            </a:r>
+            <a:r>
+              <a:rPr lang="en-US" sz="2900" dirty="0">
+                <a:solidFill>
+                  <a:srgbClr val="0D0D0D"/>
+                </a:solidFill>
+                <a:latin typeface="Söhne"/>
+              </a:rPr>
+              <a:t>&gt;:&lt;tag&gt;</a:t>
+            </a:r>
+          </a:p>
+          <a:p>
+            <a:pPr lvl="1"/>
+            <a:r>
+              <a:rPr lang="en-US" sz="2900" dirty="0">
+                <a:solidFill>
+                  <a:srgbClr val="0D0D0D"/>
+                </a:solidFill>
+                <a:latin typeface="Söhne"/>
+              </a:rPr>
+              <a:t>Ex: `docker push </a:t>
+            </a:r>
+            <a:r>
+              <a:rPr lang="sv-SE" sz="2900" dirty="0">
+                <a:solidFill>
+                  <a:srgbClr val="0D0D0D"/>
+                </a:solidFill>
+                <a:latin typeface="Söhne"/>
+              </a:rPr>
+              <a:t>tan</a:t>
+            </a:r>
+            <a:r>
+              <a:rPr lang="en-US" sz="2900" dirty="0">
+                <a:solidFill>
+                  <a:srgbClr val="0D0D0D"/>
+                </a:solidFill>
+                <a:latin typeface="Söhne"/>
+              </a:rPr>
+              <a:t>/</a:t>
+            </a:r>
+            <a:r>
+              <a:rPr lang="sv-SE" sz="2900" dirty="0">
+                <a:solidFill>
+                  <a:srgbClr val="0D0D0D"/>
+                </a:solidFill>
+                <a:latin typeface="Söhne"/>
+              </a:rPr>
+              <a:t>pyapp:v1</a:t>
+            </a:r>
+            <a:endParaRPr lang="en-US" sz="2900" dirty="0">
+              <a:solidFill>
+                <a:srgbClr val="0D0D0D"/>
+              </a:solidFill>
+              <a:latin typeface="Söhne"/>
+            </a:endParaRPr>
           </a:p>
           <a:p>
             <a:pPr lvl="2"/>
-            <a:r>
-              <a:rPr lang="en-US" sz="1500" dirty="0">
-                <a:solidFill>
-                  <a:srgbClr val="0D0D0D"/>
-                </a:solidFill>
-                <a:latin typeface="Söhne"/>
-              </a:rPr>
-              <a:t>Example: `docker tag &lt;</a:t>
-            </a:r>
-            <a:r>
-              <a:rPr lang="en-US" sz="1500" dirty="0" err="1">
-                <a:solidFill>
-                  <a:srgbClr val="0D0D0D"/>
-                </a:solidFill>
-                <a:latin typeface="Söhne"/>
-              </a:rPr>
-              <a:t>image_id</a:t>
-            </a:r>
-            <a:r>
-              <a:rPr lang="en-US" sz="1500" dirty="0">
-                <a:solidFill>
-                  <a:srgbClr val="0D0D0D"/>
-                </a:solidFill>
-                <a:latin typeface="Söhne"/>
-              </a:rPr>
-              <a:t>&gt; &lt;username&gt;/&lt;repository&gt;:</a:t>
-            </a:r>
-          </a:p>
-          <a:p>
-            <a:pPr lvl="1"/>
-            <a:r>
-              <a:rPr lang="en-US" sz="1700" dirty="0">
-                <a:solidFill>
-                  <a:srgbClr val="0D0D0D"/>
-                </a:solidFill>
-                <a:latin typeface="Söhne"/>
-              </a:rPr>
-              <a:t>Use the docker push command to upload your tagged image to Docker Hub.</a:t>
-            </a:r>
+            <a:endParaRPr lang="en-US" sz="1500" dirty="0">
+              <a:solidFill>
+                <a:srgbClr val="0D0D0D"/>
+              </a:solidFill>
+              <a:latin typeface="Söhne"/>
+            </a:endParaRPr>
           </a:p>
           <a:p>
             <a:pPr lvl="2"/>
-            <a:r>
-              <a:rPr lang="en-US" sz="1500" dirty="0">
-                <a:solidFill>
-                  <a:srgbClr val="0D0D0D"/>
-                </a:solidFill>
-                <a:latin typeface="Söhne"/>
-              </a:rPr>
-              <a:t>Example: `docker push &lt;username&gt;/&lt;repository&gt;</a:t>
-            </a:r>
+            <a:endParaRPr lang="en-US" sz="1500" dirty="0">
+              <a:solidFill>
+                <a:srgbClr val="0D0D0D"/>
+              </a:solidFill>
+              <a:latin typeface="Söhne"/>
+            </a:endParaRPr>
           </a:p>
           <a:p>
             <a:pPr>
@@ -10229,7 +10374,7 @@
         </p:spPr>
         <p:txBody>
           <a:bodyPr>
-            <a:normAutofit lnSpcReduction="10000"/>
+            <a:normAutofit fontScale="47500" lnSpcReduction="20000"/>
           </a:bodyPr>
           <a:lstStyle/>
           <a:p>
@@ -12486,13 +12631,13 @@
         </p:nvSpPr>
         <p:spPr>
           <a:xfrm>
-            <a:off x="1089329" y="2010877"/>
-            <a:ext cx="5386886" cy="4042234"/>
+            <a:off x="787180" y="2010877"/>
+            <a:ext cx="6090698" cy="4042234"/>
           </a:xfrm>
         </p:spPr>
         <p:txBody>
           <a:bodyPr>
-            <a:normAutofit fontScale="85000" lnSpcReduction="20000"/>
+            <a:normAutofit lnSpcReduction="10000"/>
           </a:bodyPr>
           <a:lstStyle/>
           <a:p>
@@ -12547,13 +12692,23 @@
           </a:p>
           <a:p>
             <a:r>
+              <a:rPr lang="en-US" b="0" i="0" dirty="0">
+                <a:solidFill>
+                  <a:srgbClr val="374151"/>
+                </a:solidFill>
+                <a:effectLst/>
+                <a:latin typeface="Söhne"/>
+              </a:rPr>
+              <a:t>Steps to </a:t>
+            </a:r>
+            <a:r>
               <a:rPr lang="en-US" dirty="0">
                 <a:solidFill>
                   <a:srgbClr val="374151"/>
                 </a:solidFill>
                 <a:latin typeface="Söhne"/>
               </a:rPr>
-              <a:t>D</a:t>
+              <a:t>c</a:t>
             </a:r>
             <a:r>
               <a:rPr lang="en-US" b="0" i="0" dirty="0">
@@ -12563,22 +12718,12 @@
                 <a:effectLst/>
                 <a:latin typeface="Söhne"/>
               </a:rPr>
-              <a:t>ocker image:  </a:t>
+              <a:t>reate a Docker Image of Our Python Application:  </a:t>
             </a:r>
           </a:p>
           <a:p>
             <a:pPr lvl="1"/>
             <a:r>
-              <a:rPr lang="en-US" b="1" i="0" dirty="0">
-                <a:solidFill>
-                  <a:srgbClr val="374151"/>
-                </a:solidFill>
-                <a:effectLst/>
-                <a:latin typeface="Söhne"/>
-              </a:rPr>
-              <a:t>contains everything your application needs to run smoothly</a:t>
-            </a:r>
-            <a:r>
               <a:rPr lang="en-US" b="0" i="0" dirty="0">
                 <a:solidFill>
                   <a:srgbClr val="374151"/>
@@ -12586,8 +12731,210 @@
                 <a:effectLst/>
                 <a:latin typeface="Söhne"/>
               </a:rPr>
-              <a:t>—its code, dependencies, and configurations. </a:t>
-            </a:r>
+              <a:t>Create a Dockerfile specify</a:t>
+            </a:r>
+            <a:r>
+              <a:rPr lang="en-US" dirty="0">
+                <a:solidFill>
+                  <a:srgbClr val="374151"/>
+                </a:solidFill>
+                <a:latin typeface="Söhne"/>
+              </a:rPr>
+              <a:t>ing</a:t>
+            </a:r>
+            <a:r>
+              <a:rPr lang="en-US" b="0" i="0" dirty="0">
+                <a:solidFill>
+                  <a:srgbClr val="374151"/>
+                </a:solidFill>
+                <a:effectLst/>
+                <a:latin typeface="Söhne"/>
+              </a:rPr>
+              <a:t> the base Python image  </a:t>
+            </a:r>
+          </a:p>
+          <a:p>
+            <a:pPr lvl="1"/>
+            <a:r>
+              <a:rPr lang="en-US" b="0" i="0" dirty="0">
+                <a:solidFill>
+                  <a:srgbClr val="374151"/>
+                </a:solidFill>
+                <a:effectLst/>
+                <a:latin typeface="Söhne"/>
+              </a:rPr>
+              <a:t>Specify dependency libraries to install (usually done via a requirements.txt file)</a:t>
+            </a:r>
+          </a:p>
+          <a:p>
+            <a:pPr lvl="1"/>
+            <a:r>
+              <a:rPr lang="en-US" b="0" i="0" dirty="0">
+                <a:solidFill>
+                  <a:srgbClr val="374151"/>
+                </a:solidFill>
+                <a:effectLst/>
+                <a:latin typeface="Söhne"/>
+              </a:rPr>
+              <a:t>Specify configurations</a:t>
+            </a:r>
+            <a:r>
+              <a:rPr lang="en-US" dirty="0">
+                <a:solidFill>
+                  <a:srgbClr val="374151"/>
+                </a:solidFill>
+                <a:latin typeface="Söhne"/>
+              </a:rPr>
+              <a:t> that our application needs to run.</a:t>
+            </a:r>
+          </a:p>
+          <a:p>
+            <a:pPr lvl="1"/>
+            <a:r>
+              <a:rPr lang="en-US" sz="1700" dirty="0">
+                <a:solidFill>
+                  <a:srgbClr val="374151"/>
+                </a:solidFill>
+                <a:latin typeface="Söhne"/>
+              </a:rPr>
+              <a:t>Run the </a:t>
+            </a:r>
+            <a:r>
+              <a:rPr lang="en-US" sz="1800" b="0" i="0" dirty="0" err="1">
+                <a:solidFill>
+                  <a:srgbClr val="374151"/>
+                </a:solidFill>
+                <a:effectLst/>
+                <a:latin typeface="Söhne"/>
+              </a:rPr>
+              <a:t>Dockerfile</a:t>
+            </a:r>
+            <a:r>
+              <a:rPr lang="en-US" sz="1800" b="0" i="0" dirty="0">
+                <a:solidFill>
+                  <a:srgbClr val="374151"/>
+                </a:solidFill>
+                <a:effectLst/>
+                <a:latin typeface="Söhne"/>
+              </a:rPr>
+              <a:t> </a:t>
+            </a:r>
+            <a:r>
+              <a:rPr lang="en-US" sz="1700" dirty="0">
+                <a:solidFill>
+                  <a:srgbClr val="374151"/>
+                </a:solidFill>
+                <a:latin typeface="Söhne"/>
+              </a:rPr>
+              <a:t>from </a:t>
+            </a:r>
+            <a:r>
+              <a:rPr lang="en-US" sz="1700" dirty="0" err="1">
+                <a:solidFill>
+                  <a:srgbClr val="374151"/>
+                </a:solidFill>
+                <a:latin typeface="Söhne"/>
+              </a:rPr>
+              <a:t>cmd</a:t>
+            </a:r>
+            <a:r>
+              <a:rPr lang="en-US" sz="1700" dirty="0">
+                <a:solidFill>
+                  <a:srgbClr val="374151"/>
+                </a:solidFill>
+                <a:latin typeface="Söhne"/>
+              </a:rPr>
+              <a:t> prompt</a:t>
+            </a:r>
+          </a:p>
+          <a:p>
+            <a:pPr lvl="2">
+              <a:lnSpc>
+                <a:spcPct val="110000"/>
+              </a:lnSpc>
+            </a:pPr>
+            <a:r>
+              <a:rPr lang="en-US" sz="1400" dirty="0">
+                <a:solidFill>
+                  <a:srgbClr val="374151"/>
+                </a:solidFill>
+                <a:latin typeface="Söhne"/>
+              </a:rPr>
+              <a:t>Syntax: docker build -t &lt;</a:t>
+            </a:r>
+            <a:r>
+              <a:rPr lang="en-US" sz="1400" dirty="0" err="1">
+                <a:solidFill>
+                  <a:srgbClr val="374151"/>
+                </a:solidFill>
+                <a:latin typeface="Söhne"/>
+              </a:rPr>
+              <a:t>image_name</a:t>
+            </a:r>
+            <a:r>
+              <a:rPr lang="en-US" sz="1400" dirty="0">
+                <a:solidFill>
+                  <a:srgbClr val="374151"/>
+                </a:solidFill>
+                <a:latin typeface="Söhne"/>
+              </a:rPr>
+              <a:t>&gt; &lt;</a:t>
+            </a:r>
+            <a:r>
+              <a:rPr lang="en-US" sz="1400" dirty="0" err="1">
+                <a:solidFill>
+                  <a:srgbClr val="374151"/>
+                </a:solidFill>
+                <a:latin typeface="Söhne"/>
+              </a:rPr>
+              <a:t>path_to_Dockerfile</a:t>
+            </a:r>
+            <a:r>
+              <a:rPr lang="en-US" sz="1400" dirty="0">
+                <a:solidFill>
+                  <a:srgbClr val="374151"/>
+                </a:solidFill>
+                <a:latin typeface="Söhne"/>
+              </a:rPr>
+              <a:t>&gt;</a:t>
+            </a:r>
+          </a:p>
+          <a:p>
+            <a:pPr lvl="2">
+              <a:lnSpc>
+                <a:spcPct val="110000"/>
+              </a:lnSpc>
+            </a:pPr>
+            <a:r>
+              <a:rPr lang="en-US" sz="1400" dirty="0">
+                <a:solidFill>
+                  <a:srgbClr val="374151"/>
+                </a:solidFill>
+                <a:latin typeface="Söhne"/>
+              </a:rPr>
+              <a:t>Ex. docker build -t </a:t>
+            </a:r>
+            <a:r>
+              <a:rPr lang="en-US" sz="1400" dirty="0" err="1">
+                <a:solidFill>
+                  <a:srgbClr val="374151"/>
+                </a:solidFill>
+                <a:latin typeface="Söhne"/>
+              </a:rPr>
+              <a:t>my_app</a:t>
+            </a:r>
+            <a:r>
+              <a:rPr lang="en-US" sz="1400" dirty="0">
+                <a:solidFill>
+                  <a:srgbClr val="374151"/>
+                </a:solidFill>
+                <a:latin typeface="Söhne"/>
+              </a:rPr>
+              <a:t> . </a:t>
+            </a:r>
+          </a:p>
+          <a:p>
+            <a:pPr lvl="1"/>
             <a:endParaRPr lang="en-US" dirty="0">
               <a:solidFill>
                 <a:srgbClr val="374151"/>
@@ -12597,134 +12944,12 @@
           </a:p>
           <a:p>
             <a:pPr lvl="1"/>
-            <a:r>
-              <a:rPr lang="en-US" b="0" i="0" dirty="0">
-                <a:solidFill>
-                  <a:srgbClr val="374151"/>
-                </a:solidFill>
-                <a:effectLst/>
-                <a:latin typeface="Söhne"/>
-              </a:rPr>
-              <a:t>For ex. It's like a </a:t>
-            </a:r>
-            <a:r>
-              <a:rPr lang="en-US" b="1" i="1" dirty="0">
-                <a:solidFill>
-                  <a:srgbClr val="374151"/>
-                </a:solidFill>
-                <a:effectLst/>
-                <a:latin typeface="Söhne"/>
-              </a:rPr>
-              <a:t>digital suitcase for your app</a:t>
-            </a:r>
-            <a:r>
-              <a:rPr lang="en-US" b="0" i="0" dirty="0">
-                <a:solidFill>
-                  <a:srgbClr val="374151"/>
-                </a:solidFill>
-                <a:effectLst/>
-                <a:latin typeface="Söhne"/>
-              </a:rPr>
-              <a:t>. It holds all the important stuff your app needs to work, ( its code, tools it relies on, and how it's set up).</a:t>
-            </a:r>
-          </a:p>
-          <a:p>
-            <a:r>
-              <a:rPr lang="en-US" b="0" i="0" dirty="0">
-                <a:solidFill>
-                  <a:srgbClr val="374151"/>
-                </a:solidFill>
-                <a:effectLst/>
-                <a:latin typeface="Söhne"/>
-              </a:rPr>
-              <a:t>Steps </a:t>
-            </a:r>
-            <a:r>
-              <a:rPr lang="en-US" dirty="0">
-                <a:solidFill>
-                  <a:srgbClr val="374151"/>
-                </a:solidFill>
-                <a:latin typeface="Söhne"/>
-              </a:rPr>
-              <a:t>t</a:t>
-            </a:r>
-            <a:r>
-              <a:rPr lang="en-US" b="0" i="0" dirty="0">
-                <a:solidFill>
-                  <a:srgbClr val="374151"/>
-                </a:solidFill>
-                <a:effectLst/>
-                <a:latin typeface="Söhne"/>
-              </a:rPr>
-              <a:t>o run a python application in docker:  </a:t>
-            </a:r>
-          </a:p>
-          <a:p>
-            <a:pPr lvl="1"/>
-            <a:r>
-              <a:rPr lang="en-US" b="0" i="0" dirty="0">
-                <a:solidFill>
-                  <a:srgbClr val="374151"/>
-                </a:solidFill>
-                <a:effectLst/>
-                <a:latin typeface="Söhne"/>
-              </a:rPr>
-              <a:t>Create a Dockerfile specify</a:t>
-            </a:r>
-            <a:r>
-              <a:rPr lang="en-US" dirty="0">
-                <a:solidFill>
-                  <a:srgbClr val="374151"/>
-                </a:solidFill>
-                <a:latin typeface="Söhne"/>
-              </a:rPr>
-              <a:t>ing</a:t>
-            </a:r>
-            <a:r>
-              <a:rPr lang="en-US" b="0" i="0" dirty="0">
-                <a:solidFill>
-                  <a:srgbClr val="374151"/>
-                </a:solidFill>
-                <a:effectLst/>
-                <a:latin typeface="Söhne"/>
-              </a:rPr>
-              <a:t> the base Python image  </a:t>
-            </a:r>
-          </a:p>
-          <a:p>
-            <a:pPr lvl="1"/>
-            <a:r>
-              <a:rPr lang="en-US" b="0" i="0" dirty="0">
-                <a:solidFill>
-                  <a:srgbClr val="374151"/>
-                </a:solidFill>
-                <a:effectLst/>
-                <a:latin typeface="Söhne"/>
-              </a:rPr>
-              <a:t>Specify dependency libraries to install (usually done via a requirements.txt file)</a:t>
-            </a:r>
-          </a:p>
-          <a:p>
-            <a:pPr lvl="1"/>
-            <a:r>
-              <a:rPr lang="en-US" b="0" i="0" dirty="0">
-                <a:solidFill>
-                  <a:srgbClr val="374151"/>
-                </a:solidFill>
-                <a:effectLst/>
-                <a:latin typeface="Söhne"/>
-              </a:rPr>
-              <a:t>Specify configurations</a:t>
-            </a:r>
-            <a:r>
-              <a:rPr lang="en-US" dirty="0">
-                <a:solidFill>
-                  <a:srgbClr val="374151"/>
-                </a:solidFill>
-                <a:latin typeface="Söhne"/>
-              </a:rPr>
-              <a:t> required for our application to run.</a:t>
-            </a:r>
+            <a:endParaRPr lang="en-US" dirty="0">
+              <a:solidFill>
+                <a:srgbClr val="374151"/>
+              </a:solidFill>
+              <a:latin typeface="Söhne"/>
+            </a:endParaRPr>
           </a:p>
         </p:txBody>
       </p:sp>
@@ -12775,7 +13000,9 @@
         </p:nvSpPr>
         <p:spPr/>
         <p:txBody>
-          <a:bodyPr/>
+          <a:bodyPr>
+            <a:normAutofit lnSpcReduction="10000"/>
+          </a:bodyPr>
           <a:lstStyle/>
           <a:p>
             <a:endParaRPr lang="en-SG" dirty="0"/>
@@ -12804,8 +13031,8 @@
         </p:blipFill>
         <p:spPr>
           <a:xfrm>
-            <a:off x="6331548" y="2010878"/>
-            <a:ext cx="5002802" cy="3447986"/>
+            <a:off x="6758609" y="2010878"/>
+            <a:ext cx="4575740" cy="3447986"/>
           </a:xfrm>
           <a:prstGeom prst="rect">
             <a:avLst/>
